--- a/04-gitops-in-aks-with-flux/slides/GitOps in AKS with Flux.pptx
+++ b/04-gitops-in-aks-with-flux/slides/GitOps in AKS with Flux.pptx
@@ -111,6 +111,11 @@
       </a:defRPr>
     </a:lvl9pPr>
   </p:defaultTextStyle>
+  <p:extLst>
+    <p:ext uri="{EFAFB233-063F-42B5-8137-9DF3F51BA10A}">
+      <p15:sldGuideLst xmlns:p15="http://schemas.microsoft.com/office/powerpoint/2012/main"/>
+    </p:ext>
+  </p:extLst>
 </p:presentation>
 </file>
 
@@ -196,7 +201,7 @@
           <a:p>
             <a:fld id="{39ECB77B-8C2F-499B-AE9C-A56E6D14A93C}" type="datetimeFigureOut">
               <a:rPr lang="nb-NO" smtClean="0"/>
-              <a:t>08.09.2021</a:t>
+              <a:t>07.10.2021</a:t>
             </a:fld>
             <a:endParaRPr lang="nb-NO"/>
           </a:p>
@@ -1077,7 +1082,7 @@
           <a:p>
             <a:fld id="{CE88D40F-0E01-46E3-A0A3-09B1E418DDBF}" type="datetimeFigureOut">
               <a:rPr lang="en-US" smtClean="0"/>
-              <a:t>9/8/2021</a:t>
+              <a:t>10/7/2021</a:t>
             </a:fld>
             <a:endParaRPr lang="en-US"/>
           </a:p>
@@ -1275,7 +1280,7 @@
           <a:p>
             <a:fld id="{CE88D40F-0E01-46E3-A0A3-09B1E418DDBF}" type="datetimeFigureOut">
               <a:rPr lang="en-US" smtClean="0"/>
-              <a:t>9/8/2021</a:t>
+              <a:t>10/7/2021</a:t>
             </a:fld>
             <a:endParaRPr lang="en-US"/>
           </a:p>
@@ -1483,7 +1488,7 @@
           <a:p>
             <a:fld id="{CE88D40F-0E01-46E3-A0A3-09B1E418DDBF}" type="datetimeFigureOut">
               <a:rPr lang="en-US" smtClean="0"/>
-              <a:t>9/8/2021</a:t>
+              <a:t>10/7/2021</a:t>
             </a:fld>
             <a:endParaRPr lang="en-US"/>
           </a:p>
@@ -2125,7 +2130,7 @@
           <a:p>
             <a:fld id="{CE88D40F-0E01-46E3-A0A3-09B1E418DDBF}" type="datetimeFigureOut">
               <a:rPr lang="en-US" smtClean="0"/>
-              <a:t>9/8/2021</a:t>
+              <a:t>10/7/2021</a:t>
             </a:fld>
             <a:endParaRPr lang="en-US"/>
           </a:p>
@@ -2400,7 +2405,7 @@
           <a:p>
             <a:fld id="{CE88D40F-0E01-46E3-A0A3-09B1E418DDBF}" type="datetimeFigureOut">
               <a:rPr lang="en-US" smtClean="0"/>
-              <a:t>9/8/2021</a:t>
+              <a:t>10/7/2021</a:t>
             </a:fld>
             <a:endParaRPr lang="en-US"/>
           </a:p>
@@ -2665,7 +2670,7 @@
           <a:p>
             <a:fld id="{CE88D40F-0E01-46E3-A0A3-09B1E418DDBF}" type="datetimeFigureOut">
               <a:rPr lang="en-US" smtClean="0"/>
-              <a:t>9/8/2021</a:t>
+              <a:t>10/7/2021</a:t>
             </a:fld>
             <a:endParaRPr lang="en-US"/>
           </a:p>
@@ -3077,7 +3082,7 @@
           <a:p>
             <a:fld id="{CE88D40F-0E01-46E3-A0A3-09B1E418DDBF}" type="datetimeFigureOut">
               <a:rPr lang="en-US" smtClean="0"/>
-              <a:t>9/8/2021</a:t>
+              <a:t>10/7/2021</a:t>
             </a:fld>
             <a:endParaRPr lang="en-US"/>
           </a:p>
@@ -3218,7 +3223,7 @@
           <a:p>
             <a:fld id="{CE88D40F-0E01-46E3-A0A3-09B1E418DDBF}" type="datetimeFigureOut">
               <a:rPr lang="en-US" smtClean="0"/>
-              <a:t>9/8/2021</a:t>
+              <a:t>10/7/2021</a:t>
             </a:fld>
             <a:endParaRPr lang="en-US"/>
           </a:p>
@@ -3331,7 +3336,7 @@
           <a:p>
             <a:fld id="{CE88D40F-0E01-46E3-A0A3-09B1E418DDBF}" type="datetimeFigureOut">
               <a:rPr lang="en-US" smtClean="0"/>
-              <a:t>9/8/2021</a:t>
+              <a:t>10/7/2021</a:t>
             </a:fld>
             <a:endParaRPr lang="en-US"/>
           </a:p>
@@ -3642,7 +3647,7 @@
           <a:p>
             <a:fld id="{CE88D40F-0E01-46E3-A0A3-09B1E418DDBF}" type="datetimeFigureOut">
               <a:rPr lang="en-US" smtClean="0"/>
-              <a:t>9/8/2021</a:t>
+              <a:t>10/7/2021</a:t>
             </a:fld>
             <a:endParaRPr lang="en-US"/>
           </a:p>
@@ -3930,7 +3935,7 @@
           <a:p>
             <a:fld id="{CE88D40F-0E01-46E3-A0A3-09B1E418DDBF}" type="datetimeFigureOut">
               <a:rPr lang="en-US" smtClean="0"/>
-              <a:t>9/8/2021</a:t>
+              <a:t>10/7/2021</a:t>
             </a:fld>
             <a:endParaRPr lang="en-US"/>
           </a:p>
@@ -4171,7 +4176,7 @@
           <a:p>
             <a:fld id="{CE88D40F-0E01-46E3-A0A3-09B1E418DDBF}" type="datetimeFigureOut">
               <a:rPr lang="en-US" smtClean="0"/>
-              <a:t>9/8/2021</a:t>
+              <a:t>10/7/2021</a:t>
             </a:fld>
             <a:endParaRPr lang="en-US"/>
           </a:p>
@@ -5755,7 +5760,7 @@
               <a:rPr lang="en" sz="2000" dirty="0">
                 <a:latin typeface="Comic Sans MS" panose="030F0702030302020204" pitchFamily="66" charset="0"/>
               </a:rPr>
-              <a:t>12.10.2021</a:t>
+              <a:t>03.11.2021</a:t>
             </a:r>
             <a:endParaRPr lang="en-US" sz="2000" dirty="0">
               <a:latin typeface="Comic Sans MS" panose="030F0702030302020204" pitchFamily="66" charset="0"/>

--- a/04-gitops-in-aks-with-flux/slides/GitOps in AKS with Flux.pptx
+++ b/04-gitops-in-aks-with-flux/slides/GitOps in AKS with Flux.pptx
@@ -5,7 +5,7 @@
     <p:sldMasterId id="2147483660" r:id="rId1"/>
   </p:sldMasterIdLst>
   <p:notesMasterIdLst>
-    <p:notesMasterId r:id="rId7"/>
+    <p:notesMasterId r:id="rId14"/>
   </p:notesMasterIdLst>
   <p:sldIdLst>
     <p:sldId id="2076136299" r:id="rId2"/>
@@ -13,6 +13,13 @@
     <p:sldId id="258" r:id="rId4"/>
     <p:sldId id="260" r:id="rId5"/>
     <p:sldId id="259" r:id="rId6"/>
+    <p:sldId id="2076136303" r:id="rId7"/>
+    <p:sldId id="2076136304" r:id="rId8"/>
+    <p:sldId id="2076136302" r:id="rId9"/>
+    <p:sldId id="2076136305" r:id="rId10"/>
+    <p:sldId id="2076136308" r:id="rId11"/>
+    <p:sldId id="2076136306" r:id="rId12"/>
+    <p:sldId id="2076136307" r:id="rId13"/>
   </p:sldIdLst>
   <p:sldSz cx="12192000" cy="6858000"/>
   <p:notesSz cx="6858000" cy="9144000"/>
@@ -201,7 +208,7 @@
           <a:p>
             <a:fld id="{39ECB77B-8C2F-499B-AE9C-A56E6D14A93C}" type="datetimeFigureOut">
               <a:rPr lang="nb-NO" smtClean="0"/>
-              <a:t>07.10.2021</a:t>
+              <a:t>03.11.2021</a:t>
             </a:fld>
             <a:endParaRPr lang="nb-NO"/>
           </a:p>
@@ -613,6 +620,294 @@
 </p:notes>
 </file>
 
+<file path=ppt/notesSlides/notesSlide10.xml><?xml version="1.0" encoding="utf-8"?>
+<p:notes xmlns:a="http://schemas.openxmlformats.org/drawingml/2006/main" xmlns:r="http://schemas.openxmlformats.org/officeDocument/2006/relationships" xmlns:p="http://schemas.openxmlformats.org/presentationml/2006/main">
+  <p:cSld>
+    <p:spTree>
+      <p:nvGrpSpPr>
+        <p:cNvPr id="1" name=""/>
+        <p:cNvGrpSpPr/>
+        <p:nvPr/>
+      </p:nvGrpSpPr>
+      <p:grpSpPr>
+        <a:xfrm>
+          <a:off x="0" y="0"/>
+          <a:ext cx="0" cy="0"/>
+          <a:chOff x="0" y="0"/>
+          <a:chExt cx="0" cy="0"/>
+        </a:xfrm>
+      </p:grpSpPr>
+      <p:sp>
+        <p:nvSpPr>
+          <p:cNvPr id="2" name="Slide Image Placeholder 1"/>
+          <p:cNvSpPr>
+            <a:spLocks noGrp="1" noRot="1" noChangeAspect="1"/>
+          </p:cNvSpPr>
+          <p:nvPr>
+            <p:ph type="sldImg"/>
+          </p:nvPr>
+        </p:nvSpPr>
+        <p:spPr/>
+      </p:sp>
+      <p:sp>
+        <p:nvSpPr>
+          <p:cNvPr id="3" name="Notes Placeholder 2"/>
+          <p:cNvSpPr>
+            <a:spLocks noGrp="1"/>
+          </p:cNvSpPr>
+          <p:nvPr>
+            <p:ph type="body" idx="1"/>
+          </p:nvPr>
+        </p:nvSpPr>
+        <p:spPr/>
+        <p:txBody>
+          <a:bodyPr/>
+          <a:lstStyle/>
+          <a:p>
+            <a:endParaRPr lang="nb-NO" dirty="0"/>
+          </a:p>
+        </p:txBody>
+      </p:sp>
+      <p:sp>
+        <p:nvSpPr>
+          <p:cNvPr id="4" name="Slide Number Placeholder 3"/>
+          <p:cNvSpPr>
+            <a:spLocks noGrp="1"/>
+          </p:cNvSpPr>
+          <p:nvPr>
+            <p:ph type="sldNum" sz="quarter" idx="5"/>
+          </p:nvPr>
+        </p:nvSpPr>
+        <p:spPr/>
+        <p:txBody>
+          <a:bodyPr/>
+          <a:lstStyle/>
+          <a:p>
+            <a:pPr marL="0" marR="0" lvl="0" indent="0" algn="r" defTabSz="914400" rtl="0" eaLnBrk="1" fontAlgn="auto" latinLnBrk="0" hangingPunct="1">
+              <a:lnSpc>
+                <a:spcPct val="100000"/>
+              </a:lnSpc>
+              <a:spcBef>
+                <a:spcPts val="0"/>
+              </a:spcBef>
+              <a:spcAft>
+                <a:spcPts val="0"/>
+              </a:spcAft>
+              <a:buClrTx/>
+              <a:buSzTx/>
+              <a:buFontTx/>
+              <a:buNone/>
+              <a:tabLst/>
+              <a:defRPr/>
+            </a:pPr>
+            <a:fld id="{00A560F4-8102-4EC4-BB24-179BCBD2EB8E}" type="slidenum">
+              <a:rPr kumimoji="0" lang="en-US" sz="1200" b="0" i="0" u="none" strike="noStrike" kern="1200" cap="none" spc="0" normalizeH="0" baseline="0" noProof="0" smtClean="0">
+                <a:ln>
+                  <a:noFill/>
+                </a:ln>
+                <a:solidFill>
+                  <a:prstClr val="black"/>
+                </a:solidFill>
+                <a:effectLst/>
+                <a:uLnTx/>
+                <a:uFillTx/>
+                <a:latin typeface="Calibri" panose="020F0502020204030204"/>
+                <a:ea typeface="+mn-ea"/>
+                <a:cs typeface="+mn-cs"/>
+              </a:rPr>
+              <a:pPr marL="0" marR="0" lvl="0" indent="0" algn="r" defTabSz="914400" rtl="0" eaLnBrk="1" fontAlgn="auto" latinLnBrk="0" hangingPunct="1">
+                <a:lnSpc>
+                  <a:spcPct val="100000"/>
+                </a:lnSpc>
+                <a:spcBef>
+                  <a:spcPts val="0"/>
+                </a:spcBef>
+                <a:spcAft>
+                  <a:spcPts val="0"/>
+                </a:spcAft>
+                <a:buClrTx/>
+                <a:buSzTx/>
+                <a:buFontTx/>
+                <a:buNone/>
+                <a:tabLst/>
+                <a:defRPr/>
+              </a:pPr>
+              <a:t>11</a:t>
+            </a:fld>
+            <a:endParaRPr kumimoji="0" lang="en-US" sz="1200" b="0" i="0" u="none" strike="noStrike" kern="1200" cap="none" spc="0" normalizeH="0" baseline="0" noProof="0">
+              <a:ln>
+                <a:noFill/>
+              </a:ln>
+              <a:solidFill>
+                <a:prstClr val="black"/>
+              </a:solidFill>
+              <a:effectLst/>
+              <a:uLnTx/>
+              <a:uFillTx/>
+              <a:latin typeface="Calibri" panose="020F0502020204030204"/>
+              <a:ea typeface="+mn-ea"/>
+              <a:cs typeface="+mn-cs"/>
+            </a:endParaRPr>
+          </a:p>
+        </p:txBody>
+      </p:sp>
+    </p:spTree>
+    <p:extLst>
+      <p:ext uri="{BB962C8B-B14F-4D97-AF65-F5344CB8AC3E}">
+        <p14:creationId xmlns:p14="http://schemas.microsoft.com/office/powerpoint/2010/main" val="3686606446"/>
+      </p:ext>
+    </p:extLst>
+  </p:cSld>
+  <p:clrMapOvr>
+    <a:masterClrMapping/>
+  </p:clrMapOvr>
+</p:notes>
+</file>
+
+<file path=ppt/notesSlides/notesSlide11.xml><?xml version="1.0" encoding="utf-8"?>
+<p:notes xmlns:a="http://schemas.openxmlformats.org/drawingml/2006/main" xmlns:r="http://schemas.openxmlformats.org/officeDocument/2006/relationships" xmlns:p="http://schemas.openxmlformats.org/presentationml/2006/main">
+  <p:cSld>
+    <p:spTree>
+      <p:nvGrpSpPr>
+        <p:cNvPr id="1" name=""/>
+        <p:cNvGrpSpPr/>
+        <p:nvPr/>
+      </p:nvGrpSpPr>
+      <p:grpSpPr>
+        <a:xfrm>
+          <a:off x="0" y="0"/>
+          <a:ext cx="0" cy="0"/>
+          <a:chOff x="0" y="0"/>
+          <a:chExt cx="0" cy="0"/>
+        </a:xfrm>
+      </p:grpSpPr>
+      <p:sp>
+        <p:nvSpPr>
+          <p:cNvPr id="2" name="Slide Image Placeholder 1"/>
+          <p:cNvSpPr>
+            <a:spLocks noGrp="1" noRot="1" noChangeAspect="1"/>
+          </p:cNvSpPr>
+          <p:nvPr>
+            <p:ph type="sldImg"/>
+          </p:nvPr>
+        </p:nvSpPr>
+        <p:spPr/>
+      </p:sp>
+      <p:sp>
+        <p:nvSpPr>
+          <p:cNvPr id="3" name="Notes Placeholder 2"/>
+          <p:cNvSpPr>
+            <a:spLocks noGrp="1"/>
+          </p:cNvSpPr>
+          <p:nvPr>
+            <p:ph type="body" idx="1"/>
+          </p:nvPr>
+        </p:nvSpPr>
+        <p:spPr/>
+        <p:txBody>
+          <a:bodyPr/>
+          <a:lstStyle/>
+          <a:p>
+            <a:endParaRPr lang="nb-NO" dirty="0"/>
+          </a:p>
+        </p:txBody>
+      </p:sp>
+      <p:sp>
+        <p:nvSpPr>
+          <p:cNvPr id="4" name="Slide Number Placeholder 3"/>
+          <p:cNvSpPr>
+            <a:spLocks noGrp="1"/>
+          </p:cNvSpPr>
+          <p:nvPr>
+            <p:ph type="sldNum" sz="quarter" idx="5"/>
+          </p:nvPr>
+        </p:nvSpPr>
+        <p:spPr/>
+        <p:txBody>
+          <a:bodyPr/>
+          <a:lstStyle/>
+          <a:p>
+            <a:pPr marL="0" marR="0" lvl="0" indent="0" algn="r" defTabSz="914400" rtl="0" eaLnBrk="1" fontAlgn="auto" latinLnBrk="0" hangingPunct="1">
+              <a:lnSpc>
+                <a:spcPct val="100000"/>
+              </a:lnSpc>
+              <a:spcBef>
+                <a:spcPts val="0"/>
+              </a:spcBef>
+              <a:spcAft>
+                <a:spcPts val="0"/>
+              </a:spcAft>
+              <a:buClrTx/>
+              <a:buSzTx/>
+              <a:buFontTx/>
+              <a:buNone/>
+              <a:tabLst/>
+              <a:defRPr/>
+            </a:pPr>
+            <a:fld id="{00A560F4-8102-4EC4-BB24-179BCBD2EB8E}" type="slidenum">
+              <a:rPr kumimoji="0" lang="en-US" sz="1200" b="0" i="0" u="none" strike="noStrike" kern="1200" cap="none" spc="0" normalizeH="0" baseline="0" noProof="0" smtClean="0">
+                <a:ln>
+                  <a:noFill/>
+                </a:ln>
+                <a:solidFill>
+                  <a:prstClr val="black"/>
+                </a:solidFill>
+                <a:effectLst/>
+                <a:uLnTx/>
+                <a:uFillTx/>
+                <a:latin typeface="Calibri" panose="020F0502020204030204"/>
+                <a:ea typeface="+mn-ea"/>
+                <a:cs typeface="+mn-cs"/>
+              </a:rPr>
+              <a:pPr marL="0" marR="0" lvl="0" indent="0" algn="r" defTabSz="914400" rtl="0" eaLnBrk="1" fontAlgn="auto" latinLnBrk="0" hangingPunct="1">
+                <a:lnSpc>
+                  <a:spcPct val="100000"/>
+                </a:lnSpc>
+                <a:spcBef>
+                  <a:spcPts val="0"/>
+                </a:spcBef>
+                <a:spcAft>
+                  <a:spcPts val="0"/>
+                </a:spcAft>
+                <a:buClrTx/>
+                <a:buSzTx/>
+                <a:buFontTx/>
+                <a:buNone/>
+                <a:tabLst/>
+                <a:defRPr/>
+              </a:pPr>
+              <a:t>12</a:t>
+            </a:fld>
+            <a:endParaRPr kumimoji="0" lang="en-US" sz="1200" b="0" i="0" u="none" strike="noStrike" kern="1200" cap="none" spc="0" normalizeH="0" baseline="0" noProof="0">
+              <a:ln>
+                <a:noFill/>
+              </a:ln>
+              <a:solidFill>
+                <a:prstClr val="black"/>
+              </a:solidFill>
+              <a:effectLst/>
+              <a:uLnTx/>
+              <a:uFillTx/>
+              <a:latin typeface="Calibri" panose="020F0502020204030204"/>
+              <a:ea typeface="+mn-ea"/>
+              <a:cs typeface="+mn-cs"/>
+            </a:endParaRPr>
+          </a:p>
+        </p:txBody>
+      </p:sp>
+    </p:spTree>
+    <p:extLst>
+      <p:ext uri="{BB962C8B-B14F-4D97-AF65-F5344CB8AC3E}">
+        <p14:creationId xmlns:p14="http://schemas.microsoft.com/office/powerpoint/2010/main" val="3575435629"/>
+      </p:ext>
+    </p:extLst>
+  </p:cSld>
+  <p:clrMapOvr>
+    <a:masterClrMapping/>
+  </p:clrMapOvr>
+</p:notes>
+</file>
+
 <file path=ppt/notesSlides/notesSlide2.xml><?xml version="1.0" encoding="utf-8"?>
 <p:notes xmlns:a="http://schemas.openxmlformats.org/drawingml/2006/main" xmlns:r="http://schemas.openxmlformats.org/officeDocument/2006/relationships" xmlns:p="http://schemas.openxmlformats.org/presentationml/2006/main" showMasterSp="0" showMasterPhAnim="0">
   <p:cSld>
@@ -935,6 +1230,726 @@
 </p:notes>
 </file>
 
+<file path=ppt/notesSlides/notesSlide5.xml><?xml version="1.0" encoding="utf-8"?>
+<p:notes xmlns:a="http://schemas.openxmlformats.org/drawingml/2006/main" xmlns:r="http://schemas.openxmlformats.org/officeDocument/2006/relationships" xmlns:p="http://schemas.openxmlformats.org/presentationml/2006/main">
+  <p:cSld>
+    <p:spTree>
+      <p:nvGrpSpPr>
+        <p:cNvPr id="1" name=""/>
+        <p:cNvGrpSpPr/>
+        <p:nvPr/>
+      </p:nvGrpSpPr>
+      <p:grpSpPr>
+        <a:xfrm>
+          <a:off x="0" y="0"/>
+          <a:ext cx="0" cy="0"/>
+          <a:chOff x="0" y="0"/>
+          <a:chExt cx="0" cy="0"/>
+        </a:xfrm>
+      </p:grpSpPr>
+      <p:sp>
+        <p:nvSpPr>
+          <p:cNvPr id="2" name="Slide Image Placeholder 1"/>
+          <p:cNvSpPr>
+            <a:spLocks noGrp="1" noRot="1" noChangeAspect="1"/>
+          </p:cNvSpPr>
+          <p:nvPr>
+            <p:ph type="sldImg"/>
+          </p:nvPr>
+        </p:nvSpPr>
+        <p:spPr/>
+      </p:sp>
+      <p:sp>
+        <p:nvSpPr>
+          <p:cNvPr id="3" name="Notes Placeholder 2"/>
+          <p:cNvSpPr>
+            <a:spLocks noGrp="1"/>
+          </p:cNvSpPr>
+          <p:nvPr>
+            <p:ph type="body" idx="1"/>
+          </p:nvPr>
+        </p:nvSpPr>
+        <p:spPr/>
+        <p:txBody>
+          <a:bodyPr/>
+          <a:lstStyle/>
+          <a:p>
+            <a:endParaRPr lang="nb-NO" dirty="0"/>
+          </a:p>
+        </p:txBody>
+      </p:sp>
+      <p:sp>
+        <p:nvSpPr>
+          <p:cNvPr id="4" name="Slide Number Placeholder 3"/>
+          <p:cNvSpPr>
+            <a:spLocks noGrp="1"/>
+          </p:cNvSpPr>
+          <p:nvPr>
+            <p:ph type="sldNum" sz="quarter" idx="5"/>
+          </p:nvPr>
+        </p:nvSpPr>
+        <p:spPr/>
+        <p:txBody>
+          <a:bodyPr/>
+          <a:lstStyle/>
+          <a:p>
+            <a:pPr marL="0" marR="0" lvl="0" indent="0" algn="r" defTabSz="914400" rtl="0" eaLnBrk="1" fontAlgn="auto" latinLnBrk="0" hangingPunct="1">
+              <a:lnSpc>
+                <a:spcPct val="100000"/>
+              </a:lnSpc>
+              <a:spcBef>
+                <a:spcPts val="0"/>
+              </a:spcBef>
+              <a:spcAft>
+                <a:spcPts val="0"/>
+              </a:spcAft>
+              <a:buClrTx/>
+              <a:buSzTx/>
+              <a:buFontTx/>
+              <a:buNone/>
+              <a:tabLst/>
+              <a:defRPr/>
+            </a:pPr>
+            <a:fld id="{00A560F4-8102-4EC4-BB24-179BCBD2EB8E}" type="slidenum">
+              <a:rPr kumimoji="0" lang="en-US" sz="1200" b="0" i="0" u="none" strike="noStrike" kern="1200" cap="none" spc="0" normalizeH="0" baseline="0" noProof="0" smtClean="0">
+                <a:ln>
+                  <a:noFill/>
+                </a:ln>
+                <a:solidFill>
+                  <a:prstClr val="black"/>
+                </a:solidFill>
+                <a:effectLst/>
+                <a:uLnTx/>
+                <a:uFillTx/>
+                <a:latin typeface="Calibri" panose="020F0502020204030204"/>
+                <a:ea typeface="+mn-ea"/>
+                <a:cs typeface="+mn-cs"/>
+              </a:rPr>
+              <a:pPr marL="0" marR="0" lvl="0" indent="0" algn="r" defTabSz="914400" rtl="0" eaLnBrk="1" fontAlgn="auto" latinLnBrk="0" hangingPunct="1">
+                <a:lnSpc>
+                  <a:spcPct val="100000"/>
+                </a:lnSpc>
+                <a:spcBef>
+                  <a:spcPts val="0"/>
+                </a:spcBef>
+                <a:spcAft>
+                  <a:spcPts val="0"/>
+                </a:spcAft>
+                <a:buClrTx/>
+                <a:buSzTx/>
+                <a:buFontTx/>
+                <a:buNone/>
+                <a:tabLst/>
+                <a:defRPr/>
+              </a:pPr>
+              <a:t>6</a:t>
+            </a:fld>
+            <a:endParaRPr kumimoji="0" lang="en-US" sz="1200" b="0" i="0" u="none" strike="noStrike" kern="1200" cap="none" spc="0" normalizeH="0" baseline="0" noProof="0">
+              <a:ln>
+                <a:noFill/>
+              </a:ln>
+              <a:solidFill>
+                <a:prstClr val="black"/>
+              </a:solidFill>
+              <a:effectLst/>
+              <a:uLnTx/>
+              <a:uFillTx/>
+              <a:latin typeface="Calibri" panose="020F0502020204030204"/>
+              <a:ea typeface="+mn-ea"/>
+              <a:cs typeface="+mn-cs"/>
+            </a:endParaRPr>
+          </a:p>
+        </p:txBody>
+      </p:sp>
+    </p:spTree>
+    <p:extLst>
+      <p:ext uri="{BB962C8B-B14F-4D97-AF65-F5344CB8AC3E}">
+        <p14:creationId xmlns:p14="http://schemas.microsoft.com/office/powerpoint/2010/main" val="254286458"/>
+      </p:ext>
+    </p:extLst>
+  </p:cSld>
+  <p:clrMapOvr>
+    <a:masterClrMapping/>
+  </p:clrMapOvr>
+</p:notes>
+</file>
+
+<file path=ppt/notesSlides/notesSlide6.xml><?xml version="1.0" encoding="utf-8"?>
+<p:notes xmlns:a="http://schemas.openxmlformats.org/drawingml/2006/main" xmlns:r="http://schemas.openxmlformats.org/officeDocument/2006/relationships" xmlns:p="http://schemas.openxmlformats.org/presentationml/2006/main">
+  <p:cSld>
+    <p:spTree>
+      <p:nvGrpSpPr>
+        <p:cNvPr id="1" name=""/>
+        <p:cNvGrpSpPr/>
+        <p:nvPr/>
+      </p:nvGrpSpPr>
+      <p:grpSpPr>
+        <a:xfrm>
+          <a:off x="0" y="0"/>
+          <a:ext cx="0" cy="0"/>
+          <a:chOff x="0" y="0"/>
+          <a:chExt cx="0" cy="0"/>
+        </a:xfrm>
+      </p:grpSpPr>
+      <p:sp>
+        <p:nvSpPr>
+          <p:cNvPr id="2" name="Slide Image Placeholder 1"/>
+          <p:cNvSpPr>
+            <a:spLocks noGrp="1" noRot="1" noChangeAspect="1"/>
+          </p:cNvSpPr>
+          <p:nvPr>
+            <p:ph type="sldImg"/>
+          </p:nvPr>
+        </p:nvSpPr>
+        <p:spPr/>
+      </p:sp>
+      <p:sp>
+        <p:nvSpPr>
+          <p:cNvPr id="3" name="Notes Placeholder 2"/>
+          <p:cNvSpPr>
+            <a:spLocks noGrp="1"/>
+          </p:cNvSpPr>
+          <p:nvPr>
+            <p:ph type="body" idx="1"/>
+          </p:nvPr>
+        </p:nvSpPr>
+        <p:spPr/>
+        <p:txBody>
+          <a:bodyPr/>
+          <a:lstStyle/>
+          <a:p>
+            <a:endParaRPr lang="nb-NO" dirty="0"/>
+          </a:p>
+        </p:txBody>
+      </p:sp>
+      <p:sp>
+        <p:nvSpPr>
+          <p:cNvPr id="4" name="Slide Number Placeholder 3"/>
+          <p:cNvSpPr>
+            <a:spLocks noGrp="1"/>
+          </p:cNvSpPr>
+          <p:nvPr>
+            <p:ph type="sldNum" sz="quarter" idx="5"/>
+          </p:nvPr>
+        </p:nvSpPr>
+        <p:spPr/>
+        <p:txBody>
+          <a:bodyPr/>
+          <a:lstStyle/>
+          <a:p>
+            <a:pPr marL="0" marR="0" lvl="0" indent="0" algn="r" defTabSz="914400" rtl="0" eaLnBrk="1" fontAlgn="auto" latinLnBrk="0" hangingPunct="1">
+              <a:lnSpc>
+                <a:spcPct val="100000"/>
+              </a:lnSpc>
+              <a:spcBef>
+                <a:spcPts val="0"/>
+              </a:spcBef>
+              <a:spcAft>
+                <a:spcPts val="0"/>
+              </a:spcAft>
+              <a:buClrTx/>
+              <a:buSzTx/>
+              <a:buFontTx/>
+              <a:buNone/>
+              <a:tabLst/>
+              <a:defRPr/>
+            </a:pPr>
+            <a:fld id="{00A560F4-8102-4EC4-BB24-179BCBD2EB8E}" type="slidenum">
+              <a:rPr kumimoji="0" lang="en-US" sz="1200" b="0" i="0" u="none" strike="noStrike" kern="1200" cap="none" spc="0" normalizeH="0" baseline="0" noProof="0" smtClean="0">
+                <a:ln>
+                  <a:noFill/>
+                </a:ln>
+                <a:solidFill>
+                  <a:prstClr val="black"/>
+                </a:solidFill>
+                <a:effectLst/>
+                <a:uLnTx/>
+                <a:uFillTx/>
+                <a:latin typeface="Calibri" panose="020F0502020204030204"/>
+                <a:ea typeface="+mn-ea"/>
+                <a:cs typeface="+mn-cs"/>
+              </a:rPr>
+              <a:pPr marL="0" marR="0" lvl="0" indent="0" algn="r" defTabSz="914400" rtl="0" eaLnBrk="1" fontAlgn="auto" latinLnBrk="0" hangingPunct="1">
+                <a:lnSpc>
+                  <a:spcPct val="100000"/>
+                </a:lnSpc>
+                <a:spcBef>
+                  <a:spcPts val="0"/>
+                </a:spcBef>
+                <a:spcAft>
+                  <a:spcPts val="0"/>
+                </a:spcAft>
+                <a:buClrTx/>
+                <a:buSzTx/>
+                <a:buFontTx/>
+                <a:buNone/>
+                <a:tabLst/>
+                <a:defRPr/>
+              </a:pPr>
+              <a:t>7</a:t>
+            </a:fld>
+            <a:endParaRPr kumimoji="0" lang="en-US" sz="1200" b="0" i="0" u="none" strike="noStrike" kern="1200" cap="none" spc="0" normalizeH="0" baseline="0" noProof="0">
+              <a:ln>
+                <a:noFill/>
+              </a:ln>
+              <a:solidFill>
+                <a:prstClr val="black"/>
+              </a:solidFill>
+              <a:effectLst/>
+              <a:uLnTx/>
+              <a:uFillTx/>
+              <a:latin typeface="Calibri" panose="020F0502020204030204"/>
+              <a:ea typeface="+mn-ea"/>
+              <a:cs typeface="+mn-cs"/>
+            </a:endParaRPr>
+          </a:p>
+        </p:txBody>
+      </p:sp>
+    </p:spTree>
+    <p:extLst>
+      <p:ext uri="{BB962C8B-B14F-4D97-AF65-F5344CB8AC3E}">
+        <p14:creationId xmlns:p14="http://schemas.microsoft.com/office/powerpoint/2010/main" val="590553198"/>
+      </p:ext>
+    </p:extLst>
+  </p:cSld>
+  <p:clrMapOvr>
+    <a:masterClrMapping/>
+  </p:clrMapOvr>
+</p:notes>
+</file>
+
+<file path=ppt/notesSlides/notesSlide7.xml><?xml version="1.0" encoding="utf-8"?>
+<p:notes xmlns:a="http://schemas.openxmlformats.org/drawingml/2006/main" xmlns:r="http://schemas.openxmlformats.org/officeDocument/2006/relationships" xmlns:p="http://schemas.openxmlformats.org/presentationml/2006/main">
+  <p:cSld>
+    <p:spTree>
+      <p:nvGrpSpPr>
+        <p:cNvPr id="1" name=""/>
+        <p:cNvGrpSpPr/>
+        <p:nvPr/>
+      </p:nvGrpSpPr>
+      <p:grpSpPr>
+        <a:xfrm>
+          <a:off x="0" y="0"/>
+          <a:ext cx="0" cy="0"/>
+          <a:chOff x="0" y="0"/>
+          <a:chExt cx="0" cy="0"/>
+        </a:xfrm>
+      </p:grpSpPr>
+      <p:sp>
+        <p:nvSpPr>
+          <p:cNvPr id="2" name="Slide Image Placeholder 1"/>
+          <p:cNvSpPr>
+            <a:spLocks noGrp="1" noRot="1" noChangeAspect="1"/>
+          </p:cNvSpPr>
+          <p:nvPr>
+            <p:ph type="sldImg"/>
+          </p:nvPr>
+        </p:nvSpPr>
+        <p:spPr/>
+      </p:sp>
+      <p:sp>
+        <p:nvSpPr>
+          <p:cNvPr id="3" name="Notes Placeholder 2"/>
+          <p:cNvSpPr>
+            <a:spLocks noGrp="1"/>
+          </p:cNvSpPr>
+          <p:nvPr>
+            <p:ph type="body" idx="1"/>
+          </p:nvPr>
+        </p:nvSpPr>
+        <p:spPr/>
+        <p:txBody>
+          <a:bodyPr/>
+          <a:lstStyle/>
+          <a:p>
+            <a:endParaRPr lang="nb-NO" dirty="0"/>
+          </a:p>
+        </p:txBody>
+      </p:sp>
+      <p:sp>
+        <p:nvSpPr>
+          <p:cNvPr id="4" name="Slide Number Placeholder 3"/>
+          <p:cNvSpPr>
+            <a:spLocks noGrp="1"/>
+          </p:cNvSpPr>
+          <p:nvPr>
+            <p:ph type="sldNum" sz="quarter" idx="5"/>
+          </p:nvPr>
+        </p:nvSpPr>
+        <p:spPr/>
+        <p:txBody>
+          <a:bodyPr/>
+          <a:lstStyle/>
+          <a:p>
+            <a:pPr marL="0" marR="0" lvl="0" indent="0" algn="r" defTabSz="914400" rtl="0" eaLnBrk="1" fontAlgn="auto" latinLnBrk="0" hangingPunct="1">
+              <a:lnSpc>
+                <a:spcPct val="100000"/>
+              </a:lnSpc>
+              <a:spcBef>
+                <a:spcPts val="0"/>
+              </a:spcBef>
+              <a:spcAft>
+                <a:spcPts val="0"/>
+              </a:spcAft>
+              <a:buClrTx/>
+              <a:buSzTx/>
+              <a:buFontTx/>
+              <a:buNone/>
+              <a:tabLst/>
+              <a:defRPr/>
+            </a:pPr>
+            <a:fld id="{00A560F4-8102-4EC4-BB24-179BCBD2EB8E}" type="slidenum">
+              <a:rPr kumimoji="0" lang="en-US" sz="1200" b="0" i="0" u="none" strike="noStrike" kern="1200" cap="none" spc="0" normalizeH="0" baseline="0" noProof="0" smtClean="0">
+                <a:ln>
+                  <a:noFill/>
+                </a:ln>
+                <a:solidFill>
+                  <a:prstClr val="black"/>
+                </a:solidFill>
+                <a:effectLst/>
+                <a:uLnTx/>
+                <a:uFillTx/>
+                <a:latin typeface="Calibri" panose="020F0502020204030204"/>
+                <a:ea typeface="+mn-ea"/>
+                <a:cs typeface="+mn-cs"/>
+              </a:rPr>
+              <a:pPr marL="0" marR="0" lvl="0" indent="0" algn="r" defTabSz="914400" rtl="0" eaLnBrk="1" fontAlgn="auto" latinLnBrk="0" hangingPunct="1">
+                <a:lnSpc>
+                  <a:spcPct val="100000"/>
+                </a:lnSpc>
+                <a:spcBef>
+                  <a:spcPts val="0"/>
+                </a:spcBef>
+                <a:spcAft>
+                  <a:spcPts val="0"/>
+                </a:spcAft>
+                <a:buClrTx/>
+                <a:buSzTx/>
+                <a:buFontTx/>
+                <a:buNone/>
+                <a:tabLst/>
+                <a:defRPr/>
+              </a:pPr>
+              <a:t>8</a:t>
+            </a:fld>
+            <a:endParaRPr kumimoji="0" lang="en-US" sz="1200" b="0" i="0" u="none" strike="noStrike" kern="1200" cap="none" spc="0" normalizeH="0" baseline="0" noProof="0">
+              <a:ln>
+                <a:noFill/>
+              </a:ln>
+              <a:solidFill>
+                <a:prstClr val="black"/>
+              </a:solidFill>
+              <a:effectLst/>
+              <a:uLnTx/>
+              <a:uFillTx/>
+              <a:latin typeface="Calibri" panose="020F0502020204030204"/>
+              <a:ea typeface="+mn-ea"/>
+              <a:cs typeface="+mn-cs"/>
+            </a:endParaRPr>
+          </a:p>
+        </p:txBody>
+      </p:sp>
+    </p:spTree>
+    <p:extLst>
+      <p:ext uri="{BB962C8B-B14F-4D97-AF65-F5344CB8AC3E}">
+        <p14:creationId xmlns:p14="http://schemas.microsoft.com/office/powerpoint/2010/main" val="3859227199"/>
+      </p:ext>
+    </p:extLst>
+  </p:cSld>
+  <p:clrMapOvr>
+    <a:masterClrMapping/>
+  </p:clrMapOvr>
+</p:notes>
+</file>
+
+<file path=ppt/notesSlides/notesSlide8.xml><?xml version="1.0" encoding="utf-8"?>
+<p:notes xmlns:a="http://schemas.openxmlformats.org/drawingml/2006/main" xmlns:r="http://schemas.openxmlformats.org/officeDocument/2006/relationships" xmlns:p="http://schemas.openxmlformats.org/presentationml/2006/main">
+  <p:cSld>
+    <p:spTree>
+      <p:nvGrpSpPr>
+        <p:cNvPr id="1" name=""/>
+        <p:cNvGrpSpPr/>
+        <p:nvPr/>
+      </p:nvGrpSpPr>
+      <p:grpSpPr>
+        <a:xfrm>
+          <a:off x="0" y="0"/>
+          <a:ext cx="0" cy="0"/>
+          <a:chOff x="0" y="0"/>
+          <a:chExt cx="0" cy="0"/>
+        </a:xfrm>
+      </p:grpSpPr>
+      <p:sp>
+        <p:nvSpPr>
+          <p:cNvPr id="2" name="Slide Image Placeholder 1"/>
+          <p:cNvSpPr>
+            <a:spLocks noGrp="1" noRot="1" noChangeAspect="1"/>
+          </p:cNvSpPr>
+          <p:nvPr>
+            <p:ph type="sldImg"/>
+          </p:nvPr>
+        </p:nvSpPr>
+        <p:spPr/>
+      </p:sp>
+      <p:sp>
+        <p:nvSpPr>
+          <p:cNvPr id="3" name="Notes Placeholder 2"/>
+          <p:cNvSpPr>
+            <a:spLocks noGrp="1"/>
+          </p:cNvSpPr>
+          <p:nvPr>
+            <p:ph type="body" idx="1"/>
+          </p:nvPr>
+        </p:nvSpPr>
+        <p:spPr/>
+        <p:txBody>
+          <a:bodyPr/>
+          <a:lstStyle/>
+          <a:p>
+            <a:endParaRPr lang="nb-NO" dirty="0"/>
+          </a:p>
+        </p:txBody>
+      </p:sp>
+      <p:sp>
+        <p:nvSpPr>
+          <p:cNvPr id="4" name="Slide Number Placeholder 3"/>
+          <p:cNvSpPr>
+            <a:spLocks noGrp="1"/>
+          </p:cNvSpPr>
+          <p:nvPr>
+            <p:ph type="sldNum" sz="quarter" idx="5"/>
+          </p:nvPr>
+        </p:nvSpPr>
+        <p:spPr/>
+        <p:txBody>
+          <a:bodyPr/>
+          <a:lstStyle/>
+          <a:p>
+            <a:pPr marL="0" marR="0" lvl="0" indent="0" algn="r" defTabSz="914400" rtl="0" eaLnBrk="1" fontAlgn="auto" latinLnBrk="0" hangingPunct="1">
+              <a:lnSpc>
+                <a:spcPct val="100000"/>
+              </a:lnSpc>
+              <a:spcBef>
+                <a:spcPts val="0"/>
+              </a:spcBef>
+              <a:spcAft>
+                <a:spcPts val="0"/>
+              </a:spcAft>
+              <a:buClrTx/>
+              <a:buSzTx/>
+              <a:buFontTx/>
+              <a:buNone/>
+              <a:tabLst/>
+              <a:defRPr/>
+            </a:pPr>
+            <a:fld id="{00A560F4-8102-4EC4-BB24-179BCBD2EB8E}" type="slidenum">
+              <a:rPr kumimoji="0" lang="en-US" sz="1200" b="0" i="0" u="none" strike="noStrike" kern="1200" cap="none" spc="0" normalizeH="0" baseline="0" noProof="0" smtClean="0">
+                <a:ln>
+                  <a:noFill/>
+                </a:ln>
+                <a:solidFill>
+                  <a:prstClr val="black"/>
+                </a:solidFill>
+                <a:effectLst/>
+                <a:uLnTx/>
+                <a:uFillTx/>
+                <a:latin typeface="Calibri" panose="020F0502020204030204"/>
+                <a:ea typeface="+mn-ea"/>
+                <a:cs typeface="+mn-cs"/>
+              </a:rPr>
+              <a:pPr marL="0" marR="0" lvl="0" indent="0" algn="r" defTabSz="914400" rtl="0" eaLnBrk="1" fontAlgn="auto" latinLnBrk="0" hangingPunct="1">
+                <a:lnSpc>
+                  <a:spcPct val="100000"/>
+                </a:lnSpc>
+                <a:spcBef>
+                  <a:spcPts val="0"/>
+                </a:spcBef>
+                <a:spcAft>
+                  <a:spcPts val="0"/>
+                </a:spcAft>
+                <a:buClrTx/>
+                <a:buSzTx/>
+                <a:buFontTx/>
+                <a:buNone/>
+                <a:tabLst/>
+                <a:defRPr/>
+              </a:pPr>
+              <a:t>9</a:t>
+            </a:fld>
+            <a:endParaRPr kumimoji="0" lang="en-US" sz="1200" b="0" i="0" u="none" strike="noStrike" kern="1200" cap="none" spc="0" normalizeH="0" baseline="0" noProof="0">
+              <a:ln>
+                <a:noFill/>
+              </a:ln>
+              <a:solidFill>
+                <a:prstClr val="black"/>
+              </a:solidFill>
+              <a:effectLst/>
+              <a:uLnTx/>
+              <a:uFillTx/>
+              <a:latin typeface="Calibri" panose="020F0502020204030204"/>
+              <a:ea typeface="+mn-ea"/>
+              <a:cs typeface="+mn-cs"/>
+            </a:endParaRPr>
+          </a:p>
+        </p:txBody>
+      </p:sp>
+    </p:spTree>
+    <p:extLst>
+      <p:ext uri="{BB962C8B-B14F-4D97-AF65-F5344CB8AC3E}">
+        <p14:creationId xmlns:p14="http://schemas.microsoft.com/office/powerpoint/2010/main" val="2332028518"/>
+      </p:ext>
+    </p:extLst>
+  </p:cSld>
+  <p:clrMapOvr>
+    <a:masterClrMapping/>
+  </p:clrMapOvr>
+</p:notes>
+</file>
+
+<file path=ppt/notesSlides/notesSlide9.xml><?xml version="1.0" encoding="utf-8"?>
+<p:notes xmlns:a="http://schemas.openxmlformats.org/drawingml/2006/main" xmlns:r="http://schemas.openxmlformats.org/officeDocument/2006/relationships" xmlns:p="http://schemas.openxmlformats.org/presentationml/2006/main">
+  <p:cSld>
+    <p:spTree>
+      <p:nvGrpSpPr>
+        <p:cNvPr id="1" name=""/>
+        <p:cNvGrpSpPr/>
+        <p:nvPr/>
+      </p:nvGrpSpPr>
+      <p:grpSpPr>
+        <a:xfrm>
+          <a:off x="0" y="0"/>
+          <a:ext cx="0" cy="0"/>
+          <a:chOff x="0" y="0"/>
+          <a:chExt cx="0" cy="0"/>
+        </a:xfrm>
+      </p:grpSpPr>
+      <p:sp>
+        <p:nvSpPr>
+          <p:cNvPr id="2" name="Slide Image Placeholder 1"/>
+          <p:cNvSpPr>
+            <a:spLocks noGrp="1" noRot="1" noChangeAspect="1"/>
+          </p:cNvSpPr>
+          <p:nvPr>
+            <p:ph type="sldImg"/>
+          </p:nvPr>
+        </p:nvSpPr>
+        <p:spPr/>
+      </p:sp>
+      <p:sp>
+        <p:nvSpPr>
+          <p:cNvPr id="3" name="Notes Placeholder 2"/>
+          <p:cNvSpPr>
+            <a:spLocks noGrp="1"/>
+          </p:cNvSpPr>
+          <p:nvPr>
+            <p:ph type="body" idx="1"/>
+          </p:nvPr>
+        </p:nvSpPr>
+        <p:spPr/>
+        <p:txBody>
+          <a:bodyPr/>
+          <a:lstStyle/>
+          <a:p>
+            <a:endParaRPr lang="nb-NO" dirty="0"/>
+          </a:p>
+        </p:txBody>
+      </p:sp>
+      <p:sp>
+        <p:nvSpPr>
+          <p:cNvPr id="4" name="Slide Number Placeholder 3"/>
+          <p:cNvSpPr>
+            <a:spLocks noGrp="1"/>
+          </p:cNvSpPr>
+          <p:nvPr>
+            <p:ph type="sldNum" sz="quarter" idx="5"/>
+          </p:nvPr>
+        </p:nvSpPr>
+        <p:spPr/>
+        <p:txBody>
+          <a:bodyPr/>
+          <a:lstStyle/>
+          <a:p>
+            <a:pPr marL="0" marR="0" lvl="0" indent="0" algn="r" defTabSz="914400" rtl="0" eaLnBrk="1" fontAlgn="auto" latinLnBrk="0" hangingPunct="1">
+              <a:lnSpc>
+                <a:spcPct val="100000"/>
+              </a:lnSpc>
+              <a:spcBef>
+                <a:spcPts val="0"/>
+              </a:spcBef>
+              <a:spcAft>
+                <a:spcPts val="0"/>
+              </a:spcAft>
+              <a:buClrTx/>
+              <a:buSzTx/>
+              <a:buFontTx/>
+              <a:buNone/>
+              <a:tabLst/>
+              <a:defRPr/>
+            </a:pPr>
+            <a:fld id="{00A560F4-8102-4EC4-BB24-179BCBD2EB8E}" type="slidenum">
+              <a:rPr kumimoji="0" lang="en-US" sz="1200" b="0" i="0" u="none" strike="noStrike" kern="1200" cap="none" spc="0" normalizeH="0" baseline="0" noProof="0" smtClean="0">
+                <a:ln>
+                  <a:noFill/>
+                </a:ln>
+                <a:solidFill>
+                  <a:prstClr val="black"/>
+                </a:solidFill>
+                <a:effectLst/>
+                <a:uLnTx/>
+                <a:uFillTx/>
+                <a:latin typeface="Calibri" panose="020F0502020204030204"/>
+                <a:ea typeface="+mn-ea"/>
+                <a:cs typeface="+mn-cs"/>
+              </a:rPr>
+              <a:pPr marL="0" marR="0" lvl="0" indent="0" algn="r" defTabSz="914400" rtl="0" eaLnBrk="1" fontAlgn="auto" latinLnBrk="0" hangingPunct="1">
+                <a:lnSpc>
+                  <a:spcPct val="100000"/>
+                </a:lnSpc>
+                <a:spcBef>
+                  <a:spcPts val="0"/>
+                </a:spcBef>
+                <a:spcAft>
+                  <a:spcPts val="0"/>
+                </a:spcAft>
+                <a:buClrTx/>
+                <a:buSzTx/>
+                <a:buFontTx/>
+                <a:buNone/>
+                <a:tabLst/>
+                <a:defRPr/>
+              </a:pPr>
+              <a:t>10</a:t>
+            </a:fld>
+            <a:endParaRPr kumimoji="0" lang="en-US" sz="1200" b="0" i="0" u="none" strike="noStrike" kern="1200" cap="none" spc="0" normalizeH="0" baseline="0" noProof="0">
+              <a:ln>
+                <a:noFill/>
+              </a:ln>
+              <a:solidFill>
+                <a:prstClr val="black"/>
+              </a:solidFill>
+              <a:effectLst/>
+              <a:uLnTx/>
+              <a:uFillTx/>
+              <a:latin typeface="Calibri" panose="020F0502020204030204"/>
+              <a:ea typeface="+mn-ea"/>
+              <a:cs typeface="+mn-cs"/>
+            </a:endParaRPr>
+          </a:p>
+        </p:txBody>
+      </p:sp>
+    </p:spTree>
+    <p:extLst>
+      <p:ext uri="{BB962C8B-B14F-4D97-AF65-F5344CB8AC3E}">
+        <p14:creationId xmlns:p14="http://schemas.microsoft.com/office/powerpoint/2010/main" val="3935741099"/>
+      </p:ext>
+    </p:extLst>
+  </p:cSld>
+  <p:clrMapOvr>
+    <a:masterClrMapping/>
+  </p:clrMapOvr>
+</p:notes>
+</file>
+
 <file path=ppt/slideLayouts/slideLayout1.xml><?xml version="1.0" encoding="utf-8"?>
 <p:sldLayout xmlns:a="http://schemas.openxmlformats.org/drawingml/2006/main" xmlns:r="http://schemas.openxmlformats.org/officeDocument/2006/relationships" xmlns:p="http://schemas.openxmlformats.org/presentationml/2006/main" type="title" preserve="1">
   <p:cSld name="Title Slide">
@@ -1082,7 +2097,7 @@
           <a:p>
             <a:fld id="{CE88D40F-0E01-46E3-A0A3-09B1E418DDBF}" type="datetimeFigureOut">
               <a:rPr lang="en-US" smtClean="0"/>
-              <a:t>10/7/2021</a:t>
+              <a:t>11/3/2021</a:t>
             </a:fld>
             <a:endParaRPr lang="en-US"/>
           </a:p>
@@ -1280,7 +2295,7 @@
           <a:p>
             <a:fld id="{CE88D40F-0E01-46E3-A0A3-09B1E418DDBF}" type="datetimeFigureOut">
               <a:rPr lang="en-US" smtClean="0"/>
-              <a:t>10/7/2021</a:t>
+              <a:t>11/3/2021</a:t>
             </a:fld>
             <a:endParaRPr lang="en-US"/>
           </a:p>
@@ -1488,7 +2503,7 @@
           <a:p>
             <a:fld id="{CE88D40F-0E01-46E3-A0A3-09B1E418DDBF}" type="datetimeFigureOut">
               <a:rPr lang="en-US" smtClean="0"/>
-              <a:t>10/7/2021</a:t>
+              <a:t>11/3/2021</a:t>
             </a:fld>
             <a:endParaRPr lang="en-US"/>
           </a:p>
@@ -2130,7 +3145,7 @@
           <a:p>
             <a:fld id="{CE88D40F-0E01-46E3-A0A3-09B1E418DDBF}" type="datetimeFigureOut">
               <a:rPr lang="en-US" smtClean="0"/>
-              <a:t>10/7/2021</a:t>
+              <a:t>11/3/2021</a:t>
             </a:fld>
             <a:endParaRPr lang="en-US"/>
           </a:p>
@@ -2405,7 +3420,7 @@
           <a:p>
             <a:fld id="{CE88D40F-0E01-46E3-A0A3-09B1E418DDBF}" type="datetimeFigureOut">
               <a:rPr lang="en-US" smtClean="0"/>
-              <a:t>10/7/2021</a:t>
+              <a:t>11/3/2021</a:t>
             </a:fld>
             <a:endParaRPr lang="en-US"/>
           </a:p>
@@ -2670,7 +3685,7 @@
           <a:p>
             <a:fld id="{CE88D40F-0E01-46E3-A0A3-09B1E418DDBF}" type="datetimeFigureOut">
               <a:rPr lang="en-US" smtClean="0"/>
-              <a:t>10/7/2021</a:t>
+              <a:t>11/3/2021</a:t>
             </a:fld>
             <a:endParaRPr lang="en-US"/>
           </a:p>
@@ -3082,7 +4097,7 @@
           <a:p>
             <a:fld id="{CE88D40F-0E01-46E3-A0A3-09B1E418DDBF}" type="datetimeFigureOut">
               <a:rPr lang="en-US" smtClean="0"/>
-              <a:t>10/7/2021</a:t>
+              <a:t>11/3/2021</a:t>
             </a:fld>
             <a:endParaRPr lang="en-US"/>
           </a:p>
@@ -3223,7 +4238,7 @@
           <a:p>
             <a:fld id="{CE88D40F-0E01-46E3-A0A3-09B1E418DDBF}" type="datetimeFigureOut">
               <a:rPr lang="en-US" smtClean="0"/>
-              <a:t>10/7/2021</a:t>
+              <a:t>11/3/2021</a:t>
             </a:fld>
             <a:endParaRPr lang="en-US"/>
           </a:p>
@@ -3336,7 +4351,7 @@
           <a:p>
             <a:fld id="{CE88D40F-0E01-46E3-A0A3-09B1E418DDBF}" type="datetimeFigureOut">
               <a:rPr lang="en-US" smtClean="0"/>
-              <a:t>10/7/2021</a:t>
+              <a:t>11/3/2021</a:t>
             </a:fld>
             <a:endParaRPr lang="en-US"/>
           </a:p>
@@ -3647,7 +4662,7 @@
           <a:p>
             <a:fld id="{CE88D40F-0E01-46E3-A0A3-09B1E418DDBF}" type="datetimeFigureOut">
               <a:rPr lang="en-US" smtClean="0"/>
-              <a:t>10/7/2021</a:t>
+              <a:t>11/3/2021</a:t>
             </a:fld>
             <a:endParaRPr lang="en-US"/>
           </a:p>
@@ -3935,7 +4950,7 @@
           <a:p>
             <a:fld id="{CE88D40F-0E01-46E3-A0A3-09B1E418DDBF}" type="datetimeFigureOut">
               <a:rPr lang="en-US" smtClean="0"/>
-              <a:t>10/7/2021</a:t>
+              <a:t>11/3/2021</a:t>
             </a:fld>
             <a:endParaRPr lang="en-US"/>
           </a:p>
@@ -4176,7 +5191,7 @@
           <a:p>
             <a:fld id="{CE88D40F-0E01-46E3-A0A3-09B1E418DDBF}" type="datetimeFigureOut">
               <a:rPr lang="en-US" smtClean="0"/>
-              <a:t>10/7/2021</a:t>
+              <a:t>11/3/2021</a:t>
             </a:fld>
             <a:endParaRPr lang="en-US"/>
           </a:p>
@@ -5843,6 +6858,2400 @@
 </p:sld>
 </file>
 
+<file path=ppt/slides/slide10.xml><?xml version="1.0" encoding="utf-8"?>
+<p:sld xmlns:a="http://schemas.openxmlformats.org/drawingml/2006/main" xmlns:r="http://schemas.openxmlformats.org/officeDocument/2006/relationships" xmlns:p="http://schemas.openxmlformats.org/presentationml/2006/main">
+  <p:cSld>
+    <p:spTree>
+      <p:nvGrpSpPr>
+        <p:cNvPr id="1" name=""/>
+        <p:cNvGrpSpPr/>
+        <p:nvPr/>
+      </p:nvGrpSpPr>
+      <p:grpSpPr>
+        <a:xfrm>
+          <a:off x="0" y="0"/>
+          <a:ext cx="0" cy="0"/>
+          <a:chOff x="0" y="0"/>
+          <a:chExt cx="0" cy="0"/>
+        </a:xfrm>
+      </p:grpSpPr>
+      <p:pic>
+        <p:nvPicPr>
+          <p:cNvPr id="3" name="Picture 2">
+            <a:extLst>
+              <a:ext uri="{FF2B5EF4-FFF2-40B4-BE49-F238E27FC236}">
+                <a16:creationId xmlns:a16="http://schemas.microsoft.com/office/drawing/2014/main" id="{CFAD4C39-42D6-45D1-9E0D-E17B5050B154}"/>
+              </a:ext>
+            </a:extLst>
+          </p:cNvPr>
+          <p:cNvPicPr>
+            <a:picLocks noChangeAspect="1"/>
+          </p:cNvPicPr>
+          <p:nvPr/>
+        </p:nvPicPr>
+        <p:blipFill>
+          <a:blip r:embed="rId3"/>
+          <a:stretch>
+            <a:fillRect/>
+          </a:stretch>
+        </p:blipFill>
+        <p:spPr>
+          <a:xfrm>
+            <a:off x="2678915" y="1014786"/>
+            <a:ext cx="6527731" cy="4684974"/>
+          </a:xfrm>
+          <a:prstGeom prst="rect">
+            <a:avLst/>
+          </a:prstGeom>
+        </p:spPr>
+      </p:pic>
+    </p:spTree>
+    <p:extLst>
+      <p:ext uri="{BB962C8B-B14F-4D97-AF65-F5344CB8AC3E}">
+        <p14:creationId xmlns:p14="http://schemas.microsoft.com/office/powerpoint/2010/main" val="3656194001"/>
+      </p:ext>
+    </p:extLst>
+  </p:cSld>
+  <p:clrMapOvr>
+    <a:masterClrMapping/>
+  </p:clrMapOvr>
+</p:sld>
+</file>
+
+<file path=ppt/slides/slide11.xml><?xml version="1.0" encoding="utf-8"?>
+<p:sld xmlns:a="http://schemas.openxmlformats.org/drawingml/2006/main" xmlns:r="http://schemas.openxmlformats.org/officeDocument/2006/relationships" xmlns:p="http://schemas.openxmlformats.org/presentationml/2006/main">
+  <p:cSld>
+    <p:bg>
+      <p:bgPr>
+        <a:solidFill>
+          <a:schemeClr val="bg1"/>
+        </a:solidFill>
+        <a:effectLst/>
+      </p:bgPr>
+    </p:bg>
+    <p:spTree>
+      <p:nvGrpSpPr>
+        <p:cNvPr id="1" name=""/>
+        <p:cNvGrpSpPr/>
+        <p:nvPr/>
+      </p:nvGrpSpPr>
+      <p:grpSpPr>
+        <a:xfrm>
+          <a:off x="0" y="0"/>
+          <a:ext cx="0" cy="0"/>
+          <a:chOff x="0" y="0"/>
+          <a:chExt cx="0" cy="0"/>
+        </a:xfrm>
+      </p:grpSpPr>
+      <p:sp useBgFill="1">
+        <p:nvSpPr>
+          <p:cNvPr id="20" name="Rectangle 19">
+            <a:extLst>
+              <a:ext uri="{FF2B5EF4-FFF2-40B4-BE49-F238E27FC236}">
+                <a16:creationId xmlns:a16="http://schemas.microsoft.com/office/drawing/2014/main" id="{C4E4288A-DFC8-40A2-90E5-70E851A933AD}"/>
+              </a:ext>
+              <a:ext uri="{C183D7F6-B498-43B3-948B-1728B52AA6E4}">
+                <adec:decorative xmlns:adec="http://schemas.microsoft.com/office/drawing/2017/decorative" val="1"/>
+              </a:ext>
+            </a:extLst>
+          </p:cNvPr>
+          <p:cNvSpPr>
+            <a:spLocks noGrp="1" noRot="1" noChangeAspect="1" noMove="1" noResize="1" noEditPoints="1" noAdjustHandles="1" noChangeArrowheads="1" noChangeShapeType="1" noTextEdit="1"/>
+          </p:cNvSpPr>
+          <p:nvPr>
+            <p:extLst>
+              <p:ext uri="{386F3935-93C4-4BCD-93E2-E3B085C9AB24}">
+                <p16:designElem xmlns:p16="http://schemas.microsoft.com/office/powerpoint/2015/main" val="1"/>
+              </p:ext>
+            </p:extLst>
+          </p:nvPr>
+        </p:nvSpPr>
+        <p:spPr>
+          <a:xfrm>
+            <a:off x="0" y="0"/>
+            <a:ext cx="12192000" cy="6858000"/>
+          </a:xfrm>
+          <a:prstGeom prst="rect">
+            <a:avLst/>
+          </a:prstGeom>
+          <a:ln>
+            <a:noFill/>
+          </a:ln>
+        </p:spPr>
+        <p:style>
+          <a:lnRef idx="2">
+            <a:schemeClr val="accent1">
+              <a:shade val="50000"/>
+            </a:schemeClr>
+          </a:lnRef>
+          <a:fillRef idx="1">
+            <a:schemeClr val="accent1"/>
+          </a:fillRef>
+          <a:effectRef idx="0">
+            <a:schemeClr val="accent1"/>
+          </a:effectRef>
+          <a:fontRef idx="minor">
+            <a:schemeClr val="lt1"/>
+          </a:fontRef>
+        </p:style>
+        <p:txBody>
+          <a:bodyPr rtlCol="0" anchor="ctr"/>
+          <a:lstStyle/>
+          <a:p>
+            <a:pPr marL="0" marR="0" lvl="0" indent="0" algn="ctr" defTabSz="914400" rtl="0" eaLnBrk="1" fontAlgn="auto" latinLnBrk="0" hangingPunct="1">
+              <a:lnSpc>
+                <a:spcPct val="100000"/>
+              </a:lnSpc>
+              <a:spcBef>
+                <a:spcPts val="0"/>
+              </a:spcBef>
+              <a:spcAft>
+                <a:spcPts val="0"/>
+              </a:spcAft>
+              <a:buClrTx/>
+              <a:buSzTx/>
+              <a:buFontTx/>
+              <a:buNone/>
+              <a:tabLst/>
+              <a:defRPr/>
+            </a:pPr>
+            <a:endParaRPr kumimoji="0" lang="en-US" sz="1800" b="0" i="0" u="none" strike="noStrike" kern="1200" cap="none" spc="0" normalizeH="0" baseline="0" noProof="0">
+              <a:ln>
+                <a:noFill/>
+              </a:ln>
+              <a:solidFill>
+                <a:prstClr val="white"/>
+              </a:solidFill>
+              <a:effectLst/>
+              <a:uLnTx/>
+              <a:uFillTx/>
+              <a:latin typeface="Calibri" panose="020F0502020204030204"/>
+              <a:ea typeface="+mn-ea"/>
+              <a:cs typeface="+mn-cs"/>
+            </a:endParaRPr>
+          </a:p>
+        </p:txBody>
+      </p:sp>
+      <p:grpSp>
+        <p:nvGrpSpPr>
+          <p:cNvPr id="22" name="Group 21">
+            <a:extLst>
+              <a:ext uri="{FF2B5EF4-FFF2-40B4-BE49-F238E27FC236}">
+                <a16:creationId xmlns:a16="http://schemas.microsoft.com/office/drawing/2014/main" id="{B63C2D82-D4FA-4A37-BB01-1E7B21E4FF20}"/>
+              </a:ext>
+              <a:ext uri="{C183D7F6-B498-43B3-948B-1728B52AA6E4}">
+                <adec:decorative xmlns:adec="http://schemas.microsoft.com/office/drawing/2017/decorative" val="1"/>
+              </a:ext>
+            </a:extLst>
+          </p:cNvPr>
+          <p:cNvGrpSpPr>
+            <a:grpSpLocks noGrp="1" noUngrp="1" noRot="1" noChangeAspect="1" noMove="1" noResize="1"/>
+          </p:cNvGrpSpPr>
+          <p:nvPr>
+            <p:extLst>
+              <p:ext uri="{386F3935-93C4-4BCD-93E2-E3B085C9AB24}">
+                <p16:designElem xmlns:p16="http://schemas.microsoft.com/office/powerpoint/2015/main" val="1"/>
+              </p:ext>
+            </p:extLst>
+          </p:nvPr>
+        </p:nvGrpSpPr>
+        <p:grpSpPr>
+          <a:xfrm>
+            <a:off x="965199" y="634058"/>
+            <a:ext cx="1128382" cy="847206"/>
+            <a:chOff x="5307830" y="325570"/>
+            <a:chExt cx="1128382" cy="847206"/>
+          </a:xfrm>
+        </p:grpSpPr>
+        <p:sp>
+          <p:nvSpPr>
+            <p:cNvPr id="23" name="Freeform 5">
+              <a:extLst>
+                <a:ext uri="{FF2B5EF4-FFF2-40B4-BE49-F238E27FC236}">
+                  <a16:creationId xmlns:a16="http://schemas.microsoft.com/office/drawing/2014/main" id="{C94E7FEF-0CE9-4AC2-94BB-02230C6DC0DF}"/>
+                </a:ext>
+                <a:ext uri="{C183D7F6-B498-43B3-948B-1728B52AA6E4}">
+                  <adec:decorative xmlns:adec="http://schemas.microsoft.com/office/drawing/2017/decorative" val="1"/>
+                </a:ext>
+              </a:extLst>
+            </p:cNvPr>
+            <p:cNvSpPr>
+              <a:spLocks/>
+            </p:cNvSpPr>
+            <p:nvPr>
+              <p:extLst>
+                <p:ext uri="{386F3935-93C4-4BCD-93E2-E3B085C9AB24}">
+                  <p16:designElem xmlns:p16="http://schemas.microsoft.com/office/powerpoint/2015/main" val="1"/>
+                </p:ext>
+              </p:extLst>
+            </p:nvPr>
+          </p:nvSpPr>
+          <p:spPr bwMode="auto">
+            <a:xfrm>
+              <a:off x="5307830" y="577396"/>
+              <a:ext cx="675351" cy="595380"/>
+            </a:xfrm>
+            <a:custGeom>
+              <a:avLst/>
+              <a:gdLst>
+                <a:gd name="T0" fmla="*/ 225 w 785"/>
+                <a:gd name="T1" fmla="*/ 692 h 692"/>
+                <a:gd name="T2" fmla="*/ 177 w 785"/>
+                <a:gd name="T3" fmla="*/ 665 h 692"/>
+                <a:gd name="T4" fmla="*/ 9 w 785"/>
+                <a:gd name="T5" fmla="*/ 374 h 692"/>
+                <a:gd name="T6" fmla="*/ 9 w 785"/>
+                <a:gd name="T7" fmla="*/ 318 h 692"/>
+                <a:gd name="T8" fmla="*/ 177 w 785"/>
+                <a:gd name="T9" fmla="*/ 27 h 692"/>
+                <a:gd name="T10" fmla="*/ 225 w 785"/>
+                <a:gd name="T11" fmla="*/ 0 h 692"/>
+                <a:gd name="T12" fmla="*/ 561 w 785"/>
+                <a:gd name="T13" fmla="*/ 0 h 692"/>
+                <a:gd name="T14" fmla="*/ 609 w 785"/>
+                <a:gd name="T15" fmla="*/ 27 h 692"/>
+                <a:gd name="T16" fmla="*/ 777 w 785"/>
+                <a:gd name="T17" fmla="*/ 318 h 692"/>
+                <a:gd name="T18" fmla="*/ 777 w 785"/>
+                <a:gd name="T19" fmla="*/ 374 h 692"/>
+                <a:gd name="T20" fmla="*/ 609 w 785"/>
+                <a:gd name="T21" fmla="*/ 665 h 692"/>
+                <a:gd name="T22" fmla="*/ 561 w 785"/>
+                <a:gd name="T23" fmla="*/ 692 h 692"/>
+                <a:gd name="T24" fmla="*/ 225 w 785"/>
+                <a:gd name="T25" fmla="*/ 692 h 692"/>
+              </a:gdLst>
+              <a:ahLst/>
+              <a:cxnLst>
+                <a:cxn ang="0">
+                  <a:pos x="T0" y="T1"/>
+                </a:cxn>
+                <a:cxn ang="0">
+                  <a:pos x="T2" y="T3"/>
+                </a:cxn>
+                <a:cxn ang="0">
+                  <a:pos x="T4" y="T5"/>
+                </a:cxn>
+                <a:cxn ang="0">
+                  <a:pos x="T6" y="T7"/>
+                </a:cxn>
+                <a:cxn ang="0">
+                  <a:pos x="T8" y="T9"/>
+                </a:cxn>
+                <a:cxn ang="0">
+                  <a:pos x="T10" y="T11"/>
+                </a:cxn>
+                <a:cxn ang="0">
+                  <a:pos x="T12" y="T13"/>
+                </a:cxn>
+                <a:cxn ang="0">
+                  <a:pos x="T14" y="T15"/>
+                </a:cxn>
+                <a:cxn ang="0">
+                  <a:pos x="T16" y="T17"/>
+                </a:cxn>
+                <a:cxn ang="0">
+                  <a:pos x="T18" y="T19"/>
+                </a:cxn>
+                <a:cxn ang="0">
+                  <a:pos x="T20" y="T21"/>
+                </a:cxn>
+                <a:cxn ang="0">
+                  <a:pos x="T22" y="T23"/>
+                </a:cxn>
+                <a:cxn ang="0">
+                  <a:pos x="T24" y="T25"/>
+                </a:cxn>
+              </a:cxnLst>
+              <a:rect l="0" t="0" r="r" b="b"/>
+              <a:pathLst>
+                <a:path w="785" h="692">
+                  <a:moveTo>
+                    <a:pt x="225" y="692"/>
+                  </a:moveTo>
+                  <a:cubicBezTo>
+                    <a:pt x="207" y="692"/>
+                    <a:pt x="185" y="680"/>
+                    <a:pt x="177" y="665"/>
+                  </a:cubicBezTo>
+                  <a:cubicBezTo>
+                    <a:pt x="9" y="374"/>
+                    <a:pt x="9" y="374"/>
+                    <a:pt x="9" y="374"/>
+                  </a:cubicBezTo>
+                  <a:cubicBezTo>
+                    <a:pt x="0" y="358"/>
+                    <a:pt x="0" y="334"/>
+                    <a:pt x="9" y="318"/>
+                  </a:cubicBezTo>
+                  <a:cubicBezTo>
+                    <a:pt x="177" y="27"/>
+                    <a:pt x="177" y="27"/>
+                    <a:pt x="177" y="27"/>
+                  </a:cubicBezTo>
+                  <a:cubicBezTo>
+                    <a:pt x="185" y="12"/>
+                    <a:pt x="207" y="0"/>
+                    <a:pt x="225" y="0"/>
+                  </a:cubicBezTo>
+                  <a:cubicBezTo>
+                    <a:pt x="561" y="0"/>
+                    <a:pt x="561" y="0"/>
+                    <a:pt x="561" y="0"/>
+                  </a:cubicBezTo>
+                  <a:cubicBezTo>
+                    <a:pt x="578" y="0"/>
+                    <a:pt x="600" y="12"/>
+                    <a:pt x="609" y="27"/>
+                  </a:cubicBezTo>
+                  <a:cubicBezTo>
+                    <a:pt x="777" y="318"/>
+                    <a:pt x="777" y="318"/>
+                    <a:pt x="777" y="318"/>
+                  </a:cubicBezTo>
+                  <a:cubicBezTo>
+                    <a:pt x="785" y="334"/>
+                    <a:pt x="785" y="358"/>
+                    <a:pt x="777" y="374"/>
+                  </a:cubicBezTo>
+                  <a:cubicBezTo>
+                    <a:pt x="609" y="665"/>
+                    <a:pt x="609" y="665"/>
+                    <a:pt x="609" y="665"/>
+                  </a:cubicBezTo>
+                  <a:cubicBezTo>
+                    <a:pt x="600" y="680"/>
+                    <a:pt x="578" y="692"/>
+                    <a:pt x="561" y="692"/>
+                  </a:cubicBezTo>
+                  <a:lnTo>
+                    <a:pt x="225" y="692"/>
+                  </a:lnTo>
+                  <a:close/>
+                </a:path>
+              </a:pathLst>
+            </a:custGeom>
+            <a:noFill/>
+            <a:ln w="28575" cmpd="sng">
+              <a:solidFill>
+                <a:schemeClr val="tx1"/>
+              </a:solidFill>
+            </a:ln>
+          </p:spPr>
+          <p:txBody>
+            <a:bodyPr vert="horz" wrap="square" lIns="91440" tIns="45720" rIns="91440" bIns="45720" numCol="1" anchor="t" anchorCtr="0" compatLnSpc="1">
+              <a:prstTxWarp prst="textNoShape">
+                <a:avLst/>
+              </a:prstTxWarp>
+            </a:bodyPr>
+            <a:lstStyle/>
+            <a:p>
+              <a:pPr marL="0" marR="0" lvl="0" indent="0" algn="l" defTabSz="914400" rtl="0" eaLnBrk="1" fontAlgn="auto" latinLnBrk="0" hangingPunct="1">
+                <a:lnSpc>
+                  <a:spcPct val="100000"/>
+                </a:lnSpc>
+                <a:spcBef>
+                  <a:spcPts val="0"/>
+                </a:spcBef>
+                <a:spcAft>
+                  <a:spcPts val="0"/>
+                </a:spcAft>
+                <a:buClrTx/>
+                <a:buSzTx/>
+                <a:buFontTx/>
+                <a:buNone/>
+                <a:tabLst/>
+                <a:defRPr/>
+              </a:pPr>
+              <a:endParaRPr kumimoji="0" lang="en-US" sz="1800" b="0" i="0" u="none" strike="noStrike" kern="1200" cap="none" spc="0" normalizeH="0" baseline="0" noProof="0">
+                <a:ln>
+                  <a:noFill/>
+                </a:ln>
+                <a:solidFill>
+                  <a:prstClr val="black"/>
+                </a:solidFill>
+                <a:effectLst/>
+                <a:uLnTx/>
+                <a:uFillTx/>
+                <a:latin typeface="Calibri" panose="020F0502020204030204"/>
+                <a:ea typeface="+mn-ea"/>
+                <a:cs typeface="+mn-cs"/>
+              </a:endParaRPr>
+            </a:p>
+          </p:txBody>
+        </p:sp>
+        <p:sp>
+          <p:nvSpPr>
+            <p:cNvPr id="24" name="Freeform 5">
+              <a:extLst>
+                <a:ext uri="{FF2B5EF4-FFF2-40B4-BE49-F238E27FC236}">
+                  <a16:creationId xmlns:a16="http://schemas.microsoft.com/office/drawing/2014/main" id="{EB546CC0-C1BC-48D2-8DA9-4B60283165C9}"/>
+                </a:ext>
+                <a:ext uri="{C183D7F6-B498-43B3-948B-1728B52AA6E4}">
+                  <adec:decorative xmlns:adec="http://schemas.microsoft.com/office/drawing/2017/decorative" val="1"/>
+                </a:ext>
+              </a:extLst>
+            </p:cNvPr>
+            <p:cNvSpPr>
+              <a:spLocks/>
+            </p:cNvSpPr>
+            <p:nvPr>
+              <p:extLst>
+                <p:ext uri="{386F3935-93C4-4BCD-93E2-E3B085C9AB24}">
+                  <p16:designElem xmlns:p16="http://schemas.microsoft.com/office/powerpoint/2015/main" val="1"/>
+                </p:ext>
+              </p:extLst>
+            </p:nvPr>
+          </p:nvSpPr>
+          <p:spPr bwMode="auto">
+            <a:xfrm>
+              <a:off x="5885720" y="325570"/>
+              <a:ext cx="550492" cy="485306"/>
+            </a:xfrm>
+            <a:custGeom>
+              <a:avLst/>
+              <a:gdLst>
+                <a:gd name="T0" fmla="*/ 225 w 785"/>
+                <a:gd name="T1" fmla="*/ 692 h 692"/>
+                <a:gd name="T2" fmla="*/ 177 w 785"/>
+                <a:gd name="T3" fmla="*/ 665 h 692"/>
+                <a:gd name="T4" fmla="*/ 9 w 785"/>
+                <a:gd name="T5" fmla="*/ 374 h 692"/>
+                <a:gd name="T6" fmla="*/ 9 w 785"/>
+                <a:gd name="T7" fmla="*/ 318 h 692"/>
+                <a:gd name="T8" fmla="*/ 177 w 785"/>
+                <a:gd name="T9" fmla="*/ 27 h 692"/>
+                <a:gd name="T10" fmla="*/ 225 w 785"/>
+                <a:gd name="T11" fmla="*/ 0 h 692"/>
+                <a:gd name="T12" fmla="*/ 561 w 785"/>
+                <a:gd name="T13" fmla="*/ 0 h 692"/>
+                <a:gd name="T14" fmla="*/ 609 w 785"/>
+                <a:gd name="T15" fmla="*/ 27 h 692"/>
+                <a:gd name="T16" fmla="*/ 777 w 785"/>
+                <a:gd name="T17" fmla="*/ 318 h 692"/>
+                <a:gd name="T18" fmla="*/ 777 w 785"/>
+                <a:gd name="T19" fmla="*/ 374 h 692"/>
+                <a:gd name="T20" fmla="*/ 609 w 785"/>
+                <a:gd name="T21" fmla="*/ 665 h 692"/>
+                <a:gd name="T22" fmla="*/ 561 w 785"/>
+                <a:gd name="T23" fmla="*/ 692 h 692"/>
+                <a:gd name="T24" fmla="*/ 225 w 785"/>
+                <a:gd name="T25" fmla="*/ 692 h 692"/>
+              </a:gdLst>
+              <a:ahLst/>
+              <a:cxnLst>
+                <a:cxn ang="0">
+                  <a:pos x="T0" y="T1"/>
+                </a:cxn>
+                <a:cxn ang="0">
+                  <a:pos x="T2" y="T3"/>
+                </a:cxn>
+                <a:cxn ang="0">
+                  <a:pos x="T4" y="T5"/>
+                </a:cxn>
+                <a:cxn ang="0">
+                  <a:pos x="T6" y="T7"/>
+                </a:cxn>
+                <a:cxn ang="0">
+                  <a:pos x="T8" y="T9"/>
+                </a:cxn>
+                <a:cxn ang="0">
+                  <a:pos x="T10" y="T11"/>
+                </a:cxn>
+                <a:cxn ang="0">
+                  <a:pos x="T12" y="T13"/>
+                </a:cxn>
+                <a:cxn ang="0">
+                  <a:pos x="T14" y="T15"/>
+                </a:cxn>
+                <a:cxn ang="0">
+                  <a:pos x="T16" y="T17"/>
+                </a:cxn>
+                <a:cxn ang="0">
+                  <a:pos x="T18" y="T19"/>
+                </a:cxn>
+                <a:cxn ang="0">
+                  <a:pos x="T20" y="T21"/>
+                </a:cxn>
+                <a:cxn ang="0">
+                  <a:pos x="T22" y="T23"/>
+                </a:cxn>
+                <a:cxn ang="0">
+                  <a:pos x="T24" y="T25"/>
+                </a:cxn>
+              </a:cxnLst>
+              <a:rect l="0" t="0" r="r" b="b"/>
+              <a:pathLst>
+                <a:path w="785" h="692">
+                  <a:moveTo>
+                    <a:pt x="225" y="692"/>
+                  </a:moveTo>
+                  <a:cubicBezTo>
+                    <a:pt x="207" y="692"/>
+                    <a:pt x="185" y="680"/>
+                    <a:pt x="177" y="665"/>
+                  </a:cubicBezTo>
+                  <a:cubicBezTo>
+                    <a:pt x="9" y="374"/>
+                    <a:pt x="9" y="374"/>
+                    <a:pt x="9" y="374"/>
+                  </a:cubicBezTo>
+                  <a:cubicBezTo>
+                    <a:pt x="0" y="358"/>
+                    <a:pt x="0" y="334"/>
+                    <a:pt x="9" y="318"/>
+                  </a:cubicBezTo>
+                  <a:cubicBezTo>
+                    <a:pt x="177" y="27"/>
+                    <a:pt x="177" y="27"/>
+                    <a:pt x="177" y="27"/>
+                  </a:cubicBezTo>
+                  <a:cubicBezTo>
+                    <a:pt x="185" y="12"/>
+                    <a:pt x="207" y="0"/>
+                    <a:pt x="225" y="0"/>
+                  </a:cubicBezTo>
+                  <a:cubicBezTo>
+                    <a:pt x="561" y="0"/>
+                    <a:pt x="561" y="0"/>
+                    <a:pt x="561" y="0"/>
+                  </a:cubicBezTo>
+                  <a:cubicBezTo>
+                    <a:pt x="578" y="0"/>
+                    <a:pt x="600" y="12"/>
+                    <a:pt x="609" y="27"/>
+                  </a:cubicBezTo>
+                  <a:cubicBezTo>
+                    <a:pt x="777" y="318"/>
+                    <a:pt x="777" y="318"/>
+                    <a:pt x="777" y="318"/>
+                  </a:cubicBezTo>
+                  <a:cubicBezTo>
+                    <a:pt x="785" y="334"/>
+                    <a:pt x="785" y="358"/>
+                    <a:pt x="777" y="374"/>
+                  </a:cubicBezTo>
+                  <a:cubicBezTo>
+                    <a:pt x="609" y="665"/>
+                    <a:pt x="609" y="665"/>
+                    <a:pt x="609" y="665"/>
+                  </a:cubicBezTo>
+                  <a:cubicBezTo>
+                    <a:pt x="600" y="680"/>
+                    <a:pt x="578" y="692"/>
+                    <a:pt x="561" y="692"/>
+                  </a:cubicBezTo>
+                  <a:lnTo>
+                    <a:pt x="225" y="692"/>
+                  </a:lnTo>
+                  <a:close/>
+                </a:path>
+              </a:pathLst>
+            </a:custGeom>
+            <a:noFill/>
+            <a:ln w="28575" cmpd="sng">
+              <a:solidFill>
+                <a:schemeClr val="tx1"/>
+              </a:solidFill>
+            </a:ln>
+          </p:spPr>
+          <p:txBody>
+            <a:bodyPr vert="horz" wrap="square" lIns="91440" tIns="45720" rIns="91440" bIns="45720" numCol="1" anchor="t" anchorCtr="0" compatLnSpc="1">
+              <a:prstTxWarp prst="textNoShape">
+                <a:avLst/>
+              </a:prstTxWarp>
+            </a:bodyPr>
+            <a:lstStyle/>
+            <a:p>
+              <a:pPr marL="0" marR="0" lvl="0" indent="0" algn="l" defTabSz="914400" rtl="0" eaLnBrk="1" fontAlgn="auto" latinLnBrk="0" hangingPunct="1">
+                <a:lnSpc>
+                  <a:spcPct val="100000"/>
+                </a:lnSpc>
+                <a:spcBef>
+                  <a:spcPts val="0"/>
+                </a:spcBef>
+                <a:spcAft>
+                  <a:spcPts val="0"/>
+                </a:spcAft>
+                <a:buClrTx/>
+                <a:buSzTx/>
+                <a:buFontTx/>
+                <a:buNone/>
+                <a:tabLst/>
+                <a:defRPr/>
+              </a:pPr>
+              <a:endParaRPr kumimoji="0" lang="en-US" sz="1800" b="0" i="0" u="none" strike="noStrike" kern="1200" cap="none" spc="0" normalizeH="0" baseline="0" noProof="0">
+                <a:ln>
+                  <a:noFill/>
+                </a:ln>
+                <a:solidFill>
+                  <a:prstClr val="black"/>
+                </a:solidFill>
+                <a:effectLst/>
+                <a:uLnTx/>
+                <a:uFillTx/>
+                <a:latin typeface="Calibri" panose="020F0502020204030204"/>
+                <a:ea typeface="+mn-ea"/>
+                <a:cs typeface="+mn-cs"/>
+              </a:endParaRPr>
+            </a:p>
+          </p:txBody>
+        </p:sp>
+      </p:grpSp>
+      <p:sp>
+        <p:nvSpPr>
+          <p:cNvPr id="8" name="TextBox 7">
+            <a:extLst>
+              <a:ext uri="{FF2B5EF4-FFF2-40B4-BE49-F238E27FC236}">
+                <a16:creationId xmlns:a16="http://schemas.microsoft.com/office/drawing/2014/main" id="{04CA4DF5-C512-4233-8F08-3FDA86F8239A}"/>
+              </a:ext>
+            </a:extLst>
+          </p:cNvPr>
+          <p:cNvSpPr txBox="1"/>
+          <p:nvPr/>
+        </p:nvSpPr>
+        <p:spPr>
+          <a:xfrm>
+            <a:off x="748346" y="3545158"/>
+            <a:ext cx="6171566" cy="2581322"/>
+          </a:xfrm>
+          <a:prstGeom prst="rect">
+            <a:avLst/>
+          </a:prstGeom>
+        </p:spPr>
+        <p:txBody>
+          <a:bodyPr vert="horz" lIns="91440" tIns="45720" rIns="91440" bIns="45720" rtlCol="0" anchor="b">
+            <a:normAutofit/>
+          </a:bodyPr>
+          <a:lstStyle/>
+          <a:p>
+            <a:pPr marL="0" marR="0" lvl="0" indent="0" algn="l" defTabSz="914400" rtl="0" eaLnBrk="1" fontAlgn="auto" latinLnBrk="0" hangingPunct="1">
+              <a:lnSpc>
+                <a:spcPct val="90000"/>
+              </a:lnSpc>
+              <a:spcBef>
+                <a:spcPct val="0"/>
+              </a:spcBef>
+              <a:spcAft>
+                <a:spcPts val="600"/>
+              </a:spcAft>
+              <a:buClrTx/>
+              <a:buSzTx/>
+              <a:buFontTx/>
+              <a:buNone/>
+              <a:tabLst/>
+              <a:defRPr/>
+            </a:pPr>
+            <a:r>
+              <a:rPr kumimoji="0" lang="en-US" sz="4200" b="0" i="0" u="none" strike="noStrike" kern="1200" cap="none" spc="0" normalizeH="0" baseline="0" noProof="0" dirty="0">
+                <a:ln>
+                  <a:noFill/>
+                </a:ln>
+                <a:solidFill>
+                  <a:prstClr val="black"/>
+                </a:solidFill>
+                <a:effectLst/>
+                <a:uLnTx/>
+                <a:uFillTx/>
+                <a:latin typeface="Calibri Light" panose="020F0302020204030204"/>
+                <a:ea typeface="+mn-ea"/>
+                <a:cs typeface="+mn-cs"/>
+              </a:rPr>
+              <a:t>How to structure your repository?</a:t>
+            </a:r>
+          </a:p>
+        </p:txBody>
+      </p:sp>
+      <p:sp>
+        <p:nvSpPr>
+          <p:cNvPr id="26" name="Freeform 5">
+            <a:extLst>
+              <a:ext uri="{FF2B5EF4-FFF2-40B4-BE49-F238E27FC236}">
+                <a16:creationId xmlns:a16="http://schemas.microsoft.com/office/drawing/2014/main" id="{BD2BFF02-DF78-4F07-B176-52514E13127D}"/>
+              </a:ext>
+              <a:ext uri="{C183D7F6-B498-43B3-948B-1728B52AA6E4}">
+                <adec:decorative xmlns:adec="http://schemas.microsoft.com/office/drawing/2017/decorative" val="1"/>
+              </a:ext>
+            </a:extLst>
+          </p:cNvPr>
+          <p:cNvSpPr>
+            <a:spLocks noGrp="1" noRot="1" noChangeAspect="1" noMove="1" noResize="1" noEditPoints="1" noAdjustHandles="1" noChangeArrowheads="1" noChangeShapeType="1" noTextEdit="1"/>
+          </p:cNvSpPr>
+          <p:nvPr>
+            <p:extLst>
+              <p:ext uri="{386F3935-93C4-4BCD-93E2-E3B085C9AB24}">
+                <p16:designElem xmlns:p16="http://schemas.microsoft.com/office/powerpoint/2015/main" val="1"/>
+              </p:ext>
+            </p:extLst>
+          </p:nvPr>
+        </p:nvSpPr>
+        <p:spPr bwMode="auto">
+          <a:xfrm>
+            <a:off x="7062174" y="1653645"/>
+            <a:ext cx="4689240" cy="4115025"/>
+          </a:xfrm>
+          <a:custGeom>
+            <a:avLst/>
+            <a:gdLst>
+              <a:gd name="T0" fmla="*/ 781 w 1099"/>
+              <a:gd name="T1" fmla="*/ 0 h 968"/>
+              <a:gd name="T2" fmla="*/ 318 w 1099"/>
+              <a:gd name="T3" fmla="*/ 0 h 968"/>
+              <a:gd name="T4" fmla="*/ 246 w 1099"/>
+              <a:gd name="T5" fmla="*/ 42 h 968"/>
+              <a:gd name="T6" fmla="*/ 15 w 1099"/>
+              <a:gd name="T7" fmla="*/ 443 h 968"/>
+              <a:gd name="T8" fmla="*/ 15 w 1099"/>
+              <a:gd name="T9" fmla="*/ 525 h 968"/>
+              <a:gd name="T10" fmla="*/ 246 w 1099"/>
+              <a:gd name="T11" fmla="*/ 926 h 968"/>
+              <a:gd name="T12" fmla="*/ 318 w 1099"/>
+              <a:gd name="T13" fmla="*/ 968 h 968"/>
+              <a:gd name="T14" fmla="*/ 781 w 1099"/>
+              <a:gd name="T15" fmla="*/ 968 h 968"/>
+              <a:gd name="T16" fmla="*/ 852 w 1099"/>
+              <a:gd name="T17" fmla="*/ 926 h 968"/>
+              <a:gd name="T18" fmla="*/ 1084 w 1099"/>
+              <a:gd name="T19" fmla="*/ 525 h 968"/>
+              <a:gd name="T20" fmla="*/ 1084 w 1099"/>
+              <a:gd name="T21" fmla="*/ 443 h 968"/>
+              <a:gd name="T22" fmla="*/ 852 w 1099"/>
+              <a:gd name="T23" fmla="*/ 42 h 968"/>
+              <a:gd name="T24" fmla="*/ 781 w 1099"/>
+              <a:gd name="T25" fmla="*/ 0 h 968"/>
+            </a:gdLst>
+            <a:ahLst/>
+            <a:cxnLst>
+              <a:cxn ang="0">
+                <a:pos x="T0" y="T1"/>
+              </a:cxn>
+              <a:cxn ang="0">
+                <a:pos x="T2" y="T3"/>
+              </a:cxn>
+              <a:cxn ang="0">
+                <a:pos x="T4" y="T5"/>
+              </a:cxn>
+              <a:cxn ang="0">
+                <a:pos x="T6" y="T7"/>
+              </a:cxn>
+              <a:cxn ang="0">
+                <a:pos x="T8" y="T9"/>
+              </a:cxn>
+              <a:cxn ang="0">
+                <a:pos x="T10" y="T11"/>
+              </a:cxn>
+              <a:cxn ang="0">
+                <a:pos x="T12" y="T13"/>
+              </a:cxn>
+              <a:cxn ang="0">
+                <a:pos x="T14" y="T15"/>
+              </a:cxn>
+              <a:cxn ang="0">
+                <a:pos x="T16" y="T17"/>
+              </a:cxn>
+              <a:cxn ang="0">
+                <a:pos x="T18" y="T19"/>
+              </a:cxn>
+              <a:cxn ang="0">
+                <a:pos x="T20" y="T21"/>
+              </a:cxn>
+              <a:cxn ang="0">
+                <a:pos x="T22" y="T23"/>
+              </a:cxn>
+              <a:cxn ang="0">
+                <a:pos x="T24" y="T25"/>
+              </a:cxn>
+            </a:cxnLst>
+            <a:rect l="0" t="0" r="r" b="b"/>
+            <a:pathLst>
+              <a:path w="1099" h="968">
+                <a:moveTo>
+                  <a:pt x="781" y="0"/>
+                </a:moveTo>
+                <a:cubicBezTo>
+                  <a:pt x="318" y="0"/>
+                  <a:pt x="318" y="0"/>
+                  <a:pt x="318" y="0"/>
+                </a:cubicBezTo>
+                <a:cubicBezTo>
+                  <a:pt x="288" y="0"/>
+                  <a:pt x="261" y="16"/>
+                  <a:pt x="246" y="42"/>
+                </a:cubicBezTo>
+                <a:cubicBezTo>
+                  <a:pt x="15" y="443"/>
+                  <a:pt x="15" y="443"/>
+                  <a:pt x="15" y="443"/>
+                </a:cubicBezTo>
+                <a:cubicBezTo>
+                  <a:pt x="0" y="468"/>
+                  <a:pt x="0" y="500"/>
+                  <a:pt x="15" y="525"/>
+                </a:cubicBezTo>
+                <a:cubicBezTo>
+                  <a:pt x="246" y="926"/>
+                  <a:pt x="246" y="926"/>
+                  <a:pt x="246" y="926"/>
+                </a:cubicBezTo>
+                <a:cubicBezTo>
+                  <a:pt x="261" y="952"/>
+                  <a:pt x="288" y="968"/>
+                  <a:pt x="318" y="968"/>
+                </a:cubicBezTo>
+                <a:cubicBezTo>
+                  <a:pt x="781" y="968"/>
+                  <a:pt x="781" y="968"/>
+                  <a:pt x="781" y="968"/>
+                </a:cubicBezTo>
+                <a:cubicBezTo>
+                  <a:pt x="810" y="968"/>
+                  <a:pt x="838" y="952"/>
+                  <a:pt x="852" y="926"/>
+                </a:cubicBezTo>
+                <a:cubicBezTo>
+                  <a:pt x="1084" y="525"/>
+                  <a:pt x="1084" y="525"/>
+                  <a:pt x="1084" y="525"/>
+                </a:cubicBezTo>
+                <a:cubicBezTo>
+                  <a:pt x="1099" y="500"/>
+                  <a:pt x="1099" y="468"/>
+                  <a:pt x="1084" y="443"/>
+                </a:cubicBezTo>
+                <a:cubicBezTo>
+                  <a:pt x="852" y="42"/>
+                  <a:pt x="852" y="42"/>
+                  <a:pt x="852" y="42"/>
+                </a:cubicBezTo>
+                <a:cubicBezTo>
+                  <a:pt x="838" y="16"/>
+                  <a:pt x="810" y="0"/>
+                  <a:pt x="781" y="0"/>
+                </a:cubicBezTo>
+                <a:close/>
+              </a:path>
+            </a:pathLst>
+          </a:custGeom>
+          <a:noFill/>
+          <a:ln w="50800" cap="flat">
+            <a:solidFill>
+              <a:schemeClr val="tx1"/>
+            </a:solidFill>
+            <a:prstDash val="solid"/>
+            <a:miter lim="800000"/>
+            <a:headEnd/>
+            <a:tailEnd/>
+          </a:ln>
+        </p:spPr>
+        <p:txBody>
+          <a:bodyPr vert="horz" wrap="square" lIns="91440" tIns="45720" rIns="91440" bIns="45720" numCol="1" anchor="t" anchorCtr="0" compatLnSpc="1">
+            <a:prstTxWarp prst="textNoShape">
+              <a:avLst/>
+            </a:prstTxWarp>
+          </a:bodyPr>
+          <a:lstStyle/>
+          <a:p>
+            <a:pPr marL="0" marR="0" lvl="0" indent="0" algn="l" defTabSz="914400" rtl="0" eaLnBrk="1" fontAlgn="auto" latinLnBrk="0" hangingPunct="1">
+              <a:lnSpc>
+                <a:spcPct val="100000"/>
+              </a:lnSpc>
+              <a:spcBef>
+                <a:spcPts val="0"/>
+              </a:spcBef>
+              <a:spcAft>
+                <a:spcPts val="0"/>
+              </a:spcAft>
+              <a:buClrTx/>
+              <a:buSzTx/>
+              <a:buFontTx/>
+              <a:buNone/>
+              <a:tabLst/>
+              <a:defRPr/>
+            </a:pPr>
+            <a:endParaRPr kumimoji="0" lang="en-US" sz="1800" b="0" i="0" u="none" strike="noStrike" kern="1200" cap="none" spc="0" normalizeH="0" baseline="0" noProof="0" dirty="0">
+              <a:ln>
+                <a:noFill/>
+              </a:ln>
+              <a:solidFill>
+                <a:prstClr val="black"/>
+              </a:solidFill>
+              <a:effectLst/>
+              <a:uLnTx/>
+              <a:uFillTx/>
+              <a:latin typeface="Calibri" panose="020F0502020204030204"/>
+              <a:ea typeface="+mn-ea"/>
+              <a:cs typeface="+mn-cs"/>
+            </a:endParaRPr>
+          </a:p>
+        </p:txBody>
+      </p:sp>
+      <p:sp>
+        <p:nvSpPr>
+          <p:cNvPr id="28" name="Freeform: Shape 27">
+            <a:extLst>
+              <a:ext uri="{FF2B5EF4-FFF2-40B4-BE49-F238E27FC236}">
+                <a16:creationId xmlns:a16="http://schemas.microsoft.com/office/drawing/2014/main" id="{0DB06EAB-7D8C-403A-86C5-B5FD79A13650}"/>
+              </a:ext>
+              <a:ext uri="{C183D7F6-B498-43B3-948B-1728B52AA6E4}">
+                <adec:decorative xmlns:adec="http://schemas.microsoft.com/office/drawing/2017/decorative" val="1"/>
+              </a:ext>
+            </a:extLst>
+          </p:cNvPr>
+          <p:cNvSpPr>
+            <a:spLocks noGrp="1" noRot="1" noChangeAspect="1" noMove="1" noResize="1" noEditPoints="1" noAdjustHandles="1" noChangeArrowheads="1" noChangeShapeType="1" noTextEdit="1"/>
+          </p:cNvSpPr>
+          <p:nvPr>
+            <p:extLst>
+              <p:ext uri="{386F3935-93C4-4BCD-93E2-E3B085C9AB24}">
+                <p16:designElem xmlns:p16="http://schemas.microsoft.com/office/powerpoint/2015/main" val="1"/>
+              </p:ext>
+            </p:extLst>
+          </p:nvPr>
+        </p:nvSpPr>
+        <p:spPr>
+          <a:xfrm>
+            <a:off x="4542865" y="634058"/>
+            <a:ext cx="3154669" cy="2796247"/>
+          </a:xfrm>
+          <a:custGeom>
+            <a:avLst/>
+            <a:gdLst>
+              <a:gd name="connsiteX0" fmla="*/ 853538 w 2991693"/>
+              <a:gd name="connsiteY0" fmla="*/ 0 h 2651787"/>
+              <a:gd name="connsiteX1" fmla="*/ 2141030 w 2991693"/>
+              <a:gd name="connsiteY1" fmla="*/ 0 h 2651787"/>
+              <a:gd name="connsiteX2" fmla="*/ 2324957 w 2991693"/>
+              <a:gd name="connsiteY2" fmla="*/ 103466 h 2651787"/>
+              <a:gd name="connsiteX3" fmla="*/ 2968702 w 2991693"/>
+              <a:gd name="connsiteY3" fmla="*/ 1218596 h 2651787"/>
+              <a:gd name="connsiteX4" fmla="*/ 2968702 w 2991693"/>
+              <a:gd name="connsiteY4" fmla="*/ 1433192 h 2651787"/>
+              <a:gd name="connsiteX5" fmla="*/ 2324957 w 2991693"/>
+              <a:gd name="connsiteY5" fmla="*/ 2548321 h 2651787"/>
+              <a:gd name="connsiteX6" fmla="*/ 2141030 w 2991693"/>
+              <a:gd name="connsiteY6" fmla="*/ 2651787 h 2651787"/>
+              <a:gd name="connsiteX7" fmla="*/ 853538 w 2991693"/>
+              <a:gd name="connsiteY7" fmla="*/ 2651787 h 2651787"/>
+              <a:gd name="connsiteX8" fmla="*/ 669612 w 2991693"/>
+              <a:gd name="connsiteY8" fmla="*/ 2548321 h 2651787"/>
+              <a:gd name="connsiteX9" fmla="*/ 25866 w 2991693"/>
+              <a:gd name="connsiteY9" fmla="*/ 1433192 h 2651787"/>
+              <a:gd name="connsiteX10" fmla="*/ 25866 w 2991693"/>
+              <a:gd name="connsiteY10" fmla="*/ 1218596 h 2651787"/>
+              <a:gd name="connsiteX11" fmla="*/ 669612 w 2991693"/>
+              <a:gd name="connsiteY11" fmla="*/ 103466 h 2651787"/>
+              <a:gd name="connsiteX12" fmla="*/ 853538 w 2991693"/>
+              <a:gd name="connsiteY12" fmla="*/ 0 h 2651787"/>
+            </a:gdLst>
+            <a:ahLst/>
+            <a:cxnLst>
+              <a:cxn ang="0">
+                <a:pos x="connsiteX0" y="connsiteY0"/>
+              </a:cxn>
+              <a:cxn ang="0">
+                <a:pos x="connsiteX1" y="connsiteY1"/>
+              </a:cxn>
+              <a:cxn ang="0">
+                <a:pos x="connsiteX2" y="connsiteY2"/>
+              </a:cxn>
+              <a:cxn ang="0">
+                <a:pos x="connsiteX3" y="connsiteY3"/>
+              </a:cxn>
+              <a:cxn ang="0">
+                <a:pos x="connsiteX4" y="connsiteY4"/>
+              </a:cxn>
+              <a:cxn ang="0">
+                <a:pos x="connsiteX5" y="connsiteY5"/>
+              </a:cxn>
+              <a:cxn ang="0">
+                <a:pos x="connsiteX6" y="connsiteY6"/>
+              </a:cxn>
+              <a:cxn ang="0">
+                <a:pos x="connsiteX7" y="connsiteY7"/>
+              </a:cxn>
+              <a:cxn ang="0">
+                <a:pos x="connsiteX8" y="connsiteY8"/>
+              </a:cxn>
+              <a:cxn ang="0">
+                <a:pos x="connsiteX9" y="connsiteY9"/>
+              </a:cxn>
+              <a:cxn ang="0">
+                <a:pos x="connsiteX10" y="connsiteY10"/>
+              </a:cxn>
+              <a:cxn ang="0">
+                <a:pos x="connsiteX11" y="connsiteY11"/>
+              </a:cxn>
+              <a:cxn ang="0">
+                <a:pos x="connsiteX12" y="connsiteY12"/>
+              </a:cxn>
+            </a:cxnLst>
+            <a:rect l="l" t="t" r="r" b="b"/>
+            <a:pathLst>
+              <a:path w="2991693" h="2651787">
+                <a:moveTo>
+                  <a:pt x="853538" y="0"/>
+                </a:moveTo>
+                <a:cubicBezTo>
+                  <a:pt x="2141030" y="0"/>
+                  <a:pt x="2141030" y="0"/>
+                  <a:pt x="2141030" y="0"/>
+                </a:cubicBezTo>
+                <a:cubicBezTo>
+                  <a:pt x="2206170" y="0"/>
+                  <a:pt x="2290471" y="45985"/>
+                  <a:pt x="2324957" y="103466"/>
+                </a:cubicBezTo>
+                <a:cubicBezTo>
+                  <a:pt x="2968702" y="1218596"/>
+                  <a:pt x="2968702" y="1218596"/>
+                  <a:pt x="2968702" y="1218596"/>
+                </a:cubicBezTo>
+                <a:cubicBezTo>
+                  <a:pt x="2999357" y="1279909"/>
+                  <a:pt x="2999357" y="1371878"/>
+                  <a:pt x="2968702" y="1433192"/>
+                </a:cubicBezTo>
+                <a:cubicBezTo>
+                  <a:pt x="2324957" y="2548321"/>
+                  <a:pt x="2324957" y="2548321"/>
+                  <a:pt x="2324957" y="2548321"/>
+                </a:cubicBezTo>
+                <a:cubicBezTo>
+                  <a:pt x="2290471" y="2605803"/>
+                  <a:pt x="2206170" y="2651787"/>
+                  <a:pt x="2141030" y="2651787"/>
+                </a:cubicBezTo>
+                <a:lnTo>
+                  <a:pt x="853538" y="2651787"/>
+                </a:lnTo>
+                <a:cubicBezTo>
+                  <a:pt x="784566" y="2651787"/>
+                  <a:pt x="700266" y="2605803"/>
+                  <a:pt x="669612" y="2548321"/>
+                </a:cubicBezTo>
+                <a:cubicBezTo>
+                  <a:pt x="25866" y="1433192"/>
+                  <a:pt x="25866" y="1433192"/>
+                  <a:pt x="25866" y="1433192"/>
+                </a:cubicBezTo>
+                <a:cubicBezTo>
+                  <a:pt x="-8621" y="1371878"/>
+                  <a:pt x="-8621" y="1279909"/>
+                  <a:pt x="25866" y="1218596"/>
+                </a:cubicBezTo>
+                <a:cubicBezTo>
+                  <a:pt x="669612" y="103466"/>
+                  <a:pt x="669612" y="103466"/>
+                  <a:pt x="669612" y="103466"/>
+                </a:cubicBezTo>
+                <a:cubicBezTo>
+                  <a:pt x="700266" y="45985"/>
+                  <a:pt x="784566" y="0"/>
+                  <a:pt x="853538" y="0"/>
+                </a:cubicBezTo>
+                <a:close/>
+              </a:path>
+            </a:pathLst>
+          </a:custGeom>
+          <a:noFill/>
+          <a:ln w="50800" cap="flat">
+            <a:solidFill>
+              <a:schemeClr val="tx1"/>
+            </a:solidFill>
+            <a:prstDash val="solid"/>
+            <a:miter lim="800000"/>
+            <a:headEnd/>
+            <a:tailEnd/>
+          </a:ln>
+        </p:spPr>
+        <p:txBody>
+          <a:bodyPr vert="horz" wrap="square" lIns="91440" tIns="45720" rIns="91440" bIns="45720" numCol="1" anchor="t" anchorCtr="0" compatLnSpc="1">
+            <a:prstTxWarp prst="textNoShape">
+              <a:avLst/>
+            </a:prstTxWarp>
+          </a:bodyPr>
+          <a:lstStyle/>
+          <a:p>
+            <a:pPr marL="0" marR="0" lvl="0" indent="0" algn="l" defTabSz="914400" rtl="0" eaLnBrk="1" fontAlgn="auto" latinLnBrk="0" hangingPunct="1">
+              <a:lnSpc>
+                <a:spcPct val="100000"/>
+              </a:lnSpc>
+              <a:spcBef>
+                <a:spcPts val="0"/>
+              </a:spcBef>
+              <a:spcAft>
+                <a:spcPts val="0"/>
+              </a:spcAft>
+              <a:buClrTx/>
+              <a:buSzTx/>
+              <a:buFontTx/>
+              <a:buNone/>
+              <a:tabLst/>
+              <a:defRPr/>
+            </a:pPr>
+            <a:endParaRPr kumimoji="0" lang="en-US" sz="1800" b="0" i="0" u="none" strike="noStrike" kern="1200" cap="none" spc="0" normalizeH="0" baseline="0" noProof="0" dirty="0">
+              <a:ln>
+                <a:noFill/>
+              </a:ln>
+              <a:solidFill>
+                <a:prstClr val="black"/>
+              </a:solidFill>
+              <a:effectLst/>
+              <a:uLnTx/>
+              <a:uFillTx/>
+              <a:latin typeface="Calibri" panose="020F0502020204030204"/>
+              <a:ea typeface="+mn-ea"/>
+              <a:cs typeface="+mn-cs"/>
+            </a:endParaRPr>
+          </a:p>
+        </p:txBody>
+      </p:sp>
+      <p:pic>
+        <p:nvPicPr>
+          <p:cNvPr id="7" name="Picture 6">
+            <a:extLst>
+              <a:ext uri="{FF2B5EF4-FFF2-40B4-BE49-F238E27FC236}">
+                <a16:creationId xmlns:a16="http://schemas.microsoft.com/office/drawing/2014/main" id="{44155673-E4BF-4691-91EF-AF8288758CA5}"/>
+              </a:ext>
+            </a:extLst>
+          </p:cNvPr>
+          <p:cNvPicPr>
+            <a:picLocks noChangeAspect="1"/>
+          </p:cNvPicPr>
+          <p:nvPr/>
+        </p:nvPicPr>
+        <p:blipFill>
+          <a:blip r:embed="rId3"/>
+          <a:stretch>
+            <a:fillRect/>
+          </a:stretch>
+        </p:blipFill>
+        <p:spPr>
+          <a:xfrm>
+            <a:off x="8050038" y="2354401"/>
+            <a:ext cx="2713512" cy="2713512"/>
+          </a:xfrm>
+          <a:prstGeom prst="rect">
+            <a:avLst/>
+          </a:prstGeom>
+        </p:spPr>
+      </p:pic>
+      <p:pic>
+        <p:nvPicPr>
+          <p:cNvPr id="15" name="Picture 14" descr="Icon&#10;&#10;Description automatically generated">
+            <a:extLst>
+              <a:ext uri="{FF2B5EF4-FFF2-40B4-BE49-F238E27FC236}">
+                <a16:creationId xmlns:a16="http://schemas.microsoft.com/office/drawing/2014/main" id="{47014846-E21C-448F-BE26-C0C592F4C6E4}"/>
+              </a:ext>
+            </a:extLst>
+          </p:cNvPr>
+          <p:cNvPicPr>
+            <a:picLocks noChangeAspect="1"/>
+          </p:cNvPicPr>
+          <p:nvPr/>
+        </p:nvPicPr>
+        <p:blipFill>
+          <a:blip r:embed="rId4">
+            <a:extLst>
+              <a:ext uri="{28A0092B-C50C-407E-A947-70E740481C1C}">
+                <a14:useLocalDpi xmlns:a14="http://schemas.microsoft.com/office/drawing/2010/main" val="0"/>
+              </a:ext>
+            </a:extLst>
+          </a:blip>
+          <a:stretch>
+            <a:fillRect/>
+          </a:stretch>
+        </p:blipFill>
+        <p:spPr>
+          <a:xfrm>
+            <a:off x="5320485" y="1194006"/>
+            <a:ext cx="1599427" cy="1599427"/>
+          </a:xfrm>
+          <a:prstGeom prst="rect">
+            <a:avLst/>
+          </a:prstGeom>
+        </p:spPr>
+      </p:pic>
+    </p:spTree>
+    <p:extLst>
+      <p:ext uri="{BB962C8B-B14F-4D97-AF65-F5344CB8AC3E}">
+        <p14:creationId xmlns:p14="http://schemas.microsoft.com/office/powerpoint/2010/main" val="3904717136"/>
+      </p:ext>
+    </p:extLst>
+  </p:cSld>
+  <p:clrMapOvr>
+    <a:masterClrMapping/>
+  </p:clrMapOvr>
+</p:sld>
+</file>
+
+<file path=ppt/slides/slide12.xml><?xml version="1.0" encoding="utf-8"?>
+<p:sld xmlns:a="http://schemas.openxmlformats.org/drawingml/2006/main" xmlns:r="http://schemas.openxmlformats.org/officeDocument/2006/relationships" xmlns:p="http://schemas.openxmlformats.org/presentationml/2006/main">
+  <p:cSld>
+    <p:bg>
+      <p:bgPr>
+        <a:solidFill>
+          <a:schemeClr val="bg1"/>
+        </a:solidFill>
+        <a:effectLst/>
+      </p:bgPr>
+    </p:bg>
+    <p:spTree>
+      <p:nvGrpSpPr>
+        <p:cNvPr id="1" name=""/>
+        <p:cNvGrpSpPr/>
+        <p:nvPr/>
+      </p:nvGrpSpPr>
+      <p:grpSpPr>
+        <a:xfrm>
+          <a:off x="0" y="0"/>
+          <a:ext cx="0" cy="0"/>
+          <a:chOff x="0" y="0"/>
+          <a:chExt cx="0" cy="0"/>
+        </a:xfrm>
+      </p:grpSpPr>
+      <p:sp useBgFill="1">
+        <p:nvSpPr>
+          <p:cNvPr id="20" name="Rectangle 19">
+            <a:extLst>
+              <a:ext uri="{FF2B5EF4-FFF2-40B4-BE49-F238E27FC236}">
+                <a16:creationId xmlns:a16="http://schemas.microsoft.com/office/drawing/2014/main" id="{C4E4288A-DFC8-40A2-90E5-70E851A933AD}"/>
+              </a:ext>
+              <a:ext uri="{C183D7F6-B498-43B3-948B-1728B52AA6E4}">
+                <adec:decorative xmlns:adec="http://schemas.microsoft.com/office/drawing/2017/decorative" val="1"/>
+              </a:ext>
+            </a:extLst>
+          </p:cNvPr>
+          <p:cNvSpPr>
+            <a:spLocks noGrp="1" noRot="1" noChangeAspect="1" noMove="1" noResize="1" noEditPoints="1" noAdjustHandles="1" noChangeArrowheads="1" noChangeShapeType="1" noTextEdit="1"/>
+          </p:cNvSpPr>
+          <p:nvPr>
+            <p:extLst>
+              <p:ext uri="{386F3935-93C4-4BCD-93E2-E3B085C9AB24}">
+                <p16:designElem xmlns:p16="http://schemas.microsoft.com/office/powerpoint/2015/main" val="1"/>
+              </p:ext>
+            </p:extLst>
+          </p:nvPr>
+        </p:nvSpPr>
+        <p:spPr>
+          <a:xfrm>
+            <a:off x="0" y="0"/>
+            <a:ext cx="12192000" cy="6858000"/>
+          </a:xfrm>
+          <a:prstGeom prst="rect">
+            <a:avLst/>
+          </a:prstGeom>
+          <a:ln>
+            <a:noFill/>
+          </a:ln>
+        </p:spPr>
+        <p:style>
+          <a:lnRef idx="2">
+            <a:schemeClr val="accent1">
+              <a:shade val="50000"/>
+            </a:schemeClr>
+          </a:lnRef>
+          <a:fillRef idx="1">
+            <a:schemeClr val="accent1"/>
+          </a:fillRef>
+          <a:effectRef idx="0">
+            <a:schemeClr val="accent1"/>
+          </a:effectRef>
+          <a:fontRef idx="minor">
+            <a:schemeClr val="lt1"/>
+          </a:fontRef>
+        </p:style>
+        <p:txBody>
+          <a:bodyPr rtlCol="0" anchor="ctr"/>
+          <a:lstStyle/>
+          <a:p>
+            <a:pPr marL="0" marR="0" lvl="0" indent="0" algn="ctr" defTabSz="914400" rtl="0" eaLnBrk="1" fontAlgn="auto" latinLnBrk="0" hangingPunct="1">
+              <a:lnSpc>
+                <a:spcPct val="100000"/>
+              </a:lnSpc>
+              <a:spcBef>
+                <a:spcPts val="0"/>
+              </a:spcBef>
+              <a:spcAft>
+                <a:spcPts val="0"/>
+              </a:spcAft>
+              <a:buClrTx/>
+              <a:buSzTx/>
+              <a:buFontTx/>
+              <a:buNone/>
+              <a:tabLst/>
+              <a:defRPr/>
+            </a:pPr>
+            <a:endParaRPr kumimoji="0" lang="en-US" sz="1800" b="0" i="0" u="none" strike="noStrike" kern="1200" cap="none" spc="0" normalizeH="0" baseline="0" noProof="0">
+              <a:ln>
+                <a:noFill/>
+              </a:ln>
+              <a:solidFill>
+                <a:prstClr val="white"/>
+              </a:solidFill>
+              <a:effectLst/>
+              <a:uLnTx/>
+              <a:uFillTx/>
+              <a:latin typeface="Calibri" panose="020F0502020204030204"/>
+              <a:ea typeface="+mn-ea"/>
+              <a:cs typeface="+mn-cs"/>
+            </a:endParaRPr>
+          </a:p>
+        </p:txBody>
+      </p:sp>
+      <p:grpSp>
+        <p:nvGrpSpPr>
+          <p:cNvPr id="22" name="Group 21">
+            <a:extLst>
+              <a:ext uri="{FF2B5EF4-FFF2-40B4-BE49-F238E27FC236}">
+                <a16:creationId xmlns:a16="http://schemas.microsoft.com/office/drawing/2014/main" id="{B63C2D82-D4FA-4A37-BB01-1E7B21E4FF20}"/>
+              </a:ext>
+              <a:ext uri="{C183D7F6-B498-43B3-948B-1728B52AA6E4}">
+                <adec:decorative xmlns:adec="http://schemas.microsoft.com/office/drawing/2017/decorative" val="1"/>
+              </a:ext>
+            </a:extLst>
+          </p:cNvPr>
+          <p:cNvGrpSpPr>
+            <a:grpSpLocks noGrp="1" noUngrp="1" noRot="1" noChangeAspect="1" noMove="1" noResize="1"/>
+          </p:cNvGrpSpPr>
+          <p:nvPr>
+            <p:extLst>
+              <p:ext uri="{386F3935-93C4-4BCD-93E2-E3B085C9AB24}">
+                <p16:designElem xmlns:p16="http://schemas.microsoft.com/office/powerpoint/2015/main" val="1"/>
+              </p:ext>
+            </p:extLst>
+          </p:nvPr>
+        </p:nvGrpSpPr>
+        <p:grpSpPr>
+          <a:xfrm>
+            <a:off x="965199" y="634058"/>
+            <a:ext cx="1128382" cy="847206"/>
+            <a:chOff x="5307830" y="325570"/>
+            <a:chExt cx="1128382" cy="847206"/>
+          </a:xfrm>
+        </p:grpSpPr>
+        <p:sp>
+          <p:nvSpPr>
+            <p:cNvPr id="23" name="Freeform 5">
+              <a:extLst>
+                <a:ext uri="{FF2B5EF4-FFF2-40B4-BE49-F238E27FC236}">
+                  <a16:creationId xmlns:a16="http://schemas.microsoft.com/office/drawing/2014/main" id="{C94E7FEF-0CE9-4AC2-94BB-02230C6DC0DF}"/>
+                </a:ext>
+                <a:ext uri="{C183D7F6-B498-43B3-948B-1728B52AA6E4}">
+                  <adec:decorative xmlns:adec="http://schemas.microsoft.com/office/drawing/2017/decorative" val="1"/>
+                </a:ext>
+              </a:extLst>
+            </p:cNvPr>
+            <p:cNvSpPr>
+              <a:spLocks/>
+            </p:cNvSpPr>
+            <p:nvPr>
+              <p:extLst>
+                <p:ext uri="{386F3935-93C4-4BCD-93E2-E3B085C9AB24}">
+                  <p16:designElem xmlns:p16="http://schemas.microsoft.com/office/powerpoint/2015/main" val="1"/>
+                </p:ext>
+              </p:extLst>
+            </p:nvPr>
+          </p:nvSpPr>
+          <p:spPr bwMode="auto">
+            <a:xfrm>
+              <a:off x="5307830" y="577396"/>
+              <a:ext cx="675351" cy="595380"/>
+            </a:xfrm>
+            <a:custGeom>
+              <a:avLst/>
+              <a:gdLst>
+                <a:gd name="T0" fmla="*/ 225 w 785"/>
+                <a:gd name="T1" fmla="*/ 692 h 692"/>
+                <a:gd name="T2" fmla="*/ 177 w 785"/>
+                <a:gd name="T3" fmla="*/ 665 h 692"/>
+                <a:gd name="T4" fmla="*/ 9 w 785"/>
+                <a:gd name="T5" fmla="*/ 374 h 692"/>
+                <a:gd name="T6" fmla="*/ 9 w 785"/>
+                <a:gd name="T7" fmla="*/ 318 h 692"/>
+                <a:gd name="T8" fmla="*/ 177 w 785"/>
+                <a:gd name="T9" fmla="*/ 27 h 692"/>
+                <a:gd name="T10" fmla="*/ 225 w 785"/>
+                <a:gd name="T11" fmla="*/ 0 h 692"/>
+                <a:gd name="T12" fmla="*/ 561 w 785"/>
+                <a:gd name="T13" fmla="*/ 0 h 692"/>
+                <a:gd name="T14" fmla="*/ 609 w 785"/>
+                <a:gd name="T15" fmla="*/ 27 h 692"/>
+                <a:gd name="T16" fmla="*/ 777 w 785"/>
+                <a:gd name="T17" fmla="*/ 318 h 692"/>
+                <a:gd name="T18" fmla="*/ 777 w 785"/>
+                <a:gd name="T19" fmla="*/ 374 h 692"/>
+                <a:gd name="T20" fmla="*/ 609 w 785"/>
+                <a:gd name="T21" fmla="*/ 665 h 692"/>
+                <a:gd name="T22" fmla="*/ 561 w 785"/>
+                <a:gd name="T23" fmla="*/ 692 h 692"/>
+                <a:gd name="T24" fmla="*/ 225 w 785"/>
+                <a:gd name="T25" fmla="*/ 692 h 692"/>
+              </a:gdLst>
+              <a:ahLst/>
+              <a:cxnLst>
+                <a:cxn ang="0">
+                  <a:pos x="T0" y="T1"/>
+                </a:cxn>
+                <a:cxn ang="0">
+                  <a:pos x="T2" y="T3"/>
+                </a:cxn>
+                <a:cxn ang="0">
+                  <a:pos x="T4" y="T5"/>
+                </a:cxn>
+                <a:cxn ang="0">
+                  <a:pos x="T6" y="T7"/>
+                </a:cxn>
+                <a:cxn ang="0">
+                  <a:pos x="T8" y="T9"/>
+                </a:cxn>
+                <a:cxn ang="0">
+                  <a:pos x="T10" y="T11"/>
+                </a:cxn>
+                <a:cxn ang="0">
+                  <a:pos x="T12" y="T13"/>
+                </a:cxn>
+                <a:cxn ang="0">
+                  <a:pos x="T14" y="T15"/>
+                </a:cxn>
+                <a:cxn ang="0">
+                  <a:pos x="T16" y="T17"/>
+                </a:cxn>
+                <a:cxn ang="0">
+                  <a:pos x="T18" y="T19"/>
+                </a:cxn>
+                <a:cxn ang="0">
+                  <a:pos x="T20" y="T21"/>
+                </a:cxn>
+                <a:cxn ang="0">
+                  <a:pos x="T22" y="T23"/>
+                </a:cxn>
+                <a:cxn ang="0">
+                  <a:pos x="T24" y="T25"/>
+                </a:cxn>
+              </a:cxnLst>
+              <a:rect l="0" t="0" r="r" b="b"/>
+              <a:pathLst>
+                <a:path w="785" h="692">
+                  <a:moveTo>
+                    <a:pt x="225" y="692"/>
+                  </a:moveTo>
+                  <a:cubicBezTo>
+                    <a:pt x="207" y="692"/>
+                    <a:pt x="185" y="680"/>
+                    <a:pt x="177" y="665"/>
+                  </a:cubicBezTo>
+                  <a:cubicBezTo>
+                    <a:pt x="9" y="374"/>
+                    <a:pt x="9" y="374"/>
+                    <a:pt x="9" y="374"/>
+                  </a:cubicBezTo>
+                  <a:cubicBezTo>
+                    <a:pt x="0" y="358"/>
+                    <a:pt x="0" y="334"/>
+                    <a:pt x="9" y="318"/>
+                  </a:cubicBezTo>
+                  <a:cubicBezTo>
+                    <a:pt x="177" y="27"/>
+                    <a:pt x="177" y="27"/>
+                    <a:pt x="177" y="27"/>
+                  </a:cubicBezTo>
+                  <a:cubicBezTo>
+                    <a:pt x="185" y="12"/>
+                    <a:pt x="207" y="0"/>
+                    <a:pt x="225" y="0"/>
+                  </a:cubicBezTo>
+                  <a:cubicBezTo>
+                    <a:pt x="561" y="0"/>
+                    <a:pt x="561" y="0"/>
+                    <a:pt x="561" y="0"/>
+                  </a:cubicBezTo>
+                  <a:cubicBezTo>
+                    <a:pt x="578" y="0"/>
+                    <a:pt x="600" y="12"/>
+                    <a:pt x="609" y="27"/>
+                  </a:cubicBezTo>
+                  <a:cubicBezTo>
+                    <a:pt x="777" y="318"/>
+                    <a:pt x="777" y="318"/>
+                    <a:pt x="777" y="318"/>
+                  </a:cubicBezTo>
+                  <a:cubicBezTo>
+                    <a:pt x="785" y="334"/>
+                    <a:pt x="785" y="358"/>
+                    <a:pt x="777" y="374"/>
+                  </a:cubicBezTo>
+                  <a:cubicBezTo>
+                    <a:pt x="609" y="665"/>
+                    <a:pt x="609" y="665"/>
+                    <a:pt x="609" y="665"/>
+                  </a:cubicBezTo>
+                  <a:cubicBezTo>
+                    <a:pt x="600" y="680"/>
+                    <a:pt x="578" y="692"/>
+                    <a:pt x="561" y="692"/>
+                  </a:cubicBezTo>
+                  <a:lnTo>
+                    <a:pt x="225" y="692"/>
+                  </a:lnTo>
+                  <a:close/>
+                </a:path>
+              </a:pathLst>
+            </a:custGeom>
+            <a:noFill/>
+            <a:ln w="28575" cmpd="sng">
+              <a:solidFill>
+                <a:schemeClr val="tx1"/>
+              </a:solidFill>
+            </a:ln>
+          </p:spPr>
+          <p:txBody>
+            <a:bodyPr vert="horz" wrap="square" lIns="91440" tIns="45720" rIns="91440" bIns="45720" numCol="1" anchor="t" anchorCtr="0" compatLnSpc="1">
+              <a:prstTxWarp prst="textNoShape">
+                <a:avLst/>
+              </a:prstTxWarp>
+            </a:bodyPr>
+            <a:lstStyle/>
+            <a:p>
+              <a:pPr marL="0" marR="0" lvl="0" indent="0" algn="l" defTabSz="914400" rtl="0" eaLnBrk="1" fontAlgn="auto" latinLnBrk="0" hangingPunct="1">
+                <a:lnSpc>
+                  <a:spcPct val="100000"/>
+                </a:lnSpc>
+                <a:spcBef>
+                  <a:spcPts val="0"/>
+                </a:spcBef>
+                <a:spcAft>
+                  <a:spcPts val="0"/>
+                </a:spcAft>
+                <a:buClrTx/>
+                <a:buSzTx/>
+                <a:buFontTx/>
+                <a:buNone/>
+                <a:tabLst/>
+                <a:defRPr/>
+              </a:pPr>
+              <a:endParaRPr kumimoji="0" lang="en-US" sz="1800" b="0" i="0" u="none" strike="noStrike" kern="1200" cap="none" spc="0" normalizeH="0" baseline="0" noProof="0">
+                <a:ln>
+                  <a:noFill/>
+                </a:ln>
+                <a:solidFill>
+                  <a:prstClr val="black"/>
+                </a:solidFill>
+                <a:effectLst/>
+                <a:uLnTx/>
+                <a:uFillTx/>
+                <a:latin typeface="Calibri" panose="020F0502020204030204"/>
+                <a:ea typeface="+mn-ea"/>
+                <a:cs typeface="+mn-cs"/>
+              </a:endParaRPr>
+            </a:p>
+          </p:txBody>
+        </p:sp>
+        <p:sp>
+          <p:nvSpPr>
+            <p:cNvPr id="24" name="Freeform 5">
+              <a:extLst>
+                <a:ext uri="{FF2B5EF4-FFF2-40B4-BE49-F238E27FC236}">
+                  <a16:creationId xmlns:a16="http://schemas.microsoft.com/office/drawing/2014/main" id="{EB546CC0-C1BC-48D2-8DA9-4B60283165C9}"/>
+                </a:ext>
+                <a:ext uri="{C183D7F6-B498-43B3-948B-1728B52AA6E4}">
+                  <adec:decorative xmlns:adec="http://schemas.microsoft.com/office/drawing/2017/decorative" val="1"/>
+                </a:ext>
+              </a:extLst>
+            </p:cNvPr>
+            <p:cNvSpPr>
+              <a:spLocks/>
+            </p:cNvSpPr>
+            <p:nvPr>
+              <p:extLst>
+                <p:ext uri="{386F3935-93C4-4BCD-93E2-E3B085C9AB24}">
+                  <p16:designElem xmlns:p16="http://schemas.microsoft.com/office/powerpoint/2015/main" val="1"/>
+                </p:ext>
+              </p:extLst>
+            </p:nvPr>
+          </p:nvSpPr>
+          <p:spPr bwMode="auto">
+            <a:xfrm>
+              <a:off x="5885720" y="325570"/>
+              <a:ext cx="550492" cy="485306"/>
+            </a:xfrm>
+            <a:custGeom>
+              <a:avLst/>
+              <a:gdLst>
+                <a:gd name="T0" fmla="*/ 225 w 785"/>
+                <a:gd name="T1" fmla="*/ 692 h 692"/>
+                <a:gd name="T2" fmla="*/ 177 w 785"/>
+                <a:gd name="T3" fmla="*/ 665 h 692"/>
+                <a:gd name="T4" fmla="*/ 9 w 785"/>
+                <a:gd name="T5" fmla="*/ 374 h 692"/>
+                <a:gd name="T6" fmla="*/ 9 w 785"/>
+                <a:gd name="T7" fmla="*/ 318 h 692"/>
+                <a:gd name="T8" fmla="*/ 177 w 785"/>
+                <a:gd name="T9" fmla="*/ 27 h 692"/>
+                <a:gd name="T10" fmla="*/ 225 w 785"/>
+                <a:gd name="T11" fmla="*/ 0 h 692"/>
+                <a:gd name="T12" fmla="*/ 561 w 785"/>
+                <a:gd name="T13" fmla="*/ 0 h 692"/>
+                <a:gd name="T14" fmla="*/ 609 w 785"/>
+                <a:gd name="T15" fmla="*/ 27 h 692"/>
+                <a:gd name="T16" fmla="*/ 777 w 785"/>
+                <a:gd name="T17" fmla="*/ 318 h 692"/>
+                <a:gd name="T18" fmla="*/ 777 w 785"/>
+                <a:gd name="T19" fmla="*/ 374 h 692"/>
+                <a:gd name="T20" fmla="*/ 609 w 785"/>
+                <a:gd name="T21" fmla="*/ 665 h 692"/>
+                <a:gd name="T22" fmla="*/ 561 w 785"/>
+                <a:gd name="T23" fmla="*/ 692 h 692"/>
+                <a:gd name="T24" fmla="*/ 225 w 785"/>
+                <a:gd name="T25" fmla="*/ 692 h 692"/>
+              </a:gdLst>
+              <a:ahLst/>
+              <a:cxnLst>
+                <a:cxn ang="0">
+                  <a:pos x="T0" y="T1"/>
+                </a:cxn>
+                <a:cxn ang="0">
+                  <a:pos x="T2" y="T3"/>
+                </a:cxn>
+                <a:cxn ang="0">
+                  <a:pos x="T4" y="T5"/>
+                </a:cxn>
+                <a:cxn ang="0">
+                  <a:pos x="T6" y="T7"/>
+                </a:cxn>
+                <a:cxn ang="0">
+                  <a:pos x="T8" y="T9"/>
+                </a:cxn>
+                <a:cxn ang="0">
+                  <a:pos x="T10" y="T11"/>
+                </a:cxn>
+                <a:cxn ang="0">
+                  <a:pos x="T12" y="T13"/>
+                </a:cxn>
+                <a:cxn ang="0">
+                  <a:pos x="T14" y="T15"/>
+                </a:cxn>
+                <a:cxn ang="0">
+                  <a:pos x="T16" y="T17"/>
+                </a:cxn>
+                <a:cxn ang="0">
+                  <a:pos x="T18" y="T19"/>
+                </a:cxn>
+                <a:cxn ang="0">
+                  <a:pos x="T20" y="T21"/>
+                </a:cxn>
+                <a:cxn ang="0">
+                  <a:pos x="T22" y="T23"/>
+                </a:cxn>
+                <a:cxn ang="0">
+                  <a:pos x="T24" y="T25"/>
+                </a:cxn>
+              </a:cxnLst>
+              <a:rect l="0" t="0" r="r" b="b"/>
+              <a:pathLst>
+                <a:path w="785" h="692">
+                  <a:moveTo>
+                    <a:pt x="225" y="692"/>
+                  </a:moveTo>
+                  <a:cubicBezTo>
+                    <a:pt x="207" y="692"/>
+                    <a:pt x="185" y="680"/>
+                    <a:pt x="177" y="665"/>
+                  </a:cubicBezTo>
+                  <a:cubicBezTo>
+                    <a:pt x="9" y="374"/>
+                    <a:pt x="9" y="374"/>
+                    <a:pt x="9" y="374"/>
+                  </a:cubicBezTo>
+                  <a:cubicBezTo>
+                    <a:pt x="0" y="358"/>
+                    <a:pt x="0" y="334"/>
+                    <a:pt x="9" y="318"/>
+                  </a:cubicBezTo>
+                  <a:cubicBezTo>
+                    <a:pt x="177" y="27"/>
+                    <a:pt x="177" y="27"/>
+                    <a:pt x="177" y="27"/>
+                  </a:cubicBezTo>
+                  <a:cubicBezTo>
+                    <a:pt x="185" y="12"/>
+                    <a:pt x="207" y="0"/>
+                    <a:pt x="225" y="0"/>
+                  </a:cubicBezTo>
+                  <a:cubicBezTo>
+                    <a:pt x="561" y="0"/>
+                    <a:pt x="561" y="0"/>
+                    <a:pt x="561" y="0"/>
+                  </a:cubicBezTo>
+                  <a:cubicBezTo>
+                    <a:pt x="578" y="0"/>
+                    <a:pt x="600" y="12"/>
+                    <a:pt x="609" y="27"/>
+                  </a:cubicBezTo>
+                  <a:cubicBezTo>
+                    <a:pt x="777" y="318"/>
+                    <a:pt x="777" y="318"/>
+                    <a:pt x="777" y="318"/>
+                  </a:cubicBezTo>
+                  <a:cubicBezTo>
+                    <a:pt x="785" y="334"/>
+                    <a:pt x="785" y="358"/>
+                    <a:pt x="777" y="374"/>
+                  </a:cubicBezTo>
+                  <a:cubicBezTo>
+                    <a:pt x="609" y="665"/>
+                    <a:pt x="609" y="665"/>
+                    <a:pt x="609" y="665"/>
+                  </a:cubicBezTo>
+                  <a:cubicBezTo>
+                    <a:pt x="600" y="680"/>
+                    <a:pt x="578" y="692"/>
+                    <a:pt x="561" y="692"/>
+                  </a:cubicBezTo>
+                  <a:lnTo>
+                    <a:pt x="225" y="692"/>
+                  </a:lnTo>
+                  <a:close/>
+                </a:path>
+              </a:pathLst>
+            </a:custGeom>
+            <a:noFill/>
+            <a:ln w="28575" cmpd="sng">
+              <a:solidFill>
+                <a:schemeClr val="tx1"/>
+              </a:solidFill>
+            </a:ln>
+          </p:spPr>
+          <p:txBody>
+            <a:bodyPr vert="horz" wrap="square" lIns="91440" tIns="45720" rIns="91440" bIns="45720" numCol="1" anchor="t" anchorCtr="0" compatLnSpc="1">
+              <a:prstTxWarp prst="textNoShape">
+                <a:avLst/>
+              </a:prstTxWarp>
+            </a:bodyPr>
+            <a:lstStyle/>
+            <a:p>
+              <a:pPr marL="0" marR="0" lvl="0" indent="0" algn="l" defTabSz="914400" rtl="0" eaLnBrk="1" fontAlgn="auto" latinLnBrk="0" hangingPunct="1">
+                <a:lnSpc>
+                  <a:spcPct val="100000"/>
+                </a:lnSpc>
+                <a:spcBef>
+                  <a:spcPts val="0"/>
+                </a:spcBef>
+                <a:spcAft>
+                  <a:spcPts val="0"/>
+                </a:spcAft>
+                <a:buClrTx/>
+                <a:buSzTx/>
+                <a:buFontTx/>
+                <a:buNone/>
+                <a:tabLst/>
+                <a:defRPr/>
+              </a:pPr>
+              <a:endParaRPr kumimoji="0" lang="en-US" sz="1800" b="0" i="0" u="none" strike="noStrike" kern="1200" cap="none" spc="0" normalizeH="0" baseline="0" noProof="0">
+                <a:ln>
+                  <a:noFill/>
+                </a:ln>
+                <a:solidFill>
+                  <a:prstClr val="black"/>
+                </a:solidFill>
+                <a:effectLst/>
+                <a:uLnTx/>
+                <a:uFillTx/>
+                <a:latin typeface="Calibri" panose="020F0502020204030204"/>
+                <a:ea typeface="+mn-ea"/>
+                <a:cs typeface="+mn-cs"/>
+              </a:endParaRPr>
+            </a:p>
+          </p:txBody>
+        </p:sp>
+      </p:grpSp>
+      <p:sp>
+        <p:nvSpPr>
+          <p:cNvPr id="8" name="TextBox 7">
+            <a:extLst>
+              <a:ext uri="{FF2B5EF4-FFF2-40B4-BE49-F238E27FC236}">
+                <a16:creationId xmlns:a16="http://schemas.microsoft.com/office/drawing/2014/main" id="{04CA4DF5-C512-4233-8F08-3FDA86F8239A}"/>
+              </a:ext>
+            </a:extLst>
+          </p:cNvPr>
+          <p:cNvSpPr txBox="1"/>
+          <p:nvPr/>
+        </p:nvSpPr>
+        <p:spPr>
+          <a:xfrm>
+            <a:off x="614234" y="2354401"/>
+            <a:ext cx="4274710" cy="1522755"/>
+          </a:xfrm>
+          <a:prstGeom prst="rect">
+            <a:avLst/>
+          </a:prstGeom>
+        </p:spPr>
+        <p:txBody>
+          <a:bodyPr vert="horz" lIns="91440" tIns="45720" rIns="91440" bIns="45720" rtlCol="0" anchor="b">
+            <a:normAutofit/>
+          </a:bodyPr>
+          <a:lstStyle/>
+          <a:p>
+            <a:pPr marL="0" marR="0" lvl="0" indent="0" algn="l" defTabSz="914400" rtl="0" eaLnBrk="1" fontAlgn="auto" latinLnBrk="0" hangingPunct="1">
+              <a:lnSpc>
+                <a:spcPct val="90000"/>
+              </a:lnSpc>
+              <a:spcBef>
+                <a:spcPct val="0"/>
+              </a:spcBef>
+              <a:spcAft>
+                <a:spcPts val="600"/>
+              </a:spcAft>
+              <a:buClrTx/>
+              <a:buSzTx/>
+              <a:buFontTx/>
+              <a:buNone/>
+              <a:tabLst/>
+              <a:defRPr/>
+            </a:pPr>
+            <a:r>
+              <a:rPr kumimoji="0" lang="en-US" sz="4200" b="0" i="0" u="none" strike="noStrike" kern="1200" cap="none" spc="0" normalizeH="0" baseline="0" noProof="0" dirty="0">
+                <a:ln>
+                  <a:noFill/>
+                </a:ln>
+                <a:solidFill>
+                  <a:prstClr val="black"/>
+                </a:solidFill>
+                <a:effectLst/>
+                <a:uLnTx/>
+                <a:uFillTx/>
+                <a:latin typeface="Calibri Light" panose="020F0302020204030204"/>
+                <a:ea typeface="+mn-ea"/>
+                <a:cs typeface="+mn-cs"/>
+              </a:rPr>
+              <a:t>Labs 07-09</a:t>
+            </a:r>
+          </a:p>
+        </p:txBody>
+      </p:sp>
+      <p:sp>
+        <p:nvSpPr>
+          <p:cNvPr id="26" name="Freeform 5">
+            <a:extLst>
+              <a:ext uri="{FF2B5EF4-FFF2-40B4-BE49-F238E27FC236}">
+                <a16:creationId xmlns:a16="http://schemas.microsoft.com/office/drawing/2014/main" id="{BD2BFF02-DF78-4F07-B176-52514E13127D}"/>
+              </a:ext>
+              <a:ext uri="{C183D7F6-B498-43B3-948B-1728B52AA6E4}">
+                <adec:decorative xmlns:adec="http://schemas.microsoft.com/office/drawing/2017/decorative" val="1"/>
+              </a:ext>
+            </a:extLst>
+          </p:cNvPr>
+          <p:cNvSpPr>
+            <a:spLocks noGrp="1" noRot="1" noChangeAspect="1" noMove="1" noResize="1" noEditPoints="1" noAdjustHandles="1" noChangeArrowheads="1" noChangeShapeType="1" noTextEdit="1"/>
+          </p:cNvSpPr>
+          <p:nvPr>
+            <p:extLst>
+              <p:ext uri="{386F3935-93C4-4BCD-93E2-E3B085C9AB24}">
+                <p16:designElem xmlns:p16="http://schemas.microsoft.com/office/powerpoint/2015/main" val="1"/>
+              </p:ext>
+            </p:extLst>
+          </p:nvPr>
+        </p:nvSpPr>
+        <p:spPr bwMode="auto">
+          <a:xfrm>
+            <a:off x="7062174" y="1653645"/>
+            <a:ext cx="4689240" cy="4115025"/>
+          </a:xfrm>
+          <a:custGeom>
+            <a:avLst/>
+            <a:gdLst>
+              <a:gd name="T0" fmla="*/ 781 w 1099"/>
+              <a:gd name="T1" fmla="*/ 0 h 968"/>
+              <a:gd name="T2" fmla="*/ 318 w 1099"/>
+              <a:gd name="T3" fmla="*/ 0 h 968"/>
+              <a:gd name="T4" fmla="*/ 246 w 1099"/>
+              <a:gd name="T5" fmla="*/ 42 h 968"/>
+              <a:gd name="T6" fmla="*/ 15 w 1099"/>
+              <a:gd name="T7" fmla="*/ 443 h 968"/>
+              <a:gd name="T8" fmla="*/ 15 w 1099"/>
+              <a:gd name="T9" fmla="*/ 525 h 968"/>
+              <a:gd name="T10" fmla="*/ 246 w 1099"/>
+              <a:gd name="T11" fmla="*/ 926 h 968"/>
+              <a:gd name="T12" fmla="*/ 318 w 1099"/>
+              <a:gd name="T13" fmla="*/ 968 h 968"/>
+              <a:gd name="T14" fmla="*/ 781 w 1099"/>
+              <a:gd name="T15" fmla="*/ 968 h 968"/>
+              <a:gd name="T16" fmla="*/ 852 w 1099"/>
+              <a:gd name="T17" fmla="*/ 926 h 968"/>
+              <a:gd name="T18" fmla="*/ 1084 w 1099"/>
+              <a:gd name="T19" fmla="*/ 525 h 968"/>
+              <a:gd name="T20" fmla="*/ 1084 w 1099"/>
+              <a:gd name="T21" fmla="*/ 443 h 968"/>
+              <a:gd name="T22" fmla="*/ 852 w 1099"/>
+              <a:gd name="T23" fmla="*/ 42 h 968"/>
+              <a:gd name="T24" fmla="*/ 781 w 1099"/>
+              <a:gd name="T25" fmla="*/ 0 h 968"/>
+            </a:gdLst>
+            <a:ahLst/>
+            <a:cxnLst>
+              <a:cxn ang="0">
+                <a:pos x="T0" y="T1"/>
+              </a:cxn>
+              <a:cxn ang="0">
+                <a:pos x="T2" y="T3"/>
+              </a:cxn>
+              <a:cxn ang="0">
+                <a:pos x="T4" y="T5"/>
+              </a:cxn>
+              <a:cxn ang="0">
+                <a:pos x="T6" y="T7"/>
+              </a:cxn>
+              <a:cxn ang="0">
+                <a:pos x="T8" y="T9"/>
+              </a:cxn>
+              <a:cxn ang="0">
+                <a:pos x="T10" y="T11"/>
+              </a:cxn>
+              <a:cxn ang="0">
+                <a:pos x="T12" y="T13"/>
+              </a:cxn>
+              <a:cxn ang="0">
+                <a:pos x="T14" y="T15"/>
+              </a:cxn>
+              <a:cxn ang="0">
+                <a:pos x="T16" y="T17"/>
+              </a:cxn>
+              <a:cxn ang="0">
+                <a:pos x="T18" y="T19"/>
+              </a:cxn>
+              <a:cxn ang="0">
+                <a:pos x="T20" y="T21"/>
+              </a:cxn>
+              <a:cxn ang="0">
+                <a:pos x="T22" y="T23"/>
+              </a:cxn>
+              <a:cxn ang="0">
+                <a:pos x="T24" y="T25"/>
+              </a:cxn>
+            </a:cxnLst>
+            <a:rect l="0" t="0" r="r" b="b"/>
+            <a:pathLst>
+              <a:path w="1099" h="968">
+                <a:moveTo>
+                  <a:pt x="781" y="0"/>
+                </a:moveTo>
+                <a:cubicBezTo>
+                  <a:pt x="318" y="0"/>
+                  <a:pt x="318" y="0"/>
+                  <a:pt x="318" y="0"/>
+                </a:cubicBezTo>
+                <a:cubicBezTo>
+                  <a:pt x="288" y="0"/>
+                  <a:pt x="261" y="16"/>
+                  <a:pt x="246" y="42"/>
+                </a:cubicBezTo>
+                <a:cubicBezTo>
+                  <a:pt x="15" y="443"/>
+                  <a:pt x="15" y="443"/>
+                  <a:pt x="15" y="443"/>
+                </a:cubicBezTo>
+                <a:cubicBezTo>
+                  <a:pt x="0" y="468"/>
+                  <a:pt x="0" y="500"/>
+                  <a:pt x="15" y="525"/>
+                </a:cubicBezTo>
+                <a:cubicBezTo>
+                  <a:pt x="246" y="926"/>
+                  <a:pt x="246" y="926"/>
+                  <a:pt x="246" y="926"/>
+                </a:cubicBezTo>
+                <a:cubicBezTo>
+                  <a:pt x="261" y="952"/>
+                  <a:pt x="288" y="968"/>
+                  <a:pt x="318" y="968"/>
+                </a:cubicBezTo>
+                <a:cubicBezTo>
+                  <a:pt x="781" y="968"/>
+                  <a:pt x="781" y="968"/>
+                  <a:pt x="781" y="968"/>
+                </a:cubicBezTo>
+                <a:cubicBezTo>
+                  <a:pt x="810" y="968"/>
+                  <a:pt x="838" y="952"/>
+                  <a:pt x="852" y="926"/>
+                </a:cubicBezTo>
+                <a:cubicBezTo>
+                  <a:pt x="1084" y="525"/>
+                  <a:pt x="1084" y="525"/>
+                  <a:pt x="1084" y="525"/>
+                </a:cubicBezTo>
+                <a:cubicBezTo>
+                  <a:pt x="1099" y="500"/>
+                  <a:pt x="1099" y="468"/>
+                  <a:pt x="1084" y="443"/>
+                </a:cubicBezTo>
+                <a:cubicBezTo>
+                  <a:pt x="852" y="42"/>
+                  <a:pt x="852" y="42"/>
+                  <a:pt x="852" y="42"/>
+                </a:cubicBezTo>
+                <a:cubicBezTo>
+                  <a:pt x="838" y="16"/>
+                  <a:pt x="810" y="0"/>
+                  <a:pt x="781" y="0"/>
+                </a:cubicBezTo>
+                <a:close/>
+              </a:path>
+            </a:pathLst>
+          </a:custGeom>
+          <a:noFill/>
+          <a:ln w="50800" cap="flat">
+            <a:solidFill>
+              <a:schemeClr val="tx1"/>
+            </a:solidFill>
+            <a:prstDash val="solid"/>
+            <a:miter lim="800000"/>
+            <a:headEnd/>
+            <a:tailEnd/>
+          </a:ln>
+        </p:spPr>
+        <p:txBody>
+          <a:bodyPr vert="horz" wrap="square" lIns="91440" tIns="45720" rIns="91440" bIns="45720" numCol="1" anchor="t" anchorCtr="0" compatLnSpc="1">
+            <a:prstTxWarp prst="textNoShape">
+              <a:avLst/>
+            </a:prstTxWarp>
+          </a:bodyPr>
+          <a:lstStyle/>
+          <a:p>
+            <a:pPr marL="0" marR="0" lvl="0" indent="0" algn="l" defTabSz="914400" rtl="0" eaLnBrk="1" fontAlgn="auto" latinLnBrk="0" hangingPunct="1">
+              <a:lnSpc>
+                <a:spcPct val="100000"/>
+              </a:lnSpc>
+              <a:spcBef>
+                <a:spcPts val="0"/>
+              </a:spcBef>
+              <a:spcAft>
+                <a:spcPts val="0"/>
+              </a:spcAft>
+              <a:buClrTx/>
+              <a:buSzTx/>
+              <a:buFontTx/>
+              <a:buNone/>
+              <a:tabLst/>
+              <a:defRPr/>
+            </a:pPr>
+            <a:endParaRPr kumimoji="0" lang="en-US" sz="1800" b="0" i="0" u="none" strike="noStrike" kern="1200" cap="none" spc="0" normalizeH="0" baseline="0" noProof="0" dirty="0">
+              <a:ln>
+                <a:noFill/>
+              </a:ln>
+              <a:solidFill>
+                <a:prstClr val="black"/>
+              </a:solidFill>
+              <a:effectLst/>
+              <a:uLnTx/>
+              <a:uFillTx/>
+              <a:latin typeface="Calibri" panose="020F0502020204030204"/>
+              <a:ea typeface="+mn-ea"/>
+              <a:cs typeface="+mn-cs"/>
+            </a:endParaRPr>
+          </a:p>
+        </p:txBody>
+      </p:sp>
+      <p:sp>
+        <p:nvSpPr>
+          <p:cNvPr id="28" name="Freeform: Shape 27">
+            <a:extLst>
+              <a:ext uri="{FF2B5EF4-FFF2-40B4-BE49-F238E27FC236}">
+                <a16:creationId xmlns:a16="http://schemas.microsoft.com/office/drawing/2014/main" id="{0DB06EAB-7D8C-403A-86C5-B5FD79A13650}"/>
+              </a:ext>
+              <a:ext uri="{C183D7F6-B498-43B3-948B-1728B52AA6E4}">
+                <adec:decorative xmlns:adec="http://schemas.microsoft.com/office/drawing/2017/decorative" val="1"/>
+              </a:ext>
+            </a:extLst>
+          </p:cNvPr>
+          <p:cNvSpPr>
+            <a:spLocks noGrp="1" noRot="1" noChangeAspect="1" noMove="1" noResize="1" noEditPoints="1" noAdjustHandles="1" noChangeArrowheads="1" noChangeShapeType="1" noTextEdit="1"/>
+          </p:cNvSpPr>
+          <p:nvPr>
+            <p:extLst>
+              <p:ext uri="{386F3935-93C4-4BCD-93E2-E3B085C9AB24}">
+                <p16:designElem xmlns:p16="http://schemas.microsoft.com/office/powerpoint/2015/main" val="1"/>
+              </p:ext>
+            </p:extLst>
+          </p:nvPr>
+        </p:nvSpPr>
+        <p:spPr>
+          <a:xfrm>
+            <a:off x="4542865" y="634058"/>
+            <a:ext cx="3154669" cy="2796247"/>
+          </a:xfrm>
+          <a:custGeom>
+            <a:avLst/>
+            <a:gdLst>
+              <a:gd name="connsiteX0" fmla="*/ 853538 w 2991693"/>
+              <a:gd name="connsiteY0" fmla="*/ 0 h 2651787"/>
+              <a:gd name="connsiteX1" fmla="*/ 2141030 w 2991693"/>
+              <a:gd name="connsiteY1" fmla="*/ 0 h 2651787"/>
+              <a:gd name="connsiteX2" fmla="*/ 2324957 w 2991693"/>
+              <a:gd name="connsiteY2" fmla="*/ 103466 h 2651787"/>
+              <a:gd name="connsiteX3" fmla="*/ 2968702 w 2991693"/>
+              <a:gd name="connsiteY3" fmla="*/ 1218596 h 2651787"/>
+              <a:gd name="connsiteX4" fmla="*/ 2968702 w 2991693"/>
+              <a:gd name="connsiteY4" fmla="*/ 1433192 h 2651787"/>
+              <a:gd name="connsiteX5" fmla="*/ 2324957 w 2991693"/>
+              <a:gd name="connsiteY5" fmla="*/ 2548321 h 2651787"/>
+              <a:gd name="connsiteX6" fmla="*/ 2141030 w 2991693"/>
+              <a:gd name="connsiteY6" fmla="*/ 2651787 h 2651787"/>
+              <a:gd name="connsiteX7" fmla="*/ 853538 w 2991693"/>
+              <a:gd name="connsiteY7" fmla="*/ 2651787 h 2651787"/>
+              <a:gd name="connsiteX8" fmla="*/ 669612 w 2991693"/>
+              <a:gd name="connsiteY8" fmla="*/ 2548321 h 2651787"/>
+              <a:gd name="connsiteX9" fmla="*/ 25866 w 2991693"/>
+              <a:gd name="connsiteY9" fmla="*/ 1433192 h 2651787"/>
+              <a:gd name="connsiteX10" fmla="*/ 25866 w 2991693"/>
+              <a:gd name="connsiteY10" fmla="*/ 1218596 h 2651787"/>
+              <a:gd name="connsiteX11" fmla="*/ 669612 w 2991693"/>
+              <a:gd name="connsiteY11" fmla="*/ 103466 h 2651787"/>
+              <a:gd name="connsiteX12" fmla="*/ 853538 w 2991693"/>
+              <a:gd name="connsiteY12" fmla="*/ 0 h 2651787"/>
+            </a:gdLst>
+            <a:ahLst/>
+            <a:cxnLst>
+              <a:cxn ang="0">
+                <a:pos x="connsiteX0" y="connsiteY0"/>
+              </a:cxn>
+              <a:cxn ang="0">
+                <a:pos x="connsiteX1" y="connsiteY1"/>
+              </a:cxn>
+              <a:cxn ang="0">
+                <a:pos x="connsiteX2" y="connsiteY2"/>
+              </a:cxn>
+              <a:cxn ang="0">
+                <a:pos x="connsiteX3" y="connsiteY3"/>
+              </a:cxn>
+              <a:cxn ang="0">
+                <a:pos x="connsiteX4" y="connsiteY4"/>
+              </a:cxn>
+              <a:cxn ang="0">
+                <a:pos x="connsiteX5" y="connsiteY5"/>
+              </a:cxn>
+              <a:cxn ang="0">
+                <a:pos x="connsiteX6" y="connsiteY6"/>
+              </a:cxn>
+              <a:cxn ang="0">
+                <a:pos x="connsiteX7" y="connsiteY7"/>
+              </a:cxn>
+              <a:cxn ang="0">
+                <a:pos x="connsiteX8" y="connsiteY8"/>
+              </a:cxn>
+              <a:cxn ang="0">
+                <a:pos x="connsiteX9" y="connsiteY9"/>
+              </a:cxn>
+              <a:cxn ang="0">
+                <a:pos x="connsiteX10" y="connsiteY10"/>
+              </a:cxn>
+              <a:cxn ang="0">
+                <a:pos x="connsiteX11" y="connsiteY11"/>
+              </a:cxn>
+              <a:cxn ang="0">
+                <a:pos x="connsiteX12" y="connsiteY12"/>
+              </a:cxn>
+            </a:cxnLst>
+            <a:rect l="l" t="t" r="r" b="b"/>
+            <a:pathLst>
+              <a:path w="2991693" h="2651787">
+                <a:moveTo>
+                  <a:pt x="853538" y="0"/>
+                </a:moveTo>
+                <a:cubicBezTo>
+                  <a:pt x="2141030" y="0"/>
+                  <a:pt x="2141030" y="0"/>
+                  <a:pt x="2141030" y="0"/>
+                </a:cubicBezTo>
+                <a:cubicBezTo>
+                  <a:pt x="2206170" y="0"/>
+                  <a:pt x="2290471" y="45985"/>
+                  <a:pt x="2324957" y="103466"/>
+                </a:cubicBezTo>
+                <a:cubicBezTo>
+                  <a:pt x="2968702" y="1218596"/>
+                  <a:pt x="2968702" y="1218596"/>
+                  <a:pt x="2968702" y="1218596"/>
+                </a:cubicBezTo>
+                <a:cubicBezTo>
+                  <a:pt x="2999357" y="1279909"/>
+                  <a:pt x="2999357" y="1371878"/>
+                  <a:pt x="2968702" y="1433192"/>
+                </a:cubicBezTo>
+                <a:cubicBezTo>
+                  <a:pt x="2324957" y="2548321"/>
+                  <a:pt x="2324957" y="2548321"/>
+                  <a:pt x="2324957" y="2548321"/>
+                </a:cubicBezTo>
+                <a:cubicBezTo>
+                  <a:pt x="2290471" y="2605803"/>
+                  <a:pt x="2206170" y="2651787"/>
+                  <a:pt x="2141030" y="2651787"/>
+                </a:cubicBezTo>
+                <a:lnTo>
+                  <a:pt x="853538" y="2651787"/>
+                </a:lnTo>
+                <a:cubicBezTo>
+                  <a:pt x="784566" y="2651787"/>
+                  <a:pt x="700266" y="2605803"/>
+                  <a:pt x="669612" y="2548321"/>
+                </a:cubicBezTo>
+                <a:cubicBezTo>
+                  <a:pt x="25866" y="1433192"/>
+                  <a:pt x="25866" y="1433192"/>
+                  <a:pt x="25866" y="1433192"/>
+                </a:cubicBezTo>
+                <a:cubicBezTo>
+                  <a:pt x="-8621" y="1371878"/>
+                  <a:pt x="-8621" y="1279909"/>
+                  <a:pt x="25866" y="1218596"/>
+                </a:cubicBezTo>
+                <a:cubicBezTo>
+                  <a:pt x="669612" y="103466"/>
+                  <a:pt x="669612" y="103466"/>
+                  <a:pt x="669612" y="103466"/>
+                </a:cubicBezTo>
+                <a:cubicBezTo>
+                  <a:pt x="700266" y="45985"/>
+                  <a:pt x="784566" y="0"/>
+                  <a:pt x="853538" y="0"/>
+                </a:cubicBezTo>
+                <a:close/>
+              </a:path>
+            </a:pathLst>
+          </a:custGeom>
+          <a:noFill/>
+          <a:ln w="50800" cap="flat">
+            <a:solidFill>
+              <a:schemeClr val="tx1"/>
+            </a:solidFill>
+            <a:prstDash val="solid"/>
+            <a:miter lim="800000"/>
+            <a:headEnd/>
+            <a:tailEnd/>
+          </a:ln>
+        </p:spPr>
+        <p:txBody>
+          <a:bodyPr vert="horz" wrap="square" lIns="91440" tIns="45720" rIns="91440" bIns="45720" numCol="1" anchor="t" anchorCtr="0" compatLnSpc="1">
+            <a:prstTxWarp prst="textNoShape">
+              <a:avLst/>
+            </a:prstTxWarp>
+          </a:bodyPr>
+          <a:lstStyle/>
+          <a:p>
+            <a:pPr marL="0" marR="0" lvl="0" indent="0" algn="l" defTabSz="914400" rtl="0" eaLnBrk="1" fontAlgn="auto" latinLnBrk="0" hangingPunct="1">
+              <a:lnSpc>
+                <a:spcPct val="100000"/>
+              </a:lnSpc>
+              <a:spcBef>
+                <a:spcPts val="0"/>
+              </a:spcBef>
+              <a:spcAft>
+                <a:spcPts val="0"/>
+              </a:spcAft>
+              <a:buClrTx/>
+              <a:buSzTx/>
+              <a:buFontTx/>
+              <a:buNone/>
+              <a:tabLst/>
+              <a:defRPr/>
+            </a:pPr>
+            <a:endParaRPr kumimoji="0" lang="en-US" sz="1800" b="0" i="0" u="none" strike="noStrike" kern="1200" cap="none" spc="0" normalizeH="0" baseline="0" noProof="0" dirty="0">
+              <a:ln>
+                <a:noFill/>
+              </a:ln>
+              <a:solidFill>
+                <a:prstClr val="black"/>
+              </a:solidFill>
+              <a:effectLst/>
+              <a:uLnTx/>
+              <a:uFillTx/>
+              <a:latin typeface="Calibri" panose="020F0502020204030204"/>
+              <a:ea typeface="+mn-ea"/>
+              <a:cs typeface="+mn-cs"/>
+            </a:endParaRPr>
+          </a:p>
+        </p:txBody>
+      </p:sp>
+      <p:pic>
+        <p:nvPicPr>
+          <p:cNvPr id="7" name="Picture 6">
+            <a:extLst>
+              <a:ext uri="{FF2B5EF4-FFF2-40B4-BE49-F238E27FC236}">
+                <a16:creationId xmlns:a16="http://schemas.microsoft.com/office/drawing/2014/main" id="{44155673-E4BF-4691-91EF-AF8288758CA5}"/>
+              </a:ext>
+            </a:extLst>
+          </p:cNvPr>
+          <p:cNvPicPr>
+            <a:picLocks noChangeAspect="1"/>
+          </p:cNvPicPr>
+          <p:nvPr/>
+        </p:nvPicPr>
+        <p:blipFill>
+          <a:blip r:embed="rId3"/>
+          <a:stretch>
+            <a:fillRect/>
+          </a:stretch>
+        </p:blipFill>
+        <p:spPr>
+          <a:xfrm>
+            <a:off x="8050038" y="2354401"/>
+            <a:ext cx="2713512" cy="2713512"/>
+          </a:xfrm>
+          <a:prstGeom prst="rect">
+            <a:avLst/>
+          </a:prstGeom>
+        </p:spPr>
+      </p:pic>
+      <p:pic>
+        <p:nvPicPr>
+          <p:cNvPr id="15" name="Picture 14" descr="Icon&#10;&#10;Description automatically generated">
+            <a:extLst>
+              <a:ext uri="{FF2B5EF4-FFF2-40B4-BE49-F238E27FC236}">
+                <a16:creationId xmlns:a16="http://schemas.microsoft.com/office/drawing/2014/main" id="{47014846-E21C-448F-BE26-C0C592F4C6E4}"/>
+              </a:ext>
+            </a:extLst>
+          </p:cNvPr>
+          <p:cNvPicPr>
+            <a:picLocks noChangeAspect="1"/>
+          </p:cNvPicPr>
+          <p:nvPr/>
+        </p:nvPicPr>
+        <p:blipFill>
+          <a:blip r:embed="rId4">
+            <a:extLst>
+              <a:ext uri="{28A0092B-C50C-407E-A947-70E740481C1C}">
+                <a14:useLocalDpi xmlns:a14="http://schemas.microsoft.com/office/drawing/2010/main" val="0"/>
+              </a:ext>
+            </a:extLst>
+          </a:blip>
+          <a:stretch>
+            <a:fillRect/>
+          </a:stretch>
+        </p:blipFill>
+        <p:spPr>
+          <a:xfrm>
+            <a:off x="5320485" y="1194006"/>
+            <a:ext cx="1599427" cy="1599427"/>
+          </a:xfrm>
+          <a:prstGeom prst="rect">
+            <a:avLst/>
+          </a:prstGeom>
+        </p:spPr>
+      </p:pic>
+    </p:spTree>
+    <p:extLst>
+      <p:ext uri="{BB962C8B-B14F-4D97-AF65-F5344CB8AC3E}">
+        <p14:creationId xmlns:p14="http://schemas.microsoft.com/office/powerpoint/2010/main" val="921904081"/>
+      </p:ext>
+    </p:extLst>
+  </p:cSld>
+  <p:clrMapOvr>
+    <a:masterClrMapping/>
+  </p:clrMapOvr>
+</p:sld>
+</file>
+
 <file path=ppt/slides/slide2.xml><?xml version="1.0" encoding="utf-8"?>
 <p:sld xmlns:a="http://schemas.openxmlformats.org/drawingml/2006/main" xmlns:r="http://schemas.openxmlformats.org/officeDocument/2006/relationships" xmlns:p="http://schemas.openxmlformats.org/presentationml/2006/main">
   <p:cSld>
@@ -6624,7 +10033,7 @@
             </a:pPr>
             <a:r>
               <a:rPr lang="en-US" dirty="0"/>
-              <a:t>When you completed a lab, please post to the Conversation channel </a:t>
+              <a:t>When you done with lab, post to the Conversation channel </a:t>
             </a:r>
           </a:p>
           <a:p>
@@ -6739,6 +10148,3584 @@
     <p:extLst>
       <p:ext uri="{BB962C8B-B14F-4D97-AF65-F5344CB8AC3E}">
         <p14:creationId xmlns:p14="http://schemas.microsoft.com/office/powerpoint/2010/main" val="1022140202"/>
+      </p:ext>
+    </p:extLst>
+  </p:cSld>
+  <p:clrMapOvr>
+    <a:masterClrMapping/>
+  </p:clrMapOvr>
+</p:sld>
+</file>
+
+<file path=ppt/slides/slide6.xml><?xml version="1.0" encoding="utf-8"?>
+<p:sld xmlns:a="http://schemas.openxmlformats.org/drawingml/2006/main" xmlns:r="http://schemas.openxmlformats.org/officeDocument/2006/relationships" xmlns:p="http://schemas.openxmlformats.org/presentationml/2006/main">
+  <p:cSld>
+    <p:bg>
+      <p:bgPr>
+        <a:solidFill>
+          <a:schemeClr val="bg1"/>
+        </a:solidFill>
+        <a:effectLst/>
+      </p:bgPr>
+    </p:bg>
+    <p:spTree>
+      <p:nvGrpSpPr>
+        <p:cNvPr id="1" name=""/>
+        <p:cNvGrpSpPr/>
+        <p:nvPr/>
+      </p:nvGrpSpPr>
+      <p:grpSpPr>
+        <a:xfrm>
+          <a:off x="0" y="0"/>
+          <a:ext cx="0" cy="0"/>
+          <a:chOff x="0" y="0"/>
+          <a:chExt cx="0" cy="0"/>
+        </a:xfrm>
+      </p:grpSpPr>
+      <p:sp useBgFill="1">
+        <p:nvSpPr>
+          <p:cNvPr id="20" name="Rectangle 19">
+            <a:extLst>
+              <a:ext uri="{FF2B5EF4-FFF2-40B4-BE49-F238E27FC236}">
+                <a16:creationId xmlns:a16="http://schemas.microsoft.com/office/drawing/2014/main" id="{C4E4288A-DFC8-40A2-90E5-70E851A933AD}"/>
+              </a:ext>
+              <a:ext uri="{C183D7F6-B498-43B3-948B-1728B52AA6E4}">
+                <adec:decorative xmlns:adec="http://schemas.microsoft.com/office/drawing/2017/decorative" val="1"/>
+              </a:ext>
+            </a:extLst>
+          </p:cNvPr>
+          <p:cNvSpPr>
+            <a:spLocks noGrp="1" noRot="1" noChangeAspect="1" noMove="1" noResize="1" noEditPoints="1" noAdjustHandles="1" noChangeArrowheads="1" noChangeShapeType="1" noTextEdit="1"/>
+          </p:cNvSpPr>
+          <p:nvPr>
+            <p:extLst>
+              <p:ext uri="{386F3935-93C4-4BCD-93E2-E3B085C9AB24}">
+                <p16:designElem xmlns:p16="http://schemas.microsoft.com/office/powerpoint/2015/main" val="1"/>
+              </p:ext>
+            </p:extLst>
+          </p:nvPr>
+        </p:nvSpPr>
+        <p:spPr>
+          <a:xfrm>
+            <a:off x="0" y="0"/>
+            <a:ext cx="12192000" cy="6858000"/>
+          </a:xfrm>
+          <a:prstGeom prst="rect">
+            <a:avLst/>
+          </a:prstGeom>
+          <a:ln>
+            <a:noFill/>
+          </a:ln>
+        </p:spPr>
+        <p:style>
+          <a:lnRef idx="2">
+            <a:schemeClr val="accent1">
+              <a:shade val="50000"/>
+            </a:schemeClr>
+          </a:lnRef>
+          <a:fillRef idx="1">
+            <a:schemeClr val="accent1"/>
+          </a:fillRef>
+          <a:effectRef idx="0">
+            <a:schemeClr val="accent1"/>
+          </a:effectRef>
+          <a:fontRef idx="minor">
+            <a:schemeClr val="lt1"/>
+          </a:fontRef>
+        </p:style>
+        <p:txBody>
+          <a:bodyPr rtlCol="0" anchor="ctr"/>
+          <a:lstStyle/>
+          <a:p>
+            <a:pPr marL="0" marR="0" lvl="0" indent="0" algn="ctr" defTabSz="914400" rtl="0" eaLnBrk="1" fontAlgn="auto" latinLnBrk="0" hangingPunct="1">
+              <a:lnSpc>
+                <a:spcPct val="100000"/>
+              </a:lnSpc>
+              <a:spcBef>
+                <a:spcPts val="0"/>
+              </a:spcBef>
+              <a:spcAft>
+                <a:spcPts val="0"/>
+              </a:spcAft>
+              <a:buClrTx/>
+              <a:buSzTx/>
+              <a:buFontTx/>
+              <a:buNone/>
+              <a:tabLst/>
+              <a:defRPr/>
+            </a:pPr>
+            <a:endParaRPr kumimoji="0" lang="en-US" sz="1800" b="0" i="0" u="none" strike="noStrike" kern="1200" cap="none" spc="0" normalizeH="0" baseline="0" noProof="0">
+              <a:ln>
+                <a:noFill/>
+              </a:ln>
+              <a:solidFill>
+                <a:prstClr val="white"/>
+              </a:solidFill>
+              <a:effectLst/>
+              <a:uLnTx/>
+              <a:uFillTx/>
+              <a:latin typeface="Calibri" panose="020F0502020204030204"/>
+              <a:ea typeface="+mn-ea"/>
+              <a:cs typeface="+mn-cs"/>
+            </a:endParaRPr>
+          </a:p>
+        </p:txBody>
+      </p:sp>
+      <p:grpSp>
+        <p:nvGrpSpPr>
+          <p:cNvPr id="22" name="Group 21">
+            <a:extLst>
+              <a:ext uri="{FF2B5EF4-FFF2-40B4-BE49-F238E27FC236}">
+                <a16:creationId xmlns:a16="http://schemas.microsoft.com/office/drawing/2014/main" id="{B63C2D82-D4FA-4A37-BB01-1E7B21E4FF20}"/>
+              </a:ext>
+              <a:ext uri="{C183D7F6-B498-43B3-948B-1728B52AA6E4}">
+                <adec:decorative xmlns:adec="http://schemas.microsoft.com/office/drawing/2017/decorative" val="1"/>
+              </a:ext>
+            </a:extLst>
+          </p:cNvPr>
+          <p:cNvGrpSpPr>
+            <a:grpSpLocks noGrp="1" noUngrp="1" noRot="1" noChangeAspect="1" noMove="1" noResize="1"/>
+          </p:cNvGrpSpPr>
+          <p:nvPr>
+            <p:extLst>
+              <p:ext uri="{386F3935-93C4-4BCD-93E2-E3B085C9AB24}">
+                <p16:designElem xmlns:p16="http://schemas.microsoft.com/office/powerpoint/2015/main" val="1"/>
+              </p:ext>
+            </p:extLst>
+          </p:nvPr>
+        </p:nvGrpSpPr>
+        <p:grpSpPr>
+          <a:xfrm>
+            <a:off x="965199" y="634058"/>
+            <a:ext cx="1128382" cy="847206"/>
+            <a:chOff x="5307830" y="325570"/>
+            <a:chExt cx="1128382" cy="847206"/>
+          </a:xfrm>
+        </p:grpSpPr>
+        <p:sp>
+          <p:nvSpPr>
+            <p:cNvPr id="23" name="Freeform 5">
+              <a:extLst>
+                <a:ext uri="{FF2B5EF4-FFF2-40B4-BE49-F238E27FC236}">
+                  <a16:creationId xmlns:a16="http://schemas.microsoft.com/office/drawing/2014/main" id="{C94E7FEF-0CE9-4AC2-94BB-02230C6DC0DF}"/>
+                </a:ext>
+                <a:ext uri="{C183D7F6-B498-43B3-948B-1728B52AA6E4}">
+                  <adec:decorative xmlns:adec="http://schemas.microsoft.com/office/drawing/2017/decorative" val="1"/>
+                </a:ext>
+              </a:extLst>
+            </p:cNvPr>
+            <p:cNvSpPr>
+              <a:spLocks/>
+            </p:cNvSpPr>
+            <p:nvPr>
+              <p:extLst>
+                <p:ext uri="{386F3935-93C4-4BCD-93E2-E3B085C9AB24}">
+                  <p16:designElem xmlns:p16="http://schemas.microsoft.com/office/powerpoint/2015/main" val="1"/>
+                </p:ext>
+              </p:extLst>
+            </p:nvPr>
+          </p:nvSpPr>
+          <p:spPr bwMode="auto">
+            <a:xfrm>
+              <a:off x="5307830" y="577396"/>
+              <a:ext cx="675351" cy="595380"/>
+            </a:xfrm>
+            <a:custGeom>
+              <a:avLst/>
+              <a:gdLst>
+                <a:gd name="T0" fmla="*/ 225 w 785"/>
+                <a:gd name="T1" fmla="*/ 692 h 692"/>
+                <a:gd name="T2" fmla="*/ 177 w 785"/>
+                <a:gd name="T3" fmla="*/ 665 h 692"/>
+                <a:gd name="T4" fmla="*/ 9 w 785"/>
+                <a:gd name="T5" fmla="*/ 374 h 692"/>
+                <a:gd name="T6" fmla="*/ 9 w 785"/>
+                <a:gd name="T7" fmla="*/ 318 h 692"/>
+                <a:gd name="T8" fmla="*/ 177 w 785"/>
+                <a:gd name="T9" fmla="*/ 27 h 692"/>
+                <a:gd name="T10" fmla="*/ 225 w 785"/>
+                <a:gd name="T11" fmla="*/ 0 h 692"/>
+                <a:gd name="T12" fmla="*/ 561 w 785"/>
+                <a:gd name="T13" fmla="*/ 0 h 692"/>
+                <a:gd name="T14" fmla="*/ 609 w 785"/>
+                <a:gd name="T15" fmla="*/ 27 h 692"/>
+                <a:gd name="T16" fmla="*/ 777 w 785"/>
+                <a:gd name="T17" fmla="*/ 318 h 692"/>
+                <a:gd name="T18" fmla="*/ 777 w 785"/>
+                <a:gd name="T19" fmla="*/ 374 h 692"/>
+                <a:gd name="T20" fmla="*/ 609 w 785"/>
+                <a:gd name="T21" fmla="*/ 665 h 692"/>
+                <a:gd name="T22" fmla="*/ 561 w 785"/>
+                <a:gd name="T23" fmla="*/ 692 h 692"/>
+                <a:gd name="T24" fmla="*/ 225 w 785"/>
+                <a:gd name="T25" fmla="*/ 692 h 692"/>
+              </a:gdLst>
+              <a:ahLst/>
+              <a:cxnLst>
+                <a:cxn ang="0">
+                  <a:pos x="T0" y="T1"/>
+                </a:cxn>
+                <a:cxn ang="0">
+                  <a:pos x="T2" y="T3"/>
+                </a:cxn>
+                <a:cxn ang="0">
+                  <a:pos x="T4" y="T5"/>
+                </a:cxn>
+                <a:cxn ang="0">
+                  <a:pos x="T6" y="T7"/>
+                </a:cxn>
+                <a:cxn ang="0">
+                  <a:pos x="T8" y="T9"/>
+                </a:cxn>
+                <a:cxn ang="0">
+                  <a:pos x="T10" y="T11"/>
+                </a:cxn>
+                <a:cxn ang="0">
+                  <a:pos x="T12" y="T13"/>
+                </a:cxn>
+                <a:cxn ang="0">
+                  <a:pos x="T14" y="T15"/>
+                </a:cxn>
+                <a:cxn ang="0">
+                  <a:pos x="T16" y="T17"/>
+                </a:cxn>
+                <a:cxn ang="0">
+                  <a:pos x="T18" y="T19"/>
+                </a:cxn>
+                <a:cxn ang="0">
+                  <a:pos x="T20" y="T21"/>
+                </a:cxn>
+                <a:cxn ang="0">
+                  <a:pos x="T22" y="T23"/>
+                </a:cxn>
+                <a:cxn ang="0">
+                  <a:pos x="T24" y="T25"/>
+                </a:cxn>
+              </a:cxnLst>
+              <a:rect l="0" t="0" r="r" b="b"/>
+              <a:pathLst>
+                <a:path w="785" h="692">
+                  <a:moveTo>
+                    <a:pt x="225" y="692"/>
+                  </a:moveTo>
+                  <a:cubicBezTo>
+                    <a:pt x="207" y="692"/>
+                    <a:pt x="185" y="680"/>
+                    <a:pt x="177" y="665"/>
+                  </a:cubicBezTo>
+                  <a:cubicBezTo>
+                    <a:pt x="9" y="374"/>
+                    <a:pt x="9" y="374"/>
+                    <a:pt x="9" y="374"/>
+                  </a:cubicBezTo>
+                  <a:cubicBezTo>
+                    <a:pt x="0" y="358"/>
+                    <a:pt x="0" y="334"/>
+                    <a:pt x="9" y="318"/>
+                  </a:cubicBezTo>
+                  <a:cubicBezTo>
+                    <a:pt x="177" y="27"/>
+                    <a:pt x="177" y="27"/>
+                    <a:pt x="177" y="27"/>
+                  </a:cubicBezTo>
+                  <a:cubicBezTo>
+                    <a:pt x="185" y="12"/>
+                    <a:pt x="207" y="0"/>
+                    <a:pt x="225" y="0"/>
+                  </a:cubicBezTo>
+                  <a:cubicBezTo>
+                    <a:pt x="561" y="0"/>
+                    <a:pt x="561" y="0"/>
+                    <a:pt x="561" y="0"/>
+                  </a:cubicBezTo>
+                  <a:cubicBezTo>
+                    <a:pt x="578" y="0"/>
+                    <a:pt x="600" y="12"/>
+                    <a:pt x="609" y="27"/>
+                  </a:cubicBezTo>
+                  <a:cubicBezTo>
+                    <a:pt x="777" y="318"/>
+                    <a:pt x="777" y="318"/>
+                    <a:pt x="777" y="318"/>
+                  </a:cubicBezTo>
+                  <a:cubicBezTo>
+                    <a:pt x="785" y="334"/>
+                    <a:pt x="785" y="358"/>
+                    <a:pt x="777" y="374"/>
+                  </a:cubicBezTo>
+                  <a:cubicBezTo>
+                    <a:pt x="609" y="665"/>
+                    <a:pt x="609" y="665"/>
+                    <a:pt x="609" y="665"/>
+                  </a:cubicBezTo>
+                  <a:cubicBezTo>
+                    <a:pt x="600" y="680"/>
+                    <a:pt x="578" y="692"/>
+                    <a:pt x="561" y="692"/>
+                  </a:cubicBezTo>
+                  <a:lnTo>
+                    <a:pt x="225" y="692"/>
+                  </a:lnTo>
+                  <a:close/>
+                </a:path>
+              </a:pathLst>
+            </a:custGeom>
+            <a:noFill/>
+            <a:ln w="28575" cmpd="sng">
+              <a:solidFill>
+                <a:schemeClr val="tx1"/>
+              </a:solidFill>
+            </a:ln>
+          </p:spPr>
+          <p:txBody>
+            <a:bodyPr vert="horz" wrap="square" lIns="91440" tIns="45720" rIns="91440" bIns="45720" numCol="1" anchor="t" anchorCtr="0" compatLnSpc="1">
+              <a:prstTxWarp prst="textNoShape">
+                <a:avLst/>
+              </a:prstTxWarp>
+            </a:bodyPr>
+            <a:lstStyle/>
+            <a:p>
+              <a:pPr marL="0" marR="0" lvl="0" indent="0" algn="l" defTabSz="914400" rtl="0" eaLnBrk="1" fontAlgn="auto" latinLnBrk="0" hangingPunct="1">
+                <a:lnSpc>
+                  <a:spcPct val="100000"/>
+                </a:lnSpc>
+                <a:spcBef>
+                  <a:spcPts val="0"/>
+                </a:spcBef>
+                <a:spcAft>
+                  <a:spcPts val="0"/>
+                </a:spcAft>
+                <a:buClrTx/>
+                <a:buSzTx/>
+                <a:buFontTx/>
+                <a:buNone/>
+                <a:tabLst/>
+                <a:defRPr/>
+              </a:pPr>
+              <a:endParaRPr kumimoji="0" lang="en-US" sz="1800" b="0" i="0" u="none" strike="noStrike" kern="1200" cap="none" spc="0" normalizeH="0" baseline="0" noProof="0">
+                <a:ln>
+                  <a:noFill/>
+                </a:ln>
+                <a:solidFill>
+                  <a:prstClr val="black"/>
+                </a:solidFill>
+                <a:effectLst/>
+                <a:uLnTx/>
+                <a:uFillTx/>
+                <a:latin typeface="Calibri" panose="020F0502020204030204"/>
+                <a:ea typeface="+mn-ea"/>
+                <a:cs typeface="+mn-cs"/>
+              </a:endParaRPr>
+            </a:p>
+          </p:txBody>
+        </p:sp>
+        <p:sp>
+          <p:nvSpPr>
+            <p:cNvPr id="24" name="Freeform 5">
+              <a:extLst>
+                <a:ext uri="{FF2B5EF4-FFF2-40B4-BE49-F238E27FC236}">
+                  <a16:creationId xmlns:a16="http://schemas.microsoft.com/office/drawing/2014/main" id="{EB546CC0-C1BC-48D2-8DA9-4B60283165C9}"/>
+                </a:ext>
+                <a:ext uri="{C183D7F6-B498-43B3-948B-1728B52AA6E4}">
+                  <adec:decorative xmlns:adec="http://schemas.microsoft.com/office/drawing/2017/decorative" val="1"/>
+                </a:ext>
+              </a:extLst>
+            </p:cNvPr>
+            <p:cNvSpPr>
+              <a:spLocks/>
+            </p:cNvSpPr>
+            <p:nvPr>
+              <p:extLst>
+                <p:ext uri="{386F3935-93C4-4BCD-93E2-E3B085C9AB24}">
+                  <p16:designElem xmlns:p16="http://schemas.microsoft.com/office/powerpoint/2015/main" val="1"/>
+                </p:ext>
+              </p:extLst>
+            </p:nvPr>
+          </p:nvSpPr>
+          <p:spPr bwMode="auto">
+            <a:xfrm>
+              <a:off x="5885720" y="325570"/>
+              <a:ext cx="550492" cy="485306"/>
+            </a:xfrm>
+            <a:custGeom>
+              <a:avLst/>
+              <a:gdLst>
+                <a:gd name="T0" fmla="*/ 225 w 785"/>
+                <a:gd name="T1" fmla="*/ 692 h 692"/>
+                <a:gd name="T2" fmla="*/ 177 w 785"/>
+                <a:gd name="T3" fmla="*/ 665 h 692"/>
+                <a:gd name="T4" fmla="*/ 9 w 785"/>
+                <a:gd name="T5" fmla="*/ 374 h 692"/>
+                <a:gd name="T6" fmla="*/ 9 w 785"/>
+                <a:gd name="T7" fmla="*/ 318 h 692"/>
+                <a:gd name="T8" fmla="*/ 177 w 785"/>
+                <a:gd name="T9" fmla="*/ 27 h 692"/>
+                <a:gd name="T10" fmla="*/ 225 w 785"/>
+                <a:gd name="T11" fmla="*/ 0 h 692"/>
+                <a:gd name="T12" fmla="*/ 561 w 785"/>
+                <a:gd name="T13" fmla="*/ 0 h 692"/>
+                <a:gd name="T14" fmla="*/ 609 w 785"/>
+                <a:gd name="T15" fmla="*/ 27 h 692"/>
+                <a:gd name="T16" fmla="*/ 777 w 785"/>
+                <a:gd name="T17" fmla="*/ 318 h 692"/>
+                <a:gd name="T18" fmla="*/ 777 w 785"/>
+                <a:gd name="T19" fmla="*/ 374 h 692"/>
+                <a:gd name="T20" fmla="*/ 609 w 785"/>
+                <a:gd name="T21" fmla="*/ 665 h 692"/>
+                <a:gd name="T22" fmla="*/ 561 w 785"/>
+                <a:gd name="T23" fmla="*/ 692 h 692"/>
+                <a:gd name="T24" fmla="*/ 225 w 785"/>
+                <a:gd name="T25" fmla="*/ 692 h 692"/>
+              </a:gdLst>
+              <a:ahLst/>
+              <a:cxnLst>
+                <a:cxn ang="0">
+                  <a:pos x="T0" y="T1"/>
+                </a:cxn>
+                <a:cxn ang="0">
+                  <a:pos x="T2" y="T3"/>
+                </a:cxn>
+                <a:cxn ang="0">
+                  <a:pos x="T4" y="T5"/>
+                </a:cxn>
+                <a:cxn ang="0">
+                  <a:pos x="T6" y="T7"/>
+                </a:cxn>
+                <a:cxn ang="0">
+                  <a:pos x="T8" y="T9"/>
+                </a:cxn>
+                <a:cxn ang="0">
+                  <a:pos x="T10" y="T11"/>
+                </a:cxn>
+                <a:cxn ang="0">
+                  <a:pos x="T12" y="T13"/>
+                </a:cxn>
+                <a:cxn ang="0">
+                  <a:pos x="T14" y="T15"/>
+                </a:cxn>
+                <a:cxn ang="0">
+                  <a:pos x="T16" y="T17"/>
+                </a:cxn>
+                <a:cxn ang="0">
+                  <a:pos x="T18" y="T19"/>
+                </a:cxn>
+                <a:cxn ang="0">
+                  <a:pos x="T20" y="T21"/>
+                </a:cxn>
+                <a:cxn ang="0">
+                  <a:pos x="T22" y="T23"/>
+                </a:cxn>
+                <a:cxn ang="0">
+                  <a:pos x="T24" y="T25"/>
+                </a:cxn>
+              </a:cxnLst>
+              <a:rect l="0" t="0" r="r" b="b"/>
+              <a:pathLst>
+                <a:path w="785" h="692">
+                  <a:moveTo>
+                    <a:pt x="225" y="692"/>
+                  </a:moveTo>
+                  <a:cubicBezTo>
+                    <a:pt x="207" y="692"/>
+                    <a:pt x="185" y="680"/>
+                    <a:pt x="177" y="665"/>
+                  </a:cubicBezTo>
+                  <a:cubicBezTo>
+                    <a:pt x="9" y="374"/>
+                    <a:pt x="9" y="374"/>
+                    <a:pt x="9" y="374"/>
+                  </a:cubicBezTo>
+                  <a:cubicBezTo>
+                    <a:pt x="0" y="358"/>
+                    <a:pt x="0" y="334"/>
+                    <a:pt x="9" y="318"/>
+                  </a:cubicBezTo>
+                  <a:cubicBezTo>
+                    <a:pt x="177" y="27"/>
+                    <a:pt x="177" y="27"/>
+                    <a:pt x="177" y="27"/>
+                  </a:cubicBezTo>
+                  <a:cubicBezTo>
+                    <a:pt x="185" y="12"/>
+                    <a:pt x="207" y="0"/>
+                    <a:pt x="225" y="0"/>
+                  </a:cubicBezTo>
+                  <a:cubicBezTo>
+                    <a:pt x="561" y="0"/>
+                    <a:pt x="561" y="0"/>
+                    <a:pt x="561" y="0"/>
+                  </a:cubicBezTo>
+                  <a:cubicBezTo>
+                    <a:pt x="578" y="0"/>
+                    <a:pt x="600" y="12"/>
+                    <a:pt x="609" y="27"/>
+                  </a:cubicBezTo>
+                  <a:cubicBezTo>
+                    <a:pt x="777" y="318"/>
+                    <a:pt x="777" y="318"/>
+                    <a:pt x="777" y="318"/>
+                  </a:cubicBezTo>
+                  <a:cubicBezTo>
+                    <a:pt x="785" y="334"/>
+                    <a:pt x="785" y="358"/>
+                    <a:pt x="777" y="374"/>
+                  </a:cubicBezTo>
+                  <a:cubicBezTo>
+                    <a:pt x="609" y="665"/>
+                    <a:pt x="609" y="665"/>
+                    <a:pt x="609" y="665"/>
+                  </a:cubicBezTo>
+                  <a:cubicBezTo>
+                    <a:pt x="600" y="680"/>
+                    <a:pt x="578" y="692"/>
+                    <a:pt x="561" y="692"/>
+                  </a:cubicBezTo>
+                  <a:lnTo>
+                    <a:pt x="225" y="692"/>
+                  </a:lnTo>
+                  <a:close/>
+                </a:path>
+              </a:pathLst>
+            </a:custGeom>
+            <a:noFill/>
+            <a:ln w="28575" cmpd="sng">
+              <a:solidFill>
+                <a:schemeClr val="tx1"/>
+              </a:solidFill>
+            </a:ln>
+          </p:spPr>
+          <p:txBody>
+            <a:bodyPr vert="horz" wrap="square" lIns="91440" tIns="45720" rIns="91440" bIns="45720" numCol="1" anchor="t" anchorCtr="0" compatLnSpc="1">
+              <a:prstTxWarp prst="textNoShape">
+                <a:avLst/>
+              </a:prstTxWarp>
+            </a:bodyPr>
+            <a:lstStyle/>
+            <a:p>
+              <a:pPr marL="0" marR="0" lvl="0" indent="0" algn="l" defTabSz="914400" rtl="0" eaLnBrk="1" fontAlgn="auto" latinLnBrk="0" hangingPunct="1">
+                <a:lnSpc>
+                  <a:spcPct val="100000"/>
+                </a:lnSpc>
+                <a:spcBef>
+                  <a:spcPts val="0"/>
+                </a:spcBef>
+                <a:spcAft>
+                  <a:spcPts val="0"/>
+                </a:spcAft>
+                <a:buClrTx/>
+                <a:buSzTx/>
+                <a:buFontTx/>
+                <a:buNone/>
+                <a:tabLst/>
+                <a:defRPr/>
+              </a:pPr>
+              <a:endParaRPr kumimoji="0" lang="en-US" sz="1800" b="0" i="0" u="none" strike="noStrike" kern="1200" cap="none" spc="0" normalizeH="0" baseline="0" noProof="0">
+                <a:ln>
+                  <a:noFill/>
+                </a:ln>
+                <a:solidFill>
+                  <a:prstClr val="black"/>
+                </a:solidFill>
+                <a:effectLst/>
+                <a:uLnTx/>
+                <a:uFillTx/>
+                <a:latin typeface="Calibri" panose="020F0502020204030204"/>
+                <a:ea typeface="+mn-ea"/>
+                <a:cs typeface="+mn-cs"/>
+              </a:endParaRPr>
+            </a:p>
+          </p:txBody>
+        </p:sp>
+      </p:grpSp>
+      <p:sp>
+        <p:nvSpPr>
+          <p:cNvPr id="8" name="TextBox 7">
+            <a:extLst>
+              <a:ext uri="{FF2B5EF4-FFF2-40B4-BE49-F238E27FC236}">
+                <a16:creationId xmlns:a16="http://schemas.microsoft.com/office/drawing/2014/main" id="{04CA4DF5-C512-4233-8F08-3FDA86F8239A}"/>
+              </a:ext>
+            </a:extLst>
+          </p:cNvPr>
+          <p:cNvSpPr txBox="1"/>
+          <p:nvPr/>
+        </p:nvSpPr>
+        <p:spPr>
+          <a:xfrm>
+            <a:off x="614234" y="2354401"/>
+            <a:ext cx="4274710" cy="1522755"/>
+          </a:xfrm>
+          <a:prstGeom prst="rect">
+            <a:avLst/>
+          </a:prstGeom>
+        </p:spPr>
+        <p:txBody>
+          <a:bodyPr vert="horz" lIns="91440" tIns="45720" rIns="91440" bIns="45720" rtlCol="0" anchor="b">
+            <a:normAutofit/>
+          </a:bodyPr>
+          <a:lstStyle/>
+          <a:p>
+            <a:pPr marL="0" marR="0" lvl="0" indent="0" algn="l" defTabSz="914400" rtl="0" eaLnBrk="1" fontAlgn="auto" latinLnBrk="0" hangingPunct="1">
+              <a:lnSpc>
+                <a:spcPct val="90000"/>
+              </a:lnSpc>
+              <a:spcBef>
+                <a:spcPct val="0"/>
+              </a:spcBef>
+              <a:spcAft>
+                <a:spcPts val="600"/>
+              </a:spcAft>
+              <a:buClrTx/>
+              <a:buSzTx/>
+              <a:buFontTx/>
+              <a:buNone/>
+              <a:tabLst/>
+              <a:defRPr/>
+            </a:pPr>
+            <a:r>
+              <a:rPr kumimoji="0" lang="en-US" sz="4200" b="0" i="0" u="none" strike="noStrike" kern="1200" cap="none" spc="0" normalizeH="0" baseline="0" noProof="0" dirty="0" err="1">
+                <a:ln>
+                  <a:noFill/>
+                </a:ln>
+                <a:solidFill>
+                  <a:prstClr val="black"/>
+                </a:solidFill>
+                <a:effectLst/>
+                <a:uLnTx/>
+                <a:uFillTx/>
+                <a:latin typeface="Calibri Light" panose="020F0302020204030204"/>
+                <a:ea typeface="+mn-ea"/>
+                <a:cs typeface="+mn-cs"/>
+              </a:rPr>
+              <a:t>GitOps</a:t>
+            </a:r>
+            <a:r>
+              <a:rPr kumimoji="0" lang="en-US" sz="4200" b="0" i="0" u="none" strike="noStrike" kern="1200" cap="none" spc="0" normalizeH="0" baseline="0" noProof="0" dirty="0">
+                <a:ln>
+                  <a:noFill/>
+                </a:ln>
+                <a:solidFill>
+                  <a:prstClr val="black"/>
+                </a:solidFill>
+                <a:effectLst/>
+                <a:uLnTx/>
+                <a:uFillTx/>
+                <a:latin typeface="Calibri Light" panose="020F0302020204030204"/>
+                <a:ea typeface="+mn-ea"/>
+                <a:cs typeface="+mn-cs"/>
+              </a:rPr>
+              <a:t> with Flux</a:t>
+            </a:r>
+          </a:p>
+        </p:txBody>
+      </p:sp>
+      <p:sp>
+        <p:nvSpPr>
+          <p:cNvPr id="26" name="Freeform 5">
+            <a:extLst>
+              <a:ext uri="{FF2B5EF4-FFF2-40B4-BE49-F238E27FC236}">
+                <a16:creationId xmlns:a16="http://schemas.microsoft.com/office/drawing/2014/main" id="{BD2BFF02-DF78-4F07-B176-52514E13127D}"/>
+              </a:ext>
+              <a:ext uri="{C183D7F6-B498-43B3-948B-1728B52AA6E4}">
+                <adec:decorative xmlns:adec="http://schemas.microsoft.com/office/drawing/2017/decorative" val="1"/>
+              </a:ext>
+            </a:extLst>
+          </p:cNvPr>
+          <p:cNvSpPr>
+            <a:spLocks noGrp="1" noRot="1" noChangeAspect="1" noMove="1" noResize="1" noEditPoints="1" noAdjustHandles="1" noChangeArrowheads="1" noChangeShapeType="1" noTextEdit="1"/>
+          </p:cNvSpPr>
+          <p:nvPr>
+            <p:extLst>
+              <p:ext uri="{386F3935-93C4-4BCD-93E2-E3B085C9AB24}">
+                <p16:designElem xmlns:p16="http://schemas.microsoft.com/office/powerpoint/2015/main" val="1"/>
+              </p:ext>
+            </p:extLst>
+          </p:nvPr>
+        </p:nvSpPr>
+        <p:spPr bwMode="auto">
+          <a:xfrm>
+            <a:off x="7062174" y="1653645"/>
+            <a:ext cx="4689240" cy="4115025"/>
+          </a:xfrm>
+          <a:custGeom>
+            <a:avLst/>
+            <a:gdLst>
+              <a:gd name="T0" fmla="*/ 781 w 1099"/>
+              <a:gd name="T1" fmla="*/ 0 h 968"/>
+              <a:gd name="T2" fmla="*/ 318 w 1099"/>
+              <a:gd name="T3" fmla="*/ 0 h 968"/>
+              <a:gd name="T4" fmla="*/ 246 w 1099"/>
+              <a:gd name="T5" fmla="*/ 42 h 968"/>
+              <a:gd name="T6" fmla="*/ 15 w 1099"/>
+              <a:gd name="T7" fmla="*/ 443 h 968"/>
+              <a:gd name="T8" fmla="*/ 15 w 1099"/>
+              <a:gd name="T9" fmla="*/ 525 h 968"/>
+              <a:gd name="T10" fmla="*/ 246 w 1099"/>
+              <a:gd name="T11" fmla="*/ 926 h 968"/>
+              <a:gd name="T12" fmla="*/ 318 w 1099"/>
+              <a:gd name="T13" fmla="*/ 968 h 968"/>
+              <a:gd name="T14" fmla="*/ 781 w 1099"/>
+              <a:gd name="T15" fmla="*/ 968 h 968"/>
+              <a:gd name="T16" fmla="*/ 852 w 1099"/>
+              <a:gd name="T17" fmla="*/ 926 h 968"/>
+              <a:gd name="T18" fmla="*/ 1084 w 1099"/>
+              <a:gd name="T19" fmla="*/ 525 h 968"/>
+              <a:gd name="T20" fmla="*/ 1084 w 1099"/>
+              <a:gd name="T21" fmla="*/ 443 h 968"/>
+              <a:gd name="T22" fmla="*/ 852 w 1099"/>
+              <a:gd name="T23" fmla="*/ 42 h 968"/>
+              <a:gd name="T24" fmla="*/ 781 w 1099"/>
+              <a:gd name="T25" fmla="*/ 0 h 968"/>
+            </a:gdLst>
+            <a:ahLst/>
+            <a:cxnLst>
+              <a:cxn ang="0">
+                <a:pos x="T0" y="T1"/>
+              </a:cxn>
+              <a:cxn ang="0">
+                <a:pos x="T2" y="T3"/>
+              </a:cxn>
+              <a:cxn ang="0">
+                <a:pos x="T4" y="T5"/>
+              </a:cxn>
+              <a:cxn ang="0">
+                <a:pos x="T6" y="T7"/>
+              </a:cxn>
+              <a:cxn ang="0">
+                <a:pos x="T8" y="T9"/>
+              </a:cxn>
+              <a:cxn ang="0">
+                <a:pos x="T10" y="T11"/>
+              </a:cxn>
+              <a:cxn ang="0">
+                <a:pos x="T12" y="T13"/>
+              </a:cxn>
+              <a:cxn ang="0">
+                <a:pos x="T14" y="T15"/>
+              </a:cxn>
+              <a:cxn ang="0">
+                <a:pos x="T16" y="T17"/>
+              </a:cxn>
+              <a:cxn ang="0">
+                <a:pos x="T18" y="T19"/>
+              </a:cxn>
+              <a:cxn ang="0">
+                <a:pos x="T20" y="T21"/>
+              </a:cxn>
+              <a:cxn ang="0">
+                <a:pos x="T22" y="T23"/>
+              </a:cxn>
+              <a:cxn ang="0">
+                <a:pos x="T24" y="T25"/>
+              </a:cxn>
+            </a:cxnLst>
+            <a:rect l="0" t="0" r="r" b="b"/>
+            <a:pathLst>
+              <a:path w="1099" h="968">
+                <a:moveTo>
+                  <a:pt x="781" y="0"/>
+                </a:moveTo>
+                <a:cubicBezTo>
+                  <a:pt x="318" y="0"/>
+                  <a:pt x="318" y="0"/>
+                  <a:pt x="318" y="0"/>
+                </a:cubicBezTo>
+                <a:cubicBezTo>
+                  <a:pt x="288" y="0"/>
+                  <a:pt x="261" y="16"/>
+                  <a:pt x="246" y="42"/>
+                </a:cubicBezTo>
+                <a:cubicBezTo>
+                  <a:pt x="15" y="443"/>
+                  <a:pt x="15" y="443"/>
+                  <a:pt x="15" y="443"/>
+                </a:cubicBezTo>
+                <a:cubicBezTo>
+                  <a:pt x="0" y="468"/>
+                  <a:pt x="0" y="500"/>
+                  <a:pt x="15" y="525"/>
+                </a:cubicBezTo>
+                <a:cubicBezTo>
+                  <a:pt x="246" y="926"/>
+                  <a:pt x="246" y="926"/>
+                  <a:pt x="246" y="926"/>
+                </a:cubicBezTo>
+                <a:cubicBezTo>
+                  <a:pt x="261" y="952"/>
+                  <a:pt x="288" y="968"/>
+                  <a:pt x="318" y="968"/>
+                </a:cubicBezTo>
+                <a:cubicBezTo>
+                  <a:pt x="781" y="968"/>
+                  <a:pt x="781" y="968"/>
+                  <a:pt x="781" y="968"/>
+                </a:cubicBezTo>
+                <a:cubicBezTo>
+                  <a:pt x="810" y="968"/>
+                  <a:pt x="838" y="952"/>
+                  <a:pt x="852" y="926"/>
+                </a:cubicBezTo>
+                <a:cubicBezTo>
+                  <a:pt x="1084" y="525"/>
+                  <a:pt x="1084" y="525"/>
+                  <a:pt x="1084" y="525"/>
+                </a:cubicBezTo>
+                <a:cubicBezTo>
+                  <a:pt x="1099" y="500"/>
+                  <a:pt x="1099" y="468"/>
+                  <a:pt x="1084" y="443"/>
+                </a:cubicBezTo>
+                <a:cubicBezTo>
+                  <a:pt x="852" y="42"/>
+                  <a:pt x="852" y="42"/>
+                  <a:pt x="852" y="42"/>
+                </a:cubicBezTo>
+                <a:cubicBezTo>
+                  <a:pt x="838" y="16"/>
+                  <a:pt x="810" y="0"/>
+                  <a:pt x="781" y="0"/>
+                </a:cubicBezTo>
+                <a:close/>
+              </a:path>
+            </a:pathLst>
+          </a:custGeom>
+          <a:noFill/>
+          <a:ln w="50800" cap="flat">
+            <a:solidFill>
+              <a:schemeClr val="tx1"/>
+            </a:solidFill>
+            <a:prstDash val="solid"/>
+            <a:miter lim="800000"/>
+            <a:headEnd/>
+            <a:tailEnd/>
+          </a:ln>
+        </p:spPr>
+        <p:txBody>
+          <a:bodyPr vert="horz" wrap="square" lIns="91440" tIns="45720" rIns="91440" bIns="45720" numCol="1" anchor="t" anchorCtr="0" compatLnSpc="1">
+            <a:prstTxWarp prst="textNoShape">
+              <a:avLst/>
+            </a:prstTxWarp>
+          </a:bodyPr>
+          <a:lstStyle/>
+          <a:p>
+            <a:pPr marL="0" marR="0" lvl="0" indent="0" algn="l" defTabSz="914400" rtl="0" eaLnBrk="1" fontAlgn="auto" latinLnBrk="0" hangingPunct="1">
+              <a:lnSpc>
+                <a:spcPct val="100000"/>
+              </a:lnSpc>
+              <a:spcBef>
+                <a:spcPts val="0"/>
+              </a:spcBef>
+              <a:spcAft>
+                <a:spcPts val="0"/>
+              </a:spcAft>
+              <a:buClrTx/>
+              <a:buSzTx/>
+              <a:buFontTx/>
+              <a:buNone/>
+              <a:tabLst/>
+              <a:defRPr/>
+            </a:pPr>
+            <a:endParaRPr kumimoji="0" lang="en-US" sz="1800" b="0" i="0" u="none" strike="noStrike" kern="1200" cap="none" spc="0" normalizeH="0" baseline="0" noProof="0" dirty="0">
+              <a:ln>
+                <a:noFill/>
+              </a:ln>
+              <a:solidFill>
+                <a:prstClr val="black"/>
+              </a:solidFill>
+              <a:effectLst/>
+              <a:uLnTx/>
+              <a:uFillTx/>
+              <a:latin typeface="Calibri" panose="020F0502020204030204"/>
+              <a:ea typeface="+mn-ea"/>
+              <a:cs typeface="+mn-cs"/>
+            </a:endParaRPr>
+          </a:p>
+        </p:txBody>
+      </p:sp>
+      <p:sp>
+        <p:nvSpPr>
+          <p:cNvPr id="28" name="Freeform: Shape 27">
+            <a:extLst>
+              <a:ext uri="{FF2B5EF4-FFF2-40B4-BE49-F238E27FC236}">
+                <a16:creationId xmlns:a16="http://schemas.microsoft.com/office/drawing/2014/main" id="{0DB06EAB-7D8C-403A-86C5-B5FD79A13650}"/>
+              </a:ext>
+              <a:ext uri="{C183D7F6-B498-43B3-948B-1728B52AA6E4}">
+                <adec:decorative xmlns:adec="http://schemas.microsoft.com/office/drawing/2017/decorative" val="1"/>
+              </a:ext>
+            </a:extLst>
+          </p:cNvPr>
+          <p:cNvSpPr>
+            <a:spLocks noGrp="1" noRot="1" noChangeAspect="1" noMove="1" noResize="1" noEditPoints="1" noAdjustHandles="1" noChangeArrowheads="1" noChangeShapeType="1" noTextEdit="1"/>
+          </p:cNvSpPr>
+          <p:nvPr>
+            <p:extLst>
+              <p:ext uri="{386F3935-93C4-4BCD-93E2-E3B085C9AB24}">
+                <p16:designElem xmlns:p16="http://schemas.microsoft.com/office/powerpoint/2015/main" val="1"/>
+              </p:ext>
+            </p:extLst>
+          </p:nvPr>
+        </p:nvSpPr>
+        <p:spPr>
+          <a:xfrm>
+            <a:off x="4542865" y="634058"/>
+            <a:ext cx="3154669" cy="2796247"/>
+          </a:xfrm>
+          <a:custGeom>
+            <a:avLst/>
+            <a:gdLst>
+              <a:gd name="connsiteX0" fmla="*/ 853538 w 2991693"/>
+              <a:gd name="connsiteY0" fmla="*/ 0 h 2651787"/>
+              <a:gd name="connsiteX1" fmla="*/ 2141030 w 2991693"/>
+              <a:gd name="connsiteY1" fmla="*/ 0 h 2651787"/>
+              <a:gd name="connsiteX2" fmla="*/ 2324957 w 2991693"/>
+              <a:gd name="connsiteY2" fmla="*/ 103466 h 2651787"/>
+              <a:gd name="connsiteX3" fmla="*/ 2968702 w 2991693"/>
+              <a:gd name="connsiteY3" fmla="*/ 1218596 h 2651787"/>
+              <a:gd name="connsiteX4" fmla="*/ 2968702 w 2991693"/>
+              <a:gd name="connsiteY4" fmla="*/ 1433192 h 2651787"/>
+              <a:gd name="connsiteX5" fmla="*/ 2324957 w 2991693"/>
+              <a:gd name="connsiteY5" fmla="*/ 2548321 h 2651787"/>
+              <a:gd name="connsiteX6" fmla="*/ 2141030 w 2991693"/>
+              <a:gd name="connsiteY6" fmla="*/ 2651787 h 2651787"/>
+              <a:gd name="connsiteX7" fmla="*/ 853538 w 2991693"/>
+              <a:gd name="connsiteY7" fmla="*/ 2651787 h 2651787"/>
+              <a:gd name="connsiteX8" fmla="*/ 669612 w 2991693"/>
+              <a:gd name="connsiteY8" fmla="*/ 2548321 h 2651787"/>
+              <a:gd name="connsiteX9" fmla="*/ 25866 w 2991693"/>
+              <a:gd name="connsiteY9" fmla="*/ 1433192 h 2651787"/>
+              <a:gd name="connsiteX10" fmla="*/ 25866 w 2991693"/>
+              <a:gd name="connsiteY10" fmla="*/ 1218596 h 2651787"/>
+              <a:gd name="connsiteX11" fmla="*/ 669612 w 2991693"/>
+              <a:gd name="connsiteY11" fmla="*/ 103466 h 2651787"/>
+              <a:gd name="connsiteX12" fmla="*/ 853538 w 2991693"/>
+              <a:gd name="connsiteY12" fmla="*/ 0 h 2651787"/>
+            </a:gdLst>
+            <a:ahLst/>
+            <a:cxnLst>
+              <a:cxn ang="0">
+                <a:pos x="connsiteX0" y="connsiteY0"/>
+              </a:cxn>
+              <a:cxn ang="0">
+                <a:pos x="connsiteX1" y="connsiteY1"/>
+              </a:cxn>
+              <a:cxn ang="0">
+                <a:pos x="connsiteX2" y="connsiteY2"/>
+              </a:cxn>
+              <a:cxn ang="0">
+                <a:pos x="connsiteX3" y="connsiteY3"/>
+              </a:cxn>
+              <a:cxn ang="0">
+                <a:pos x="connsiteX4" y="connsiteY4"/>
+              </a:cxn>
+              <a:cxn ang="0">
+                <a:pos x="connsiteX5" y="connsiteY5"/>
+              </a:cxn>
+              <a:cxn ang="0">
+                <a:pos x="connsiteX6" y="connsiteY6"/>
+              </a:cxn>
+              <a:cxn ang="0">
+                <a:pos x="connsiteX7" y="connsiteY7"/>
+              </a:cxn>
+              <a:cxn ang="0">
+                <a:pos x="connsiteX8" y="connsiteY8"/>
+              </a:cxn>
+              <a:cxn ang="0">
+                <a:pos x="connsiteX9" y="connsiteY9"/>
+              </a:cxn>
+              <a:cxn ang="0">
+                <a:pos x="connsiteX10" y="connsiteY10"/>
+              </a:cxn>
+              <a:cxn ang="0">
+                <a:pos x="connsiteX11" y="connsiteY11"/>
+              </a:cxn>
+              <a:cxn ang="0">
+                <a:pos x="connsiteX12" y="connsiteY12"/>
+              </a:cxn>
+            </a:cxnLst>
+            <a:rect l="l" t="t" r="r" b="b"/>
+            <a:pathLst>
+              <a:path w="2991693" h="2651787">
+                <a:moveTo>
+                  <a:pt x="853538" y="0"/>
+                </a:moveTo>
+                <a:cubicBezTo>
+                  <a:pt x="2141030" y="0"/>
+                  <a:pt x="2141030" y="0"/>
+                  <a:pt x="2141030" y="0"/>
+                </a:cubicBezTo>
+                <a:cubicBezTo>
+                  <a:pt x="2206170" y="0"/>
+                  <a:pt x="2290471" y="45985"/>
+                  <a:pt x="2324957" y="103466"/>
+                </a:cubicBezTo>
+                <a:cubicBezTo>
+                  <a:pt x="2968702" y="1218596"/>
+                  <a:pt x="2968702" y="1218596"/>
+                  <a:pt x="2968702" y="1218596"/>
+                </a:cubicBezTo>
+                <a:cubicBezTo>
+                  <a:pt x="2999357" y="1279909"/>
+                  <a:pt x="2999357" y="1371878"/>
+                  <a:pt x="2968702" y="1433192"/>
+                </a:cubicBezTo>
+                <a:cubicBezTo>
+                  <a:pt x="2324957" y="2548321"/>
+                  <a:pt x="2324957" y="2548321"/>
+                  <a:pt x="2324957" y="2548321"/>
+                </a:cubicBezTo>
+                <a:cubicBezTo>
+                  <a:pt x="2290471" y="2605803"/>
+                  <a:pt x="2206170" y="2651787"/>
+                  <a:pt x="2141030" y="2651787"/>
+                </a:cubicBezTo>
+                <a:lnTo>
+                  <a:pt x="853538" y="2651787"/>
+                </a:lnTo>
+                <a:cubicBezTo>
+                  <a:pt x="784566" y="2651787"/>
+                  <a:pt x="700266" y="2605803"/>
+                  <a:pt x="669612" y="2548321"/>
+                </a:cubicBezTo>
+                <a:cubicBezTo>
+                  <a:pt x="25866" y="1433192"/>
+                  <a:pt x="25866" y="1433192"/>
+                  <a:pt x="25866" y="1433192"/>
+                </a:cubicBezTo>
+                <a:cubicBezTo>
+                  <a:pt x="-8621" y="1371878"/>
+                  <a:pt x="-8621" y="1279909"/>
+                  <a:pt x="25866" y="1218596"/>
+                </a:cubicBezTo>
+                <a:cubicBezTo>
+                  <a:pt x="669612" y="103466"/>
+                  <a:pt x="669612" y="103466"/>
+                  <a:pt x="669612" y="103466"/>
+                </a:cubicBezTo>
+                <a:cubicBezTo>
+                  <a:pt x="700266" y="45985"/>
+                  <a:pt x="784566" y="0"/>
+                  <a:pt x="853538" y="0"/>
+                </a:cubicBezTo>
+                <a:close/>
+              </a:path>
+            </a:pathLst>
+          </a:custGeom>
+          <a:noFill/>
+          <a:ln w="50800" cap="flat">
+            <a:solidFill>
+              <a:schemeClr val="tx1"/>
+            </a:solidFill>
+            <a:prstDash val="solid"/>
+            <a:miter lim="800000"/>
+            <a:headEnd/>
+            <a:tailEnd/>
+          </a:ln>
+        </p:spPr>
+        <p:txBody>
+          <a:bodyPr vert="horz" wrap="square" lIns="91440" tIns="45720" rIns="91440" bIns="45720" numCol="1" anchor="t" anchorCtr="0" compatLnSpc="1">
+            <a:prstTxWarp prst="textNoShape">
+              <a:avLst/>
+            </a:prstTxWarp>
+          </a:bodyPr>
+          <a:lstStyle/>
+          <a:p>
+            <a:pPr marL="0" marR="0" lvl="0" indent="0" algn="l" defTabSz="914400" rtl="0" eaLnBrk="1" fontAlgn="auto" latinLnBrk="0" hangingPunct="1">
+              <a:lnSpc>
+                <a:spcPct val="100000"/>
+              </a:lnSpc>
+              <a:spcBef>
+                <a:spcPts val="0"/>
+              </a:spcBef>
+              <a:spcAft>
+                <a:spcPts val="0"/>
+              </a:spcAft>
+              <a:buClrTx/>
+              <a:buSzTx/>
+              <a:buFontTx/>
+              <a:buNone/>
+              <a:tabLst/>
+              <a:defRPr/>
+            </a:pPr>
+            <a:endParaRPr kumimoji="0" lang="en-US" sz="1800" b="0" i="0" u="none" strike="noStrike" kern="1200" cap="none" spc="0" normalizeH="0" baseline="0" noProof="0" dirty="0">
+              <a:ln>
+                <a:noFill/>
+              </a:ln>
+              <a:solidFill>
+                <a:prstClr val="black"/>
+              </a:solidFill>
+              <a:effectLst/>
+              <a:uLnTx/>
+              <a:uFillTx/>
+              <a:latin typeface="Calibri" panose="020F0502020204030204"/>
+              <a:ea typeface="+mn-ea"/>
+              <a:cs typeface="+mn-cs"/>
+            </a:endParaRPr>
+          </a:p>
+        </p:txBody>
+      </p:sp>
+      <p:pic>
+        <p:nvPicPr>
+          <p:cNvPr id="7" name="Picture 6">
+            <a:extLst>
+              <a:ext uri="{FF2B5EF4-FFF2-40B4-BE49-F238E27FC236}">
+                <a16:creationId xmlns:a16="http://schemas.microsoft.com/office/drawing/2014/main" id="{44155673-E4BF-4691-91EF-AF8288758CA5}"/>
+              </a:ext>
+            </a:extLst>
+          </p:cNvPr>
+          <p:cNvPicPr>
+            <a:picLocks noChangeAspect="1"/>
+          </p:cNvPicPr>
+          <p:nvPr/>
+        </p:nvPicPr>
+        <p:blipFill>
+          <a:blip r:embed="rId3"/>
+          <a:stretch>
+            <a:fillRect/>
+          </a:stretch>
+        </p:blipFill>
+        <p:spPr>
+          <a:xfrm>
+            <a:off x="8050038" y="2354401"/>
+            <a:ext cx="2713512" cy="2713512"/>
+          </a:xfrm>
+          <a:prstGeom prst="rect">
+            <a:avLst/>
+          </a:prstGeom>
+        </p:spPr>
+      </p:pic>
+      <p:pic>
+        <p:nvPicPr>
+          <p:cNvPr id="15" name="Picture 14" descr="Icon&#10;&#10;Description automatically generated">
+            <a:extLst>
+              <a:ext uri="{FF2B5EF4-FFF2-40B4-BE49-F238E27FC236}">
+                <a16:creationId xmlns:a16="http://schemas.microsoft.com/office/drawing/2014/main" id="{47014846-E21C-448F-BE26-C0C592F4C6E4}"/>
+              </a:ext>
+            </a:extLst>
+          </p:cNvPr>
+          <p:cNvPicPr>
+            <a:picLocks noChangeAspect="1"/>
+          </p:cNvPicPr>
+          <p:nvPr/>
+        </p:nvPicPr>
+        <p:blipFill>
+          <a:blip r:embed="rId4">
+            <a:extLst>
+              <a:ext uri="{28A0092B-C50C-407E-A947-70E740481C1C}">
+                <a14:useLocalDpi xmlns:a14="http://schemas.microsoft.com/office/drawing/2010/main" val="0"/>
+              </a:ext>
+            </a:extLst>
+          </a:blip>
+          <a:stretch>
+            <a:fillRect/>
+          </a:stretch>
+        </p:blipFill>
+        <p:spPr>
+          <a:xfrm>
+            <a:off x="5320485" y="1194006"/>
+            <a:ext cx="1599427" cy="1599427"/>
+          </a:xfrm>
+          <a:prstGeom prst="rect">
+            <a:avLst/>
+          </a:prstGeom>
+        </p:spPr>
+      </p:pic>
+    </p:spTree>
+    <p:extLst>
+      <p:ext uri="{BB962C8B-B14F-4D97-AF65-F5344CB8AC3E}">
+        <p14:creationId xmlns:p14="http://schemas.microsoft.com/office/powerpoint/2010/main" val="3576179569"/>
+      </p:ext>
+    </p:extLst>
+  </p:cSld>
+  <p:clrMapOvr>
+    <a:masterClrMapping/>
+  </p:clrMapOvr>
+</p:sld>
+</file>
+
+<file path=ppt/slides/slide7.xml><?xml version="1.0" encoding="utf-8"?>
+<p:sld xmlns:a="http://schemas.openxmlformats.org/drawingml/2006/main" xmlns:r="http://schemas.openxmlformats.org/officeDocument/2006/relationships" xmlns:p="http://schemas.openxmlformats.org/presentationml/2006/main">
+  <p:cSld>
+    <p:bg>
+      <p:bgPr>
+        <a:solidFill>
+          <a:schemeClr val="bg1"/>
+        </a:solidFill>
+        <a:effectLst/>
+      </p:bgPr>
+    </p:bg>
+    <p:spTree>
+      <p:nvGrpSpPr>
+        <p:cNvPr id="1" name=""/>
+        <p:cNvGrpSpPr/>
+        <p:nvPr/>
+      </p:nvGrpSpPr>
+      <p:grpSpPr>
+        <a:xfrm>
+          <a:off x="0" y="0"/>
+          <a:ext cx="0" cy="0"/>
+          <a:chOff x="0" y="0"/>
+          <a:chExt cx="0" cy="0"/>
+        </a:xfrm>
+      </p:grpSpPr>
+      <p:sp useBgFill="1">
+        <p:nvSpPr>
+          <p:cNvPr id="20" name="Rectangle 19">
+            <a:extLst>
+              <a:ext uri="{FF2B5EF4-FFF2-40B4-BE49-F238E27FC236}">
+                <a16:creationId xmlns:a16="http://schemas.microsoft.com/office/drawing/2014/main" id="{C4E4288A-DFC8-40A2-90E5-70E851A933AD}"/>
+              </a:ext>
+              <a:ext uri="{C183D7F6-B498-43B3-948B-1728B52AA6E4}">
+                <adec:decorative xmlns:adec="http://schemas.microsoft.com/office/drawing/2017/decorative" val="1"/>
+              </a:ext>
+            </a:extLst>
+          </p:cNvPr>
+          <p:cNvSpPr>
+            <a:spLocks noGrp="1" noRot="1" noChangeAspect="1" noMove="1" noResize="1" noEditPoints="1" noAdjustHandles="1" noChangeArrowheads="1" noChangeShapeType="1" noTextEdit="1"/>
+          </p:cNvSpPr>
+          <p:nvPr>
+            <p:extLst>
+              <p:ext uri="{386F3935-93C4-4BCD-93E2-E3B085C9AB24}">
+                <p16:designElem xmlns:p16="http://schemas.microsoft.com/office/powerpoint/2015/main" val="1"/>
+              </p:ext>
+            </p:extLst>
+          </p:nvPr>
+        </p:nvSpPr>
+        <p:spPr>
+          <a:xfrm>
+            <a:off x="0" y="0"/>
+            <a:ext cx="12192000" cy="6858000"/>
+          </a:xfrm>
+          <a:prstGeom prst="rect">
+            <a:avLst/>
+          </a:prstGeom>
+          <a:ln>
+            <a:noFill/>
+          </a:ln>
+        </p:spPr>
+        <p:style>
+          <a:lnRef idx="2">
+            <a:schemeClr val="accent1">
+              <a:shade val="50000"/>
+            </a:schemeClr>
+          </a:lnRef>
+          <a:fillRef idx="1">
+            <a:schemeClr val="accent1"/>
+          </a:fillRef>
+          <a:effectRef idx="0">
+            <a:schemeClr val="accent1"/>
+          </a:effectRef>
+          <a:fontRef idx="minor">
+            <a:schemeClr val="lt1"/>
+          </a:fontRef>
+        </p:style>
+        <p:txBody>
+          <a:bodyPr rtlCol="0" anchor="ctr"/>
+          <a:lstStyle/>
+          <a:p>
+            <a:pPr marL="0" marR="0" lvl="0" indent="0" algn="ctr" defTabSz="914400" rtl="0" eaLnBrk="1" fontAlgn="auto" latinLnBrk="0" hangingPunct="1">
+              <a:lnSpc>
+                <a:spcPct val="100000"/>
+              </a:lnSpc>
+              <a:spcBef>
+                <a:spcPts val="0"/>
+              </a:spcBef>
+              <a:spcAft>
+                <a:spcPts val="0"/>
+              </a:spcAft>
+              <a:buClrTx/>
+              <a:buSzTx/>
+              <a:buFontTx/>
+              <a:buNone/>
+              <a:tabLst/>
+              <a:defRPr/>
+            </a:pPr>
+            <a:endParaRPr kumimoji="0" lang="en-US" sz="1800" b="0" i="0" u="none" strike="noStrike" kern="1200" cap="none" spc="0" normalizeH="0" baseline="0" noProof="0">
+              <a:ln>
+                <a:noFill/>
+              </a:ln>
+              <a:solidFill>
+                <a:prstClr val="white"/>
+              </a:solidFill>
+              <a:effectLst/>
+              <a:uLnTx/>
+              <a:uFillTx/>
+              <a:latin typeface="Calibri" panose="020F0502020204030204"/>
+              <a:ea typeface="+mn-ea"/>
+              <a:cs typeface="+mn-cs"/>
+            </a:endParaRPr>
+          </a:p>
+        </p:txBody>
+      </p:sp>
+      <p:grpSp>
+        <p:nvGrpSpPr>
+          <p:cNvPr id="22" name="Group 21">
+            <a:extLst>
+              <a:ext uri="{FF2B5EF4-FFF2-40B4-BE49-F238E27FC236}">
+                <a16:creationId xmlns:a16="http://schemas.microsoft.com/office/drawing/2014/main" id="{B63C2D82-D4FA-4A37-BB01-1E7B21E4FF20}"/>
+              </a:ext>
+              <a:ext uri="{C183D7F6-B498-43B3-948B-1728B52AA6E4}">
+                <adec:decorative xmlns:adec="http://schemas.microsoft.com/office/drawing/2017/decorative" val="1"/>
+              </a:ext>
+            </a:extLst>
+          </p:cNvPr>
+          <p:cNvGrpSpPr>
+            <a:grpSpLocks noGrp="1" noUngrp="1" noRot="1" noChangeAspect="1" noMove="1" noResize="1"/>
+          </p:cNvGrpSpPr>
+          <p:nvPr>
+            <p:extLst>
+              <p:ext uri="{386F3935-93C4-4BCD-93E2-E3B085C9AB24}">
+                <p16:designElem xmlns:p16="http://schemas.microsoft.com/office/powerpoint/2015/main" val="1"/>
+              </p:ext>
+            </p:extLst>
+          </p:nvPr>
+        </p:nvGrpSpPr>
+        <p:grpSpPr>
+          <a:xfrm>
+            <a:off x="965199" y="634058"/>
+            <a:ext cx="1128382" cy="847206"/>
+            <a:chOff x="5307830" y="325570"/>
+            <a:chExt cx="1128382" cy="847206"/>
+          </a:xfrm>
+        </p:grpSpPr>
+        <p:sp>
+          <p:nvSpPr>
+            <p:cNvPr id="23" name="Freeform 5">
+              <a:extLst>
+                <a:ext uri="{FF2B5EF4-FFF2-40B4-BE49-F238E27FC236}">
+                  <a16:creationId xmlns:a16="http://schemas.microsoft.com/office/drawing/2014/main" id="{C94E7FEF-0CE9-4AC2-94BB-02230C6DC0DF}"/>
+                </a:ext>
+                <a:ext uri="{C183D7F6-B498-43B3-948B-1728B52AA6E4}">
+                  <adec:decorative xmlns:adec="http://schemas.microsoft.com/office/drawing/2017/decorative" val="1"/>
+                </a:ext>
+              </a:extLst>
+            </p:cNvPr>
+            <p:cNvSpPr>
+              <a:spLocks/>
+            </p:cNvSpPr>
+            <p:nvPr>
+              <p:extLst>
+                <p:ext uri="{386F3935-93C4-4BCD-93E2-E3B085C9AB24}">
+                  <p16:designElem xmlns:p16="http://schemas.microsoft.com/office/powerpoint/2015/main" val="1"/>
+                </p:ext>
+              </p:extLst>
+            </p:nvPr>
+          </p:nvSpPr>
+          <p:spPr bwMode="auto">
+            <a:xfrm>
+              <a:off x="5307830" y="577396"/>
+              <a:ext cx="675351" cy="595380"/>
+            </a:xfrm>
+            <a:custGeom>
+              <a:avLst/>
+              <a:gdLst>
+                <a:gd name="T0" fmla="*/ 225 w 785"/>
+                <a:gd name="T1" fmla="*/ 692 h 692"/>
+                <a:gd name="T2" fmla="*/ 177 w 785"/>
+                <a:gd name="T3" fmla="*/ 665 h 692"/>
+                <a:gd name="T4" fmla="*/ 9 w 785"/>
+                <a:gd name="T5" fmla="*/ 374 h 692"/>
+                <a:gd name="T6" fmla="*/ 9 w 785"/>
+                <a:gd name="T7" fmla="*/ 318 h 692"/>
+                <a:gd name="T8" fmla="*/ 177 w 785"/>
+                <a:gd name="T9" fmla="*/ 27 h 692"/>
+                <a:gd name="T10" fmla="*/ 225 w 785"/>
+                <a:gd name="T11" fmla="*/ 0 h 692"/>
+                <a:gd name="T12" fmla="*/ 561 w 785"/>
+                <a:gd name="T13" fmla="*/ 0 h 692"/>
+                <a:gd name="T14" fmla="*/ 609 w 785"/>
+                <a:gd name="T15" fmla="*/ 27 h 692"/>
+                <a:gd name="T16" fmla="*/ 777 w 785"/>
+                <a:gd name="T17" fmla="*/ 318 h 692"/>
+                <a:gd name="T18" fmla="*/ 777 w 785"/>
+                <a:gd name="T19" fmla="*/ 374 h 692"/>
+                <a:gd name="T20" fmla="*/ 609 w 785"/>
+                <a:gd name="T21" fmla="*/ 665 h 692"/>
+                <a:gd name="T22" fmla="*/ 561 w 785"/>
+                <a:gd name="T23" fmla="*/ 692 h 692"/>
+                <a:gd name="T24" fmla="*/ 225 w 785"/>
+                <a:gd name="T25" fmla="*/ 692 h 692"/>
+              </a:gdLst>
+              <a:ahLst/>
+              <a:cxnLst>
+                <a:cxn ang="0">
+                  <a:pos x="T0" y="T1"/>
+                </a:cxn>
+                <a:cxn ang="0">
+                  <a:pos x="T2" y="T3"/>
+                </a:cxn>
+                <a:cxn ang="0">
+                  <a:pos x="T4" y="T5"/>
+                </a:cxn>
+                <a:cxn ang="0">
+                  <a:pos x="T6" y="T7"/>
+                </a:cxn>
+                <a:cxn ang="0">
+                  <a:pos x="T8" y="T9"/>
+                </a:cxn>
+                <a:cxn ang="0">
+                  <a:pos x="T10" y="T11"/>
+                </a:cxn>
+                <a:cxn ang="0">
+                  <a:pos x="T12" y="T13"/>
+                </a:cxn>
+                <a:cxn ang="0">
+                  <a:pos x="T14" y="T15"/>
+                </a:cxn>
+                <a:cxn ang="0">
+                  <a:pos x="T16" y="T17"/>
+                </a:cxn>
+                <a:cxn ang="0">
+                  <a:pos x="T18" y="T19"/>
+                </a:cxn>
+                <a:cxn ang="0">
+                  <a:pos x="T20" y="T21"/>
+                </a:cxn>
+                <a:cxn ang="0">
+                  <a:pos x="T22" y="T23"/>
+                </a:cxn>
+                <a:cxn ang="0">
+                  <a:pos x="T24" y="T25"/>
+                </a:cxn>
+              </a:cxnLst>
+              <a:rect l="0" t="0" r="r" b="b"/>
+              <a:pathLst>
+                <a:path w="785" h="692">
+                  <a:moveTo>
+                    <a:pt x="225" y="692"/>
+                  </a:moveTo>
+                  <a:cubicBezTo>
+                    <a:pt x="207" y="692"/>
+                    <a:pt x="185" y="680"/>
+                    <a:pt x="177" y="665"/>
+                  </a:cubicBezTo>
+                  <a:cubicBezTo>
+                    <a:pt x="9" y="374"/>
+                    <a:pt x="9" y="374"/>
+                    <a:pt x="9" y="374"/>
+                  </a:cubicBezTo>
+                  <a:cubicBezTo>
+                    <a:pt x="0" y="358"/>
+                    <a:pt x="0" y="334"/>
+                    <a:pt x="9" y="318"/>
+                  </a:cubicBezTo>
+                  <a:cubicBezTo>
+                    <a:pt x="177" y="27"/>
+                    <a:pt x="177" y="27"/>
+                    <a:pt x="177" y="27"/>
+                  </a:cubicBezTo>
+                  <a:cubicBezTo>
+                    <a:pt x="185" y="12"/>
+                    <a:pt x="207" y="0"/>
+                    <a:pt x="225" y="0"/>
+                  </a:cubicBezTo>
+                  <a:cubicBezTo>
+                    <a:pt x="561" y="0"/>
+                    <a:pt x="561" y="0"/>
+                    <a:pt x="561" y="0"/>
+                  </a:cubicBezTo>
+                  <a:cubicBezTo>
+                    <a:pt x="578" y="0"/>
+                    <a:pt x="600" y="12"/>
+                    <a:pt x="609" y="27"/>
+                  </a:cubicBezTo>
+                  <a:cubicBezTo>
+                    <a:pt x="777" y="318"/>
+                    <a:pt x="777" y="318"/>
+                    <a:pt x="777" y="318"/>
+                  </a:cubicBezTo>
+                  <a:cubicBezTo>
+                    <a:pt x="785" y="334"/>
+                    <a:pt x="785" y="358"/>
+                    <a:pt x="777" y="374"/>
+                  </a:cubicBezTo>
+                  <a:cubicBezTo>
+                    <a:pt x="609" y="665"/>
+                    <a:pt x="609" y="665"/>
+                    <a:pt x="609" y="665"/>
+                  </a:cubicBezTo>
+                  <a:cubicBezTo>
+                    <a:pt x="600" y="680"/>
+                    <a:pt x="578" y="692"/>
+                    <a:pt x="561" y="692"/>
+                  </a:cubicBezTo>
+                  <a:lnTo>
+                    <a:pt x="225" y="692"/>
+                  </a:lnTo>
+                  <a:close/>
+                </a:path>
+              </a:pathLst>
+            </a:custGeom>
+            <a:noFill/>
+            <a:ln w="28575" cmpd="sng">
+              <a:solidFill>
+                <a:schemeClr val="tx1"/>
+              </a:solidFill>
+            </a:ln>
+          </p:spPr>
+          <p:txBody>
+            <a:bodyPr vert="horz" wrap="square" lIns="91440" tIns="45720" rIns="91440" bIns="45720" numCol="1" anchor="t" anchorCtr="0" compatLnSpc="1">
+              <a:prstTxWarp prst="textNoShape">
+                <a:avLst/>
+              </a:prstTxWarp>
+            </a:bodyPr>
+            <a:lstStyle/>
+            <a:p>
+              <a:pPr marL="0" marR="0" lvl="0" indent="0" algn="l" defTabSz="914400" rtl="0" eaLnBrk="1" fontAlgn="auto" latinLnBrk="0" hangingPunct="1">
+                <a:lnSpc>
+                  <a:spcPct val="100000"/>
+                </a:lnSpc>
+                <a:spcBef>
+                  <a:spcPts val="0"/>
+                </a:spcBef>
+                <a:spcAft>
+                  <a:spcPts val="0"/>
+                </a:spcAft>
+                <a:buClrTx/>
+                <a:buSzTx/>
+                <a:buFontTx/>
+                <a:buNone/>
+                <a:tabLst/>
+                <a:defRPr/>
+              </a:pPr>
+              <a:endParaRPr kumimoji="0" lang="en-US" sz="1800" b="0" i="0" u="none" strike="noStrike" kern="1200" cap="none" spc="0" normalizeH="0" baseline="0" noProof="0">
+                <a:ln>
+                  <a:noFill/>
+                </a:ln>
+                <a:solidFill>
+                  <a:prstClr val="black"/>
+                </a:solidFill>
+                <a:effectLst/>
+                <a:uLnTx/>
+                <a:uFillTx/>
+                <a:latin typeface="Calibri" panose="020F0502020204030204"/>
+                <a:ea typeface="+mn-ea"/>
+                <a:cs typeface="+mn-cs"/>
+              </a:endParaRPr>
+            </a:p>
+          </p:txBody>
+        </p:sp>
+        <p:sp>
+          <p:nvSpPr>
+            <p:cNvPr id="24" name="Freeform 5">
+              <a:extLst>
+                <a:ext uri="{FF2B5EF4-FFF2-40B4-BE49-F238E27FC236}">
+                  <a16:creationId xmlns:a16="http://schemas.microsoft.com/office/drawing/2014/main" id="{EB546CC0-C1BC-48D2-8DA9-4B60283165C9}"/>
+                </a:ext>
+                <a:ext uri="{C183D7F6-B498-43B3-948B-1728B52AA6E4}">
+                  <adec:decorative xmlns:adec="http://schemas.microsoft.com/office/drawing/2017/decorative" val="1"/>
+                </a:ext>
+              </a:extLst>
+            </p:cNvPr>
+            <p:cNvSpPr>
+              <a:spLocks/>
+            </p:cNvSpPr>
+            <p:nvPr>
+              <p:extLst>
+                <p:ext uri="{386F3935-93C4-4BCD-93E2-E3B085C9AB24}">
+                  <p16:designElem xmlns:p16="http://schemas.microsoft.com/office/powerpoint/2015/main" val="1"/>
+                </p:ext>
+              </p:extLst>
+            </p:nvPr>
+          </p:nvSpPr>
+          <p:spPr bwMode="auto">
+            <a:xfrm>
+              <a:off x="5885720" y="325570"/>
+              <a:ext cx="550492" cy="485306"/>
+            </a:xfrm>
+            <a:custGeom>
+              <a:avLst/>
+              <a:gdLst>
+                <a:gd name="T0" fmla="*/ 225 w 785"/>
+                <a:gd name="T1" fmla="*/ 692 h 692"/>
+                <a:gd name="T2" fmla="*/ 177 w 785"/>
+                <a:gd name="T3" fmla="*/ 665 h 692"/>
+                <a:gd name="T4" fmla="*/ 9 w 785"/>
+                <a:gd name="T5" fmla="*/ 374 h 692"/>
+                <a:gd name="T6" fmla="*/ 9 w 785"/>
+                <a:gd name="T7" fmla="*/ 318 h 692"/>
+                <a:gd name="T8" fmla="*/ 177 w 785"/>
+                <a:gd name="T9" fmla="*/ 27 h 692"/>
+                <a:gd name="T10" fmla="*/ 225 w 785"/>
+                <a:gd name="T11" fmla="*/ 0 h 692"/>
+                <a:gd name="T12" fmla="*/ 561 w 785"/>
+                <a:gd name="T13" fmla="*/ 0 h 692"/>
+                <a:gd name="T14" fmla="*/ 609 w 785"/>
+                <a:gd name="T15" fmla="*/ 27 h 692"/>
+                <a:gd name="T16" fmla="*/ 777 w 785"/>
+                <a:gd name="T17" fmla="*/ 318 h 692"/>
+                <a:gd name="T18" fmla="*/ 777 w 785"/>
+                <a:gd name="T19" fmla="*/ 374 h 692"/>
+                <a:gd name="T20" fmla="*/ 609 w 785"/>
+                <a:gd name="T21" fmla="*/ 665 h 692"/>
+                <a:gd name="T22" fmla="*/ 561 w 785"/>
+                <a:gd name="T23" fmla="*/ 692 h 692"/>
+                <a:gd name="T24" fmla="*/ 225 w 785"/>
+                <a:gd name="T25" fmla="*/ 692 h 692"/>
+              </a:gdLst>
+              <a:ahLst/>
+              <a:cxnLst>
+                <a:cxn ang="0">
+                  <a:pos x="T0" y="T1"/>
+                </a:cxn>
+                <a:cxn ang="0">
+                  <a:pos x="T2" y="T3"/>
+                </a:cxn>
+                <a:cxn ang="0">
+                  <a:pos x="T4" y="T5"/>
+                </a:cxn>
+                <a:cxn ang="0">
+                  <a:pos x="T6" y="T7"/>
+                </a:cxn>
+                <a:cxn ang="0">
+                  <a:pos x="T8" y="T9"/>
+                </a:cxn>
+                <a:cxn ang="0">
+                  <a:pos x="T10" y="T11"/>
+                </a:cxn>
+                <a:cxn ang="0">
+                  <a:pos x="T12" y="T13"/>
+                </a:cxn>
+                <a:cxn ang="0">
+                  <a:pos x="T14" y="T15"/>
+                </a:cxn>
+                <a:cxn ang="0">
+                  <a:pos x="T16" y="T17"/>
+                </a:cxn>
+                <a:cxn ang="0">
+                  <a:pos x="T18" y="T19"/>
+                </a:cxn>
+                <a:cxn ang="0">
+                  <a:pos x="T20" y="T21"/>
+                </a:cxn>
+                <a:cxn ang="0">
+                  <a:pos x="T22" y="T23"/>
+                </a:cxn>
+                <a:cxn ang="0">
+                  <a:pos x="T24" y="T25"/>
+                </a:cxn>
+              </a:cxnLst>
+              <a:rect l="0" t="0" r="r" b="b"/>
+              <a:pathLst>
+                <a:path w="785" h="692">
+                  <a:moveTo>
+                    <a:pt x="225" y="692"/>
+                  </a:moveTo>
+                  <a:cubicBezTo>
+                    <a:pt x="207" y="692"/>
+                    <a:pt x="185" y="680"/>
+                    <a:pt x="177" y="665"/>
+                  </a:cubicBezTo>
+                  <a:cubicBezTo>
+                    <a:pt x="9" y="374"/>
+                    <a:pt x="9" y="374"/>
+                    <a:pt x="9" y="374"/>
+                  </a:cubicBezTo>
+                  <a:cubicBezTo>
+                    <a:pt x="0" y="358"/>
+                    <a:pt x="0" y="334"/>
+                    <a:pt x="9" y="318"/>
+                  </a:cubicBezTo>
+                  <a:cubicBezTo>
+                    <a:pt x="177" y="27"/>
+                    <a:pt x="177" y="27"/>
+                    <a:pt x="177" y="27"/>
+                  </a:cubicBezTo>
+                  <a:cubicBezTo>
+                    <a:pt x="185" y="12"/>
+                    <a:pt x="207" y="0"/>
+                    <a:pt x="225" y="0"/>
+                  </a:cubicBezTo>
+                  <a:cubicBezTo>
+                    <a:pt x="561" y="0"/>
+                    <a:pt x="561" y="0"/>
+                    <a:pt x="561" y="0"/>
+                  </a:cubicBezTo>
+                  <a:cubicBezTo>
+                    <a:pt x="578" y="0"/>
+                    <a:pt x="600" y="12"/>
+                    <a:pt x="609" y="27"/>
+                  </a:cubicBezTo>
+                  <a:cubicBezTo>
+                    <a:pt x="777" y="318"/>
+                    <a:pt x="777" y="318"/>
+                    <a:pt x="777" y="318"/>
+                  </a:cubicBezTo>
+                  <a:cubicBezTo>
+                    <a:pt x="785" y="334"/>
+                    <a:pt x="785" y="358"/>
+                    <a:pt x="777" y="374"/>
+                  </a:cubicBezTo>
+                  <a:cubicBezTo>
+                    <a:pt x="609" y="665"/>
+                    <a:pt x="609" y="665"/>
+                    <a:pt x="609" y="665"/>
+                  </a:cubicBezTo>
+                  <a:cubicBezTo>
+                    <a:pt x="600" y="680"/>
+                    <a:pt x="578" y="692"/>
+                    <a:pt x="561" y="692"/>
+                  </a:cubicBezTo>
+                  <a:lnTo>
+                    <a:pt x="225" y="692"/>
+                  </a:lnTo>
+                  <a:close/>
+                </a:path>
+              </a:pathLst>
+            </a:custGeom>
+            <a:noFill/>
+            <a:ln w="28575" cmpd="sng">
+              <a:solidFill>
+                <a:schemeClr val="tx1"/>
+              </a:solidFill>
+            </a:ln>
+          </p:spPr>
+          <p:txBody>
+            <a:bodyPr vert="horz" wrap="square" lIns="91440" tIns="45720" rIns="91440" bIns="45720" numCol="1" anchor="t" anchorCtr="0" compatLnSpc="1">
+              <a:prstTxWarp prst="textNoShape">
+                <a:avLst/>
+              </a:prstTxWarp>
+            </a:bodyPr>
+            <a:lstStyle/>
+            <a:p>
+              <a:pPr marL="0" marR="0" lvl="0" indent="0" algn="l" defTabSz="914400" rtl="0" eaLnBrk="1" fontAlgn="auto" latinLnBrk="0" hangingPunct="1">
+                <a:lnSpc>
+                  <a:spcPct val="100000"/>
+                </a:lnSpc>
+                <a:spcBef>
+                  <a:spcPts val="0"/>
+                </a:spcBef>
+                <a:spcAft>
+                  <a:spcPts val="0"/>
+                </a:spcAft>
+                <a:buClrTx/>
+                <a:buSzTx/>
+                <a:buFontTx/>
+                <a:buNone/>
+                <a:tabLst/>
+                <a:defRPr/>
+              </a:pPr>
+              <a:endParaRPr kumimoji="0" lang="en-US" sz="1800" b="0" i="0" u="none" strike="noStrike" kern="1200" cap="none" spc="0" normalizeH="0" baseline="0" noProof="0">
+                <a:ln>
+                  <a:noFill/>
+                </a:ln>
+                <a:solidFill>
+                  <a:prstClr val="black"/>
+                </a:solidFill>
+                <a:effectLst/>
+                <a:uLnTx/>
+                <a:uFillTx/>
+                <a:latin typeface="Calibri" panose="020F0502020204030204"/>
+                <a:ea typeface="+mn-ea"/>
+                <a:cs typeface="+mn-cs"/>
+              </a:endParaRPr>
+            </a:p>
+          </p:txBody>
+        </p:sp>
+      </p:grpSp>
+      <p:sp>
+        <p:nvSpPr>
+          <p:cNvPr id="8" name="TextBox 7">
+            <a:extLst>
+              <a:ext uri="{FF2B5EF4-FFF2-40B4-BE49-F238E27FC236}">
+                <a16:creationId xmlns:a16="http://schemas.microsoft.com/office/drawing/2014/main" id="{04CA4DF5-C512-4233-8F08-3FDA86F8239A}"/>
+              </a:ext>
+            </a:extLst>
+          </p:cNvPr>
+          <p:cNvSpPr txBox="1"/>
+          <p:nvPr/>
+        </p:nvSpPr>
+        <p:spPr>
+          <a:xfrm>
+            <a:off x="614234" y="2354401"/>
+            <a:ext cx="4274710" cy="1522755"/>
+          </a:xfrm>
+          <a:prstGeom prst="rect">
+            <a:avLst/>
+          </a:prstGeom>
+        </p:spPr>
+        <p:txBody>
+          <a:bodyPr vert="horz" lIns="91440" tIns="45720" rIns="91440" bIns="45720" rtlCol="0" anchor="b">
+            <a:normAutofit/>
+          </a:bodyPr>
+          <a:lstStyle/>
+          <a:p>
+            <a:pPr marL="0" marR="0" lvl="0" indent="0" algn="l" defTabSz="914400" rtl="0" eaLnBrk="1" fontAlgn="auto" latinLnBrk="0" hangingPunct="1">
+              <a:lnSpc>
+                <a:spcPct val="90000"/>
+              </a:lnSpc>
+              <a:spcBef>
+                <a:spcPct val="0"/>
+              </a:spcBef>
+              <a:spcAft>
+                <a:spcPts val="600"/>
+              </a:spcAft>
+              <a:buClrTx/>
+              <a:buSzTx/>
+              <a:buFontTx/>
+              <a:buNone/>
+              <a:tabLst/>
+              <a:defRPr/>
+            </a:pPr>
+            <a:r>
+              <a:rPr kumimoji="0" lang="en-US" sz="4200" b="0" i="0" u="none" strike="noStrike" kern="1200" cap="none" spc="0" normalizeH="0" baseline="0" noProof="0" dirty="0">
+                <a:ln>
+                  <a:noFill/>
+                </a:ln>
+                <a:solidFill>
+                  <a:prstClr val="black"/>
+                </a:solidFill>
+                <a:effectLst/>
+                <a:uLnTx/>
+                <a:uFillTx/>
+                <a:latin typeface="Calibri Light" panose="020F0302020204030204"/>
+                <a:ea typeface="+mn-ea"/>
+                <a:cs typeface="+mn-cs"/>
+              </a:rPr>
+              <a:t>Labs 01-04</a:t>
+            </a:r>
+          </a:p>
+        </p:txBody>
+      </p:sp>
+      <p:sp>
+        <p:nvSpPr>
+          <p:cNvPr id="26" name="Freeform 5">
+            <a:extLst>
+              <a:ext uri="{FF2B5EF4-FFF2-40B4-BE49-F238E27FC236}">
+                <a16:creationId xmlns:a16="http://schemas.microsoft.com/office/drawing/2014/main" id="{BD2BFF02-DF78-4F07-B176-52514E13127D}"/>
+              </a:ext>
+              <a:ext uri="{C183D7F6-B498-43B3-948B-1728B52AA6E4}">
+                <adec:decorative xmlns:adec="http://schemas.microsoft.com/office/drawing/2017/decorative" val="1"/>
+              </a:ext>
+            </a:extLst>
+          </p:cNvPr>
+          <p:cNvSpPr>
+            <a:spLocks noGrp="1" noRot="1" noChangeAspect="1" noMove="1" noResize="1" noEditPoints="1" noAdjustHandles="1" noChangeArrowheads="1" noChangeShapeType="1" noTextEdit="1"/>
+          </p:cNvSpPr>
+          <p:nvPr>
+            <p:extLst>
+              <p:ext uri="{386F3935-93C4-4BCD-93E2-E3B085C9AB24}">
+                <p16:designElem xmlns:p16="http://schemas.microsoft.com/office/powerpoint/2015/main" val="1"/>
+              </p:ext>
+            </p:extLst>
+          </p:nvPr>
+        </p:nvSpPr>
+        <p:spPr bwMode="auto">
+          <a:xfrm>
+            <a:off x="7062174" y="1653645"/>
+            <a:ext cx="4689240" cy="4115025"/>
+          </a:xfrm>
+          <a:custGeom>
+            <a:avLst/>
+            <a:gdLst>
+              <a:gd name="T0" fmla="*/ 781 w 1099"/>
+              <a:gd name="T1" fmla="*/ 0 h 968"/>
+              <a:gd name="T2" fmla="*/ 318 w 1099"/>
+              <a:gd name="T3" fmla="*/ 0 h 968"/>
+              <a:gd name="T4" fmla="*/ 246 w 1099"/>
+              <a:gd name="T5" fmla="*/ 42 h 968"/>
+              <a:gd name="T6" fmla="*/ 15 w 1099"/>
+              <a:gd name="T7" fmla="*/ 443 h 968"/>
+              <a:gd name="T8" fmla="*/ 15 w 1099"/>
+              <a:gd name="T9" fmla="*/ 525 h 968"/>
+              <a:gd name="T10" fmla="*/ 246 w 1099"/>
+              <a:gd name="T11" fmla="*/ 926 h 968"/>
+              <a:gd name="T12" fmla="*/ 318 w 1099"/>
+              <a:gd name="T13" fmla="*/ 968 h 968"/>
+              <a:gd name="T14" fmla="*/ 781 w 1099"/>
+              <a:gd name="T15" fmla="*/ 968 h 968"/>
+              <a:gd name="T16" fmla="*/ 852 w 1099"/>
+              <a:gd name="T17" fmla="*/ 926 h 968"/>
+              <a:gd name="T18" fmla="*/ 1084 w 1099"/>
+              <a:gd name="T19" fmla="*/ 525 h 968"/>
+              <a:gd name="T20" fmla="*/ 1084 w 1099"/>
+              <a:gd name="T21" fmla="*/ 443 h 968"/>
+              <a:gd name="T22" fmla="*/ 852 w 1099"/>
+              <a:gd name="T23" fmla="*/ 42 h 968"/>
+              <a:gd name="T24" fmla="*/ 781 w 1099"/>
+              <a:gd name="T25" fmla="*/ 0 h 968"/>
+            </a:gdLst>
+            <a:ahLst/>
+            <a:cxnLst>
+              <a:cxn ang="0">
+                <a:pos x="T0" y="T1"/>
+              </a:cxn>
+              <a:cxn ang="0">
+                <a:pos x="T2" y="T3"/>
+              </a:cxn>
+              <a:cxn ang="0">
+                <a:pos x="T4" y="T5"/>
+              </a:cxn>
+              <a:cxn ang="0">
+                <a:pos x="T6" y="T7"/>
+              </a:cxn>
+              <a:cxn ang="0">
+                <a:pos x="T8" y="T9"/>
+              </a:cxn>
+              <a:cxn ang="0">
+                <a:pos x="T10" y="T11"/>
+              </a:cxn>
+              <a:cxn ang="0">
+                <a:pos x="T12" y="T13"/>
+              </a:cxn>
+              <a:cxn ang="0">
+                <a:pos x="T14" y="T15"/>
+              </a:cxn>
+              <a:cxn ang="0">
+                <a:pos x="T16" y="T17"/>
+              </a:cxn>
+              <a:cxn ang="0">
+                <a:pos x="T18" y="T19"/>
+              </a:cxn>
+              <a:cxn ang="0">
+                <a:pos x="T20" y="T21"/>
+              </a:cxn>
+              <a:cxn ang="0">
+                <a:pos x="T22" y="T23"/>
+              </a:cxn>
+              <a:cxn ang="0">
+                <a:pos x="T24" y="T25"/>
+              </a:cxn>
+            </a:cxnLst>
+            <a:rect l="0" t="0" r="r" b="b"/>
+            <a:pathLst>
+              <a:path w="1099" h="968">
+                <a:moveTo>
+                  <a:pt x="781" y="0"/>
+                </a:moveTo>
+                <a:cubicBezTo>
+                  <a:pt x="318" y="0"/>
+                  <a:pt x="318" y="0"/>
+                  <a:pt x="318" y="0"/>
+                </a:cubicBezTo>
+                <a:cubicBezTo>
+                  <a:pt x="288" y="0"/>
+                  <a:pt x="261" y="16"/>
+                  <a:pt x="246" y="42"/>
+                </a:cubicBezTo>
+                <a:cubicBezTo>
+                  <a:pt x="15" y="443"/>
+                  <a:pt x="15" y="443"/>
+                  <a:pt x="15" y="443"/>
+                </a:cubicBezTo>
+                <a:cubicBezTo>
+                  <a:pt x="0" y="468"/>
+                  <a:pt x="0" y="500"/>
+                  <a:pt x="15" y="525"/>
+                </a:cubicBezTo>
+                <a:cubicBezTo>
+                  <a:pt x="246" y="926"/>
+                  <a:pt x="246" y="926"/>
+                  <a:pt x="246" y="926"/>
+                </a:cubicBezTo>
+                <a:cubicBezTo>
+                  <a:pt x="261" y="952"/>
+                  <a:pt x="288" y="968"/>
+                  <a:pt x="318" y="968"/>
+                </a:cubicBezTo>
+                <a:cubicBezTo>
+                  <a:pt x="781" y="968"/>
+                  <a:pt x="781" y="968"/>
+                  <a:pt x="781" y="968"/>
+                </a:cubicBezTo>
+                <a:cubicBezTo>
+                  <a:pt x="810" y="968"/>
+                  <a:pt x="838" y="952"/>
+                  <a:pt x="852" y="926"/>
+                </a:cubicBezTo>
+                <a:cubicBezTo>
+                  <a:pt x="1084" y="525"/>
+                  <a:pt x="1084" y="525"/>
+                  <a:pt x="1084" y="525"/>
+                </a:cubicBezTo>
+                <a:cubicBezTo>
+                  <a:pt x="1099" y="500"/>
+                  <a:pt x="1099" y="468"/>
+                  <a:pt x="1084" y="443"/>
+                </a:cubicBezTo>
+                <a:cubicBezTo>
+                  <a:pt x="852" y="42"/>
+                  <a:pt x="852" y="42"/>
+                  <a:pt x="852" y="42"/>
+                </a:cubicBezTo>
+                <a:cubicBezTo>
+                  <a:pt x="838" y="16"/>
+                  <a:pt x="810" y="0"/>
+                  <a:pt x="781" y="0"/>
+                </a:cubicBezTo>
+                <a:close/>
+              </a:path>
+            </a:pathLst>
+          </a:custGeom>
+          <a:noFill/>
+          <a:ln w="50800" cap="flat">
+            <a:solidFill>
+              <a:schemeClr val="tx1"/>
+            </a:solidFill>
+            <a:prstDash val="solid"/>
+            <a:miter lim="800000"/>
+            <a:headEnd/>
+            <a:tailEnd/>
+          </a:ln>
+        </p:spPr>
+        <p:txBody>
+          <a:bodyPr vert="horz" wrap="square" lIns="91440" tIns="45720" rIns="91440" bIns="45720" numCol="1" anchor="t" anchorCtr="0" compatLnSpc="1">
+            <a:prstTxWarp prst="textNoShape">
+              <a:avLst/>
+            </a:prstTxWarp>
+          </a:bodyPr>
+          <a:lstStyle/>
+          <a:p>
+            <a:pPr marL="0" marR="0" lvl="0" indent="0" algn="l" defTabSz="914400" rtl="0" eaLnBrk="1" fontAlgn="auto" latinLnBrk="0" hangingPunct="1">
+              <a:lnSpc>
+                <a:spcPct val="100000"/>
+              </a:lnSpc>
+              <a:spcBef>
+                <a:spcPts val="0"/>
+              </a:spcBef>
+              <a:spcAft>
+                <a:spcPts val="0"/>
+              </a:spcAft>
+              <a:buClrTx/>
+              <a:buSzTx/>
+              <a:buFontTx/>
+              <a:buNone/>
+              <a:tabLst/>
+              <a:defRPr/>
+            </a:pPr>
+            <a:endParaRPr kumimoji="0" lang="en-US" sz="1800" b="0" i="0" u="none" strike="noStrike" kern="1200" cap="none" spc="0" normalizeH="0" baseline="0" noProof="0" dirty="0">
+              <a:ln>
+                <a:noFill/>
+              </a:ln>
+              <a:solidFill>
+                <a:prstClr val="black"/>
+              </a:solidFill>
+              <a:effectLst/>
+              <a:uLnTx/>
+              <a:uFillTx/>
+              <a:latin typeface="Calibri" panose="020F0502020204030204"/>
+              <a:ea typeface="+mn-ea"/>
+              <a:cs typeface="+mn-cs"/>
+            </a:endParaRPr>
+          </a:p>
+        </p:txBody>
+      </p:sp>
+      <p:sp>
+        <p:nvSpPr>
+          <p:cNvPr id="28" name="Freeform: Shape 27">
+            <a:extLst>
+              <a:ext uri="{FF2B5EF4-FFF2-40B4-BE49-F238E27FC236}">
+                <a16:creationId xmlns:a16="http://schemas.microsoft.com/office/drawing/2014/main" id="{0DB06EAB-7D8C-403A-86C5-B5FD79A13650}"/>
+              </a:ext>
+              <a:ext uri="{C183D7F6-B498-43B3-948B-1728B52AA6E4}">
+                <adec:decorative xmlns:adec="http://schemas.microsoft.com/office/drawing/2017/decorative" val="1"/>
+              </a:ext>
+            </a:extLst>
+          </p:cNvPr>
+          <p:cNvSpPr>
+            <a:spLocks noGrp="1" noRot="1" noChangeAspect="1" noMove="1" noResize="1" noEditPoints="1" noAdjustHandles="1" noChangeArrowheads="1" noChangeShapeType="1" noTextEdit="1"/>
+          </p:cNvSpPr>
+          <p:nvPr>
+            <p:extLst>
+              <p:ext uri="{386F3935-93C4-4BCD-93E2-E3B085C9AB24}">
+                <p16:designElem xmlns:p16="http://schemas.microsoft.com/office/powerpoint/2015/main" val="1"/>
+              </p:ext>
+            </p:extLst>
+          </p:nvPr>
+        </p:nvSpPr>
+        <p:spPr>
+          <a:xfrm>
+            <a:off x="4542865" y="634058"/>
+            <a:ext cx="3154669" cy="2796247"/>
+          </a:xfrm>
+          <a:custGeom>
+            <a:avLst/>
+            <a:gdLst>
+              <a:gd name="connsiteX0" fmla="*/ 853538 w 2991693"/>
+              <a:gd name="connsiteY0" fmla="*/ 0 h 2651787"/>
+              <a:gd name="connsiteX1" fmla="*/ 2141030 w 2991693"/>
+              <a:gd name="connsiteY1" fmla="*/ 0 h 2651787"/>
+              <a:gd name="connsiteX2" fmla="*/ 2324957 w 2991693"/>
+              <a:gd name="connsiteY2" fmla="*/ 103466 h 2651787"/>
+              <a:gd name="connsiteX3" fmla="*/ 2968702 w 2991693"/>
+              <a:gd name="connsiteY3" fmla="*/ 1218596 h 2651787"/>
+              <a:gd name="connsiteX4" fmla="*/ 2968702 w 2991693"/>
+              <a:gd name="connsiteY4" fmla="*/ 1433192 h 2651787"/>
+              <a:gd name="connsiteX5" fmla="*/ 2324957 w 2991693"/>
+              <a:gd name="connsiteY5" fmla="*/ 2548321 h 2651787"/>
+              <a:gd name="connsiteX6" fmla="*/ 2141030 w 2991693"/>
+              <a:gd name="connsiteY6" fmla="*/ 2651787 h 2651787"/>
+              <a:gd name="connsiteX7" fmla="*/ 853538 w 2991693"/>
+              <a:gd name="connsiteY7" fmla="*/ 2651787 h 2651787"/>
+              <a:gd name="connsiteX8" fmla="*/ 669612 w 2991693"/>
+              <a:gd name="connsiteY8" fmla="*/ 2548321 h 2651787"/>
+              <a:gd name="connsiteX9" fmla="*/ 25866 w 2991693"/>
+              <a:gd name="connsiteY9" fmla="*/ 1433192 h 2651787"/>
+              <a:gd name="connsiteX10" fmla="*/ 25866 w 2991693"/>
+              <a:gd name="connsiteY10" fmla="*/ 1218596 h 2651787"/>
+              <a:gd name="connsiteX11" fmla="*/ 669612 w 2991693"/>
+              <a:gd name="connsiteY11" fmla="*/ 103466 h 2651787"/>
+              <a:gd name="connsiteX12" fmla="*/ 853538 w 2991693"/>
+              <a:gd name="connsiteY12" fmla="*/ 0 h 2651787"/>
+            </a:gdLst>
+            <a:ahLst/>
+            <a:cxnLst>
+              <a:cxn ang="0">
+                <a:pos x="connsiteX0" y="connsiteY0"/>
+              </a:cxn>
+              <a:cxn ang="0">
+                <a:pos x="connsiteX1" y="connsiteY1"/>
+              </a:cxn>
+              <a:cxn ang="0">
+                <a:pos x="connsiteX2" y="connsiteY2"/>
+              </a:cxn>
+              <a:cxn ang="0">
+                <a:pos x="connsiteX3" y="connsiteY3"/>
+              </a:cxn>
+              <a:cxn ang="0">
+                <a:pos x="connsiteX4" y="connsiteY4"/>
+              </a:cxn>
+              <a:cxn ang="0">
+                <a:pos x="connsiteX5" y="connsiteY5"/>
+              </a:cxn>
+              <a:cxn ang="0">
+                <a:pos x="connsiteX6" y="connsiteY6"/>
+              </a:cxn>
+              <a:cxn ang="0">
+                <a:pos x="connsiteX7" y="connsiteY7"/>
+              </a:cxn>
+              <a:cxn ang="0">
+                <a:pos x="connsiteX8" y="connsiteY8"/>
+              </a:cxn>
+              <a:cxn ang="0">
+                <a:pos x="connsiteX9" y="connsiteY9"/>
+              </a:cxn>
+              <a:cxn ang="0">
+                <a:pos x="connsiteX10" y="connsiteY10"/>
+              </a:cxn>
+              <a:cxn ang="0">
+                <a:pos x="connsiteX11" y="connsiteY11"/>
+              </a:cxn>
+              <a:cxn ang="0">
+                <a:pos x="connsiteX12" y="connsiteY12"/>
+              </a:cxn>
+            </a:cxnLst>
+            <a:rect l="l" t="t" r="r" b="b"/>
+            <a:pathLst>
+              <a:path w="2991693" h="2651787">
+                <a:moveTo>
+                  <a:pt x="853538" y="0"/>
+                </a:moveTo>
+                <a:cubicBezTo>
+                  <a:pt x="2141030" y="0"/>
+                  <a:pt x="2141030" y="0"/>
+                  <a:pt x="2141030" y="0"/>
+                </a:cubicBezTo>
+                <a:cubicBezTo>
+                  <a:pt x="2206170" y="0"/>
+                  <a:pt x="2290471" y="45985"/>
+                  <a:pt x="2324957" y="103466"/>
+                </a:cubicBezTo>
+                <a:cubicBezTo>
+                  <a:pt x="2968702" y="1218596"/>
+                  <a:pt x="2968702" y="1218596"/>
+                  <a:pt x="2968702" y="1218596"/>
+                </a:cubicBezTo>
+                <a:cubicBezTo>
+                  <a:pt x="2999357" y="1279909"/>
+                  <a:pt x="2999357" y="1371878"/>
+                  <a:pt x="2968702" y="1433192"/>
+                </a:cubicBezTo>
+                <a:cubicBezTo>
+                  <a:pt x="2324957" y="2548321"/>
+                  <a:pt x="2324957" y="2548321"/>
+                  <a:pt x="2324957" y="2548321"/>
+                </a:cubicBezTo>
+                <a:cubicBezTo>
+                  <a:pt x="2290471" y="2605803"/>
+                  <a:pt x="2206170" y="2651787"/>
+                  <a:pt x="2141030" y="2651787"/>
+                </a:cubicBezTo>
+                <a:lnTo>
+                  <a:pt x="853538" y="2651787"/>
+                </a:lnTo>
+                <a:cubicBezTo>
+                  <a:pt x="784566" y="2651787"/>
+                  <a:pt x="700266" y="2605803"/>
+                  <a:pt x="669612" y="2548321"/>
+                </a:cubicBezTo>
+                <a:cubicBezTo>
+                  <a:pt x="25866" y="1433192"/>
+                  <a:pt x="25866" y="1433192"/>
+                  <a:pt x="25866" y="1433192"/>
+                </a:cubicBezTo>
+                <a:cubicBezTo>
+                  <a:pt x="-8621" y="1371878"/>
+                  <a:pt x="-8621" y="1279909"/>
+                  <a:pt x="25866" y="1218596"/>
+                </a:cubicBezTo>
+                <a:cubicBezTo>
+                  <a:pt x="669612" y="103466"/>
+                  <a:pt x="669612" y="103466"/>
+                  <a:pt x="669612" y="103466"/>
+                </a:cubicBezTo>
+                <a:cubicBezTo>
+                  <a:pt x="700266" y="45985"/>
+                  <a:pt x="784566" y="0"/>
+                  <a:pt x="853538" y="0"/>
+                </a:cubicBezTo>
+                <a:close/>
+              </a:path>
+            </a:pathLst>
+          </a:custGeom>
+          <a:noFill/>
+          <a:ln w="50800" cap="flat">
+            <a:solidFill>
+              <a:schemeClr val="tx1"/>
+            </a:solidFill>
+            <a:prstDash val="solid"/>
+            <a:miter lim="800000"/>
+            <a:headEnd/>
+            <a:tailEnd/>
+          </a:ln>
+        </p:spPr>
+        <p:txBody>
+          <a:bodyPr vert="horz" wrap="square" lIns="91440" tIns="45720" rIns="91440" bIns="45720" numCol="1" anchor="t" anchorCtr="0" compatLnSpc="1">
+            <a:prstTxWarp prst="textNoShape">
+              <a:avLst/>
+            </a:prstTxWarp>
+          </a:bodyPr>
+          <a:lstStyle/>
+          <a:p>
+            <a:pPr marL="0" marR="0" lvl="0" indent="0" algn="l" defTabSz="914400" rtl="0" eaLnBrk="1" fontAlgn="auto" latinLnBrk="0" hangingPunct="1">
+              <a:lnSpc>
+                <a:spcPct val="100000"/>
+              </a:lnSpc>
+              <a:spcBef>
+                <a:spcPts val="0"/>
+              </a:spcBef>
+              <a:spcAft>
+                <a:spcPts val="0"/>
+              </a:spcAft>
+              <a:buClrTx/>
+              <a:buSzTx/>
+              <a:buFontTx/>
+              <a:buNone/>
+              <a:tabLst/>
+              <a:defRPr/>
+            </a:pPr>
+            <a:endParaRPr kumimoji="0" lang="en-US" sz="1800" b="0" i="0" u="none" strike="noStrike" kern="1200" cap="none" spc="0" normalizeH="0" baseline="0" noProof="0" dirty="0">
+              <a:ln>
+                <a:noFill/>
+              </a:ln>
+              <a:solidFill>
+                <a:prstClr val="black"/>
+              </a:solidFill>
+              <a:effectLst/>
+              <a:uLnTx/>
+              <a:uFillTx/>
+              <a:latin typeface="Calibri" panose="020F0502020204030204"/>
+              <a:ea typeface="+mn-ea"/>
+              <a:cs typeface="+mn-cs"/>
+            </a:endParaRPr>
+          </a:p>
+        </p:txBody>
+      </p:sp>
+      <p:pic>
+        <p:nvPicPr>
+          <p:cNvPr id="7" name="Picture 6">
+            <a:extLst>
+              <a:ext uri="{FF2B5EF4-FFF2-40B4-BE49-F238E27FC236}">
+                <a16:creationId xmlns:a16="http://schemas.microsoft.com/office/drawing/2014/main" id="{44155673-E4BF-4691-91EF-AF8288758CA5}"/>
+              </a:ext>
+            </a:extLst>
+          </p:cNvPr>
+          <p:cNvPicPr>
+            <a:picLocks noChangeAspect="1"/>
+          </p:cNvPicPr>
+          <p:nvPr/>
+        </p:nvPicPr>
+        <p:blipFill>
+          <a:blip r:embed="rId3"/>
+          <a:stretch>
+            <a:fillRect/>
+          </a:stretch>
+        </p:blipFill>
+        <p:spPr>
+          <a:xfrm>
+            <a:off x="8050038" y="2354401"/>
+            <a:ext cx="2713512" cy="2713512"/>
+          </a:xfrm>
+          <a:prstGeom prst="rect">
+            <a:avLst/>
+          </a:prstGeom>
+        </p:spPr>
+      </p:pic>
+      <p:pic>
+        <p:nvPicPr>
+          <p:cNvPr id="15" name="Picture 14" descr="Icon&#10;&#10;Description automatically generated">
+            <a:extLst>
+              <a:ext uri="{FF2B5EF4-FFF2-40B4-BE49-F238E27FC236}">
+                <a16:creationId xmlns:a16="http://schemas.microsoft.com/office/drawing/2014/main" id="{47014846-E21C-448F-BE26-C0C592F4C6E4}"/>
+              </a:ext>
+            </a:extLst>
+          </p:cNvPr>
+          <p:cNvPicPr>
+            <a:picLocks noChangeAspect="1"/>
+          </p:cNvPicPr>
+          <p:nvPr/>
+        </p:nvPicPr>
+        <p:blipFill>
+          <a:blip r:embed="rId4">
+            <a:extLst>
+              <a:ext uri="{28A0092B-C50C-407E-A947-70E740481C1C}">
+                <a14:useLocalDpi xmlns:a14="http://schemas.microsoft.com/office/drawing/2010/main" val="0"/>
+              </a:ext>
+            </a:extLst>
+          </a:blip>
+          <a:stretch>
+            <a:fillRect/>
+          </a:stretch>
+        </p:blipFill>
+        <p:spPr>
+          <a:xfrm>
+            <a:off x="5320485" y="1194006"/>
+            <a:ext cx="1599427" cy="1599427"/>
+          </a:xfrm>
+          <a:prstGeom prst="rect">
+            <a:avLst/>
+          </a:prstGeom>
+        </p:spPr>
+      </p:pic>
+    </p:spTree>
+    <p:extLst>
+      <p:ext uri="{BB962C8B-B14F-4D97-AF65-F5344CB8AC3E}">
+        <p14:creationId xmlns:p14="http://schemas.microsoft.com/office/powerpoint/2010/main" val="3228749532"/>
+      </p:ext>
+    </p:extLst>
+  </p:cSld>
+  <p:clrMapOvr>
+    <a:masterClrMapping/>
+  </p:clrMapOvr>
+</p:sld>
+</file>
+
+<file path=ppt/slides/slide8.xml><?xml version="1.0" encoding="utf-8"?>
+<p:sld xmlns:a="http://schemas.openxmlformats.org/drawingml/2006/main" xmlns:r="http://schemas.openxmlformats.org/officeDocument/2006/relationships" xmlns:p="http://schemas.openxmlformats.org/presentationml/2006/main">
+  <p:cSld>
+    <p:spTree>
+      <p:nvGrpSpPr>
+        <p:cNvPr id="1" name=""/>
+        <p:cNvGrpSpPr/>
+        <p:nvPr/>
+      </p:nvGrpSpPr>
+      <p:grpSpPr>
+        <a:xfrm>
+          <a:off x="0" y="0"/>
+          <a:ext cx="0" cy="0"/>
+          <a:chOff x="0" y="0"/>
+          <a:chExt cx="0" cy="0"/>
+        </a:xfrm>
+      </p:grpSpPr>
+      <p:pic>
+        <p:nvPicPr>
+          <p:cNvPr id="3" name="Picture 2">
+            <a:extLst>
+              <a:ext uri="{FF2B5EF4-FFF2-40B4-BE49-F238E27FC236}">
+                <a16:creationId xmlns:a16="http://schemas.microsoft.com/office/drawing/2014/main" id="{CFAD4C39-42D6-45D1-9E0D-E17B5050B154}"/>
+              </a:ext>
+            </a:extLst>
+          </p:cNvPr>
+          <p:cNvPicPr>
+            <a:picLocks noChangeAspect="1"/>
+          </p:cNvPicPr>
+          <p:nvPr/>
+        </p:nvPicPr>
+        <p:blipFill>
+          <a:blip r:embed="rId3"/>
+          <a:stretch>
+            <a:fillRect/>
+          </a:stretch>
+        </p:blipFill>
+        <p:spPr>
+          <a:xfrm>
+            <a:off x="2678915" y="1014786"/>
+            <a:ext cx="6527731" cy="4684974"/>
+          </a:xfrm>
+          <a:prstGeom prst="rect">
+            <a:avLst/>
+          </a:prstGeom>
+        </p:spPr>
+      </p:pic>
+    </p:spTree>
+    <p:extLst>
+      <p:ext uri="{BB962C8B-B14F-4D97-AF65-F5344CB8AC3E}">
+        <p14:creationId xmlns:p14="http://schemas.microsoft.com/office/powerpoint/2010/main" val="3340194559"/>
+      </p:ext>
+    </p:extLst>
+  </p:cSld>
+  <p:clrMapOvr>
+    <a:masterClrMapping/>
+  </p:clrMapOvr>
+</p:sld>
+</file>
+
+<file path=ppt/slides/slide9.xml><?xml version="1.0" encoding="utf-8"?>
+<p:sld xmlns:a="http://schemas.openxmlformats.org/drawingml/2006/main" xmlns:r="http://schemas.openxmlformats.org/officeDocument/2006/relationships" xmlns:p="http://schemas.openxmlformats.org/presentationml/2006/main">
+  <p:cSld>
+    <p:bg>
+      <p:bgPr>
+        <a:solidFill>
+          <a:schemeClr val="bg1"/>
+        </a:solidFill>
+        <a:effectLst/>
+      </p:bgPr>
+    </p:bg>
+    <p:spTree>
+      <p:nvGrpSpPr>
+        <p:cNvPr id="1" name=""/>
+        <p:cNvGrpSpPr/>
+        <p:nvPr/>
+      </p:nvGrpSpPr>
+      <p:grpSpPr>
+        <a:xfrm>
+          <a:off x="0" y="0"/>
+          <a:ext cx="0" cy="0"/>
+          <a:chOff x="0" y="0"/>
+          <a:chExt cx="0" cy="0"/>
+        </a:xfrm>
+      </p:grpSpPr>
+      <p:sp useBgFill="1">
+        <p:nvSpPr>
+          <p:cNvPr id="20" name="Rectangle 19">
+            <a:extLst>
+              <a:ext uri="{FF2B5EF4-FFF2-40B4-BE49-F238E27FC236}">
+                <a16:creationId xmlns:a16="http://schemas.microsoft.com/office/drawing/2014/main" id="{C4E4288A-DFC8-40A2-90E5-70E851A933AD}"/>
+              </a:ext>
+              <a:ext uri="{C183D7F6-B498-43B3-948B-1728B52AA6E4}">
+                <adec:decorative xmlns:adec="http://schemas.microsoft.com/office/drawing/2017/decorative" val="1"/>
+              </a:ext>
+            </a:extLst>
+          </p:cNvPr>
+          <p:cNvSpPr>
+            <a:spLocks noGrp="1" noRot="1" noChangeAspect="1" noMove="1" noResize="1" noEditPoints="1" noAdjustHandles="1" noChangeArrowheads="1" noChangeShapeType="1" noTextEdit="1"/>
+          </p:cNvSpPr>
+          <p:nvPr>
+            <p:extLst>
+              <p:ext uri="{386F3935-93C4-4BCD-93E2-E3B085C9AB24}">
+                <p16:designElem xmlns:p16="http://schemas.microsoft.com/office/powerpoint/2015/main" val="1"/>
+              </p:ext>
+            </p:extLst>
+          </p:nvPr>
+        </p:nvSpPr>
+        <p:spPr>
+          <a:xfrm>
+            <a:off x="0" y="0"/>
+            <a:ext cx="12192000" cy="6858000"/>
+          </a:xfrm>
+          <a:prstGeom prst="rect">
+            <a:avLst/>
+          </a:prstGeom>
+          <a:ln>
+            <a:noFill/>
+          </a:ln>
+        </p:spPr>
+        <p:style>
+          <a:lnRef idx="2">
+            <a:schemeClr val="accent1">
+              <a:shade val="50000"/>
+            </a:schemeClr>
+          </a:lnRef>
+          <a:fillRef idx="1">
+            <a:schemeClr val="accent1"/>
+          </a:fillRef>
+          <a:effectRef idx="0">
+            <a:schemeClr val="accent1"/>
+          </a:effectRef>
+          <a:fontRef idx="minor">
+            <a:schemeClr val="lt1"/>
+          </a:fontRef>
+        </p:style>
+        <p:txBody>
+          <a:bodyPr rtlCol="0" anchor="ctr"/>
+          <a:lstStyle/>
+          <a:p>
+            <a:pPr marL="0" marR="0" lvl="0" indent="0" algn="ctr" defTabSz="914400" rtl="0" eaLnBrk="1" fontAlgn="auto" latinLnBrk="0" hangingPunct="1">
+              <a:lnSpc>
+                <a:spcPct val="100000"/>
+              </a:lnSpc>
+              <a:spcBef>
+                <a:spcPts val="0"/>
+              </a:spcBef>
+              <a:spcAft>
+                <a:spcPts val="0"/>
+              </a:spcAft>
+              <a:buClrTx/>
+              <a:buSzTx/>
+              <a:buFontTx/>
+              <a:buNone/>
+              <a:tabLst/>
+              <a:defRPr/>
+            </a:pPr>
+            <a:endParaRPr kumimoji="0" lang="en-US" sz="1800" b="0" i="0" u="none" strike="noStrike" kern="1200" cap="none" spc="0" normalizeH="0" baseline="0" noProof="0">
+              <a:ln>
+                <a:noFill/>
+              </a:ln>
+              <a:solidFill>
+                <a:prstClr val="white"/>
+              </a:solidFill>
+              <a:effectLst/>
+              <a:uLnTx/>
+              <a:uFillTx/>
+              <a:latin typeface="Calibri" panose="020F0502020204030204"/>
+              <a:ea typeface="+mn-ea"/>
+              <a:cs typeface="+mn-cs"/>
+            </a:endParaRPr>
+          </a:p>
+        </p:txBody>
+      </p:sp>
+      <p:grpSp>
+        <p:nvGrpSpPr>
+          <p:cNvPr id="22" name="Group 21">
+            <a:extLst>
+              <a:ext uri="{FF2B5EF4-FFF2-40B4-BE49-F238E27FC236}">
+                <a16:creationId xmlns:a16="http://schemas.microsoft.com/office/drawing/2014/main" id="{B63C2D82-D4FA-4A37-BB01-1E7B21E4FF20}"/>
+              </a:ext>
+              <a:ext uri="{C183D7F6-B498-43B3-948B-1728B52AA6E4}">
+                <adec:decorative xmlns:adec="http://schemas.microsoft.com/office/drawing/2017/decorative" val="1"/>
+              </a:ext>
+            </a:extLst>
+          </p:cNvPr>
+          <p:cNvGrpSpPr>
+            <a:grpSpLocks noGrp="1" noUngrp="1" noRot="1" noChangeAspect="1" noMove="1" noResize="1"/>
+          </p:cNvGrpSpPr>
+          <p:nvPr>
+            <p:extLst>
+              <p:ext uri="{386F3935-93C4-4BCD-93E2-E3B085C9AB24}">
+                <p16:designElem xmlns:p16="http://schemas.microsoft.com/office/powerpoint/2015/main" val="1"/>
+              </p:ext>
+            </p:extLst>
+          </p:nvPr>
+        </p:nvGrpSpPr>
+        <p:grpSpPr>
+          <a:xfrm>
+            <a:off x="965199" y="634058"/>
+            <a:ext cx="1128382" cy="847206"/>
+            <a:chOff x="5307830" y="325570"/>
+            <a:chExt cx="1128382" cy="847206"/>
+          </a:xfrm>
+        </p:grpSpPr>
+        <p:sp>
+          <p:nvSpPr>
+            <p:cNvPr id="23" name="Freeform 5">
+              <a:extLst>
+                <a:ext uri="{FF2B5EF4-FFF2-40B4-BE49-F238E27FC236}">
+                  <a16:creationId xmlns:a16="http://schemas.microsoft.com/office/drawing/2014/main" id="{C94E7FEF-0CE9-4AC2-94BB-02230C6DC0DF}"/>
+                </a:ext>
+                <a:ext uri="{C183D7F6-B498-43B3-948B-1728B52AA6E4}">
+                  <adec:decorative xmlns:adec="http://schemas.microsoft.com/office/drawing/2017/decorative" val="1"/>
+                </a:ext>
+              </a:extLst>
+            </p:cNvPr>
+            <p:cNvSpPr>
+              <a:spLocks/>
+            </p:cNvSpPr>
+            <p:nvPr>
+              <p:extLst>
+                <p:ext uri="{386F3935-93C4-4BCD-93E2-E3B085C9AB24}">
+                  <p16:designElem xmlns:p16="http://schemas.microsoft.com/office/powerpoint/2015/main" val="1"/>
+                </p:ext>
+              </p:extLst>
+            </p:nvPr>
+          </p:nvSpPr>
+          <p:spPr bwMode="auto">
+            <a:xfrm>
+              <a:off x="5307830" y="577396"/>
+              <a:ext cx="675351" cy="595380"/>
+            </a:xfrm>
+            <a:custGeom>
+              <a:avLst/>
+              <a:gdLst>
+                <a:gd name="T0" fmla="*/ 225 w 785"/>
+                <a:gd name="T1" fmla="*/ 692 h 692"/>
+                <a:gd name="T2" fmla="*/ 177 w 785"/>
+                <a:gd name="T3" fmla="*/ 665 h 692"/>
+                <a:gd name="T4" fmla="*/ 9 w 785"/>
+                <a:gd name="T5" fmla="*/ 374 h 692"/>
+                <a:gd name="T6" fmla="*/ 9 w 785"/>
+                <a:gd name="T7" fmla="*/ 318 h 692"/>
+                <a:gd name="T8" fmla="*/ 177 w 785"/>
+                <a:gd name="T9" fmla="*/ 27 h 692"/>
+                <a:gd name="T10" fmla="*/ 225 w 785"/>
+                <a:gd name="T11" fmla="*/ 0 h 692"/>
+                <a:gd name="T12" fmla="*/ 561 w 785"/>
+                <a:gd name="T13" fmla="*/ 0 h 692"/>
+                <a:gd name="T14" fmla="*/ 609 w 785"/>
+                <a:gd name="T15" fmla="*/ 27 h 692"/>
+                <a:gd name="T16" fmla="*/ 777 w 785"/>
+                <a:gd name="T17" fmla="*/ 318 h 692"/>
+                <a:gd name="T18" fmla="*/ 777 w 785"/>
+                <a:gd name="T19" fmla="*/ 374 h 692"/>
+                <a:gd name="T20" fmla="*/ 609 w 785"/>
+                <a:gd name="T21" fmla="*/ 665 h 692"/>
+                <a:gd name="T22" fmla="*/ 561 w 785"/>
+                <a:gd name="T23" fmla="*/ 692 h 692"/>
+                <a:gd name="T24" fmla="*/ 225 w 785"/>
+                <a:gd name="T25" fmla="*/ 692 h 692"/>
+              </a:gdLst>
+              <a:ahLst/>
+              <a:cxnLst>
+                <a:cxn ang="0">
+                  <a:pos x="T0" y="T1"/>
+                </a:cxn>
+                <a:cxn ang="0">
+                  <a:pos x="T2" y="T3"/>
+                </a:cxn>
+                <a:cxn ang="0">
+                  <a:pos x="T4" y="T5"/>
+                </a:cxn>
+                <a:cxn ang="0">
+                  <a:pos x="T6" y="T7"/>
+                </a:cxn>
+                <a:cxn ang="0">
+                  <a:pos x="T8" y="T9"/>
+                </a:cxn>
+                <a:cxn ang="0">
+                  <a:pos x="T10" y="T11"/>
+                </a:cxn>
+                <a:cxn ang="0">
+                  <a:pos x="T12" y="T13"/>
+                </a:cxn>
+                <a:cxn ang="0">
+                  <a:pos x="T14" y="T15"/>
+                </a:cxn>
+                <a:cxn ang="0">
+                  <a:pos x="T16" y="T17"/>
+                </a:cxn>
+                <a:cxn ang="0">
+                  <a:pos x="T18" y="T19"/>
+                </a:cxn>
+                <a:cxn ang="0">
+                  <a:pos x="T20" y="T21"/>
+                </a:cxn>
+                <a:cxn ang="0">
+                  <a:pos x="T22" y="T23"/>
+                </a:cxn>
+                <a:cxn ang="0">
+                  <a:pos x="T24" y="T25"/>
+                </a:cxn>
+              </a:cxnLst>
+              <a:rect l="0" t="0" r="r" b="b"/>
+              <a:pathLst>
+                <a:path w="785" h="692">
+                  <a:moveTo>
+                    <a:pt x="225" y="692"/>
+                  </a:moveTo>
+                  <a:cubicBezTo>
+                    <a:pt x="207" y="692"/>
+                    <a:pt x="185" y="680"/>
+                    <a:pt x="177" y="665"/>
+                  </a:cubicBezTo>
+                  <a:cubicBezTo>
+                    <a:pt x="9" y="374"/>
+                    <a:pt x="9" y="374"/>
+                    <a:pt x="9" y="374"/>
+                  </a:cubicBezTo>
+                  <a:cubicBezTo>
+                    <a:pt x="0" y="358"/>
+                    <a:pt x="0" y="334"/>
+                    <a:pt x="9" y="318"/>
+                  </a:cubicBezTo>
+                  <a:cubicBezTo>
+                    <a:pt x="177" y="27"/>
+                    <a:pt x="177" y="27"/>
+                    <a:pt x="177" y="27"/>
+                  </a:cubicBezTo>
+                  <a:cubicBezTo>
+                    <a:pt x="185" y="12"/>
+                    <a:pt x="207" y="0"/>
+                    <a:pt x="225" y="0"/>
+                  </a:cubicBezTo>
+                  <a:cubicBezTo>
+                    <a:pt x="561" y="0"/>
+                    <a:pt x="561" y="0"/>
+                    <a:pt x="561" y="0"/>
+                  </a:cubicBezTo>
+                  <a:cubicBezTo>
+                    <a:pt x="578" y="0"/>
+                    <a:pt x="600" y="12"/>
+                    <a:pt x="609" y="27"/>
+                  </a:cubicBezTo>
+                  <a:cubicBezTo>
+                    <a:pt x="777" y="318"/>
+                    <a:pt x="777" y="318"/>
+                    <a:pt x="777" y="318"/>
+                  </a:cubicBezTo>
+                  <a:cubicBezTo>
+                    <a:pt x="785" y="334"/>
+                    <a:pt x="785" y="358"/>
+                    <a:pt x="777" y="374"/>
+                  </a:cubicBezTo>
+                  <a:cubicBezTo>
+                    <a:pt x="609" y="665"/>
+                    <a:pt x="609" y="665"/>
+                    <a:pt x="609" y="665"/>
+                  </a:cubicBezTo>
+                  <a:cubicBezTo>
+                    <a:pt x="600" y="680"/>
+                    <a:pt x="578" y="692"/>
+                    <a:pt x="561" y="692"/>
+                  </a:cubicBezTo>
+                  <a:lnTo>
+                    <a:pt x="225" y="692"/>
+                  </a:lnTo>
+                  <a:close/>
+                </a:path>
+              </a:pathLst>
+            </a:custGeom>
+            <a:noFill/>
+            <a:ln w="28575" cmpd="sng">
+              <a:solidFill>
+                <a:schemeClr val="tx1"/>
+              </a:solidFill>
+            </a:ln>
+          </p:spPr>
+          <p:txBody>
+            <a:bodyPr vert="horz" wrap="square" lIns="91440" tIns="45720" rIns="91440" bIns="45720" numCol="1" anchor="t" anchorCtr="0" compatLnSpc="1">
+              <a:prstTxWarp prst="textNoShape">
+                <a:avLst/>
+              </a:prstTxWarp>
+            </a:bodyPr>
+            <a:lstStyle/>
+            <a:p>
+              <a:pPr marL="0" marR="0" lvl="0" indent="0" algn="l" defTabSz="914400" rtl="0" eaLnBrk="1" fontAlgn="auto" latinLnBrk="0" hangingPunct="1">
+                <a:lnSpc>
+                  <a:spcPct val="100000"/>
+                </a:lnSpc>
+                <a:spcBef>
+                  <a:spcPts val="0"/>
+                </a:spcBef>
+                <a:spcAft>
+                  <a:spcPts val="0"/>
+                </a:spcAft>
+                <a:buClrTx/>
+                <a:buSzTx/>
+                <a:buFontTx/>
+                <a:buNone/>
+                <a:tabLst/>
+                <a:defRPr/>
+              </a:pPr>
+              <a:endParaRPr kumimoji="0" lang="en-US" sz="1800" b="0" i="0" u="none" strike="noStrike" kern="1200" cap="none" spc="0" normalizeH="0" baseline="0" noProof="0">
+                <a:ln>
+                  <a:noFill/>
+                </a:ln>
+                <a:solidFill>
+                  <a:prstClr val="black"/>
+                </a:solidFill>
+                <a:effectLst/>
+                <a:uLnTx/>
+                <a:uFillTx/>
+                <a:latin typeface="Calibri" panose="020F0502020204030204"/>
+                <a:ea typeface="+mn-ea"/>
+                <a:cs typeface="+mn-cs"/>
+              </a:endParaRPr>
+            </a:p>
+          </p:txBody>
+        </p:sp>
+        <p:sp>
+          <p:nvSpPr>
+            <p:cNvPr id="24" name="Freeform 5">
+              <a:extLst>
+                <a:ext uri="{FF2B5EF4-FFF2-40B4-BE49-F238E27FC236}">
+                  <a16:creationId xmlns:a16="http://schemas.microsoft.com/office/drawing/2014/main" id="{EB546CC0-C1BC-48D2-8DA9-4B60283165C9}"/>
+                </a:ext>
+                <a:ext uri="{C183D7F6-B498-43B3-948B-1728B52AA6E4}">
+                  <adec:decorative xmlns:adec="http://schemas.microsoft.com/office/drawing/2017/decorative" val="1"/>
+                </a:ext>
+              </a:extLst>
+            </p:cNvPr>
+            <p:cNvSpPr>
+              <a:spLocks/>
+            </p:cNvSpPr>
+            <p:nvPr>
+              <p:extLst>
+                <p:ext uri="{386F3935-93C4-4BCD-93E2-E3B085C9AB24}">
+                  <p16:designElem xmlns:p16="http://schemas.microsoft.com/office/powerpoint/2015/main" val="1"/>
+                </p:ext>
+              </p:extLst>
+            </p:nvPr>
+          </p:nvSpPr>
+          <p:spPr bwMode="auto">
+            <a:xfrm>
+              <a:off x="5885720" y="325570"/>
+              <a:ext cx="550492" cy="485306"/>
+            </a:xfrm>
+            <a:custGeom>
+              <a:avLst/>
+              <a:gdLst>
+                <a:gd name="T0" fmla="*/ 225 w 785"/>
+                <a:gd name="T1" fmla="*/ 692 h 692"/>
+                <a:gd name="T2" fmla="*/ 177 w 785"/>
+                <a:gd name="T3" fmla="*/ 665 h 692"/>
+                <a:gd name="T4" fmla="*/ 9 w 785"/>
+                <a:gd name="T5" fmla="*/ 374 h 692"/>
+                <a:gd name="T6" fmla="*/ 9 w 785"/>
+                <a:gd name="T7" fmla="*/ 318 h 692"/>
+                <a:gd name="T8" fmla="*/ 177 w 785"/>
+                <a:gd name="T9" fmla="*/ 27 h 692"/>
+                <a:gd name="T10" fmla="*/ 225 w 785"/>
+                <a:gd name="T11" fmla="*/ 0 h 692"/>
+                <a:gd name="T12" fmla="*/ 561 w 785"/>
+                <a:gd name="T13" fmla="*/ 0 h 692"/>
+                <a:gd name="T14" fmla="*/ 609 w 785"/>
+                <a:gd name="T15" fmla="*/ 27 h 692"/>
+                <a:gd name="T16" fmla="*/ 777 w 785"/>
+                <a:gd name="T17" fmla="*/ 318 h 692"/>
+                <a:gd name="T18" fmla="*/ 777 w 785"/>
+                <a:gd name="T19" fmla="*/ 374 h 692"/>
+                <a:gd name="T20" fmla="*/ 609 w 785"/>
+                <a:gd name="T21" fmla="*/ 665 h 692"/>
+                <a:gd name="T22" fmla="*/ 561 w 785"/>
+                <a:gd name="T23" fmla="*/ 692 h 692"/>
+                <a:gd name="T24" fmla="*/ 225 w 785"/>
+                <a:gd name="T25" fmla="*/ 692 h 692"/>
+              </a:gdLst>
+              <a:ahLst/>
+              <a:cxnLst>
+                <a:cxn ang="0">
+                  <a:pos x="T0" y="T1"/>
+                </a:cxn>
+                <a:cxn ang="0">
+                  <a:pos x="T2" y="T3"/>
+                </a:cxn>
+                <a:cxn ang="0">
+                  <a:pos x="T4" y="T5"/>
+                </a:cxn>
+                <a:cxn ang="0">
+                  <a:pos x="T6" y="T7"/>
+                </a:cxn>
+                <a:cxn ang="0">
+                  <a:pos x="T8" y="T9"/>
+                </a:cxn>
+                <a:cxn ang="0">
+                  <a:pos x="T10" y="T11"/>
+                </a:cxn>
+                <a:cxn ang="0">
+                  <a:pos x="T12" y="T13"/>
+                </a:cxn>
+                <a:cxn ang="0">
+                  <a:pos x="T14" y="T15"/>
+                </a:cxn>
+                <a:cxn ang="0">
+                  <a:pos x="T16" y="T17"/>
+                </a:cxn>
+                <a:cxn ang="0">
+                  <a:pos x="T18" y="T19"/>
+                </a:cxn>
+                <a:cxn ang="0">
+                  <a:pos x="T20" y="T21"/>
+                </a:cxn>
+                <a:cxn ang="0">
+                  <a:pos x="T22" y="T23"/>
+                </a:cxn>
+                <a:cxn ang="0">
+                  <a:pos x="T24" y="T25"/>
+                </a:cxn>
+              </a:cxnLst>
+              <a:rect l="0" t="0" r="r" b="b"/>
+              <a:pathLst>
+                <a:path w="785" h="692">
+                  <a:moveTo>
+                    <a:pt x="225" y="692"/>
+                  </a:moveTo>
+                  <a:cubicBezTo>
+                    <a:pt x="207" y="692"/>
+                    <a:pt x="185" y="680"/>
+                    <a:pt x="177" y="665"/>
+                  </a:cubicBezTo>
+                  <a:cubicBezTo>
+                    <a:pt x="9" y="374"/>
+                    <a:pt x="9" y="374"/>
+                    <a:pt x="9" y="374"/>
+                  </a:cubicBezTo>
+                  <a:cubicBezTo>
+                    <a:pt x="0" y="358"/>
+                    <a:pt x="0" y="334"/>
+                    <a:pt x="9" y="318"/>
+                  </a:cubicBezTo>
+                  <a:cubicBezTo>
+                    <a:pt x="177" y="27"/>
+                    <a:pt x="177" y="27"/>
+                    <a:pt x="177" y="27"/>
+                  </a:cubicBezTo>
+                  <a:cubicBezTo>
+                    <a:pt x="185" y="12"/>
+                    <a:pt x="207" y="0"/>
+                    <a:pt x="225" y="0"/>
+                  </a:cubicBezTo>
+                  <a:cubicBezTo>
+                    <a:pt x="561" y="0"/>
+                    <a:pt x="561" y="0"/>
+                    <a:pt x="561" y="0"/>
+                  </a:cubicBezTo>
+                  <a:cubicBezTo>
+                    <a:pt x="578" y="0"/>
+                    <a:pt x="600" y="12"/>
+                    <a:pt x="609" y="27"/>
+                  </a:cubicBezTo>
+                  <a:cubicBezTo>
+                    <a:pt x="777" y="318"/>
+                    <a:pt x="777" y="318"/>
+                    <a:pt x="777" y="318"/>
+                  </a:cubicBezTo>
+                  <a:cubicBezTo>
+                    <a:pt x="785" y="334"/>
+                    <a:pt x="785" y="358"/>
+                    <a:pt x="777" y="374"/>
+                  </a:cubicBezTo>
+                  <a:cubicBezTo>
+                    <a:pt x="609" y="665"/>
+                    <a:pt x="609" y="665"/>
+                    <a:pt x="609" y="665"/>
+                  </a:cubicBezTo>
+                  <a:cubicBezTo>
+                    <a:pt x="600" y="680"/>
+                    <a:pt x="578" y="692"/>
+                    <a:pt x="561" y="692"/>
+                  </a:cubicBezTo>
+                  <a:lnTo>
+                    <a:pt x="225" y="692"/>
+                  </a:lnTo>
+                  <a:close/>
+                </a:path>
+              </a:pathLst>
+            </a:custGeom>
+            <a:noFill/>
+            <a:ln w="28575" cmpd="sng">
+              <a:solidFill>
+                <a:schemeClr val="tx1"/>
+              </a:solidFill>
+            </a:ln>
+          </p:spPr>
+          <p:txBody>
+            <a:bodyPr vert="horz" wrap="square" lIns="91440" tIns="45720" rIns="91440" bIns="45720" numCol="1" anchor="t" anchorCtr="0" compatLnSpc="1">
+              <a:prstTxWarp prst="textNoShape">
+                <a:avLst/>
+              </a:prstTxWarp>
+            </a:bodyPr>
+            <a:lstStyle/>
+            <a:p>
+              <a:pPr marL="0" marR="0" lvl="0" indent="0" algn="l" defTabSz="914400" rtl="0" eaLnBrk="1" fontAlgn="auto" latinLnBrk="0" hangingPunct="1">
+                <a:lnSpc>
+                  <a:spcPct val="100000"/>
+                </a:lnSpc>
+                <a:spcBef>
+                  <a:spcPts val="0"/>
+                </a:spcBef>
+                <a:spcAft>
+                  <a:spcPts val="0"/>
+                </a:spcAft>
+                <a:buClrTx/>
+                <a:buSzTx/>
+                <a:buFontTx/>
+                <a:buNone/>
+                <a:tabLst/>
+                <a:defRPr/>
+              </a:pPr>
+              <a:endParaRPr kumimoji="0" lang="en-US" sz="1800" b="0" i="0" u="none" strike="noStrike" kern="1200" cap="none" spc="0" normalizeH="0" baseline="0" noProof="0">
+                <a:ln>
+                  <a:noFill/>
+                </a:ln>
+                <a:solidFill>
+                  <a:prstClr val="black"/>
+                </a:solidFill>
+                <a:effectLst/>
+                <a:uLnTx/>
+                <a:uFillTx/>
+                <a:latin typeface="Calibri" panose="020F0502020204030204"/>
+                <a:ea typeface="+mn-ea"/>
+                <a:cs typeface="+mn-cs"/>
+              </a:endParaRPr>
+            </a:p>
+          </p:txBody>
+        </p:sp>
+      </p:grpSp>
+      <p:sp>
+        <p:nvSpPr>
+          <p:cNvPr id="8" name="TextBox 7">
+            <a:extLst>
+              <a:ext uri="{FF2B5EF4-FFF2-40B4-BE49-F238E27FC236}">
+                <a16:creationId xmlns:a16="http://schemas.microsoft.com/office/drawing/2014/main" id="{04CA4DF5-C512-4233-8F08-3FDA86F8239A}"/>
+              </a:ext>
+            </a:extLst>
+          </p:cNvPr>
+          <p:cNvSpPr txBox="1"/>
+          <p:nvPr/>
+        </p:nvSpPr>
+        <p:spPr>
+          <a:xfrm>
+            <a:off x="614234" y="2354401"/>
+            <a:ext cx="4274710" cy="1522755"/>
+          </a:xfrm>
+          <a:prstGeom prst="rect">
+            <a:avLst/>
+          </a:prstGeom>
+        </p:spPr>
+        <p:txBody>
+          <a:bodyPr vert="horz" lIns="91440" tIns="45720" rIns="91440" bIns="45720" rtlCol="0" anchor="b">
+            <a:normAutofit/>
+          </a:bodyPr>
+          <a:lstStyle/>
+          <a:p>
+            <a:pPr marL="0" marR="0" lvl="0" indent="0" algn="l" defTabSz="914400" rtl="0" eaLnBrk="1" fontAlgn="auto" latinLnBrk="0" hangingPunct="1">
+              <a:lnSpc>
+                <a:spcPct val="90000"/>
+              </a:lnSpc>
+              <a:spcBef>
+                <a:spcPct val="0"/>
+              </a:spcBef>
+              <a:spcAft>
+                <a:spcPts val="600"/>
+              </a:spcAft>
+              <a:buClrTx/>
+              <a:buSzTx/>
+              <a:buFontTx/>
+              <a:buNone/>
+              <a:tabLst/>
+              <a:defRPr/>
+            </a:pPr>
+            <a:r>
+              <a:rPr kumimoji="0" lang="en-US" sz="4200" b="0" i="0" u="none" strike="noStrike" kern="1200" cap="none" spc="0" normalizeH="0" baseline="0" noProof="0" dirty="0">
+                <a:ln>
+                  <a:noFill/>
+                </a:ln>
+                <a:solidFill>
+                  <a:prstClr val="black"/>
+                </a:solidFill>
+                <a:effectLst/>
+                <a:uLnTx/>
+                <a:uFillTx/>
+                <a:latin typeface="Calibri Light" panose="020F0302020204030204"/>
+                <a:ea typeface="+mn-ea"/>
+                <a:cs typeface="+mn-cs"/>
+              </a:rPr>
+              <a:t>Labs 04-06</a:t>
+            </a:r>
+          </a:p>
+        </p:txBody>
+      </p:sp>
+      <p:sp>
+        <p:nvSpPr>
+          <p:cNvPr id="26" name="Freeform 5">
+            <a:extLst>
+              <a:ext uri="{FF2B5EF4-FFF2-40B4-BE49-F238E27FC236}">
+                <a16:creationId xmlns:a16="http://schemas.microsoft.com/office/drawing/2014/main" id="{BD2BFF02-DF78-4F07-B176-52514E13127D}"/>
+              </a:ext>
+              <a:ext uri="{C183D7F6-B498-43B3-948B-1728B52AA6E4}">
+                <adec:decorative xmlns:adec="http://schemas.microsoft.com/office/drawing/2017/decorative" val="1"/>
+              </a:ext>
+            </a:extLst>
+          </p:cNvPr>
+          <p:cNvSpPr>
+            <a:spLocks noGrp="1" noRot="1" noChangeAspect="1" noMove="1" noResize="1" noEditPoints="1" noAdjustHandles="1" noChangeArrowheads="1" noChangeShapeType="1" noTextEdit="1"/>
+          </p:cNvSpPr>
+          <p:nvPr>
+            <p:extLst>
+              <p:ext uri="{386F3935-93C4-4BCD-93E2-E3B085C9AB24}">
+                <p16:designElem xmlns:p16="http://schemas.microsoft.com/office/powerpoint/2015/main" val="1"/>
+              </p:ext>
+            </p:extLst>
+          </p:nvPr>
+        </p:nvSpPr>
+        <p:spPr bwMode="auto">
+          <a:xfrm>
+            <a:off x="7062174" y="1653645"/>
+            <a:ext cx="4689240" cy="4115025"/>
+          </a:xfrm>
+          <a:custGeom>
+            <a:avLst/>
+            <a:gdLst>
+              <a:gd name="T0" fmla="*/ 781 w 1099"/>
+              <a:gd name="T1" fmla="*/ 0 h 968"/>
+              <a:gd name="T2" fmla="*/ 318 w 1099"/>
+              <a:gd name="T3" fmla="*/ 0 h 968"/>
+              <a:gd name="T4" fmla="*/ 246 w 1099"/>
+              <a:gd name="T5" fmla="*/ 42 h 968"/>
+              <a:gd name="T6" fmla="*/ 15 w 1099"/>
+              <a:gd name="T7" fmla="*/ 443 h 968"/>
+              <a:gd name="T8" fmla="*/ 15 w 1099"/>
+              <a:gd name="T9" fmla="*/ 525 h 968"/>
+              <a:gd name="T10" fmla="*/ 246 w 1099"/>
+              <a:gd name="T11" fmla="*/ 926 h 968"/>
+              <a:gd name="T12" fmla="*/ 318 w 1099"/>
+              <a:gd name="T13" fmla="*/ 968 h 968"/>
+              <a:gd name="T14" fmla="*/ 781 w 1099"/>
+              <a:gd name="T15" fmla="*/ 968 h 968"/>
+              <a:gd name="T16" fmla="*/ 852 w 1099"/>
+              <a:gd name="T17" fmla="*/ 926 h 968"/>
+              <a:gd name="T18" fmla="*/ 1084 w 1099"/>
+              <a:gd name="T19" fmla="*/ 525 h 968"/>
+              <a:gd name="T20" fmla="*/ 1084 w 1099"/>
+              <a:gd name="T21" fmla="*/ 443 h 968"/>
+              <a:gd name="T22" fmla="*/ 852 w 1099"/>
+              <a:gd name="T23" fmla="*/ 42 h 968"/>
+              <a:gd name="T24" fmla="*/ 781 w 1099"/>
+              <a:gd name="T25" fmla="*/ 0 h 968"/>
+            </a:gdLst>
+            <a:ahLst/>
+            <a:cxnLst>
+              <a:cxn ang="0">
+                <a:pos x="T0" y="T1"/>
+              </a:cxn>
+              <a:cxn ang="0">
+                <a:pos x="T2" y="T3"/>
+              </a:cxn>
+              <a:cxn ang="0">
+                <a:pos x="T4" y="T5"/>
+              </a:cxn>
+              <a:cxn ang="0">
+                <a:pos x="T6" y="T7"/>
+              </a:cxn>
+              <a:cxn ang="0">
+                <a:pos x="T8" y="T9"/>
+              </a:cxn>
+              <a:cxn ang="0">
+                <a:pos x="T10" y="T11"/>
+              </a:cxn>
+              <a:cxn ang="0">
+                <a:pos x="T12" y="T13"/>
+              </a:cxn>
+              <a:cxn ang="0">
+                <a:pos x="T14" y="T15"/>
+              </a:cxn>
+              <a:cxn ang="0">
+                <a:pos x="T16" y="T17"/>
+              </a:cxn>
+              <a:cxn ang="0">
+                <a:pos x="T18" y="T19"/>
+              </a:cxn>
+              <a:cxn ang="0">
+                <a:pos x="T20" y="T21"/>
+              </a:cxn>
+              <a:cxn ang="0">
+                <a:pos x="T22" y="T23"/>
+              </a:cxn>
+              <a:cxn ang="0">
+                <a:pos x="T24" y="T25"/>
+              </a:cxn>
+            </a:cxnLst>
+            <a:rect l="0" t="0" r="r" b="b"/>
+            <a:pathLst>
+              <a:path w="1099" h="968">
+                <a:moveTo>
+                  <a:pt x="781" y="0"/>
+                </a:moveTo>
+                <a:cubicBezTo>
+                  <a:pt x="318" y="0"/>
+                  <a:pt x="318" y="0"/>
+                  <a:pt x="318" y="0"/>
+                </a:cubicBezTo>
+                <a:cubicBezTo>
+                  <a:pt x="288" y="0"/>
+                  <a:pt x="261" y="16"/>
+                  <a:pt x="246" y="42"/>
+                </a:cubicBezTo>
+                <a:cubicBezTo>
+                  <a:pt x="15" y="443"/>
+                  <a:pt x="15" y="443"/>
+                  <a:pt x="15" y="443"/>
+                </a:cubicBezTo>
+                <a:cubicBezTo>
+                  <a:pt x="0" y="468"/>
+                  <a:pt x="0" y="500"/>
+                  <a:pt x="15" y="525"/>
+                </a:cubicBezTo>
+                <a:cubicBezTo>
+                  <a:pt x="246" y="926"/>
+                  <a:pt x="246" y="926"/>
+                  <a:pt x="246" y="926"/>
+                </a:cubicBezTo>
+                <a:cubicBezTo>
+                  <a:pt x="261" y="952"/>
+                  <a:pt x="288" y="968"/>
+                  <a:pt x="318" y="968"/>
+                </a:cubicBezTo>
+                <a:cubicBezTo>
+                  <a:pt x="781" y="968"/>
+                  <a:pt x="781" y="968"/>
+                  <a:pt x="781" y="968"/>
+                </a:cubicBezTo>
+                <a:cubicBezTo>
+                  <a:pt x="810" y="968"/>
+                  <a:pt x="838" y="952"/>
+                  <a:pt x="852" y="926"/>
+                </a:cubicBezTo>
+                <a:cubicBezTo>
+                  <a:pt x="1084" y="525"/>
+                  <a:pt x="1084" y="525"/>
+                  <a:pt x="1084" y="525"/>
+                </a:cubicBezTo>
+                <a:cubicBezTo>
+                  <a:pt x="1099" y="500"/>
+                  <a:pt x="1099" y="468"/>
+                  <a:pt x="1084" y="443"/>
+                </a:cubicBezTo>
+                <a:cubicBezTo>
+                  <a:pt x="852" y="42"/>
+                  <a:pt x="852" y="42"/>
+                  <a:pt x="852" y="42"/>
+                </a:cubicBezTo>
+                <a:cubicBezTo>
+                  <a:pt x="838" y="16"/>
+                  <a:pt x="810" y="0"/>
+                  <a:pt x="781" y="0"/>
+                </a:cubicBezTo>
+                <a:close/>
+              </a:path>
+            </a:pathLst>
+          </a:custGeom>
+          <a:noFill/>
+          <a:ln w="50800" cap="flat">
+            <a:solidFill>
+              <a:schemeClr val="tx1"/>
+            </a:solidFill>
+            <a:prstDash val="solid"/>
+            <a:miter lim="800000"/>
+            <a:headEnd/>
+            <a:tailEnd/>
+          </a:ln>
+        </p:spPr>
+        <p:txBody>
+          <a:bodyPr vert="horz" wrap="square" lIns="91440" tIns="45720" rIns="91440" bIns="45720" numCol="1" anchor="t" anchorCtr="0" compatLnSpc="1">
+            <a:prstTxWarp prst="textNoShape">
+              <a:avLst/>
+            </a:prstTxWarp>
+          </a:bodyPr>
+          <a:lstStyle/>
+          <a:p>
+            <a:pPr marL="0" marR="0" lvl="0" indent="0" algn="l" defTabSz="914400" rtl="0" eaLnBrk="1" fontAlgn="auto" latinLnBrk="0" hangingPunct="1">
+              <a:lnSpc>
+                <a:spcPct val="100000"/>
+              </a:lnSpc>
+              <a:spcBef>
+                <a:spcPts val="0"/>
+              </a:spcBef>
+              <a:spcAft>
+                <a:spcPts val="0"/>
+              </a:spcAft>
+              <a:buClrTx/>
+              <a:buSzTx/>
+              <a:buFontTx/>
+              <a:buNone/>
+              <a:tabLst/>
+              <a:defRPr/>
+            </a:pPr>
+            <a:endParaRPr kumimoji="0" lang="en-US" sz="1800" b="0" i="0" u="none" strike="noStrike" kern="1200" cap="none" spc="0" normalizeH="0" baseline="0" noProof="0" dirty="0">
+              <a:ln>
+                <a:noFill/>
+              </a:ln>
+              <a:solidFill>
+                <a:prstClr val="black"/>
+              </a:solidFill>
+              <a:effectLst/>
+              <a:uLnTx/>
+              <a:uFillTx/>
+              <a:latin typeface="Calibri" panose="020F0502020204030204"/>
+              <a:ea typeface="+mn-ea"/>
+              <a:cs typeface="+mn-cs"/>
+            </a:endParaRPr>
+          </a:p>
+        </p:txBody>
+      </p:sp>
+      <p:sp>
+        <p:nvSpPr>
+          <p:cNvPr id="28" name="Freeform: Shape 27">
+            <a:extLst>
+              <a:ext uri="{FF2B5EF4-FFF2-40B4-BE49-F238E27FC236}">
+                <a16:creationId xmlns:a16="http://schemas.microsoft.com/office/drawing/2014/main" id="{0DB06EAB-7D8C-403A-86C5-B5FD79A13650}"/>
+              </a:ext>
+              <a:ext uri="{C183D7F6-B498-43B3-948B-1728B52AA6E4}">
+                <adec:decorative xmlns:adec="http://schemas.microsoft.com/office/drawing/2017/decorative" val="1"/>
+              </a:ext>
+            </a:extLst>
+          </p:cNvPr>
+          <p:cNvSpPr>
+            <a:spLocks noGrp="1" noRot="1" noChangeAspect="1" noMove="1" noResize="1" noEditPoints="1" noAdjustHandles="1" noChangeArrowheads="1" noChangeShapeType="1" noTextEdit="1"/>
+          </p:cNvSpPr>
+          <p:nvPr>
+            <p:extLst>
+              <p:ext uri="{386F3935-93C4-4BCD-93E2-E3B085C9AB24}">
+                <p16:designElem xmlns:p16="http://schemas.microsoft.com/office/powerpoint/2015/main" val="1"/>
+              </p:ext>
+            </p:extLst>
+          </p:nvPr>
+        </p:nvSpPr>
+        <p:spPr>
+          <a:xfrm>
+            <a:off x="4542865" y="634058"/>
+            <a:ext cx="3154669" cy="2796247"/>
+          </a:xfrm>
+          <a:custGeom>
+            <a:avLst/>
+            <a:gdLst>
+              <a:gd name="connsiteX0" fmla="*/ 853538 w 2991693"/>
+              <a:gd name="connsiteY0" fmla="*/ 0 h 2651787"/>
+              <a:gd name="connsiteX1" fmla="*/ 2141030 w 2991693"/>
+              <a:gd name="connsiteY1" fmla="*/ 0 h 2651787"/>
+              <a:gd name="connsiteX2" fmla="*/ 2324957 w 2991693"/>
+              <a:gd name="connsiteY2" fmla="*/ 103466 h 2651787"/>
+              <a:gd name="connsiteX3" fmla="*/ 2968702 w 2991693"/>
+              <a:gd name="connsiteY3" fmla="*/ 1218596 h 2651787"/>
+              <a:gd name="connsiteX4" fmla="*/ 2968702 w 2991693"/>
+              <a:gd name="connsiteY4" fmla="*/ 1433192 h 2651787"/>
+              <a:gd name="connsiteX5" fmla="*/ 2324957 w 2991693"/>
+              <a:gd name="connsiteY5" fmla="*/ 2548321 h 2651787"/>
+              <a:gd name="connsiteX6" fmla="*/ 2141030 w 2991693"/>
+              <a:gd name="connsiteY6" fmla="*/ 2651787 h 2651787"/>
+              <a:gd name="connsiteX7" fmla="*/ 853538 w 2991693"/>
+              <a:gd name="connsiteY7" fmla="*/ 2651787 h 2651787"/>
+              <a:gd name="connsiteX8" fmla="*/ 669612 w 2991693"/>
+              <a:gd name="connsiteY8" fmla="*/ 2548321 h 2651787"/>
+              <a:gd name="connsiteX9" fmla="*/ 25866 w 2991693"/>
+              <a:gd name="connsiteY9" fmla="*/ 1433192 h 2651787"/>
+              <a:gd name="connsiteX10" fmla="*/ 25866 w 2991693"/>
+              <a:gd name="connsiteY10" fmla="*/ 1218596 h 2651787"/>
+              <a:gd name="connsiteX11" fmla="*/ 669612 w 2991693"/>
+              <a:gd name="connsiteY11" fmla="*/ 103466 h 2651787"/>
+              <a:gd name="connsiteX12" fmla="*/ 853538 w 2991693"/>
+              <a:gd name="connsiteY12" fmla="*/ 0 h 2651787"/>
+            </a:gdLst>
+            <a:ahLst/>
+            <a:cxnLst>
+              <a:cxn ang="0">
+                <a:pos x="connsiteX0" y="connsiteY0"/>
+              </a:cxn>
+              <a:cxn ang="0">
+                <a:pos x="connsiteX1" y="connsiteY1"/>
+              </a:cxn>
+              <a:cxn ang="0">
+                <a:pos x="connsiteX2" y="connsiteY2"/>
+              </a:cxn>
+              <a:cxn ang="0">
+                <a:pos x="connsiteX3" y="connsiteY3"/>
+              </a:cxn>
+              <a:cxn ang="0">
+                <a:pos x="connsiteX4" y="connsiteY4"/>
+              </a:cxn>
+              <a:cxn ang="0">
+                <a:pos x="connsiteX5" y="connsiteY5"/>
+              </a:cxn>
+              <a:cxn ang="0">
+                <a:pos x="connsiteX6" y="connsiteY6"/>
+              </a:cxn>
+              <a:cxn ang="0">
+                <a:pos x="connsiteX7" y="connsiteY7"/>
+              </a:cxn>
+              <a:cxn ang="0">
+                <a:pos x="connsiteX8" y="connsiteY8"/>
+              </a:cxn>
+              <a:cxn ang="0">
+                <a:pos x="connsiteX9" y="connsiteY9"/>
+              </a:cxn>
+              <a:cxn ang="0">
+                <a:pos x="connsiteX10" y="connsiteY10"/>
+              </a:cxn>
+              <a:cxn ang="0">
+                <a:pos x="connsiteX11" y="connsiteY11"/>
+              </a:cxn>
+              <a:cxn ang="0">
+                <a:pos x="connsiteX12" y="connsiteY12"/>
+              </a:cxn>
+            </a:cxnLst>
+            <a:rect l="l" t="t" r="r" b="b"/>
+            <a:pathLst>
+              <a:path w="2991693" h="2651787">
+                <a:moveTo>
+                  <a:pt x="853538" y="0"/>
+                </a:moveTo>
+                <a:cubicBezTo>
+                  <a:pt x="2141030" y="0"/>
+                  <a:pt x="2141030" y="0"/>
+                  <a:pt x="2141030" y="0"/>
+                </a:cubicBezTo>
+                <a:cubicBezTo>
+                  <a:pt x="2206170" y="0"/>
+                  <a:pt x="2290471" y="45985"/>
+                  <a:pt x="2324957" y="103466"/>
+                </a:cubicBezTo>
+                <a:cubicBezTo>
+                  <a:pt x="2968702" y="1218596"/>
+                  <a:pt x="2968702" y="1218596"/>
+                  <a:pt x="2968702" y="1218596"/>
+                </a:cubicBezTo>
+                <a:cubicBezTo>
+                  <a:pt x="2999357" y="1279909"/>
+                  <a:pt x="2999357" y="1371878"/>
+                  <a:pt x="2968702" y="1433192"/>
+                </a:cubicBezTo>
+                <a:cubicBezTo>
+                  <a:pt x="2324957" y="2548321"/>
+                  <a:pt x="2324957" y="2548321"/>
+                  <a:pt x="2324957" y="2548321"/>
+                </a:cubicBezTo>
+                <a:cubicBezTo>
+                  <a:pt x="2290471" y="2605803"/>
+                  <a:pt x="2206170" y="2651787"/>
+                  <a:pt x="2141030" y="2651787"/>
+                </a:cubicBezTo>
+                <a:lnTo>
+                  <a:pt x="853538" y="2651787"/>
+                </a:lnTo>
+                <a:cubicBezTo>
+                  <a:pt x="784566" y="2651787"/>
+                  <a:pt x="700266" y="2605803"/>
+                  <a:pt x="669612" y="2548321"/>
+                </a:cubicBezTo>
+                <a:cubicBezTo>
+                  <a:pt x="25866" y="1433192"/>
+                  <a:pt x="25866" y="1433192"/>
+                  <a:pt x="25866" y="1433192"/>
+                </a:cubicBezTo>
+                <a:cubicBezTo>
+                  <a:pt x="-8621" y="1371878"/>
+                  <a:pt x="-8621" y="1279909"/>
+                  <a:pt x="25866" y="1218596"/>
+                </a:cubicBezTo>
+                <a:cubicBezTo>
+                  <a:pt x="669612" y="103466"/>
+                  <a:pt x="669612" y="103466"/>
+                  <a:pt x="669612" y="103466"/>
+                </a:cubicBezTo>
+                <a:cubicBezTo>
+                  <a:pt x="700266" y="45985"/>
+                  <a:pt x="784566" y="0"/>
+                  <a:pt x="853538" y="0"/>
+                </a:cubicBezTo>
+                <a:close/>
+              </a:path>
+            </a:pathLst>
+          </a:custGeom>
+          <a:noFill/>
+          <a:ln w="50800" cap="flat">
+            <a:solidFill>
+              <a:schemeClr val="tx1"/>
+            </a:solidFill>
+            <a:prstDash val="solid"/>
+            <a:miter lim="800000"/>
+            <a:headEnd/>
+            <a:tailEnd/>
+          </a:ln>
+        </p:spPr>
+        <p:txBody>
+          <a:bodyPr vert="horz" wrap="square" lIns="91440" tIns="45720" rIns="91440" bIns="45720" numCol="1" anchor="t" anchorCtr="0" compatLnSpc="1">
+            <a:prstTxWarp prst="textNoShape">
+              <a:avLst/>
+            </a:prstTxWarp>
+          </a:bodyPr>
+          <a:lstStyle/>
+          <a:p>
+            <a:pPr marL="0" marR="0" lvl="0" indent="0" algn="l" defTabSz="914400" rtl="0" eaLnBrk="1" fontAlgn="auto" latinLnBrk="0" hangingPunct="1">
+              <a:lnSpc>
+                <a:spcPct val="100000"/>
+              </a:lnSpc>
+              <a:spcBef>
+                <a:spcPts val="0"/>
+              </a:spcBef>
+              <a:spcAft>
+                <a:spcPts val="0"/>
+              </a:spcAft>
+              <a:buClrTx/>
+              <a:buSzTx/>
+              <a:buFontTx/>
+              <a:buNone/>
+              <a:tabLst/>
+              <a:defRPr/>
+            </a:pPr>
+            <a:endParaRPr kumimoji="0" lang="en-US" sz="1800" b="0" i="0" u="none" strike="noStrike" kern="1200" cap="none" spc="0" normalizeH="0" baseline="0" noProof="0" dirty="0">
+              <a:ln>
+                <a:noFill/>
+              </a:ln>
+              <a:solidFill>
+                <a:prstClr val="black"/>
+              </a:solidFill>
+              <a:effectLst/>
+              <a:uLnTx/>
+              <a:uFillTx/>
+              <a:latin typeface="Calibri" panose="020F0502020204030204"/>
+              <a:ea typeface="+mn-ea"/>
+              <a:cs typeface="+mn-cs"/>
+            </a:endParaRPr>
+          </a:p>
+        </p:txBody>
+      </p:sp>
+      <p:pic>
+        <p:nvPicPr>
+          <p:cNvPr id="7" name="Picture 6">
+            <a:extLst>
+              <a:ext uri="{FF2B5EF4-FFF2-40B4-BE49-F238E27FC236}">
+                <a16:creationId xmlns:a16="http://schemas.microsoft.com/office/drawing/2014/main" id="{44155673-E4BF-4691-91EF-AF8288758CA5}"/>
+              </a:ext>
+            </a:extLst>
+          </p:cNvPr>
+          <p:cNvPicPr>
+            <a:picLocks noChangeAspect="1"/>
+          </p:cNvPicPr>
+          <p:nvPr/>
+        </p:nvPicPr>
+        <p:blipFill>
+          <a:blip r:embed="rId3"/>
+          <a:stretch>
+            <a:fillRect/>
+          </a:stretch>
+        </p:blipFill>
+        <p:spPr>
+          <a:xfrm>
+            <a:off x="8050038" y="2354401"/>
+            <a:ext cx="2713512" cy="2713512"/>
+          </a:xfrm>
+          <a:prstGeom prst="rect">
+            <a:avLst/>
+          </a:prstGeom>
+        </p:spPr>
+      </p:pic>
+      <p:pic>
+        <p:nvPicPr>
+          <p:cNvPr id="15" name="Picture 14" descr="Icon&#10;&#10;Description automatically generated">
+            <a:extLst>
+              <a:ext uri="{FF2B5EF4-FFF2-40B4-BE49-F238E27FC236}">
+                <a16:creationId xmlns:a16="http://schemas.microsoft.com/office/drawing/2014/main" id="{47014846-E21C-448F-BE26-C0C592F4C6E4}"/>
+              </a:ext>
+            </a:extLst>
+          </p:cNvPr>
+          <p:cNvPicPr>
+            <a:picLocks noChangeAspect="1"/>
+          </p:cNvPicPr>
+          <p:nvPr/>
+        </p:nvPicPr>
+        <p:blipFill>
+          <a:blip r:embed="rId4">
+            <a:extLst>
+              <a:ext uri="{28A0092B-C50C-407E-A947-70E740481C1C}">
+                <a14:useLocalDpi xmlns:a14="http://schemas.microsoft.com/office/drawing/2010/main" val="0"/>
+              </a:ext>
+            </a:extLst>
+          </a:blip>
+          <a:stretch>
+            <a:fillRect/>
+          </a:stretch>
+        </p:blipFill>
+        <p:spPr>
+          <a:xfrm>
+            <a:off x="5320485" y="1194006"/>
+            <a:ext cx="1599427" cy="1599427"/>
+          </a:xfrm>
+          <a:prstGeom prst="rect">
+            <a:avLst/>
+          </a:prstGeom>
+        </p:spPr>
+      </p:pic>
+    </p:spTree>
+    <p:extLst>
+      <p:ext uri="{BB962C8B-B14F-4D97-AF65-F5344CB8AC3E}">
+        <p14:creationId xmlns:p14="http://schemas.microsoft.com/office/powerpoint/2010/main" val="3602864984"/>
       </p:ext>
     </p:extLst>
   </p:cSld>

--- a/04-gitops-in-aks-with-flux/slides/GitOps in AKS with Flux.pptx
+++ b/04-gitops-in-aks-with-flux/slides/GitOps in AKS with Flux.pptx
@@ -5,7 +5,7 @@
     <p:sldMasterId id="2147483660" r:id="rId1"/>
   </p:sldMasterIdLst>
   <p:notesMasterIdLst>
-    <p:notesMasterId r:id="rId7"/>
+    <p:notesMasterId r:id="rId14"/>
   </p:notesMasterIdLst>
   <p:sldIdLst>
     <p:sldId id="2076136299" r:id="rId2"/>
@@ -13,6 +13,13 @@
     <p:sldId id="258" r:id="rId4"/>
     <p:sldId id="260" r:id="rId5"/>
     <p:sldId id="259" r:id="rId6"/>
+    <p:sldId id="2076136303" r:id="rId7"/>
+    <p:sldId id="2076136304" r:id="rId8"/>
+    <p:sldId id="2076136302" r:id="rId9"/>
+    <p:sldId id="2076136305" r:id="rId10"/>
+    <p:sldId id="2076136308" r:id="rId11"/>
+    <p:sldId id="2076136306" r:id="rId12"/>
+    <p:sldId id="2076136307" r:id="rId13"/>
   </p:sldIdLst>
   <p:sldSz cx="12192000" cy="6858000"/>
   <p:notesSz cx="6858000" cy="9144000"/>
@@ -111,6 +118,11 @@
       </a:defRPr>
     </a:lvl9pPr>
   </p:defaultTextStyle>
+  <p:extLst>
+    <p:ext uri="{EFAFB233-063F-42B5-8137-9DF3F51BA10A}">
+      <p15:sldGuideLst xmlns:p15="http://schemas.microsoft.com/office/powerpoint/2012/main"/>
+    </p:ext>
+  </p:extLst>
 </p:presentation>
 </file>
 
@@ -196,7 +208,7 @@
           <a:p>
             <a:fld id="{39ECB77B-8C2F-499B-AE9C-A56E6D14A93C}" type="datetimeFigureOut">
               <a:rPr lang="nb-NO" smtClean="0"/>
-              <a:t>08.09.2021</a:t>
+              <a:t>03.11.2021</a:t>
             </a:fld>
             <a:endParaRPr lang="nb-NO"/>
           </a:p>
@@ -608,6 +620,294 @@
 </p:notes>
 </file>
 
+<file path=ppt/notesSlides/notesSlide10.xml><?xml version="1.0" encoding="utf-8"?>
+<p:notes xmlns:a="http://schemas.openxmlformats.org/drawingml/2006/main" xmlns:r="http://schemas.openxmlformats.org/officeDocument/2006/relationships" xmlns:p="http://schemas.openxmlformats.org/presentationml/2006/main">
+  <p:cSld>
+    <p:spTree>
+      <p:nvGrpSpPr>
+        <p:cNvPr id="1" name=""/>
+        <p:cNvGrpSpPr/>
+        <p:nvPr/>
+      </p:nvGrpSpPr>
+      <p:grpSpPr>
+        <a:xfrm>
+          <a:off x="0" y="0"/>
+          <a:ext cx="0" cy="0"/>
+          <a:chOff x="0" y="0"/>
+          <a:chExt cx="0" cy="0"/>
+        </a:xfrm>
+      </p:grpSpPr>
+      <p:sp>
+        <p:nvSpPr>
+          <p:cNvPr id="2" name="Slide Image Placeholder 1"/>
+          <p:cNvSpPr>
+            <a:spLocks noGrp="1" noRot="1" noChangeAspect="1"/>
+          </p:cNvSpPr>
+          <p:nvPr>
+            <p:ph type="sldImg"/>
+          </p:nvPr>
+        </p:nvSpPr>
+        <p:spPr/>
+      </p:sp>
+      <p:sp>
+        <p:nvSpPr>
+          <p:cNvPr id="3" name="Notes Placeholder 2"/>
+          <p:cNvSpPr>
+            <a:spLocks noGrp="1"/>
+          </p:cNvSpPr>
+          <p:nvPr>
+            <p:ph type="body" idx="1"/>
+          </p:nvPr>
+        </p:nvSpPr>
+        <p:spPr/>
+        <p:txBody>
+          <a:bodyPr/>
+          <a:lstStyle/>
+          <a:p>
+            <a:endParaRPr lang="nb-NO" dirty="0"/>
+          </a:p>
+        </p:txBody>
+      </p:sp>
+      <p:sp>
+        <p:nvSpPr>
+          <p:cNvPr id="4" name="Slide Number Placeholder 3"/>
+          <p:cNvSpPr>
+            <a:spLocks noGrp="1"/>
+          </p:cNvSpPr>
+          <p:nvPr>
+            <p:ph type="sldNum" sz="quarter" idx="5"/>
+          </p:nvPr>
+        </p:nvSpPr>
+        <p:spPr/>
+        <p:txBody>
+          <a:bodyPr/>
+          <a:lstStyle/>
+          <a:p>
+            <a:pPr marL="0" marR="0" lvl="0" indent="0" algn="r" defTabSz="914400" rtl="0" eaLnBrk="1" fontAlgn="auto" latinLnBrk="0" hangingPunct="1">
+              <a:lnSpc>
+                <a:spcPct val="100000"/>
+              </a:lnSpc>
+              <a:spcBef>
+                <a:spcPts val="0"/>
+              </a:spcBef>
+              <a:spcAft>
+                <a:spcPts val="0"/>
+              </a:spcAft>
+              <a:buClrTx/>
+              <a:buSzTx/>
+              <a:buFontTx/>
+              <a:buNone/>
+              <a:tabLst/>
+              <a:defRPr/>
+            </a:pPr>
+            <a:fld id="{00A560F4-8102-4EC4-BB24-179BCBD2EB8E}" type="slidenum">
+              <a:rPr kumimoji="0" lang="en-US" sz="1200" b="0" i="0" u="none" strike="noStrike" kern="1200" cap="none" spc="0" normalizeH="0" baseline="0" noProof="0" smtClean="0">
+                <a:ln>
+                  <a:noFill/>
+                </a:ln>
+                <a:solidFill>
+                  <a:prstClr val="black"/>
+                </a:solidFill>
+                <a:effectLst/>
+                <a:uLnTx/>
+                <a:uFillTx/>
+                <a:latin typeface="Calibri" panose="020F0502020204030204"/>
+                <a:ea typeface="+mn-ea"/>
+                <a:cs typeface="+mn-cs"/>
+              </a:rPr>
+              <a:pPr marL="0" marR="0" lvl="0" indent="0" algn="r" defTabSz="914400" rtl="0" eaLnBrk="1" fontAlgn="auto" latinLnBrk="0" hangingPunct="1">
+                <a:lnSpc>
+                  <a:spcPct val="100000"/>
+                </a:lnSpc>
+                <a:spcBef>
+                  <a:spcPts val="0"/>
+                </a:spcBef>
+                <a:spcAft>
+                  <a:spcPts val="0"/>
+                </a:spcAft>
+                <a:buClrTx/>
+                <a:buSzTx/>
+                <a:buFontTx/>
+                <a:buNone/>
+                <a:tabLst/>
+                <a:defRPr/>
+              </a:pPr>
+              <a:t>11</a:t>
+            </a:fld>
+            <a:endParaRPr kumimoji="0" lang="en-US" sz="1200" b="0" i="0" u="none" strike="noStrike" kern="1200" cap="none" spc="0" normalizeH="0" baseline="0" noProof="0">
+              <a:ln>
+                <a:noFill/>
+              </a:ln>
+              <a:solidFill>
+                <a:prstClr val="black"/>
+              </a:solidFill>
+              <a:effectLst/>
+              <a:uLnTx/>
+              <a:uFillTx/>
+              <a:latin typeface="Calibri" panose="020F0502020204030204"/>
+              <a:ea typeface="+mn-ea"/>
+              <a:cs typeface="+mn-cs"/>
+            </a:endParaRPr>
+          </a:p>
+        </p:txBody>
+      </p:sp>
+    </p:spTree>
+    <p:extLst>
+      <p:ext uri="{BB962C8B-B14F-4D97-AF65-F5344CB8AC3E}">
+        <p14:creationId xmlns:p14="http://schemas.microsoft.com/office/powerpoint/2010/main" val="3686606446"/>
+      </p:ext>
+    </p:extLst>
+  </p:cSld>
+  <p:clrMapOvr>
+    <a:masterClrMapping/>
+  </p:clrMapOvr>
+</p:notes>
+</file>
+
+<file path=ppt/notesSlides/notesSlide11.xml><?xml version="1.0" encoding="utf-8"?>
+<p:notes xmlns:a="http://schemas.openxmlformats.org/drawingml/2006/main" xmlns:r="http://schemas.openxmlformats.org/officeDocument/2006/relationships" xmlns:p="http://schemas.openxmlformats.org/presentationml/2006/main">
+  <p:cSld>
+    <p:spTree>
+      <p:nvGrpSpPr>
+        <p:cNvPr id="1" name=""/>
+        <p:cNvGrpSpPr/>
+        <p:nvPr/>
+      </p:nvGrpSpPr>
+      <p:grpSpPr>
+        <a:xfrm>
+          <a:off x="0" y="0"/>
+          <a:ext cx="0" cy="0"/>
+          <a:chOff x="0" y="0"/>
+          <a:chExt cx="0" cy="0"/>
+        </a:xfrm>
+      </p:grpSpPr>
+      <p:sp>
+        <p:nvSpPr>
+          <p:cNvPr id="2" name="Slide Image Placeholder 1"/>
+          <p:cNvSpPr>
+            <a:spLocks noGrp="1" noRot="1" noChangeAspect="1"/>
+          </p:cNvSpPr>
+          <p:nvPr>
+            <p:ph type="sldImg"/>
+          </p:nvPr>
+        </p:nvSpPr>
+        <p:spPr/>
+      </p:sp>
+      <p:sp>
+        <p:nvSpPr>
+          <p:cNvPr id="3" name="Notes Placeholder 2"/>
+          <p:cNvSpPr>
+            <a:spLocks noGrp="1"/>
+          </p:cNvSpPr>
+          <p:nvPr>
+            <p:ph type="body" idx="1"/>
+          </p:nvPr>
+        </p:nvSpPr>
+        <p:spPr/>
+        <p:txBody>
+          <a:bodyPr/>
+          <a:lstStyle/>
+          <a:p>
+            <a:endParaRPr lang="nb-NO" dirty="0"/>
+          </a:p>
+        </p:txBody>
+      </p:sp>
+      <p:sp>
+        <p:nvSpPr>
+          <p:cNvPr id="4" name="Slide Number Placeholder 3"/>
+          <p:cNvSpPr>
+            <a:spLocks noGrp="1"/>
+          </p:cNvSpPr>
+          <p:nvPr>
+            <p:ph type="sldNum" sz="quarter" idx="5"/>
+          </p:nvPr>
+        </p:nvSpPr>
+        <p:spPr/>
+        <p:txBody>
+          <a:bodyPr/>
+          <a:lstStyle/>
+          <a:p>
+            <a:pPr marL="0" marR="0" lvl="0" indent="0" algn="r" defTabSz="914400" rtl="0" eaLnBrk="1" fontAlgn="auto" latinLnBrk="0" hangingPunct="1">
+              <a:lnSpc>
+                <a:spcPct val="100000"/>
+              </a:lnSpc>
+              <a:spcBef>
+                <a:spcPts val="0"/>
+              </a:spcBef>
+              <a:spcAft>
+                <a:spcPts val="0"/>
+              </a:spcAft>
+              <a:buClrTx/>
+              <a:buSzTx/>
+              <a:buFontTx/>
+              <a:buNone/>
+              <a:tabLst/>
+              <a:defRPr/>
+            </a:pPr>
+            <a:fld id="{00A560F4-8102-4EC4-BB24-179BCBD2EB8E}" type="slidenum">
+              <a:rPr kumimoji="0" lang="en-US" sz="1200" b="0" i="0" u="none" strike="noStrike" kern="1200" cap="none" spc="0" normalizeH="0" baseline="0" noProof="0" smtClean="0">
+                <a:ln>
+                  <a:noFill/>
+                </a:ln>
+                <a:solidFill>
+                  <a:prstClr val="black"/>
+                </a:solidFill>
+                <a:effectLst/>
+                <a:uLnTx/>
+                <a:uFillTx/>
+                <a:latin typeface="Calibri" panose="020F0502020204030204"/>
+                <a:ea typeface="+mn-ea"/>
+                <a:cs typeface="+mn-cs"/>
+              </a:rPr>
+              <a:pPr marL="0" marR="0" lvl="0" indent="0" algn="r" defTabSz="914400" rtl="0" eaLnBrk="1" fontAlgn="auto" latinLnBrk="0" hangingPunct="1">
+                <a:lnSpc>
+                  <a:spcPct val="100000"/>
+                </a:lnSpc>
+                <a:spcBef>
+                  <a:spcPts val="0"/>
+                </a:spcBef>
+                <a:spcAft>
+                  <a:spcPts val="0"/>
+                </a:spcAft>
+                <a:buClrTx/>
+                <a:buSzTx/>
+                <a:buFontTx/>
+                <a:buNone/>
+                <a:tabLst/>
+                <a:defRPr/>
+              </a:pPr>
+              <a:t>12</a:t>
+            </a:fld>
+            <a:endParaRPr kumimoji="0" lang="en-US" sz="1200" b="0" i="0" u="none" strike="noStrike" kern="1200" cap="none" spc="0" normalizeH="0" baseline="0" noProof="0">
+              <a:ln>
+                <a:noFill/>
+              </a:ln>
+              <a:solidFill>
+                <a:prstClr val="black"/>
+              </a:solidFill>
+              <a:effectLst/>
+              <a:uLnTx/>
+              <a:uFillTx/>
+              <a:latin typeface="Calibri" panose="020F0502020204030204"/>
+              <a:ea typeface="+mn-ea"/>
+              <a:cs typeface="+mn-cs"/>
+            </a:endParaRPr>
+          </a:p>
+        </p:txBody>
+      </p:sp>
+    </p:spTree>
+    <p:extLst>
+      <p:ext uri="{BB962C8B-B14F-4D97-AF65-F5344CB8AC3E}">
+        <p14:creationId xmlns:p14="http://schemas.microsoft.com/office/powerpoint/2010/main" val="3575435629"/>
+      </p:ext>
+    </p:extLst>
+  </p:cSld>
+  <p:clrMapOvr>
+    <a:masterClrMapping/>
+  </p:clrMapOvr>
+</p:notes>
+</file>
+
 <file path=ppt/notesSlides/notesSlide2.xml><?xml version="1.0" encoding="utf-8"?>
 <p:notes xmlns:a="http://schemas.openxmlformats.org/drawingml/2006/main" xmlns:r="http://schemas.openxmlformats.org/officeDocument/2006/relationships" xmlns:p="http://schemas.openxmlformats.org/presentationml/2006/main" showMasterSp="0" showMasterPhAnim="0">
   <p:cSld>
@@ -930,6 +1230,726 @@
 </p:notes>
 </file>
 
+<file path=ppt/notesSlides/notesSlide5.xml><?xml version="1.0" encoding="utf-8"?>
+<p:notes xmlns:a="http://schemas.openxmlformats.org/drawingml/2006/main" xmlns:r="http://schemas.openxmlformats.org/officeDocument/2006/relationships" xmlns:p="http://schemas.openxmlformats.org/presentationml/2006/main">
+  <p:cSld>
+    <p:spTree>
+      <p:nvGrpSpPr>
+        <p:cNvPr id="1" name=""/>
+        <p:cNvGrpSpPr/>
+        <p:nvPr/>
+      </p:nvGrpSpPr>
+      <p:grpSpPr>
+        <a:xfrm>
+          <a:off x="0" y="0"/>
+          <a:ext cx="0" cy="0"/>
+          <a:chOff x="0" y="0"/>
+          <a:chExt cx="0" cy="0"/>
+        </a:xfrm>
+      </p:grpSpPr>
+      <p:sp>
+        <p:nvSpPr>
+          <p:cNvPr id="2" name="Slide Image Placeholder 1"/>
+          <p:cNvSpPr>
+            <a:spLocks noGrp="1" noRot="1" noChangeAspect="1"/>
+          </p:cNvSpPr>
+          <p:nvPr>
+            <p:ph type="sldImg"/>
+          </p:nvPr>
+        </p:nvSpPr>
+        <p:spPr/>
+      </p:sp>
+      <p:sp>
+        <p:nvSpPr>
+          <p:cNvPr id="3" name="Notes Placeholder 2"/>
+          <p:cNvSpPr>
+            <a:spLocks noGrp="1"/>
+          </p:cNvSpPr>
+          <p:nvPr>
+            <p:ph type="body" idx="1"/>
+          </p:nvPr>
+        </p:nvSpPr>
+        <p:spPr/>
+        <p:txBody>
+          <a:bodyPr/>
+          <a:lstStyle/>
+          <a:p>
+            <a:endParaRPr lang="nb-NO" dirty="0"/>
+          </a:p>
+        </p:txBody>
+      </p:sp>
+      <p:sp>
+        <p:nvSpPr>
+          <p:cNvPr id="4" name="Slide Number Placeholder 3"/>
+          <p:cNvSpPr>
+            <a:spLocks noGrp="1"/>
+          </p:cNvSpPr>
+          <p:nvPr>
+            <p:ph type="sldNum" sz="quarter" idx="5"/>
+          </p:nvPr>
+        </p:nvSpPr>
+        <p:spPr/>
+        <p:txBody>
+          <a:bodyPr/>
+          <a:lstStyle/>
+          <a:p>
+            <a:pPr marL="0" marR="0" lvl="0" indent="0" algn="r" defTabSz="914400" rtl="0" eaLnBrk="1" fontAlgn="auto" latinLnBrk="0" hangingPunct="1">
+              <a:lnSpc>
+                <a:spcPct val="100000"/>
+              </a:lnSpc>
+              <a:spcBef>
+                <a:spcPts val="0"/>
+              </a:spcBef>
+              <a:spcAft>
+                <a:spcPts val="0"/>
+              </a:spcAft>
+              <a:buClrTx/>
+              <a:buSzTx/>
+              <a:buFontTx/>
+              <a:buNone/>
+              <a:tabLst/>
+              <a:defRPr/>
+            </a:pPr>
+            <a:fld id="{00A560F4-8102-4EC4-BB24-179BCBD2EB8E}" type="slidenum">
+              <a:rPr kumimoji="0" lang="en-US" sz="1200" b="0" i="0" u="none" strike="noStrike" kern="1200" cap="none" spc="0" normalizeH="0" baseline="0" noProof="0" smtClean="0">
+                <a:ln>
+                  <a:noFill/>
+                </a:ln>
+                <a:solidFill>
+                  <a:prstClr val="black"/>
+                </a:solidFill>
+                <a:effectLst/>
+                <a:uLnTx/>
+                <a:uFillTx/>
+                <a:latin typeface="Calibri" panose="020F0502020204030204"/>
+                <a:ea typeface="+mn-ea"/>
+                <a:cs typeface="+mn-cs"/>
+              </a:rPr>
+              <a:pPr marL="0" marR="0" lvl="0" indent="0" algn="r" defTabSz="914400" rtl="0" eaLnBrk="1" fontAlgn="auto" latinLnBrk="0" hangingPunct="1">
+                <a:lnSpc>
+                  <a:spcPct val="100000"/>
+                </a:lnSpc>
+                <a:spcBef>
+                  <a:spcPts val="0"/>
+                </a:spcBef>
+                <a:spcAft>
+                  <a:spcPts val="0"/>
+                </a:spcAft>
+                <a:buClrTx/>
+                <a:buSzTx/>
+                <a:buFontTx/>
+                <a:buNone/>
+                <a:tabLst/>
+                <a:defRPr/>
+              </a:pPr>
+              <a:t>6</a:t>
+            </a:fld>
+            <a:endParaRPr kumimoji="0" lang="en-US" sz="1200" b="0" i="0" u="none" strike="noStrike" kern="1200" cap="none" spc="0" normalizeH="0" baseline="0" noProof="0">
+              <a:ln>
+                <a:noFill/>
+              </a:ln>
+              <a:solidFill>
+                <a:prstClr val="black"/>
+              </a:solidFill>
+              <a:effectLst/>
+              <a:uLnTx/>
+              <a:uFillTx/>
+              <a:latin typeface="Calibri" panose="020F0502020204030204"/>
+              <a:ea typeface="+mn-ea"/>
+              <a:cs typeface="+mn-cs"/>
+            </a:endParaRPr>
+          </a:p>
+        </p:txBody>
+      </p:sp>
+    </p:spTree>
+    <p:extLst>
+      <p:ext uri="{BB962C8B-B14F-4D97-AF65-F5344CB8AC3E}">
+        <p14:creationId xmlns:p14="http://schemas.microsoft.com/office/powerpoint/2010/main" val="254286458"/>
+      </p:ext>
+    </p:extLst>
+  </p:cSld>
+  <p:clrMapOvr>
+    <a:masterClrMapping/>
+  </p:clrMapOvr>
+</p:notes>
+</file>
+
+<file path=ppt/notesSlides/notesSlide6.xml><?xml version="1.0" encoding="utf-8"?>
+<p:notes xmlns:a="http://schemas.openxmlformats.org/drawingml/2006/main" xmlns:r="http://schemas.openxmlformats.org/officeDocument/2006/relationships" xmlns:p="http://schemas.openxmlformats.org/presentationml/2006/main">
+  <p:cSld>
+    <p:spTree>
+      <p:nvGrpSpPr>
+        <p:cNvPr id="1" name=""/>
+        <p:cNvGrpSpPr/>
+        <p:nvPr/>
+      </p:nvGrpSpPr>
+      <p:grpSpPr>
+        <a:xfrm>
+          <a:off x="0" y="0"/>
+          <a:ext cx="0" cy="0"/>
+          <a:chOff x="0" y="0"/>
+          <a:chExt cx="0" cy="0"/>
+        </a:xfrm>
+      </p:grpSpPr>
+      <p:sp>
+        <p:nvSpPr>
+          <p:cNvPr id="2" name="Slide Image Placeholder 1"/>
+          <p:cNvSpPr>
+            <a:spLocks noGrp="1" noRot="1" noChangeAspect="1"/>
+          </p:cNvSpPr>
+          <p:nvPr>
+            <p:ph type="sldImg"/>
+          </p:nvPr>
+        </p:nvSpPr>
+        <p:spPr/>
+      </p:sp>
+      <p:sp>
+        <p:nvSpPr>
+          <p:cNvPr id="3" name="Notes Placeholder 2"/>
+          <p:cNvSpPr>
+            <a:spLocks noGrp="1"/>
+          </p:cNvSpPr>
+          <p:nvPr>
+            <p:ph type="body" idx="1"/>
+          </p:nvPr>
+        </p:nvSpPr>
+        <p:spPr/>
+        <p:txBody>
+          <a:bodyPr/>
+          <a:lstStyle/>
+          <a:p>
+            <a:endParaRPr lang="nb-NO" dirty="0"/>
+          </a:p>
+        </p:txBody>
+      </p:sp>
+      <p:sp>
+        <p:nvSpPr>
+          <p:cNvPr id="4" name="Slide Number Placeholder 3"/>
+          <p:cNvSpPr>
+            <a:spLocks noGrp="1"/>
+          </p:cNvSpPr>
+          <p:nvPr>
+            <p:ph type="sldNum" sz="quarter" idx="5"/>
+          </p:nvPr>
+        </p:nvSpPr>
+        <p:spPr/>
+        <p:txBody>
+          <a:bodyPr/>
+          <a:lstStyle/>
+          <a:p>
+            <a:pPr marL="0" marR="0" lvl="0" indent="0" algn="r" defTabSz="914400" rtl="0" eaLnBrk="1" fontAlgn="auto" latinLnBrk="0" hangingPunct="1">
+              <a:lnSpc>
+                <a:spcPct val="100000"/>
+              </a:lnSpc>
+              <a:spcBef>
+                <a:spcPts val="0"/>
+              </a:spcBef>
+              <a:spcAft>
+                <a:spcPts val="0"/>
+              </a:spcAft>
+              <a:buClrTx/>
+              <a:buSzTx/>
+              <a:buFontTx/>
+              <a:buNone/>
+              <a:tabLst/>
+              <a:defRPr/>
+            </a:pPr>
+            <a:fld id="{00A560F4-8102-4EC4-BB24-179BCBD2EB8E}" type="slidenum">
+              <a:rPr kumimoji="0" lang="en-US" sz="1200" b="0" i="0" u="none" strike="noStrike" kern="1200" cap="none" spc="0" normalizeH="0" baseline="0" noProof="0" smtClean="0">
+                <a:ln>
+                  <a:noFill/>
+                </a:ln>
+                <a:solidFill>
+                  <a:prstClr val="black"/>
+                </a:solidFill>
+                <a:effectLst/>
+                <a:uLnTx/>
+                <a:uFillTx/>
+                <a:latin typeface="Calibri" panose="020F0502020204030204"/>
+                <a:ea typeface="+mn-ea"/>
+                <a:cs typeface="+mn-cs"/>
+              </a:rPr>
+              <a:pPr marL="0" marR="0" lvl="0" indent="0" algn="r" defTabSz="914400" rtl="0" eaLnBrk="1" fontAlgn="auto" latinLnBrk="0" hangingPunct="1">
+                <a:lnSpc>
+                  <a:spcPct val="100000"/>
+                </a:lnSpc>
+                <a:spcBef>
+                  <a:spcPts val="0"/>
+                </a:spcBef>
+                <a:spcAft>
+                  <a:spcPts val="0"/>
+                </a:spcAft>
+                <a:buClrTx/>
+                <a:buSzTx/>
+                <a:buFontTx/>
+                <a:buNone/>
+                <a:tabLst/>
+                <a:defRPr/>
+              </a:pPr>
+              <a:t>7</a:t>
+            </a:fld>
+            <a:endParaRPr kumimoji="0" lang="en-US" sz="1200" b="0" i="0" u="none" strike="noStrike" kern="1200" cap="none" spc="0" normalizeH="0" baseline="0" noProof="0">
+              <a:ln>
+                <a:noFill/>
+              </a:ln>
+              <a:solidFill>
+                <a:prstClr val="black"/>
+              </a:solidFill>
+              <a:effectLst/>
+              <a:uLnTx/>
+              <a:uFillTx/>
+              <a:latin typeface="Calibri" panose="020F0502020204030204"/>
+              <a:ea typeface="+mn-ea"/>
+              <a:cs typeface="+mn-cs"/>
+            </a:endParaRPr>
+          </a:p>
+        </p:txBody>
+      </p:sp>
+    </p:spTree>
+    <p:extLst>
+      <p:ext uri="{BB962C8B-B14F-4D97-AF65-F5344CB8AC3E}">
+        <p14:creationId xmlns:p14="http://schemas.microsoft.com/office/powerpoint/2010/main" val="590553198"/>
+      </p:ext>
+    </p:extLst>
+  </p:cSld>
+  <p:clrMapOvr>
+    <a:masterClrMapping/>
+  </p:clrMapOvr>
+</p:notes>
+</file>
+
+<file path=ppt/notesSlides/notesSlide7.xml><?xml version="1.0" encoding="utf-8"?>
+<p:notes xmlns:a="http://schemas.openxmlformats.org/drawingml/2006/main" xmlns:r="http://schemas.openxmlformats.org/officeDocument/2006/relationships" xmlns:p="http://schemas.openxmlformats.org/presentationml/2006/main">
+  <p:cSld>
+    <p:spTree>
+      <p:nvGrpSpPr>
+        <p:cNvPr id="1" name=""/>
+        <p:cNvGrpSpPr/>
+        <p:nvPr/>
+      </p:nvGrpSpPr>
+      <p:grpSpPr>
+        <a:xfrm>
+          <a:off x="0" y="0"/>
+          <a:ext cx="0" cy="0"/>
+          <a:chOff x="0" y="0"/>
+          <a:chExt cx="0" cy="0"/>
+        </a:xfrm>
+      </p:grpSpPr>
+      <p:sp>
+        <p:nvSpPr>
+          <p:cNvPr id="2" name="Slide Image Placeholder 1"/>
+          <p:cNvSpPr>
+            <a:spLocks noGrp="1" noRot="1" noChangeAspect="1"/>
+          </p:cNvSpPr>
+          <p:nvPr>
+            <p:ph type="sldImg"/>
+          </p:nvPr>
+        </p:nvSpPr>
+        <p:spPr/>
+      </p:sp>
+      <p:sp>
+        <p:nvSpPr>
+          <p:cNvPr id="3" name="Notes Placeholder 2"/>
+          <p:cNvSpPr>
+            <a:spLocks noGrp="1"/>
+          </p:cNvSpPr>
+          <p:nvPr>
+            <p:ph type="body" idx="1"/>
+          </p:nvPr>
+        </p:nvSpPr>
+        <p:spPr/>
+        <p:txBody>
+          <a:bodyPr/>
+          <a:lstStyle/>
+          <a:p>
+            <a:endParaRPr lang="nb-NO" dirty="0"/>
+          </a:p>
+        </p:txBody>
+      </p:sp>
+      <p:sp>
+        <p:nvSpPr>
+          <p:cNvPr id="4" name="Slide Number Placeholder 3"/>
+          <p:cNvSpPr>
+            <a:spLocks noGrp="1"/>
+          </p:cNvSpPr>
+          <p:nvPr>
+            <p:ph type="sldNum" sz="quarter" idx="5"/>
+          </p:nvPr>
+        </p:nvSpPr>
+        <p:spPr/>
+        <p:txBody>
+          <a:bodyPr/>
+          <a:lstStyle/>
+          <a:p>
+            <a:pPr marL="0" marR="0" lvl="0" indent="0" algn="r" defTabSz="914400" rtl="0" eaLnBrk="1" fontAlgn="auto" latinLnBrk="0" hangingPunct="1">
+              <a:lnSpc>
+                <a:spcPct val="100000"/>
+              </a:lnSpc>
+              <a:spcBef>
+                <a:spcPts val="0"/>
+              </a:spcBef>
+              <a:spcAft>
+                <a:spcPts val="0"/>
+              </a:spcAft>
+              <a:buClrTx/>
+              <a:buSzTx/>
+              <a:buFontTx/>
+              <a:buNone/>
+              <a:tabLst/>
+              <a:defRPr/>
+            </a:pPr>
+            <a:fld id="{00A560F4-8102-4EC4-BB24-179BCBD2EB8E}" type="slidenum">
+              <a:rPr kumimoji="0" lang="en-US" sz="1200" b="0" i="0" u="none" strike="noStrike" kern="1200" cap="none" spc="0" normalizeH="0" baseline="0" noProof="0" smtClean="0">
+                <a:ln>
+                  <a:noFill/>
+                </a:ln>
+                <a:solidFill>
+                  <a:prstClr val="black"/>
+                </a:solidFill>
+                <a:effectLst/>
+                <a:uLnTx/>
+                <a:uFillTx/>
+                <a:latin typeface="Calibri" panose="020F0502020204030204"/>
+                <a:ea typeface="+mn-ea"/>
+                <a:cs typeface="+mn-cs"/>
+              </a:rPr>
+              <a:pPr marL="0" marR="0" lvl="0" indent="0" algn="r" defTabSz="914400" rtl="0" eaLnBrk="1" fontAlgn="auto" latinLnBrk="0" hangingPunct="1">
+                <a:lnSpc>
+                  <a:spcPct val="100000"/>
+                </a:lnSpc>
+                <a:spcBef>
+                  <a:spcPts val="0"/>
+                </a:spcBef>
+                <a:spcAft>
+                  <a:spcPts val="0"/>
+                </a:spcAft>
+                <a:buClrTx/>
+                <a:buSzTx/>
+                <a:buFontTx/>
+                <a:buNone/>
+                <a:tabLst/>
+                <a:defRPr/>
+              </a:pPr>
+              <a:t>8</a:t>
+            </a:fld>
+            <a:endParaRPr kumimoji="0" lang="en-US" sz="1200" b="0" i="0" u="none" strike="noStrike" kern="1200" cap="none" spc="0" normalizeH="0" baseline="0" noProof="0">
+              <a:ln>
+                <a:noFill/>
+              </a:ln>
+              <a:solidFill>
+                <a:prstClr val="black"/>
+              </a:solidFill>
+              <a:effectLst/>
+              <a:uLnTx/>
+              <a:uFillTx/>
+              <a:latin typeface="Calibri" panose="020F0502020204030204"/>
+              <a:ea typeface="+mn-ea"/>
+              <a:cs typeface="+mn-cs"/>
+            </a:endParaRPr>
+          </a:p>
+        </p:txBody>
+      </p:sp>
+    </p:spTree>
+    <p:extLst>
+      <p:ext uri="{BB962C8B-B14F-4D97-AF65-F5344CB8AC3E}">
+        <p14:creationId xmlns:p14="http://schemas.microsoft.com/office/powerpoint/2010/main" val="3859227199"/>
+      </p:ext>
+    </p:extLst>
+  </p:cSld>
+  <p:clrMapOvr>
+    <a:masterClrMapping/>
+  </p:clrMapOvr>
+</p:notes>
+</file>
+
+<file path=ppt/notesSlides/notesSlide8.xml><?xml version="1.0" encoding="utf-8"?>
+<p:notes xmlns:a="http://schemas.openxmlformats.org/drawingml/2006/main" xmlns:r="http://schemas.openxmlformats.org/officeDocument/2006/relationships" xmlns:p="http://schemas.openxmlformats.org/presentationml/2006/main">
+  <p:cSld>
+    <p:spTree>
+      <p:nvGrpSpPr>
+        <p:cNvPr id="1" name=""/>
+        <p:cNvGrpSpPr/>
+        <p:nvPr/>
+      </p:nvGrpSpPr>
+      <p:grpSpPr>
+        <a:xfrm>
+          <a:off x="0" y="0"/>
+          <a:ext cx="0" cy="0"/>
+          <a:chOff x="0" y="0"/>
+          <a:chExt cx="0" cy="0"/>
+        </a:xfrm>
+      </p:grpSpPr>
+      <p:sp>
+        <p:nvSpPr>
+          <p:cNvPr id="2" name="Slide Image Placeholder 1"/>
+          <p:cNvSpPr>
+            <a:spLocks noGrp="1" noRot="1" noChangeAspect="1"/>
+          </p:cNvSpPr>
+          <p:nvPr>
+            <p:ph type="sldImg"/>
+          </p:nvPr>
+        </p:nvSpPr>
+        <p:spPr/>
+      </p:sp>
+      <p:sp>
+        <p:nvSpPr>
+          <p:cNvPr id="3" name="Notes Placeholder 2"/>
+          <p:cNvSpPr>
+            <a:spLocks noGrp="1"/>
+          </p:cNvSpPr>
+          <p:nvPr>
+            <p:ph type="body" idx="1"/>
+          </p:nvPr>
+        </p:nvSpPr>
+        <p:spPr/>
+        <p:txBody>
+          <a:bodyPr/>
+          <a:lstStyle/>
+          <a:p>
+            <a:endParaRPr lang="nb-NO" dirty="0"/>
+          </a:p>
+        </p:txBody>
+      </p:sp>
+      <p:sp>
+        <p:nvSpPr>
+          <p:cNvPr id="4" name="Slide Number Placeholder 3"/>
+          <p:cNvSpPr>
+            <a:spLocks noGrp="1"/>
+          </p:cNvSpPr>
+          <p:nvPr>
+            <p:ph type="sldNum" sz="quarter" idx="5"/>
+          </p:nvPr>
+        </p:nvSpPr>
+        <p:spPr/>
+        <p:txBody>
+          <a:bodyPr/>
+          <a:lstStyle/>
+          <a:p>
+            <a:pPr marL="0" marR="0" lvl="0" indent="0" algn="r" defTabSz="914400" rtl="0" eaLnBrk="1" fontAlgn="auto" latinLnBrk="0" hangingPunct="1">
+              <a:lnSpc>
+                <a:spcPct val="100000"/>
+              </a:lnSpc>
+              <a:spcBef>
+                <a:spcPts val="0"/>
+              </a:spcBef>
+              <a:spcAft>
+                <a:spcPts val="0"/>
+              </a:spcAft>
+              <a:buClrTx/>
+              <a:buSzTx/>
+              <a:buFontTx/>
+              <a:buNone/>
+              <a:tabLst/>
+              <a:defRPr/>
+            </a:pPr>
+            <a:fld id="{00A560F4-8102-4EC4-BB24-179BCBD2EB8E}" type="slidenum">
+              <a:rPr kumimoji="0" lang="en-US" sz="1200" b="0" i="0" u="none" strike="noStrike" kern="1200" cap="none" spc="0" normalizeH="0" baseline="0" noProof="0" smtClean="0">
+                <a:ln>
+                  <a:noFill/>
+                </a:ln>
+                <a:solidFill>
+                  <a:prstClr val="black"/>
+                </a:solidFill>
+                <a:effectLst/>
+                <a:uLnTx/>
+                <a:uFillTx/>
+                <a:latin typeface="Calibri" panose="020F0502020204030204"/>
+                <a:ea typeface="+mn-ea"/>
+                <a:cs typeface="+mn-cs"/>
+              </a:rPr>
+              <a:pPr marL="0" marR="0" lvl="0" indent="0" algn="r" defTabSz="914400" rtl="0" eaLnBrk="1" fontAlgn="auto" latinLnBrk="0" hangingPunct="1">
+                <a:lnSpc>
+                  <a:spcPct val="100000"/>
+                </a:lnSpc>
+                <a:spcBef>
+                  <a:spcPts val="0"/>
+                </a:spcBef>
+                <a:spcAft>
+                  <a:spcPts val="0"/>
+                </a:spcAft>
+                <a:buClrTx/>
+                <a:buSzTx/>
+                <a:buFontTx/>
+                <a:buNone/>
+                <a:tabLst/>
+                <a:defRPr/>
+              </a:pPr>
+              <a:t>9</a:t>
+            </a:fld>
+            <a:endParaRPr kumimoji="0" lang="en-US" sz="1200" b="0" i="0" u="none" strike="noStrike" kern="1200" cap="none" spc="0" normalizeH="0" baseline="0" noProof="0">
+              <a:ln>
+                <a:noFill/>
+              </a:ln>
+              <a:solidFill>
+                <a:prstClr val="black"/>
+              </a:solidFill>
+              <a:effectLst/>
+              <a:uLnTx/>
+              <a:uFillTx/>
+              <a:latin typeface="Calibri" panose="020F0502020204030204"/>
+              <a:ea typeface="+mn-ea"/>
+              <a:cs typeface="+mn-cs"/>
+            </a:endParaRPr>
+          </a:p>
+        </p:txBody>
+      </p:sp>
+    </p:spTree>
+    <p:extLst>
+      <p:ext uri="{BB962C8B-B14F-4D97-AF65-F5344CB8AC3E}">
+        <p14:creationId xmlns:p14="http://schemas.microsoft.com/office/powerpoint/2010/main" val="2332028518"/>
+      </p:ext>
+    </p:extLst>
+  </p:cSld>
+  <p:clrMapOvr>
+    <a:masterClrMapping/>
+  </p:clrMapOvr>
+</p:notes>
+</file>
+
+<file path=ppt/notesSlides/notesSlide9.xml><?xml version="1.0" encoding="utf-8"?>
+<p:notes xmlns:a="http://schemas.openxmlformats.org/drawingml/2006/main" xmlns:r="http://schemas.openxmlformats.org/officeDocument/2006/relationships" xmlns:p="http://schemas.openxmlformats.org/presentationml/2006/main">
+  <p:cSld>
+    <p:spTree>
+      <p:nvGrpSpPr>
+        <p:cNvPr id="1" name=""/>
+        <p:cNvGrpSpPr/>
+        <p:nvPr/>
+      </p:nvGrpSpPr>
+      <p:grpSpPr>
+        <a:xfrm>
+          <a:off x="0" y="0"/>
+          <a:ext cx="0" cy="0"/>
+          <a:chOff x="0" y="0"/>
+          <a:chExt cx="0" cy="0"/>
+        </a:xfrm>
+      </p:grpSpPr>
+      <p:sp>
+        <p:nvSpPr>
+          <p:cNvPr id="2" name="Slide Image Placeholder 1"/>
+          <p:cNvSpPr>
+            <a:spLocks noGrp="1" noRot="1" noChangeAspect="1"/>
+          </p:cNvSpPr>
+          <p:nvPr>
+            <p:ph type="sldImg"/>
+          </p:nvPr>
+        </p:nvSpPr>
+        <p:spPr/>
+      </p:sp>
+      <p:sp>
+        <p:nvSpPr>
+          <p:cNvPr id="3" name="Notes Placeholder 2"/>
+          <p:cNvSpPr>
+            <a:spLocks noGrp="1"/>
+          </p:cNvSpPr>
+          <p:nvPr>
+            <p:ph type="body" idx="1"/>
+          </p:nvPr>
+        </p:nvSpPr>
+        <p:spPr/>
+        <p:txBody>
+          <a:bodyPr/>
+          <a:lstStyle/>
+          <a:p>
+            <a:endParaRPr lang="nb-NO" dirty="0"/>
+          </a:p>
+        </p:txBody>
+      </p:sp>
+      <p:sp>
+        <p:nvSpPr>
+          <p:cNvPr id="4" name="Slide Number Placeholder 3"/>
+          <p:cNvSpPr>
+            <a:spLocks noGrp="1"/>
+          </p:cNvSpPr>
+          <p:nvPr>
+            <p:ph type="sldNum" sz="quarter" idx="5"/>
+          </p:nvPr>
+        </p:nvSpPr>
+        <p:spPr/>
+        <p:txBody>
+          <a:bodyPr/>
+          <a:lstStyle/>
+          <a:p>
+            <a:pPr marL="0" marR="0" lvl="0" indent="0" algn="r" defTabSz="914400" rtl="0" eaLnBrk="1" fontAlgn="auto" latinLnBrk="0" hangingPunct="1">
+              <a:lnSpc>
+                <a:spcPct val="100000"/>
+              </a:lnSpc>
+              <a:spcBef>
+                <a:spcPts val="0"/>
+              </a:spcBef>
+              <a:spcAft>
+                <a:spcPts val="0"/>
+              </a:spcAft>
+              <a:buClrTx/>
+              <a:buSzTx/>
+              <a:buFontTx/>
+              <a:buNone/>
+              <a:tabLst/>
+              <a:defRPr/>
+            </a:pPr>
+            <a:fld id="{00A560F4-8102-4EC4-BB24-179BCBD2EB8E}" type="slidenum">
+              <a:rPr kumimoji="0" lang="en-US" sz="1200" b="0" i="0" u="none" strike="noStrike" kern="1200" cap="none" spc="0" normalizeH="0" baseline="0" noProof="0" smtClean="0">
+                <a:ln>
+                  <a:noFill/>
+                </a:ln>
+                <a:solidFill>
+                  <a:prstClr val="black"/>
+                </a:solidFill>
+                <a:effectLst/>
+                <a:uLnTx/>
+                <a:uFillTx/>
+                <a:latin typeface="Calibri" panose="020F0502020204030204"/>
+                <a:ea typeface="+mn-ea"/>
+                <a:cs typeface="+mn-cs"/>
+              </a:rPr>
+              <a:pPr marL="0" marR="0" lvl="0" indent="0" algn="r" defTabSz="914400" rtl="0" eaLnBrk="1" fontAlgn="auto" latinLnBrk="0" hangingPunct="1">
+                <a:lnSpc>
+                  <a:spcPct val="100000"/>
+                </a:lnSpc>
+                <a:spcBef>
+                  <a:spcPts val="0"/>
+                </a:spcBef>
+                <a:spcAft>
+                  <a:spcPts val="0"/>
+                </a:spcAft>
+                <a:buClrTx/>
+                <a:buSzTx/>
+                <a:buFontTx/>
+                <a:buNone/>
+                <a:tabLst/>
+                <a:defRPr/>
+              </a:pPr>
+              <a:t>10</a:t>
+            </a:fld>
+            <a:endParaRPr kumimoji="0" lang="en-US" sz="1200" b="0" i="0" u="none" strike="noStrike" kern="1200" cap="none" spc="0" normalizeH="0" baseline="0" noProof="0">
+              <a:ln>
+                <a:noFill/>
+              </a:ln>
+              <a:solidFill>
+                <a:prstClr val="black"/>
+              </a:solidFill>
+              <a:effectLst/>
+              <a:uLnTx/>
+              <a:uFillTx/>
+              <a:latin typeface="Calibri" panose="020F0502020204030204"/>
+              <a:ea typeface="+mn-ea"/>
+              <a:cs typeface="+mn-cs"/>
+            </a:endParaRPr>
+          </a:p>
+        </p:txBody>
+      </p:sp>
+    </p:spTree>
+    <p:extLst>
+      <p:ext uri="{BB962C8B-B14F-4D97-AF65-F5344CB8AC3E}">
+        <p14:creationId xmlns:p14="http://schemas.microsoft.com/office/powerpoint/2010/main" val="3935741099"/>
+      </p:ext>
+    </p:extLst>
+  </p:cSld>
+  <p:clrMapOvr>
+    <a:masterClrMapping/>
+  </p:clrMapOvr>
+</p:notes>
+</file>
+
 <file path=ppt/slideLayouts/slideLayout1.xml><?xml version="1.0" encoding="utf-8"?>
 <p:sldLayout xmlns:a="http://schemas.openxmlformats.org/drawingml/2006/main" xmlns:r="http://schemas.openxmlformats.org/officeDocument/2006/relationships" xmlns:p="http://schemas.openxmlformats.org/presentationml/2006/main" type="title" preserve="1">
   <p:cSld name="Title Slide">
@@ -1077,7 +2097,7 @@
           <a:p>
             <a:fld id="{CE88D40F-0E01-46E3-A0A3-09B1E418DDBF}" type="datetimeFigureOut">
               <a:rPr lang="en-US" smtClean="0"/>
-              <a:t>9/8/2021</a:t>
+              <a:t>11/3/2021</a:t>
             </a:fld>
             <a:endParaRPr lang="en-US"/>
           </a:p>
@@ -1275,7 +2295,7 @@
           <a:p>
             <a:fld id="{CE88D40F-0E01-46E3-A0A3-09B1E418DDBF}" type="datetimeFigureOut">
               <a:rPr lang="en-US" smtClean="0"/>
-              <a:t>9/8/2021</a:t>
+              <a:t>11/3/2021</a:t>
             </a:fld>
             <a:endParaRPr lang="en-US"/>
           </a:p>
@@ -1483,7 +2503,7 @@
           <a:p>
             <a:fld id="{CE88D40F-0E01-46E3-A0A3-09B1E418DDBF}" type="datetimeFigureOut">
               <a:rPr lang="en-US" smtClean="0"/>
-              <a:t>9/8/2021</a:t>
+              <a:t>11/3/2021</a:t>
             </a:fld>
             <a:endParaRPr lang="en-US"/>
           </a:p>
@@ -2125,7 +3145,7 @@
           <a:p>
             <a:fld id="{CE88D40F-0E01-46E3-A0A3-09B1E418DDBF}" type="datetimeFigureOut">
               <a:rPr lang="en-US" smtClean="0"/>
-              <a:t>9/8/2021</a:t>
+              <a:t>11/3/2021</a:t>
             </a:fld>
             <a:endParaRPr lang="en-US"/>
           </a:p>
@@ -2400,7 +3420,7 @@
           <a:p>
             <a:fld id="{CE88D40F-0E01-46E3-A0A3-09B1E418DDBF}" type="datetimeFigureOut">
               <a:rPr lang="en-US" smtClean="0"/>
-              <a:t>9/8/2021</a:t>
+              <a:t>11/3/2021</a:t>
             </a:fld>
             <a:endParaRPr lang="en-US"/>
           </a:p>
@@ -2665,7 +3685,7 @@
           <a:p>
             <a:fld id="{CE88D40F-0E01-46E3-A0A3-09B1E418DDBF}" type="datetimeFigureOut">
               <a:rPr lang="en-US" smtClean="0"/>
-              <a:t>9/8/2021</a:t>
+              <a:t>11/3/2021</a:t>
             </a:fld>
             <a:endParaRPr lang="en-US"/>
           </a:p>
@@ -3077,7 +4097,7 @@
           <a:p>
             <a:fld id="{CE88D40F-0E01-46E3-A0A3-09B1E418DDBF}" type="datetimeFigureOut">
               <a:rPr lang="en-US" smtClean="0"/>
-              <a:t>9/8/2021</a:t>
+              <a:t>11/3/2021</a:t>
             </a:fld>
             <a:endParaRPr lang="en-US"/>
           </a:p>
@@ -3218,7 +4238,7 @@
           <a:p>
             <a:fld id="{CE88D40F-0E01-46E3-A0A3-09B1E418DDBF}" type="datetimeFigureOut">
               <a:rPr lang="en-US" smtClean="0"/>
-              <a:t>9/8/2021</a:t>
+              <a:t>11/3/2021</a:t>
             </a:fld>
             <a:endParaRPr lang="en-US"/>
           </a:p>
@@ -3331,7 +4351,7 @@
           <a:p>
             <a:fld id="{CE88D40F-0E01-46E3-A0A3-09B1E418DDBF}" type="datetimeFigureOut">
               <a:rPr lang="en-US" smtClean="0"/>
-              <a:t>9/8/2021</a:t>
+              <a:t>11/3/2021</a:t>
             </a:fld>
             <a:endParaRPr lang="en-US"/>
           </a:p>
@@ -3642,7 +4662,7 @@
           <a:p>
             <a:fld id="{CE88D40F-0E01-46E3-A0A3-09B1E418DDBF}" type="datetimeFigureOut">
               <a:rPr lang="en-US" smtClean="0"/>
-              <a:t>9/8/2021</a:t>
+              <a:t>11/3/2021</a:t>
             </a:fld>
             <a:endParaRPr lang="en-US"/>
           </a:p>
@@ -3930,7 +4950,7 @@
           <a:p>
             <a:fld id="{CE88D40F-0E01-46E3-A0A3-09B1E418DDBF}" type="datetimeFigureOut">
               <a:rPr lang="en-US" smtClean="0"/>
-              <a:t>9/8/2021</a:t>
+              <a:t>11/3/2021</a:t>
             </a:fld>
             <a:endParaRPr lang="en-US"/>
           </a:p>
@@ -4171,7 +5191,7 @@
           <a:p>
             <a:fld id="{CE88D40F-0E01-46E3-A0A3-09B1E418DDBF}" type="datetimeFigureOut">
               <a:rPr lang="en-US" smtClean="0"/>
-              <a:t>9/8/2021</a:t>
+              <a:t>11/3/2021</a:t>
             </a:fld>
             <a:endParaRPr lang="en-US"/>
           </a:p>
@@ -5755,7 +6775,7 @@
               <a:rPr lang="en" sz="2000" dirty="0">
                 <a:latin typeface="Comic Sans MS" panose="030F0702030302020204" pitchFamily="66" charset="0"/>
               </a:rPr>
-              <a:t>12.10.2021</a:t>
+              <a:t>03.11.2021</a:t>
             </a:r>
             <a:endParaRPr lang="en-US" sz="2000" dirty="0">
               <a:latin typeface="Comic Sans MS" panose="030F0702030302020204" pitchFamily="66" charset="0"/>
@@ -5829,6 +6849,2400 @@
     <p:extLst>
       <p:ext uri="{BB962C8B-B14F-4D97-AF65-F5344CB8AC3E}">
         <p14:creationId xmlns:p14="http://schemas.microsoft.com/office/powerpoint/2010/main" val="4153103452"/>
+      </p:ext>
+    </p:extLst>
+  </p:cSld>
+  <p:clrMapOvr>
+    <a:masterClrMapping/>
+  </p:clrMapOvr>
+</p:sld>
+</file>
+
+<file path=ppt/slides/slide10.xml><?xml version="1.0" encoding="utf-8"?>
+<p:sld xmlns:a="http://schemas.openxmlformats.org/drawingml/2006/main" xmlns:r="http://schemas.openxmlformats.org/officeDocument/2006/relationships" xmlns:p="http://schemas.openxmlformats.org/presentationml/2006/main">
+  <p:cSld>
+    <p:spTree>
+      <p:nvGrpSpPr>
+        <p:cNvPr id="1" name=""/>
+        <p:cNvGrpSpPr/>
+        <p:nvPr/>
+      </p:nvGrpSpPr>
+      <p:grpSpPr>
+        <a:xfrm>
+          <a:off x="0" y="0"/>
+          <a:ext cx="0" cy="0"/>
+          <a:chOff x="0" y="0"/>
+          <a:chExt cx="0" cy="0"/>
+        </a:xfrm>
+      </p:grpSpPr>
+      <p:pic>
+        <p:nvPicPr>
+          <p:cNvPr id="3" name="Picture 2">
+            <a:extLst>
+              <a:ext uri="{FF2B5EF4-FFF2-40B4-BE49-F238E27FC236}">
+                <a16:creationId xmlns:a16="http://schemas.microsoft.com/office/drawing/2014/main" id="{CFAD4C39-42D6-45D1-9E0D-E17B5050B154}"/>
+              </a:ext>
+            </a:extLst>
+          </p:cNvPr>
+          <p:cNvPicPr>
+            <a:picLocks noChangeAspect="1"/>
+          </p:cNvPicPr>
+          <p:nvPr/>
+        </p:nvPicPr>
+        <p:blipFill>
+          <a:blip r:embed="rId3"/>
+          <a:stretch>
+            <a:fillRect/>
+          </a:stretch>
+        </p:blipFill>
+        <p:spPr>
+          <a:xfrm>
+            <a:off x="2678915" y="1014786"/>
+            <a:ext cx="6527731" cy="4684974"/>
+          </a:xfrm>
+          <a:prstGeom prst="rect">
+            <a:avLst/>
+          </a:prstGeom>
+        </p:spPr>
+      </p:pic>
+    </p:spTree>
+    <p:extLst>
+      <p:ext uri="{BB962C8B-B14F-4D97-AF65-F5344CB8AC3E}">
+        <p14:creationId xmlns:p14="http://schemas.microsoft.com/office/powerpoint/2010/main" val="3656194001"/>
+      </p:ext>
+    </p:extLst>
+  </p:cSld>
+  <p:clrMapOvr>
+    <a:masterClrMapping/>
+  </p:clrMapOvr>
+</p:sld>
+</file>
+
+<file path=ppt/slides/slide11.xml><?xml version="1.0" encoding="utf-8"?>
+<p:sld xmlns:a="http://schemas.openxmlformats.org/drawingml/2006/main" xmlns:r="http://schemas.openxmlformats.org/officeDocument/2006/relationships" xmlns:p="http://schemas.openxmlformats.org/presentationml/2006/main">
+  <p:cSld>
+    <p:bg>
+      <p:bgPr>
+        <a:solidFill>
+          <a:schemeClr val="bg1"/>
+        </a:solidFill>
+        <a:effectLst/>
+      </p:bgPr>
+    </p:bg>
+    <p:spTree>
+      <p:nvGrpSpPr>
+        <p:cNvPr id="1" name=""/>
+        <p:cNvGrpSpPr/>
+        <p:nvPr/>
+      </p:nvGrpSpPr>
+      <p:grpSpPr>
+        <a:xfrm>
+          <a:off x="0" y="0"/>
+          <a:ext cx="0" cy="0"/>
+          <a:chOff x="0" y="0"/>
+          <a:chExt cx="0" cy="0"/>
+        </a:xfrm>
+      </p:grpSpPr>
+      <p:sp useBgFill="1">
+        <p:nvSpPr>
+          <p:cNvPr id="20" name="Rectangle 19">
+            <a:extLst>
+              <a:ext uri="{FF2B5EF4-FFF2-40B4-BE49-F238E27FC236}">
+                <a16:creationId xmlns:a16="http://schemas.microsoft.com/office/drawing/2014/main" id="{C4E4288A-DFC8-40A2-90E5-70E851A933AD}"/>
+              </a:ext>
+              <a:ext uri="{C183D7F6-B498-43B3-948B-1728B52AA6E4}">
+                <adec:decorative xmlns:adec="http://schemas.microsoft.com/office/drawing/2017/decorative" val="1"/>
+              </a:ext>
+            </a:extLst>
+          </p:cNvPr>
+          <p:cNvSpPr>
+            <a:spLocks noGrp="1" noRot="1" noChangeAspect="1" noMove="1" noResize="1" noEditPoints="1" noAdjustHandles="1" noChangeArrowheads="1" noChangeShapeType="1" noTextEdit="1"/>
+          </p:cNvSpPr>
+          <p:nvPr>
+            <p:extLst>
+              <p:ext uri="{386F3935-93C4-4BCD-93E2-E3B085C9AB24}">
+                <p16:designElem xmlns:p16="http://schemas.microsoft.com/office/powerpoint/2015/main" val="1"/>
+              </p:ext>
+            </p:extLst>
+          </p:nvPr>
+        </p:nvSpPr>
+        <p:spPr>
+          <a:xfrm>
+            <a:off x="0" y="0"/>
+            <a:ext cx="12192000" cy="6858000"/>
+          </a:xfrm>
+          <a:prstGeom prst="rect">
+            <a:avLst/>
+          </a:prstGeom>
+          <a:ln>
+            <a:noFill/>
+          </a:ln>
+        </p:spPr>
+        <p:style>
+          <a:lnRef idx="2">
+            <a:schemeClr val="accent1">
+              <a:shade val="50000"/>
+            </a:schemeClr>
+          </a:lnRef>
+          <a:fillRef idx="1">
+            <a:schemeClr val="accent1"/>
+          </a:fillRef>
+          <a:effectRef idx="0">
+            <a:schemeClr val="accent1"/>
+          </a:effectRef>
+          <a:fontRef idx="minor">
+            <a:schemeClr val="lt1"/>
+          </a:fontRef>
+        </p:style>
+        <p:txBody>
+          <a:bodyPr rtlCol="0" anchor="ctr"/>
+          <a:lstStyle/>
+          <a:p>
+            <a:pPr marL="0" marR="0" lvl="0" indent="0" algn="ctr" defTabSz="914400" rtl="0" eaLnBrk="1" fontAlgn="auto" latinLnBrk="0" hangingPunct="1">
+              <a:lnSpc>
+                <a:spcPct val="100000"/>
+              </a:lnSpc>
+              <a:spcBef>
+                <a:spcPts val="0"/>
+              </a:spcBef>
+              <a:spcAft>
+                <a:spcPts val="0"/>
+              </a:spcAft>
+              <a:buClrTx/>
+              <a:buSzTx/>
+              <a:buFontTx/>
+              <a:buNone/>
+              <a:tabLst/>
+              <a:defRPr/>
+            </a:pPr>
+            <a:endParaRPr kumimoji="0" lang="en-US" sz="1800" b="0" i="0" u="none" strike="noStrike" kern="1200" cap="none" spc="0" normalizeH="0" baseline="0" noProof="0">
+              <a:ln>
+                <a:noFill/>
+              </a:ln>
+              <a:solidFill>
+                <a:prstClr val="white"/>
+              </a:solidFill>
+              <a:effectLst/>
+              <a:uLnTx/>
+              <a:uFillTx/>
+              <a:latin typeface="Calibri" panose="020F0502020204030204"/>
+              <a:ea typeface="+mn-ea"/>
+              <a:cs typeface="+mn-cs"/>
+            </a:endParaRPr>
+          </a:p>
+        </p:txBody>
+      </p:sp>
+      <p:grpSp>
+        <p:nvGrpSpPr>
+          <p:cNvPr id="22" name="Group 21">
+            <a:extLst>
+              <a:ext uri="{FF2B5EF4-FFF2-40B4-BE49-F238E27FC236}">
+                <a16:creationId xmlns:a16="http://schemas.microsoft.com/office/drawing/2014/main" id="{B63C2D82-D4FA-4A37-BB01-1E7B21E4FF20}"/>
+              </a:ext>
+              <a:ext uri="{C183D7F6-B498-43B3-948B-1728B52AA6E4}">
+                <adec:decorative xmlns:adec="http://schemas.microsoft.com/office/drawing/2017/decorative" val="1"/>
+              </a:ext>
+            </a:extLst>
+          </p:cNvPr>
+          <p:cNvGrpSpPr>
+            <a:grpSpLocks noGrp="1" noUngrp="1" noRot="1" noChangeAspect="1" noMove="1" noResize="1"/>
+          </p:cNvGrpSpPr>
+          <p:nvPr>
+            <p:extLst>
+              <p:ext uri="{386F3935-93C4-4BCD-93E2-E3B085C9AB24}">
+                <p16:designElem xmlns:p16="http://schemas.microsoft.com/office/powerpoint/2015/main" val="1"/>
+              </p:ext>
+            </p:extLst>
+          </p:nvPr>
+        </p:nvGrpSpPr>
+        <p:grpSpPr>
+          <a:xfrm>
+            <a:off x="965199" y="634058"/>
+            <a:ext cx="1128382" cy="847206"/>
+            <a:chOff x="5307830" y="325570"/>
+            <a:chExt cx="1128382" cy="847206"/>
+          </a:xfrm>
+        </p:grpSpPr>
+        <p:sp>
+          <p:nvSpPr>
+            <p:cNvPr id="23" name="Freeform 5">
+              <a:extLst>
+                <a:ext uri="{FF2B5EF4-FFF2-40B4-BE49-F238E27FC236}">
+                  <a16:creationId xmlns:a16="http://schemas.microsoft.com/office/drawing/2014/main" id="{C94E7FEF-0CE9-4AC2-94BB-02230C6DC0DF}"/>
+                </a:ext>
+                <a:ext uri="{C183D7F6-B498-43B3-948B-1728B52AA6E4}">
+                  <adec:decorative xmlns:adec="http://schemas.microsoft.com/office/drawing/2017/decorative" val="1"/>
+                </a:ext>
+              </a:extLst>
+            </p:cNvPr>
+            <p:cNvSpPr>
+              <a:spLocks/>
+            </p:cNvSpPr>
+            <p:nvPr>
+              <p:extLst>
+                <p:ext uri="{386F3935-93C4-4BCD-93E2-E3B085C9AB24}">
+                  <p16:designElem xmlns:p16="http://schemas.microsoft.com/office/powerpoint/2015/main" val="1"/>
+                </p:ext>
+              </p:extLst>
+            </p:nvPr>
+          </p:nvSpPr>
+          <p:spPr bwMode="auto">
+            <a:xfrm>
+              <a:off x="5307830" y="577396"/>
+              <a:ext cx="675351" cy="595380"/>
+            </a:xfrm>
+            <a:custGeom>
+              <a:avLst/>
+              <a:gdLst>
+                <a:gd name="T0" fmla="*/ 225 w 785"/>
+                <a:gd name="T1" fmla="*/ 692 h 692"/>
+                <a:gd name="T2" fmla="*/ 177 w 785"/>
+                <a:gd name="T3" fmla="*/ 665 h 692"/>
+                <a:gd name="T4" fmla="*/ 9 w 785"/>
+                <a:gd name="T5" fmla="*/ 374 h 692"/>
+                <a:gd name="T6" fmla="*/ 9 w 785"/>
+                <a:gd name="T7" fmla="*/ 318 h 692"/>
+                <a:gd name="T8" fmla="*/ 177 w 785"/>
+                <a:gd name="T9" fmla="*/ 27 h 692"/>
+                <a:gd name="T10" fmla="*/ 225 w 785"/>
+                <a:gd name="T11" fmla="*/ 0 h 692"/>
+                <a:gd name="T12" fmla="*/ 561 w 785"/>
+                <a:gd name="T13" fmla="*/ 0 h 692"/>
+                <a:gd name="T14" fmla="*/ 609 w 785"/>
+                <a:gd name="T15" fmla="*/ 27 h 692"/>
+                <a:gd name="T16" fmla="*/ 777 w 785"/>
+                <a:gd name="T17" fmla="*/ 318 h 692"/>
+                <a:gd name="T18" fmla="*/ 777 w 785"/>
+                <a:gd name="T19" fmla="*/ 374 h 692"/>
+                <a:gd name="T20" fmla="*/ 609 w 785"/>
+                <a:gd name="T21" fmla="*/ 665 h 692"/>
+                <a:gd name="T22" fmla="*/ 561 w 785"/>
+                <a:gd name="T23" fmla="*/ 692 h 692"/>
+                <a:gd name="T24" fmla="*/ 225 w 785"/>
+                <a:gd name="T25" fmla="*/ 692 h 692"/>
+              </a:gdLst>
+              <a:ahLst/>
+              <a:cxnLst>
+                <a:cxn ang="0">
+                  <a:pos x="T0" y="T1"/>
+                </a:cxn>
+                <a:cxn ang="0">
+                  <a:pos x="T2" y="T3"/>
+                </a:cxn>
+                <a:cxn ang="0">
+                  <a:pos x="T4" y="T5"/>
+                </a:cxn>
+                <a:cxn ang="0">
+                  <a:pos x="T6" y="T7"/>
+                </a:cxn>
+                <a:cxn ang="0">
+                  <a:pos x="T8" y="T9"/>
+                </a:cxn>
+                <a:cxn ang="0">
+                  <a:pos x="T10" y="T11"/>
+                </a:cxn>
+                <a:cxn ang="0">
+                  <a:pos x="T12" y="T13"/>
+                </a:cxn>
+                <a:cxn ang="0">
+                  <a:pos x="T14" y="T15"/>
+                </a:cxn>
+                <a:cxn ang="0">
+                  <a:pos x="T16" y="T17"/>
+                </a:cxn>
+                <a:cxn ang="0">
+                  <a:pos x="T18" y="T19"/>
+                </a:cxn>
+                <a:cxn ang="0">
+                  <a:pos x="T20" y="T21"/>
+                </a:cxn>
+                <a:cxn ang="0">
+                  <a:pos x="T22" y="T23"/>
+                </a:cxn>
+                <a:cxn ang="0">
+                  <a:pos x="T24" y="T25"/>
+                </a:cxn>
+              </a:cxnLst>
+              <a:rect l="0" t="0" r="r" b="b"/>
+              <a:pathLst>
+                <a:path w="785" h="692">
+                  <a:moveTo>
+                    <a:pt x="225" y="692"/>
+                  </a:moveTo>
+                  <a:cubicBezTo>
+                    <a:pt x="207" y="692"/>
+                    <a:pt x="185" y="680"/>
+                    <a:pt x="177" y="665"/>
+                  </a:cubicBezTo>
+                  <a:cubicBezTo>
+                    <a:pt x="9" y="374"/>
+                    <a:pt x="9" y="374"/>
+                    <a:pt x="9" y="374"/>
+                  </a:cubicBezTo>
+                  <a:cubicBezTo>
+                    <a:pt x="0" y="358"/>
+                    <a:pt x="0" y="334"/>
+                    <a:pt x="9" y="318"/>
+                  </a:cubicBezTo>
+                  <a:cubicBezTo>
+                    <a:pt x="177" y="27"/>
+                    <a:pt x="177" y="27"/>
+                    <a:pt x="177" y="27"/>
+                  </a:cubicBezTo>
+                  <a:cubicBezTo>
+                    <a:pt x="185" y="12"/>
+                    <a:pt x="207" y="0"/>
+                    <a:pt x="225" y="0"/>
+                  </a:cubicBezTo>
+                  <a:cubicBezTo>
+                    <a:pt x="561" y="0"/>
+                    <a:pt x="561" y="0"/>
+                    <a:pt x="561" y="0"/>
+                  </a:cubicBezTo>
+                  <a:cubicBezTo>
+                    <a:pt x="578" y="0"/>
+                    <a:pt x="600" y="12"/>
+                    <a:pt x="609" y="27"/>
+                  </a:cubicBezTo>
+                  <a:cubicBezTo>
+                    <a:pt x="777" y="318"/>
+                    <a:pt x="777" y="318"/>
+                    <a:pt x="777" y="318"/>
+                  </a:cubicBezTo>
+                  <a:cubicBezTo>
+                    <a:pt x="785" y="334"/>
+                    <a:pt x="785" y="358"/>
+                    <a:pt x="777" y="374"/>
+                  </a:cubicBezTo>
+                  <a:cubicBezTo>
+                    <a:pt x="609" y="665"/>
+                    <a:pt x="609" y="665"/>
+                    <a:pt x="609" y="665"/>
+                  </a:cubicBezTo>
+                  <a:cubicBezTo>
+                    <a:pt x="600" y="680"/>
+                    <a:pt x="578" y="692"/>
+                    <a:pt x="561" y="692"/>
+                  </a:cubicBezTo>
+                  <a:lnTo>
+                    <a:pt x="225" y="692"/>
+                  </a:lnTo>
+                  <a:close/>
+                </a:path>
+              </a:pathLst>
+            </a:custGeom>
+            <a:noFill/>
+            <a:ln w="28575" cmpd="sng">
+              <a:solidFill>
+                <a:schemeClr val="tx1"/>
+              </a:solidFill>
+            </a:ln>
+          </p:spPr>
+          <p:txBody>
+            <a:bodyPr vert="horz" wrap="square" lIns="91440" tIns="45720" rIns="91440" bIns="45720" numCol="1" anchor="t" anchorCtr="0" compatLnSpc="1">
+              <a:prstTxWarp prst="textNoShape">
+                <a:avLst/>
+              </a:prstTxWarp>
+            </a:bodyPr>
+            <a:lstStyle/>
+            <a:p>
+              <a:pPr marL="0" marR="0" lvl="0" indent="0" algn="l" defTabSz="914400" rtl="0" eaLnBrk="1" fontAlgn="auto" latinLnBrk="0" hangingPunct="1">
+                <a:lnSpc>
+                  <a:spcPct val="100000"/>
+                </a:lnSpc>
+                <a:spcBef>
+                  <a:spcPts val="0"/>
+                </a:spcBef>
+                <a:spcAft>
+                  <a:spcPts val="0"/>
+                </a:spcAft>
+                <a:buClrTx/>
+                <a:buSzTx/>
+                <a:buFontTx/>
+                <a:buNone/>
+                <a:tabLst/>
+                <a:defRPr/>
+              </a:pPr>
+              <a:endParaRPr kumimoji="0" lang="en-US" sz="1800" b="0" i="0" u="none" strike="noStrike" kern="1200" cap="none" spc="0" normalizeH="0" baseline="0" noProof="0">
+                <a:ln>
+                  <a:noFill/>
+                </a:ln>
+                <a:solidFill>
+                  <a:prstClr val="black"/>
+                </a:solidFill>
+                <a:effectLst/>
+                <a:uLnTx/>
+                <a:uFillTx/>
+                <a:latin typeface="Calibri" panose="020F0502020204030204"/>
+                <a:ea typeface="+mn-ea"/>
+                <a:cs typeface="+mn-cs"/>
+              </a:endParaRPr>
+            </a:p>
+          </p:txBody>
+        </p:sp>
+        <p:sp>
+          <p:nvSpPr>
+            <p:cNvPr id="24" name="Freeform 5">
+              <a:extLst>
+                <a:ext uri="{FF2B5EF4-FFF2-40B4-BE49-F238E27FC236}">
+                  <a16:creationId xmlns:a16="http://schemas.microsoft.com/office/drawing/2014/main" id="{EB546CC0-C1BC-48D2-8DA9-4B60283165C9}"/>
+                </a:ext>
+                <a:ext uri="{C183D7F6-B498-43B3-948B-1728B52AA6E4}">
+                  <adec:decorative xmlns:adec="http://schemas.microsoft.com/office/drawing/2017/decorative" val="1"/>
+                </a:ext>
+              </a:extLst>
+            </p:cNvPr>
+            <p:cNvSpPr>
+              <a:spLocks/>
+            </p:cNvSpPr>
+            <p:nvPr>
+              <p:extLst>
+                <p:ext uri="{386F3935-93C4-4BCD-93E2-E3B085C9AB24}">
+                  <p16:designElem xmlns:p16="http://schemas.microsoft.com/office/powerpoint/2015/main" val="1"/>
+                </p:ext>
+              </p:extLst>
+            </p:nvPr>
+          </p:nvSpPr>
+          <p:spPr bwMode="auto">
+            <a:xfrm>
+              <a:off x="5885720" y="325570"/>
+              <a:ext cx="550492" cy="485306"/>
+            </a:xfrm>
+            <a:custGeom>
+              <a:avLst/>
+              <a:gdLst>
+                <a:gd name="T0" fmla="*/ 225 w 785"/>
+                <a:gd name="T1" fmla="*/ 692 h 692"/>
+                <a:gd name="T2" fmla="*/ 177 w 785"/>
+                <a:gd name="T3" fmla="*/ 665 h 692"/>
+                <a:gd name="T4" fmla="*/ 9 w 785"/>
+                <a:gd name="T5" fmla="*/ 374 h 692"/>
+                <a:gd name="T6" fmla="*/ 9 w 785"/>
+                <a:gd name="T7" fmla="*/ 318 h 692"/>
+                <a:gd name="T8" fmla="*/ 177 w 785"/>
+                <a:gd name="T9" fmla="*/ 27 h 692"/>
+                <a:gd name="T10" fmla="*/ 225 w 785"/>
+                <a:gd name="T11" fmla="*/ 0 h 692"/>
+                <a:gd name="T12" fmla="*/ 561 w 785"/>
+                <a:gd name="T13" fmla="*/ 0 h 692"/>
+                <a:gd name="T14" fmla="*/ 609 w 785"/>
+                <a:gd name="T15" fmla="*/ 27 h 692"/>
+                <a:gd name="T16" fmla="*/ 777 w 785"/>
+                <a:gd name="T17" fmla="*/ 318 h 692"/>
+                <a:gd name="T18" fmla="*/ 777 w 785"/>
+                <a:gd name="T19" fmla="*/ 374 h 692"/>
+                <a:gd name="T20" fmla="*/ 609 w 785"/>
+                <a:gd name="T21" fmla="*/ 665 h 692"/>
+                <a:gd name="T22" fmla="*/ 561 w 785"/>
+                <a:gd name="T23" fmla="*/ 692 h 692"/>
+                <a:gd name="T24" fmla="*/ 225 w 785"/>
+                <a:gd name="T25" fmla="*/ 692 h 692"/>
+              </a:gdLst>
+              <a:ahLst/>
+              <a:cxnLst>
+                <a:cxn ang="0">
+                  <a:pos x="T0" y="T1"/>
+                </a:cxn>
+                <a:cxn ang="0">
+                  <a:pos x="T2" y="T3"/>
+                </a:cxn>
+                <a:cxn ang="0">
+                  <a:pos x="T4" y="T5"/>
+                </a:cxn>
+                <a:cxn ang="0">
+                  <a:pos x="T6" y="T7"/>
+                </a:cxn>
+                <a:cxn ang="0">
+                  <a:pos x="T8" y="T9"/>
+                </a:cxn>
+                <a:cxn ang="0">
+                  <a:pos x="T10" y="T11"/>
+                </a:cxn>
+                <a:cxn ang="0">
+                  <a:pos x="T12" y="T13"/>
+                </a:cxn>
+                <a:cxn ang="0">
+                  <a:pos x="T14" y="T15"/>
+                </a:cxn>
+                <a:cxn ang="0">
+                  <a:pos x="T16" y="T17"/>
+                </a:cxn>
+                <a:cxn ang="0">
+                  <a:pos x="T18" y="T19"/>
+                </a:cxn>
+                <a:cxn ang="0">
+                  <a:pos x="T20" y="T21"/>
+                </a:cxn>
+                <a:cxn ang="0">
+                  <a:pos x="T22" y="T23"/>
+                </a:cxn>
+                <a:cxn ang="0">
+                  <a:pos x="T24" y="T25"/>
+                </a:cxn>
+              </a:cxnLst>
+              <a:rect l="0" t="0" r="r" b="b"/>
+              <a:pathLst>
+                <a:path w="785" h="692">
+                  <a:moveTo>
+                    <a:pt x="225" y="692"/>
+                  </a:moveTo>
+                  <a:cubicBezTo>
+                    <a:pt x="207" y="692"/>
+                    <a:pt x="185" y="680"/>
+                    <a:pt x="177" y="665"/>
+                  </a:cubicBezTo>
+                  <a:cubicBezTo>
+                    <a:pt x="9" y="374"/>
+                    <a:pt x="9" y="374"/>
+                    <a:pt x="9" y="374"/>
+                  </a:cubicBezTo>
+                  <a:cubicBezTo>
+                    <a:pt x="0" y="358"/>
+                    <a:pt x="0" y="334"/>
+                    <a:pt x="9" y="318"/>
+                  </a:cubicBezTo>
+                  <a:cubicBezTo>
+                    <a:pt x="177" y="27"/>
+                    <a:pt x="177" y="27"/>
+                    <a:pt x="177" y="27"/>
+                  </a:cubicBezTo>
+                  <a:cubicBezTo>
+                    <a:pt x="185" y="12"/>
+                    <a:pt x="207" y="0"/>
+                    <a:pt x="225" y="0"/>
+                  </a:cubicBezTo>
+                  <a:cubicBezTo>
+                    <a:pt x="561" y="0"/>
+                    <a:pt x="561" y="0"/>
+                    <a:pt x="561" y="0"/>
+                  </a:cubicBezTo>
+                  <a:cubicBezTo>
+                    <a:pt x="578" y="0"/>
+                    <a:pt x="600" y="12"/>
+                    <a:pt x="609" y="27"/>
+                  </a:cubicBezTo>
+                  <a:cubicBezTo>
+                    <a:pt x="777" y="318"/>
+                    <a:pt x="777" y="318"/>
+                    <a:pt x="777" y="318"/>
+                  </a:cubicBezTo>
+                  <a:cubicBezTo>
+                    <a:pt x="785" y="334"/>
+                    <a:pt x="785" y="358"/>
+                    <a:pt x="777" y="374"/>
+                  </a:cubicBezTo>
+                  <a:cubicBezTo>
+                    <a:pt x="609" y="665"/>
+                    <a:pt x="609" y="665"/>
+                    <a:pt x="609" y="665"/>
+                  </a:cubicBezTo>
+                  <a:cubicBezTo>
+                    <a:pt x="600" y="680"/>
+                    <a:pt x="578" y="692"/>
+                    <a:pt x="561" y="692"/>
+                  </a:cubicBezTo>
+                  <a:lnTo>
+                    <a:pt x="225" y="692"/>
+                  </a:lnTo>
+                  <a:close/>
+                </a:path>
+              </a:pathLst>
+            </a:custGeom>
+            <a:noFill/>
+            <a:ln w="28575" cmpd="sng">
+              <a:solidFill>
+                <a:schemeClr val="tx1"/>
+              </a:solidFill>
+            </a:ln>
+          </p:spPr>
+          <p:txBody>
+            <a:bodyPr vert="horz" wrap="square" lIns="91440" tIns="45720" rIns="91440" bIns="45720" numCol="1" anchor="t" anchorCtr="0" compatLnSpc="1">
+              <a:prstTxWarp prst="textNoShape">
+                <a:avLst/>
+              </a:prstTxWarp>
+            </a:bodyPr>
+            <a:lstStyle/>
+            <a:p>
+              <a:pPr marL="0" marR="0" lvl="0" indent="0" algn="l" defTabSz="914400" rtl="0" eaLnBrk="1" fontAlgn="auto" latinLnBrk="0" hangingPunct="1">
+                <a:lnSpc>
+                  <a:spcPct val="100000"/>
+                </a:lnSpc>
+                <a:spcBef>
+                  <a:spcPts val="0"/>
+                </a:spcBef>
+                <a:spcAft>
+                  <a:spcPts val="0"/>
+                </a:spcAft>
+                <a:buClrTx/>
+                <a:buSzTx/>
+                <a:buFontTx/>
+                <a:buNone/>
+                <a:tabLst/>
+                <a:defRPr/>
+              </a:pPr>
+              <a:endParaRPr kumimoji="0" lang="en-US" sz="1800" b="0" i="0" u="none" strike="noStrike" kern="1200" cap="none" spc="0" normalizeH="0" baseline="0" noProof="0">
+                <a:ln>
+                  <a:noFill/>
+                </a:ln>
+                <a:solidFill>
+                  <a:prstClr val="black"/>
+                </a:solidFill>
+                <a:effectLst/>
+                <a:uLnTx/>
+                <a:uFillTx/>
+                <a:latin typeface="Calibri" panose="020F0502020204030204"/>
+                <a:ea typeface="+mn-ea"/>
+                <a:cs typeface="+mn-cs"/>
+              </a:endParaRPr>
+            </a:p>
+          </p:txBody>
+        </p:sp>
+      </p:grpSp>
+      <p:sp>
+        <p:nvSpPr>
+          <p:cNvPr id="8" name="TextBox 7">
+            <a:extLst>
+              <a:ext uri="{FF2B5EF4-FFF2-40B4-BE49-F238E27FC236}">
+                <a16:creationId xmlns:a16="http://schemas.microsoft.com/office/drawing/2014/main" id="{04CA4DF5-C512-4233-8F08-3FDA86F8239A}"/>
+              </a:ext>
+            </a:extLst>
+          </p:cNvPr>
+          <p:cNvSpPr txBox="1"/>
+          <p:nvPr/>
+        </p:nvSpPr>
+        <p:spPr>
+          <a:xfrm>
+            <a:off x="748346" y="3545158"/>
+            <a:ext cx="6171566" cy="2581322"/>
+          </a:xfrm>
+          <a:prstGeom prst="rect">
+            <a:avLst/>
+          </a:prstGeom>
+        </p:spPr>
+        <p:txBody>
+          <a:bodyPr vert="horz" lIns="91440" tIns="45720" rIns="91440" bIns="45720" rtlCol="0" anchor="b">
+            <a:normAutofit/>
+          </a:bodyPr>
+          <a:lstStyle/>
+          <a:p>
+            <a:pPr marL="0" marR="0" lvl="0" indent="0" algn="l" defTabSz="914400" rtl="0" eaLnBrk="1" fontAlgn="auto" latinLnBrk="0" hangingPunct="1">
+              <a:lnSpc>
+                <a:spcPct val="90000"/>
+              </a:lnSpc>
+              <a:spcBef>
+                <a:spcPct val="0"/>
+              </a:spcBef>
+              <a:spcAft>
+                <a:spcPts val="600"/>
+              </a:spcAft>
+              <a:buClrTx/>
+              <a:buSzTx/>
+              <a:buFontTx/>
+              <a:buNone/>
+              <a:tabLst/>
+              <a:defRPr/>
+            </a:pPr>
+            <a:r>
+              <a:rPr kumimoji="0" lang="en-US" sz="4200" b="0" i="0" u="none" strike="noStrike" kern="1200" cap="none" spc="0" normalizeH="0" baseline="0" noProof="0" dirty="0">
+                <a:ln>
+                  <a:noFill/>
+                </a:ln>
+                <a:solidFill>
+                  <a:prstClr val="black"/>
+                </a:solidFill>
+                <a:effectLst/>
+                <a:uLnTx/>
+                <a:uFillTx/>
+                <a:latin typeface="Calibri Light" panose="020F0302020204030204"/>
+                <a:ea typeface="+mn-ea"/>
+                <a:cs typeface="+mn-cs"/>
+              </a:rPr>
+              <a:t>How to structure your repository?</a:t>
+            </a:r>
+          </a:p>
+        </p:txBody>
+      </p:sp>
+      <p:sp>
+        <p:nvSpPr>
+          <p:cNvPr id="26" name="Freeform 5">
+            <a:extLst>
+              <a:ext uri="{FF2B5EF4-FFF2-40B4-BE49-F238E27FC236}">
+                <a16:creationId xmlns:a16="http://schemas.microsoft.com/office/drawing/2014/main" id="{BD2BFF02-DF78-4F07-B176-52514E13127D}"/>
+              </a:ext>
+              <a:ext uri="{C183D7F6-B498-43B3-948B-1728B52AA6E4}">
+                <adec:decorative xmlns:adec="http://schemas.microsoft.com/office/drawing/2017/decorative" val="1"/>
+              </a:ext>
+            </a:extLst>
+          </p:cNvPr>
+          <p:cNvSpPr>
+            <a:spLocks noGrp="1" noRot="1" noChangeAspect="1" noMove="1" noResize="1" noEditPoints="1" noAdjustHandles="1" noChangeArrowheads="1" noChangeShapeType="1" noTextEdit="1"/>
+          </p:cNvSpPr>
+          <p:nvPr>
+            <p:extLst>
+              <p:ext uri="{386F3935-93C4-4BCD-93E2-E3B085C9AB24}">
+                <p16:designElem xmlns:p16="http://schemas.microsoft.com/office/powerpoint/2015/main" val="1"/>
+              </p:ext>
+            </p:extLst>
+          </p:nvPr>
+        </p:nvSpPr>
+        <p:spPr bwMode="auto">
+          <a:xfrm>
+            <a:off x="7062174" y="1653645"/>
+            <a:ext cx="4689240" cy="4115025"/>
+          </a:xfrm>
+          <a:custGeom>
+            <a:avLst/>
+            <a:gdLst>
+              <a:gd name="T0" fmla="*/ 781 w 1099"/>
+              <a:gd name="T1" fmla="*/ 0 h 968"/>
+              <a:gd name="T2" fmla="*/ 318 w 1099"/>
+              <a:gd name="T3" fmla="*/ 0 h 968"/>
+              <a:gd name="T4" fmla="*/ 246 w 1099"/>
+              <a:gd name="T5" fmla="*/ 42 h 968"/>
+              <a:gd name="T6" fmla="*/ 15 w 1099"/>
+              <a:gd name="T7" fmla="*/ 443 h 968"/>
+              <a:gd name="T8" fmla="*/ 15 w 1099"/>
+              <a:gd name="T9" fmla="*/ 525 h 968"/>
+              <a:gd name="T10" fmla="*/ 246 w 1099"/>
+              <a:gd name="T11" fmla="*/ 926 h 968"/>
+              <a:gd name="T12" fmla="*/ 318 w 1099"/>
+              <a:gd name="T13" fmla="*/ 968 h 968"/>
+              <a:gd name="T14" fmla="*/ 781 w 1099"/>
+              <a:gd name="T15" fmla="*/ 968 h 968"/>
+              <a:gd name="T16" fmla="*/ 852 w 1099"/>
+              <a:gd name="T17" fmla="*/ 926 h 968"/>
+              <a:gd name="T18" fmla="*/ 1084 w 1099"/>
+              <a:gd name="T19" fmla="*/ 525 h 968"/>
+              <a:gd name="T20" fmla="*/ 1084 w 1099"/>
+              <a:gd name="T21" fmla="*/ 443 h 968"/>
+              <a:gd name="T22" fmla="*/ 852 w 1099"/>
+              <a:gd name="T23" fmla="*/ 42 h 968"/>
+              <a:gd name="T24" fmla="*/ 781 w 1099"/>
+              <a:gd name="T25" fmla="*/ 0 h 968"/>
+            </a:gdLst>
+            <a:ahLst/>
+            <a:cxnLst>
+              <a:cxn ang="0">
+                <a:pos x="T0" y="T1"/>
+              </a:cxn>
+              <a:cxn ang="0">
+                <a:pos x="T2" y="T3"/>
+              </a:cxn>
+              <a:cxn ang="0">
+                <a:pos x="T4" y="T5"/>
+              </a:cxn>
+              <a:cxn ang="0">
+                <a:pos x="T6" y="T7"/>
+              </a:cxn>
+              <a:cxn ang="0">
+                <a:pos x="T8" y="T9"/>
+              </a:cxn>
+              <a:cxn ang="0">
+                <a:pos x="T10" y="T11"/>
+              </a:cxn>
+              <a:cxn ang="0">
+                <a:pos x="T12" y="T13"/>
+              </a:cxn>
+              <a:cxn ang="0">
+                <a:pos x="T14" y="T15"/>
+              </a:cxn>
+              <a:cxn ang="0">
+                <a:pos x="T16" y="T17"/>
+              </a:cxn>
+              <a:cxn ang="0">
+                <a:pos x="T18" y="T19"/>
+              </a:cxn>
+              <a:cxn ang="0">
+                <a:pos x="T20" y="T21"/>
+              </a:cxn>
+              <a:cxn ang="0">
+                <a:pos x="T22" y="T23"/>
+              </a:cxn>
+              <a:cxn ang="0">
+                <a:pos x="T24" y="T25"/>
+              </a:cxn>
+            </a:cxnLst>
+            <a:rect l="0" t="0" r="r" b="b"/>
+            <a:pathLst>
+              <a:path w="1099" h="968">
+                <a:moveTo>
+                  <a:pt x="781" y="0"/>
+                </a:moveTo>
+                <a:cubicBezTo>
+                  <a:pt x="318" y="0"/>
+                  <a:pt x="318" y="0"/>
+                  <a:pt x="318" y="0"/>
+                </a:cubicBezTo>
+                <a:cubicBezTo>
+                  <a:pt x="288" y="0"/>
+                  <a:pt x="261" y="16"/>
+                  <a:pt x="246" y="42"/>
+                </a:cubicBezTo>
+                <a:cubicBezTo>
+                  <a:pt x="15" y="443"/>
+                  <a:pt x="15" y="443"/>
+                  <a:pt x="15" y="443"/>
+                </a:cubicBezTo>
+                <a:cubicBezTo>
+                  <a:pt x="0" y="468"/>
+                  <a:pt x="0" y="500"/>
+                  <a:pt x="15" y="525"/>
+                </a:cubicBezTo>
+                <a:cubicBezTo>
+                  <a:pt x="246" y="926"/>
+                  <a:pt x="246" y="926"/>
+                  <a:pt x="246" y="926"/>
+                </a:cubicBezTo>
+                <a:cubicBezTo>
+                  <a:pt x="261" y="952"/>
+                  <a:pt x="288" y="968"/>
+                  <a:pt x="318" y="968"/>
+                </a:cubicBezTo>
+                <a:cubicBezTo>
+                  <a:pt x="781" y="968"/>
+                  <a:pt x="781" y="968"/>
+                  <a:pt x="781" y="968"/>
+                </a:cubicBezTo>
+                <a:cubicBezTo>
+                  <a:pt x="810" y="968"/>
+                  <a:pt x="838" y="952"/>
+                  <a:pt x="852" y="926"/>
+                </a:cubicBezTo>
+                <a:cubicBezTo>
+                  <a:pt x="1084" y="525"/>
+                  <a:pt x="1084" y="525"/>
+                  <a:pt x="1084" y="525"/>
+                </a:cubicBezTo>
+                <a:cubicBezTo>
+                  <a:pt x="1099" y="500"/>
+                  <a:pt x="1099" y="468"/>
+                  <a:pt x="1084" y="443"/>
+                </a:cubicBezTo>
+                <a:cubicBezTo>
+                  <a:pt x="852" y="42"/>
+                  <a:pt x="852" y="42"/>
+                  <a:pt x="852" y="42"/>
+                </a:cubicBezTo>
+                <a:cubicBezTo>
+                  <a:pt x="838" y="16"/>
+                  <a:pt x="810" y="0"/>
+                  <a:pt x="781" y="0"/>
+                </a:cubicBezTo>
+                <a:close/>
+              </a:path>
+            </a:pathLst>
+          </a:custGeom>
+          <a:noFill/>
+          <a:ln w="50800" cap="flat">
+            <a:solidFill>
+              <a:schemeClr val="tx1"/>
+            </a:solidFill>
+            <a:prstDash val="solid"/>
+            <a:miter lim="800000"/>
+            <a:headEnd/>
+            <a:tailEnd/>
+          </a:ln>
+        </p:spPr>
+        <p:txBody>
+          <a:bodyPr vert="horz" wrap="square" lIns="91440" tIns="45720" rIns="91440" bIns="45720" numCol="1" anchor="t" anchorCtr="0" compatLnSpc="1">
+            <a:prstTxWarp prst="textNoShape">
+              <a:avLst/>
+            </a:prstTxWarp>
+          </a:bodyPr>
+          <a:lstStyle/>
+          <a:p>
+            <a:pPr marL="0" marR="0" lvl="0" indent="0" algn="l" defTabSz="914400" rtl="0" eaLnBrk="1" fontAlgn="auto" latinLnBrk="0" hangingPunct="1">
+              <a:lnSpc>
+                <a:spcPct val="100000"/>
+              </a:lnSpc>
+              <a:spcBef>
+                <a:spcPts val="0"/>
+              </a:spcBef>
+              <a:spcAft>
+                <a:spcPts val="0"/>
+              </a:spcAft>
+              <a:buClrTx/>
+              <a:buSzTx/>
+              <a:buFontTx/>
+              <a:buNone/>
+              <a:tabLst/>
+              <a:defRPr/>
+            </a:pPr>
+            <a:endParaRPr kumimoji="0" lang="en-US" sz="1800" b="0" i="0" u="none" strike="noStrike" kern="1200" cap="none" spc="0" normalizeH="0" baseline="0" noProof="0" dirty="0">
+              <a:ln>
+                <a:noFill/>
+              </a:ln>
+              <a:solidFill>
+                <a:prstClr val="black"/>
+              </a:solidFill>
+              <a:effectLst/>
+              <a:uLnTx/>
+              <a:uFillTx/>
+              <a:latin typeface="Calibri" panose="020F0502020204030204"/>
+              <a:ea typeface="+mn-ea"/>
+              <a:cs typeface="+mn-cs"/>
+            </a:endParaRPr>
+          </a:p>
+        </p:txBody>
+      </p:sp>
+      <p:sp>
+        <p:nvSpPr>
+          <p:cNvPr id="28" name="Freeform: Shape 27">
+            <a:extLst>
+              <a:ext uri="{FF2B5EF4-FFF2-40B4-BE49-F238E27FC236}">
+                <a16:creationId xmlns:a16="http://schemas.microsoft.com/office/drawing/2014/main" id="{0DB06EAB-7D8C-403A-86C5-B5FD79A13650}"/>
+              </a:ext>
+              <a:ext uri="{C183D7F6-B498-43B3-948B-1728B52AA6E4}">
+                <adec:decorative xmlns:adec="http://schemas.microsoft.com/office/drawing/2017/decorative" val="1"/>
+              </a:ext>
+            </a:extLst>
+          </p:cNvPr>
+          <p:cNvSpPr>
+            <a:spLocks noGrp="1" noRot="1" noChangeAspect="1" noMove="1" noResize="1" noEditPoints="1" noAdjustHandles="1" noChangeArrowheads="1" noChangeShapeType="1" noTextEdit="1"/>
+          </p:cNvSpPr>
+          <p:nvPr>
+            <p:extLst>
+              <p:ext uri="{386F3935-93C4-4BCD-93E2-E3B085C9AB24}">
+                <p16:designElem xmlns:p16="http://schemas.microsoft.com/office/powerpoint/2015/main" val="1"/>
+              </p:ext>
+            </p:extLst>
+          </p:nvPr>
+        </p:nvSpPr>
+        <p:spPr>
+          <a:xfrm>
+            <a:off x="4542865" y="634058"/>
+            <a:ext cx="3154669" cy="2796247"/>
+          </a:xfrm>
+          <a:custGeom>
+            <a:avLst/>
+            <a:gdLst>
+              <a:gd name="connsiteX0" fmla="*/ 853538 w 2991693"/>
+              <a:gd name="connsiteY0" fmla="*/ 0 h 2651787"/>
+              <a:gd name="connsiteX1" fmla="*/ 2141030 w 2991693"/>
+              <a:gd name="connsiteY1" fmla="*/ 0 h 2651787"/>
+              <a:gd name="connsiteX2" fmla="*/ 2324957 w 2991693"/>
+              <a:gd name="connsiteY2" fmla="*/ 103466 h 2651787"/>
+              <a:gd name="connsiteX3" fmla="*/ 2968702 w 2991693"/>
+              <a:gd name="connsiteY3" fmla="*/ 1218596 h 2651787"/>
+              <a:gd name="connsiteX4" fmla="*/ 2968702 w 2991693"/>
+              <a:gd name="connsiteY4" fmla="*/ 1433192 h 2651787"/>
+              <a:gd name="connsiteX5" fmla="*/ 2324957 w 2991693"/>
+              <a:gd name="connsiteY5" fmla="*/ 2548321 h 2651787"/>
+              <a:gd name="connsiteX6" fmla="*/ 2141030 w 2991693"/>
+              <a:gd name="connsiteY6" fmla="*/ 2651787 h 2651787"/>
+              <a:gd name="connsiteX7" fmla="*/ 853538 w 2991693"/>
+              <a:gd name="connsiteY7" fmla="*/ 2651787 h 2651787"/>
+              <a:gd name="connsiteX8" fmla="*/ 669612 w 2991693"/>
+              <a:gd name="connsiteY8" fmla="*/ 2548321 h 2651787"/>
+              <a:gd name="connsiteX9" fmla="*/ 25866 w 2991693"/>
+              <a:gd name="connsiteY9" fmla="*/ 1433192 h 2651787"/>
+              <a:gd name="connsiteX10" fmla="*/ 25866 w 2991693"/>
+              <a:gd name="connsiteY10" fmla="*/ 1218596 h 2651787"/>
+              <a:gd name="connsiteX11" fmla="*/ 669612 w 2991693"/>
+              <a:gd name="connsiteY11" fmla="*/ 103466 h 2651787"/>
+              <a:gd name="connsiteX12" fmla="*/ 853538 w 2991693"/>
+              <a:gd name="connsiteY12" fmla="*/ 0 h 2651787"/>
+            </a:gdLst>
+            <a:ahLst/>
+            <a:cxnLst>
+              <a:cxn ang="0">
+                <a:pos x="connsiteX0" y="connsiteY0"/>
+              </a:cxn>
+              <a:cxn ang="0">
+                <a:pos x="connsiteX1" y="connsiteY1"/>
+              </a:cxn>
+              <a:cxn ang="0">
+                <a:pos x="connsiteX2" y="connsiteY2"/>
+              </a:cxn>
+              <a:cxn ang="0">
+                <a:pos x="connsiteX3" y="connsiteY3"/>
+              </a:cxn>
+              <a:cxn ang="0">
+                <a:pos x="connsiteX4" y="connsiteY4"/>
+              </a:cxn>
+              <a:cxn ang="0">
+                <a:pos x="connsiteX5" y="connsiteY5"/>
+              </a:cxn>
+              <a:cxn ang="0">
+                <a:pos x="connsiteX6" y="connsiteY6"/>
+              </a:cxn>
+              <a:cxn ang="0">
+                <a:pos x="connsiteX7" y="connsiteY7"/>
+              </a:cxn>
+              <a:cxn ang="0">
+                <a:pos x="connsiteX8" y="connsiteY8"/>
+              </a:cxn>
+              <a:cxn ang="0">
+                <a:pos x="connsiteX9" y="connsiteY9"/>
+              </a:cxn>
+              <a:cxn ang="0">
+                <a:pos x="connsiteX10" y="connsiteY10"/>
+              </a:cxn>
+              <a:cxn ang="0">
+                <a:pos x="connsiteX11" y="connsiteY11"/>
+              </a:cxn>
+              <a:cxn ang="0">
+                <a:pos x="connsiteX12" y="connsiteY12"/>
+              </a:cxn>
+            </a:cxnLst>
+            <a:rect l="l" t="t" r="r" b="b"/>
+            <a:pathLst>
+              <a:path w="2991693" h="2651787">
+                <a:moveTo>
+                  <a:pt x="853538" y="0"/>
+                </a:moveTo>
+                <a:cubicBezTo>
+                  <a:pt x="2141030" y="0"/>
+                  <a:pt x="2141030" y="0"/>
+                  <a:pt x="2141030" y="0"/>
+                </a:cubicBezTo>
+                <a:cubicBezTo>
+                  <a:pt x="2206170" y="0"/>
+                  <a:pt x="2290471" y="45985"/>
+                  <a:pt x="2324957" y="103466"/>
+                </a:cubicBezTo>
+                <a:cubicBezTo>
+                  <a:pt x="2968702" y="1218596"/>
+                  <a:pt x="2968702" y="1218596"/>
+                  <a:pt x="2968702" y="1218596"/>
+                </a:cubicBezTo>
+                <a:cubicBezTo>
+                  <a:pt x="2999357" y="1279909"/>
+                  <a:pt x="2999357" y="1371878"/>
+                  <a:pt x="2968702" y="1433192"/>
+                </a:cubicBezTo>
+                <a:cubicBezTo>
+                  <a:pt x="2324957" y="2548321"/>
+                  <a:pt x="2324957" y="2548321"/>
+                  <a:pt x="2324957" y="2548321"/>
+                </a:cubicBezTo>
+                <a:cubicBezTo>
+                  <a:pt x="2290471" y="2605803"/>
+                  <a:pt x="2206170" y="2651787"/>
+                  <a:pt x="2141030" y="2651787"/>
+                </a:cubicBezTo>
+                <a:lnTo>
+                  <a:pt x="853538" y="2651787"/>
+                </a:lnTo>
+                <a:cubicBezTo>
+                  <a:pt x="784566" y="2651787"/>
+                  <a:pt x="700266" y="2605803"/>
+                  <a:pt x="669612" y="2548321"/>
+                </a:cubicBezTo>
+                <a:cubicBezTo>
+                  <a:pt x="25866" y="1433192"/>
+                  <a:pt x="25866" y="1433192"/>
+                  <a:pt x="25866" y="1433192"/>
+                </a:cubicBezTo>
+                <a:cubicBezTo>
+                  <a:pt x="-8621" y="1371878"/>
+                  <a:pt x="-8621" y="1279909"/>
+                  <a:pt x="25866" y="1218596"/>
+                </a:cubicBezTo>
+                <a:cubicBezTo>
+                  <a:pt x="669612" y="103466"/>
+                  <a:pt x="669612" y="103466"/>
+                  <a:pt x="669612" y="103466"/>
+                </a:cubicBezTo>
+                <a:cubicBezTo>
+                  <a:pt x="700266" y="45985"/>
+                  <a:pt x="784566" y="0"/>
+                  <a:pt x="853538" y="0"/>
+                </a:cubicBezTo>
+                <a:close/>
+              </a:path>
+            </a:pathLst>
+          </a:custGeom>
+          <a:noFill/>
+          <a:ln w="50800" cap="flat">
+            <a:solidFill>
+              <a:schemeClr val="tx1"/>
+            </a:solidFill>
+            <a:prstDash val="solid"/>
+            <a:miter lim="800000"/>
+            <a:headEnd/>
+            <a:tailEnd/>
+          </a:ln>
+        </p:spPr>
+        <p:txBody>
+          <a:bodyPr vert="horz" wrap="square" lIns="91440" tIns="45720" rIns="91440" bIns="45720" numCol="1" anchor="t" anchorCtr="0" compatLnSpc="1">
+            <a:prstTxWarp prst="textNoShape">
+              <a:avLst/>
+            </a:prstTxWarp>
+          </a:bodyPr>
+          <a:lstStyle/>
+          <a:p>
+            <a:pPr marL="0" marR="0" lvl="0" indent="0" algn="l" defTabSz="914400" rtl="0" eaLnBrk="1" fontAlgn="auto" latinLnBrk="0" hangingPunct="1">
+              <a:lnSpc>
+                <a:spcPct val="100000"/>
+              </a:lnSpc>
+              <a:spcBef>
+                <a:spcPts val="0"/>
+              </a:spcBef>
+              <a:spcAft>
+                <a:spcPts val="0"/>
+              </a:spcAft>
+              <a:buClrTx/>
+              <a:buSzTx/>
+              <a:buFontTx/>
+              <a:buNone/>
+              <a:tabLst/>
+              <a:defRPr/>
+            </a:pPr>
+            <a:endParaRPr kumimoji="0" lang="en-US" sz="1800" b="0" i="0" u="none" strike="noStrike" kern="1200" cap="none" spc="0" normalizeH="0" baseline="0" noProof="0" dirty="0">
+              <a:ln>
+                <a:noFill/>
+              </a:ln>
+              <a:solidFill>
+                <a:prstClr val="black"/>
+              </a:solidFill>
+              <a:effectLst/>
+              <a:uLnTx/>
+              <a:uFillTx/>
+              <a:latin typeface="Calibri" panose="020F0502020204030204"/>
+              <a:ea typeface="+mn-ea"/>
+              <a:cs typeface="+mn-cs"/>
+            </a:endParaRPr>
+          </a:p>
+        </p:txBody>
+      </p:sp>
+      <p:pic>
+        <p:nvPicPr>
+          <p:cNvPr id="7" name="Picture 6">
+            <a:extLst>
+              <a:ext uri="{FF2B5EF4-FFF2-40B4-BE49-F238E27FC236}">
+                <a16:creationId xmlns:a16="http://schemas.microsoft.com/office/drawing/2014/main" id="{44155673-E4BF-4691-91EF-AF8288758CA5}"/>
+              </a:ext>
+            </a:extLst>
+          </p:cNvPr>
+          <p:cNvPicPr>
+            <a:picLocks noChangeAspect="1"/>
+          </p:cNvPicPr>
+          <p:nvPr/>
+        </p:nvPicPr>
+        <p:blipFill>
+          <a:blip r:embed="rId3"/>
+          <a:stretch>
+            <a:fillRect/>
+          </a:stretch>
+        </p:blipFill>
+        <p:spPr>
+          <a:xfrm>
+            <a:off x="8050038" y="2354401"/>
+            <a:ext cx="2713512" cy="2713512"/>
+          </a:xfrm>
+          <a:prstGeom prst="rect">
+            <a:avLst/>
+          </a:prstGeom>
+        </p:spPr>
+      </p:pic>
+      <p:pic>
+        <p:nvPicPr>
+          <p:cNvPr id="15" name="Picture 14" descr="Icon&#10;&#10;Description automatically generated">
+            <a:extLst>
+              <a:ext uri="{FF2B5EF4-FFF2-40B4-BE49-F238E27FC236}">
+                <a16:creationId xmlns:a16="http://schemas.microsoft.com/office/drawing/2014/main" id="{47014846-E21C-448F-BE26-C0C592F4C6E4}"/>
+              </a:ext>
+            </a:extLst>
+          </p:cNvPr>
+          <p:cNvPicPr>
+            <a:picLocks noChangeAspect="1"/>
+          </p:cNvPicPr>
+          <p:nvPr/>
+        </p:nvPicPr>
+        <p:blipFill>
+          <a:blip r:embed="rId4">
+            <a:extLst>
+              <a:ext uri="{28A0092B-C50C-407E-A947-70E740481C1C}">
+                <a14:useLocalDpi xmlns:a14="http://schemas.microsoft.com/office/drawing/2010/main" val="0"/>
+              </a:ext>
+            </a:extLst>
+          </a:blip>
+          <a:stretch>
+            <a:fillRect/>
+          </a:stretch>
+        </p:blipFill>
+        <p:spPr>
+          <a:xfrm>
+            <a:off x="5320485" y="1194006"/>
+            <a:ext cx="1599427" cy="1599427"/>
+          </a:xfrm>
+          <a:prstGeom prst="rect">
+            <a:avLst/>
+          </a:prstGeom>
+        </p:spPr>
+      </p:pic>
+    </p:spTree>
+    <p:extLst>
+      <p:ext uri="{BB962C8B-B14F-4D97-AF65-F5344CB8AC3E}">
+        <p14:creationId xmlns:p14="http://schemas.microsoft.com/office/powerpoint/2010/main" val="3904717136"/>
+      </p:ext>
+    </p:extLst>
+  </p:cSld>
+  <p:clrMapOvr>
+    <a:masterClrMapping/>
+  </p:clrMapOvr>
+</p:sld>
+</file>
+
+<file path=ppt/slides/slide12.xml><?xml version="1.0" encoding="utf-8"?>
+<p:sld xmlns:a="http://schemas.openxmlformats.org/drawingml/2006/main" xmlns:r="http://schemas.openxmlformats.org/officeDocument/2006/relationships" xmlns:p="http://schemas.openxmlformats.org/presentationml/2006/main">
+  <p:cSld>
+    <p:bg>
+      <p:bgPr>
+        <a:solidFill>
+          <a:schemeClr val="bg1"/>
+        </a:solidFill>
+        <a:effectLst/>
+      </p:bgPr>
+    </p:bg>
+    <p:spTree>
+      <p:nvGrpSpPr>
+        <p:cNvPr id="1" name=""/>
+        <p:cNvGrpSpPr/>
+        <p:nvPr/>
+      </p:nvGrpSpPr>
+      <p:grpSpPr>
+        <a:xfrm>
+          <a:off x="0" y="0"/>
+          <a:ext cx="0" cy="0"/>
+          <a:chOff x="0" y="0"/>
+          <a:chExt cx="0" cy="0"/>
+        </a:xfrm>
+      </p:grpSpPr>
+      <p:sp useBgFill="1">
+        <p:nvSpPr>
+          <p:cNvPr id="20" name="Rectangle 19">
+            <a:extLst>
+              <a:ext uri="{FF2B5EF4-FFF2-40B4-BE49-F238E27FC236}">
+                <a16:creationId xmlns:a16="http://schemas.microsoft.com/office/drawing/2014/main" id="{C4E4288A-DFC8-40A2-90E5-70E851A933AD}"/>
+              </a:ext>
+              <a:ext uri="{C183D7F6-B498-43B3-948B-1728B52AA6E4}">
+                <adec:decorative xmlns:adec="http://schemas.microsoft.com/office/drawing/2017/decorative" val="1"/>
+              </a:ext>
+            </a:extLst>
+          </p:cNvPr>
+          <p:cNvSpPr>
+            <a:spLocks noGrp="1" noRot="1" noChangeAspect="1" noMove="1" noResize="1" noEditPoints="1" noAdjustHandles="1" noChangeArrowheads="1" noChangeShapeType="1" noTextEdit="1"/>
+          </p:cNvSpPr>
+          <p:nvPr>
+            <p:extLst>
+              <p:ext uri="{386F3935-93C4-4BCD-93E2-E3B085C9AB24}">
+                <p16:designElem xmlns:p16="http://schemas.microsoft.com/office/powerpoint/2015/main" val="1"/>
+              </p:ext>
+            </p:extLst>
+          </p:nvPr>
+        </p:nvSpPr>
+        <p:spPr>
+          <a:xfrm>
+            <a:off x="0" y="0"/>
+            <a:ext cx="12192000" cy="6858000"/>
+          </a:xfrm>
+          <a:prstGeom prst="rect">
+            <a:avLst/>
+          </a:prstGeom>
+          <a:ln>
+            <a:noFill/>
+          </a:ln>
+        </p:spPr>
+        <p:style>
+          <a:lnRef idx="2">
+            <a:schemeClr val="accent1">
+              <a:shade val="50000"/>
+            </a:schemeClr>
+          </a:lnRef>
+          <a:fillRef idx="1">
+            <a:schemeClr val="accent1"/>
+          </a:fillRef>
+          <a:effectRef idx="0">
+            <a:schemeClr val="accent1"/>
+          </a:effectRef>
+          <a:fontRef idx="minor">
+            <a:schemeClr val="lt1"/>
+          </a:fontRef>
+        </p:style>
+        <p:txBody>
+          <a:bodyPr rtlCol="0" anchor="ctr"/>
+          <a:lstStyle/>
+          <a:p>
+            <a:pPr marL="0" marR="0" lvl="0" indent="0" algn="ctr" defTabSz="914400" rtl="0" eaLnBrk="1" fontAlgn="auto" latinLnBrk="0" hangingPunct="1">
+              <a:lnSpc>
+                <a:spcPct val="100000"/>
+              </a:lnSpc>
+              <a:spcBef>
+                <a:spcPts val="0"/>
+              </a:spcBef>
+              <a:spcAft>
+                <a:spcPts val="0"/>
+              </a:spcAft>
+              <a:buClrTx/>
+              <a:buSzTx/>
+              <a:buFontTx/>
+              <a:buNone/>
+              <a:tabLst/>
+              <a:defRPr/>
+            </a:pPr>
+            <a:endParaRPr kumimoji="0" lang="en-US" sz="1800" b="0" i="0" u="none" strike="noStrike" kern="1200" cap="none" spc="0" normalizeH="0" baseline="0" noProof="0">
+              <a:ln>
+                <a:noFill/>
+              </a:ln>
+              <a:solidFill>
+                <a:prstClr val="white"/>
+              </a:solidFill>
+              <a:effectLst/>
+              <a:uLnTx/>
+              <a:uFillTx/>
+              <a:latin typeface="Calibri" panose="020F0502020204030204"/>
+              <a:ea typeface="+mn-ea"/>
+              <a:cs typeface="+mn-cs"/>
+            </a:endParaRPr>
+          </a:p>
+        </p:txBody>
+      </p:sp>
+      <p:grpSp>
+        <p:nvGrpSpPr>
+          <p:cNvPr id="22" name="Group 21">
+            <a:extLst>
+              <a:ext uri="{FF2B5EF4-FFF2-40B4-BE49-F238E27FC236}">
+                <a16:creationId xmlns:a16="http://schemas.microsoft.com/office/drawing/2014/main" id="{B63C2D82-D4FA-4A37-BB01-1E7B21E4FF20}"/>
+              </a:ext>
+              <a:ext uri="{C183D7F6-B498-43B3-948B-1728B52AA6E4}">
+                <adec:decorative xmlns:adec="http://schemas.microsoft.com/office/drawing/2017/decorative" val="1"/>
+              </a:ext>
+            </a:extLst>
+          </p:cNvPr>
+          <p:cNvGrpSpPr>
+            <a:grpSpLocks noGrp="1" noUngrp="1" noRot="1" noChangeAspect="1" noMove="1" noResize="1"/>
+          </p:cNvGrpSpPr>
+          <p:nvPr>
+            <p:extLst>
+              <p:ext uri="{386F3935-93C4-4BCD-93E2-E3B085C9AB24}">
+                <p16:designElem xmlns:p16="http://schemas.microsoft.com/office/powerpoint/2015/main" val="1"/>
+              </p:ext>
+            </p:extLst>
+          </p:nvPr>
+        </p:nvGrpSpPr>
+        <p:grpSpPr>
+          <a:xfrm>
+            <a:off x="965199" y="634058"/>
+            <a:ext cx="1128382" cy="847206"/>
+            <a:chOff x="5307830" y="325570"/>
+            <a:chExt cx="1128382" cy="847206"/>
+          </a:xfrm>
+        </p:grpSpPr>
+        <p:sp>
+          <p:nvSpPr>
+            <p:cNvPr id="23" name="Freeform 5">
+              <a:extLst>
+                <a:ext uri="{FF2B5EF4-FFF2-40B4-BE49-F238E27FC236}">
+                  <a16:creationId xmlns:a16="http://schemas.microsoft.com/office/drawing/2014/main" id="{C94E7FEF-0CE9-4AC2-94BB-02230C6DC0DF}"/>
+                </a:ext>
+                <a:ext uri="{C183D7F6-B498-43B3-948B-1728B52AA6E4}">
+                  <adec:decorative xmlns:adec="http://schemas.microsoft.com/office/drawing/2017/decorative" val="1"/>
+                </a:ext>
+              </a:extLst>
+            </p:cNvPr>
+            <p:cNvSpPr>
+              <a:spLocks/>
+            </p:cNvSpPr>
+            <p:nvPr>
+              <p:extLst>
+                <p:ext uri="{386F3935-93C4-4BCD-93E2-E3B085C9AB24}">
+                  <p16:designElem xmlns:p16="http://schemas.microsoft.com/office/powerpoint/2015/main" val="1"/>
+                </p:ext>
+              </p:extLst>
+            </p:nvPr>
+          </p:nvSpPr>
+          <p:spPr bwMode="auto">
+            <a:xfrm>
+              <a:off x="5307830" y="577396"/>
+              <a:ext cx="675351" cy="595380"/>
+            </a:xfrm>
+            <a:custGeom>
+              <a:avLst/>
+              <a:gdLst>
+                <a:gd name="T0" fmla="*/ 225 w 785"/>
+                <a:gd name="T1" fmla="*/ 692 h 692"/>
+                <a:gd name="T2" fmla="*/ 177 w 785"/>
+                <a:gd name="T3" fmla="*/ 665 h 692"/>
+                <a:gd name="T4" fmla="*/ 9 w 785"/>
+                <a:gd name="T5" fmla="*/ 374 h 692"/>
+                <a:gd name="T6" fmla="*/ 9 w 785"/>
+                <a:gd name="T7" fmla="*/ 318 h 692"/>
+                <a:gd name="T8" fmla="*/ 177 w 785"/>
+                <a:gd name="T9" fmla="*/ 27 h 692"/>
+                <a:gd name="T10" fmla="*/ 225 w 785"/>
+                <a:gd name="T11" fmla="*/ 0 h 692"/>
+                <a:gd name="T12" fmla="*/ 561 w 785"/>
+                <a:gd name="T13" fmla="*/ 0 h 692"/>
+                <a:gd name="T14" fmla="*/ 609 w 785"/>
+                <a:gd name="T15" fmla="*/ 27 h 692"/>
+                <a:gd name="T16" fmla="*/ 777 w 785"/>
+                <a:gd name="T17" fmla="*/ 318 h 692"/>
+                <a:gd name="T18" fmla="*/ 777 w 785"/>
+                <a:gd name="T19" fmla="*/ 374 h 692"/>
+                <a:gd name="T20" fmla="*/ 609 w 785"/>
+                <a:gd name="T21" fmla="*/ 665 h 692"/>
+                <a:gd name="T22" fmla="*/ 561 w 785"/>
+                <a:gd name="T23" fmla="*/ 692 h 692"/>
+                <a:gd name="T24" fmla="*/ 225 w 785"/>
+                <a:gd name="T25" fmla="*/ 692 h 692"/>
+              </a:gdLst>
+              <a:ahLst/>
+              <a:cxnLst>
+                <a:cxn ang="0">
+                  <a:pos x="T0" y="T1"/>
+                </a:cxn>
+                <a:cxn ang="0">
+                  <a:pos x="T2" y="T3"/>
+                </a:cxn>
+                <a:cxn ang="0">
+                  <a:pos x="T4" y="T5"/>
+                </a:cxn>
+                <a:cxn ang="0">
+                  <a:pos x="T6" y="T7"/>
+                </a:cxn>
+                <a:cxn ang="0">
+                  <a:pos x="T8" y="T9"/>
+                </a:cxn>
+                <a:cxn ang="0">
+                  <a:pos x="T10" y="T11"/>
+                </a:cxn>
+                <a:cxn ang="0">
+                  <a:pos x="T12" y="T13"/>
+                </a:cxn>
+                <a:cxn ang="0">
+                  <a:pos x="T14" y="T15"/>
+                </a:cxn>
+                <a:cxn ang="0">
+                  <a:pos x="T16" y="T17"/>
+                </a:cxn>
+                <a:cxn ang="0">
+                  <a:pos x="T18" y="T19"/>
+                </a:cxn>
+                <a:cxn ang="0">
+                  <a:pos x="T20" y="T21"/>
+                </a:cxn>
+                <a:cxn ang="0">
+                  <a:pos x="T22" y="T23"/>
+                </a:cxn>
+                <a:cxn ang="0">
+                  <a:pos x="T24" y="T25"/>
+                </a:cxn>
+              </a:cxnLst>
+              <a:rect l="0" t="0" r="r" b="b"/>
+              <a:pathLst>
+                <a:path w="785" h="692">
+                  <a:moveTo>
+                    <a:pt x="225" y="692"/>
+                  </a:moveTo>
+                  <a:cubicBezTo>
+                    <a:pt x="207" y="692"/>
+                    <a:pt x="185" y="680"/>
+                    <a:pt x="177" y="665"/>
+                  </a:cubicBezTo>
+                  <a:cubicBezTo>
+                    <a:pt x="9" y="374"/>
+                    <a:pt x="9" y="374"/>
+                    <a:pt x="9" y="374"/>
+                  </a:cubicBezTo>
+                  <a:cubicBezTo>
+                    <a:pt x="0" y="358"/>
+                    <a:pt x="0" y="334"/>
+                    <a:pt x="9" y="318"/>
+                  </a:cubicBezTo>
+                  <a:cubicBezTo>
+                    <a:pt x="177" y="27"/>
+                    <a:pt x="177" y="27"/>
+                    <a:pt x="177" y="27"/>
+                  </a:cubicBezTo>
+                  <a:cubicBezTo>
+                    <a:pt x="185" y="12"/>
+                    <a:pt x="207" y="0"/>
+                    <a:pt x="225" y="0"/>
+                  </a:cubicBezTo>
+                  <a:cubicBezTo>
+                    <a:pt x="561" y="0"/>
+                    <a:pt x="561" y="0"/>
+                    <a:pt x="561" y="0"/>
+                  </a:cubicBezTo>
+                  <a:cubicBezTo>
+                    <a:pt x="578" y="0"/>
+                    <a:pt x="600" y="12"/>
+                    <a:pt x="609" y="27"/>
+                  </a:cubicBezTo>
+                  <a:cubicBezTo>
+                    <a:pt x="777" y="318"/>
+                    <a:pt x="777" y="318"/>
+                    <a:pt x="777" y="318"/>
+                  </a:cubicBezTo>
+                  <a:cubicBezTo>
+                    <a:pt x="785" y="334"/>
+                    <a:pt x="785" y="358"/>
+                    <a:pt x="777" y="374"/>
+                  </a:cubicBezTo>
+                  <a:cubicBezTo>
+                    <a:pt x="609" y="665"/>
+                    <a:pt x="609" y="665"/>
+                    <a:pt x="609" y="665"/>
+                  </a:cubicBezTo>
+                  <a:cubicBezTo>
+                    <a:pt x="600" y="680"/>
+                    <a:pt x="578" y="692"/>
+                    <a:pt x="561" y="692"/>
+                  </a:cubicBezTo>
+                  <a:lnTo>
+                    <a:pt x="225" y="692"/>
+                  </a:lnTo>
+                  <a:close/>
+                </a:path>
+              </a:pathLst>
+            </a:custGeom>
+            <a:noFill/>
+            <a:ln w="28575" cmpd="sng">
+              <a:solidFill>
+                <a:schemeClr val="tx1"/>
+              </a:solidFill>
+            </a:ln>
+          </p:spPr>
+          <p:txBody>
+            <a:bodyPr vert="horz" wrap="square" lIns="91440" tIns="45720" rIns="91440" bIns="45720" numCol="1" anchor="t" anchorCtr="0" compatLnSpc="1">
+              <a:prstTxWarp prst="textNoShape">
+                <a:avLst/>
+              </a:prstTxWarp>
+            </a:bodyPr>
+            <a:lstStyle/>
+            <a:p>
+              <a:pPr marL="0" marR="0" lvl="0" indent="0" algn="l" defTabSz="914400" rtl="0" eaLnBrk="1" fontAlgn="auto" latinLnBrk="0" hangingPunct="1">
+                <a:lnSpc>
+                  <a:spcPct val="100000"/>
+                </a:lnSpc>
+                <a:spcBef>
+                  <a:spcPts val="0"/>
+                </a:spcBef>
+                <a:spcAft>
+                  <a:spcPts val="0"/>
+                </a:spcAft>
+                <a:buClrTx/>
+                <a:buSzTx/>
+                <a:buFontTx/>
+                <a:buNone/>
+                <a:tabLst/>
+                <a:defRPr/>
+              </a:pPr>
+              <a:endParaRPr kumimoji="0" lang="en-US" sz="1800" b="0" i="0" u="none" strike="noStrike" kern="1200" cap="none" spc="0" normalizeH="0" baseline="0" noProof="0">
+                <a:ln>
+                  <a:noFill/>
+                </a:ln>
+                <a:solidFill>
+                  <a:prstClr val="black"/>
+                </a:solidFill>
+                <a:effectLst/>
+                <a:uLnTx/>
+                <a:uFillTx/>
+                <a:latin typeface="Calibri" panose="020F0502020204030204"/>
+                <a:ea typeface="+mn-ea"/>
+                <a:cs typeface="+mn-cs"/>
+              </a:endParaRPr>
+            </a:p>
+          </p:txBody>
+        </p:sp>
+        <p:sp>
+          <p:nvSpPr>
+            <p:cNvPr id="24" name="Freeform 5">
+              <a:extLst>
+                <a:ext uri="{FF2B5EF4-FFF2-40B4-BE49-F238E27FC236}">
+                  <a16:creationId xmlns:a16="http://schemas.microsoft.com/office/drawing/2014/main" id="{EB546CC0-C1BC-48D2-8DA9-4B60283165C9}"/>
+                </a:ext>
+                <a:ext uri="{C183D7F6-B498-43B3-948B-1728B52AA6E4}">
+                  <adec:decorative xmlns:adec="http://schemas.microsoft.com/office/drawing/2017/decorative" val="1"/>
+                </a:ext>
+              </a:extLst>
+            </p:cNvPr>
+            <p:cNvSpPr>
+              <a:spLocks/>
+            </p:cNvSpPr>
+            <p:nvPr>
+              <p:extLst>
+                <p:ext uri="{386F3935-93C4-4BCD-93E2-E3B085C9AB24}">
+                  <p16:designElem xmlns:p16="http://schemas.microsoft.com/office/powerpoint/2015/main" val="1"/>
+                </p:ext>
+              </p:extLst>
+            </p:nvPr>
+          </p:nvSpPr>
+          <p:spPr bwMode="auto">
+            <a:xfrm>
+              <a:off x="5885720" y="325570"/>
+              <a:ext cx="550492" cy="485306"/>
+            </a:xfrm>
+            <a:custGeom>
+              <a:avLst/>
+              <a:gdLst>
+                <a:gd name="T0" fmla="*/ 225 w 785"/>
+                <a:gd name="T1" fmla="*/ 692 h 692"/>
+                <a:gd name="T2" fmla="*/ 177 w 785"/>
+                <a:gd name="T3" fmla="*/ 665 h 692"/>
+                <a:gd name="T4" fmla="*/ 9 w 785"/>
+                <a:gd name="T5" fmla="*/ 374 h 692"/>
+                <a:gd name="T6" fmla="*/ 9 w 785"/>
+                <a:gd name="T7" fmla="*/ 318 h 692"/>
+                <a:gd name="T8" fmla="*/ 177 w 785"/>
+                <a:gd name="T9" fmla="*/ 27 h 692"/>
+                <a:gd name="T10" fmla="*/ 225 w 785"/>
+                <a:gd name="T11" fmla="*/ 0 h 692"/>
+                <a:gd name="T12" fmla="*/ 561 w 785"/>
+                <a:gd name="T13" fmla="*/ 0 h 692"/>
+                <a:gd name="T14" fmla="*/ 609 w 785"/>
+                <a:gd name="T15" fmla="*/ 27 h 692"/>
+                <a:gd name="T16" fmla="*/ 777 w 785"/>
+                <a:gd name="T17" fmla="*/ 318 h 692"/>
+                <a:gd name="T18" fmla="*/ 777 w 785"/>
+                <a:gd name="T19" fmla="*/ 374 h 692"/>
+                <a:gd name="T20" fmla="*/ 609 w 785"/>
+                <a:gd name="T21" fmla="*/ 665 h 692"/>
+                <a:gd name="T22" fmla="*/ 561 w 785"/>
+                <a:gd name="T23" fmla="*/ 692 h 692"/>
+                <a:gd name="T24" fmla="*/ 225 w 785"/>
+                <a:gd name="T25" fmla="*/ 692 h 692"/>
+              </a:gdLst>
+              <a:ahLst/>
+              <a:cxnLst>
+                <a:cxn ang="0">
+                  <a:pos x="T0" y="T1"/>
+                </a:cxn>
+                <a:cxn ang="0">
+                  <a:pos x="T2" y="T3"/>
+                </a:cxn>
+                <a:cxn ang="0">
+                  <a:pos x="T4" y="T5"/>
+                </a:cxn>
+                <a:cxn ang="0">
+                  <a:pos x="T6" y="T7"/>
+                </a:cxn>
+                <a:cxn ang="0">
+                  <a:pos x="T8" y="T9"/>
+                </a:cxn>
+                <a:cxn ang="0">
+                  <a:pos x="T10" y="T11"/>
+                </a:cxn>
+                <a:cxn ang="0">
+                  <a:pos x="T12" y="T13"/>
+                </a:cxn>
+                <a:cxn ang="0">
+                  <a:pos x="T14" y="T15"/>
+                </a:cxn>
+                <a:cxn ang="0">
+                  <a:pos x="T16" y="T17"/>
+                </a:cxn>
+                <a:cxn ang="0">
+                  <a:pos x="T18" y="T19"/>
+                </a:cxn>
+                <a:cxn ang="0">
+                  <a:pos x="T20" y="T21"/>
+                </a:cxn>
+                <a:cxn ang="0">
+                  <a:pos x="T22" y="T23"/>
+                </a:cxn>
+                <a:cxn ang="0">
+                  <a:pos x="T24" y="T25"/>
+                </a:cxn>
+              </a:cxnLst>
+              <a:rect l="0" t="0" r="r" b="b"/>
+              <a:pathLst>
+                <a:path w="785" h="692">
+                  <a:moveTo>
+                    <a:pt x="225" y="692"/>
+                  </a:moveTo>
+                  <a:cubicBezTo>
+                    <a:pt x="207" y="692"/>
+                    <a:pt x="185" y="680"/>
+                    <a:pt x="177" y="665"/>
+                  </a:cubicBezTo>
+                  <a:cubicBezTo>
+                    <a:pt x="9" y="374"/>
+                    <a:pt x="9" y="374"/>
+                    <a:pt x="9" y="374"/>
+                  </a:cubicBezTo>
+                  <a:cubicBezTo>
+                    <a:pt x="0" y="358"/>
+                    <a:pt x="0" y="334"/>
+                    <a:pt x="9" y="318"/>
+                  </a:cubicBezTo>
+                  <a:cubicBezTo>
+                    <a:pt x="177" y="27"/>
+                    <a:pt x="177" y="27"/>
+                    <a:pt x="177" y="27"/>
+                  </a:cubicBezTo>
+                  <a:cubicBezTo>
+                    <a:pt x="185" y="12"/>
+                    <a:pt x="207" y="0"/>
+                    <a:pt x="225" y="0"/>
+                  </a:cubicBezTo>
+                  <a:cubicBezTo>
+                    <a:pt x="561" y="0"/>
+                    <a:pt x="561" y="0"/>
+                    <a:pt x="561" y="0"/>
+                  </a:cubicBezTo>
+                  <a:cubicBezTo>
+                    <a:pt x="578" y="0"/>
+                    <a:pt x="600" y="12"/>
+                    <a:pt x="609" y="27"/>
+                  </a:cubicBezTo>
+                  <a:cubicBezTo>
+                    <a:pt x="777" y="318"/>
+                    <a:pt x="777" y="318"/>
+                    <a:pt x="777" y="318"/>
+                  </a:cubicBezTo>
+                  <a:cubicBezTo>
+                    <a:pt x="785" y="334"/>
+                    <a:pt x="785" y="358"/>
+                    <a:pt x="777" y="374"/>
+                  </a:cubicBezTo>
+                  <a:cubicBezTo>
+                    <a:pt x="609" y="665"/>
+                    <a:pt x="609" y="665"/>
+                    <a:pt x="609" y="665"/>
+                  </a:cubicBezTo>
+                  <a:cubicBezTo>
+                    <a:pt x="600" y="680"/>
+                    <a:pt x="578" y="692"/>
+                    <a:pt x="561" y="692"/>
+                  </a:cubicBezTo>
+                  <a:lnTo>
+                    <a:pt x="225" y="692"/>
+                  </a:lnTo>
+                  <a:close/>
+                </a:path>
+              </a:pathLst>
+            </a:custGeom>
+            <a:noFill/>
+            <a:ln w="28575" cmpd="sng">
+              <a:solidFill>
+                <a:schemeClr val="tx1"/>
+              </a:solidFill>
+            </a:ln>
+          </p:spPr>
+          <p:txBody>
+            <a:bodyPr vert="horz" wrap="square" lIns="91440" tIns="45720" rIns="91440" bIns="45720" numCol="1" anchor="t" anchorCtr="0" compatLnSpc="1">
+              <a:prstTxWarp prst="textNoShape">
+                <a:avLst/>
+              </a:prstTxWarp>
+            </a:bodyPr>
+            <a:lstStyle/>
+            <a:p>
+              <a:pPr marL="0" marR="0" lvl="0" indent="0" algn="l" defTabSz="914400" rtl="0" eaLnBrk="1" fontAlgn="auto" latinLnBrk="0" hangingPunct="1">
+                <a:lnSpc>
+                  <a:spcPct val="100000"/>
+                </a:lnSpc>
+                <a:spcBef>
+                  <a:spcPts val="0"/>
+                </a:spcBef>
+                <a:spcAft>
+                  <a:spcPts val="0"/>
+                </a:spcAft>
+                <a:buClrTx/>
+                <a:buSzTx/>
+                <a:buFontTx/>
+                <a:buNone/>
+                <a:tabLst/>
+                <a:defRPr/>
+              </a:pPr>
+              <a:endParaRPr kumimoji="0" lang="en-US" sz="1800" b="0" i="0" u="none" strike="noStrike" kern="1200" cap="none" spc="0" normalizeH="0" baseline="0" noProof="0">
+                <a:ln>
+                  <a:noFill/>
+                </a:ln>
+                <a:solidFill>
+                  <a:prstClr val="black"/>
+                </a:solidFill>
+                <a:effectLst/>
+                <a:uLnTx/>
+                <a:uFillTx/>
+                <a:latin typeface="Calibri" panose="020F0502020204030204"/>
+                <a:ea typeface="+mn-ea"/>
+                <a:cs typeface="+mn-cs"/>
+              </a:endParaRPr>
+            </a:p>
+          </p:txBody>
+        </p:sp>
+      </p:grpSp>
+      <p:sp>
+        <p:nvSpPr>
+          <p:cNvPr id="8" name="TextBox 7">
+            <a:extLst>
+              <a:ext uri="{FF2B5EF4-FFF2-40B4-BE49-F238E27FC236}">
+                <a16:creationId xmlns:a16="http://schemas.microsoft.com/office/drawing/2014/main" id="{04CA4DF5-C512-4233-8F08-3FDA86F8239A}"/>
+              </a:ext>
+            </a:extLst>
+          </p:cNvPr>
+          <p:cNvSpPr txBox="1"/>
+          <p:nvPr/>
+        </p:nvSpPr>
+        <p:spPr>
+          <a:xfrm>
+            <a:off x="614234" y="2354401"/>
+            <a:ext cx="4274710" cy="1522755"/>
+          </a:xfrm>
+          <a:prstGeom prst="rect">
+            <a:avLst/>
+          </a:prstGeom>
+        </p:spPr>
+        <p:txBody>
+          <a:bodyPr vert="horz" lIns="91440" tIns="45720" rIns="91440" bIns="45720" rtlCol="0" anchor="b">
+            <a:normAutofit/>
+          </a:bodyPr>
+          <a:lstStyle/>
+          <a:p>
+            <a:pPr marL="0" marR="0" lvl="0" indent="0" algn="l" defTabSz="914400" rtl="0" eaLnBrk="1" fontAlgn="auto" latinLnBrk="0" hangingPunct="1">
+              <a:lnSpc>
+                <a:spcPct val="90000"/>
+              </a:lnSpc>
+              <a:spcBef>
+                <a:spcPct val="0"/>
+              </a:spcBef>
+              <a:spcAft>
+                <a:spcPts val="600"/>
+              </a:spcAft>
+              <a:buClrTx/>
+              <a:buSzTx/>
+              <a:buFontTx/>
+              <a:buNone/>
+              <a:tabLst/>
+              <a:defRPr/>
+            </a:pPr>
+            <a:r>
+              <a:rPr kumimoji="0" lang="en-US" sz="4200" b="0" i="0" u="none" strike="noStrike" kern="1200" cap="none" spc="0" normalizeH="0" baseline="0" noProof="0" dirty="0">
+                <a:ln>
+                  <a:noFill/>
+                </a:ln>
+                <a:solidFill>
+                  <a:prstClr val="black"/>
+                </a:solidFill>
+                <a:effectLst/>
+                <a:uLnTx/>
+                <a:uFillTx/>
+                <a:latin typeface="Calibri Light" panose="020F0302020204030204"/>
+                <a:ea typeface="+mn-ea"/>
+                <a:cs typeface="+mn-cs"/>
+              </a:rPr>
+              <a:t>Labs 07-09</a:t>
+            </a:r>
+          </a:p>
+        </p:txBody>
+      </p:sp>
+      <p:sp>
+        <p:nvSpPr>
+          <p:cNvPr id="26" name="Freeform 5">
+            <a:extLst>
+              <a:ext uri="{FF2B5EF4-FFF2-40B4-BE49-F238E27FC236}">
+                <a16:creationId xmlns:a16="http://schemas.microsoft.com/office/drawing/2014/main" id="{BD2BFF02-DF78-4F07-B176-52514E13127D}"/>
+              </a:ext>
+              <a:ext uri="{C183D7F6-B498-43B3-948B-1728B52AA6E4}">
+                <adec:decorative xmlns:adec="http://schemas.microsoft.com/office/drawing/2017/decorative" val="1"/>
+              </a:ext>
+            </a:extLst>
+          </p:cNvPr>
+          <p:cNvSpPr>
+            <a:spLocks noGrp="1" noRot="1" noChangeAspect="1" noMove="1" noResize="1" noEditPoints="1" noAdjustHandles="1" noChangeArrowheads="1" noChangeShapeType="1" noTextEdit="1"/>
+          </p:cNvSpPr>
+          <p:nvPr>
+            <p:extLst>
+              <p:ext uri="{386F3935-93C4-4BCD-93E2-E3B085C9AB24}">
+                <p16:designElem xmlns:p16="http://schemas.microsoft.com/office/powerpoint/2015/main" val="1"/>
+              </p:ext>
+            </p:extLst>
+          </p:nvPr>
+        </p:nvSpPr>
+        <p:spPr bwMode="auto">
+          <a:xfrm>
+            <a:off x="7062174" y="1653645"/>
+            <a:ext cx="4689240" cy="4115025"/>
+          </a:xfrm>
+          <a:custGeom>
+            <a:avLst/>
+            <a:gdLst>
+              <a:gd name="T0" fmla="*/ 781 w 1099"/>
+              <a:gd name="T1" fmla="*/ 0 h 968"/>
+              <a:gd name="T2" fmla="*/ 318 w 1099"/>
+              <a:gd name="T3" fmla="*/ 0 h 968"/>
+              <a:gd name="T4" fmla="*/ 246 w 1099"/>
+              <a:gd name="T5" fmla="*/ 42 h 968"/>
+              <a:gd name="T6" fmla="*/ 15 w 1099"/>
+              <a:gd name="T7" fmla="*/ 443 h 968"/>
+              <a:gd name="T8" fmla="*/ 15 w 1099"/>
+              <a:gd name="T9" fmla="*/ 525 h 968"/>
+              <a:gd name="T10" fmla="*/ 246 w 1099"/>
+              <a:gd name="T11" fmla="*/ 926 h 968"/>
+              <a:gd name="T12" fmla="*/ 318 w 1099"/>
+              <a:gd name="T13" fmla="*/ 968 h 968"/>
+              <a:gd name="T14" fmla="*/ 781 w 1099"/>
+              <a:gd name="T15" fmla="*/ 968 h 968"/>
+              <a:gd name="T16" fmla="*/ 852 w 1099"/>
+              <a:gd name="T17" fmla="*/ 926 h 968"/>
+              <a:gd name="T18" fmla="*/ 1084 w 1099"/>
+              <a:gd name="T19" fmla="*/ 525 h 968"/>
+              <a:gd name="T20" fmla="*/ 1084 w 1099"/>
+              <a:gd name="T21" fmla="*/ 443 h 968"/>
+              <a:gd name="T22" fmla="*/ 852 w 1099"/>
+              <a:gd name="T23" fmla="*/ 42 h 968"/>
+              <a:gd name="T24" fmla="*/ 781 w 1099"/>
+              <a:gd name="T25" fmla="*/ 0 h 968"/>
+            </a:gdLst>
+            <a:ahLst/>
+            <a:cxnLst>
+              <a:cxn ang="0">
+                <a:pos x="T0" y="T1"/>
+              </a:cxn>
+              <a:cxn ang="0">
+                <a:pos x="T2" y="T3"/>
+              </a:cxn>
+              <a:cxn ang="0">
+                <a:pos x="T4" y="T5"/>
+              </a:cxn>
+              <a:cxn ang="0">
+                <a:pos x="T6" y="T7"/>
+              </a:cxn>
+              <a:cxn ang="0">
+                <a:pos x="T8" y="T9"/>
+              </a:cxn>
+              <a:cxn ang="0">
+                <a:pos x="T10" y="T11"/>
+              </a:cxn>
+              <a:cxn ang="0">
+                <a:pos x="T12" y="T13"/>
+              </a:cxn>
+              <a:cxn ang="0">
+                <a:pos x="T14" y="T15"/>
+              </a:cxn>
+              <a:cxn ang="0">
+                <a:pos x="T16" y="T17"/>
+              </a:cxn>
+              <a:cxn ang="0">
+                <a:pos x="T18" y="T19"/>
+              </a:cxn>
+              <a:cxn ang="0">
+                <a:pos x="T20" y="T21"/>
+              </a:cxn>
+              <a:cxn ang="0">
+                <a:pos x="T22" y="T23"/>
+              </a:cxn>
+              <a:cxn ang="0">
+                <a:pos x="T24" y="T25"/>
+              </a:cxn>
+            </a:cxnLst>
+            <a:rect l="0" t="0" r="r" b="b"/>
+            <a:pathLst>
+              <a:path w="1099" h="968">
+                <a:moveTo>
+                  <a:pt x="781" y="0"/>
+                </a:moveTo>
+                <a:cubicBezTo>
+                  <a:pt x="318" y="0"/>
+                  <a:pt x="318" y="0"/>
+                  <a:pt x="318" y="0"/>
+                </a:cubicBezTo>
+                <a:cubicBezTo>
+                  <a:pt x="288" y="0"/>
+                  <a:pt x="261" y="16"/>
+                  <a:pt x="246" y="42"/>
+                </a:cubicBezTo>
+                <a:cubicBezTo>
+                  <a:pt x="15" y="443"/>
+                  <a:pt x="15" y="443"/>
+                  <a:pt x="15" y="443"/>
+                </a:cubicBezTo>
+                <a:cubicBezTo>
+                  <a:pt x="0" y="468"/>
+                  <a:pt x="0" y="500"/>
+                  <a:pt x="15" y="525"/>
+                </a:cubicBezTo>
+                <a:cubicBezTo>
+                  <a:pt x="246" y="926"/>
+                  <a:pt x="246" y="926"/>
+                  <a:pt x="246" y="926"/>
+                </a:cubicBezTo>
+                <a:cubicBezTo>
+                  <a:pt x="261" y="952"/>
+                  <a:pt x="288" y="968"/>
+                  <a:pt x="318" y="968"/>
+                </a:cubicBezTo>
+                <a:cubicBezTo>
+                  <a:pt x="781" y="968"/>
+                  <a:pt x="781" y="968"/>
+                  <a:pt x="781" y="968"/>
+                </a:cubicBezTo>
+                <a:cubicBezTo>
+                  <a:pt x="810" y="968"/>
+                  <a:pt x="838" y="952"/>
+                  <a:pt x="852" y="926"/>
+                </a:cubicBezTo>
+                <a:cubicBezTo>
+                  <a:pt x="1084" y="525"/>
+                  <a:pt x="1084" y="525"/>
+                  <a:pt x="1084" y="525"/>
+                </a:cubicBezTo>
+                <a:cubicBezTo>
+                  <a:pt x="1099" y="500"/>
+                  <a:pt x="1099" y="468"/>
+                  <a:pt x="1084" y="443"/>
+                </a:cubicBezTo>
+                <a:cubicBezTo>
+                  <a:pt x="852" y="42"/>
+                  <a:pt x="852" y="42"/>
+                  <a:pt x="852" y="42"/>
+                </a:cubicBezTo>
+                <a:cubicBezTo>
+                  <a:pt x="838" y="16"/>
+                  <a:pt x="810" y="0"/>
+                  <a:pt x="781" y="0"/>
+                </a:cubicBezTo>
+                <a:close/>
+              </a:path>
+            </a:pathLst>
+          </a:custGeom>
+          <a:noFill/>
+          <a:ln w="50800" cap="flat">
+            <a:solidFill>
+              <a:schemeClr val="tx1"/>
+            </a:solidFill>
+            <a:prstDash val="solid"/>
+            <a:miter lim="800000"/>
+            <a:headEnd/>
+            <a:tailEnd/>
+          </a:ln>
+        </p:spPr>
+        <p:txBody>
+          <a:bodyPr vert="horz" wrap="square" lIns="91440" tIns="45720" rIns="91440" bIns="45720" numCol="1" anchor="t" anchorCtr="0" compatLnSpc="1">
+            <a:prstTxWarp prst="textNoShape">
+              <a:avLst/>
+            </a:prstTxWarp>
+          </a:bodyPr>
+          <a:lstStyle/>
+          <a:p>
+            <a:pPr marL="0" marR="0" lvl="0" indent="0" algn="l" defTabSz="914400" rtl="0" eaLnBrk="1" fontAlgn="auto" latinLnBrk="0" hangingPunct="1">
+              <a:lnSpc>
+                <a:spcPct val="100000"/>
+              </a:lnSpc>
+              <a:spcBef>
+                <a:spcPts val="0"/>
+              </a:spcBef>
+              <a:spcAft>
+                <a:spcPts val="0"/>
+              </a:spcAft>
+              <a:buClrTx/>
+              <a:buSzTx/>
+              <a:buFontTx/>
+              <a:buNone/>
+              <a:tabLst/>
+              <a:defRPr/>
+            </a:pPr>
+            <a:endParaRPr kumimoji="0" lang="en-US" sz="1800" b="0" i="0" u="none" strike="noStrike" kern="1200" cap="none" spc="0" normalizeH="0" baseline="0" noProof="0" dirty="0">
+              <a:ln>
+                <a:noFill/>
+              </a:ln>
+              <a:solidFill>
+                <a:prstClr val="black"/>
+              </a:solidFill>
+              <a:effectLst/>
+              <a:uLnTx/>
+              <a:uFillTx/>
+              <a:latin typeface="Calibri" panose="020F0502020204030204"/>
+              <a:ea typeface="+mn-ea"/>
+              <a:cs typeface="+mn-cs"/>
+            </a:endParaRPr>
+          </a:p>
+        </p:txBody>
+      </p:sp>
+      <p:sp>
+        <p:nvSpPr>
+          <p:cNvPr id="28" name="Freeform: Shape 27">
+            <a:extLst>
+              <a:ext uri="{FF2B5EF4-FFF2-40B4-BE49-F238E27FC236}">
+                <a16:creationId xmlns:a16="http://schemas.microsoft.com/office/drawing/2014/main" id="{0DB06EAB-7D8C-403A-86C5-B5FD79A13650}"/>
+              </a:ext>
+              <a:ext uri="{C183D7F6-B498-43B3-948B-1728B52AA6E4}">
+                <adec:decorative xmlns:adec="http://schemas.microsoft.com/office/drawing/2017/decorative" val="1"/>
+              </a:ext>
+            </a:extLst>
+          </p:cNvPr>
+          <p:cNvSpPr>
+            <a:spLocks noGrp="1" noRot="1" noChangeAspect="1" noMove="1" noResize="1" noEditPoints="1" noAdjustHandles="1" noChangeArrowheads="1" noChangeShapeType="1" noTextEdit="1"/>
+          </p:cNvSpPr>
+          <p:nvPr>
+            <p:extLst>
+              <p:ext uri="{386F3935-93C4-4BCD-93E2-E3B085C9AB24}">
+                <p16:designElem xmlns:p16="http://schemas.microsoft.com/office/powerpoint/2015/main" val="1"/>
+              </p:ext>
+            </p:extLst>
+          </p:nvPr>
+        </p:nvSpPr>
+        <p:spPr>
+          <a:xfrm>
+            <a:off x="4542865" y="634058"/>
+            <a:ext cx="3154669" cy="2796247"/>
+          </a:xfrm>
+          <a:custGeom>
+            <a:avLst/>
+            <a:gdLst>
+              <a:gd name="connsiteX0" fmla="*/ 853538 w 2991693"/>
+              <a:gd name="connsiteY0" fmla="*/ 0 h 2651787"/>
+              <a:gd name="connsiteX1" fmla="*/ 2141030 w 2991693"/>
+              <a:gd name="connsiteY1" fmla="*/ 0 h 2651787"/>
+              <a:gd name="connsiteX2" fmla="*/ 2324957 w 2991693"/>
+              <a:gd name="connsiteY2" fmla="*/ 103466 h 2651787"/>
+              <a:gd name="connsiteX3" fmla="*/ 2968702 w 2991693"/>
+              <a:gd name="connsiteY3" fmla="*/ 1218596 h 2651787"/>
+              <a:gd name="connsiteX4" fmla="*/ 2968702 w 2991693"/>
+              <a:gd name="connsiteY4" fmla="*/ 1433192 h 2651787"/>
+              <a:gd name="connsiteX5" fmla="*/ 2324957 w 2991693"/>
+              <a:gd name="connsiteY5" fmla="*/ 2548321 h 2651787"/>
+              <a:gd name="connsiteX6" fmla="*/ 2141030 w 2991693"/>
+              <a:gd name="connsiteY6" fmla="*/ 2651787 h 2651787"/>
+              <a:gd name="connsiteX7" fmla="*/ 853538 w 2991693"/>
+              <a:gd name="connsiteY7" fmla="*/ 2651787 h 2651787"/>
+              <a:gd name="connsiteX8" fmla="*/ 669612 w 2991693"/>
+              <a:gd name="connsiteY8" fmla="*/ 2548321 h 2651787"/>
+              <a:gd name="connsiteX9" fmla="*/ 25866 w 2991693"/>
+              <a:gd name="connsiteY9" fmla="*/ 1433192 h 2651787"/>
+              <a:gd name="connsiteX10" fmla="*/ 25866 w 2991693"/>
+              <a:gd name="connsiteY10" fmla="*/ 1218596 h 2651787"/>
+              <a:gd name="connsiteX11" fmla="*/ 669612 w 2991693"/>
+              <a:gd name="connsiteY11" fmla="*/ 103466 h 2651787"/>
+              <a:gd name="connsiteX12" fmla="*/ 853538 w 2991693"/>
+              <a:gd name="connsiteY12" fmla="*/ 0 h 2651787"/>
+            </a:gdLst>
+            <a:ahLst/>
+            <a:cxnLst>
+              <a:cxn ang="0">
+                <a:pos x="connsiteX0" y="connsiteY0"/>
+              </a:cxn>
+              <a:cxn ang="0">
+                <a:pos x="connsiteX1" y="connsiteY1"/>
+              </a:cxn>
+              <a:cxn ang="0">
+                <a:pos x="connsiteX2" y="connsiteY2"/>
+              </a:cxn>
+              <a:cxn ang="0">
+                <a:pos x="connsiteX3" y="connsiteY3"/>
+              </a:cxn>
+              <a:cxn ang="0">
+                <a:pos x="connsiteX4" y="connsiteY4"/>
+              </a:cxn>
+              <a:cxn ang="0">
+                <a:pos x="connsiteX5" y="connsiteY5"/>
+              </a:cxn>
+              <a:cxn ang="0">
+                <a:pos x="connsiteX6" y="connsiteY6"/>
+              </a:cxn>
+              <a:cxn ang="0">
+                <a:pos x="connsiteX7" y="connsiteY7"/>
+              </a:cxn>
+              <a:cxn ang="0">
+                <a:pos x="connsiteX8" y="connsiteY8"/>
+              </a:cxn>
+              <a:cxn ang="0">
+                <a:pos x="connsiteX9" y="connsiteY9"/>
+              </a:cxn>
+              <a:cxn ang="0">
+                <a:pos x="connsiteX10" y="connsiteY10"/>
+              </a:cxn>
+              <a:cxn ang="0">
+                <a:pos x="connsiteX11" y="connsiteY11"/>
+              </a:cxn>
+              <a:cxn ang="0">
+                <a:pos x="connsiteX12" y="connsiteY12"/>
+              </a:cxn>
+            </a:cxnLst>
+            <a:rect l="l" t="t" r="r" b="b"/>
+            <a:pathLst>
+              <a:path w="2991693" h="2651787">
+                <a:moveTo>
+                  <a:pt x="853538" y="0"/>
+                </a:moveTo>
+                <a:cubicBezTo>
+                  <a:pt x="2141030" y="0"/>
+                  <a:pt x="2141030" y="0"/>
+                  <a:pt x="2141030" y="0"/>
+                </a:cubicBezTo>
+                <a:cubicBezTo>
+                  <a:pt x="2206170" y="0"/>
+                  <a:pt x="2290471" y="45985"/>
+                  <a:pt x="2324957" y="103466"/>
+                </a:cubicBezTo>
+                <a:cubicBezTo>
+                  <a:pt x="2968702" y="1218596"/>
+                  <a:pt x="2968702" y="1218596"/>
+                  <a:pt x="2968702" y="1218596"/>
+                </a:cubicBezTo>
+                <a:cubicBezTo>
+                  <a:pt x="2999357" y="1279909"/>
+                  <a:pt x="2999357" y="1371878"/>
+                  <a:pt x="2968702" y="1433192"/>
+                </a:cubicBezTo>
+                <a:cubicBezTo>
+                  <a:pt x="2324957" y="2548321"/>
+                  <a:pt x="2324957" y="2548321"/>
+                  <a:pt x="2324957" y="2548321"/>
+                </a:cubicBezTo>
+                <a:cubicBezTo>
+                  <a:pt x="2290471" y="2605803"/>
+                  <a:pt x="2206170" y="2651787"/>
+                  <a:pt x="2141030" y="2651787"/>
+                </a:cubicBezTo>
+                <a:lnTo>
+                  <a:pt x="853538" y="2651787"/>
+                </a:lnTo>
+                <a:cubicBezTo>
+                  <a:pt x="784566" y="2651787"/>
+                  <a:pt x="700266" y="2605803"/>
+                  <a:pt x="669612" y="2548321"/>
+                </a:cubicBezTo>
+                <a:cubicBezTo>
+                  <a:pt x="25866" y="1433192"/>
+                  <a:pt x="25866" y="1433192"/>
+                  <a:pt x="25866" y="1433192"/>
+                </a:cubicBezTo>
+                <a:cubicBezTo>
+                  <a:pt x="-8621" y="1371878"/>
+                  <a:pt x="-8621" y="1279909"/>
+                  <a:pt x="25866" y="1218596"/>
+                </a:cubicBezTo>
+                <a:cubicBezTo>
+                  <a:pt x="669612" y="103466"/>
+                  <a:pt x="669612" y="103466"/>
+                  <a:pt x="669612" y="103466"/>
+                </a:cubicBezTo>
+                <a:cubicBezTo>
+                  <a:pt x="700266" y="45985"/>
+                  <a:pt x="784566" y="0"/>
+                  <a:pt x="853538" y="0"/>
+                </a:cubicBezTo>
+                <a:close/>
+              </a:path>
+            </a:pathLst>
+          </a:custGeom>
+          <a:noFill/>
+          <a:ln w="50800" cap="flat">
+            <a:solidFill>
+              <a:schemeClr val="tx1"/>
+            </a:solidFill>
+            <a:prstDash val="solid"/>
+            <a:miter lim="800000"/>
+            <a:headEnd/>
+            <a:tailEnd/>
+          </a:ln>
+        </p:spPr>
+        <p:txBody>
+          <a:bodyPr vert="horz" wrap="square" lIns="91440" tIns="45720" rIns="91440" bIns="45720" numCol="1" anchor="t" anchorCtr="0" compatLnSpc="1">
+            <a:prstTxWarp prst="textNoShape">
+              <a:avLst/>
+            </a:prstTxWarp>
+          </a:bodyPr>
+          <a:lstStyle/>
+          <a:p>
+            <a:pPr marL="0" marR="0" lvl="0" indent="0" algn="l" defTabSz="914400" rtl="0" eaLnBrk="1" fontAlgn="auto" latinLnBrk="0" hangingPunct="1">
+              <a:lnSpc>
+                <a:spcPct val="100000"/>
+              </a:lnSpc>
+              <a:spcBef>
+                <a:spcPts val="0"/>
+              </a:spcBef>
+              <a:spcAft>
+                <a:spcPts val="0"/>
+              </a:spcAft>
+              <a:buClrTx/>
+              <a:buSzTx/>
+              <a:buFontTx/>
+              <a:buNone/>
+              <a:tabLst/>
+              <a:defRPr/>
+            </a:pPr>
+            <a:endParaRPr kumimoji="0" lang="en-US" sz="1800" b="0" i="0" u="none" strike="noStrike" kern="1200" cap="none" spc="0" normalizeH="0" baseline="0" noProof="0" dirty="0">
+              <a:ln>
+                <a:noFill/>
+              </a:ln>
+              <a:solidFill>
+                <a:prstClr val="black"/>
+              </a:solidFill>
+              <a:effectLst/>
+              <a:uLnTx/>
+              <a:uFillTx/>
+              <a:latin typeface="Calibri" panose="020F0502020204030204"/>
+              <a:ea typeface="+mn-ea"/>
+              <a:cs typeface="+mn-cs"/>
+            </a:endParaRPr>
+          </a:p>
+        </p:txBody>
+      </p:sp>
+      <p:pic>
+        <p:nvPicPr>
+          <p:cNvPr id="7" name="Picture 6">
+            <a:extLst>
+              <a:ext uri="{FF2B5EF4-FFF2-40B4-BE49-F238E27FC236}">
+                <a16:creationId xmlns:a16="http://schemas.microsoft.com/office/drawing/2014/main" id="{44155673-E4BF-4691-91EF-AF8288758CA5}"/>
+              </a:ext>
+            </a:extLst>
+          </p:cNvPr>
+          <p:cNvPicPr>
+            <a:picLocks noChangeAspect="1"/>
+          </p:cNvPicPr>
+          <p:nvPr/>
+        </p:nvPicPr>
+        <p:blipFill>
+          <a:blip r:embed="rId3"/>
+          <a:stretch>
+            <a:fillRect/>
+          </a:stretch>
+        </p:blipFill>
+        <p:spPr>
+          <a:xfrm>
+            <a:off x="8050038" y="2354401"/>
+            <a:ext cx="2713512" cy="2713512"/>
+          </a:xfrm>
+          <a:prstGeom prst="rect">
+            <a:avLst/>
+          </a:prstGeom>
+        </p:spPr>
+      </p:pic>
+      <p:pic>
+        <p:nvPicPr>
+          <p:cNvPr id="15" name="Picture 14" descr="Icon&#10;&#10;Description automatically generated">
+            <a:extLst>
+              <a:ext uri="{FF2B5EF4-FFF2-40B4-BE49-F238E27FC236}">
+                <a16:creationId xmlns:a16="http://schemas.microsoft.com/office/drawing/2014/main" id="{47014846-E21C-448F-BE26-C0C592F4C6E4}"/>
+              </a:ext>
+            </a:extLst>
+          </p:cNvPr>
+          <p:cNvPicPr>
+            <a:picLocks noChangeAspect="1"/>
+          </p:cNvPicPr>
+          <p:nvPr/>
+        </p:nvPicPr>
+        <p:blipFill>
+          <a:blip r:embed="rId4">
+            <a:extLst>
+              <a:ext uri="{28A0092B-C50C-407E-A947-70E740481C1C}">
+                <a14:useLocalDpi xmlns:a14="http://schemas.microsoft.com/office/drawing/2010/main" val="0"/>
+              </a:ext>
+            </a:extLst>
+          </a:blip>
+          <a:stretch>
+            <a:fillRect/>
+          </a:stretch>
+        </p:blipFill>
+        <p:spPr>
+          <a:xfrm>
+            <a:off x="5320485" y="1194006"/>
+            <a:ext cx="1599427" cy="1599427"/>
+          </a:xfrm>
+          <a:prstGeom prst="rect">
+            <a:avLst/>
+          </a:prstGeom>
+        </p:spPr>
+      </p:pic>
+    </p:spTree>
+    <p:extLst>
+      <p:ext uri="{BB962C8B-B14F-4D97-AF65-F5344CB8AC3E}">
+        <p14:creationId xmlns:p14="http://schemas.microsoft.com/office/powerpoint/2010/main" val="921904081"/>
       </p:ext>
     </p:extLst>
   </p:cSld>
@@ -6619,7 +10033,7 @@
             </a:pPr>
             <a:r>
               <a:rPr lang="en-US" dirty="0"/>
-              <a:t>When you completed a lab, please post to the Conversation channel </a:t>
+              <a:t>When you done with lab, post to the Conversation channel </a:t>
             </a:r>
           </a:p>
           <a:p>
@@ -6734,6 +10148,3584 @@
     <p:extLst>
       <p:ext uri="{BB962C8B-B14F-4D97-AF65-F5344CB8AC3E}">
         <p14:creationId xmlns:p14="http://schemas.microsoft.com/office/powerpoint/2010/main" val="1022140202"/>
+      </p:ext>
+    </p:extLst>
+  </p:cSld>
+  <p:clrMapOvr>
+    <a:masterClrMapping/>
+  </p:clrMapOvr>
+</p:sld>
+</file>
+
+<file path=ppt/slides/slide6.xml><?xml version="1.0" encoding="utf-8"?>
+<p:sld xmlns:a="http://schemas.openxmlformats.org/drawingml/2006/main" xmlns:r="http://schemas.openxmlformats.org/officeDocument/2006/relationships" xmlns:p="http://schemas.openxmlformats.org/presentationml/2006/main">
+  <p:cSld>
+    <p:bg>
+      <p:bgPr>
+        <a:solidFill>
+          <a:schemeClr val="bg1"/>
+        </a:solidFill>
+        <a:effectLst/>
+      </p:bgPr>
+    </p:bg>
+    <p:spTree>
+      <p:nvGrpSpPr>
+        <p:cNvPr id="1" name=""/>
+        <p:cNvGrpSpPr/>
+        <p:nvPr/>
+      </p:nvGrpSpPr>
+      <p:grpSpPr>
+        <a:xfrm>
+          <a:off x="0" y="0"/>
+          <a:ext cx="0" cy="0"/>
+          <a:chOff x="0" y="0"/>
+          <a:chExt cx="0" cy="0"/>
+        </a:xfrm>
+      </p:grpSpPr>
+      <p:sp useBgFill="1">
+        <p:nvSpPr>
+          <p:cNvPr id="20" name="Rectangle 19">
+            <a:extLst>
+              <a:ext uri="{FF2B5EF4-FFF2-40B4-BE49-F238E27FC236}">
+                <a16:creationId xmlns:a16="http://schemas.microsoft.com/office/drawing/2014/main" id="{C4E4288A-DFC8-40A2-90E5-70E851A933AD}"/>
+              </a:ext>
+              <a:ext uri="{C183D7F6-B498-43B3-948B-1728B52AA6E4}">
+                <adec:decorative xmlns:adec="http://schemas.microsoft.com/office/drawing/2017/decorative" val="1"/>
+              </a:ext>
+            </a:extLst>
+          </p:cNvPr>
+          <p:cNvSpPr>
+            <a:spLocks noGrp="1" noRot="1" noChangeAspect="1" noMove="1" noResize="1" noEditPoints="1" noAdjustHandles="1" noChangeArrowheads="1" noChangeShapeType="1" noTextEdit="1"/>
+          </p:cNvSpPr>
+          <p:nvPr>
+            <p:extLst>
+              <p:ext uri="{386F3935-93C4-4BCD-93E2-E3B085C9AB24}">
+                <p16:designElem xmlns:p16="http://schemas.microsoft.com/office/powerpoint/2015/main" val="1"/>
+              </p:ext>
+            </p:extLst>
+          </p:nvPr>
+        </p:nvSpPr>
+        <p:spPr>
+          <a:xfrm>
+            <a:off x="0" y="0"/>
+            <a:ext cx="12192000" cy="6858000"/>
+          </a:xfrm>
+          <a:prstGeom prst="rect">
+            <a:avLst/>
+          </a:prstGeom>
+          <a:ln>
+            <a:noFill/>
+          </a:ln>
+        </p:spPr>
+        <p:style>
+          <a:lnRef idx="2">
+            <a:schemeClr val="accent1">
+              <a:shade val="50000"/>
+            </a:schemeClr>
+          </a:lnRef>
+          <a:fillRef idx="1">
+            <a:schemeClr val="accent1"/>
+          </a:fillRef>
+          <a:effectRef idx="0">
+            <a:schemeClr val="accent1"/>
+          </a:effectRef>
+          <a:fontRef idx="minor">
+            <a:schemeClr val="lt1"/>
+          </a:fontRef>
+        </p:style>
+        <p:txBody>
+          <a:bodyPr rtlCol="0" anchor="ctr"/>
+          <a:lstStyle/>
+          <a:p>
+            <a:pPr marL="0" marR="0" lvl="0" indent="0" algn="ctr" defTabSz="914400" rtl="0" eaLnBrk="1" fontAlgn="auto" latinLnBrk="0" hangingPunct="1">
+              <a:lnSpc>
+                <a:spcPct val="100000"/>
+              </a:lnSpc>
+              <a:spcBef>
+                <a:spcPts val="0"/>
+              </a:spcBef>
+              <a:spcAft>
+                <a:spcPts val="0"/>
+              </a:spcAft>
+              <a:buClrTx/>
+              <a:buSzTx/>
+              <a:buFontTx/>
+              <a:buNone/>
+              <a:tabLst/>
+              <a:defRPr/>
+            </a:pPr>
+            <a:endParaRPr kumimoji="0" lang="en-US" sz="1800" b="0" i="0" u="none" strike="noStrike" kern="1200" cap="none" spc="0" normalizeH="0" baseline="0" noProof="0">
+              <a:ln>
+                <a:noFill/>
+              </a:ln>
+              <a:solidFill>
+                <a:prstClr val="white"/>
+              </a:solidFill>
+              <a:effectLst/>
+              <a:uLnTx/>
+              <a:uFillTx/>
+              <a:latin typeface="Calibri" panose="020F0502020204030204"/>
+              <a:ea typeface="+mn-ea"/>
+              <a:cs typeface="+mn-cs"/>
+            </a:endParaRPr>
+          </a:p>
+        </p:txBody>
+      </p:sp>
+      <p:grpSp>
+        <p:nvGrpSpPr>
+          <p:cNvPr id="22" name="Group 21">
+            <a:extLst>
+              <a:ext uri="{FF2B5EF4-FFF2-40B4-BE49-F238E27FC236}">
+                <a16:creationId xmlns:a16="http://schemas.microsoft.com/office/drawing/2014/main" id="{B63C2D82-D4FA-4A37-BB01-1E7B21E4FF20}"/>
+              </a:ext>
+              <a:ext uri="{C183D7F6-B498-43B3-948B-1728B52AA6E4}">
+                <adec:decorative xmlns:adec="http://schemas.microsoft.com/office/drawing/2017/decorative" val="1"/>
+              </a:ext>
+            </a:extLst>
+          </p:cNvPr>
+          <p:cNvGrpSpPr>
+            <a:grpSpLocks noGrp="1" noUngrp="1" noRot="1" noChangeAspect="1" noMove="1" noResize="1"/>
+          </p:cNvGrpSpPr>
+          <p:nvPr>
+            <p:extLst>
+              <p:ext uri="{386F3935-93C4-4BCD-93E2-E3B085C9AB24}">
+                <p16:designElem xmlns:p16="http://schemas.microsoft.com/office/powerpoint/2015/main" val="1"/>
+              </p:ext>
+            </p:extLst>
+          </p:nvPr>
+        </p:nvGrpSpPr>
+        <p:grpSpPr>
+          <a:xfrm>
+            <a:off x="965199" y="634058"/>
+            <a:ext cx="1128382" cy="847206"/>
+            <a:chOff x="5307830" y="325570"/>
+            <a:chExt cx="1128382" cy="847206"/>
+          </a:xfrm>
+        </p:grpSpPr>
+        <p:sp>
+          <p:nvSpPr>
+            <p:cNvPr id="23" name="Freeform 5">
+              <a:extLst>
+                <a:ext uri="{FF2B5EF4-FFF2-40B4-BE49-F238E27FC236}">
+                  <a16:creationId xmlns:a16="http://schemas.microsoft.com/office/drawing/2014/main" id="{C94E7FEF-0CE9-4AC2-94BB-02230C6DC0DF}"/>
+                </a:ext>
+                <a:ext uri="{C183D7F6-B498-43B3-948B-1728B52AA6E4}">
+                  <adec:decorative xmlns:adec="http://schemas.microsoft.com/office/drawing/2017/decorative" val="1"/>
+                </a:ext>
+              </a:extLst>
+            </p:cNvPr>
+            <p:cNvSpPr>
+              <a:spLocks/>
+            </p:cNvSpPr>
+            <p:nvPr>
+              <p:extLst>
+                <p:ext uri="{386F3935-93C4-4BCD-93E2-E3B085C9AB24}">
+                  <p16:designElem xmlns:p16="http://schemas.microsoft.com/office/powerpoint/2015/main" val="1"/>
+                </p:ext>
+              </p:extLst>
+            </p:nvPr>
+          </p:nvSpPr>
+          <p:spPr bwMode="auto">
+            <a:xfrm>
+              <a:off x="5307830" y="577396"/>
+              <a:ext cx="675351" cy="595380"/>
+            </a:xfrm>
+            <a:custGeom>
+              <a:avLst/>
+              <a:gdLst>
+                <a:gd name="T0" fmla="*/ 225 w 785"/>
+                <a:gd name="T1" fmla="*/ 692 h 692"/>
+                <a:gd name="T2" fmla="*/ 177 w 785"/>
+                <a:gd name="T3" fmla="*/ 665 h 692"/>
+                <a:gd name="T4" fmla="*/ 9 w 785"/>
+                <a:gd name="T5" fmla="*/ 374 h 692"/>
+                <a:gd name="T6" fmla="*/ 9 w 785"/>
+                <a:gd name="T7" fmla="*/ 318 h 692"/>
+                <a:gd name="T8" fmla="*/ 177 w 785"/>
+                <a:gd name="T9" fmla="*/ 27 h 692"/>
+                <a:gd name="T10" fmla="*/ 225 w 785"/>
+                <a:gd name="T11" fmla="*/ 0 h 692"/>
+                <a:gd name="T12" fmla="*/ 561 w 785"/>
+                <a:gd name="T13" fmla="*/ 0 h 692"/>
+                <a:gd name="T14" fmla="*/ 609 w 785"/>
+                <a:gd name="T15" fmla="*/ 27 h 692"/>
+                <a:gd name="T16" fmla="*/ 777 w 785"/>
+                <a:gd name="T17" fmla="*/ 318 h 692"/>
+                <a:gd name="T18" fmla="*/ 777 w 785"/>
+                <a:gd name="T19" fmla="*/ 374 h 692"/>
+                <a:gd name="T20" fmla="*/ 609 w 785"/>
+                <a:gd name="T21" fmla="*/ 665 h 692"/>
+                <a:gd name="T22" fmla="*/ 561 w 785"/>
+                <a:gd name="T23" fmla="*/ 692 h 692"/>
+                <a:gd name="T24" fmla="*/ 225 w 785"/>
+                <a:gd name="T25" fmla="*/ 692 h 692"/>
+              </a:gdLst>
+              <a:ahLst/>
+              <a:cxnLst>
+                <a:cxn ang="0">
+                  <a:pos x="T0" y="T1"/>
+                </a:cxn>
+                <a:cxn ang="0">
+                  <a:pos x="T2" y="T3"/>
+                </a:cxn>
+                <a:cxn ang="0">
+                  <a:pos x="T4" y="T5"/>
+                </a:cxn>
+                <a:cxn ang="0">
+                  <a:pos x="T6" y="T7"/>
+                </a:cxn>
+                <a:cxn ang="0">
+                  <a:pos x="T8" y="T9"/>
+                </a:cxn>
+                <a:cxn ang="0">
+                  <a:pos x="T10" y="T11"/>
+                </a:cxn>
+                <a:cxn ang="0">
+                  <a:pos x="T12" y="T13"/>
+                </a:cxn>
+                <a:cxn ang="0">
+                  <a:pos x="T14" y="T15"/>
+                </a:cxn>
+                <a:cxn ang="0">
+                  <a:pos x="T16" y="T17"/>
+                </a:cxn>
+                <a:cxn ang="0">
+                  <a:pos x="T18" y="T19"/>
+                </a:cxn>
+                <a:cxn ang="0">
+                  <a:pos x="T20" y="T21"/>
+                </a:cxn>
+                <a:cxn ang="0">
+                  <a:pos x="T22" y="T23"/>
+                </a:cxn>
+                <a:cxn ang="0">
+                  <a:pos x="T24" y="T25"/>
+                </a:cxn>
+              </a:cxnLst>
+              <a:rect l="0" t="0" r="r" b="b"/>
+              <a:pathLst>
+                <a:path w="785" h="692">
+                  <a:moveTo>
+                    <a:pt x="225" y="692"/>
+                  </a:moveTo>
+                  <a:cubicBezTo>
+                    <a:pt x="207" y="692"/>
+                    <a:pt x="185" y="680"/>
+                    <a:pt x="177" y="665"/>
+                  </a:cubicBezTo>
+                  <a:cubicBezTo>
+                    <a:pt x="9" y="374"/>
+                    <a:pt x="9" y="374"/>
+                    <a:pt x="9" y="374"/>
+                  </a:cubicBezTo>
+                  <a:cubicBezTo>
+                    <a:pt x="0" y="358"/>
+                    <a:pt x="0" y="334"/>
+                    <a:pt x="9" y="318"/>
+                  </a:cubicBezTo>
+                  <a:cubicBezTo>
+                    <a:pt x="177" y="27"/>
+                    <a:pt x="177" y="27"/>
+                    <a:pt x="177" y="27"/>
+                  </a:cubicBezTo>
+                  <a:cubicBezTo>
+                    <a:pt x="185" y="12"/>
+                    <a:pt x="207" y="0"/>
+                    <a:pt x="225" y="0"/>
+                  </a:cubicBezTo>
+                  <a:cubicBezTo>
+                    <a:pt x="561" y="0"/>
+                    <a:pt x="561" y="0"/>
+                    <a:pt x="561" y="0"/>
+                  </a:cubicBezTo>
+                  <a:cubicBezTo>
+                    <a:pt x="578" y="0"/>
+                    <a:pt x="600" y="12"/>
+                    <a:pt x="609" y="27"/>
+                  </a:cubicBezTo>
+                  <a:cubicBezTo>
+                    <a:pt x="777" y="318"/>
+                    <a:pt x="777" y="318"/>
+                    <a:pt x="777" y="318"/>
+                  </a:cubicBezTo>
+                  <a:cubicBezTo>
+                    <a:pt x="785" y="334"/>
+                    <a:pt x="785" y="358"/>
+                    <a:pt x="777" y="374"/>
+                  </a:cubicBezTo>
+                  <a:cubicBezTo>
+                    <a:pt x="609" y="665"/>
+                    <a:pt x="609" y="665"/>
+                    <a:pt x="609" y="665"/>
+                  </a:cubicBezTo>
+                  <a:cubicBezTo>
+                    <a:pt x="600" y="680"/>
+                    <a:pt x="578" y="692"/>
+                    <a:pt x="561" y="692"/>
+                  </a:cubicBezTo>
+                  <a:lnTo>
+                    <a:pt x="225" y="692"/>
+                  </a:lnTo>
+                  <a:close/>
+                </a:path>
+              </a:pathLst>
+            </a:custGeom>
+            <a:noFill/>
+            <a:ln w="28575" cmpd="sng">
+              <a:solidFill>
+                <a:schemeClr val="tx1"/>
+              </a:solidFill>
+            </a:ln>
+          </p:spPr>
+          <p:txBody>
+            <a:bodyPr vert="horz" wrap="square" lIns="91440" tIns="45720" rIns="91440" bIns="45720" numCol="1" anchor="t" anchorCtr="0" compatLnSpc="1">
+              <a:prstTxWarp prst="textNoShape">
+                <a:avLst/>
+              </a:prstTxWarp>
+            </a:bodyPr>
+            <a:lstStyle/>
+            <a:p>
+              <a:pPr marL="0" marR="0" lvl="0" indent="0" algn="l" defTabSz="914400" rtl="0" eaLnBrk="1" fontAlgn="auto" latinLnBrk="0" hangingPunct="1">
+                <a:lnSpc>
+                  <a:spcPct val="100000"/>
+                </a:lnSpc>
+                <a:spcBef>
+                  <a:spcPts val="0"/>
+                </a:spcBef>
+                <a:spcAft>
+                  <a:spcPts val="0"/>
+                </a:spcAft>
+                <a:buClrTx/>
+                <a:buSzTx/>
+                <a:buFontTx/>
+                <a:buNone/>
+                <a:tabLst/>
+                <a:defRPr/>
+              </a:pPr>
+              <a:endParaRPr kumimoji="0" lang="en-US" sz="1800" b="0" i="0" u="none" strike="noStrike" kern="1200" cap="none" spc="0" normalizeH="0" baseline="0" noProof="0">
+                <a:ln>
+                  <a:noFill/>
+                </a:ln>
+                <a:solidFill>
+                  <a:prstClr val="black"/>
+                </a:solidFill>
+                <a:effectLst/>
+                <a:uLnTx/>
+                <a:uFillTx/>
+                <a:latin typeface="Calibri" panose="020F0502020204030204"/>
+                <a:ea typeface="+mn-ea"/>
+                <a:cs typeface="+mn-cs"/>
+              </a:endParaRPr>
+            </a:p>
+          </p:txBody>
+        </p:sp>
+        <p:sp>
+          <p:nvSpPr>
+            <p:cNvPr id="24" name="Freeform 5">
+              <a:extLst>
+                <a:ext uri="{FF2B5EF4-FFF2-40B4-BE49-F238E27FC236}">
+                  <a16:creationId xmlns:a16="http://schemas.microsoft.com/office/drawing/2014/main" id="{EB546CC0-C1BC-48D2-8DA9-4B60283165C9}"/>
+                </a:ext>
+                <a:ext uri="{C183D7F6-B498-43B3-948B-1728B52AA6E4}">
+                  <adec:decorative xmlns:adec="http://schemas.microsoft.com/office/drawing/2017/decorative" val="1"/>
+                </a:ext>
+              </a:extLst>
+            </p:cNvPr>
+            <p:cNvSpPr>
+              <a:spLocks/>
+            </p:cNvSpPr>
+            <p:nvPr>
+              <p:extLst>
+                <p:ext uri="{386F3935-93C4-4BCD-93E2-E3B085C9AB24}">
+                  <p16:designElem xmlns:p16="http://schemas.microsoft.com/office/powerpoint/2015/main" val="1"/>
+                </p:ext>
+              </p:extLst>
+            </p:nvPr>
+          </p:nvSpPr>
+          <p:spPr bwMode="auto">
+            <a:xfrm>
+              <a:off x="5885720" y="325570"/>
+              <a:ext cx="550492" cy="485306"/>
+            </a:xfrm>
+            <a:custGeom>
+              <a:avLst/>
+              <a:gdLst>
+                <a:gd name="T0" fmla="*/ 225 w 785"/>
+                <a:gd name="T1" fmla="*/ 692 h 692"/>
+                <a:gd name="T2" fmla="*/ 177 w 785"/>
+                <a:gd name="T3" fmla="*/ 665 h 692"/>
+                <a:gd name="T4" fmla="*/ 9 w 785"/>
+                <a:gd name="T5" fmla="*/ 374 h 692"/>
+                <a:gd name="T6" fmla="*/ 9 w 785"/>
+                <a:gd name="T7" fmla="*/ 318 h 692"/>
+                <a:gd name="T8" fmla="*/ 177 w 785"/>
+                <a:gd name="T9" fmla="*/ 27 h 692"/>
+                <a:gd name="T10" fmla="*/ 225 w 785"/>
+                <a:gd name="T11" fmla="*/ 0 h 692"/>
+                <a:gd name="T12" fmla="*/ 561 w 785"/>
+                <a:gd name="T13" fmla="*/ 0 h 692"/>
+                <a:gd name="T14" fmla="*/ 609 w 785"/>
+                <a:gd name="T15" fmla="*/ 27 h 692"/>
+                <a:gd name="T16" fmla="*/ 777 w 785"/>
+                <a:gd name="T17" fmla="*/ 318 h 692"/>
+                <a:gd name="T18" fmla="*/ 777 w 785"/>
+                <a:gd name="T19" fmla="*/ 374 h 692"/>
+                <a:gd name="T20" fmla="*/ 609 w 785"/>
+                <a:gd name="T21" fmla="*/ 665 h 692"/>
+                <a:gd name="T22" fmla="*/ 561 w 785"/>
+                <a:gd name="T23" fmla="*/ 692 h 692"/>
+                <a:gd name="T24" fmla="*/ 225 w 785"/>
+                <a:gd name="T25" fmla="*/ 692 h 692"/>
+              </a:gdLst>
+              <a:ahLst/>
+              <a:cxnLst>
+                <a:cxn ang="0">
+                  <a:pos x="T0" y="T1"/>
+                </a:cxn>
+                <a:cxn ang="0">
+                  <a:pos x="T2" y="T3"/>
+                </a:cxn>
+                <a:cxn ang="0">
+                  <a:pos x="T4" y="T5"/>
+                </a:cxn>
+                <a:cxn ang="0">
+                  <a:pos x="T6" y="T7"/>
+                </a:cxn>
+                <a:cxn ang="0">
+                  <a:pos x="T8" y="T9"/>
+                </a:cxn>
+                <a:cxn ang="0">
+                  <a:pos x="T10" y="T11"/>
+                </a:cxn>
+                <a:cxn ang="0">
+                  <a:pos x="T12" y="T13"/>
+                </a:cxn>
+                <a:cxn ang="0">
+                  <a:pos x="T14" y="T15"/>
+                </a:cxn>
+                <a:cxn ang="0">
+                  <a:pos x="T16" y="T17"/>
+                </a:cxn>
+                <a:cxn ang="0">
+                  <a:pos x="T18" y="T19"/>
+                </a:cxn>
+                <a:cxn ang="0">
+                  <a:pos x="T20" y="T21"/>
+                </a:cxn>
+                <a:cxn ang="0">
+                  <a:pos x="T22" y="T23"/>
+                </a:cxn>
+                <a:cxn ang="0">
+                  <a:pos x="T24" y="T25"/>
+                </a:cxn>
+              </a:cxnLst>
+              <a:rect l="0" t="0" r="r" b="b"/>
+              <a:pathLst>
+                <a:path w="785" h="692">
+                  <a:moveTo>
+                    <a:pt x="225" y="692"/>
+                  </a:moveTo>
+                  <a:cubicBezTo>
+                    <a:pt x="207" y="692"/>
+                    <a:pt x="185" y="680"/>
+                    <a:pt x="177" y="665"/>
+                  </a:cubicBezTo>
+                  <a:cubicBezTo>
+                    <a:pt x="9" y="374"/>
+                    <a:pt x="9" y="374"/>
+                    <a:pt x="9" y="374"/>
+                  </a:cubicBezTo>
+                  <a:cubicBezTo>
+                    <a:pt x="0" y="358"/>
+                    <a:pt x="0" y="334"/>
+                    <a:pt x="9" y="318"/>
+                  </a:cubicBezTo>
+                  <a:cubicBezTo>
+                    <a:pt x="177" y="27"/>
+                    <a:pt x="177" y="27"/>
+                    <a:pt x="177" y="27"/>
+                  </a:cubicBezTo>
+                  <a:cubicBezTo>
+                    <a:pt x="185" y="12"/>
+                    <a:pt x="207" y="0"/>
+                    <a:pt x="225" y="0"/>
+                  </a:cubicBezTo>
+                  <a:cubicBezTo>
+                    <a:pt x="561" y="0"/>
+                    <a:pt x="561" y="0"/>
+                    <a:pt x="561" y="0"/>
+                  </a:cubicBezTo>
+                  <a:cubicBezTo>
+                    <a:pt x="578" y="0"/>
+                    <a:pt x="600" y="12"/>
+                    <a:pt x="609" y="27"/>
+                  </a:cubicBezTo>
+                  <a:cubicBezTo>
+                    <a:pt x="777" y="318"/>
+                    <a:pt x="777" y="318"/>
+                    <a:pt x="777" y="318"/>
+                  </a:cubicBezTo>
+                  <a:cubicBezTo>
+                    <a:pt x="785" y="334"/>
+                    <a:pt x="785" y="358"/>
+                    <a:pt x="777" y="374"/>
+                  </a:cubicBezTo>
+                  <a:cubicBezTo>
+                    <a:pt x="609" y="665"/>
+                    <a:pt x="609" y="665"/>
+                    <a:pt x="609" y="665"/>
+                  </a:cubicBezTo>
+                  <a:cubicBezTo>
+                    <a:pt x="600" y="680"/>
+                    <a:pt x="578" y="692"/>
+                    <a:pt x="561" y="692"/>
+                  </a:cubicBezTo>
+                  <a:lnTo>
+                    <a:pt x="225" y="692"/>
+                  </a:lnTo>
+                  <a:close/>
+                </a:path>
+              </a:pathLst>
+            </a:custGeom>
+            <a:noFill/>
+            <a:ln w="28575" cmpd="sng">
+              <a:solidFill>
+                <a:schemeClr val="tx1"/>
+              </a:solidFill>
+            </a:ln>
+          </p:spPr>
+          <p:txBody>
+            <a:bodyPr vert="horz" wrap="square" lIns="91440" tIns="45720" rIns="91440" bIns="45720" numCol="1" anchor="t" anchorCtr="0" compatLnSpc="1">
+              <a:prstTxWarp prst="textNoShape">
+                <a:avLst/>
+              </a:prstTxWarp>
+            </a:bodyPr>
+            <a:lstStyle/>
+            <a:p>
+              <a:pPr marL="0" marR="0" lvl="0" indent="0" algn="l" defTabSz="914400" rtl="0" eaLnBrk="1" fontAlgn="auto" latinLnBrk="0" hangingPunct="1">
+                <a:lnSpc>
+                  <a:spcPct val="100000"/>
+                </a:lnSpc>
+                <a:spcBef>
+                  <a:spcPts val="0"/>
+                </a:spcBef>
+                <a:spcAft>
+                  <a:spcPts val="0"/>
+                </a:spcAft>
+                <a:buClrTx/>
+                <a:buSzTx/>
+                <a:buFontTx/>
+                <a:buNone/>
+                <a:tabLst/>
+                <a:defRPr/>
+              </a:pPr>
+              <a:endParaRPr kumimoji="0" lang="en-US" sz="1800" b="0" i="0" u="none" strike="noStrike" kern="1200" cap="none" spc="0" normalizeH="0" baseline="0" noProof="0">
+                <a:ln>
+                  <a:noFill/>
+                </a:ln>
+                <a:solidFill>
+                  <a:prstClr val="black"/>
+                </a:solidFill>
+                <a:effectLst/>
+                <a:uLnTx/>
+                <a:uFillTx/>
+                <a:latin typeface="Calibri" panose="020F0502020204030204"/>
+                <a:ea typeface="+mn-ea"/>
+                <a:cs typeface="+mn-cs"/>
+              </a:endParaRPr>
+            </a:p>
+          </p:txBody>
+        </p:sp>
+      </p:grpSp>
+      <p:sp>
+        <p:nvSpPr>
+          <p:cNvPr id="8" name="TextBox 7">
+            <a:extLst>
+              <a:ext uri="{FF2B5EF4-FFF2-40B4-BE49-F238E27FC236}">
+                <a16:creationId xmlns:a16="http://schemas.microsoft.com/office/drawing/2014/main" id="{04CA4DF5-C512-4233-8F08-3FDA86F8239A}"/>
+              </a:ext>
+            </a:extLst>
+          </p:cNvPr>
+          <p:cNvSpPr txBox="1"/>
+          <p:nvPr/>
+        </p:nvSpPr>
+        <p:spPr>
+          <a:xfrm>
+            <a:off x="614234" y="2354401"/>
+            <a:ext cx="4274710" cy="1522755"/>
+          </a:xfrm>
+          <a:prstGeom prst="rect">
+            <a:avLst/>
+          </a:prstGeom>
+        </p:spPr>
+        <p:txBody>
+          <a:bodyPr vert="horz" lIns="91440" tIns="45720" rIns="91440" bIns="45720" rtlCol="0" anchor="b">
+            <a:normAutofit/>
+          </a:bodyPr>
+          <a:lstStyle/>
+          <a:p>
+            <a:pPr marL="0" marR="0" lvl="0" indent="0" algn="l" defTabSz="914400" rtl="0" eaLnBrk="1" fontAlgn="auto" latinLnBrk="0" hangingPunct="1">
+              <a:lnSpc>
+                <a:spcPct val="90000"/>
+              </a:lnSpc>
+              <a:spcBef>
+                <a:spcPct val="0"/>
+              </a:spcBef>
+              <a:spcAft>
+                <a:spcPts val="600"/>
+              </a:spcAft>
+              <a:buClrTx/>
+              <a:buSzTx/>
+              <a:buFontTx/>
+              <a:buNone/>
+              <a:tabLst/>
+              <a:defRPr/>
+            </a:pPr>
+            <a:r>
+              <a:rPr kumimoji="0" lang="en-US" sz="4200" b="0" i="0" u="none" strike="noStrike" kern="1200" cap="none" spc="0" normalizeH="0" baseline="0" noProof="0" dirty="0" err="1">
+                <a:ln>
+                  <a:noFill/>
+                </a:ln>
+                <a:solidFill>
+                  <a:prstClr val="black"/>
+                </a:solidFill>
+                <a:effectLst/>
+                <a:uLnTx/>
+                <a:uFillTx/>
+                <a:latin typeface="Calibri Light" panose="020F0302020204030204"/>
+                <a:ea typeface="+mn-ea"/>
+                <a:cs typeface="+mn-cs"/>
+              </a:rPr>
+              <a:t>GitOps</a:t>
+            </a:r>
+            <a:r>
+              <a:rPr kumimoji="0" lang="en-US" sz="4200" b="0" i="0" u="none" strike="noStrike" kern="1200" cap="none" spc="0" normalizeH="0" baseline="0" noProof="0" dirty="0">
+                <a:ln>
+                  <a:noFill/>
+                </a:ln>
+                <a:solidFill>
+                  <a:prstClr val="black"/>
+                </a:solidFill>
+                <a:effectLst/>
+                <a:uLnTx/>
+                <a:uFillTx/>
+                <a:latin typeface="Calibri Light" panose="020F0302020204030204"/>
+                <a:ea typeface="+mn-ea"/>
+                <a:cs typeface="+mn-cs"/>
+              </a:rPr>
+              <a:t> with Flux</a:t>
+            </a:r>
+          </a:p>
+        </p:txBody>
+      </p:sp>
+      <p:sp>
+        <p:nvSpPr>
+          <p:cNvPr id="26" name="Freeform 5">
+            <a:extLst>
+              <a:ext uri="{FF2B5EF4-FFF2-40B4-BE49-F238E27FC236}">
+                <a16:creationId xmlns:a16="http://schemas.microsoft.com/office/drawing/2014/main" id="{BD2BFF02-DF78-4F07-B176-52514E13127D}"/>
+              </a:ext>
+              <a:ext uri="{C183D7F6-B498-43B3-948B-1728B52AA6E4}">
+                <adec:decorative xmlns:adec="http://schemas.microsoft.com/office/drawing/2017/decorative" val="1"/>
+              </a:ext>
+            </a:extLst>
+          </p:cNvPr>
+          <p:cNvSpPr>
+            <a:spLocks noGrp="1" noRot="1" noChangeAspect="1" noMove="1" noResize="1" noEditPoints="1" noAdjustHandles="1" noChangeArrowheads="1" noChangeShapeType="1" noTextEdit="1"/>
+          </p:cNvSpPr>
+          <p:nvPr>
+            <p:extLst>
+              <p:ext uri="{386F3935-93C4-4BCD-93E2-E3B085C9AB24}">
+                <p16:designElem xmlns:p16="http://schemas.microsoft.com/office/powerpoint/2015/main" val="1"/>
+              </p:ext>
+            </p:extLst>
+          </p:nvPr>
+        </p:nvSpPr>
+        <p:spPr bwMode="auto">
+          <a:xfrm>
+            <a:off x="7062174" y="1653645"/>
+            <a:ext cx="4689240" cy="4115025"/>
+          </a:xfrm>
+          <a:custGeom>
+            <a:avLst/>
+            <a:gdLst>
+              <a:gd name="T0" fmla="*/ 781 w 1099"/>
+              <a:gd name="T1" fmla="*/ 0 h 968"/>
+              <a:gd name="T2" fmla="*/ 318 w 1099"/>
+              <a:gd name="T3" fmla="*/ 0 h 968"/>
+              <a:gd name="T4" fmla="*/ 246 w 1099"/>
+              <a:gd name="T5" fmla="*/ 42 h 968"/>
+              <a:gd name="T6" fmla="*/ 15 w 1099"/>
+              <a:gd name="T7" fmla="*/ 443 h 968"/>
+              <a:gd name="T8" fmla="*/ 15 w 1099"/>
+              <a:gd name="T9" fmla="*/ 525 h 968"/>
+              <a:gd name="T10" fmla="*/ 246 w 1099"/>
+              <a:gd name="T11" fmla="*/ 926 h 968"/>
+              <a:gd name="T12" fmla="*/ 318 w 1099"/>
+              <a:gd name="T13" fmla="*/ 968 h 968"/>
+              <a:gd name="T14" fmla="*/ 781 w 1099"/>
+              <a:gd name="T15" fmla="*/ 968 h 968"/>
+              <a:gd name="T16" fmla="*/ 852 w 1099"/>
+              <a:gd name="T17" fmla="*/ 926 h 968"/>
+              <a:gd name="T18" fmla="*/ 1084 w 1099"/>
+              <a:gd name="T19" fmla="*/ 525 h 968"/>
+              <a:gd name="T20" fmla="*/ 1084 w 1099"/>
+              <a:gd name="T21" fmla="*/ 443 h 968"/>
+              <a:gd name="T22" fmla="*/ 852 w 1099"/>
+              <a:gd name="T23" fmla="*/ 42 h 968"/>
+              <a:gd name="T24" fmla="*/ 781 w 1099"/>
+              <a:gd name="T25" fmla="*/ 0 h 968"/>
+            </a:gdLst>
+            <a:ahLst/>
+            <a:cxnLst>
+              <a:cxn ang="0">
+                <a:pos x="T0" y="T1"/>
+              </a:cxn>
+              <a:cxn ang="0">
+                <a:pos x="T2" y="T3"/>
+              </a:cxn>
+              <a:cxn ang="0">
+                <a:pos x="T4" y="T5"/>
+              </a:cxn>
+              <a:cxn ang="0">
+                <a:pos x="T6" y="T7"/>
+              </a:cxn>
+              <a:cxn ang="0">
+                <a:pos x="T8" y="T9"/>
+              </a:cxn>
+              <a:cxn ang="0">
+                <a:pos x="T10" y="T11"/>
+              </a:cxn>
+              <a:cxn ang="0">
+                <a:pos x="T12" y="T13"/>
+              </a:cxn>
+              <a:cxn ang="0">
+                <a:pos x="T14" y="T15"/>
+              </a:cxn>
+              <a:cxn ang="0">
+                <a:pos x="T16" y="T17"/>
+              </a:cxn>
+              <a:cxn ang="0">
+                <a:pos x="T18" y="T19"/>
+              </a:cxn>
+              <a:cxn ang="0">
+                <a:pos x="T20" y="T21"/>
+              </a:cxn>
+              <a:cxn ang="0">
+                <a:pos x="T22" y="T23"/>
+              </a:cxn>
+              <a:cxn ang="0">
+                <a:pos x="T24" y="T25"/>
+              </a:cxn>
+            </a:cxnLst>
+            <a:rect l="0" t="0" r="r" b="b"/>
+            <a:pathLst>
+              <a:path w="1099" h="968">
+                <a:moveTo>
+                  <a:pt x="781" y="0"/>
+                </a:moveTo>
+                <a:cubicBezTo>
+                  <a:pt x="318" y="0"/>
+                  <a:pt x="318" y="0"/>
+                  <a:pt x="318" y="0"/>
+                </a:cubicBezTo>
+                <a:cubicBezTo>
+                  <a:pt x="288" y="0"/>
+                  <a:pt x="261" y="16"/>
+                  <a:pt x="246" y="42"/>
+                </a:cubicBezTo>
+                <a:cubicBezTo>
+                  <a:pt x="15" y="443"/>
+                  <a:pt x="15" y="443"/>
+                  <a:pt x="15" y="443"/>
+                </a:cubicBezTo>
+                <a:cubicBezTo>
+                  <a:pt x="0" y="468"/>
+                  <a:pt x="0" y="500"/>
+                  <a:pt x="15" y="525"/>
+                </a:cubicBezTo>
+                <a:cubicBezTo>
+                  <a:pt x="246" y="926"/>
+                  <a:pt x="246" y="926"/>
+                  <a:pt x="246" y="926"/>
+                </a:cubicBezTo>
+                <a:cubicBezTo>
+                  <a:pt x="261" y="952"/>
+                  <a:pt x="288" y="968"/>
+                  <a:pt x="318" y="968"/>
+                </a:cubicBezTo>
+                <a:cubicBezTo>
+                  <a:pt x="781" y="968"/>
+                  <a:pt x="781" y="968"/>
+                  <a:pt x="781" y="968"/>
+                </a:cubicBezTo>
+                <a:cubicBezTo>
+                  <a:pt x="810" y="968"/>
+                  <a:pt x="838" y="952"/>
+                  <a:pt x="852" y="926"/>
+                </a:cubicBezTo>
+                <a:cubicBezTo>
+                  <a:pt x="1084" y="525"/>
+                  <a:pt x="1084" y="525"/>
+                  <a:pt x="1084" y="525"/>
+                </a:cubicBezTo>
+                <a:cubicBezTo>
+                  <a:pt x="1099" y="500"/>
+                  <a:pt x="1099" y="468"/>
+                  <a:pt x="1084" y="443"/>
+                </a:cubicBezTo>
+                <a:cubicBezTo>
+                  <a:pt x="852" y="42"/>
+                  <a:pt x="852" y="42"/>
+                  <a:pt x="852" y="42"/>
+                </a:cubicBezTo>
+                <a:cubicBezTo>
+                  <a:pt x="838" y="16"/>
+                  <a:pt x="810" y="0"/>
+                  <a:pt x="781" y="0"/>
+                </a:cubicBezTo>
+                <a:close/>
+              </a:path>
+            </a:pathLst>
+          </a:custGeom>
+          <a:noFill/>
+          <a:ln w="50800" cap="flat">
+            <a:solidFill>
+              <a:schemeClr val="tx1"/>
+            </a:solidFill>
+            <a:prstDash val="solid"/>
+            <a:miter lim="800000"/>
+            <a:headEnd/>
+            <a:tailEnd/>
+          </a:ln>
+        </p:spPr>
+        <p:txBody>
+          <a:bodyPr vert="horz" wrap="square" lIns="91440" tIns="45720" rIns="91440" bIns="45720" numCol="1" anchor="t" anchorCtr="0" compatLnSpc="1">
+            <a:prstTxWarp prst="textNoShape">
+              <a:avLst/>
+            </a:prstTxWarp>
+          </a:bodyPr>
+          <a:lstStyle/>
+          <a:p>
+            <a:pPr marL="0" marR="0" lvl="0" indent="0" algn="l" defTabSz="914400" rtl="0" eaLnBrk="1" fontAlgn="auto" latinLnBrk="0" hangingPunct="1">
+              <a:lnSpc>
+                <a:spcPct val="100000"/>
+              </a:lnSpc>
+              <a:spcBef>
+                <a:spcPts val="0"/>
+              </a:spcBef>
+              <a:spcAft>
+                <a:spcPts val="0"/>
+              </a:spcAft>
+              <a:buClrTx/>
+              <a:buSzTx/>
+              <a:buFontTx/>
+              <a:buNone/>
+              <a:tabLst/>
+              <a:defRPr/>
+            </a:pPr>
+            <a:endParaRPr kumimoji="0" lang="en-US" sz="1800" b="0" i="0" u="none" strike="noStrike" kern="1200" cap="none" spc="0" normalizeH="0" baseline="0" noProof="0" dirty="0">
+              <a:ln>
+                <a:noFill/>
+              </a:ln>
+              <a:solidFill>
+                <a:prstClr val="black"/>
+              </a:solidFill>
+              <a:effectLst/>
+              <a:uLnTx/>
+              <a:uFillTx/>
+              <a:latin typeface="Calibri" panose="020F0502020204030204"/>
+              <a:ea typeface="+mn-ea"/>
+              <a:cs typeface="+mn-cs"/>
+            </a:endParaRPr>
+          </a:p>
+        </p:txBody>
+      </p:sp>
+      <p:sp>
+        <p:nvSpPr>
+          <p:cNvPr id="28" name="Freeform: Shape 27">
+            <a:extLst>
+              <a:ext uri="{FF2B5EF4-FFF2-40B4-BE49-F238E27FC236}">
+                <a16:creationId xmlns:a16="http://schemas.microsoft.com/office/drawing/2014/main" id="{0DB06EAB-7D8C-403A-86C5-B5FD79A13650}"/>
+              </a:ext>
+              <a:ext uri="{C183D7F6-B498-43B3-948B-1728B52AA6E4}">
+                <adec:decorative xmlns:adec="http://schemas.microsoft.com/office/drawing/2017/decorative" val="1"/>
+              </a:ext>
+            </a:extLst>
+          </p:cNvPr>
+          <p:cNvSpPr>
+            <a:spLocks noGrp="1" noRot="1" noChangeAspect="1" noMove="1" noResize="1" noEditPoints="1" noAdjustHandles="1" noChangeArrowheads="1" noChangeShapeType="1" noTextEdit="1"/>
+          </p:cNvSpPr>
+          <p:nvPr>
+            <p:extLst>
+              <p:ext uri="{386F3935-93C4-4BCD-93E2-E3B085C9AB24}">
+                <p16:designElem xmlns:p16="http://schemas.microsoft.com/office/powerpoint/2015/main" val="1"/>
+              </p:ext>
+            </p:extLst>
+          </p:nvPr>
+        </p:nvSpPr>
+        <p:spPr>
+          <a:xfrm>
+            <a:off x="4542865" y="634058"/>
+            <a:ext cx="3154669" cy="2796247"/>
+          </a:xfrm>
+          <a:custGeom>
+            <a:avLst/>
+            <a:gdLst>
+              <a:gd name="connsiteX0" fmla="*/ 853538 w 2991693"/>
+              <a:gd name="connsiteY0" fmla="*/ 0 h 2651787"/>
+              <a:gd name="connsiteX1" fmla="*/ 2141030 w 2991693"/>
+              <a:gd name="connsiteY1" fmla="*/ 0 h 2651787"/>
+              <a:gd name="connsiteX2" fmla="*/ 2324957 w 2991693"/>
+              <a:gd name="connsiteY2" fmla="*/ 103466 h 2651787"/>
+              <a:gd name="connsiteX3" fmla="*/ 2968702 w 2991693"/>
+              <a:gd name="connsiteY3" fmla="*/ 1218596 h 2651787"/>
+              <a:gd name="connsiteX4" fmla="*/ 2968702 w 2991693"/>
+              <a:gd name="connsiteY4" fmla="*/ 1433192 h 2651787"/>
+              <a:gd name="connsiteX5" fmla="*/ 2324957 w 2991693"/>
+              <a:gd name="connsiteY5" fmla="*/ 2548321 h 2651787"/>
+              <a:gd name="connsiteX6" fmla="*/ 2141030 w 2991693"/>
+              <a:gd name="connsiteY6" fmla="*/ 2651787 h 2651787"/>
+              <a:gd name="connsiteX7" fmla="*/ 853538 w 2991693"/>
+              <a:gd name="connsiteY7" fmla="*/ 2651787 h 2651787"/>
+              <a:gd name="connsiteX8" fmla="*/ 669612 w 2991693"/>
+              <a:gd name="connsiteY8" fmla="*/ 2548321 h 2651787"/>
+              <a:gd name="connsiteX9" fmla="*/ 25866 w 2991693"/>
+              <a:gd name="connsiteY9" fmla="*/ 1433192 h 2651787"/>
+              <a:gd name="connsiteX10" fmla="*/ 25866 w 2991693"/>
+              <a:gd name="connsiteY10" fmla="*/ 1218596 h 2651787"/>
+              <a:gd name="connsiteX11" fmla="*/ 669612 w 2991693"/>
+              <a:gd name="connsiteY11" fmla="*/ 103466 h 2651787"/>
+              <a:gd name="connsiteX12" fmla="*/ 853538 w 2991693"/>
+              <a:gd name="connsiteY12" fmla="*/ 0 h 2651787"/>
+            </a:gdLst>
+            <a:ahLst/>
+            <a:cxnLst>
+              <a:cxn ang="0">
+                <a:pos x="connsiteX0" y="connsiteY0"/>
+              </a:cxn>
+              <a:cxn ang="0">
+                <a:pos x="connsiteX1" y="connsiteY1"/>
+              </a:cxn>
+              <a:cxn ang="0">
+                <a:pos x="connsiteX2" y="connsiteY2"/>
+              </a:cxn>
+              <a:cxn ang="0">
+                <a:pos x="connsiteX3" y="connsiteY3"/>
+              </a:cxn>
+              <a:cxn ang="0">
+                <a:pos x="connsiteX4" y="connsiteY4"/>
+              </a:cxn>
+              <a:cxn ang="0">
+                <a:pos x="connsiteX5" y="connsiteY5"/>
+              </a:cxn>
+              <a:cxn ang="0">
+                <a:pos x="connsiteX6" y="connsiteY6"/>
+              </a:cxn>
+              <a:cxn ang="0">
+                <a:pos x="connsiteX7" y="connsiteY7"/>
+              </a:cxn>
+              <a:cxn ang="0">
+                <a:pos x="connsiteX8" y="connsiteY8"/>
+              </a:cxn>
+              <a:cxn ang="0">
+                <a:pos x="connsiteX9" y="connsiteY9"/>
+              </a:cxn>
+              <a:cxn ang="0">
+                <a:pos x="connsiteX10" y="connsiteY10"/>
+              </a:cxn>
+              <a:cxn ang="0">
+                <a:pos x="connsiteX11" y="connsiteY11"/>
+              </a:cxn>
+              <a:cxn ang="0">
+                <a:pos x="connsiteX12" y="connsiteY12"/>
+              </a:cxn>
+            </a:cxnLst>
+            <a:rect l="l" t="t" r="r" b="b"/>
+            <a:pathLst>
+              <a:path w="2991693" h="2651787">
+                <a:moveTo>
+                  <a:pt x="853538" y="0"/>
+                </a:moveTo>
+                <a:cubicBezTo>
+                  <a:pt x="2141030" y="0"/>
+                  <a:pt x="2141030" y="0"/>
+                  <a:pt x="2141030" y="0"/>
+                </a:cubicBezTo>
+                <a:cubicBezTo>
+                  <a:pt x="2206170" y="0"/>
+                  <a:pt x="2290471" y="45985"/>
+                  <a:pt x="2324957" y="103466"/>
+                </a:cubicBezTo>
+                <a:cubicBezTo>
+                  <a:pt x="2968702" y="1218596"/>
+                  <a:pt x="2968702" y="1218596"/>
+                  <a:pt x="2968702" y="1218596"/>
+                </a:cubicBezTo>
+                <a:cubicBezTo>
+                  <a:pt x="2999357" y="1279909"/>
+                  <a:pt x="2999357" y="1371878"/>
+                  <a:pt x="2968702" y="1433192"/>
+                </a:cubicBezTo>
+                <a:cubicBezTo>
+                  <a:pt x="2324957" y="2548321"/>
+                  <a:pt x="2324957" y="2548321"/>
+                  <a:pt x="2324957" y="2548321"/>
+                </a:cubicBezTo>
+                <a:cubicBezTo>
+                  <a:pt x="2290471" y="2605803"/>
+                  <a:pt x="2206170" y="2651787"/>
+                  <a:pt x="2141030" y="2651787"/>
+                </a:cubicBezTo>
+                <a:lnTo>
+                  <a:pt x="853538" y="2651787"/>
+                </a:lnTo>
+                <a:cubicBezTo>
+                  <a:pt x="784566" y="2651787"/>
+                  <a:pt x="700266" y="2605803"/>
+                  <a:pt x="669612" y="2548321"/>
+                </a:cubicBezTo>
+                <a:cubicBezTo>
+                  <a:pt x="25866" y="1433192"/>
+                  <a:pt x="25866" y="1433192"/>
+                  <a:pt x="25866" y="1433192"/>
+                </a:cubicBezTo>
+                <a:cubicBezTo>
+                  <a:pt x="-8621" y="1371878"/>
+                  <a:pt x="-8621" y="1279909"/>
+                  <a:pt x="25866" y="1218596"/>
+                </a:cubicBezTo>
+                <a:cubicBezTo>
+                  <a:pt x="669612" y="103466"/>
+                  <a:pt x="669612" y="103466"/>
+                  <a:pt x="669612" y="103466"/>
+                </a:cubicBezTo>
+                <a:cubicBezTo>
+                  <a:pt x="700266" y="45985"/>
+                  <a:pt x="784566" y="0"/>
+                  <a:pt x="853538" y="0"/>
+                </a:cubicBezTo>
+                <a:close/>
+              </a:path>
+            </a:pathLst>
+          </a:custGeom>
+          <a:noFill/>
+          <a:ln w="50800" cap="flat">
+            <a:solidFill>
+              <a:schemeClr val="tx1"/>
+            </a:solidFill>
+            <a:prstDash val="solid"/>
+            <a:miter lim="800000"/>
+            <a:headEnd/>
+            <a:tailEnd/>
+          </a:ln>
+        </p:spPr>
+        <p:txBody>
+          <a:bodyPr vert="horz" wrap="square" lIns="91440" tIns="45720" rIns="91440" bIns="45720" numCol="1" anchor="t" anchorCtr="0" compatLnSpc="1">
+            <a:prstTxWarp prst="textNoShape">
+              <a:avLst/>
+            </a:prstTxWarp>
+          </a:bodyPr>
+          <a:lstStyle/>
+          <a:p>
+            <a:pPr marL="0" marR="0" lvl="0" indent="0" algn="l" defTabSz="914400" rtl="0" eaLnBrk="1" fontAlgn="auto" latinLnBrk="0" hangingPunct="1">
+              <a:lnSpc>
+                <a:spcPct val="100000"/>
+              </a:lnSpc>
+              <a:spcBef>
+                <a:spcPts val="0"/>
+              </a:spcBef>
+              <a:spcAft>
+                <a:spcPts val="0"/>
+              </a:spcAft>
+              <a:buClrTx/>
+              <a:buSzTx/>
+              <a:buFontTx/>
+              <a:buNone/>
+              <a:tabLst/>
+              <a:defRPr/>
+            </a:pPr>
+            <a:endParaRPr kumimoji="0" lang="en-US" sz="1800" b="0" i="0" u="none" strike="noStrike" kern="1200" cap="none" spc="0" normalizeH="0" baseline="0" noProof="0" dirty="0">
+              <a:ln>
+                <a:noFill/>
+              </a:ln>
+              <a:solidFill>
+                <a:prstClr val="black"/>
+              </a:solidFill>
+              <a:effectLst/>
+              <a:uLnTx/>
+              <a:uFillTx/>
+              <a:latin typeface="Calibri" panose="020F0502020204030204"/>
+              <a:ea typeface="+mn-ea"/>
+              <a:cs typeface="+mn-cs"/>
+            </a:endParaRPr>
+          </a:p>
+        </p:txBody>
+      </p:sp>
+      <p:pic>
+        <p:nvPicPr>
+          <p:cNvPr id="7" name="Picture 6">
+            <a:extLst>
+              <a:ext uri="{FF2B5EF4-FFF2-40B4-BE49-F238E27FC236}">
+                <a16:creationId xmlns:a16="http://schemas.microsoft.com/office/drawing/2014/main" id="{44155673-E4BF-4691-91EF-AF8288758CA5}"/>
+              </a:ext>
+            </a:extLst>
+          </p:cNvPr>
+          <p:cNvPicPr>
+            <a:picLocks noChangeAspect="1"/>
+          </p:cNvPicPr>
+          <p:nvPr/>
+        </p:nvPicPr>
+        <p:blipFill>
+          <a:blip r:embed="rId3"/>
+          <a:stretch>
+            <a:fillRect/>
+          </a:stretch>
+        </p:blipFill>
+        <p:spPr>
+          <a:xfrm>
+            <a:off x="8050038" y="2354401"/>
+            <a:ext cx="2713512" cy="2713512"/>
+          </a:xfrm>
+          <a:prstGeom prst="rect">
+            <a:avLst/>
+          </a:prstGeom>
+        </p:spPr>
+      </p:pic>
+      <p:pic>
+        <p:nvPicPr>
+          <p:cNvPr id="15" name="Picture 14" descr="Icon&#10;&#10;Description automatically generated">
+            <a:extLst>
+              <a:ext uri="{FF2B5EF4-FFF2-40B4-BE49-F238E27FC236}">
+                <a16:creationId xmlns:a16="http://schemas.microsoft.com/office/drawing/2014/main" id="{47014846-E21C-448F-BE26-C0C592F4C6E4}"/>
+              </a:ext>
+            </a:extLst>
+          </p:cNvPr>
+          <p:cNvPicPr>
+            <a:picLocks noChangeAspect="1"/>
+          </p:cNvPicPr>
+          <p:nvPr/>
+        </p:nvPicPr>
+        <p:blipFill>
+          <a:blip r:embed="rId4">
+            <a:extLst>
+              <a:ext uri="{28A0092B-C50C-407E-A947-70E740481C1C}">
+                <a14:useLocalDpi xmlns:a14="http://schemas.microsoft.com/office/drawing/2010/main" val="0"/>
+              </a:ext>
+            </a:extLst>
+          </a:blip>
+          <a:stretch>
+            <a:fillRect/>
+          </a:stretch>
+        </p:blipFill>
+        <p:spPr>
+          <a:xfrm>
+            <a:off x="5320485" y="1194006"/>
+            <a:ext cx="1599427" cy="1599427"/>
+          </a:xfrm>
+          <a:prstGeom prst="rect">
+            <a:avLst/>
+          </a:prstGeom>
+        </p:spPr>
+      </p:pic>
+    </p:spTree>
+    <p:extLst>
+      <p:ext uri="{BB962C8B-B14F-4D97-AF65-F5344CB8AC3E}">
+        <p14:creationId xmlns:p14="http://schemas.microsoft.com/office/powerpoint/2010/main" val="3576179569"/>
+      </p:ext>
+    </p:extLst>
+  </p:cSld>
+  <p:clrMapOvr>
+    <a:masterClrMapping/>
+  </p:clrMapOvr>
+</p:sld>
+</file>
+
+<file path=ppt/slides/slide7.xml><?xml version="1.0" encoding="utf-8"?>
+<p:sld xmlns:a="http://schemas.openxmlformats.org/drawingml/2006/main" xmlns:r="http://schemas.openxmlformats.org/officeDocument/2006/relationships" xmlns:p="http://schemas.openxmlformats.org/presentationml/2006/main">
+  <p:cSld>
+    <p:bg>
+      <p:bgPr>
+        <a:solidFill>
+          <a:schemeClr val="bg1"/>
+        </a:solidFill>
+        <a:effectLst/>
+      </p:bgPr>
+    </p:bg>
+    <p:spTree>
+      <p:nvGrpSpPr>
+        <p:cNvPr id="1" name=""/>
+        <p:cNvGrpSpPr/>
+        <p:nvPr/>
+      </p:nvGrpSpPr>
+      <p:grpSpPr>
+        <a:xfrm>
+          <a:off x="0" y="0"/>
+          <a:ext cx="0" cy="0"/>
+          <a:chOff x="0" y="0"/>
+          <a:chExt cx="0" cy="0"/>
+        </a:xfrm>
+      </p:grpSpPr>
+      <p:sp useBgFill="1">
+        <p:nvSpPr>
+          <p:cNvPr id="20" name="Rectangle 19">
+            <a:extLst>
+              <a:ext uri="{FF2B5EF4-FFF2-40B4-BE49-F238E27FC236}">
+                <a16:creationId xmlns:a16="http://schemas.microsoft.com/office/drawing/2014/main" id="{C4E4288A-DFC8-40A2-90E5-70E851A933AD}"/>
+              </a:ext>
+              <a:ext uri="{C183D7F6-B498-43B3-948B-1728B52AA6E4}">
+                <adec:decorative xmlns:adec="http://schemas.microsoft.com/office/drawing/2017/decorative" val="1"/>
+              </a:ext>
+            </a:extLst>
+          </p:cNvPr>
+          <p:cNvSpPr>
+            <a:spLocks noGrp="1" noRot="1" noChangeAspect="1" noMove="1" noResize="1" noEditPoints="1" noAdjustHandles="1" noChangeArrowheads="1" noChangeShapeType="1" noTextEdit="1"/>
+          </p:cNvSpPr>
+          <p:nvPr>
+            <p:extLst>
+              <p:ext uri="{386F3935-93C4-4BCD-93E2-E3B085C9AB24}">
+                <p16:designElem xmlns:p16="http://schemas.microsoft.com/office/powerpoint/2015/main" val="1"/>
+              </p:ext>
+            </p:extLst>
+          </p:nvPr>
+        </p:nvSpPr>
+        <p:spPr>
+          <a:xfrm>
+            <a:off x="0" y="0"/>
+            <a:ext cx="12192000" cy="6858000"/>
+          </a:xfrm>
+          <a:prstGeom prst="rect">
+            <a:avLst/>
+          </a:prstGeom>
+          <a:ln>
+            <a:noFill/>
+          </a:ln>
+        </p:spPr>
+        <p:style>
+          <a:lnRef idx="2">
+            <a:schemeClr val="accent1">
+              <a:shade val="50000"/>
+            </a:schemeClr>
+          </a:lnRef>
+          <a:fillRef idx="1">
+            <a:schemeClr val="accent1"/>
+          </a:fillRef>
+          <a:effectRef idx="0">
+            <a:schemeClr val="accent1"/>
+          </a:effectRef>
+          <a:fontRef idx="minor">
+            <a:schemeClr val="lt1"/>
+          </a:fontRef>
+        </p:style>
+        <p:txBody>
+          <a:bodyPr rtlCol="0" anchor="ctr"/>
+          <a:lstStyle/>
+          <a:p>
+            <a:pPr marL="0" marR="0" lvl="0" indent="0" algn="ctr" defTabSz="914400" rtl="0" eaLnBrk="1" fontAlgn="auto" latinLnBrk="0" hangingPunct="1">
+              <a:lnSpc>
+                <a:spcPct val="100000"/>
+              </a:lnSpc>
+              <a:spcBef>
+                <a:spcPts val="0"/>
+              </a:spcBef>
+              <a:spcAft>
+                <a:spcPts val="0"/>
+              </a:spcAft>
+              <a:buClrTx/>
+              <a:buSzTx/>
+              <a:buFontTx/>
+              <a:buNone/>
+              <a:tabLst/>
+              <a:defRPr/>
+            </a:pPr>
+            <a:endParaRPr kumimoji="0" lang="en-US" sz="1800" b="0" i="0" u="none" strike="noStrike" kern="1200" cap="none" spc="0" normalizeH="0" baseline="0" noProof="0">
+              <a:ln>
+                <a:noFill/>
+              </a:ln>
+              <a:solidFill>
+                <a:prstClr val="white"/>
+              </a:solidFill>
+              <a:effectLst/>
+              <a:uLnTx/>
+              <a:uFillTx/>
+              <a:latin typeface="Calibri" panose="020F0502020204030204"/>
+              <a:ea typeface="+mn-ea"/>
+              <a:cs typeface="+mn-cs"/>
+            </a:endParaRPr>
+          </a:p>
+        </p:txBody>
+      </p:sp>
+      <p:grpSp>
+        <p:nvGrpSpPr>
+          <p:cNvPr id="22" name="Group 21">
+            <a:extLst>
+              <a:ext uri="{FF2B5EF4-FFF2-40B4-BE49-F238E27FC236}">
+                <a16:creationId xmlns:a16="http://schemas.microsoft.com/office/drawing/2014/main" id="{B63C2D82-D4FA-4A37-BB01-1E7B21E4FF20}"/>
+              </a:ext>
+              <a:ext uri="{C183D7F6-B498-43B3-948B-1728B52AA6E4}">
+                <adec:decorative xmlns:adec="http://schemas.microsoft.com/office/drawing/2017/decorative" val="1"/>
+              </a:ext>
+            </a:extLst>
+          </p:cNvPr>
+          <p:cNvGrpSpPr>
+            <a:grpSpLocks noGrp="1" noUngrp="1" noRot="1" noChangeAspect="1" noMove="1" noResize="1"/>
+          </p:cNvGrpSpPr>
+          <p:nvPr>
+            <p:extLst>
+              <p:ext uri="{386F3935-93C4-4BCD-93E2-E3B085C9AB24}">
+                <p16:designElem xmlns:p16="http://schemas.microsoft.com/office/powerpoint/2015/main" val="1"/>
+              </p:ext>
+            </p:extLst>
+          </p:nvPr>
+        </p:nvGrpSpPr>
+        <p:grpSpPr>
+          <a:xfrm>
+            <a:off x="965199" y="634058"/>
+            <a:ext cx="1128382" cy="847206"/>
+            <a:chOff x="5307830" y="325570"/>
+            <a:chExt cx="1128382" cy="847206"/>
+          </a:xfrm>
+        </p:grpSpPr>
+        <p:sp>
+          <p:nvSpPr>
+            <p:cNvPr id="23" name="Freeform 5">
+              <a:extLst>
+                <a:ext uri="{FF2B5EF4-FFF2-40B4-BE49-F238E27FC236}">
+                  <a16:creationId xmlns:a16="http://schemas.microsoft.com/office/drawing/2014/main" id="{C94E7FEF-0CE9-4AC2-94BB-02230C6DC0DF}"/>
+                </a:ext>
+                <a:ext uri="{C183D7F6-B498-43B3-948B-1728B52AA6E4}">
+                  <adec:decorative xmlns:adec="http://schemas.microsoft.com/office/drawing/2017/decorative" val="1"/>
+                </a:ext>
+              </a:extLst>
+            </p:cNvPr>
+            <p:cNvSpPr>
+              <a:spLocks/>
+            </p:cNvSpPr>
+            <p:nvPr>
+              <p:extLst>
+                <p:ext uri="{386F3935-93C4-4BCD-93E2-E3B085C9AB24}">
+                  <p16:designElem xmlns:p16="http://schemas.microsoft.com/office/powerpoint/2015/main" val="1"/>
+                </p:ext>
+              </p:extLst>
+            </p:nvPr>
+          </p:nvSpPr>
+          <p:spPr bwMode="auto">
+            <a:xfrm>
+              <a:off x="5307830" y="577396"/>
+              <a:ext cx="675351" cy="595380"/>
+            </a:xfrm>
+            <a:custGeom>
+              <a:avLst/>
+              <a:gdLst>
+                <a:gd name="T0" fmla="*/ 225 w 785"/>
+                <a:gd name="T1" fmla="*/ 692 h 692"/>
+                <a:gd name="T2" fmla="*/ 177 w 785"/>
+                <a:gd name="T3" fmla="*/ 665 h 692"/>
+                <a:gd name="T4" fmla="*/ 9 w 785"/>
+                <a:gd name="T5" fmla="*/ 374 h 692"/>
+                <a:gd name="T6" fmla="*/ 9 w 785"/>
+                <a:gd name="T7" fmla="*/ 318 h 692"/>
+                <a:gd name="T8" fmla="*/ 177 w 785"/>
+                <a:gd name="T9" fmla="*/ 27 h 692"/>
+                <a:gd name="T10" fmla="*/ 225 w 785"/>
+                <a:gd name="T11" fmla="*/ 0 h 692"/>
+                <a:gd name="T12" fmla="*/ 561 w 785"/>
+                <a:gd name="T13" fmla="*/ 0 h 692"/>
+                <a:gd name="T14" fmla="*/ 609 w 785"/>
+                <a:gd name="T15" fmla="*/ 27 h 692"/>
+                <a:gd name="T16" fmla="*/ 777 w 785"/>
+                <a:gd name="T17" fmla="*/ 318 h 692"/>
+                <a:gd name="T18" fmla="*/ 777 w 785"/>
+                <a:gd name="T19" fmla="*/ 374 h 692"/>
+                <a:gd name="T20" fmla="*/ 609 w 785"/>
+                <a:gd name="T21" fmla="*/ 665 h 692"/>
+                <a:gd name="T22" fmla="*/ 561 w 785"/>
+                <a:gd name="T23" fmla="*/ 692 h 692"/>
+                <a:gd name="T24" fmla="*/ 225 w 785"/>
+                <a:gd name="T25" fmla="*/ 692 h 692"/>
+              </a:gdLst>
+              <a:ahLst/>
+              <a:cxnLst>
+                <a:cxn ang="0">
+                  <a:pos x="T0" y="T1"/>
+                </a:cxn>
+                <a:cxn ang="0">
+                  <a:pos x="T2" y="T3"/>
+                </a:cxn>
+                <a:cxn ang="0">
+                  <a:pos x="T4" y="T5"/>
+                </a:cxn>
+                <a:cxn ang="0">
+                  <a:pos x="T6" y="T7"/>
+                </a:cxn>
+                <a:cxn ang="0">
+                  <a:pos x="T8" y="T9"/>
+                </a:cxn>
+                <a:cxn ang="0">
+                  <a:pos x="T10" y="T11"/>
+                </a:cxn>
+                <a:cxn ang="0">
+                  <a:pos x="T12" y="T13"/>
+                </a:cxn>
+                <a:cxn ang="0">
+                  <a:pos x="T14" y="T15"/>
+                </a:cxn>
+                <a:cxn ang="0">
+                  <a:pos x="T16" y="T17"/>
+                </a:cxn>
+                <a:cxn ang="0">
+                  <a:pos x="T18" y="T19"/>
+                </a:cxn>
+                <a:cxn ang="0">
+                  <a:pos x="T20" y="T21"/>
+                </a:cxn>
+                <a:cxn ang="0">
+                  <a:pos x="T22" y="T23"/>
+                </a:cxn>
+                <a:cxn ang="0">
+                  <a:pos x="T24" y="T25"/>
+                </a:cxn>
+              </a:cxnLst>
+              <a:rect l="0" t="0" r="r" b="b"/>
+              <a:pathLst>
+                <a:path w="785" h="692">
+                  <a:moveTo>
+                    <a:pt x="225" y="692"/>
+                  </a:moveTo>
+                  <a:cubicBezTo>
+                    <a:pt x="207" y="692"/>
+                    <a:pt x="185" y="680"/>
+                    <a:pt x="177" y="665"/>
+                  </a:cubicBezTo>
+                  <a:cubicBezTo>
+                    <a:pt x="9" y="374"/>
+                    <a:pt x="9" y="374"/>
+                    <a:pt x="9" y="374"/>
+                  </a:cubicBezTo>
+                  <a:cubicBezTo>
+                    <a:pt x="0" y="358"/>
+                    <a:pt x="0" y="334"/>
+                    <a:pt x="9" y="318"/>
+                  </a:cubicBezTo>
+                  <a:cubicBezTo>
+                    <a:pt x="177" y="27"/>
+                    <a:pt x="177" y="27"/>
+                    <a:pt x="177" y="27"/>
+                  </a:cubicBezTo>
+                  <a:cubicBezTo>
+                    <a:pt x="185" y="12"/>
+                    <a:pt x="207" y="0"/>
+                    <a:pt x="225" y="0"/>
+                  </a:cubicBezTo>
+                  <a:cubicBezTo>
+                    <a:pt x="561" y="0"/>
+                    <a:pt x="561" y="0"/>
+                    <a:pt x="561" y="0"/>
+                  </a:cubicBezTo>
+                  <a:cubicBezTo>
+                    <a:pt x="578" y="0"/>
+                    <a:pt x="600" y="12"/>
+                    <a:pt x="609" y="27"/>
+                  </a:cubicBezTo>
+                  <a:cubicBezTo>
+                    <a:pt x="777" y="318"/>
+                    <a:pt x="777" y="318"/>
+                    <a:pt x="777" y="318"/>
+                  </a:cubicBezTo>
+                  <a:cubicBezTo>
+                    <a:pt x="785" y="334"/>
+                    <a:pt x="785" y="358"/>
+                    <a:pt x="777" y="374"/>
+                  </a:cubicBezTo>
+                  <a:cubicBezTo>
+                    <a:pt x="609" y="665"/>
+                    <a:pt x="609" y="665"/>
+                    <a:pt x="609" y="665"/>
+                  </a:cubicBezTo>
+                  <a:cubicBezTo>
+                    <a:pt x="600" y="680"/>
+                    <a:pt x="578" y="692"/>
+                    <a:pt x="561" y="692"/>
+                  </a:cubicBezTo>
+                  <a:lnTo>
+                    <a:pt x="225" y="692"/>
+                  </a:lnTo>
+                  <a:close/>
+                </a:path>
+              </a:pathLst>
+            </a:custGeom>
+            <a:noFill/>
+            <a:ln w="28575" cmpd="sng">
+              <a:solidFill>
+                <a:schemeClr val="tx1"/>
+              </a:solidFill>
+            </a:ln>
+          </p:spPr>
+          <p:txBody>
+            <a:bodyPr vert="horz" wrap="square" lIns="91440" tIns="45720" rIns="91440" bIns="45720" numCol="1" anchor="t" anchorCtr="0" compatLnSpc="1">
+              <a:prstTxWarp prst="textNoShape">
+                <a:avLst/>
+              </a:prstTxWarp>
+            </a:bodyPr>
+            <a:lstStyle/>
+            <a:p>
+              <a:pPr marL="0" marR="0" lvl="0" indent="0" algn="l" defTabSz="914400" rtl="0" eaLnBrk="1" fontAlgn="auto" latinLnBrk="0" hangingPunct="1">
+                <a:lnSpc>
+                  <a:spcPct val="100000"/>
+                </a:lnSpc>
+                <a:spcBef>
+                  <a:spcPts val="0"/>
+                </a:spcBef>
+                <a:spcAft>
+                  <a:spcPts val="0"/>
+                </a:spcAft>
+                <a:buClrTx/>
+                <a:buSzTx/>
+                <a:buFontTx/>
+                <a:buNone/>
+                <a:tabLst/>
+                <a:defRPr/>
+              </a:pPr>
+              <a:endParaRPr kumimoji="0" lang="en-US" sz="1800" b="0" i="0" u="none" strike="noStrike" kern="1200" cap="none" spc="0" normalizeH="0" baseline="0" noProof="0">
+                <a:ln>
+                  <a:noFill/>
+                </a:ln>
+                <a:solidFill>
+                  <a:prstClr val="black"/>
+                </a:solidFill>
+                <a:effectLst/>
+                <a:uLnTx/>
+                <a:uFillTx/>
+                <a:latin typeface="Calibri" panose="020F0502020204030204"/>
+                <a:ea typeface="+mn-ea"/>
+                <a:cs typeface="+mn-cs"/>
+              </a:endParaRPr>
+            </a:p>
+          </p:txBody>
+        </p:sp>
+        <p:sp>
+          <p:nvSpPr>
+            <p:cNvPr id="24" name="Freeform 5">
+              <a:extLst>
+                <a:ext uri="{FF2B5EF4-FFF2-40B4-BE49-F238E27FC236}">
+                  <a16:creationId xmlns:a16="http://schemas.microsoft.com/office/drawing/2014/main" id="{EB546CC0-C1BC-48D2-8DA9-4B60283165C9}"/>
+                </a:ext>
+                <a:ext uri="{C183D7F6-B498-43B3-948B-1728B52AA6E4}">
+                  <adec:decorative xmlns:adec="http://schemas.microsoft.com/office/drawing/2017/decorative" val="1"/>
+                </a:ext>
+              </a:extLst>
+            </p:cNvPr>
+            <p:cNvSpPr>
+              <a:spLocks/>
+            </p:cNvSpPr>
+            <p:nvPr>
+              <p:extLst>
+                <p:ext uri="{386F3935-93C4-4BCD-93E2-E3B085C9AB24}">
+                  <p16:designElem xmlns:p16="http://schemas.microsoft.com/office/powerpoint/2015/main" val="1"/>
+                </p:ext>
+              </p:extLst>
+            </p:nvPr>
+          </p:nvSpPr>
+          <p:spPr bwMode="auto">
+            <a:xfrm>
+              <a:off x="5885720" y="325570"/>
+              <a:ext cx="550492" cy="485306"/>
+            </a:xfrm>
+            <a:custGeom>
+              <a:avLst/>
+              <a:gdLst>
+                <a:gd name="T0" fmla="*/ 225 w 785"/>
+                <a:gd name="T1" fmla="*/ 692 h 692"/>
+                <a:gd name="T2" fmla="*/ 177 w 785"/>
+                <a:gd name="T3" fmla="*/ 665 h 692"/>
+                <a:gd name="T4" fmla="*/ 9 w 785"/>
+                <a:gd name="T5" fmla="*/ 374 h 692"/>
+                <a:gd name="T6" fmla="*/ 9 w 785"/>
+                <a:gd name="T7" fmla="*/ 318 h 692"/>
+                <a:gd name="T8" fmla="*/ 177 w 785"/>
+                <a:gd name="T9" fmla="*/ 27 h 692"/>
+                <a:gd name="T10" fmla="*/ 225 w 785"/>
+                <a:gd name="T11" fmla="*/ 0 h 692"/>
+                <a:gd name="T12" fmla="*/ 561 w 785"/>
+                <a:gd name="T13" fmla="*/ 0 h 692"/>
+                <a:gd name="T14" fmla="*/ 609 w 785"/>
+                <a:gd name="T15" fmla="*/ 27 h 692"/>
+                <a:gd name="T16" fmla="*/ 777 w 785"/>
+                <a:gd name="T17" fmla="*/ 318 h 692"/>
+                <a:gd name="T18" fmla="*/ 777 w 785"/>
+                <a:gd name="T19" fmla="*/ 374 h 692"/>
+                <a:gd name="T20" fmla="*/ 609 w 785"/>
+                <a:gd name="T21" fmla="*/ 665 h 692"/>
+                <a:gd name="T22" fmla="*/ 561 w 785"/>
+                <a:gd name="T23" fmla="*/ 692 h 692"/>
+                <a:gd name="T24" fmla="*/ 225 w 785"/>
+                <a:gd name="T25" fmla="*/ 692 h 692"/>
+              </a:gdLst>
+              <a:ahLst/>
+              <a:cxnLst>
+                <a:cxn ang="0">
+                  <a:pos x="T0" y="T1"/>
+                </a:cxn>
+                <a:cxn ang="0">
+                  <a:pos x="T2" y="T3"/>
+                </a:cxn>
+                <a:cxn ang="0">
+                  <a:pos x="T4" y="T5"/>
+                </a:cxn>
+                <a:cxn ang="0">
+                  <a:pos x="T6" y="T7"/>
+                </a:cxn>
+                <a:cxn ang="0">
+                  <a:pos x="T8" y="T9"/>
+                </a:cxn>
+                <a:cxn ang="0">
+                  <a:pos x="T10" y="T11"/>
+                </a:cxn>
+                <a:cxn ang="0">
+                  <a:pos x="T12" y="T13"/>
+                </a:cxn>
+                <a:cxn ang="0">
+                  <a:pos x="T14" y="T15"/>
+                </a:cxn>
+                <a:cxn ang="0">
+                  <a:pos x="T16" y="T17"/>
+                </a:cxn>
+                <a:cxn ang="0">
+                  <a:pos x="T18" y="T19"/>
+                </a:cxn>
+                <a:cxn ang="0">
+                  <a:pos x="T20" y="T21"/>
+                </a:cxn>
+                <a:cxn ang="0">
+                  <a:pos x="T22" y="T23"/>
+                </a:cxn>
+                <a:cxn ang="0">
+                  <a:pos x="T24" y="T25"/>
+                </a:cxn>
+              </a:cxnLst>
+              <a:rect l="0" t="0" r="r" b="b"/>
+              <a:pathLst>
+                <a:path w="785" h="692">
+                  <a:moveTo>
+                    <a:pt x="225" y="692"/>
+                  </a:moveTo>
+                  <a:cubicBezTo>
+                    <a:pt x="207" y="692"/>
+                    <a:pt x="185" y="680"/>
+                    <a:pt x="177" y="665"/>
+                  </a:cubicBezTo>
+                  <a:cubicBezTo>
+                    <a:pt x="9" y="374"/>
+                    <a:pt x="9" y="374"/>
+                    <a:pt x="9" y="374"/>
+                  </a:cubicBezTo>
+                  <a:cubicBezTo>
+                    <a:pt x="0" y="358"/>
+                    <a:pt x="0" y="334"/>
+                    <a:pt x="9" y="318"/>
+                  </a:cubicBezTo>
+                  <a:cubicBezTo>
+                    <a:pt x="177" y="27"/>
+                    <a:pt x="177" y="27"/>
+                    <a:pt x="177" y="27"/>
+                  </a:cubicBezTo>
+                  <a:cubicBezTo>
+                    <a:pt x="185" y="12"/>
+                    <a:pt x="207" y="0"/>
+                    <a:pt x="225" y="0"/>
+                  </a:cubicBezTo>
+                  <a:cubicBezTo>
+                    <a:pt x="561" y="0"/>
+                    <a:pt x="561" y="0"/>
+                    <a:pt x="561" y="0"/>
+                  </a:cubicBezTo>
+                  <a:cubicBezTo>
+                    <a:pt x="578" y="0"/>
+                    <a:pt x="600" y="12"/>
+                    <a:pt x="609" y="27"/>
+                  </a:cubicBezTo>
+                  <a:cubicBezTo>
+                    <a:pt x="777" y="318"/>
+                    <a:pt x="777" y="318"/>
+                    <a:pt x="777" y="318"/>
+                  </a:cubicBezTo>
+                  <a:cubicBezTo>
+                    <a:pt x="785" y="334"/>
+                    <a:pt x="785" y="358"/>
+                    <a:pt x="777" y="374"/>
+                  </a:cubicBezTo>
+                  <a:cubicBezTo>
+                    <a:pt x="609" y="665"/>
+                    <a:pt x="609" y="665"/>
+                    <a:pt x="609" y="665"/>
+                  </a:cubicBezTo>
+                  <a:cubicBezTo>
+                    <a:pt x="600" y="680"/>
+                    <a:pt x="578" y="692"/>
+                    <a:pt x="561" y="692"/>
+                  </a:cubicBezTo>
+                  <a:lnTo>
+                    <a:pt x="225" y="692"/>
+                  </a:lnTo>
+                  <a:close/>
+                </a:path>
+              </a:pathLst>
+            </a:custGeom>
+            <a:noFill/>
+            <a:ln w="28575" cmpd="sng">
+              <a:solidFill>
+                <a:schemeClr val="tx1"/>
+              </a:solidFill>
+            </a:ln>
+          </p:spPr>
+          <p:txBody>
+            <a:bodyPr vert="horz" wrap="square" lIns="91440" tIns="45720" rIns="91440" bIns="45720" numCol="1" anchor="t" anchorCtr="0" compatLnSpc="1">
+              <a:prstTxWarp prst="textNoShape">
+                <a:avLst/>
+              </a:prstTxWarp>
+            </a:bodyPr>
+            <a:lstStyle/>
+            <a:p>
+              <a:pPr marL="0" marR="0" lvl="0" indent="0" algn="l" defTabSz="914400" rtl="0" eaLnBrk="1" fontAlgn="auto" latinLnBrk="0" hangingPunct="1">
+                <a:lnSpc>
+                  <a:spcPct val="100000"/>
+                </a:lnSpc>
+                <a:spcBef>
+                  <a:spcPts val="0"/>
+                </a:spcBef>
+                <a:spcAft>
+                  <a:spcPts val="0"/>
+                </a:spcAft>
+                <a:buClrTx/>
+                <a:buSzTx/>
+                <a:buFontTx/>
+                <a:buNone/>
+                <a:tabLst/>
+                <a:defRPr/>
+              </a:pPr>
+              <a:endParaRPr kumimoji="0" lang="en-US" sz="1800" b="0" i="0" u="none" strike="noStrike" kern="1200" cap="none" spc="0" normalizeH="0" baseline="0" noProof="0">
+                <a:ln>
+                  <a:noFill/>
+                </a:ln>
+                <a:solidFill>
+                  <a:prstClr val="black"/>
+                </a:solidFill>
+                <a:effectLst/>
+                <a:uLnTx/>
+                <a:uFillTx/>
+                <a:latin typeface="Calibri" panose="020F0502020204030204"/>
+                <a:ea typeface="+mn-ea"/>
+                <a:cs typeface="+mn-cs"/>
+              </a:endParaRPr>
+            </a:p>
+          </p:txBody>
+        </p:sp>
+      </p:grpSp>
+      <p:sp>
+        <p:nvSpPr>
+          <p:cNvPr id="8" name="TextBox 7">
+            <a:extLst>
+              <a:ext uri="{FF2B5EF4-FFF2-40B4-BE49-F238E27FC236}">
+                <a16:creationId xmlns:a16="http://schemas.microsoft.com/office/drawing/2014/main" id="{04CA4DF5-C512-4233-8F08-3FDA86F8239A}"/>
+              </a:ext>
+            </a:extLst>
+          </p:cNvPr>
+          <p:cNvSpPr txBox="1"/>
+          <p:nvPr/>
+        </p:nvSpPr>
+        <p:spPr>
+          <a:xfrm>
+            <a:off x="614234" y="2354401"/>
+            <a:ext cx="4274710" cy="1522755"/>
+          </a:xfrm>
+          <a:prstGeom prst="rect">
+            <a:avLst/>
+          </a:prstGeom>
+        </p:spPr>
+        <p:txBody>
+          <a:bodyPr vert="horz" lIns="91440" tIns="45720" rIns="91440" bIns="45720" rtlCol="0" anchor="b">
+            <a:normAutofit/>
+          </a:bodyPr>
+          <a:lstStyle/>
+          <a:p>
+            <a:pPr marL="0" marR="0" lvl="0" indent="0" algn="l" defTabSz="914400" rtl="0" eaLnBrk="1" fontAlgn="auto" latinLnBrk="0" hangingPunct="1">
+              <a:lnSpc>
+                <a:spcPct val="90000"/>
+              </a:lnSpc>
+              <a:spcBef>
+                <a:spcPct val="0"/>
+              </a:spcBef>
+              <a:spcAft>
+                <a:spcPts val="600"/>
+              </a:spcAft>
+              <a:buClrTx/>
+              <a:buSzTx/>
+              <a:buFontTx/>
+              <a:buNone/>
+              <a:tabLst/>
+              <a:defRPr/>
+            </a:pPr>
+            <a:r>
+              <a:rPr kumimoji="0" lang="en-US" sz="4200" b="0" i="0" u="none" strike="noStrike" kern="1200" cap="none" spc="0" normalizeH="0" baseline="0" noProof="0" dirty="0">
+                <a:ln>
+                  <a:noFill/>
+                </a:ln>
+                <a:solidFill>
+                  <a:prstClr val="black"/>
+                </a:solidFill>
+                <a:effectLst/>
+                <a:uLnTx/>
+                <a:uFillTx/>
+                <a:latin typeface="Calibri Light" panose="020F0302020204030204"/>
+                <a:ea typeface="+mn-ea"/>
+                <a:cs typeface="+mn-cs"/>
+              </a:rPr>
+              <a:t>Labs 01-04</a:t>
+            </a:r>
+          </a:p>
+        </p:txBody>
+      </p:sp>
+      <p:sp>
+        <p:nvSpPr>
+          <p:cNvPr id="26" name="Freeform 5">
+            <a:extLst>
+              <a:ext uri="{FF2B5EF4-FFF2-40B4-BE49-F238E27FC236}">
+                <a16:creationId xmlns:a16="http://schemas.microsoft.com/office/drawing/2014/main" id="{BD2BFF02-DF78-4F07-B176-52514E13127D}"/>
+              </a:ext>
+              <a:ext uri="{C183D7F6-B498-43B3-948B-1728B52AA6E4}">
+                <adec:decorative xmlns:adec="http://schemas.microsoft.com/office/drawing/2017/decorative" val="1"/>
+              </a:ext>
+            </a:extLst>
+          </p:cNvPr>
+          <p:cNvSpPr>
+            <a:spLocks noGrp="1" noRot="1" noChangeAspect="1" noMove="1" noResize="1" noEditPoints="1" noAdjustHandles="1" noChangeArrowheads="1" noChangeShapeType="1" noTextEdit="1"/>
+          </p:cNvSpPr>
+          <p:nvPr>
+            <p:extLst>
+              <p:ext uri="{386F3935-93C4-4BCD-93E2-E3B085C9AB24}">
+                <p16:designElem xmlns:p16="http://schemas.microsoft.com/office/powerpoint/2015/main" val="1"/>
+              </p:ext>
+            </p:extLst>
+          </p:nvPr>
+        </p:nvSpPr>
+        <p:spPr bwMode="auto">
+          <a:xfrm>
+            <a:off x="7062174" y="1653645"/>
+            <a:ext cx="4689240" cy="4115025"/>
+          </a:xfrm>
+          <a:custGeom>
+            <a:avLst/>
+            <a:gdLst>
+              <a:gd name="T0" fmla="*/ 781 w 1099"/>
+              <a:gd name="T1" fmla="*/ 0 h 968"/>
+              <a:gd name="T2" fmla="*/ 318 w 1099"/>
+              <a:gd name="T3" fmla="*/ 0 h 968"/>
+              <a:gd name="T4" fmla="*/ 246 w 1099"/>
+              <a:gd name="T5" fmla="*/ 42 h 968"/>
+              <a:gd name="T6" fmla="*/ 15 w 1099"/>
+              <a:gd name="T7" fmla="*/ 443 h 968"/>
+              <a:gd name="T8" fmla="*/ 15 w 1099"/>
+              <a:gd name="T9" fmla="*/ 525 h 968"/>
+              <a:gd name="T10" fmla="*/ 246 w 1099"/>
+              <a:gd name="T11" fmla="*/ 926 h 968"/>
+              <a:gd name="T12" fmla="*/ 318 w 1099"/>
+              <a:gd name="T13" fmla="*/ 968 h 968"/>
+              <a:gd name="T14" fmla="*/ 781 w 1099"/>
+              <a:gd name="T15" fmla="*/ 968 h 968"/>
+              <a:gd name="T16" fmla="*/ 852 w 1099"/>
+              <a:gd name="T17" fmla="*/ 926 h 968"/>
+              <a:gd name="T18" fmla="*/ 1084 w 1099"/>
+              <a:gd name="T19" fmla="*/ 525 h 968"/>
+              <a:gd name="T20" fmla="*/ 1084 w 1099"/>
+              <a:gd name="T21" fmla="*/ 443 h 968"/>
+              <a:gd name="T22" fmla="*/ 852 w 1099"/>
+              <a:gd name="T23" fmla="*/ 42 h 968"/>
+              <a:gd name="T24" fmla="*/ 781 w 1099"/>
+              <a:gd name="T25" fmla="*/ 0 h 968"/>
+            </a:gdLst>
+            <a:ahLst/>
+            <a:cxnLst>
+              <a:cxn ang="0">
+                <a:pos x="T0" y="T1"/>
+              </a:cxn>
+              <a:cxn ang="0">
+                <a:pos x="T2" y="T3"/>
+              </a:cxn>
+              <a:cxn ang="0">
+                <a:pos x="T4" y="T5"/>
+              </a:cxn>
+              <a:cxn ang="0">
+                <a:pos x="T6" y="T7"/>
+              </a:cxn>
+              <a:cxn ang="0">
+                <a:pos x="T8" y="T9"/>
+              </a:cxn>
+              <a:cxn ang="0">
+                <a:pos x="T10" y="T11"/>
+              </a:cxn>
+              <a:cxn ang="0">
+                <a:pos x="T12" y="T13"/>
+              </a:cxn>
+              <a:cxn ang="0">
+                <a:pos x="T14" y="T15"/>
+              </a:cxn>
+              <a:cxn ang="0">
+                <a:pos x="T16" y="T17"/>
+              </a:cxn>
+              <a:cxn ang="0">
+                <a:pos x="T18" y="T19"/>
+              </a:cxn>
+              <a:cxn ang="0">
+                <a:pos x="T20" y="T21"/>
+              </a:cxn>
+              <a:cxn ang="0">
+                <a:pos x="T22" y="T23"/>
+              </a:cxn>
+              <a:cxn ang="0">
+                <a:pos x="T24" y="T25"/>
+              </a:cxn>
+            </a:cxnLst>
+            <a:rect l="0" t="0" r="r" b="b"/>
+            <a:pathLst>
+              <a:path w="1099" h="968">
+                <a:moveTo>
+                  <a:pt x="781" y="0"/>
+                </a:moveTo>
+                <a:cubicBezTo>
+                  <a:pt x="318" y="0"/>
+                  <a:pt x="318" y="0"/>
+                  <a:pt x="318" y="0"/>
+                </a:cubicBezTo>
+                <a:cubicBezTo>
+                  <a:pt x="288" y="0"/>
+                  <a:pt x="261" y="16"/>
+                  <a:pt x="246" y="42"/>
+                </a:cubicBezTo>
+                <a:cubicBezTo>
+                  <a:pt x="15" y="443"/>
+                  <a:pt x="15" y="443"/>
+                  <a:pt x="15" y="443"/>
+                </a:cubicBezTo>
+                <a:cubicBezTo>
+                  <a:pt x="0" y="468"/>
+                  <a:pt x="0" y="500"/>
+                  <a:pt x="15" y="525"/>
+                </a:cubicBezTo>
+                <a:cubicBezTo>
+                  <a:pt x="246" y="926"/>
+                  <a:pt x="246" y="926"/>
+                  <a:pt x="246" y="926"/>
+                </a:cubicBezTo>
+                <a:cubicBezTo>
+                  <a:pt x="261" y="952"/>
+                  <a:pt x="288" y="968"/>
+                  <a:pt x="318" y="968"/>
+                </a:cubicBezTo>
+                <a:cubicBezTo>
+                  <a:pt x="781" y="968"/>
+                  <a:pt x="781" y="968"/>
+                  <a:pt x="781" y="968"/>
+                </a:cubicBezTo>
+                <a:cubicBezTo>
+                  <a:pt x="810" y="968"/>
+                  <a:pt x="838" y="952"/>
+                  <a:pt x="852" y="926"/>
+                </a:cubicBezTo>
+                <a:cubicBezTo>
+                  <a:pt x="1084" y="525"/>
+                  <a:pt x="1084" y="525"/>
+                  <a:pt x="1084" y="525"/>
+                </a:cubicBezTo>
+                <a:cubicBezTo>
+                  <a:pt x="1099" y="500"/>
+                  <a:pt x="1099" y="468"/>
+                  <a:pt x="1084" y="443"/>
+                </a:cubicBezTo>
+                <a:cubicBezTo>
+                  <a:pt x="852" y="42"/>
+                  <a:pt x="852" y="42"/>
+                  <a:pt x="852" y="42"/>
+                </a:cubicBezTo>
+                <a:cubicBezTo>
+                  <a:pt x="838" y="16"/>
+                  <a:pt x="810" y="0"/>
+                  <a:pt x="781" y="0"/>
+                </a:cubicBezTo>
+                <a:close/>
+              </a:path>
+            </a:pathLst>
+          </a:custGeom>
+          <a:noFill/>
+          <a:ln w="50800" cap="flat">
+            <a:solidFill>
+              <a:schemeClr val="tx1"/>
+            </a:solidFill>
+            <a:prstDash val="solid"/>
+            <a:miter lim="800000"/>
+            <a:headEnd/>
+            <a:tailEnd/>
+          </a:ln>
+        </p:spPr>
+        <p:txBody>
+          <a:bodyPr vert="horz" wrap="square" lIns="91440" tIns="45720" rIns="91440" bIns="45720" numCol="1" anchor="t" anchorCtr="0" compatLnSpc="1">
+            <a:prstTxWarp prst="textNoShape">
+              <a:avLst/>
+            </a:prstTxWarp>
+          </a:bodyPr>
+          <a:lstStyle/>
+          <a:p>
+            <a:pPr marL="0" marR="0" lvl="0" indent="0" algn="l" defTabSz="914400" rtl="0" eaLnBrk="1" fontAlgn="auto" latinLnBrk="0" hangingPunct="1">
+              <a:lnSpc>
+                <a:spcPct val="100000"/>
+              </a:lnSpc>
+              <a:spcBef>
+                <a:spcPts val="0"/>
+              </a:spcBef>
+              <a:spcAft>
+                <a:spcPts val="0"/>
+              </a:spcAft>
+              <a:buClrTx/>
+              <a:buSzTx/>
+              <a:buFontTx/>
+              <a:buNone/>
+              <a:tabLst/>
+              <a:defRPr/>
+            </a:pPr>
+            <a:endParaRPr kumimoji="0" lang="en-US" sz="1800" b="0" i="0" u="none" strike="noStrike" kern="1200" cap="none" spc="0" normalizeH="0" baseline="0" noProof="0" dirty="0">
+              <a:ln>
+                <a:noFill/>
+              </a:ln>
+              <a:solidFill>
+                <a:prstClr val="black"/>
+              </a:solidFill>
+              <a:effectLst/>
+              <a:uLnTx/>
+              <a:uFillTx/>
+              <a:latin typeface="Calibri" panose="020F0502020204030204"/>
+              <a:ea typeface="+mn-ea"/>
+              <a:cs typeface="+mn-cs"/>
+            </a:endParaRPr>
+          </a:p>
+        </p:txBody>
+      </p:sp>
+      <p:sp>
+        <p:nvSpPr>
+          <p:cNvPr id="28" name="Freeform: Shape 27">
+            <a:extLst>
+              <a:ext uri="{FF2B5EF4-FFF2-40B4-BE49-F238E27FC236}">
+                <a16:creationId xmlns:a16="http://schemas.microsoft.com/office/drawing/2014/main" id="{0DB06EAB-7D8C-403A-86C5-B5FD79A13650}"/>
+              </a:ext>
+              <a:ext uri="{C183D7F6-B498-43B3-948B-1728B52AA6E4}">
+                <adec:decorative xmlns:adec="http://schemas.microsoft.com/office/drawing/2017/decorative" val="1"/>
+              </a:ext>
+            </a:extLst>
+          </p:cNvPr>
+          <p:cNvSpPr>
+            <a:spLocks noGrp="1" noRot="1" noChangeAspect="1" noMove="1" noResize="1" noEditPoints="1" noAdjustHandles="1" noChangeArrowheads="1" noChangeShapeType="1" noTextEdit="1"/>
+          </p:cNvSpPr>
+          <p:nvPr>
+            <p:extLst>
+              <p:ext uri="{386F3935-93C4-4BCD-93E2-E3B085C9AB24}">
+                <p16:designElem xmlns:p16="http://schemas.microsoft.com/office/powerpoint/2015/main" val="1"/>
+              </p:ext>
+            </p:extLst>
+          </p:nvPr>
+        </p:nvSpPr>
+        <p:spPr>
+          <a:xfrm>
+            <a:off x="4542865" y="634058"/>
+            <a:ext cx="3154669" cy="2796247"/>
+          </a:xfrm>
+          <a:custGeom>
+            <a:avLst/>
+            <a:gdLst>
+              <a:gd name="connsiteX0" fmla="*/ 853538 w 2991693"/>
+              <a:gd name="connsiteY0" fmla="*/ 0 h 2651787"/>
+              <a:gd name="connsiteX1" fmla="*/ 2141030 w 2991693"/>
+              <a:gd name="connsiteY1" fmla="*/ 0 h 2651787"/>
+              <a:gd name="connsiteX2" fmla="*/ 2324957 w 2991693"/>
+              <a:gd name="connsiteY2" fmla="*/ 103466 h 2651787"/>
+              <a:gd name="connsiteX3" fmla="*/ 2968702 w 2991693"/>
+              <a:gd name="connsiteY3" fmla="*/ 1218596 h 2651787"/>
+              <a:gd name="connsiteX4" fmla="*/ 2968702 w 2991693"/>
+              <a:gd name="connsiteY4" fmla="*/ 1433192 h 2651787"/>
+              <a:gd name="connsiteX5" fmla="*/ 2324957 w 2991693"/>
+              <a:gd name="connsiteY5" fmla="*/ 2548321 h 2651787"/>
+              <a:gd name="connsiteX6" fmla="*/ 2141030 w 2991693"/>
+              <a:gd name="connsiteY6" fmla="*/ 2651787 h 2651787"/>
+              <a:gd name="connsiteX7" fmla="*/ 853538 w 2991693"/>
+              <a:gd name="connsiteY7" fmla="*/ 2651787 h 2651787"/>
+              <a:gd name="connsiteX8" fmla="*/ 669612 w 2991693"/>
+              <a:gd name="connsiteY8" fmla="*/ 2548321 h 2651787"/>
+              <a:gd name="connsiteX9" fmla="*/ 25866 w 2991693"/>
+              <a:gd name="connsiteY9" fmla="*/ 1433192 h 2651787"/>
+              <a:gd name="connsiteX10" fmla="*/ 25866 w 2991693"/>
+              <a:gd name="connsiteY10" fmla="*/ 1218596 h 2651787"/>
+              <a:gd name="connsiteX11" fmla="*/ 669612 w 2991693"/>
+              <a:gd name="connsiteY11" fmla="*/ 103466 h 2651787"/>
+              <a:gd name="connsiteX12" fmla="*/ 853538 w 2991693"/>
+              <a:gd name="connsiteY12" fmla="*/ 0 h 2651787"/>
+            </a:gdLst>
+            <a:ahLst/>
+            <a:cxnLst>
+              <a:cxn ang="0">
+                <a:pos x="connsiteX0" y="connsiteY0"/>
+              </a:cxn>
+              <a:cxn ang="0">
+                <a:pos x="connsiteX1" y="connsiteY1"/>
+              </a:cxn>
+              <a:cxn ang="0">
+                <a:pos x="connsiteX2" y="connsiteY2"/>
+              </a:cxn>
+              <a:cxn ang="0">
+                <a:pos x="connsiteX3" y="connsiteY3"/>
+              </a:cxn>
+              <a:cxn ang="0">
+                <a:pos x="connsiteX4" y="connsiteY4"/>
+              </a:cxn>
+              <a:cxn ang="0">
+                <a:pos x="connsiteX5" y="connsiteY5"/>
+              </a:cxn>
+              <a:cxn ang="0">
+                <a:pos x="connsiteX6" y="connsiteY6"/>
+              </a:cxn>
+              <a:cxn ang="0">
+                <a:pos x="connsiteX7" y="connsiteY7"/>
+              </a:cxn>
+              <a:cxn ang="0">
+                <a:pos x="connsiteX8" y="connsiteY8"/>
+              </a:cxn>
+              <a:cxn ang="0">
+                <a:pos x="connsiteX9" y="connsiteY9"/>
+              </a:cxn>
+              <a:cxn ang="0">
+                <a:pos x="connsiteX10" y="connsiteY10"/>
+              </a:cxn>
+              <a:cxn ang="0">
+                <a:pos x="connsiteX11" y="connsiteY11"/>
+              </a:cxn>
+              <a:cxn ang="0">
+                <a:pos x="connsiteX12" y="connsiteY12"/>
+              </a:cxn>
+            </a:cxnLst>
+            <a:rect l="l" t="t" r="r" b="b"/>
+            <a:pathLst>
+              <a:path w="2991693" h="2651787">
+                <a:moveTo>
+                  <a:pt x="853538" y="0"/>
+                </a:moveTo>
+                <a:cubicBezTo>
+                  <a:pt x="2141030" y="0"/>
+                  <a:pt x="2141030" y="0"/>
+                  <a:pt x="2141030" y="0"/>
+                </a:cubicBezTo>
+                <a:cubicBezTo>
+                  <a:pt x="2206170" y="0"/>
+                  <a:pt x="2290471" y="45985"/>
+                  <a:pt x="2324957" y="103466"/>
+                </a:cubicBezTo>
+                <a:cubicBezTo>
+                  <a:pt x="2968702" y="1218596"/>
+                  <a:pt x="2968702" y="1218596"/>
+                  <a:pt x="2968702" y="1218596"/>
+                </a:cubicBezTo>
+                <a:cubicBezTo>
+                  <a:pt x="2999357" y="1279909"/>
+                  <a:pt x="2999357" y="1371878"/>
+                  <a:pt x="2968702" y="1433192"/>
+                </a:cubicBezTo>
+                <a:cubicBezTo>
+                  <a:pt x="2324957" y="2548321"/>
+                  <a:pt x="2324957" y="2548321"/>
+                  <a:pt x="2324957" y="2548321"/>
+                </a:cubicBezTo>
+                <a:cubicBezTo>
+                  <a:pt x="2290471" y="2605803"/>
+                  <a:pt x="2206170" y="2651787"/>
+                  <a:pt x="2141030" y="2651787"/>
+                </a:cubicBezTo>
+                <a:lnTo>
+                  <a:pt x="853538" y="2651787"/>
+                </a:lnTo>
+                <a:cubicBezTo>
+                  <a:pt x="784566" y="2651787"/>
+                  <a:pt x="700266" y="2605803"/>
+                  <a:pt x="669612" y="2548321"/>
+                </a:cubicBezTo>
+                <a:cubicBezTo>
+                  <a:pt x="25866" y="1433192"/>
+                  <a:pt x="25866" y="1433192"/>
+                  <a:pt x="25866" y="1433192"/>
+                </a:cubicBezTo>
+                <a:cubicBezTo>
+                  <a:pt x="-8621" y="1371878"/>
+                  <a:pt x="-8621" y="1279909"/>
+                  <a:pt x="25866" y="1218596"/>
+                </a:cubicBezTo>
+                <a:cubicBezTo>
+                  <a:pt x="669612" y="103466"/>
+                  <a:pt x="669612" y="103466"/>
+                  <a:pt x="669612" y="103466"/>
+                </a:cubicBezTo>
+                <a:cubicBezTo>
+                  <a:pt x="700266" y="45985"/>
+                  <a:pt x="784566" y="0"/>
+                  <a:pt x="853538" y="0"/>
+                </a:cubicBezTo>
+                <a:close/>
+              </a:path>
+            </a:pathLst>
+          </a:custGeom>
+          <a:noFill/>
+          <a:ln w="50800" cap="flat">
+            <a:solidFill>
+              <a:schemeClr val="tx1"/>
+            </a:solidFill>
+            <a:prstDash val="solid"/>
+            <a:miter lim="800000"/>
+            <a:headEnd/>
+            <a:tailEnd/>
+          </a:ln>
+        </p:spPr>
+        <p:txBody>
+          <a:bodyPr vert="horz" wrap="square" lIns="91440" tIns="45720" rIns="91440" bIns="45720" numCol="1" anchor="t" anchorCtr="0" compatLnSpc="1">
+            <a:prstTxWarp prst="textNoShape">
+              <a:avLst/>
+            </a:prstTxWarp>
+          </a:bodyPr>
+          <a:lstStyle/>
+          <a:p>
+            <a:pPr marL="0" marR="0" lvl="0" indent="0" algn="l" defTabSz="914400" rtl="0" eaLnBrk="1" fontAlgn="auto" latinLnBrk="0" hangingPunct="1">
+              <a:lnSpc>
+                <a:spcPct val="100000"/>
+              </a:lnSpc>
+              <a:spcBef>
+                <a:spcPts val="0"/>
+              </a:spcBef>
+              <a:spcAft>
+                <a:spcPts val="0"/>
+              </a:spcAft>
+              <a:buClrTx/>
+              <a:buSzTx/>
+              <a:buFontTx/>
+              <a:buNone/>
+              <a:tabLst/>
+              <a:defRPr/>
+            </a:pPr>
+            <a:endParaRPr kumimoji="0" lang="en-US" sz="1800" b="0" i="0" u="none" strike="noStrike" kern="1200" cap="none" spc="0" normalizeH="0" baseline="0" noProof="0" dirty="0">
+              <a:ln>
+                <a:noFill/>
+              </a:ln>
+              <a:solidFill>
+                <a:prstClr val="black"/>
+              </a:solidFill>
+              <a:effectLst/>
+              <a:uLnTx/>
+              <a:uFillTx/>
+              <a:latin typeface="Calibri" panose="020F0502020204030204"/>
+              <a:ea typeface="+mn-ea"/>
+              <a:cs typeface="+mn-cs"/>
+            </a:endParaRPr>
+          </a:p>
+        </p:txBody>
+      </p:sp>
+      <p:pic>
+        <p:nvPicPr>
+          <p:cNvPr id="7" name="Picture 6">
+            <a:extLst>
+              <a:ext uri="{FF2B5EF4-FFF2-40B4-BE49-F238E27FC236}">
+                <a16:creationId xmlns:a16="http://schemas.microsoft.com/office/drawing/2014/main" id="{44155673-E4BF-4691-91EF-AF8288758CA5}"/>
+              </a:ext>
+            </a:extLst>
+          </p:cNvPr>
+          <p:cNvPicPr>
+            <a:picLocks noChangeAspect="1"/>
+          </p:cNvPicPr>
+          <p:nvPr/>
+        </p:nvPicPr>
+        <p:blipFill>
+          <a:blip r:embed="rId3"/>
+          <a:stretch>
+            <a:fillRect/>
+          </a:stretch>
+        </p:blipFill>
+        <p:spPr>
+          <a:xfrm>
+            <a:off x="8050038" y="2354401"/>
+            <a:ext cx="2713512" cy="2713512"/>
+          </a:xfrm>
+          <a:prstGeom prst="rect">
+            <a:avLst/>
+          </a:prstGeom>
+        </p:spPr>
+      </p:pic>
+      <p:pic>
+        <p:nvPicPr>
+          <p:cNvPr id="15" name="Picture 14" descr="Icon&#10;&#10;Description automatically generated">
+            <a:extLst>
+              <a:ext uri="{FF2B5EF4-FFF2-40B4-BE49-F238E27FC236}">
+                <a16:creationId xmlns:a16="http://schemas.microsoft.com/office/drawing/2014/main" id="{47014846-E21C-448F-BE26-C0C592F4C6E4}"/>
+              </a:ext>
+            </a:extLst>
+          </p:cNvPr>
+          <p:cNvPicPr>
+            <a:picLocks noChangeAspect="1"/>
+          </p:cNvPicPr>
+          <p:nvPr/>
+        </p:nvPicPr>
+        <p:blipFill>
+          <a:blip r:embed="rId4">
+            <a:extLst>
+              <a:ext uri="{28A0092B-C50C-407E-A947-70E740481C1C}">
+                <a14:useLocalDpi xmlns:a14="http://schemas.microsoft.com/office/drawing/2010/main" val="0"/>
+              </a:ext>
+            </a:extLst>
+          </a:blip>
+          <a:stretch>
+            <a:fillRect/>
+          </a:stretch>
+        </p:blipFill>
+        <p:spPr>
+          <a:xfrm>
+            <a:off x="5320485" y="1194006"/>
+            <a:ext cx="1599427" cy="1599427"/>
+          </a:xfrm>
+          <a:prstGeom prst="rect">
+            <a:avLst/>
+          </a:prstGeom>
+        </p:spPr>
+      </p:pic>
+    </p:spTree>
+    <p:extLst>
+      <p:ext uri="{BB962C8B-B14F-4D97-AF65-F5344CB8AC3E}">
+        <p14:creationId xmlns:p14="http://schemas.microsoft.com/office/powerpoint/2010/main" val="3228749532"/>
+      </p:ext>
+    </p:extLst>
+  </p:cSld>
+  <p:clrMapOvr>
+    <a:masterClrMapping/>
+  </p:clrMapOvr>
+</p:sld>
+</file>
+
+<file path=ppt/slides/slide8.xml><?xml version="1.0" encoding="utf-8"?>
+<p:sld xmlns:a="http://schemas.openxmlformats.org/drawingml/2006/main" xmlns:r="http://schemas.openxmlformats.org/officeDocument/2006/relationships" xmlns:p="http://schemas.openxmlformats.org/presentationml/2006/main">
+  <p:cSld>
+    <p:spTree>
+      <p:nvGrpSpPr>
+        <p:cNvPr id="1" name=""/>
+        <p:cNvGrpSpPr/>
+        <p:nvPr/>
+      </p:nvGrpSpPr>
+      <p:grpSpPr>
+        <a:xfrm>
+          <a:off x="0" y="0"/>
+          <a:ext cx="0" cy="0"/>
+          <a:chOff x="0" y="0"/>
+          <a:chExt cx="0" cy="0"/>
+        </a:xfrm>
+      </p:grpSpPr>
+      <p:pic>
+        <p:nvPicPr>
+          <p:cNvPr id="3" name="Picture 2">
+            <a:extLst>
+              <a:ext uri="{FF2B5EF4-FFF2-40B4-BE49-F238E27FC236}">
+                <a16:creationId xmlns:a16="http://schemas.microsoft.com/office/drawing/2014/main" id="{CFAD4C39-42D6-45D1-9E0D-E17B5050B154}"/>
+              </a:ext>
+            </a:extLst>
+          </p:cNvPr>
+          <p:cNvPicPr>
+            <a:picLocks noChangeAspect="1"/>
+          </p:cNvPicPr>
+          <p:nvPr/>
+        </p:nvPicPr>
+        <p:blipFill>
+          <a:blip r:embed="rId3"/>
+          <a:stretch>
+            <a:fillRect/>
+          </a:stretch>
+        </p:blipFill>
+        <p:spPr>
+          <a:xfrm>
+            <a:off x="2678915" y="1014786"/>
+            <a:ext cx="6527731" cy="4684974"/>
+          </a:xfrm>
+          <a:prstGeom prst="rect">
+            <a:avLst/>
+          </a:prstGeom>
+        </p:spPr>
+      </p:pic>
+    </p:spTree>
+    <p:extLst>
+      <p:ext uri="{BB962C8B-B14F-4D97-AF65-F5344CB8AC3E}">
+        <p14:creationId xmlns:p14="http://schemas.microsoft.com/office/powerpoint/2010/main" val="3340194559"/>
+      </p:ext>
+    </p:extLst>
+  </p:cSld>
+  <p:clrMapOvr>
+    <a:masterClrMapping/>
+  </p:clrMapOvr>
+</p:sld>
+</file>
+
+<file path=ppt/slides/slide9.xml><?xml version="1.0" encoding="utf-8"?>
+<p:sld xmlns:a="http://schemas.openxmlformats.org/drawingml/2006/main" xmlns:r="http://schemas.openxmlformats.org/officeDocument/2006/relationships" xmlns:p="http://schemas.openxmlformats.org/presentationml/2006/main">
+  <p:cSld>
+    <p:bg>
+      <p:bgPr>
+        <a:solidFill>
+          <a:schemeClr val="bg1"/>
+        </a:solidFill>
+        <a:effectLst/>
+      </p:bgPr>
+    </p:bg>
+    <p:spTree>
+      <p:nvGrpSpPr>
+        <p:cNvPr id="1" name=""/>
+        <p:cNvGrpSpPr/>
+        <p:nvPr/>
+      </p:nvGrpSpPr>
+      <p:grpSpPr>
+        <a:xfrm>
+          <a:off x="0" y="0"/>
+          <a:ext cx="0" cy="0"/>
+          <a:chOff x="0" y="0"/>
+          <a:chExt cx="0" cy="0"/>
+        </a:xfrm>
+      </p:grpSpPr>
+      <p:sp useBgFill="1">
+        <p:nvSpPr>
+          <p:cNvPr id="20" name="Rectangle 19">
+            <a:extLst>
+              <a:ext uri="{FF2B5EF4-FFF2-40B4-BE49-F238E27FC236}">
+                <a16:creationId xmlns:a16="http://schemas.microsoft.com/office/drawing/2014/main" id="{C4E4288A-DFC8-40A2-90E5-70E851A933AD}"/>
+              </a:ext>
+              <a:ext uri="{C183D7F6-B498-43B3-948B-1728B52AA6E4}">
+                <adec:decorative xmlns:adec="http://schemas.microsoft.com/office/drawing/2017/decorative" val="1"/>
+              </a:ext>
+            </a:extLst>
+          </p:cNvPr>
+          <p:cNvSpPr>
+            <a:spLocks noGrp="1" noRot="1" noChangeAspect="1" noMove="1" noResize="1" noEditPoints="1" noAdjustHandles="1" noChangeArrowheads="1" noChangeShapeType="1" noTextEdit="1"/>
+          </p:cNvSpPr>
+          <p:nvPr>
+            <p:extLst>
+              <p:ext uri="{386F3935-93C4-4BCD-93E2-E3B085C9AB24}">
+                <p16:designElem xmlns:p16="http://schemas.microsoft.com/office/powerpoint/2015/main" val="1"/>
+              </p:ext>
+            </p:extLst>
+          </p:nvPr>
+        </p:nvSpPr>
+        <p:spPr>
+          <a:xfrm>
+            <a:off x="0" y="0"/>
+            <a:ext cx="12192000" cy="6858000"/>
+          </a:xfrm>
+          <a:prstGeom prst="rect">
+            <a:avLst/>
+          </a:prstGeom>
+          <a:ln>
+            <a:noFill/>
+          </a:ln>
+        </p:spPr>
+        <p:style>
+          <a:lnRef idx="2">
+            <a:schemeClr val="accent1">
+              <a:shade val="50000"/>
+            </a:schemeClr>
+          </a:lnRef>
+          <a:fillRef idx="1">
+            <a:schemeClr val="accent1"/>
+          </a:fillRef>
+          <a:effectRef idx="0">
+            <a:schemeClr val="accent1"/>
+          </a:effectRef>
+          <a:fontRef idx="minor">
+            <a:schemeClr val="lt1"/>
+          </a:fontRef>
+        </p:style>
+        <p:txBody>
+          <a:bodyPr rtlCol="0" anchor="ctr"/>
+          <a:lstStyle/>
+          <a:p>
+            <a:pPr marL="0" marR="0" lvl="0" indent="0" algn="ctr" defTabSz="914400" rtl="0" eaLnBrk="1" fontAlgn="auto" latinLnBrk="0" hangingPunct="1">
+              <a:lnSpc>
+                <a:spcPct val="100000"/>
+              </a:lnSpc>
+              <a:spcBef>
+                <a:spcPts val="0"/>
+              </a:spcBef>
+              <a:spcAft>
+                <a:spcPts val="0"/>
+              </a:spcAft>
+              <a:buClrTx/>
+              <a:buSzTx/>
+              <a:buFontTx/>
+              <a:buNone/>
+              <a:tabLst/>
+              <a:defRPr/>
+            </a:pPr>
+            <a:endParaRPr kumimoji="0" lang="en-US" sz="1800" b="0" i="0" u="none" strike="noStrike" kern="1200" cap="none" spc="0" normalizeH="0" baseline="0" noProof="0">
+              <a:ln>
+                <a:noFill/>
+              </a:ln>
+              <a:solidFill>
+                <a:prstClr val="white"/>
+              </a:solidFill>
+              <a:effectLst/>
+              <a:uLnTx/>
+              <a:uFillTx/>
+              <a:latin typeface="Calibri" panose="020F0502020204030204"/>
+              <a:ea typeface="+mn-ea"/>
+              <a:cs typeface="+mn-cs"/>
+            </a:endParaRPr>
+          </a:p>
+        </p:txBody>
+      </p:sp>
+      <p:grpSp>
+        <p:nvGrpSpPr>
+          <p:cNvPr id="22" name="Group 21">
+            <a:extLst>
+              <a:ext uri="{FF2B5EF4-FFF2-40B4-BE49-F238E27FC236}">
+                <a16:creationId xmlns:a16="http://schemas.microsoft.com/office/drawing/2014/main" id="{B63C2D82-D4FA-4A37-BB01-1E7B21E4FF20}"/>
+              </a:ext>
+              <a:ext uri="{C183D7F6-B498-43B3-948B-1728B52AA6E4}">
+                <adec:decorative xmlns:adec="http://schemas.microsoft.com/office/drawing/2017/decorative" val="1"/>
+              </a:ext>
+            </a:extLst>
+          </p:cNvPr>
+          <p:cNvGrpSpPr>
+            <a:grpSpLocks noGrp="1" noUngrp="1" noRot="1" noChangeAspect="1" noMove="1" noResize="1"/>
+          </p:cNvGrpSpPr>
+          <p:nvPr>
+            <p:extLst>
+              <p:ext uri="{386F3935-93C4-4BCD-93E2-E3B085C9AB24}">
+                <p16:designElem xmlns:p16="http://schemas.microsoft.com/office/powerpoint/2015/main" val="1"/>
+              </p:ext>
+            </p:extLst>
+          </p:nvPr>
+        </p:nvGrpSpPr>
+        <p:grpSpPr>
+          <a:xfrm>
+            <a:off x="965199" y="634058"/>
+            <a:ext cx="1128382" cy="847206"/>
+            <a:chOff x="5307830" y="325570"/>
+            <a:chExt cx="1128382" cy="847206"/>
+          </a:xfrm>
+        </p:grpSpPr>
+        <p:sp>
+          <p:nvSpPr>
+            <p:cNvPr id="23" name="Freeform 5">
+              <a:extLst>
+                <a:ext uri="{FF2B5EF4-FFF2-40B4-BE49-F238E27FC236}">
+                  <a16:creationId xmlns:a16="http://schemas.microsoft.com/office/drawing/2014/main" id="{C94E7FEF-0CE9-4AC2-94BB-02230C6DC0DF}"/>
+                </a:ext>
+                <a:ext uri="{C183D7F6-B498-43B3-948B-1728B52AA6E4}">
+                  <adec:decorative xmlns:adec="http://schemas.microsoft.com/office/drawing/2017/decorative" val="1"/>
+                </a:ext>
+              </a:extLst>
+            </p:cNvPr>
+            <p:cNvSpPr>
+              <a:spLocks/>
+            </p:cNvSpPr>
+            <p:nvPr>
+              <p:extLst>
+                <p:ext uri="{386F3935-93C4-4BCD-93E2-E3B085C9AB24}">
+                  <p16:designElem xmlns:p16="http://schemas.microsoft.com/office/powerpoint/2015/main" val="1"/>
+                </p:ext>
+              </p:extLst>
+            </p:nvPr>
+          </p:nvSpPr>
+          <p:spPr bwMode="auto">
+            <a:xfrm>
+              <a:off x="5307830" y="577396"/>
+              <a:ext cx="675351" cy="595380"/>
+            </a:xfrm>
+            <a:custGeom>
+              <a:avLst/>
+              <a:gdLst>
+                <a:gd name="T0" fmla="*/ 225 w 785"/>
+                <a:gd name="T1" fmla="*/ 692 h 692"/>
+                <a:gd name="T2" fmla="*/ 177 w 785"/>
+                <a:gd name="T3" fmla="*/ 665 h 692"/>
+                <a:gd name="T4" fmla="*/ 9 w 785"/>
+                <a:gd name="T5" fmla="*/ 374 h 692"/>
+                <a:gd name="T6" fmla="*/ 9 w 785"/>
+                <a:gd name="T7" fmla="*/ 318 h 692"/>
+                <a:gd name="T8" fmla="*/ 177 w 785"/>
+                <a:gd name="T9" fmla="*/ 27 h 692"/>
+                <a:gd name="T10" fmla="*/ 225 w 785"/>
+                <a:gd name="T11" fmla="*/ 0 h 692"/>
+                <a:gd name="T12" fmla="*/ 561 w 785"/>
+                <a:gd name="T13" fmla="*/ 0 h 692"/>
+                <a:gd name="T14" fmla="*/ 609 w 785"/>
+                <a:gd name="T15" fmla="*/ 27 h 692"/>
+                <a:gd name="T16" fmla="*/ 777 w 785"/>
+                <a:gd name="T17" fmla="*/ 318 h 692"/>
+                <a:gd name="T18" fmla="*/ 777 w 785"/>
+                <a:gd name="T19" fmla="*/ 374 h 692"/>
+                <a:gd name="T20" fmla="*/ 609 w 785"/>
+                <a:gd name="T21" fmla="*/ 665 h 692"/>
+                <a:gd name="T22" fmla="*/ 561 w 785"/>
+                <a:gd name="T23" fmla="*/ 692 h 692"/>
+                <a:gd name="T24" fmla="*/ 225 w 785"/>
+                <a:gd name="T25" fmla="*/ 692 h 692"/>
+              </a:gdLst>
+              <a:ahLst/>
+              <a:cxnLst>
+                <a:cxn ang="0">
+                  <a:pos x="T0" y="T1"/>
+                </a:cxn>
+                <a:cxn ang="0">
+                  <a:pos x="T2" y="T3"/>
+                </a:cxn>
+                <a:cxn ang="0">
+                  <a:pos x="T4" y="T5"/>
+                </a:cxn>
+                <a:cxn ang="0">
+                  <a:pos x="T6" y="T7"/>
+                </a:cxn>
+                <a:cxn ang="0">
+                  <a:pos x="T8" y="T9"/>
+                </a:cxn>
+                <a:cxn ang="0">
+                  <a:pos x="T10" y="T11"/>
+                </a:cxn>
+                <a:cxn ang="0">
+                  <a:pos x="T12" y="T13"/>
+                </a:cxn>
+                <a:cxn ang="0">
+                  <a:pos x="T14" y="T15"/>
+                </a:cxn>
+                <a:cxn ang="0">
+                  <a:pos x="T16" y="T17"/>
+                </a:cxn>
+                <a:cxn ang="0">
+                  <a:pos x="T18" y="T19"/>
+                </a:cxn>
+                <a:cxn ang="0">
+                  <a:pos x="T20" y="T21"/>
+                </a:cxn>
+                <a:cxn ang="0">
+                  <a:pos x="T22" y="T23"/>
+                </a:cxn>
+                <a:cxn ang="0">
+                  <a:pos x="T24" y="T25"/>
+                </a:cxn>
+              </a:cxnLst>
+              <a:rect l="0" t="0" r="r" b="b"/>
+              <a:pathLst>
+                <a:path w="785" h="692">
+                  <a:moveTo>
+                    <a:pt x="225" y="692"/>
+                  </a:moveTo>
+                  <a:cubicBezTo>
+                    <a:pt x="207" y="692"/>
+                    <a:pt x="185" y="680"/>
+                    <a:pt x="177" y="665"/>
+                  </a:cubicBezTo>
+                  <a:cubicBezTo>
+                    <a:pt x="9" y="374"/>
+                    <a:pt x="9" y="374"/>
+                    <a:pt x="9" y="374"/>
+                  </a:cubicBezTo>
+                  <a:cubicBezTo>
+                    <a:pt x="0" y="358"/>
+                    <a:pt x="0" y="334"/>
+                    <a:pt x="9" y="318"/>
+                  </a:cubicBezTo>
+                  <a:cubicBezTo>
+                    <a:pt x="177" y="27"/>
+                    <a:pt x="177" y="27"/>
+                    <a:pt x="177" y="27"/>
+                  </a:cubicBezTo>
+                  <a:cubicBezTo>
+                    <a:pt x="185" y="12"/>
+                    <a:pt x="207" y="0"/>
+                    <a:pt x="225" y="0"/>
+                  </a:cubicBezTo>
+                  <a:cubicBezTo>
+                    <a:pt x="561" y="0"/>
+                    <a:pt x="561" y="0"/>
+                    <a:pt x="561" y="0"/>
+                  </a:cubicBezTo>
+                  <a:cubicBezTo>
+                    <a:pt x="578" y="0"/>
+                    <a:pt x="600" y="12"/>
+                    <a:pt x="609" y="27"/>
+                  </a:cubicBezTo>
+                  <a:cubicBezTo>
+                    <a:pt x="777" y="318"/>
+                    <a:pt x="777" y="318"/>
+                    <a:pt x="777" y="318"/>
+                  </a:cubicBezTo>
+                  <a:cubicBezTo>
+                    <a:pt x="785" y="334"/>
+                    <a:pt x="785" y="358"/>
+                    <a:pt x="777" y="374"/>
+                  </a:cubicBezTo>
+                  <a:cubicBezTo>
+                    <a:pt x="609" y="665"/>
+                    <a:pt x="609" y="665"/>
+                    <a:pt x="609" y="665"/>
+                  </a:cubicBezTo>
+                  <a:cubicBezTo>
+                    <a:pt x="600" y="680"/>
+                    <a:pt x="578" y="692"/>
+                    <a:pt x="561" y="692"/>
+                  </a:cubicBezTo>
+                  <a:lnTo>
+                    <a:pt x="225" y="692"/>
+                  </a:lnTo>
+                  <a:close/>
+                </a:path>
+              </a:pathLst>
+            </a:custGeom>
+            <a:noFill/>
+            <a:ln w="28575" cmpd="sng">
+              <a:solidFill>
+                <a:schemeClr val="tx1"/>
+              </a:solidFill>
+            </a:ln>
+          </p:spPr>
+          <p:txBody>
+            <a:bodyPr vert="horz" wrap="square" lIns="91440" tIns="45720" rIns="91440" bIns="45720" numCol="1" anchor="t" anchorCtr="0" compatLnSpc="1">
+              <a:prstTxWarp prst="textNoShape">
+                <a:avLst/>
+              </a:prstTxWarp>
+            </a:bodyPr>
+            <a:lstStyle/>
+            <a:p>
+              <a:pPr marL="0" marR="0" lvl="0" indent="0" algn="l" defTabSz="914400" rtl="0" eaLnBrk="1" fontAlgn="auto" latinLnBrk="0" hangingPunct="1">
+                <a:lnSpc>
+                  <a:spcPct val="100000"/>
+                </a:lnSpc>
+                <a:spcBef>
+                  <a:spcPts val="0"/>
+                </a:spcBef>
+                <a:spcAft>
+                  <a:spcPts val="0"/>
+                </a:spcAft>
+                <a:buClrTx/>
+                <a:buSzTx/>
+                <a:buFontTx/>
+                <a:buNone/>
+                <a:tabLst/>
+                <a:defRPr/>
+              </a:pPr>
+              <a:endParaRPr kumimoji="0" lang="en-US" sz="1800" b="0" i="0" u="none" strike="noStrike" kern="1200" cap="none" spc="0" normalizeH="0" baseline="0" noProof="0">
+                <a:ln>
+                  <a:noFill/>
+                </a:ln>
+                <a:solidFill>
+                  <a:prstClr val="black"/>
+                </a:solidFill>
+                <a:effectLst/>
+                <a:uLnTx/>
+                <a:uFillTx/>
+                <a:latin typeface="Calibri" panose="020F0502020204030204"/>
+                <a:ea typeface="+mn-ea"/>
+                <a:cs typeface="+mn-cs"/>
+              </a:endParaRPr>
+            </a:p>
+          </p:txBody>
+        </p:sp>
+        <p:sp>
+          <p:nvSpPr>
+            <p:cNvPr id="24" name="Freeform 5">
+              <a:extLst>
+                <a:ext uri="{FF2B5EF4-FFF2-40B4-BE49-F238E27FC236}">
+                  <a16:creationId xmlns:a16="http://schemas.microsoft.com/office/drawing/2014/main" id="{EB546CC0-C1BC-48D2-8DA9-4B60283165C9}"/>
+                </a:ext>
+                <a:ext uri="{C183D7F6-B498-43B3-948B-1728B52AA6E4}">
+                  <adec:decorative xmlns:adec="http://schemas.microsoft.com/office/drawing/2017/decorative" val="1"/>
+                </a:ext>
+              </a:extLst>
+            </p:cNvPr>
+            <p:cNvSpPr>
+              <a:spLocks/>
+            </p:cNvSpPr>
+            <p:nvPr>
+              <p:extLst>
+                <p:ext uri="{386F3935-93C4-4BCD-93E2-E3B085C9AB24}">
+                  <p16:designElem xmlns:p16="http://schemas.microsoft.com/office/powerpoint/2015/main" val="1"/>
+                </p:ext>
+              </p:extLst>
+            </p:nvPr>
+          </p:nvSpPr>
+          <p:spPr bwMode="auto">
+            <a:xfrm>
+              <a:off x="5885720" y="325570"/>
+              <a:ext cx="550492" cy="485306"/>
+            </a:xfrm>
+            <a:custGeom>
+              <a:avLst/>
+              <a:gdLst>
+                <a:gd name="T0" fmla="*/ 225 w 785"/>
+                <a:gd name="T1" fmla="*/ 692 h 692"/>
+                <a:gd name="T2" fmla="*/ 177 w 785"/>
+                <a:gd name="T3" fmla="*/ 665 h 692"/>
+                <a:gd name="T4" fmla="*/ 9 w 785"/>
+                <a:gd name="T5" fmla="*/ 374 h 692"/>
+                <a:gd name="T6" fmla="*/ 9 w 785"/>
+                <a:gd name="T7" fmla="*/ 318 h 692"/>
+                <a:gd name="T8" fmla="*/ 177 w 785"/>
+                <a:gd name="T9" fmla="*/ 27 h 692"/>
+                <a:gd name="T10" fmla="*/ 225 w 785"/>
+                <a:gd name="T11" fmla="*/ 0 h 692"/>
+                <a:gd name="T12" fmla="*/ 561 w 785"/>
+                <a:gd name="T13" fmla="*/ 0 h 692"/>
+                <a:gd name="T14" fmla="*/ 609 w 785"/>
+                <a:gd name="T15" fmla="*/ 27 h 692"/>
+                <a:gd name="T16" fmla="*/ 777 w 785"/>
+                <a:gd name="T17" fmla="*/ 318 h 692"/>
+                <a:gd name="T18" fmla="*/ 777 w 785"/>
+                <a:gd name="T19" fmla="*/ 374 h 692"/>
+                <a:gd name="T20" fmla="*/ 609 w 785"/>
+                <a:gd name="T21" fmla="*/ 665 h 692"/>
+                <a:gd name="T22" fmla="*/ 561 w 785"/>
+                <a:gd name="T23" fmla="*/ 692 h 692"/>
+                <a:gd name="T24" fmla="*/ 225 w 785"/>
+                <a:gd name="T25" fmla="*/ 692 h 692"/>
+              </a:gdLst>
+              <a:ahLst/>
+              <a:cxnLst>
+                <a:cxn ang="0">
+                  <a:pos x="T0" y="T1"/>
+                </a:cxn>
+                <a:cxn ang="0">
+                  <a:pos x="T2" y="T3"/>
+                </a:cxn>
+                <a:cxn ang="0">
+                  <a:pos x="T4" y="T5"/>
+                </a:cxn>
+                <a:cxn ang="0">
+                  <a:pos x="T6" y="T7"/>
+                </a:cxn>
+                <a:cxn ang="0">
+                  <a:pos x="T8" y="T9"/>
+                </a:cxn>
+                <a:cxn ang="0">
+                  <a:pos x="T10" y="T11"/>
+                </a:cxn>
+                <a:cxn ang="0">
+                  <a:pos x="T12" y="T13"/>
+                </a:cxn>
+                <a:cxn ang="0">
+                  <a:pos x="T14" y="T15"/>
+                </a:cxn>
+                <a:cxn ang="0">
+                  <a:pos x="T16" y="T17"/>
+                </a:cxn>
+                <a:cxn ang="0">
+                  <a:pos x="T18" y="T19"/>
+                </a:cxn>
+                <a:cxn ang="0">
+                  <a:pos x="T20" y="T21"/>
+                </a:cxn>
+                <a:cxn ang="0">
+                  <a:pos x="T22" y="T23"/>
+                </a:cxn>
+                <a:cxn ang="0">
+                  <a:pos x="T24" y="T25"/>
+                </a:cxn>
+              </a:cxnLst>
+              <a:rect l="0" t="0" r="r" b="b"/>
+              <a:pathLst>
+                <a:path w="785" h="692">
+                  <a:moveTo>
+                    <a:pt x="225" y="692"/>
+                  </a:moveTo>
+                  <a:cubicBezTo>
+                    <a:pt x="207" y="692"/>
+                    <a:pt x="185" y="680"/>
+                    <a:pt x="177" y="665"/>
+                  </a:cubicBezTo>
+                  <a:cubicBezTo>
+                    <a:pt x="9" y="374"/>
+                    <a:pt x="9" y="374"/>
+                    <a:pt x="9" y="374"/>
+                  </a:cubicBezTo>
+                  <a:cubicBezTo>
+                    <a:pt x="0" y="358"/>
+                    <a:pt x="0" y="334"/>
+                    <a:pt x="9" y="318"/>
+                  </a:cubicBezTo>
+                  <a:cubicBezTo>
+                    <a:pt x="177" y="27"/>
+                    <a:pt x="177" y="27"/>
+                    <a:pt x="177" y="27"/>
+                  </a:cubicBezTo>
+                  <a:cubicBezTo>
+                    <a:pt x="185" y="12"/>
+                    <a:pt x="207" y="0"/>
+                    <a:pt x="225" y="0"/>
+                  </a:cubicBezTo>
+                  <a:cubicBezTo>
+                    <a:pt x="561" y="0"/>
+                    <a:pt x="561" y="0"/>
+                    <a:pt x="561" y="0"/>
+                  </a:cubicBezTo>
+                  <a:cubicBezTo>
+                    <a:pt x="578" y="0"/>
+                    <a:pt x="600" y="12"/>
+                    <a:pt x="609" y="27"/>
+                  </a:cubicBezTo>
+                  <a:cubicBezTo>
+                    <a:pt x="777" y="318"/>
+                    <a:pt x="777" y="318"/>
+                    <a:pt x="777" y="318"/>
+                  </a:cubicBezTo>
+                  <a:cubicBezTo>
+                    <a:pt x="785" y="334"/>
+                    <a:pt x="785" y="358"/>
+                    <a:pt x="777" y="374"/>
+                  </a:cubicBezTo>
+                  <a:cubicBezTo>
+                    <a:pt x="609" y="665"/>
+                    <a:pt x="609" y="665"/>
+                    <a:pt x="609" y="665"/>
+                  </a:cubicBezTo>
+                  <a:cubicBezTo>
+                    <a:pt x="600" y="680"/>
+                    <a:pt x="578" y="692"/>
+                    <a:pt x="561" y="692"/>
+                  </a:cubicBezTo>
+                  <a:lnTo>
+                    <a:pt x="225" y="692"/>
+                  </a:lnTo>
+                  <a:close/>
+                </a:path>
+              </a:pathLst>
+            </a:custGeom>
+            <a:noFill/>
+            <a:ln w="28575" cmpd="sng">
+              <a:solidFill>
+                <a:schemeClr val="tx1"/>
+              </a:solidFill>
+            </a:ln>
+          </p:spPr>
+          <p:txBody>
+            <a:bodyPr vert="horz" wrap="square" lIns="91440" tIns="45720" rIns="91440" bIns="45720" numCol="1" anchor="t" anchorCtr="0" compatLnSpc="1">
+              <a:prstTxWarp prst="textNoShape">
+                <a:avLst/>
+              </a:prstTxWarp>
+            </a:bodyPr>
+            <a:lstStyle/>
+            <a:p>
+              <a:pPr marL="0" marR="0" lvl="0" indent="0" algn="l" defTabSz="914400" rtl="0" eaLnBrk="1" fontAlgn="auto" latinLnBrk="0" hangingPunct="1">
+                <a:lnSpc>
+                  <a:spcPct val="100000"/>
+                </a:lnSpc>
+                <a:spcBef>
+                  <a:spcPts val="0"/>
+                </a:spcBef>
+                <a:spcAft>
+                  <a:spcPts val="0"/>
+                </a:spcAft>
+                <a:buClrTx/>
+                <a:buSzTx/>
+                <a:buFontTx/>
+                <a:buNone/>
+                <a:tabLst/>
+                <a:defRPr/>
+              </a:pPr>
+              <a:endParaRPr kumimoji="0" lang="en-US" sz="1800" b="0" i="0" u="none" strike="noStrike" kern="1200" cap="none" spc="0" normalizeH="0" baseline="0" noProof="0">
+                <a:ln>
+                  <a:noFill/>
+                </a:ln>
+                <a:solidFill>
+                  <a:prstClr val="black"/>
+                </a:solidFill>
+                <a:effectLst/>
+                <a:uLnTx/>
+                <a:uFillTx/>
+                <a:latin typeface="Calibri" panose="020F0502020204030204"/>
+                <a:ea typeface="+mn-ea"/>
+                <a:cs typeface="+mn-cs"/>
+              </a:endParaRPr>
+            </a:p>
+          </p:txBody>
+        </p:sp>
+      </p:grpSp>
+      <p:sp>
+        <p:nvSpPr>
+          <p:cNvPr id="8" name="TextBox 7">
+            <a:extLst>
+              <a:ext uri="{FF2B5EF4-FFF2-40B4-BE49-F238E27FC236}">
+                <a16:creationId xmlns:a16="http://schemas.microsoft.com/office/drawing/2014/main" id="{04CA4DF5-C512-4233-8F08-3FDA86F8239A}"/>
+              </a:ext>
+            </a:extLst>
+          </p:cNvPr>
+          <p:cNvSpPr txBox="1"/>
+          <p:nvPr/>
+        </p:nvSpPr>
+        <p:spPr>
+          <a:xfrm>
+            <a:off x="614234" y="2354401"/>
+            <a:ext cx="4274710" cy="1522755"/>
+          </a:xfrm>
+          <a:prstGeom prst="rect">
+            <a:avLst/>
+          </a:prstGeom>
+        </p:spPr>
+        <p:txBody>
+          <a:bodyPr vert="horz" lIns="91440" tIns="45720" rIns="91440" bIns="45720" rtlCol="0" anchor="b">
+            <a:normAutofit/>
+          </a:bodyPr>
+          <a:lstStyle/>
+          <a:p>
+            <a:pPr marL="0" marR="0" lvl="0" indent="0" algn="l" defTabSz="914400" rtl="0" eaLnBrk="1" fontAlgn="auto" latinLnBrk="0" hangingPunct="1">
+              <a:lnSpc>
+                <a:spcPct val="90000"/>
+              </a:lnSpc>
+              <a:spcBef>
+                <a:spcPct val="0"/>
+              </a:spcBef>
+              <a:spcAft>
+                <a:spcPts val="600"/>
+              </a:spcAft>
+              <a:buClrTx/>
+              <a:buSzTx/>
+              <a:buFontTx/>
+              <a:buNone/>
+              <a:tabLst/>
+              <a:defRPr/>
+            </a:pPr>
+            <a:r>
+              <a:rPr kumimoji="0" lang="en-US" sz="4200" b="0" i="0" u="none" strike="noStrike" kern="1200" cap="none" spc="0" normalizeH="0" baseline="0" noProof="0" dirty="0">
+                <a:ln>
+                  <a:noFill/>
+                </a:ln>
+                <a:solidFill>
+                  <a:prstClr val="black"/>
+                </a:solidFill>
+                <a:effectLst/>
+                <a:uLnTx/>
+                <a:uFillTx/>
+                <a:latin typeface="Calibri Light" panose="020F0302020204030204"/>
+                <a:ea typeface="+mn-ea"/>
+                <a:cs typeface="+mn-cs"/>
+              </a:rPr>
+              <a:t>Labs 04-06</a:t>
+            </a:r>
+          </a:p>
+        </p:txBody>
+      </p:sp>
+      <p:sp>
+        <p:nvSpPr>
+          <p:cNvPr id="26" name="Freeform 5">
+            <a:extLst>
+              <a:ext uri="{FF2B5EF4-FFF2-40B4-BE49-F238E27FC236}">
+                <a16:creationId xmlns:a16="http://schemas.microsoft.com/office/drawing/2014/main" id="{BD2BFF02-DF78-4F07-B176-52514E13127D}"/>
+              </a:ext>
+              <a:ext uri="{C183D7F6-B498-43B3-948B-1728B52AA6E4}">
+                <adec:decorative xmlns:adec="http://schemas.microsoft.com/office/drawing/2017/decorative" val="1"/>
+              </a:ext>
+            </a:extLst>
+          </p:cNvPr>
+          <p:cNvSpPr>
+            <a:spLocks noGrp="1" noRot="1" noChangeAspect="1" noMove="1" noResize="1" noEditPoints="1" noAdjustHandles="1" noChangeArrowheads="1" noChangeShapeType="1" noTextEdit="1"/>
+          </p:cNvSpPr>
+          <p:nvPr>
+            <p:extLst>
+              <p:ext uri="{386F3935-93C4-4BCD-93E2-E3B085C9AB24}">
+                <p16:designElem xmlns:p16="http://schemas.microsoft.com/office/powerpoint/2015/main" val="1"/>
+              </p:ext>
+            </p:extLst>
+          </p:nvPr>
+        </p:nvSpPr>
+        <p:spPr bwMode="auto">
+          <a:xfrm>
+            <a:off x="7062174" y="1653645"/>
+            <a:ext cx="4689240" cy="4115025"/>
+          </a:xfrm>
+          <a:custGeom>
+            <a:avLst/>
+            <a:gdLst>
+              <a:gd name="T0" fmla="*/ 781 w 1099"/>
+              <a:gd name="T1" fmla="*/ 0 h 968"/>
+              <a:gd name="T2" fmla="*/ 318 w 1099"/>
+              <a:gd name="T3" fmla="*/ 0 h 968"/>
+              <a:gd name="T4" fmla="*/ 246 w 1099"/>
+              <a:gd name="T5" fmla="*/ 42 h 968"/>
+              <a:gd name="T6" fmla="*/ 15 w 1099"/>
+              <a:gd name="T7" fmla="*/ 443 h 968"/>
+              <a:gd name="T8" fmla="*/ 15 w 1099"/>
+              <a:gd name="T9" fmla="*/ 525 h 968"/>
+              <a:gd name="T10" fmla="*/ 246 w 1099"/>
+              <a:gd name="T11" fmla="*/ 926 h 968"/>
+              <a:gd name="T12" fmla="*/ 318 w 1099"/>
+              <a:gd name="T13" fmla="*/ 968 h 968"/>
+              <a:gd name="T14" fmla="*/ 781 w 1099"/>
+              <a:gd name="T15" fmla="*/ 968 h 968"/>
+              <a:gd name="T16" fmla="*/ 852 w 1099"/>
+              <a:gd name="T17" fmla="*/ 926 h 968"/>
+              <a:gd name="T18" fmla="*/ 1084 w 1099"/>
+              <a:gd name="T19" fmla="*/ 525 h 968"/>
+              <a:gd name="T20" fmla="*/ 1084 w 1099"/>
+              <a:gd name="T21" fmla="*/ 443 h 968"/>
+              <a:gd name="T22" fmla="*/ 852 w 1099"/>
+              <a:gd name="T23" fmla="*/ 42 h 968"/>
+              <a:gd name="T24" fmla="*/ 781 w 1099"/>
+              <a:gd name="T25" fmla="*/ 0 h 968"/>
+            </a:gdLst>
+            <a:ahLst/>
+            <a:cxnLst>
+              <a:cxn ang="0">
+                <a:pos x="T0" y="T1"/>
+              </a:cxn>
+              <a:cxn ang="0">
+                <a:pos x="T2" y="T3"/>
+              </a:cxn>
+              <a:cxn ang="0">
+                <a:pos x="T4" y="T5"/>
+              </a:cxn>
+              <a:cxn ang="0">
+                <a:pos x="T6" y="T7"/>
+              </a:cxn>
+              <a:cxn ang="0">
+                <a:pos x="T8" y="T9"/>
+              </a:cxn>
+              <a:cxn ang="0">
+                <a:pos x="T10" y="T11"/>
+              </a:cxn>
+              <a:cxn ang="0">
+                <a:pos x="T12" y="T13"/>
+              </a:cxn>
+              <a:cxn ang="0">
+                <a:pos x="T14" y="T15"/>
+              </a:cxn>
+              <a:cxn ang="0">
+                <a:pos x="T16" y="T17"/>
+              </a:cxn>
+              <a:cxn ang="0">
+                <a:pos x="T18" y="T19"/>
+              </a:cxn>
+              <a:cxn ang="0">
+                <a:pos x="T20" y="T21"/>
+              </a:cxn>
+              <a:cxn ang="0">
+                <a:pos x="T22" y="T23"/>
+              </a:cxn>
+              <a:cxn ang="0">
+                <a:pos x="T24" y="T25"/>
+              </a:cxn>
+            </a:cxnLst>
+            <a:rect l="0" t="0" r="r" b="b"/>
+            <a:pathLst>
+              <a:path w="1099" h="968">
+                <a:moveTo>
+                  <a:pt x="781" y="0"/>
+                </a:moveTo>
+                <a:cubicBezTo>
+                  <a:pt x="318" y="0"/>
+                  <a:pt x="318" y="0"/>
+                  <a:pt x="318" y="0"/>
+                </a:cubicBezTo>
+                <a:cubicBezTo>
+                  <a:pt x="288" y="0"/>
+                  <a:pt x="261" y="16"/>
+                  <a:pt x="246" y="42"/>
+                </a:cubicBezTo>
+                <a:cubicBezTo>
+                  <a:pt x="15" y="443"/>
+                  <a:pt x="15" y="443"/>
+                  <a:pt x="15" y="443"/>
+                </a:cubicBezTo>
+                <a:cubicBezTo>
+                  <a:pt x="0" y="468"/>
+                  <a:pt x="0" y="500"/>
+                  <a:pt x="15" y="525"/>
+                </a:cubicBezTo>
+                <a:cubicBezTo>
+                  <a:pt x="246" y="926"/>
+                  <a:pt x="246" y="926"/>
+                  <a:pt x="246" y="926"/>
+                </a:cubicBezTo>
+                <a:cubicBezTo>
+                  <a:pt x="261" y="952"/>
+                  <a:pt x="288" y="968"/>
+                  <a:pt x="318" y="968"/>
+                </a:cubicBezTo>
+                <a:cubicBezTo>
+                  <a:pt x="781" y="968"/>
+                  <a:pt x="781" y="968"/>
+                  <a:pt x="781" y="968"/>
+                </a:cubicBezTo>
+                <a:cubicBezTo>
+                  <a:pt x="810" y="968"/>
+                  <a:pt x="838" y="952"/>
+                  <a:pt x="852" y="926"/>
+                </a:cubicBezTo>
+                <a:cubicBezTo>
+                  <a:pt x="1084" y="525"/>
+                  <a:pt x="1084" y="525"/>
+                  <a:pt x="1084" y="525"/>
+                </a:cubicBezTo>
+                <a:cubicBezTo>
+                  <a:pt x="1099" y="500"/>
+                  <a:pt x="1099" y="468"/>
+                  <a:pt x="1084" y="443"/>
+                </a:cubicBezTo>
+                <a:cubicBezTo>
+                  <a:pt x="852" y="42"/>
+                  <a:pt x="852" y="42"/>
+                  <a:pt x="852" y="42"/>
+                </a:cubicBezTo>
+                <a:cubicBezTo>
+                  <a:pt x="838" y="16"/>
+                  <a:pt x="810" y="0"/>
+                  <a:pt x="781" y="0"/>
+                </a:cubicBezTo>
+                <a:close/>
+              </a:path>
+            </a:pathLst>
+          </a:custGeom>
+          <a:noFill/>
+          <a:ln w="50800" cap="flat">
+            <a:solidFill>
+              <a:schemeClr val="tx1"/>
+            </a:solidFill>
+            <a:prstDash val="solid"/>
+            <a:miter lim="800000"/>
+            <a:headEnd/>
+            <a:tailEnd/>
+          </a:ln>
+        </p:spPr>
+        <p:txBody>
+          <a:bodyPr vert="horz" wrap="square" lIns="91440" tIns="45720" rIns="91440" bIns="45720" numCol="1" anchor="t" anchorCtr="0" compatLnSpc="1">
+            <a:prstTxWarp prst="textNoShape">
+              <a:avLst/>
+            </a:prstTxWarp>
+          </a:bodyPr>
+          <a:lstStyle/>
+          <a:p>
+            <a:pPr marL="0" marR="0" lvl="0" indent="0" algn="l" defTabSz="914400" rtl="0" eaLnBrk="1" fontAlgn="auto" latinLnBrk="0" hangingPunct="1">
+              <a:lnSpc>
+                <a:spcPct val="100000"/>
+              </a:lnSpc>
+              <a:spcBef>
+                <a:spcPts val="0"/>
+              </a:spcBef>
+              <a:spcAft>
+                <a:spcPts val="0"/>
+              </a:spcAft>
+              <a:buClrTx/>
+              <a:buSzTx/>
+              <a:buFontTx/>
+              <a:buNone/>
+              <a:tabLst/>
+              <a:defRPr/>
+            </a:pPr>
+            <a:endParaRPr kumimoji="0" lang="en-US" sz="1800" b="0" i="0" u="none" strike="noStrike" kern="1200" cap="none" spc="0" normalizeH="0" baseline="0" noProof="0" dirty="0">
+              <a:ln>
+                <a:noFill/>
+              </a:ln>
+              <a:solidFill>
+                <a:prstClr val="black"/>
+              </a:solidFill>
+              <a:effectLst/>
+              <a:uLnTx/>
+              <a:uFillTx/>
+              <a:latin typeface="Calibri" panose="020F0502020204030204"/>
+              <a:ea typeface="+mn-ea"/>
+              <a:cs typeface="+mn-cs"/>
+            </a:endParaRPr>
+          </a:p>
+        </p:txBody>
+      </p:sp>
+      <p:sp>
+        <p:nvSpPr>
+          <p:cNvPr id="28" name="Freeform: Shape 27">
+            <a:extLst>
+              <a:ext uri="{FF2B5EF4-FFF2-40B4-BE49-F238E27FC236}">
+                <a16:creationId xmlns:a16="http://schemas.microsoft.com/office/drawing/2014/main" id="{0DB06EAB-7D8C-403A-86C5-B5FD79A13650}"/>
+              </a:ext>
+              <a:ext uri="{C183D7F6-B498-43B3-948B-1728B52AA6E4}">
+                <adec:decorative xmlns:adec="http://schemas.microsoft.com/office/drawing/2017/decorative" val="1"/>
+              </a:ext>
+            </a:extLst>
+          </p:cNvPr>
+          <p:cNvSpPr>
+            <a:spLocks noGrp="1" noRot="1" noChangeAspect="1" noMove="1" noResize="1" noEditPoints="1" noAdjustHandles="1" noChangeArrowheads="1" noChangeShapeType="1" noTextEdit="1"/>
+          </p:cNvSpPr>
+          <p:nvPr>
+            <p:extLst>
+              <p:ext uri="{386F3935-93C4-4BCD-93E2-E3B085C9AB24}">
+                <p16:designElem xmlns:p16="http://schemas.microsoft.com/office/powerpoint/2015/main" val="1"/>
+              </p:ext>
+            </p:extLst>
+          </p:nvPr>
+        </p:nvSpPr>
+        <p:spPr>
+          <a:xfrm>
+            <a:off x="4542865" y="634058"/>
+            <a:ext cx="3154669" cy="2796247"/>
+          </a:xfrm>
+          <a:custGeom>
+            <a:avLst/>
+            <a:gdLst>
+              <a:gd name="connsiteX0" fmla="*/ 853538 w 2991693"/>
+              <a:gd name="connsiteY0" fmla="*/ 0 h 2651787"/>
+              <a:gd name="connsiteX1" fmla="*/ 2141030 w 2991693"/>
+              <a:gd name="connsiteY1" fmla="*/ 0 h 2651787"/>
+              <a:gd name="connsiteX2" fmla="*/ 2324957 w 2991693"/>
+              <a:gd name="connsiteY2" fmla="*/ 103466 h 2651787"/>
+              <a:gd name="connsiteX3" fmla="*/ 2968702 w 2991693"/>
+              <a:gd name="connsiteY3" fmla="*/ 1218596 h 2651787"/>
+              <a:gd name="connsiteX4" fmla="*/ 2968702 w 2991693"/>
+              <a:gd name="connsiteY4" fmla="*/ 1433192 h 2651787"/>
+              <a:gd name="connsiteX5" fmla="*/ 2324957 w 2991693"/>
+              <a:gd name="connsiteY5" fmla="*/ 2548321 h 2651787"/>
+              <a:gd name="connsiteX6" fmla="*/ 2141030 w 2991693"/>
+              <a:gd name="connsiteY6" fmla="*/ 2651787 h 2651787"/>
+              <a:gd name="connsiteX7" fmla="*/ 853538 w 2991693"/>
+              <a:gd name="connsiteY7" fmla="*/ 2651787 h 2651787"/>
+              <a:gd name="connsiteX8" fmla="*/ 669612 w 2991693"/>
+              <a:gd name="connsiteY8" fmla="*/ 2548321 h 2651787"/>
+              <a:gd name="connsiteX9" fmla="*/ 25866 w 2991693"/>
+              <a:gd name="connsiteY9" fmla="*/ 1433192 h 2651787"/>
+              <a:gd name="connsiteX10" fmla="*/ 25866 w 2991693"/>
+              <a:gd name="connsiteY10" fmla="*/ 1218596 h 2651787"/>
+              <a:gd name="connsiteX11" fmla="*/ 669612 w 2991693"/>
+              <a:gd name="connsiteY11" fmla="*/ 103466 h 2651787"/>
+              <a:gd name="connsiteX12" fmla="*/ 853538 w 2991693"/>
+              <a:gd name="connsiteY12" fmla="*/ 0 h 2651787"/>
+            </a:gdLst>
+            <a:ahLst/>
+            <a:cxnLst>
+              <a:cxn ang="0">
+                <a:pos x="connsiteX0" y="connsiteY0"/>
+              </a:cxn>
+              <a:cxn ang="0">
+                <a:pos x="connsiteX1" y="connsiteY1"/>
+              </a:cxn>
+              <a:cxn ang="0">
+                <a:pos x="connsiteX2" y="connsiteY2"/>
+              </a:cxn>
+              <a:cxn ang="0">
+                <a:pos x="connsiteX3" y="connsiteY3"/>
+              </a:cxn>
+              <a:cxn ang="0">
+                <a:pos x="connsiteX4" y="connsiteY4"/>
+              </a:cxn>
+              <a:cxn ang="0">
+                <a:pos x="connsiteX5" y="connsiteY5"/>
+              </a:cxn>
+              <a:cxn ang="0">
+                <a:pos x="connsiteX6" y="connsiteY6"/>
+              </a:cxn>
+              <a:cxn ang="0">
+                <a:pos x="connsiteX7" y="connsiteY7"/>
+              </a:cxn>
+              <a:cxn ang="0">
+                <a:pos x="connsiteX8" y="connsiteY8"/>
+              </a:cxn>
+              <a:cxn ang="0">
+                <a:pos x="connsiteX9" y="connsiteY9"/>
+              </a:cxn>
+              <a:cxn ang="0">
+                <a:pos x="connsiteX10" y="connsiteY10"/>
+              </a:cxn>
+              <a:cxn ang="0">
+                <a:pos x="connsiteX11" y="connsiteY11"/>
+              </a:cxn>
+              <a:cxn ang="0">
+                <a:pos x="connsiteX12" y="connsiteY12"/>
+              </a:cxn>
+            </a:cxnLst>
+            <a:rect l="l" t="t" r="r" b="b"/>
+            <a:pathLst>
+              <a:path w="2991693" h="2651787">
+                <a:moveTo>
+                  <a:pt x="853538" y="0"/>
+                </a:moveTo>
+                <a:cubicBezTo>
+                  <a:pt x="2141030" y="0"/>
+                  <a:pt x="2141030" y="0"/>
+                  <a:pt x="2141030" y="0"/>
+                </a:cubicBezTo>
+                <a:cubicBezTo>
+                  <a:pt x="2206170" y="0"/>
+                  <a:pt x="2290471" y="45985"/>
+                  <a:pt x="2324957" y="103466"/>
+                </a:cubicBezTo>
+                <a:cubicBezTo>
+                  <a:pt x="2968702" y="1218596"/>
+                  <a:pt x="2968702" y="1218596"/>
+                  <a:pt x="2968702" y="1218596"/>
+                </a:cubicBezTo>
+                <a:cubicBezTo>
+                  <a:pt x="2999357" y="1279909"/>
+                  <a:pt x="2999357" y="1371878"/>
+                  <a:pt x="2968702" y="1433192"/>
+                </a:cubicBezTo>
+                <a:cubicBezTo>
+                  <a:pt x="2324957" y="2548321"/>
+                  <a:pt x="2324957" y="2548321"/>
+                  <a:pt x="2324957" y="2548321"/>
+                </a:cubicBezTo>
+                <a:cubicBezTo>
+                  <a:pt x="2290471" y="2605803"/>
+                  <a:pt x="2206170" y="2651787"/>
+                  <a:pt x="2141030" y="2651787"/>
+                </a:cubicBezTo>
+                <a:lnTo>
+                  <a:pt x="853538" y="2651787"/>
+                </a:lnTo>
+                <a:cubicBezTo>
+                  <a:pt x="784566" y="2651787"/>
+                  <a:pt x="700266" y="2605803"/>
+                  <a:pt x="669612" y="2548321"/>
+                </a:cubicBezTo>
+                <a:cubicBezTo>
+                  <a:pt x="25866" y="1433192"/>
+                  <a:pt x="25866" y="1433192"/>
+                  <a:pt x="25866" y="1433192"/>
+                </a:cubicBezTo>
+                <a:cubicBezTo>
+                  <a:pt x="-8621" y="1371878"/>
+                  <a:pt x="-8621" y="1279909"/>
+                  <a:pt x="25866" y="1218596"/>
+                </a:cubicBezTo>
+                <a:cubicBezTo>
+                  <a:pt x="669612" y="103466"/>
+                  <a:pt x="669612" y="103466"/>
+                  <a:pt x="669612" y="103466"/>
+                </a:cubicBezTo>
+                <a:cubicBezTo>
+                  <a:pt x="700266" y="45985"/>
+                  <a:pt x="784566" y="0"/>
+                  <a:pt x="853538" y="0"/>
+                </a:cubicBezTo>
+                <a:close/>
+              </a:path>
+            </a:pathLst>
+          </a:custGeom>
+          <a:noFill/>
+          <a:ln w="50800" cap="flat">
+            <a:solidFill>
+              <a:schemeClr val="tx1"/>
+            </a:solidFill>
+            <a:prstDash val="solid"/>
+            <a:miter lim="800000"/>
+            <a:headEnd/>
+            <a:tailEnd/>
+          </a:ln>
+        </p:spPr>
+        <p:txBody>
+          <a:bodyPr vert="horz" wrap="square" lIns="91440" tIns="45720" rIns="91440" bIns="45720" numCol="1" anchor="t" anchorCtr="0" compatLnSpc="1">
+            <a:prstTxWarp prst="textNoShape">
+              <a:avLst/>
+            </a:prstTxWarp>
+          </a:bodyPr>
+          <a:lstStyle/>
+          <a:p>
+            <a:pPr marL="0" marR="0" lvl="0" indent="0" algn="l" defTabSz="914400" rtl="0" eaLnBrk="1" fontAlgn="auto" latinLnBrk="0" hangingPunct="1">
+              <a:lnSpc>
+                <a:spcPct val="100000"/>
+              </a:lnSpc>
+              <a:spcBef>
+                <a:spcPts val="0"/>
+              </a:spcBef>
+              <a:spcAft>
+                <a:spcPts val="0"/>
+              </a:spcAft>
+              <a:buClrTx/>
+              <a:buSzTx/>
+              <a:buFontTx/>
+              <a:buNone/>
+              <a:tabLst/>
+              <a:defRPr/>
+            </a:pPr>
+            <a:endParaRPr kumimoji="0" lang="en-US" sz="1800" b="0" i="0" u="none" strike="noStrike" kern="1200" cap="none" spc="0" normalizeH="0" baseline="0" noProof="0" dirty="0">
+              <a:ln>
+                <a:noFill/>
+              </a:ln>
+              <a:solidFill>
+                <a:prstClr val="black"/>
+              </a:solidFill>
+              <a:effectLst/>
+              <a:uLnTx/>
+              <a:uFillTx/>
+              <a:latin typeface="Calibri" panose="020F0502020204030204"/>
+              <a:ea typeface="+mn-ea"/>
+              <a:cs typeface="+mn-cs"/>
+            </a:endParaRPr>
+          </a:p>
+        </p:txBody>
+      </p:sp>
+      <p:pic>
+        <p:nvPicPr>
+          <p:cNvPr id="7" name="Picture 6">
+            <a:extLst>
+              <a:ext uri="{FF2B5EF4-FFF2-40B4-BE49-F238E27FC236}">
+                <a16:creationId xmlns:a16="http://schemas.microsoft.com/office/drawing/2014/main" id="{44155673-E4BF-4691-91EF-AF8288758CA5}"/>
+              </a:ext>
+            </a:extLst>
+          </p:cNvPr>
+          <p:cNvPicPr>
+            <a:picLocks noChangeAspect="1"/>
+          </p:cNvPicPr>
+          <p:nvPr/>
+        </p:nvPicPr>
+        <p:blipFill>
+          <a:blip r:embed="rId3"/>
+          <a:stretch>
+            <a:fillRect/>
+          </a:stretch>
+        </p:blipFill>
+        <p:spPr>
+          <a:xfrm>
+            <a:off x="8050038" y="2354401"/>
+            <a:ext cx="2713512" cy="2713512"/>
+          </a:xfrm>
+          <a:prstGeom prst="rect">
+            <a:avLst/>
+          </a:prstGeom>
+        </p:spPr>
+      </p:pic>
+      <p:pic>
+        <p:nvPicPr>
+          <p:cNvPr id="15" name="Picture 14" descr="Icon&#10;&#10;Description automatically generated">
+            <a:extLst>
+              <a:ext uri="{FF2B5EF4-FFF2-40B4-BE49-F238E27FC236}">
+                <a16:creationId xmlns:a16="http://schemas.microsoft.com/office/drawing/2014/main" id="{47014846-E21C-448F-BE26-C0C592F4C6E4}"/>
+              </a:ext>
+            </a:extLst>
+          </p:cNvPr>
+          <p:cNvPicPr>
+            <a:picLocks noChangeAspect="1"/>
+          </p:cNvPicPr>
+          <p:nvPr/>
+        </p:nvPicPr>
+        <p:blipFill>
+          <a:blip r:embed="rId4">
+            <a:extLst>
+              <a:ext uri="{28A0092B-C50C-407E-A947-70E740481C1C}">
+                <a14:useLocalDpi xmlns:a14="http://schemas.microsoft.com/office/drawing/2010/main" val="0"/>
+              </a:ext>
+            </a:extLst>
+          </a:blip>
+          <a:stretch>
+            <a:fillRect/>
+          </a:stretch>
+        </p:blipFill>
+        <p:spPr>
+          <a:xfrm>
+            <a:off x="5320485" y="1194006"/>
+            <a:ext cx="1599427" cy="1599427"/>
+          </a:xfrm>
+          <a:prstGeom prst="rect">
+            <a:avLst/>
+          </a:prstGeom>
+        </p:spPr>
+      </p:pic>
+    </p:spTree>
+    <p:extLst>
+      <p:ext uri="{BB962C8B-B14F-4D97-AF65-F5344CB8AC3E}">
+        <p14:creationId xmlns:p14="http://schemas.microsoft.com/office/powerpoint/2010/main" val="3602864984"/>
       </p:ext>
     </p:extLst>
   </p:cSld>

--- a/04-gitops-in-aks-with-flux/slides/GitOps in AKS with Flux.pptx
+++ b/04-gitops-in-aks-with-flux/slides/GitOps in AKS with Flux.pptx
@@ -5,7 +5,7 @@
     <p:sldMasterId id="2147483660" r:id="rId1"/>
   </p:sldMasterIdLst>
   <p:notesMasterIdLst>
-    <p:notesMasterId r:id="rId14"/>
+    <p:notesMasterId r:id="rId24"/>
   </p:notesMasterIdLst>
   <p:sldIdLst>
     <p:sldId id="2076136299" r:id="rId2"/>
@@ -14,12 +14,22 @@
     <p:sldId id="260" r:id="rId5"/>
     <p:sldId id="259" r:id="rId6"/>
     <p:sldId id="2076136303" r:id="rId7"/>
-    <p:sldId id="2076136304" r:id="rId8"/>
-    <p:sldId id="2076136302" r:id="rId9"/>
-    <p:sldId id="2076136305" r:id="rId10"/>
-    <p:sldId id="2076136308" r:id="rId11"/>
-    <p:sldId id="2076136306" r:id="rId12"/>
-    <p:sldId id="2076136307" r:id="rId13"/>
+    <p:sldId id="262" r:id="rId8"/>
+    <p:sldId id="263" r:id="rId9"/>
+    <p:sldId id="2076136309" r:id="rId10"/>
+    <p:sldId id="2076136310" r:id="rId11"/>
+    <p:sldId id="2076136311" r:id="rId12"/>
+    <p:sldId id="2076136312" r:id="rId13"/>
+    <p:sldId id="2076136313" r:id="rId14"/>
+    <p:sldId id="2076136314" r:id="rId15"/>
+    <p:sldId id="2076136315" r:id="rId16"/>
+    <p:sldId id="2076136316" r:id="rId17"/>
+    <p:sldId id="2076136304" r:id="rId18"/>
+    <p:sldId id="2076136302" r:id="rId19"/>
+    <p:sldId id="2076136305" r:id="rId20"/>
+    <p:sldId id="2076136308" r:id="rId21"/>
+    <p:sldId id="2076136306" r:id="rId22"/>
+    <p:sldId id="2076136307" r:id="rId23"/>
   </p:sldIdLst>
   <p:sldSz cx="12192000" cy="6858000"/>
   <p:notesSz cx="6858000" cy="9144000"/>
@@ -664,6 +674,72 @@
           <a:bodyPr/>
           <a:lstStyle/>
           <a:p>
+            <a:pPr algn="l"/>
+            <a:r>
+              <a:rPr lang="en-US" b="0" i="0" dirty="0">
+                <a:solidFill>
+                  <a:srgbClr val="222222"/>
+                </a:solidFill>
+                <a:effectLst/>
+                <a:latin typeface="montserrat" panose="00000500000000000000" pitchFamily="2" charset="0"/>
+              </a:rPr>
+              <a:t>The Notification Controller is a Kubernetes operator, specialized in handling inbound and outbound events.</a:t>
+            </a:r>
+          </a:p>
+          <a:p>
+            <a:br>
+              <a:rPr lang="en-US" dirty="0"/>
+            </a:br>
+            <a:r>
+              <a:rPr lang="en-US" b="0" i="0" dirty="0">
+                <a:solidFill>
+                  <a:srgbClr val="222222"/>
+                </a:solidFill>
+                <a:effectLst/>
+                <a:latin typeface="montserrat" panose="00000500000000000000" pitchFamily="2" charset="0"/>
+              </a:rPr>
+              <a:t>The controller handles events emitted by the </a:t>
+            </a:r>
+            <a:r>
+              <a:rPr lang="en-US" b="0" i="0" dirty="0" err="1">
+                <a:solidFill>
+                  <a:srgbClr val="222222"/>
+                </a:solidFill>
+                <a:effectLst/>
+                <a:latin typeface="montserrat" panose="00000500000000000000" pitchFamily="2" charset="0"/>
+              </a:rPr>
+              <a:t>GitOps</a:t>
+            </a:r>
+            <a:r>
+              <a:rPr lang="en-US" b="0" i="0" dirty="0">
+                <a:solidFill>
+                  <a:srgbClr val="222222"/>
+                </a:solidFill>
+                <a:effectLst/>
+                <a:latin typeface="montserrat" panose="00000500000000000000" pitchFamily="2" charset="0"/>
+              </a:rPr>
+              <a:t> toolkit controllers (source, </a:t>
+            </a:r>
+            <a:r>
+              <a:rPr lang="en-US" b="0" i="0" dirty="0" err="1">
+                <a:solidFill>
+                  <a:srgbClr val="222222"/>
+                </a:solidFill>
+                <a:effectLst/>
+                <a:latin typeface="montserrat" panose="00000500000000000000" pitchFamily="2" charset="0"/>
+              </a:rPr>
+              <a:t>kustomize</a:t>
+            </a:r>
+            <a:r>
+              <a:rPr lang="en-US" b="0" i="0" dirty="0">
+                <a:solidFill>
+                  <a:srgbClr val="222222"/>
+                </a:solidFill>
+                <a:effectLst/>
+                <a:latin typeface="montserrat" panose="00000500000000000000" pitchFamily="2" charset="0"/>
+              </a:rPr>
+              <a:t>, helm) and dispatches them to external systems (Slack, Microsoft Teams, Discord, Rocker) based on event severity and involved objects.</a:t>
+            </a:r>
             <a:endParaRPr lang="nb-NO" dirty="0"/>
           </a:p>
         </p:txBody>
@@ -683,78 +759,18 @@
           <a:bodyPr/>
           <a:lstStyle/>
           <a:p>
-            <a:pPr marL="0" marR="0" lvl="0" indent="0" algn="r" defTabSz="914400" rtl="0" eaLnBrk="1" fontAlgn="auto" latinLnBrk="0" hangingPunct="1">
-              <a:lnSpc>
-                <a:spcPct val="100000"/>
-              </a:lnSpc>
-              <a:spcBef>
-                <a:spcPts val="0"/>
-              </a:spcBef>
-              <a:spcAft>
-                <a:spcPts val="0"/>
-              </a:spcAft>
-              <a:buClrTx/>
-              <a:buSzTx/>
-              <a:buFontTx/>
-              <a:buNone/>
-              <a:tabLst/>
-              <a:defRPr/>
-            </a:pPr>
-            <a:fld id="{00A560F4-8102-4EC4-BB24-179BCBD2EB8E}" type="slidenum">
-              <a:rPr kumimoji="0" lang="en-US" sz="1200" b="0" i="0" u="none" strike="noStrike" kern="1200" cap="none" spc="0" normalizeH="0" baseline="0" noProof="0" smtClean="0">
-                <a:ln>
-                  <a:noFill/>
-                </a:ln>
-                <a:solidFill>
-                  <a:prstClr val="black"/>
-                </a:solidFill>
-                <a:effectLst/>
-                <a:uLnTx/>
-                <a:uFillTx/>
-                <a:latin typeface="Calibri" panose="020F0502020204030204"/>
-                <a:ea typeface="+mn-ea"/>
-                <a:cs typeface="+mn-cs"/>
-              </a:rPr>
-              <a:pPr marL="0" marR="0" lvl="0" indent="0" algn="r" defTabSz="914400" rtl="0" eaLnBrk="1" fontAlgn="auto" latinLnBrk="0" hangingPunct="1">
-                <a:lnSpc>
-                  <a:spcPct val="100000"/>
-                </a:lnSpc>
-                <a:spcBef>
-                  <a:spcPts val="0"/>
-                </a:spcBef>
-                <a:spcAft>
-                  <a:spcPts val="0"/>
-                </a:spcAft>
-                <a:buClrTx/>
-                <a:buSzTx/>
-                <a:buFontTx/>
-                <a:buNone/>
-                <a:tabLst/>
-                <a:defRPr/>
-              </a:pPr>
-              <a:t>11</a:t>
+            <a:fld id="{FB3A52E1-8A48-429C-8A5A-7D4445DBC12D}" type="slidenum">
+              <a:rPr lang="nb-NO" smtClean="0"/>
+              <a:t>15</a:t>
             </a:fld>
-            <a:endParaRPr kumimoji="0" lang="en-US" sz="1200" b="0" i="0" u="none" strike="noStrike" kern="1200" cap="none" spc="0" normalizeH="0" baseline="0" noProof="0">
-              <a:ln>
-                <a:noFill/>
-              </a:ln>
-              <a:solidFill>
-                <a:prstClr val="black"/>
-              </a:solidFill>
-              <a:effectLst/>
-              <a:uLnTx/>
-              <a:uFillTx/>
-              <a:latin typeface="Calibri" panose="020F0502020204030204"/>
-              <a:ea typeface="+mn-ea"/>
-              <a:cs typeface="+mn-cs"/>
-            </a:endParaRPr>
+            <a:endParaRPr lang="nb-NO"/>
           </a:p>
         </p:txBody>
       </p:sp>
     </p:spTree>
     <p:extLst>
       <p:ext uri="{BB962C8B-B14F-4D97-AF65-F5344CB8AC3E}">
-        <p14:creationId xmlns:p14="http://schemas.microsoft.com/office/powerpoint/2010/main" val="3686606446"/>
+        <p14:creationId xmlns:p14="http://schemas.microsoft.com/office/powerpoint/2010/main" val="3384188880"/>
       </p:ext>
     </p:extLst>
   </p:cSld>
@@ -808,6 +824,91 @@
           <a:bodyPr/>
           <a:lstStyle/>
           <a:p>
+            <a:pPr algn="l"/>
+            <a:endParaRPr lang="nb-NO" dirty="0"/>
+          </a:p>
+        </p:txBody>
+      </p:sp>
+      <p:sp>
+        <p:nvSpPr>
+          <p:cNvPr id="4" name="Slide Number Placeholder 3"/>
+          <p:cNvSpPr>
+            <a:spLocks noGrp="1"/>
+          </p:cNvSpPr>
+          <p:nvPr>
+            <p:ph type="sldNum" sz="quarter" idx="5"/>
+          </p:nvPr>
+        </p:nvSpPr>
+        <p:spPr/>
+        <p:txBody>
+          <a:bodyPr/>
+          <a:lstStyle/>
+          <a:p>
+            <a:fld id="{FB3A52E1-8A48-429C-8A5A-7D4445DBC12D}" type="slidenum">
+              <a:rPr lang="nb-NO" smtClean="0"/>
+              <a:t>16</a:t>
+            </a:fld>
+            <a:endParaRPr lang="nb-NO"/>
+          </a:p>
+        </p:txBody>
+      </p:sp>
+    </p:spTree>
+    <p:extLst>
+      <p:ext uri="{BB962C8B-B14F-4D97-AF65-F5344CB8AC3E}">
+        <p14:creationId xmlns:p14="http://schemas.microsoft.com/office/powerpoint/2010/main" val="3120276329"/>
+      </p:ext>
+    </p:extLst>
+  </p:cSld>
+  <p:clrMapOvr>
+    <a:masterClrMapping/>
+  </p:clrMapOvr>
+</p:notes>
+</file>
+
+<file path=ppt/notesSlides/notesSlide12.xml><?xml version="1.0" encoding="utf-8"?>
+<p:notes xmlns:a="http://schemas.openxmlformats.org/drawingml/2006/main" xmlns:r="http://schemas.openxmlformats.org/officeDocument/2006/relationships" xmlns:p="http://schemas.openxmlformats.org/presentationml/2006/main">
+  <p:cSld>
+    <p:spTree>
+      <p:nvGrpSpPr>
+        <p:cNvPr id="1" name=""/>
+        <p:cNvGrpSpPr/>
+        <p:nvPr/>
+      </p:nvGrpSpPr>
+      <p:grpSpPr>
+        <a:xfrm>
+          <a:off x="0" y="0"/>
+          <a:ext cx="0" cy="0"/>
+          <a:chOff x="0" y="0"/>
+          <a:chExt cx="0" cy="0"/>
+        </a:xfrm>
+      </p:grpSpPr>
+      <p:sp>
+        <p:nvSpPr>
+          <p:cNvPr id="2" name="Slide Image Placeholder 1"/>
+          <p:cNvSpPr>
+            <a:spLocks noGrp="1" noRot="1" noChangeAspect="1"/>
+          </p:cNvSpPr>
+          <p:nvPr>
+            <p:ph type="sldImg"/>
+          </p:nvPr>
+        </p:nvSpPr>
+        <p:spPr/>
+      </p:sp>
+      <p:sp>
+        <p:nvSpPr>
+          <p:cNvPr id="3" name="Notes Placeholder 2"/>
+          <p:cNvSpPr>
+            <a:spLocks noGrp="1"/>
+          </p:cNvSpPr>
+          <p:nvPr>
+            <p:ph type="body" idx="1"/>
+          </p:nvPr>
+        </p:nvSpPr>
+        <p:spPr/>
+        <p:txBody>
+          <a:bodyPr/>
+          <a:lstStyle/>
+          <a:p>
             <a:endParaRPr lang="nb-NO" dirty="0"/>
           </a:p>
         </p:txBody>
@@ -876,7 +977,727 @@
                 <a:tabLst/>
                 <a:defRPr/>
               </a:pPr>
-              <a:t>12</a:t>
+              <a:t>17</a:t>
+            </a:fld>
+            <a:endParaRPr kumimoji="0" lang="en-US" sz="1200" b="0" i="0" u="none" strike="noStrike" kern="1200" cap="none" spc="0" normalizeH="0" baseline="0" noProof="0">
+              <a:ln>
+                <a:noFill/>
+              </a:ln>
+              <a:solidFill>
+                <a:prstClr val="black"/>
+              </a:solidFill>
+              <a:effectLst/>
+              <a:uLnTx/>
+              <a:uFillTx/>
+              <a:latin typeface="Calibri" panose="020F0502020204030204"/>
+              <a:ea typeface="+mn-ea"/>
+              <a:cs typeface="+mn-cs"/>
+            </a:endParaRPr>
+          </a:p>
+        </p:txBody>
+      </p:sp>
+    </p:spTree>
+    <p:extLst>
+      <p:ext uri="{BB962C8B-B14F-4D97-AF65-F5344CB8AC3E}">
+        <p14:creationId xmlns:p14="http://schemas.microsoft.com/office/powerpoint/2010/main" val="590553198"/>
+      </p:ext>
+    </p:extLst>
+  </p:cSld>
+  <p:clrMapOvr>
+    <a:masterClrMapping/>
+  </p:clrMapOvr>
+</p:notes>
+</file>
+
+<file path=ppt/notesSlides/notesSlide13.xml><?xml version="1.0" encoding="utf-8"?>
+<p:notes xmlns:a="http://schemas.openxmlformats.org/drawingml/2006/main" xmlns:r="http://schemas.openxmlformats.org/officeDocument/2006/relationships" xmlns:p="http://schemas.openxmlformats.org/presentationml/2006/main">
+  <p:cSld>
+    <p:spTree>
+      <p:nvGrpSpPr>
+        <p:cNvPr id="1" name=""/>
+        <p:cNvGrpSpPr/>
+        <p:nvPr/>
+      </p:nvGrpSpPr>
+      <p:grpSpPr>
+        <a:xfrm>
+          <a:off x="0" y="0"/>
+          <a:ext cx="0" cy="0"/>
+          <a:chOff x="0" y="0"/>
+          <a:chExt cx="0" cy="0"/>
+        </a:xfrm>
+      </p:grpSpPr>
+      <p:sp>
+        <p:nvSpPr>
+          <p:cNvPr id="2" name="Slide Image Placeholder 1"/>
+          <p:cNvSpPr>
+            <a:spLocks noGrp="1" noRot="1" noChangeAspect="1"/>
+          </p:cNvSpPr>
+          <p:nvPr>
+            <p:ph type="sldImg"/>
+          </p:nvPr>
+        </p:nvSpPr>
+        <p:spPr/>
+      </p:sp>
+      <p:sp>
+        <p:nvSpPr>
+          <p:cNvPr id="3" name="Notes Placeholder 2"/>
+          <p:cNvSpPr>
+            <a:spLocks noGrp="1"/>
+          </p:cNvSpPr>
+          <p:nvPr>
+            <p:ph type="body" idx="1"/>
+          </p:nvPr>
+        </p:nvSpPr>
+        <p:spPr/>
+        <p:txBody>
+          <a:bodyPr/>
+          <a:lstStyle/>
+          <a:p>
+            <a:endParaRPr lang="nb-NO" dirty="0"/>
+          </a:p>
+        </p:txBody>
+      </p:sp>
+      <p:sp>
+        <p:nvSpPr>
+          <p:cNvPr id="4" name="Slide Number Placeholder 3"/>
+          <p:cNvSpPr>
+            <a:spLocks noGrp="1"/>
+          </p:cNvSpPr>
+          <p:nvPr>
+            <p:ph type="sldNum" sz="quarter" idx="5"/>
+          </p:nvPr>
+        </p:nvSpPr>
+        <p:spPr/>
+        <p:txBody>
+          <a:bodyPr/>
+          <a:lstStyle/>
+          <a:p>
+            <a:pPr marL="0" marR="0" lvl="0" indent="0" algn="r" defTabSz="914400" rtl="0" eaLnBrk="1" fontAlgn="auto" latinLnBrk="0" hangingPunct="1">
+              <a:lnSpc>
+                <a:spcPct val="100000"/>
+              </a:lnSpc>
+              <a:spcBef>
+                <a:spcPts val="0"/>
+              </a:spcBef>
+              <a:spcAft>
+                <a:spcPts val="0"/>
+              </a:spcAft>
+              <a:buClrTx/>
+              <a:buSzTx/>
+              <a:buFontTx/>
+              <a:buNone/>
+              <a:tabLst/>
+              <a:defRPr/>
+            </a:pPr>
+            <a:fld id="{00A560F4-8102-4EC4-BB24-179BCBD2EB8E}" type="slidenum">
+              <a:rPr kumimoji="0" lang="en-US" sz="1200" b="0" i="0" u="none" strike="noStrike" kern="1200" cap="none" spc="0" normalizeH="0" baseline="0" noProof="0" smtClean="0">
+                <a:ln>
+                  <a:noFill/>
+                </a:ln>
+                <a:solidFill>
+                  <a:prstClr val="black"/>
+                </a:solidFill>
+                <a:effectLst/>
+                <a:uLnTx/>
+                <a:uFillTx/>
+                <a:latin typeface="Calibri" panose="020F0502020204030204"/>
+                <a:ea typeface="+mn-ea"/>
+                <a:cs typeface="+mn-cs"/>
+              </a:rPr>
+              <a:pPr marL="0" marR="0" lvl="0" indent="0" algn="r" defTabSz="914400" rtl="0" eaLnBrk="1" fontAlgn="auto" latinLnBrk="0" hangingPunct="1">
+                <a:lnSpc>
+                  <a:spcPct val="100000"/>
+                </a:lnSpc>
+                <a:spcBef>
+                  <a:spcPts val="0"/>
+                </a:spcBef>
+                <a:spcAft>
+                  <a:spcPts val="0"/>
+                </a:spcAft>
+                <a:buClrTx/>
+                <a:buSzTx/>
+                <a:buFontTx/>
+                <a:buNone/>
+                <a:tabLst/>
+                <a:defRPr/>
+              </a:pPr>
+              <a:t>18</a:t>
+            </a:fld>
+            <a:endParaRPr kumimoji="0" lang="en-US" sz="1200" b="0" i="0" u="none" strike="noStrike" kern="1200" cap="none" spc="0" normalizeH="0" baseline="0" noProof="0">
+              <a:ln>
+                <a:noFill/>
+              </a:ln>
+              <a:solidFill>
+                <a:prstClr val="black"/>
+              </a:solidFill>
+              <a:effectLst/>
+              <a:uLnTx/>
+              <a:uFillTx/>
+              <a:latin typeface="Calibri" panose="020F0502020204030204"/>
+              <a:ea typeface="+mn-ea"/>
+              <a:cs typeface="+mn-cs"/>
+            </a:endParaRPr>
+          </a:p>
+        </p:txBody>
+      </p:sp>
+    </p:spTree>
+    <p:extLst>
+      <p:ext uri="{BB962C8B-B14F-4D97-AF65-F5344CB8AC3E}">
+        <p14:creationId xmlns:p14="http://schemas.microsoft.com/office/powerpoint/2010/main" val="3859227199"/>
+      </p:ext>
+    </p:extLst>
+  </p:cSld>
+  <p:clrMapOvr>
+    <a:masterClrMapping/>
+  </p:clrMapOvr>
+</p:notes>
+</file>
+
+<file path=ppt/notesSlides/notesSlide14.xml><?xml version="1.0" encoding="utf-8"?>
+<p:notes xmlns:a="http://schemas.openxmlformats.org/drawingml/2006/main" xmlns:r="http://schemas.openxmlformats.org/officeDocument/2006/relationships" xmlns:p="http://schemas.openxmlformats.org/presentationml/2006/main">
+  <p:cSld>
+    <p:spTree>
+      <p:nvGrpSpPr>
+        <p:cNvPr id="1" name=""/>
+        <p:cNvGrpSpPr/>
+        <p:nvPr/>
+      </p:nvGrpSpPr>
+      <p:grpSpPr>
+        <a:xfrm>
+          <a:off x="0" y="0"/>
+          <a:ext cx="0" cy="0"/>
+          <a:chOff x="0" y="0"/>
+          <a:chExt cx="0" cy="0"/>
+        </a:xfrm>
+      </p:grpSpPr>
+      <p:sp>
+        <p:nvSpPr>
+          <p:cNvPr id="2" name="Slide Image Placeholder 1"/>
+          <p:cNvSpPr>
+            <a:spLocks noGrp="1" noRot="1" noChangeAspect="1"/>
+          </p:cNvSpPr>
+          <p:nvPr>
+            <p:ph type="sldImg"/>
+          </p:nvPr>
+        </p:nvSpPr>
+        <p:spPr/>
+      </p:sp>
+      <p:sp>
+        <p:nvSpPr>
+          <p:cNvPr id="3" name="Notes Placeholder 2"/>
+          <p:cNvSpPr>
+            <a:spLocks noGrp="1"/>
+          </p:cNvSpPr>
+          <p:nvPr>
+            <p:ph type="body" idx="1"/>
+          </p:nvPr>
+        </p:nvSpPr>
+        <p:spPr/>
+        <p:txBody>
+          <a:bodyPr/>
+          <a:lstStyle/>
+          <a:p>
+            <a:endParaRPr lang="nb-NO" dirty="0"/>
+          </a:p>
+        </p:txBody>
+      </p:sp>
+      <p:sp>
+        <p:nvSpPr>
+          <p:cNvPr id="4" name="Slide Number Placeholder 3"/>
+          <p:cNvSpPr>
+            <a:spLocks noGrp="1"/>
+          </p:cNvSpPr>
+          <p:nvPr>
+            <p:ph type="sldNum" sz="quarter" idx="5"/>
+          </p:nvPr>
+        </p:nvSpPr>
+        <p:spPr/>
+        <p:txBody>
+          <a:bodyPr/>
+          <a:lstStyle/>
+          <a:p>
+            <a:pPr marL="0" marR="0" lvl="0" indent="0" algn="r" defTabSz="914400" rtl="0" eaLnBrk="1" fontAlgn="auto" latinLnBrk="0" hangingPunct="1">
+              <a:lnSpc>
+                <a:spcPct val="100000"/>
+              </a:lnSpc>
+              <a:spcBef>
+                <a:spcPts val="0"/>
+              </a:spcBef>
+              <a:spcAft>
+                <a:spcPts val="0"/>
+              </a:spcAft>
+              <a:buClrTx/>
+              <a:buSzTx/>
+              <a:buFontTx/>
+              <a:buNone/>
+              <a:tabLst/>
+              <a:defRPr/>
+            </a:pPr>
+            <a:fld id="{00A560F4-8102-4EC4-BB24-179BCBD2EB8E}" type="slidenum">
+              <a:rPr kumimoji="0" lang="en-US" sz="1200" b="0" i="0" u="none" strike="noStrike" kern="1200" cap="none" spc="0" normalizeH="0" baseline="0" noProof="0" smtClean="0">
+                <a:ln>
+                  <a:noFill/>
+                </a:ln>
+                <a:solidFill>
+                  <a:prstClr val="black"/>
+                </a:solidFill>
+                <a:effectLst/>
+                <a:uLnTx/>
+                <a:uFillTx/>
+                <a:latin typeface="Calibri" panose="020F0502020204030204"/>
+                <a:ea typeface="+mn-ea"/>
+                <a:cs typeface="+mn-cs"/>
+              </a:rPr>
+              <a:pPr marL="0" marR="0" lvl="0" indent="0" algn="r" defTabSz="914400" rtl="0" eaLnBrk="1" fontAlgn="auto" latinLnBrk="0" hangingPunct="1">
+                <a:lnSpc>
+                  <a:spcPct val="100000"/>
+                </a:lnSpc>
+                <a:spcBef>
+                  <a:spcPts val="0"/>
+                </a:spcBef>
+                <a:spcAft>
+                  <a:spcPts val="0"/>
+                </a:spcAft>
+                <a:buClrTx/>
+                <a:buSzTx/>
+                <a:buFontTx/>
+                <a:buNone/>
+                <a:tabLst/>
+                <a:defRPr/>
+              </a:pPr>
+              <a:t>19</a:t>
+            </a:fld>
+            <a:endParaRPr kumimoji="0" lang="en-US" sz="1200" b="0" i="0" u="none" strike="noStrike" kern="1200" cap="none" spc="0" normalizeH="0" baseline="0" noProof="0">
+              <a:ln>
+                <a:noFill/>
+              </a:ln>
+              <a:solidFill>
+                <a:prstClr val="black"/>
+              </a:solidFill>
+              <a:effectLst/>
+              <a:uLnTx/>
+              <a:uFillTx/>
+              <a:latin typeface="Calibri" panose="020F0502020204030204"/>
+              <a:ea typeface="+mn-ea"/>
+              <a:cs typeface="+mn-cs"/>
+            </a:endParaRPr>
+          </a:p>
+        </p:txBody>
+      </p:sp>
+    </p:spTree>
+    <p:extLst>
+      <p:ext uri="{BB962C8B-B14F-4D97-AF65-F5344CB8AC3E}">
+        <p14:creationId xmlns:p14="http://schemas.microsoft.com/office/powerpoint/2010/main" val="2332028518"/>
+      </p:ext>
+    </p:extLst>
+  </p:cSld>
+  <p:clrMapOvr>
+    <a:masterClrMapping/>
+  </p:clrMapOvr>
+</p:notes>
+</file>
+
+<file path=ppt/notesSlides/notesSlide15.xml><?xml version="1.0" encoding="utf-8"?>
+<p:notes xmlns:a="http://schemas.openxmlformats.org/drawingml/2006/main" xmlns:r="http://schemas.openxmlformats.org/officeDocument/2006/relationships" xmlns:p="http://schemas.openxmlformats.org/presentationml/2006/main">
+  <p:cSld>
+    <p:spTree>
+      <p:nvGrpSpPr>
+        <p:cNvPr id="1" name=""/>
+        <p:cNvGrpSpPr/>
+        <p:nvPr/>
+      </p:nvGrpSpPr>
+      <p:grpSpPr>
+        <a:xfrm>
+          <a:off x="0" y="0"/>
+          <a:ext cx="0" cy="0"/>
+          <a:chOff x="0" y="0"/>
+          <a:chExt cx="0" cy="0"/>
+        </a:xfrm>
+      </p:grpSpPr>
+      <p:sp>
+        <p:nvSpPr>
+          <p:cNvPr id="2" name="Slide Image Placeholder 1"/>
+          <p:cNvSpPr>
+            <a:spLocks noGrp="1" noRot="1" noChangeAspect="1"/>
+          </p:cNvSpPr>
+          <p:nvPr>
+            <p:ph type="sldImg"/>
+          </p:nvPr>
+        </p:nvSpPr>
+        <p:spPr/>
+      </p:sp>
+      <p:sp>
+        <p:nvSpPr>
+          <p:cNvPr id="3" name="Notes Placeholder 2"/>
+          <p:cNvSpPr>
+            <a:spLocks noGrp="1"/>
+          </p:cNvSpPr>
+          <p:nvPr>
+            <p:ph type="body" idx="1"/>
+          </p:nvPr>
+        </p:nvSpPr>
+        <p:spPr/>
+        <p:txBody>
+          <a:bodyPr/>
+          <a:lstStyle/>
+          <a:p>
+            <a:endParaRPr lang="nb-NO" dirty="0"/>
+          </a:p>
+        </p:txBody>
+      </p:sp>
+      <p:sp>
+        <p:nvSpPr>
+          <p:cNvPr id="4" name="Slide Number Placeholder 3"/>
+          <p:cNvSpPr>
+            <a:spLocks noGrp="1"/>
+          </p:cNvSpPr>
+          <p:nvPr>
+            <p:ph type="sldNum" sz="quarter" idx="5"/>
+          </p:nvPr>
+        </p:nvSpPr>
+        <p:spPr/>
+        <p:txBody>
+          <a:bodyPr/>
+          <a:lstStyle/>
+          <a:p>
+            <a:pPr marL="0" marR="0" lvl="0" indent="0" algn="r" defTabSz="914400" rtl="0" eaLnBrk="1" fontAlgn="auto" latinLnBrk="0" hangingPunct="1">
+              <a:lnSpc>
+                <a:spcPct val="100000"/>
+              </a:lnSpc>
+              <a:spcBef>
+                <a:spcPts val="0"/>
+              </a:spcBef>
+              <a:spcAft>
+                <a:spcPts val="0"/>
+              </a:spcAft>
+              <a:buClrTx/>
+              <a:buSzTx/>
+              <a:buFontTx/>
+              <a:buNone/>
+              <a:tabLst/>
+              <a:defRPr/>
+            </a:pPr>
+            <a:fld id="{00A560F4-8102-4EC4-BB24-179BCBD2EB8E}" type="slidenum">
+              <a:rPr kumimoji="0" lang="en-US" sz="1200" b="0" i="0" u="none" strike="noStrike" kern="1200" cap="none" spc="0" normalizeH="0" baseline="0" noProof="0" smtClean="0">
+                <a:ln>
+                  <a:noFill/>
+                </a:ln>
+                <a:solidFill>
+                  <a:prstClr val="black"/>
+                </a:solidFill>
+                <a:effectLst/>
+                <a:uLnTx/>
+                <a:uFillTx/>
+                <a:latin typeface="Calibri" panose="020F0502020204030204"/>
+                <a:ea typeface="+mn-ea"/>
+                <a:cs typeface="+mn-cs"/>
+              </a:rPr>
+              <a:pPr marL="0" marR="0" lvl="0" indent="0" algn="r" defTabSz="914400" rtl="0" eaLnBrk="1" fontAlgn="auto" latinLnBrk="0" hangingPunct="1">
+                <a:lnSpc>
+                  <a:spcPct val="100000"/>
+                </a:lnSpc>
+                <a:spcBef>
+                  <a:spcPts val="0"/>
+                </a:spcBef>
+                <a:spcAft>
+                  <a:spcPts val="0"/>
+                </a:spcAft>
+                <a:buClrTx/>
+                <a:buSzTx/>
+                <a:buFontTx/>
+                <a:buNone/>
+                <a:tabLst/>
+                <a:defRPr/>
+              </a:pPr>
+              <a:t>20</a:t>
+            </a:fld>
+            <a:endParaRPr kumimoji="0" lang="en-US" sz="1200" b="0" i="0" u="none" strike="noStrike" kern="1200" cap="none" spc="0" normalizeH="0" baseline="0" noProof="0">
+              <a:ln>
+                <a:noFill/>
+              </a:ln>
+              <a:solidFill>
+                <a:prstClr val="black"/>
+              </a:solidFill>
+              <a:effectLst/>
+              <a:uLnTx/>
+              <a:uFillTx/>
+              <a:latin typeface="Calibri" panose="020F0502020204030204"/>
+              <a:ea typeface="+mn-ea"/>
+              <a:cs typeface="+mn-cs"/>
+            </a:endParaRPr>
+          </a:p>
+        </p:txBody>
+      </p:sp>
+    </p:spTree>
+    <p:extLst>
+      <p:ext uri="{BB962C8B-B14F-4D97-AF65-F5344CB8AC3E}">
+        <p14:creationId xmlns:p14="http://schemas.microsoft.com/office/powerpoint/2010/main" val="3935741099"/>
+      </p:ext>
+    </p:extLst>
+  </p:cSld>
+  <p:clrMapOvr>
+    <a:masterClrMapping/>
+  </p:clrMapOvr>
+</p:notes>
+</file>
+
+<file path=ppt/notesSlides/notesSlide16.xml><?xml version="1.0" encoding="utf-8"?>
+<p:notes xmlns:a="http://schemas.openxmlformats.org/drawingml/2006/main" xmlns:r="http://schemas.openxmlformats.org/officeDocument/2006/relationships" xmlns:p="http://schemas.openxmlformats.org/presentationml/2006/main">
+  <p:cSld>
+    <p:spTree>
+      <p:nvGrpSpPr>
+        <p:cNvPr id="1" name=""/>
+        <p:cNvGrpSpPr/>
+        <p:nvPr/>
+      </p:nvGrpSpPr>
+      <p:grpSpPr>
+        <a:xfrm>
+          <a:off x="0" y="0"/>
+          <a:ext cx="0" cy="0"/>
+          <a:chOff x="0" y="0"/>
+          <a:chExt cx="0" cy="0"/>
+        </a:xfrm>
+      </p:grpSpPr>
+      <p:sp>
+        <p:nvSpPr>
+          <p:cNvPr id="2" name="Slide Image Placeholder 1"/>
+          <p:cNvSpPr>
+            <a:spLocks noGrp="1" noRot="1" noChangeAspect="1"/>
+          </p:cNvSpPr>
+          <p:nvPr>
+            <p:ph type="sldImg"/>
+          </p:nvPr>
+        </p:nvSpPr>
+        <p:spPr/>
+      </p:sp>
+      <p:sp>
+        <p:nvSpPr>
+          <p:cNvPr id="3" name="Notes Placeholder 2"/>
+          <p:cNvSpPr>
+            <a:spLocks noGrp="1"/>
+          </p:cNvSpPr>
+          <p:nvPr>
+            <p:ph type="body" idx="1"/>
+          </p:nvPr>
+        </p:nvSpPr>
+        <p:spPr/>
+        <p:txBody>
+          <a:bodyPr/>
+          <a:lstStyle/>
+          <a:p>
+            <a:endParaRPr lang="nb-NO" dirty="0"/>
+          </a:p>
+        </p:txBody>
+      </p:sp>
+      <p:sp>
+        <p:nvSpPr>
+          <p:cNvPr id="4" name="Slide Number Placeholder 3"/>
+          <p:cNvSpPr>
+            <a:spLocks noGrp="1"/>
+          </p:cNvSpPr>
+          <p:nvPr>
+            <p:ph type="sldNum" sz="quarter" idx="5"/>
+          </p:nvPr>
+        </p:nvSpPr>
+        <p:spPr/>
+        <p:txBody>
+          <a:bodyPr/>
+          <a:lstStyle/>
+          <a:p>
+            <a:pPr marL="0" marR="0" lvl="0" indent="0" algn="r" defTabSz="914400" rtl="0" eaLnBrk="1" fontAlgn="auto" latinLnBrk="0" hangingPunct="1">
+              <a:lnSpc>
+                <a:spcPct val="100000"/>
+              </a:lnSpc>
+              <a:spcBef>
+                <a:spcPts val="0"/>
+              </a:spcBef>
+              <a:spcAft>
+                <a:spcPts val="0"/>
+              </a:spcAft>
+              <a:buClrTx/>
+              <a:buSzTx/>
+              <a:buFontTx/>
+              <a:buNone/>
+              <a:tabLst/>
+              <a:defRPr/>
+            </a:pPr>
+            <a:fld id="{00A560F4-8102-4EC4-BB24-179BCBD2EB8E}" type="slidenum">
+              <a:rPr kumimoji="0" lang="en-US" sz="1200" b="0" i="0" u="none" strike="noStrike" kern="1200" cap="none" spc="0" normalizeH="0" baseline="0" noProof="0" smtClean="0">
+                <a:ln>
+                  <a:noFill/>
+                </a:ln>
+                <a:solidFill>
+                  <a:prstClr val="black"/>
+                </a:solidFill>
+                <a:effectLst/>
+                <a:uLnTx/>
+                <a:uFillTx/>
+                <a:latin typeface="Calibri" panose="020F0502020204030204"/>
+                <a:ea typeface="+mn-ea"/>
+                <a:cs typeface="+mn-cs"/>
+              </a:rPr>
+              <a:pPr marL="0" marR="0" lvl="0" indent="0" algn="r" defTabSz="914400" rtl="0" eaLnBrk="1" fontAlgn="auto" latinLnBrk="0" hangingPunct="1">
+                <a:lnSpc>
+                  <a:spcPct val="100000"/>
+                </a:lnSpc>
+                <a:spcBef>
+                  <a:spcPts val="0"/>
+                </a:spcBef>
+                <a:spcAft>
+                  <a:spcPts val="0"/>
+                </a:spcAft>
+                <a:buClrTx/>
+                <a:buSzTx/>
+                <a:buFontTx/>
+                <a:buNone/>
+                <a:tabLst/>
+                <a:defRPr/>
+              </a:pPr>
+              <a:t>21</a:t>
+            </a:fld>
+            <a:endParaRPr kumimoji="0" lang="en-US" sz="1200" b="0" i="0" u="none" strike="noStrike" kern="1200" cap="none" spc="0" normalizeH="0" baseline="0" noProof="0">
+              <a:ln>
+                <a:noFill/>
+              </a:ln>
+              <a:solidFill>
+                <a:prstClr val="black"/>
+              </a:solidFill>
+              <a:effectLst/>
+              <a:uLnTx/>
+              <a:uFillTx/>
+              <a:latin typeface="Calibri" panose="020F0502020204030204"/>
+              <a:ea typeface="+mn-ea"/>
+              <a:cs typeface="+mn-cs"/>
+            </a:endParaRPr>
+          </a:p>
+        </p:txBody>
+      </p:sp>
+    </p:spTree>
+    <p:extLst>
+      <p:ext uri="{BB962C8B-B14F-4D97-AF65-F5344CB8AC3E}">
+        <p14:creationId xmlns:p14="http://schemas.microsoft.com/office/powerpoint/2010/main" val="3686606446"/>
+      </p:ext>
+    </p:extLst>
+  </p:cSld>
+  <p:clrMapOvr>
+    <a:masterClrMapping/>
+  </p:clrMapOvr>
+</p:notes>
+</file>
+
+<file path=ppt/notesSlides/notesSlide17.xml><?xml version="1.0" encoding="utf-8"?>
+<p:notes xmlns:a="http://schemas.openxmlformats.org/drawingml/2006/main" xmlns:r="http://schemas.openxmlformats.org/officeDocument/2006/relationships" xmlns:p="http://schemas.openxmlformats.org/presentationml/2006/main">
+  <p:cSld>
+    <p:spTree>
+      <p:nvGrpSpPr>
+        <p:cNvPr id="1" name=""/>
+        <p:cNvGrpSpPr/>
+        <p:nvPr/>
+      </p:nvGrpSpPr>
+      <p:grpSpPr>
+        <a:xfrm>
+          <a:off x="0" y="0"/>
+          <a:ext cx="0" cy="0"/>
+          <a:chOff x="0" y="0"/>
+          <a:chExt cx="0" cy="0"/>
+        </a:xfrm>
+      </p:grpSpPr>
+      <p:sp>
+        <p:nvSpPr>
+          <p:cNvPr id="2" name="Slide Image Placeholder 1"/>
+          <p:cNvSpPr>
+            <a:spLocks noGrp="1" noRot="1" noChangeAspect="1"/>
+          </p:cNvSpPr>
+          <p:nvPr>
+            <p:ph type="sldImg"/>
+          </p:nvPr>
+        </p:nvSpPr>
+        <p:spPr/>
+      </p:sp>
+      <p:sp>
+        <p:nvSpPr>
+          <p:cNvPr id="3" name="Notes Placeholder 2"/>
+          <p:cNvSpPr>
+            <a:spLocks noGrp="1"/>
+          </p:cNvSpPr>
+          <p:nvPr>
+            <p:ph type="body" idx="1"/>
+          </p:nvPr>
+        </p:nvSpPr>
+        <p:spPr/>
+        <p:txBody>
+          <a:bodyPr/>
+          <a:lstStyle/>
+          <a:p>
+            <a:endParaRPr lang="nb-NO" dirty="0"/>
+          </a:p>
+        </p:txBody>
+      </p:sp>
+      <p:sp>
+        <p:nvSpPr>
+          <p:cNvPr id="4" name="Slide Number Placeholder 3"/>
+          <p:cNvSpPr>
+            <a:spLocks noGrp="1"/>
+          </p:cNvSpPr>
+          <p:nvPr>
+            <p:ph type="sldNum" sz="quarter" idx="5"/>
+          </p:nvPr>
+        </p:nvSpPr>
+        <p:spPr/>
+        <p:txBody>
+          <a:bodyPr/>
+          <a:lstStyle/>
+          <a:p>
+            <a:pPr marL="0" marR="0" lvl="0" indent="0" algn="r" defTabSz="914400" rtl="0" eaLnBrk="1" fontAlgn="auto" latinLnBrk="0" hangingPunct="1">
+              <a:lnSpc>
+                <a:spcPct val="100000"/>
+              </a:lnSpc>
+              <a:spcBef>
+                <a:spcPts val="0"/>
+              </a:spcBef>
+              <a:spcAft>
+                <a:spcPts val="0"/>
+              </a:spcAft>
+              <a:buClrTx/>
+              <a:buSzTx/>
+              <a:buFontTx/>
+              <a:buNone/>
+              <a:tabLst/>
+              <a:defRPr/>
+            </a:pPr>
+            <a:fld id="{00A560F4-8102-4EC4-BB24-179BCBD2EB8E}" type="slidenum">
+              <a:rPr kumimoji="0" lang="en-US" sz="1200" b="0" i="0" u="none" strike="noStrike" kern="1200" cap="none" spc="0" normalizeH="0" baseline="0" noProof="0" smtClean="0">
+                <a:ln>
+                  <a:noFill/>
+                </a:ln>
+                <a:solidFill>
+                  <a:prstClr val="black"/>
+                </a:solidFill>
+                <a:effectLst/>
+                <a:uLnTx/>
+                <a:uFillTx/>
+                <a:latin typeface="Calibri" panose="020F0502020204030204"/>
+                <a:ea typeface="+mn-ea"/>
+                <a:cs typeface="+mn-cs"/>
+              </a:rPr>
+              <a:pPr marL="0" marR="0" lvl="0" indent="0" algn="r" defTabSz="914400" rtl="0" eaLnBrk="1" fontAlgn="auto" latinLnBrk="0" hangingPunct="1">
+                <a:lnSpc>
+                  <a:spcPct val="100000"/>
+                </a:lnSpc>
+                <a:spcBef>
+                  <a:spcPts val="0"/>
+                </a:spcBef>
+                <a:spcAft>
+                  <a:spcPts val="0"/>
+                </a:spcAft>
+                <a:buClrTx/>
+                <a:buSzTx/>
+                <a:buFontTx/>
+                <a:buNone/>
+                <a:tabLst/>
+                <a:defRPr/>
+              </a:pPr>
+              <a:t>22</a:t>
             </a:fld>
             <a:endParaRPr kumimoji="0" lang="en-US" sz="1200" b="0" i="0" u="none" strike="noStrike" kern="1200" cap="none" spc="0" normalizeH="0" baseline="0" noProof="0">
               <a:ln>
@@ -1418,6 +2239,85 @@
           <a:bodyPr/>
           <a:lstStyle/>
           <a:p>
+            <a:pPr algn="l"/>
+            <a:r>
+              <a:rPr lang="en-US" b="0" i="0" dirty="0">
+                <a:solidFill>
+                  <a:srgbClr val="222222"/>
+                </a:solidFill>
+                <a:effectLst/>
+                <a:latin typeface="montserrat" panose="00000500000000000000" pitchFamily="2" charset="0"/>
+              </a:rPr>
+              <a:t>Flux is based on a set of Kubernetes API extensions (“custom resources”), which control how git repositories and other sources of configuration are applied into the cluster (“synced”). For example, you create a </a:t>
+            </a:r>
+            <a:r>
+              <a:rPr lang="en-US" b="0" i="0" dirty="0" err="1">
+                <a:solidFill>
+                  <a:srgbClr val="222222"/>
+                </a:solidFill>
+                <a:effectLst/>
+                <a:latin typeface="montserrat" panose="00000500000000000000" pitchFamily="2" charset="0"/>
+              </a:rPr>
+              <a:t>GitRepository</a:t>
+            </a:r>
+            <a:r>
+              <a:rPr lang="en-US" b="0" i="0" dirty="0">
+                <a:solidFill>
+                  <a:srgbClr val="222222"/>
+                </a:solidFill>
+                <a:effectLst/>
+                <a:latin typeface="montserrat" panose="00000500000000000000" pitchFamily="2" charset="0"/>
+              </a:rPr>
+              <a:t> object to mirror configuration from a Git repository, then a </a:t>
+            </a:r>
+            <a:r>
+              <a:rPr lang="en-US" b="0" i="0" dirty="0" err="1">
+                <a:solidFill>
+                  <a:srgbClr val="222222"/>
+                </a:solidFill>
+                <a:effectLst/>
+                <a:latin typeface="montserrat" panose="00000500000000000000" pitchFamily="2" charset="0"/>
+              </a:rPr>
+              <a:t>Kustomization</a:t>
+            </a:r>
+            <a:r>
+              <a:rPr lang="en-US" b="0" i="0" dirty="0">
+                <a:solidFill>
+                  <a:srgbClr val="222222"/>
+                </a:solidFill>
+                <a:effectLst/>
+                <a:latin typeface="montserrat" panose="00000500000000000000" pitchFamily="2" charset="0"/>
+              </a:rPr>
+              <a:t> object to sync that configuration.</a:t>
+            </a:r>
+          </a:p>
+          <a:p>
+            <a:pPr algn="l"/>
+            <a:r>
+              <a:rPr lang="en-US" b="0" i="0" dirty="0">
+                <a:solidFill>
+                  <a:srgbClr val="222222"/>
+                </a:solidFill>
+                <a:effectLst/>
+                <a:latin typeface="montserrat" panose="00000500000000000000" pitchFamily="2" charset="0"/>
+              </a:rPr>
+              <a:t>Flux works with Kubernetes' role-based access control (RBAC), so you can lock down what any particular sync can change. It can send notifications to Slack and other like systems when configuration is synced and ready, and receive webhooks to tell it when to sync.</a:t>
+            </a:r>
+          </a:p>
+          <a:p>
+            <a:pPr algn="l"/>
+            <a:r>
+              <a:rPr lang="en-US" b="0" i="0" dirty="0">
+                <a:solidFill>
+                  <a:srgbClr val="222222"/>
+                </a:solidFill>
+                <a:effectLst/>
+                <a:latin typeface="montserrat" panose="00000500000000000000" pitchFamily="2" charset="0"/>
+              </a:rPr>
+              <a:t>The flux command-line tool is a convenient way to bootstrap the system in a cluster, and to access the custom resources that make up the API.</a:t>
+            </a:r>
+          </a:p>
+          <a:p>
             <a:endParaRPr lang="nb-NO" dirty="0"/>
           </a:p>
         </p:txBody>
@@ -1437,78 +2337,18 @@
           <a:bodyPr/>
           <a:lstStyle/>
           <a:p>
-            <a:pPr marL="0" marR="0" lvl="0" indent="0" algn="r" defTabSz="914400" rtl="0" eaLnBrk="1" fontAlgn="auto" latinLnBrk="0" hangingPunct="1">
-              <a:lnSpc>
-                <a:spcPct val="100000"/>
-              </a:lnSpc>
-              <a:spcBef>
-                <a:spcPts val="0"/>
-              </a:spcBef>
-              <a:spcAft>
-                <a:spcPts val="0"/>
-              </a:spcAft>
-              <a:buClrTx/>
-              <a:buSzTx/>
-              <a:buFontTx/>
-              <a:buNone/>
-              <a:tabLst/>
-              <a:defRPr/>
-            </a:pPr>
-            <a:fld id="{00A560F4-8102-4EC4-BB24-179BCBD2EB8E}" type="slidenum">
-              <a:rPr kumimoji="0" lang="en-US" sz="1200" b="0" i="0" u="none" strike="noStrike" kern="1200" cap="none" spc="0" normalizeH="0" baseline="0" noProof="0" smtClean="0">
-                <a:ln>
-                  <a:noFill/>
-                </a:ln>
-                <a:solidFill>
-                  <a:prstClr val="black"/>
-                </a:solidFill>
-                <a:effectLst/>
-                <a:uLnTx/>
-                <a:uFillTx/>
-                <a:latin typeface="Calibri" panose="020F0502020204030204"/>
-                <a:ea typeface="+mn-ea"/>
-                <a:cs typeface="+mn-cs"/>
-              </a:rPr>
-              <a:pPr marL="0" marR="0" lvl="0" indent="0" algn="r" defTabSz="914400" rtl="0" eaLnBrk="1" fontAlgn="auto" latinLnBrk="0" hangingPunct="1">
-                <a:lnSpc>
-                  <a:spcPct val="100000"/>
-                </a:lnSpc>
-                <a:spcBef>
-                  <a:spcPts val="0"/>
-                </a:spcBef>
-                <a:spcAft>
-                  <a:spcPts val="0"/>
-                </a:spcAft>
-                <a:buClrTx/>
-                <a:buSzTx/>
-                <a:buFontTx/>
-                <a:buNone/>
-                <a:tabLst/>
-                <a:defRPr/>
-              </a:pPr>
-              <a:t>7</a:t>
+            <a:fld id="{FB3A52E1-8A48-429C-8A5A-7D4445DBC12D}" type="slidenum">
+              <a:rPr lang="nb-NO" smtClean="0"/>
+              <a:t>11</a:t>
             </a:fld>
-            <a:endParaRPr kumimoji="0" lang="en-US" sz="1200" b="0" i="0" u="none" strike="noStrike" kern="1200" cap="none" spc="0" normalizeH="0" baseline="0" noProof="0">
-              <a:ln>
-                <a:noFill/>
-              </a:ln>
-              <a:solidFill>
-                <a:prstClr val="black"/>
-              </a:solidFill>
-              <a:effectLst/>
-              <a:uLnTx/>
-              <a:uFillTx/>
-              <a:latin typeface="Calibri" panose="020F0502020204030204"/>
-              <a:ea typeface="+mn-ea"/>
-              <a:cs typeface="+mn-cs"/>
-            </a:endParaRPr>
+            <a:endParaRPr lang="nb-NO"/>
           </a:p>
         </p:txBody>
       </p:sp>
     </p:spTree>
     <p:extLst>
       <p:ext uri="{BB962C8B-B14F-4D97-AF65-F5344CB8AC3E}">
-        <p14:creationId xmlns:p14="http://schemas.microsoft.com/office/powerpoint/2010/main" val="590553198"/>
+        <p14:creationId xmlns:p14="http://schemas.microsoft.com/office/powerpoint/2010/main" val="786885239"/>
       </p:ext>
     </p:extLst>
   </p:cSld>
@@ -1562,6 +2402,215 @@
           <a:bodyPr/>
           <a:lstStyle/>
           <a:p>
+            <a:r>
+              <a:rPr lang="en-US" b="0" i="0" dirty="0">
+                <a:solidFill>
+                  <a:srgbClr val="222222"/>
+                </a:solidFill>
+                <a:effectLst/>
+                <a:latin typeface="montserrat" panose="00000500000000000000" pitchFamily="2" charset="0"/>
+              </a:rPr>
+              <a:t>The main role of the source management component is to provide a common interface for artifacts acquisition. The source API defines a set of Kubernetes objects that cluster admins and various automated operators can interact with to offload the Git and Helm repositories operations to a dedicated controller.</a:t>
+            </a:r>
+          </a:p>
+          <a:p>
+            <a:endParaRPr lang="en-US" b="0" i="0" dirty="0">
+              <a:solidFill>
+                <a:srgbClr val="222222"/>
+              </a:solidFill>
+              <a:effectLst/>
+              <a:latin typeface="montserrat" panose="00000500000000000000" pitchFamily="2" charset="0"/>
+            </a:endParaRPr>
+          </a:p>
+          <a:p>
+            <a:pPr algn="l">
+              <a:buFont typeface="Arial" panose="020B0604020202020204" pitchFamily="34" charset="0"/>
+              <a:buChar char="•"/>
+            </a:pPr>
+            <a:r>
+              <a:rPr lang="en-US" b="0" i="0" dirty="0">
+                <a:solidFill>
+                  <a:srgbClr val="222222"/>
+                </a:solidFill>
+                <a:effectLst/>
+                <a:latin typeface="montserrat" panose="00000500000000000000" pitchFamily="2" charset="0"/>
+              </a:rPr>
+              <a:t>Validate source definitions</a:t>
+            </a:r>
+          </a:p>
+          <a:p>
+            <a:pPr algn="l">
+              <a:buFont typeface="Arial" panose="020B0604020202020204" pitchFamily="34" charset="0"/>
+              <a:buChar char="•"/>
+            </a:pPr>
+            <a:r>
+              <a:rPr lang="en-US" b="0" i="0" dirty="0">
+                <a:solidFill>
+                  <a:srgbClr val="222222"/>
+                </a:solidFill>
+                <a:effectLst/>
+                <a:latin typeface="montserrat" panose="00000500000000000000" pitchFamily="2" charset="0"/>
+              </a:rPr>
+              <a:t>Authenticate to sources (SSH, user/password, API token)</a:t>
+            </a:r>
+          </a:p>
+          <a:p>
+            <a:pPr algn="l">
+              <a:buFont typeface="Arial" panose="020B0604020202020204" pitchFamily="34" charset="0"/>
+              <a:buChar char="•"/>
+            </a:pPr>
+            <a:r>
+              <a:rPr lang="en-US" b="0" i="0" dirty="0">
+                <a:solidFill>
+                  <a:srgbClr val="222222"/>
+                </a:solidFill>
+                <a:effectLst/>
+                <a:latin typeface="montserrat" panose="00000500000000000000" pitchFamily="2" charset="0"/>
+              </a:rPr>
+              <a:t>Detect source changes based on update policies (</a:t>
+            </a:r>
+            <a:r>
+              <a:rPr lang="en-US" b="0" i="0" dirty="0" err="1">
+                <a:solidFill>
+                  <a:srgbClr val="222222"/>
+                </a:solidFill>
+                <a:effectLst/>
+                <a:latin typeface="montserrat" panose="00000500000000000000" pitchFamily="2" charset="0"/>
+              </a:rPr>
+              <a:t>semver</a:t>
+            </a:r>
+            <a:r>
+              <a:rPr lang="en-US" b="0" i="0" dirty="0">
+                <a:solidFill>
+                  <a:srgbClr val="222222"/>
+                </a:solidFill>
+                <a:effectLst/>
+                <a:latin typeface="montserrat" panose="00000500000000000000" pitchFamily="2" charset="0"/>
+              </a:rPr>
+              <a:t>)</a:t>
+            </a:r>
+          </a:p>
+          <a:p>
+            <a:pPr algn="l">
+              <a:buFont typeface="Arial" panose="020B0604020202020204" pitchFamily="34" charset="0"/>
+              <a:buChar char="•"/>
+            </a:pPr>
+            <a:r>
+              <a:rPr lang="en-US" b="0" i="0" dirty="0">
+                <a:solidFill>
+                  <a:srgbClr val="222222"/>
+                </a:solidFill>
+                <a:effectLst/>
+                <a:latin typeface="montserrat" panose="00000500000000000000" pitchFamily="2" charset="0"/>
+              </a:rPr>
+              <a:t>Fetch resources on-demand and on-a-schedule</a:t>
+            </a:r>
+          </a:p>
+          <a:p>
+            <a:pPr algn="l">
+              <a:buFont typeface="Arial" panose="020B0604020202020204" pitchFamily="34" charset="0"/>
+              <a:buChar char="•"/>
+            </a:pPr>
+            <a:r>
+              <a:rPr lang="en-US" b="0" i="0" dirty="0">
+                <a:solidFill>
+                  <a:srgbClr val="222222"/>
+                </a:solidFill>
+                <a:effectLst/>
+                <a:latin typeface="montserrat" panose="00000500000000000000" pitchFamily="2" charset="0"/>
+              </a:rPr>
+              <a:t>Package the fetched resources into a well-known format (tar.gz, </a:t>
+            </a:r>
+            <a:r>
+              <a:rPr lang="en-US" b="0" i="0" dirty="0" err="1">
+                <a:solidFill>
+                  <a:srgbClr val="222222"/>
+                </a:solidFill>
+                <a:effectLst/>
+                <a:latin typeface="montserrat" panose="00000500000000000000" pitchFamily="2" charset="0"/>
+              </a:rPr>
+              <a:t>yaml</a:t>
+            </a:r>
+            <a:r>
+              <a:rPr lang="en-US" b="0" i="0" dirty="0">
+                <a:solidFill>
+                  <a:srgbClr val="222222"/>
+                </a:solidFill>
+                <a:effectLst/>
+                <a:latin typeface="montserrat" panose="00000500000000000000" pitchFamily="2" charset="0"/>
+              </a:rPr>
+              <a:t>)</a:t>
+            </a:r>
+          </a:p>
+          <a:p>
+            <a:pPr algn="l">
+              <a:buFont typeface="Arial" panose="020B0604020202020204" pitchFamily="34" charset="0"/>
+              <a:buChar char="•"/>
+            </a:pPr>
+            <a:r>
+              <a:rPr lang="en-US" b="0" i="0" dirty="0">
+                <a:solidFill>
+                  <a:srgbClr val="222222"/>
+                </a:solidFill>
+                <a:effectLst/>
+                <a:latin typeface="montserrat" panose="00000500000000000000" pitchFamily="2" charset="0"/>
+              </a:rPr>
+              <a:t>Make the artifacts addressable by their source identifier (sha, version, </a:t>
+            </a:r>
+            <a:r>
+              <a:rPr lang="en-US" b="0" i="0" dirty="0" err="1">
+                <a:solidFill>
+                  <a:srgbClr val="222222"/>
+                </a:solidFill>
+                <a:effectLst/>
+                <a:latin typeface="montserrat" panose="00000500000000000000" pitchFamily="2" charset="0"/>
+              </a:rPr>
+              <a:t>ts</a:t>
+            </a:r>
+            <a:r>
+              <a:rPr lang="en-US" b="0" i="0" dirty="0">
+                <a:solidFill>
+                  <a:srgbClr val="222222"/>
+                </a:solidFill>
+                <a:effectLst/>
+                <a:latin typeface="montserrat" panose="00000500000000000000" pitchFamily="2" charset="0"/>
+              </a:rPr>
+              <a:t>)</a:t>
+            </a:r>
+          </a:p>
+          <a:p>
+            <a:pPr algn="l">
+              <a:buFont typeface="Arial" panose="020B0604020202020204" pitchFamily="34" charset="0"/>
+              <a:buChar char="•"/>
+            </a:pPr>
+            <a:r>
+              <a:rPr lang="en-US" b="0" i="0" dirty="0">
+                <a:solidFill>
+                  <a:srgbClr val="222222"/>
+                </a:solidFill>
+                <a:effectLst/>
+                <a:latin typeface="montserrat" panose="00000500000000000000" pitchFamily="2" charset="0"/>
+              </a:rPr>
+              <a:t>Make the artifacts available in-cluster to interested 3rd parties</a:t>
+            </a:r>
+          </a:p>
+          <a:p>
+            <a:pPr algn="l">
+              <a:buFont typeface="Arial" panose="020B0604020202020204" pitchFamily="34" charset="0"/>
+              <a:buChar char="•"/>
+            </a:pPr>
+            <a:r>
+              <a:rPr lang="en-US" b="0" i="0" dirty="0">
+                <a:solidFill>
+                  <a:srgbClr val="222222"/>
+                </a:solidFill>
+                <a:effectLst/>
+                <a:latin typeface="montserrat" panose="00000500000000000000" pitchFamily="2" charset="0"/>
+              </a:rPr>
+              <a:t>Notify interested 3rd parties of source changes and availability (status conditions, events, hooks)</a:t>
+            </a:r>
+          </a:p>
+          <a:p>
             <a:endParaRPr lang="nb-NO" dirty="0"/>
           </a:p>
         </p:txBody>
@@ -1581,78 +2630,18 @@
           <a:bodyPr/>
           <a:lstStyle/>
           <a:p>
-            <a:pPr marL="0" marR="0" lvl="0" indent="0" algn="r" defTabSz="914400" rtl="0" eaLnBrk="1" fontAlgn="auto" latinLnBrk="0" hangingPunct="1">
-              <a:lnSpc>
-                <a:spcPct val="100000"/>
-              </a:lnSpc>
-              <a:spcBef>
-                <a:spcPts val="0"/>
-              </a:spcBef>
-              <a:spcAft>
-                <a:spcPts val="0"/>
-              </a:spcAft>
-              <a:buClrTx/>
-              <a:buSzTx/>
-              <a:buFontTx/>
-              <a:buNone/>
-              <a:tabLst/>
-              <a:defRPr/>
-            </a:pPr>
-            <a:fld id="{00A560F4-8102-4EC4-BB24-179BCBD2EB8E}" type="slidenum">
-              <a:rPr kumimoji="0" lang="en-US" sz="1200" b="0" i="0" u="none" strike="noStrike" kern="1200" cap="none" spc="0" normalizeH="0" baseline="0" noProof="0" smtClean="0">
-                <a:ln>
-                  <a:noFill/>
-                </a:ln>
-                <a:solidFill>
-                  <a:prstClr val="black"/>
-                </a:solidFill>
-                <a:effectLst/>
-                <a:uLnTx/>
-                <a:uFillTx/>
-                <a:latin typeface="Calibri" panose="020F0502020204030204"/>
-                <a:ea typeface="+mn-ea"/>
-                <a:cs typeface="+mn-cs"/>
-              </a:rPr>
-              <a:pPr marL="0" marR="0" lvl="0" indent="0" algn="r" defTabSz="914400" rtl="0" eaLnBrk="1" fontAlgn="auto" latinLnBrk="0" hangingPunct="1">
-                <a:lnSpc>
-                  <a:spcPct val="100000"/>
-                </a:lnSpc>
-                <a:spcBef>
-                  <a:spcPts val="0"/>
-                </a:spcBef>
-                <a:spcAft>
-                  <a:spcPts val="0"/>
-                </a:spcAft>
-                <a:buClrTx/>
-                <a:buSzTx/>
-                <a:buFontTx/>
-                <a:buNone/>
-                <a:tabLst/>
-                <a:defRPr/>
-              </a:pPr>
-              <a:t>8</a:t>
+            <a:fld id="{FB3A52E1-8A48-429C-8A5A-7D4445DBC12D}" type="slidenum">
+              <a:rPr lang="nb-NO" smtClean="0"/>
+              <a:t>12</a:t>
             </a:fld>
-            <a:endParaRPr kumimoji="0" lang="en-US" sz="1200" b="0" i="0" u="none" strike="noStrike" kern="1200" cap="none" spc="0" normalizeH="0" baseline="0" noProof="0">
-              <a:ln>
-                <a:noFill/>
-              </a:ln>
-              <a:solidFill>
-                <a:prstClr val="black"/>
-              </a:solidFill>
-              <a:effectLst/>
-              <a:uLnTx/>
-              <a:uFillTx/>
-              <a:latin typeface="Calibri" panose="020F0502020204030204"/>
-              <a:ea typeface="+mn-ea"/>
-              <a:cs typeface="+mn-cs"/>
-            </a:endParaRPr>
+            <a:endParaRPr lang="nb-NO"/>
           </a:p>
         </p:txBody>
       </p:sp>
     </p:spTree>
     <p:extLst>
       <p:ext uri="{BB962C8B-B14F-4D97-AF65-F5344CB8AC3E}">
-        <p14:creationId xmlns:p14="http://schemas.microsoft.com/office/powerpoint/2010/main" val="3859227199"/>
+        <p14:creationId xmlns:p14="http://schemas.microsoft.com/office/powerpoint/2010/main" val="2817184418"/>
       </p:ext>
     </p:extLst>
   </p:cSld>
@@ -1706,6 +2695,255 @@
           <a:bodyPr/>
           <a:lstStyle/>
           <a:p>
+            <a:r>
+              <a:rPr lang="en-US" b="0" i="0" dirty="0">
+                <a:solidFill>
+                  <a:srgbClr val="222222"/>
+                </a:solidFill>
+                <a:effectLst/>
+                <a:latin typeface="montserrat" panose="00000500000000000000" pitchFamily="2" charset="0"/>
+              </a:rPr>
+              <a:t>The </a:t>
+            </a:r>
+            <a:r>
+              <a:rPr lang="en-US" b="0" i="0" dirty="0" err="1">
+                <a:solidFill>
+                  <a:srgbClr val="222222"/>
+                </a:solidFill>
+                <a:effectLst/>
+                <a:latin typeface="montserrat" panose="00000500000000000000" pitchFamily="2" charset="0"/>
+              </a:rPr>
+              <a:t>kustomize</a:t>
+            </a:r>
+            <a:r>
+              <a:rPr lang="en-US" b="0" i="0" dirty="0">
+                <a:solidFill>
+                  <a:srgbClr val="222222"/>
+                </a:solidFill>
+                <a:effectLst/>
+                <a:latin typeface="montserrat" panose="00000500000000000000" pitchFamily="2" charset="0"/>
+              </a:rPr>
+              <a:t>-controller specialized in running continuous delivery pipelines for infrastructure and workloads defined with Kubernetes manifests and assembled with </a:t>
+            </a:r>
+            <a:r>
+              <a:rPr lang="en-US" b="0" i="0" dirty="0" err="1">
+                <a:solidFill>
+                  <a:srgbClr val="222222"/>
+                </a:solidFill>
+                <a:effectLst/>
+                <a:latin typeface="montserrat" panose="00000500000000000000" pitchFamily="2" charset="0"/>
+              </a:rPr>
+              <a:t>Kustomize</a:t>
+            </a:r>
+            <a:r>
+              <a:rPr lang="en-US" b="0" i="0" dirty="0">
+                <a:solidFill>
+                  <a:srgbClr val="222222"/>
+                </a:solidFill>
+                <a:effectLst/>
+                <a:latin typeface="montserrat" panose="00000500000000000000" pitchFamily="2" charset="0"/>
+              </a:rPr>
+              <a:t>.</a:t>
+            </a:r>
+          </a:p>
+          <a:p>
+            <a:endParaRPr lang="en-US" b="0" i="0" dirty="0">
+              <a:solidFill>
+                <a:srgbClr val="222222"/>
+              </a:solidFill>
+              <a:effectLst/>
+              <a:latin typeface="montserrat" panose="00000500000000000000" pitchFamily="2" charset="0"/>
+            </a:endParaRPr>
+          </a:p>
+          <a:p>
+            <a:pPr algn="l">
+              <a:buFont typeface="Arial" panose="020B0604020202020204" pitchFamily="34" charset="0"/>
+              <a:buChar char="•"/>
+            </a:pPr>
+            <a:r>
+              <a:rPr lang="en-US" b="0" i="0" dirty="0">
+                <a:solidFill>
+                  <a:srgbClr val="222222"/>
+                </a:solidFill>
+                <a:effectLst/>
+                <a:latin typeface="montserrat" panose="00000500000000000000" pitchFamily="2" charset="0"/>
+              </a:rPr>
+              <a:t>Reconciles the cluster state from multiple sources (provided by source-controller)</a:t>
+            </a:r>
+          </a:p>
+          <a:p>
+            <a:pPr algn="l">
+              <a:buFont typeface="Arial" panose="020B0604020202020204" pitchFamily="34" charset="0"/>
+              <a:buChar char="•"/>
+            </a:pPr>
+            <a:r>
+              <a:rPr lang="en-US" b="0" i="0" dirty="0">
+                <a:solidFill>
+                  <a:srgbClr val="222222"/>
+                </a:solidFill>
+                <a:effectLst/>
+                <a:latin typeface="montserrat" panose="00000500000000000000" pitchFamily="2" charset="0"/>
+              </a:rPr>
+              <a:t>Generates manifests with </a:t>
+            </a:r>
+            <a:r>
+              <a:rPr lang="en-US" b="0" i="0" dirty="0" err="1">
+                <a:solidFill>
+                  <a:srgbClr val="222222"/>
+                </a:solidFill>
+                <a:effectLst/>
+                <a:latin typeface="montserrat" panose="00000500000000000000" pitchFamily="2" charset="0"/>
+              </a:rPr>
+              <a:t>Kustomize</a:t>
+            </a:r>
+            <a:r>
+              <a:rPr lang="en-US" b="0" i="0" dirty="0">
+                <a:solidFill>
+                  <a:srgbClr val="222222"/>
+                </a:solidFill>
+                <a:effectLst/>
+                <a:latin typeface="montserrat" panose="00000500000000000000" pitchFamily="2" charset="0"/>
+              </a:rPr>
+              <a:t> (from plain Kubernetes </a:t>
+            </a:r>
+            <a:r>
+              <a:rPr lang="en-US" b="0" i="0" dirty="0" err="1">
+                <a:solidFill>
+                  <a:srgbClr val="222222"/>
+                </a:solidFill>
+                <a:effectLst/>
+                <a:latin typeface="montserrat" panose="00000500000000000000" pitchFamily="2" charset="0"/>
+              </a:rPr>
+              <a:t>yamls</a:t>
+            </a:r>
+            <a:r>
+              <a:rPr lang="en-US" b="0" i="0" dirty="0">
+                <a:solidFill>
+                  <a:srgbClr val="222222"/>
+                </a:solidFill>
+                <a:effectLst/>
+                <a:latin typeface="montserrat" panose="00000500000000000000" pitchFamily="2" charset="0"/>
+              </a:rPr>
+              <a:t> or </a:t>
+            </a:r>
+            <a:r>
+              <a:rPr lang="en-US" b="0" i="0" dirty="0" err="1">
+                <a:solidFill>
+                  <a:srgbClr val="222222"/>
+                </a:solidFill>
+                <a:effectLst/>
+                <a:latin typeface="montserrat" panose="00000500000000000000" pitchFamily="2" charset="0"/>
+              </a:rPr>
+              <a:t>Kustomize</a:t>
+            </a:r>
+            <a:r>
+              <a:rPr lang="en-US" b="0" i="0" dirty="0">
+                <a:solidFill>
+                  <a:srgbClr val="222222"/>
+                </a:solidFill>
+                <a:effectLst/>
+                <a:latin typeface="montserrat" panose="00000500000000000000" pitchFamily="2" charset="0"/>
+              </a:rPr>
+              <a:t> overlays)</a:t>
+            </a:r>
+          </a:p>
+          <a:p>
+            <a:pPr algn="l">
+              <a:buFont typeface="Arial" panose="020B0604020202020204" pitchFamily="34" charset="0"/>
+              <a:buChar char="•"/>
+            </a:pPr>
+            <a:r>
+              <a:rPr lang="en-US" b="0" i="0" dirty="0">
+                <a:solidFill>
+                  <a:srgbClr val="222222"/>
+                </a:solidFill>
+                <a:effectLst/>
+                <a:latin typeface="montserrat" panose="00000500000000000000" pitchFamily="2" charset="0"/>
+              </a:rPr>
+              <a:t>Validates manifests against Kubernetes API</a:t>
+            </a:r>
+          </a:p>
+          <a:p>
+            <a:pPr algn="l">
+              <a:buFont typeface="Arial" panose="020B0604020202020204" pitchFamily="34" charset="0"/>
+              <a:buChar char="•"/>
+            </a:pPr>
+            <a:r>
+              <a:rPr lang="en-US" b="0" i="0" dirty="0">
+                <a:solidFill>
+                  <a:srgbClr val="222222"/>
+                </a:solidFill>
+                <a:effectLst/>
+                <a:latin typeface="montserrat" panose="00000500000000000000" pitchFamily="2" charset="0"/>
+              </a:rPr>
+              <a:t>Impersonates service accounts (multi-tenancy RBAC)</a:t>
+            </a:r>
+          </a:p>
+          <a:p>
+            <a:pPr algn="l">
+              <a:buFont typeface="Arial" panose="020B0604020202020204" pitchFamily="34" charset="0"/>
+              <a:buChar char="•"/>
+            </a:pPr>
+            <a:r>
+              <a:rPr lang="en-US" b="0" i="0" dirty="0">
+                <a:solidFill>
+                  <a:srgbClr val="222222"/>
+                </a:solidFill>
+                <a:effectLst/>
+                <a:latin typeface="montserrat" panose="00000500000000000000" pitchFamily="2" charset="0"/>
+              </a:rPr>
+              <a:t>Health assessment of the deployed workloads</a:t>
+            </a:r>
+          </a:p>
+          <a:p>
+            <a:pPr algn="l">
+              <a:buFont typeface="Arial" panose="020B0604020202020204" pitchFamily="34" charset="0"/>
+              <a:buChar char="•"/>
+            </a:pPr>
+            <a:r>
+              <a:rPr lang="en-US" b="0" i="0" dirty="0">
+                <a:solidFill>
+                  <a:srgbClr val="222222"/>
+                </a:solidFill>
+                <a:effectLst/>
+                <a:latin typeface="montserrat" panose="00000500000000000000" pitchFamily="2" charset="0"/>
+              </a:rPr>
+              <a:t>Runs pipelines in a specific order (depends-on relationship)</a:t>
+            </a:r>
+          </a:p>
+          <a:p>
+            <a:pPr algn="l">
+              <a:buFont typeface="Arial" panose="020B0604020202020204" pitchFamily="34" charset="0"/>
+              <a:buChar char="•"/>
+            </a:pPr>
+            <a:r>
+              <a:rPr lang="en-US" b="0" i="0" dirty="0">
+                <a:solidFill>
+                  <a:srgbClr val="222222"/>
+                </a:solidFill>
+                <a:effectLst/>
+                <a:latin typeface="montserrat" panose="00000500000000000000" pitchFamily="2" charset="0"/>
+              </a:rPr>
+              <a:t>Prunes objects removed from source (garbage collection)</a:t>
+            </a:r>
+          </a:p>
+          <a:p>
+            <a:pPr algn="l">
+              <a:buFont typeface="Arial" panose="020B0604020202020204" pitchFamily="34" charset="0"/>
+              <a:buChar char="•"/>
+            </a:pPr>
+            <a:r>
+              <a:rPr lang="en-US" b="0" i="0" dirty="0">
+                <a:solidFill>
+                  <a:srgbClr val="222222"/>
+                </a:solidFill>
+                <a:effectLst/>
+                <a:latin typeface="montserrat" panose="00000500000000000000" pitchFamily="2" charset="0"/>
+              </a:rPr>
+              <a:t>Reports cluster state changes (alerting provided by notification-controller)</a:t>
+            </a:r>
+          </a:p>
+          <a:p>
             <a:endParaRPr lang="nb-NO" dirty="0"/>
           </a:p>
         </p:txBody>
@@ -1725,78 +2963,18 @@
           <a:bodyPr/>
           <a:lstStyle/>
           <a:p>
-            <a:pPr marL="0" marR="0" lvl="0" indent="0" algn="r" defTabSz="914400" rtl="0" eaLnBrk="1" fontAlgn="auto" latinLnBrk="0" hangingPunct="1">
-              <a:lnSpc>
-                <a:spcPct val="100000"/>
-              </a:lnSpc>
-              <a:spcBef>
-                <a:spcPts val="0"/>
-              </a:spcBef>
-              <a:spcAft>
-                <a:spcPts val="0"/>
-              </a:spcAft>
-              <a:buClrTx/>
-              <a:buSzTx/>
-              <a:buFontTx/>
-              <a:buNone/>
-              <a:tabLst/>
-              <a:defRPr/>
-            </a:pPr>
-            <a:fld id="{00A560F4-8102-4EC4-BB24-179BCBD2EB8E}" type="slidenum">
-              <a:rPr kumimoji="0" lang="en-US" sz="1200" b="0" i="0" u="none" strike="noStrike" kern="1200" cap="none" spc="0" normalizeH="0" baseline="0" noProof="0" smtClean="0">
-                <a:ln>
-                  <a:noFill/>
-                </a:ln>
-                <a:solidFill>
-                  <a:prstClr val="black"/>
-                </a:solidFill>
-                <a:effectLst/>
-                <a:uLnTx/>
-                <a:uFillTx/>
-                <a:latin typeface="Calibri" panose="020F0502020204030204"/>
-                <a:ea typeface="+mn-ea"/>
-                <a:cs typeface="+mn-cs"/>
-              </a:rPr>
-              <a:pPr marL="0" marR="0" lvl="0" indent="0" algn="r" defTabSz="914400" rtl="0" eaLnBrk="1" fontAlgn="auto" latinLnBrk="0" hangingPunct="1">
-                <a:lnSpc>
-                  <a:spcPct val="100000"/>
-                </a:lnSpc>
-                <a:spcBef>
-                  <a:spcPts val="0"/>
-                </a:spcBef>
-                <a:spcAft>
-                  <a:spcPts val="0"/>
-                </a:spcAft>
-                <a:buClrTx/>
-                <a:buSzTx/>
-                <a:buFontTx/>
-                <a:buNone/>
-                <a:tabLst/>
-                <a:defRPr/>
-              </a:pPr>
-              <a:t>9</a:t>
+            <a:fld id="{FB3A52E1-8A48-429C-8A5A-7D4445DBC12D}" type="slidenum">
+              <a:rPr lang="nb-NO" smtClean="0"/>
+              <a:t>13</a:t>
             </a:fld>
-            <a:endParaRPr kumimoji="0" lang="en-US" sz="1200" b="0" i="0" u="none" strike="noStrike" kern="1200" cap="none" spc="0" normalizeH="0" baseline="0" noProof="0">
-              <a:ln>
-                <a:noFill/>
-              </a:ln>
-              <a:solidFill>
-                <a:prstClr val="black"/>
-              </a:solidFill>
-              <a:effectLst/>
-              <a:uLnTx/>
-              <a:uFillTx/>
-              <a:latin typeface="Calibri" panose="020F0502020204030204"/>
-              <a:ea typeface="+mn-ea"/>
-              <a:cs typeface="+mn-cs"/>
-            </a:endParaRPr>
+            <a:endParaRPr lang="nb-NO"/>
           </a:p>
         </p:txBody>
       </p:sp>
     </p:spTree>
     <p:extLst>
       <p:ext uri="{BB962C8B-B14F-4D97-AF65-F5344CB8AC3E}">
-        <p14:creationId xmlns:p14="http://schemas.microsoft.com/office/powerpoint/2010/main" val="2332028518"/>
+        <p14:creationId xmlns:p14="http://schemas.microsoft.com/office/powerpoint/2010/main" val="2137176911"/>
       </p:ext>
     </p:extLst>
   </p:cSld>
@@ -1850,6 +3028,449 @@
           <a:bodyPr/>
           <a:lstStyle/>
           <a:p>
+            <a:r>
+              <a:rPr lang="en-US" b="0" i="0" dirty="0">
+                <a:solidFill>
+                  <a:srgbClr val="222222"/>
+                </a:solidFill>
+                <a:effectLst/>
+                <a:latin typeface="montserrat" panose="00000500000000000000" pitchFamily="2" charset="0"/>
+              </a:rPr>
+              <a:t>The Helm Controller is a Kubernetes operator, allowing one to declaratively manage Helm chart releases with Kubernetes manifests.</a:t>
+            </a:r>
+          </a:p>
+          <a:p>
+            <a:endParaRPr lang="en-US" b="0" i="0" dirty="0">
+              <a:solidFill>
+                <a:srgbClr val="222222"/>
+              </a:solidFill>
+              <a:effectLst/>
+              <a:latin typeface="montserrat" panose="00000500000000000000" pitchFamily="2" charset="0"/>
+            </a:endParaRPr>
+          </a:p>
+          <a:p>
+            <a:pPr algn="l">
+              <a:buFont typeface="Arial" panose="020B0604020202020204" pitchFamily="34" charset="0"/>
+              <a:buChar char="•"/>
+            </a:pPr>
+            <a:r>
+              <a:rPr lang="en-US" b="0" i="0" dirty="0">
+                <a:solidFill>
+                  <a:srgbClr val="222222"/>
+                </a:solidFill>
+                <a:effectLst/>
+                <a:latin typeface="montserrat" panose="00000500000000000000" pitchFamily="2" charset="0"/>
+              </a:rPr>
+              <a:t>Watches for </a:t>
+            </a:r>
+            <a:r>
+              <a:rPr lang="en-US" b="0" i="0" dirty="0" err="1">
+                <a:solidFill>
+                  <a:srgbClr val="222222"/>
+                </a:solidFill>
+                <a:effectLst/>
+                <a:latin typeface="montserrat" panose="00000500000000000000" pitchFamily="2" charset="0"/>
+              </a:rPr>
+              <a:t>HelmRelease</a:t>
+            </a:r>
+            <a:r>
+              <a:rPr lang="en-US" b="0" i="0" dirty="0">
+                <a:solidFill>
+                  <a:srgbClr val="222222"/>
+                </a:solidFill>
+                <a:effectLst/>
+                <a:latin typeface="montserrat" panose="00000500000000000000" pitchFamily="2" charset="0"/>
+              </a:rPr>
+              <a:t> objects and generates </a:t>
+            </a:r>
+            <a:r>
+              <a:rPr lang="en-US" b="0" i="0" dirty="0" err="1">
+                <a:solidFill>
+                  <a:srgbClr val="222222"/>
+                </a:solidFill>
+                <a:effectLst/>
+                <a:latin typeface="montserrat" panose="00000500000000000000" pitchFamily="2" charset="0"/>
+              </a:rPr>
+              <a:t>HelmChart</a:t>
+            </a:r>
+            <a:r>
+              <a:rPr lang="en-US" b="0" i="0" dirty="0">
+                <a:solidFill>
+                  <a:srgbClr val="222222"/>
+                </a:solidFill>
+                <a:effectLst/>
+                <a:latin typeface="montserrat" panose="00000500000000000000" pitchFamily="2" charset="0"/>
+              </a:rPr>
+              <a:t> objects</a:t>
+            </a:r>
+          </a:p>
+          <a:p>
+            <a:pPr algn="l">
+              <a:buFont typeface="Arial" panose="020B0604020202020204" pitchFamily="34" charset="0"/>
+              <a:buChar char="•"/>
+            </a:pPr>
+            <a:r>
+              <a:rPr lang="en-US" b="0" i="0" dirty="0">
+                <a:solidFill>
+                  <a:srgbClr val="222222"/>
+                </a:solidFill>
+                <a:effectLst/>
+                <a:latin typeface="montserrat" panose="00000500000000000000" pitchFamily="2" charset="0"/>
+              </a:rPr>
+              <a:t>Supports </a:t>
+            </a:r>
+            <a:r>
+              <a:rPr lang="en-US" b="0" i="0" dirty="0" err="1">
+                <a:solidFill>
+                  <a:srgbClr val="222222"/>
+                </a:solidFill>
+                <a:effectLst/>
+                <a:latin typeface="montserrat" panose="00000500000000000000" pitchFamily="2" charset="0"/>
+              </a:rPr>
+              <a:t>HelmChart</a:t>
+            </a:r>
+            <a:r>
+              <a:rPr lang="en-US" b="0" i="0" dirty="0">
+                <a:solidFill>
+                  <a:srgbClr val="222222"/>
+                </a:solidFill>
+                <a:effectLst/>
+                <a:latin typeface="montserrat" panose="00000500000000000000" pitchFamily="2" charset="0"/>
+              </a:rPr>
+              <a:t> artifacts produced from </a:t>
+            </a:r>
+            <a:r>
+              <a:rPr lang="en-US" b="0" i="0" dirty="0" err="1">
+                <a:solidFill>
+                  <a:srgbClr val="222222"/>
+                </a:solidFill>
+                <a:effectLst/>
+                <a:latin typeface="montserrat" panose="00000500000000000000" pitchFamily="2" charset="0"/>
+              </a:rPr>
+              <a:t>HelmRepository</a:t>
+            </a:r>
+            <a:r>
+              <a:rPr lang="en-US" b="0" i="0" dirty="0">
+                <a:solidFill>
+                  <a:srgbClr val="222222"/>
+                </a:solidFill>
+                <a:effectLst/>
+                <a:latin typeface="montserrat" panose="00000500000000000000" pitchFamily="2" charset="0"/>
+              </a:rPr>
+              <a:t> and </a:t>
+            </a:r>
+            <a:r>
+              <a:rPr lang="en-US" b="0" i="0" dirty="0" err="1">
+                <a:solidFill>
+                  <a:srgbClr val="222222"/>
+                </a:solidFill>
+                <a:effectLst/>
+                <a:latin typeface="montserrat" panose="00000500000000000000" pitchFamily="2" charset="0"/>
+              </a:rPr>
+              <a:t>GitRepository</a:t>
+            </a:r>
+            <a:r>
+              <a:rPr lang="en-US" b="0" i="0" dirty="0">
+                <a:solidFill>
+                  <a:srgbClr val="222222"/>
+                </a:solidFill>
+                <a:effectLst/>
+                <a:latin typeface="montserrat" panose="00000500000000000000" pitchFamily="2" charset="0"/>
+              </a:rPr>
+              <a:t> sources</a:t>
+            </a:r>
+          </a:p>
+          <a:p>
+            <a:pPr algn="l">
+              <a:buFont typeface="Arial" panose="020B0604020202020204" pitchFamily="34" charset="0"/>
+              <a:buChar char="•"/>
+            </a:pPr>
+            <a:r>
+              <a:rPr lang="en-US" b="0" i="0" dirty="0">
+                <a:solidFill>
+                  <a:srgbClr val="222222"/>
+                </a:solidFill>
+                <a:effectLst/>
+                <a:latin typeface="montserrat" panose="00000500000000000000" pitchFamily="2" charset="0"/>
+              </a:rPr>
+              <a:t>Fetches artifacts produced by </a:t>
+            </a:r>
+            <a:r>
+              <a:rPr lang="en-US" b="0" i="0" u="none" strike="noStrike" dirty="0">
+                <a:solidFill>
+                  <a:srgbClr val="1F4AAF"/>
+                </a:solidFill>
+                <a:effectLst/>
+                <a:latin typeface="montserrat" panose="00000500000000000000" pitchFamily="2" charset="0"/>
+                <a:hlinkClick r:id="rId3"/>
+              </a:rPr>
+              <a:t>source-controller</a:t>
+            </a:r>
+            <a:r>
+              <a:rPr lang="en-US" b="0" i="0" dirty="0">
+                <a:solidFill>
+                  <a:srgbClr val="222222"/>
+                </a:solidFill>
+                <a:effectLst/>
+                <a:latin typeface="montserrat" panose="00000500000000000000" pitchFamily="2" charset="0"/>
+              </a:rPr>
+              <a:t> from </a:t>
+            </a:r>
+            <a:r>
+              <a:rPr lang="en-US" b="0" i="0" dirty="0" err="1">
+                <a:solidFill>
+                  <a:srgbClr val="222222"/>
+                </a:solidFill>
+                <a:effectLst/>
+                <a:latin typeface="montserrat" panose="00000500000000000000" pitchFamily="2" charset="0"/>
+              </a:rPr>
+              <a:t>HelmChart</a:t>
+            </a:r>
+            <a:r>
+              <a:rPr lang="en-US" b="0" i="0" dirty="0">
+                <a:solidFill>
+                  <a:srgbClr val="222222"/>
+                </a:solidFill>
+                <a:effectLst/>
+                <a:latin typeface="montserrat" panose="00000500000000000000" pitchFamily="2" charset="0"/>
+              </a:rPr>
+              <a:t> objects</a:t>
+            </a:r>
+          </a:p>
+          <a:p>
+            <a:pPr algn="l">
+              <a:buFont typeface="Arial" panose="020B0604020202020204" pitchFamily="34" charset="0"/>
+              <a:buChar char="•"/>
+            </a:pPr>
+            <a:r>
+              <a:rPr lang="en-US" b="0" i="0" dirty="0">
+                <a:solidFill>
+                  <a:srgbClr val="222222"/>
+                </a:solidFill>
+                <a:effectLst/>
+                <a:latin typeface="montserrat" panose="00000500000000000000" pitchFamily="2" charset="0"/>
+              </a:rPr>
+              <a:t>Watches </a:t>
+            </a:r>
+            <a:r>
+              <a:rPr lang="en-US" b="0" i="0" dirty="0" err="1">
+                <a:solidFill>
+                  <a:srgbClr val="222222"/>
+                </a:solidFill>
+                <a:effectLst/>
+                <a:latin typeface="montserrat" panose="00000500000000000000" pitchFamily="2" charset="0"/>
+              </a:rPr>
+              <a:t>HelmChart</a:t>
+            </a:r>
+            <a:r>
+              <a:rPr lang="en-US" b="0" i="0" dirty="0">
+                <a:solidFill>
+                  <a:srgbClr val="222222"/>
+                </a:solidFill>
+                <a:effectLst/>
+                <a:latin typeface="montserrat" panose="00000500000000000000" pitchFamily="2" charset="0"/>
+              </a:rPr>
+              <a:t> objects for revision changes (including </a:t>
+            </a:r>
+            <a:r>
+              <a:rPr lang="en-US" b="0" i="0" dirty="0" err="1">
+                <a:solidFill>
+                  <a:srgbClr val="222222"/>
+                </a:solidFill>
+                <a:effectLst/>
+                <a:latin typeface="montserrat" panose="00000500000000000000" pitchFamily="2" charset="0"/>
+              </a:rPr>
+              <a:t>semver</a:t>
+            </a:r>
+            <a:r>
+              <a:rPr lang="en-US" b="0" i="0" dirty="0">
+                <a:solidFill>
+                  <a:srgbClr val="222222"/>
+                </a:solidFill>
+                <a:effectLst/>
+                <a:latin typeface="montserrat" panose="00000500000000000000" pitchFamily="2" charset="0"/>
+              </a:rPr>
+              <a:t> ranges for charts from </a:t>
+            </a:r>
+            <a:r>
+              <a:rPr lang="en-US" b="0" i="0" dirty="0" err="1">
+                <a:solidFill>
+                  <a:srgbClr val="222222"/>
+                </a:solidFill>
+                <a:effectLst/>
+                <a:latin typeface="montserrat" panose="00000500000000000000" pitchFamily="2" charset="0"/>
+              </a:rPr>
+              <a:t>HelmRepository</a:t>
+            </a:r>
+            <a:r>
+              <a:rPr lang="en-US" b="0" i="0" dirty="0">
+                <a:solidFill>
+                  <a:srgbClr val="222222"/>
+                </a:solidFill>
+                <a:effectLst/>
+                <a:latin typeface="montserrat" panose="00000500000000000000" pitchFamily="2" charset="0"/>
+              </a:rPr>
+              <a:t> sources)</a:t>
+            </a:r>
+          </a:p>
+          <a:p>
+            <a:pPr algn="l">
+              <a:buFont typeface="Arial" panose="020B0604020202020204" pitchFamily="34" charset="0"/>
+              <a:buChar char="•"/>
+            </a:pPr>
+            <a:r>
+              <a:rPr lang="en-US" b="0" i="0" dirty="0">
+                <a:solidFill>
+                  <a:srgbClr val="222222"/>
+                </a:solidFill>
+                <a:effectLst/>
+                <a:latin typeface="montserrat" panose="00000500000000000000" pitchFamily="2" charset="0"/>
+              </a:rPr>
+              <a:t>Performs automated Helm actions, including Helm tests, rollbacks and uninstalls</a:t>
+            </a:r>
+          </a:p>
+          <a:p>
+            <a:pPr algn="l">
+              <a:buFont typeface="Arial" panose="020B0604020202020204" pitchFamily="34" charset="0"/>
+              <a:buChar char="•"/>
+            </a:pPr>
+            <a:r>
+              <a:rPr lang="en-US" b="0" i="0" dirty="0">
+                <a:solidFill>
+                  <a:srgbClr val="222222"/>
+                </a:solidFill>
+                <a:effectLst/>
+                <a:latin typeface="montserrat" panose="00000500000000000000" pitchFamily="2" charset="0"/>
+              </a:rPr>
+              <a:t>Offers extensive configuration options for automated remediation (rollback, uninstall, retry) on failed Helm install, upgrade or test actions</a:t>
+            </a:r>
+          </a:p>
+          <a:p>
+            <a:pPr algn="l">
+              <a:buFont typeface="Arial" panose="020B0604020202020204" pitchFamily="34" charset="0"/>
+              <a:buChar char="•"/>
+            </a:pPr>
+            <a:r>
+              <a:rPr lang="en-US" b="0" i="0" dirty="0">
+                <a:solidFill>
+                  <a:srgbClr val="222222"/>
+                </a:solidFill>
+                <a:effectLst/>
+                <a:latin typeface="montserrat" panose="00000500000000000000" pitchFamily="2" charset="0"/>
+              </a:rPr>
+              <a:t>Runs Helm install/upgrade in a specific order, taking into account the depends-on relationship defined in a set of </a:t>
+            </a:r>
+            <a:r>
+              <a:rPr lang="en-US" b="0" i="0" dirty="0" err="1">
+                <a:solidFill>
+                  <a:srgbClr val="222222"/>
+                </a:solidFill>
+                <a:effectLst/>
+                <a:latin typeface="montserrat" panose="00000500000000000000" pitchFamily="2" charset="0"/>
+              </a:rPr>
+              <a:t>HelmRelease</a:t>
+            </a:r>
+            <a:r>
+              <a:rPr lang="en-US" b="0" i="0" dirty="0">
+                <a:solidFill>
+                  <a:srgbClr val="222222"/>
+                </a:solidFill>
+                <a:effectLst/>
+                <a:latin typeface="montserrat" panose="00000500000000000000" pitchFamily="2" charset="0"/>
+              </a:rPr>
+              <a:t> objects</a:t>
+            </a:r>
+          </a:p>
+          <a:p>
+            <a:pPr algn="l">
+              <a:buFont typeface="Arial" panose="020B0604020202020204" pitchFamily="34" charset="0"/>
+              <a:buChar char="•"/>
+            </a:pPr>
+            <a:r>
+              <a:rPr lang="en-US" b="0" i="0" dirty="0">
+                <a:solidFill>
+                  <a:srgbClr val="222222"/>
+                </a:solidFill>
+                <a:effectLst/>
+                <a:latin typeface="montserrat" panose="00000500000000000000" pitchFamily="2" charset="0"/>
+              </a:rPr>
+              <a:t>Prunes Helm releases removed from cluster (garbage collection)</a:t>
+            </a:r>
+          </a:p>
+          <a:p>
+            <a:pPr algn="l">
+              <a:buFont typeface="Arial" panose="020B0604020202020204" pitchFamily="34" charset="0"/>
+              <a:buChar char="•"/>
+            </a:pPr>
+            <a:r>
+              <a:rPr lang="en-US" b="0" i="0" dirty="0">
+                <a:solidFill>
+                  <a:srgbClr val="222222"/>
+                </a:solidFill>
+                <a:effectLst/>
+                <a:latin typeface="montserrat" panose="00000500000000000000" pitchFamily="2" charset="0"/>
+              </a:rPr>
+              <a:t>Reports Helm releases statuses (alerting provided by </a:t>
+            </a:r>
+            <a:r>
+              <a:rPr lang="en-US" b="0" i="0" u="none" strike="noStrike" dirty="0">
+                <a:solidFill>
+                  <a:srgbClr val="1F4AAF"/>
+                </a:solidFill>
+                <a:effectLst/>
+                <a:latin typeface="montserrat" panose="00000500000000000000" pitchFamily="2" charset="0"/>
+                <a:hlinkClick r:id="rId4"/>
+              </a:rPr>
+              <a:t>notification-controller</a:t>
+            </a:r>
+            <a:r>
+              <a:rPr lang="en-US" b="0" i="0" dirty="0">
+                <a:solidFill>
+                  <a:srgbClr val="222222"/>
+                </a:solidFill>
+                <a:effectLst/>
+                <a:latin typeface="montserrat" panose="00000500000000000000" pitchFamily="2" charset="0"/>
+              </a:rPr>
+              <a:t>)</a:t>
+            </a:r>
+          </a:p>
+          <a:p>
+            <a:pPr algn="l">
+              <a:buFont typeface="Arial" panose="020B0604020202020204" pitchFamily="34" charset="0"/>
+              <a:buChar char="•"/>
+            </a:pPr>
+            <a:r>
+              <a:rPr lang="en-US" b="0" i="0" dirty="0">
+                <a:solidFill>
+                  <a:srgbClr val="222222"/>
+                </a:solidFill>
+                <a:effectLst/>
+                <a:latin typeface="montserrat" panose="00000500000000000000" pitchFamily="2" charset="0"/>
+              </a:rPr>
+              <a:t>Built-in </a:t>
+            </a:r>
+            <a:r>
+              <a:rPr lang="en-US" b="0" i="0" dirty="0" err="1">
+                <a:solidFill>
+                  <a:srgbClr val="222222"/>
+                </a:solidFill>
+                <a:effectLst/>
+                <a:latin typeface="montserrat" panose="00000500000000000000" pitchFamily="2" charset="0"/>
+              </a:rPr>
+              <a:t>Kustomize</a:t>
+            </a:r>
+            <a:r>
+              <a:rPr lang="en-US" b="0" i="0" dirty="0">
+                <a:solidFill>
+                  <a:srgbClr val="222222"/>
+                </a:solidFill>
+                <a:effectLst/>
+                <a:latin typeface="montserrat" panose="00000500000000000000" pitchFamily="2" charset="0"/>
+              </a:rPr>
+              <a:t> compatible Helm post renderer, providing support for strategic merge, JSON 6902 and images patches</a:t>
+            </a:r>
+          </a:p>
+          <a:p>
             <a:endParaRPr lang="nb-NO" dirty="0"/>
           </a:p>
         </p:txBody>
@@ -1869,78 +3490,18 @@
           <a:bodyPr/>
           <a:lstStyle/>
           <a:p>
-            <a:pPr marL="0" marR="0" lvl="0" indent="0" algn="r" defTabSz="914400" rtl="0" eaLnBrk="1" fontAlgn="auto" latinLnBrk="0" hangingPunct="1">
-              <a:lnSpc>
-                <a:spcPct val="100000"/>
-              </a:lnSpc>
-              <a:spcBef>
-                <a:spcPts val="0"/>
-              </a:spcBef>
-              <a:spcAft>
-                <a:spcPts val="0"/>
-              </a:spcAft>
-              <a:buClrTx/>
-              <a:buSzTx/>
-              <a:buFontTx/>
-              <a:buNone/>
-              <a:tabLst/>
-              <a:defRPr/>
-            </a:pPr>
-            <a:fld id="{00A560F4-8102-4EC4-BB24-179BCBD2EB8E}" type="slidenum">
-              <a:rPr kumimoji="0" lang="en-US" sz="1200" b="0" i="0" u="none" strike="noStrike" kern="1200" cap="none" spc="0" normalizeH="0" baseline="0" noProof="0" smtClean="0">
-                <a:ln>
-                  <a:noFill/>
-                </a:ln>
-                <a:solidFill>
-                  <a:prstClr val="black"/>
-                </a:solidFill>
-                <a:effectLst/>
-                <a:uLnTx/>
-                <a:uFillTx/>
-                <a:latin typeface="Calibri" panose="020F0502020204030204"/>
-                <a:ea typeface="+mn-ea"/>
-                <a:cs typeface="+mn-cs"/>
-              </a:rPr>
-              <a:pPr marL="0" marR="0" lvl="0" indent="0" algn="r" defTabSz="914400" rtl="0" eaLnBrk="1" fontAlgn="auto" latinLnBrk="0" hangingPunct="1">
-                <a:lnSpc>
-                  <a:spcPct val="100000"/>
-                </a:lnSpc>
-                <a:spcBef>
-                  <a:spcPts val="0"/>
-                </a:spcBef>
-                <a:spcAft>
-                  <a:spcPts val="0"/>
-                </a:spcAft>
-                <a:buClrTx/>
-                <a:buSzTx/>
-                <a:buFontTx/>
-                <a:buNone/>
-                <a:tabLst/>
-                <a:defRPr/>
-              </a:pPr>
-              <a:t>10</a:t>
+            <a:fld id="{FB3A52E1-8A48-429C-8A5A-7D4445DBC12D}" type="slidenum">
+              <a:rPr lang="nb-NO" smtClean="0"/>
+              <a:t>14</a:t>
             </a:fld>
-            <a:endParaRPr kumimoji="0" lang="en-US" sz="1200" b="0" i="0" u="none" strike="noStrike" kern="1200" cap="none" spc="0" normalizeH="0" baseline="0" noProof="0">
-              <a:ln>
-                <a:noFill/>
-              </a:ln>
-              <a:solidFill>
-                <a:prstClr val="black"/>
-              </a:solidFill>
-              <a:effectLst/>
-              <a:uLnTx/>
-              <a:uFillTx/>
-              <a:latin typeface="Calibri" panose="020F0502020204030204"/>
-              <a:ea typeface="+mn-ea"/>
-              <a:cs typeface="+mn-cs"/>
-            </a:endParaRPr>
+            <a:endParaRPr lang="nb-NO"/>
           </a:p>
         </p:txBody>
       </p:sp>
     </p:spTree>
     <p:extLst>
       <p:ext uri="{BB962C8B-B14F-4D97-AF65-F5344CB8AC3E}">
-        <p14:creationId xmlns:p14="http://schemas.microsoft.com/office/powerpoint/2010/main" val="3935741099"/>
+        <p14:creationId xmlns:p14="http://schemas.microsoft.com/office/powerpoint/2010/main" val="3882963813"/>
       </p:ext>
     </p:extLst>
   </p:cSld>
@@ -6875,12 +8436,89 @@
           <a:chExt cx="0" cy="0"/>
         </a:xfrm>
       </p:grpSpPr>
+      <p:sp>
+        <p:nvSpPr>
+          <p:cNvPr id="2" name="Title 1">
+            <a:extLst>
+              <a:ext uri="{FF2B5EF4-FFF2-40B4-BE49-F238E27FC236}">
+                <a16:creationId xmlns:a16="http://schemas.microsoft.com/office/drawing/2014/main" id="{3290C2C6-08B5-43EA-9C98-E8EC59A36A1B}"/>
+              </a:ext>
+            </a:extLst>
+          </p:cNvPr>
+          <p:cNvSpPr>
+            <a:spLocks noGrp="1"/>
+          </p:cNvSpPr>
+          <p:nvPr>
+            <p:ph type="title"/>
+          </p:nvPr>
+        </p:nvSpPr>
+        <p:spPr/>
+        <p:txBody>
+          <a:bodyPr/>
+          <a:lstStyle/>
+          <a:p>
+            <a:r>
+              <a:rPr lang="en-US" dirty="0"/>
+              <a:t>Who is Flux for?</a:t>
+            </a:r>
+            <a:endParaRPr lang="LID4096" dirty="0"/>
+          </a:p>
+        </p:txBody>
+      </p:sp>
+      <p:sp>
+        <p:nvSpPr>
+          <p:cNvPr id="3" name="Content Placeholder 2">
+            <a:extLst>
+              <a:ext uri="{FF2B5EF4-FFF2-40B4-BE49-F238E27FC236}">
+                <a16:creationId xmlns:a16="http://schemas.microsoft.com/office/drawing/2014/main" id="{D01FF86A-FFB5-4DE5-9977-9E36D7444C90}"/>
+              </a:ext>
+            </a:extLst>
+          </p:cNvPr>
+          <p:cNvSpPr>
+            <a:spLocks noGrp="1"/>
+          </p:cNvSpPr>
+          <p:nvPr>
+            <p:ph idx="1"/>
+          </p:nvPr>
+        </p:nvSpPr>
+        <p:spPr/>
+        <p:txBody>
+          <a:bodyPr>
+            <a:normAutofit/>
+          </a:bodyPr>
+          <a:lstStyle/>
+          <a:p>
+            <a:r>
+              <a:rPr lang="en-US" dirty="0"/>
+              <a:t>cluster operators</a:t>
+            </a:r>
+          </a:p>
+          <a:p>
+            <a:r>
+              <a:rPr lang="en-US" dirty="0"/>
+              <a:t>platform engineers</a:t>
+            </a:r>
+          </a:p>
+          <a:p>
+            <a:r>
+              <a:rPr lang="en-US" dirty="0"/>
+              <a:t>app developers</a:t>
+            </a:r>
+          </a:p>
+          <a:p>
+            <a:pPr marL="0" indent="0">
+              <a:buNone/>
+            </a:pPr>
+            <a:endParaRPr lang="en-US" dirty="0"/>
+          </a:p>
+        </p:txBody>
+      </p:sp>
       <p:pic>
         <p:nvPicPr>
-          <p:cNvPr id="3" name="Picture 2">
+          <p:cNvPr id="4" name="Picture 3" descr="Icon&#10;&#10;Description automatically generated">
             <a:extLst>
               <a:ext uri="{FF2B5EF4-FFF2-40B4-BE49-F238E27FC236}">
-                <a16:creationId xmlns:a16="http://schemas.microsoft.com/office/drawing/2014/main" id="{CFAD4C39-42D6-45D1-9E0D-E17B5050B154}"/>
+                <a16:creationId xmlns:a16="http://schemas.microsoft.com/office/drawing/2014/main" id="{4512AC5B-25A6-4374-B2BF-CD9F68074952}"/>
               </a:ext>
             </a:extLst>
           </p:cNvPr>
@@ -6890,15 +8528,21 @@
           <p:nvPr/>
         </p:nvPicPr>
         <p:blipFill>
-          <a:blip r:embed="rId3"/>
+          <a:blip r:embed="rId2">
+            <a:extLst>
+              <a:ext uri="{28A0092B-C50C-407E-A947-70E740481C1C}">
+                <a14:useLocalDpi xmlns:a14="http://schemas.microsoft.com/office/drawing/2010/main" val="0"/>
+              </a:ext>
+            </a:extLst>
+          </a:blip>
           <a:stretch>
             <a:fillRect/>
           </a:stretch>
         </p:blipFill>
         <p:spPr>
           <a:xfrm>
-            <a:off x="2678915" y="1014786"/>
-            <a:ext cx="6527731" cy="4684974"/>
+            <a:off x="10069269" y="279606"/>
+            <a:ext cx="1599427" cy="1599427"/>
           </a:xfrm>
           <a:prstGeom prst="rect">
             <a:avLst/>
@@ -6908,7 +8552,7 @@
     </p:spTree>
     <p:extLst>
       <p:ext uri="{BB962C8B-B14F-4D97-AF65-F5344CB8AC3E}">
-        <p14:creationId xmlns:p14="http://schemas.microsoft.com/office/powerpoint/2010/main" val="3656194001"/>
+        <p14:creationId xmlns:p14="http://schemas.microsoft.com/office/powerpoint/2010/main" val="4125394276"/>
       </p:ext>
     </p:extLst>
   </p:cSld>
@@ -6919,6 +8563,1783 @@
 </file>
 
 <file path=ppt/slides/slide11.xml><?xml version="1.0" encoding="utf-8"?>
+<p:sld xmlns:a="http://schemas.openxmlformats.org/drawingml/2006/main" xmlns:r="http://schemas.openxmlformats.org/officeDocument/2006/relationships" xmlns:p="http://schemas.openxmlformats.org/presentationml/2006/main">
+  <p:cSld>
+    <p:spTree>
+      <p:nvGrpSpPr>
+        <p:cNvPr id="1" name=""/>
+        <p:cNvGrpSpPr/>
+        <p:nvPr/>
+      </p:nvGrpSpPr>
+      <p:grpSpPr>
+        <a:xfrm>
+          <a:off x="0" y="0"/>
+          <a:ext cx="0" cy="0"/>
+          <a:chOff x="0" y="0"/>
+          <a:chExt cx="0" cy="0"/>
+        </a:xfrm>
+      </p:grpSpPr>
+      <p:sp>
+        <p:nvSpPr>
+          <p:cNvPr id="2" name="Title 1">
+            <a:extLst>
+              <a:ext uri="{FF2B5EF4-FFF2-40B4-BE49-F238E27FC236}">
+                <a16:creationId xmlns:a16="http://schemas.microsoft.com/office/drawing/2014/main" id="{3290C2C6-08B5-43EA-9C98-E8EC59A36A1B}"/>
+              </a:ext>
+            </a:extLst>
+          </p:cNvPr>
+          <p:cNvSpPr>
+            <a:spLocks noGrp="1"/>
+          </p:cNvSpPr>
+          <p:nvPr>
+            <p:ph type="title"/>
+          </p:nvPr>
+        </p:nvSpPr>
+        <p:spPr/>
+        <p:txBody>
+          <a:bodyPr/>
+          <a:lstStyle/>
+          <a:p>
+            <a:r>
+              <a:rPr lang="en-US" dirty="0"/>
+              <a:t>Flux components</a:t>
+            </a:r>
+            <a:endParaRPr lang="LID4096" dirty="0"/>
+          </a:p>
+        </p:txBody>
+      </p:sp>
+      <p:pic>
+        <p:nvPicPr>
+          <p:cNvPr id="1026" name="Picture 2" descr="overview">
+            <a:extLst>
+              <a:ext uri="{FF2B5EF4-FFF2-40B4-BE49-F238E27FC236}">
+                <a16:creationId xmlns:a16="http://schemas.microsoft.com/office/drawing/2014/main" id="{DC5A035B-9A7F-45F6-BE85-9DEE4D38B4A1}"/>
+              </a:ext>
+            </a:extLst>
+          </p:cNvPr>
+          <p:cNvPicPr>
+            <a:picLocks noChangeAspect="1" noChangeArrowheads="1"/>
+          </p:cNvPicPr>
+          <p:nvPr/>
+        </p:nvPicPr>
+        <p:blipFill>
+          <a:blip r:embed="rId3">
+            <a:extLst>
+              <a:ext uri="{28A0092B-C50C-407E-A947-70E740481C1C}">
+                <a14:useLocalDpi xmlns:a14="http://schemas.microsoft.com/office/drawing/2010/main" val="0"/>
+              </a:ext>
+            </a:extLst>
+          </a:blip>
+          <a:srcRect/>
+          <a:stretch>
+            <a:fillRect/>
+          </a:stretch>
+        </p:blipFill>
+        <p:spPr bwMode="auto">
+          <a:xfrm>
+            <a:off x="1614021" y="1337001"/>
+            <a:ext cx="8162862" cy="5356762"/>
+          </a:xfrm>
+          <a:prstGeom prst="rect">
+            <a:avLst/>
+          </a:prstGeom>
+          <a:noFill/>
+          <a:extLst>
+            <a:ext uri="{909E8E84-426E-40DD-AFC4-6F175D3DCCD1}">
+              <a14:hiddenFill xmlns:a14="http://schemas.microsoft.com/office/drawing/2010/main">
+                <a:solidFill>
+                  <a:srgbClr val="FFFFFF"/>
+                </a:solidFill>
+              </a14:hiddenFill>
+            </a:ext>
+          </a:extLst>
+        </p:spPr>
+      </p:pic>
+    </p:spTree>
+    <p:extLst>
+      <p:ext uri="{BB962C8B-B14F-4D97-AF65-F5344CB8AC3E}">
+        <p14:creationId xmlns:p14="http://schemas.microsoft.com/office/powerpoint/2010/main" val="157715"/>
+      </p:ext>
+    </p:extLst>
+  </p:cSld>
+  <p:clrMapOvr>
+    <a:masterClrMapping/>
+  </p:clrMapOvr>
+</p:sld>
+</file>
+
+<file path=ppt/slides/slide12.xml><?xml version="1.0" encoding="utf-8"?>
+<p:sld xmlns:a="http://schemas.openxmlformats.org/drawingml/2006/main" xmlns:r="http://schemas.openxmlformats.org/officeDocument/2006/relationships" xmlns:p="http://schemas.openxmlformats.org/presentationml/2006/main">
+  <p:cSld>
+    <p:spTree>
+      <p:nvGrpSpPr>
+        <p:cNvPr id="1" name=""/>
+        <p:cNvGrpSpPr/>
+        <p:nvPr/>
+      </p:nvGrpSpPr>
+      <p:grpSpPr>
+        <a:xfrm>
+          <a:off x="0" y="0"/>
+          <a:ext cx="0" cy="0"/>
+          <a:chOff x="0" y="0"/>
+          <a:chExt cx="0" cy="0"/>
+        </a:xfrm>
+      </p:grpSpPr>
+      <p:sp>
+        <p:nvSpPr>
+          <p:cNvPr id="2" name="Title 1">
+            <a:extLst>
+              <a:ext uri="{FF2B5EF4-FFF2-40B4-BE49-F238E27FC236}">
+                <a16:creationId xmlns:a16="http://schemas.microsoft.com/office/drawing/2014/main" id="{3290C2C6-08B5-43EA-9C98-E8EC59A36A1B}"/>
+              </a:ext>
+            </a:extLst>
+          </p:cNvPr>
+          <p:cNvSpPr>
+            <a:spLocks noGrp="1"/>
+          </p:cNvSpPr>
+          <p:nvPr>
+            <p:ph type="title"/>
+          </p:nvPr>
+        </p:nvSpPr>
+        <p:spPr/>
+        <p:txBody>
+          <a:bodyPr/>
+          <a:lstStyle/>
+          <a:p>
+            <a:r>
+              <a:rPr lang="en-US" dirty="0"/>
+              <a:t>Source Controller</a:t>
+            </a:r>
+            <a:endParaRPr lang="LID4096" dirty="0"/>
+          </a:p>
+        </p:txBody>
+      </p:sp>
+      <p:pic>
+        <p:nvPicPr>
+          <p:cNvPr id="2050" name="Picture 2">
+            <a:extLst>
+              <a:ext uri="{FF2B5EF4-FFF2-40B4-BE49-F238E27FC236}">
+                <a16:creationId xmlns:a16="http://schemas.microsoft.com/office/drawing/2014/main" id="{3EC6B9AE-38CB-4426-910B-E509A47BF00D}"/>
+              </a:ext>
+            </a:extLst>
+          </p:cNvPr>
+          <p:cNvPicPr>
+            <a:picLocks noChangeAspect="1" noChangeArrowheads="1"/>
+          </p:cNvPicPr>
+          <p:nvPr/>
+        </p:nvPicPr>
+        <p:blipFill>
+          <a:blip r:embed="rId3">
+            <a:extLst>
+              <a:ext uri="{28A0092B-C50C-407E-A947-70E740481C1C}">
+                <a14:useLocalDpi xmlns:a14="http://schemas.microsoft.com/office/drawing/2010/main" val="0"/>
+              </a:ext>
+            </a:extLst>
+          </a:blip>
+          <a:srcRect/>
+          <a:stretch>
+            <a:fillRect/>
+          </a:stretch>
+        </p:blipFill>
+        <p:spPr bwMode="auto">
+          <a:xfrm>
+            <a:off x="655476" y="1643510"/>
+            <a:ext cx="9897177" cy="4641879"/>
+          </a:xfrm>
+          <a:prstGeom prst="rect">
+            <a:avLst/>
+          </a:prstGeom>
+          <a:noFill/>
+          <a:extLst>
+            <a:ext uri="{909E8E84-426E-40DD-AFC4-6F175D3DCCD1}">
+              <a14:hiddenFill xmlns:a14="http://schemas.microsoft.com/office/drawing/2010/main">
+                <a:solidFill>
+                  <a:srgbClr val="FFFFFF"/>
+                </a:solidFill>
+              </a14:hiddenFill>
+            </a:ext>
+          </a:extLst>
+        </p:spPr>
+      </p:pic>
+    </p:spTree>
+    <p:extLst>
+      <p:ext uri="{BB962C8B-B14F-4D97-AF65-F5344CB8AC3E}">
+        <p14:creationId xmlns:p14="http://schemas.microsoft.com/office/powerpoint/2010/main" val="4060338763"/>
+      </p:ext>
+    </p:extLst>
+  </p:cSld>
+  <p:clrMapOvr>
+    <a:masterClrMapping/>
+  </p:clrMapOvr>
+</p:sld>
+</file>
+
+<file path=ppt/slides/slide13.xml><?xml version="1.0" encoding="utf-8"?>
+<p:sld xmlns:a="http://schemas.openxmlformats.org/drawingml/2006/main" xmlns:r="http://schemas.openxmlformats.org/officeDocument/2006/relationships" xmlns:p="http://schemas.openxmlformats.org/presentationml/2006/main">
+  <p:cSld>
+    <p:spTree>
+      <p:nvGrpSpPr>
+        <p:cNvPr id="1" name=""/>
+        <p:cNvGrpSpPr/>
+        <p:nvPr/>
+      </p:nvGrpSpPr>
+      <p:grpSpPr>
+        <a:xfrm>
+          <a:off x="0" y="0"/>
+          <a:ext cx="0" cy="0"/>
+          <a:chOff x="0" y="0"/>
+          <a:chExt cx="0" cy="0"/>
+        </a:xfrm>
+      </p:grpSpPr>
+      <p:sp>
+        <p:nvSpPr>
+          <p:cNvPr id="2" name="Title 1">
+            <a:extLst>
+              <a:ext uri="{FF2B5EF4-FFF2-40B4-BE49-F238E27FC236}">
+                <a16:creationId xmlns:a16="http://schemas.microsoft.com/office/drawing/2014/main" id="{3290C2C6-08B5-43EA-9C98-E8EC59A36A1B}"/>
+              </a:ext>
+            </a:extLst>
+          </p:cNvPr>
+          <p:cNvSpPr>
+            <a:spLocks noGrp="1"/>
+          </p:cNvSpPr>
+          <p:nvPr>
+            <p:ph type="title"/>
+          </p:nvPr>
+        </p:nvSpPr>
+        <p:spPr/>
+        <p:txBody>
+          <a:bodyPr/>
+          <a:lstStyle/>
+          <a:p>
+            <a:r>
+              <a:rPr lang="en-US" dirty="0" err="1"/>
+              <a:t>Kustomize</a:t>
+            </a:r>
+            <a:r>
+              <a:rPr lang="en-US" dirty="0"/>
+              <a:t> Controller</a:t>
+            </a:r>
+            <a:endParaRPr lang="LID4096" dirty="0"/>
+          </a:p>
+        </p:txBody>
+      </p:sp>
+      <p:pic>
+        <p:nvPicPr>
+          <p:cNvPr id="3074" name="Picture 2">
+            <a:extLst>
+              <a:ext uri="{FF2B5EF4-FFF2-40B4-BE49-F238E27FC236}">
+                <a16:creationId xmlns:a16="http://schemas.microsoft.com/office/drawing/2014/main" id="{CD5F576F-E82A-40ED-84A5-DD1CC1DD9303}"/>
+              </a:ext>
+            </a:extLst>
+          </p:cNvPr>
+          <p:cNvPicPr>
+            <a:picLocks noChangeAspect="1" noChangeArrowheads="1"/>
+          </p:cNvPicPr>
+          <p:nvPr/>
+        </p:nvPicPr>
+        <p:blipFill>
+          <a:blip r:embed="rId3">
+            <a:extLst>
+              <a:ext uri="{28A0092B-C50C-407E-A947-70E740481C1C}">
+                <a14:useLocalDpi xmlns:a14="http://schemas.microsoft.com/office/drawing/2010/main" val="0"/>
+              </a:ext>
+            </a:extLst>
+          </a:blip>
+          <a:srcRect/>
+          <a:stretch>
+            <a:fillRect/>
+          </a:stretch>
+        </p:blipFill>
+        <p:spPr bwMode="auto">
+          <a:xfrm>
+            <a:off x="1583924" y="1359287"/>
+            <a:ext cx="8430087" cy="5498713"/>
+          </a:xfrm>
+          <a:prstGeom prst="rect">
+            <a:avLst/>
+          </a:prstGeom>
+          <a:noFill/>
+          <a:extLst>
+            <a:ext uri="{909E8E84-426E-40DD-AFC4-6F175D3DCCD1}">
+              <a14:hiddenFill xmlns:a14="http://schemas.microsoft.com/office/drawing/2010/main">
+                <a:solidFill>
+                  <a:srgbClr val="FFFFFF"/>
+                </a:solidFill>
+              </a14:hiddenFill>
+            </a:ext>
+          </a:extLst>
+        </p:spPr>
+      </p:pic>
+    </p:spTree>
+    <p:extLst>
+      <p:ext uri="{BB962C8B-B14F-4D97-AF65-F5344CB8AC3E}">
+        <p14:creationId xmlns:p14="http://schemas.microsoft.com/office/powerpoint/2010/main" val="482315658"/>
+      </p:ext>
+    </p:extLst>
+  </p:cSld>
+  <p:clrMapOvr>
+    <a:masterClrMapping/>
+  </p:clrMapOvr>
+</p:sld>
+</file>
+
+<file path=ppt/slides/slide14.xml><?xml version="1.0" encoding="utf-8"?>
+<p:sld xmlns:a="http://schemas.openxmlformats.org/drawingml/2006/main" xmlns:r="http://schemas.openxmlformats.org/officeDocument/2006/relationships" xmlns:p="http://schemas.openxmlformats.org/presentationml/2006/main">
+  <p:cSld>
+    <p:spTree>
+      <p:nvGrpSpPr>
+        <p:cNvPr id="1" name=""/>
+        <p:cNvGrpSpPr/>
+        <p:nvPr/>
+      </p:nvGrpSpPr>
+      <p:grpSpPr>
+        <a:xfrm>
+          <a:off x="0" y="0"/>
+          <a:ext cx="0" cy="0"/>
+          <a:chOff x="0" y="0"/>
+          <a:chExt cx="0" cy="0"/>
+        </a:xfrm>
+      </p:grpSpPr>
+      <p:sp>
+        <p:nvSpPr>
+          <p:cNvPr id="2" name="Title 1">
+            <a:extLst>
+              <a:ext uri="{FF2B5EF4-FFF2-40B4-BE49-F238E27FC236}">
+                <a16:creationId xmlns:a16="http://schemas.microsoft.com/office/drawing/2014/main" id="{3290C2C6-08B5-43EA-9C98-E8EC59A36A1B}"/>
+              </a:ext>
+            </a:extLst>
+          </p:cNvPr>
+          <p:cNvSpPr>
+            <a:spLocks noGrp="1"/>
+          </p:cNvSpPr>
+          <p:nvPr>
+            <p:ph type="title"/>
+          </p:nvPr>
+        </p:nvSpPr>
+        <p:spPr/>
+        <p:txBody>
+          <a:bodyPr/>
+          <a:lstStyle/>
+          <a:p>
+            <a:r>
+              <a:rPr lang="en-US" dirty="0"/>
+              <a:t>Helm Controller</a:t>
+            </a:r>
+          </a:p>
+        </p:txBody>
+      </p:sp>
+      <p:pic>
+        <p:nvPicPr>
+          <p:cNvPr id="4098" name="Picture 2">
+            <a:extLst>
+              <a:ext uri="{FF2B5EF4-FFF2-40B4-BE49-F238E27FC236}">
+                <a16:creationId xmlns:a16="http://schemas.microsoft.com/office/drawing/2014/main" id="{B0D3FCC7-DA62-4D52-98BF-8A3B49269426}"/>
+              </a:ext>
+            </a:extLst>
+          </p:cNvPr>
+          <p:cNvPicPr>
+            <a:picLocks noChangeAspect="1" noChangeArrowheads="1"/>
+          </p:cNvPicPr>
+          <p:nvPr/>
+        </p:nvPicPr>
+        <p:blipFill>
+          <a:blip r:embed="rId3">
+            <a:extLst>
+              <a:ext uri="{28A0092B-C50C-407E-A947-70E740481C1C}">
+                <a14:useLocalDpi xmlns:a14="http://schemas.microsoft.com/office/drawing/2010/main" val="0"/>
+              </a:ext>
+            </a:extLst>
+          </a:blip>
+          <a:srcRect/>
+          <a:stretch>
+            <a:fillRect/>
+          </a:stretch>
+        </p:blipFill>
+        <p:spPr bwMode="auto">
+          <a:xfrm>
+            <a:off x="976543" y="1257054"/>
+            <a:ext cx="9510667" cy="5235821"/>
+          </a:xfrm>
+          <a:prstGeom prst="rect">
+            <a:avLst/>
+          </a:prstGeom>
+          <a:noFill/>
+          <a:extLst>
+            <a:ext uri="{909E8E84-426E-40DD-AFC4-6F175D3DCCD1}">
+              <a14:hiddenFill xmlns:a14="http://schemas.microsoft.com/office/drawing/2010/main">
+                <a:solidFill>
+                  <a:srgbClr val="FFFFFF"/>
+                </a:solidFill>
+              </a14:hiddenFill>
+            </a:ext>
+          </a:extLst>
+        </p:spPr>
+      </p:pic>
+    </p:spTree>
+    <p:extLst>
+      <p:ext uri="{BB962C8B-B14F-4D97-AF65-F5344CB8AC3E}">
+        <p14:creationId xmlns:p14="http://schemas.microsoft.com/office/powerpoint/2010/main" val="1575923078"/>
+      </p:ext>
+    </p:extLst>
+  </p:cSld>
+  <p:clrMapOvr>
+    <a:masterClrMapping/>
+  </p:clrMapOvr>
+</p:sld>
+</file>
+
+<file path=ppt/slides/slide15.xml><?xml version="1.0" encoding="utf-8"?>
+<p:sld xmlns:a="http://schemas.openxmlformats.org/drawingml/2006/main" xmlns:r="http://schemas.openxmlformats.org/officeDocument/2006/relationships" xmlns:p="http://schemas.openxmlformats.org/presentationml/2006/main">
+  <p:cSld>
+    <p:spTree>
+      <p:nvGrpSpPr>
+        <p:cNvPr id="1" name=""/>
+        <p:cNvGrpSpPr/>
+        <p:nvPr/>
+      </p:nvGrpSpPr>
+      <p:grpSpPr>
+        <a:xfrm>
+          <a:off x="0" y="0"/>
+          <a:ext cx="0" cy="0"/>
+          <a:chOff x="0" y="0"/>
+          <a:chExt cx="0" cy="0"/>
+        </a:xfrm>
+      </p:grpSpPr>
+      <p:sp>
+        <p:nvSpPr>
+          <p:cNvPr id="2" name="Title 1">
+            <a:extLst>
+              <a:ext uri="{FF2B5EF4-FFF2-40B4-BE49-F238E27FC236}">
+                <a16:creationId xmlns:a16="http://schemas.microsoft.com/office/drawing/2014/main" id="{3290C2C6-08B5-43EA-9C98-E8EC59A36A1B}"/>
+              </a:ext>
+            </a:extLst>
+          </p:cNvPr>
+          <p:cNvSpPr>
+            <a:spLocks noGrp="1"/>
+          </p:cNvSpPr>
+          <p:nvPr>
+            <p:ph type="title"/>
+          </p:nvPr>
+        </p:nvSpPr>
+        <p:spPr/>
+        <p:txBody>
+          <a:bodyPr/>
+          <a:lstStyle/>
+          <a:p>
+            <a:r>
+              <a:rPr lang="en-US" dirty="0"/>
+              <a:t>Notification Controller</a:t>
+            </a:r>
+          </a:p>
+        </p:txBody>
+      </p:sp>
+      <p:pic>
+        <p:nvPicPr>
+          <p:cNvPr id="5122" name="Picture 2">
+            <a:extLst>
+              <a:ext uri="{FF2B5EF4-FFF2-40B4-BE49-F238E27FC236}">
+                <a16:creationId xmlns:a16="http://schemas.microsoft.com/office/drawing/2014/main" id="{FEBAD096-B86F-4267-B3B6-FAFA1F052B55}"/>
+              </a:ext>
+            </a:extLst>
+          </p:cNvPr>
+          <p:cNvPicPr>
+            <a:picLocks noChangeAspect="1" noChangeArrowheads="1"/>
+          </p:cNvPicPr>
+          <p:nvPr/>
+        </p:nvPicPr>
+        <p:blipFill>
+          <a:blip r:embed="rId3">
+            <a:extLst>
+              <a:ext uri="{28A0092B-C50C-407E-A947-70E740481C1C}">
+                <a14:useLocalDpi xmlns:a14="http://schemas.microsoft.com/office/drawing/2010/main" val="0"/>
+              </a:ext>
+            </a:extLst>
+          </a:blip>
+          <a:srcRect/>
+          <a:stretch>
+            <a:fillRect/>
+          </a:stretch>
+        </p:blipFill>
+        <p:spPr bwMode="auto">
+          <a:xfrm>
+            <a:off x="838200" y="1248284"/>
+            <a:ext cx="10014555" cy="5609716"/>
+          </a:xfrm>
+          <a:prstGeom prst="rect">
+            <a:avLst/>
+          </a:prstGeom>
+          <a:noFill/>
+          <a:extLst>
+            <a:ext uri="{909E8E84-426E-40DD-AFC4-6F175D3DCCD1}">
+              <a14:hiddenFill xmlns:a14="http://schemas.microsoft.com/office/drawing/2010/main">
+                <a:solidFill>
+                  <a:srgbClr val="FFFFFF"/>
+                </a:solidFill>
+              </a14:hiddenFill>
+            </a:ext>
+          </a:extLst>
+        </p:spPr>
+      </p:pic>
+    </p:spTree>
+    <p:extLst>
+      <p:ext uri="{BB962C8B-B14F-4D97-AF65-F5344CB8AC3E}">
+        <p14:creationId xmlns:p14="http://schemas.microsoft.com/office/powerpoint/2010/main" val="124457237"/>
+      </p:ext>
+    </p:extLst>
+  </p:cSld>
+  <p:clrMapOvr>
+    <a:masterClrMapping/>
+  </p:clrMapOvr>
+</p:sld>
+</file>
+
+<file path=ppt/slides/slide16.xml><?xml version="1.0" encoding="utf-8"?>
+<p:sld xmlns:a="http://schemas.openxmlformats.org/drawingml/2006/main" xmlns:r="http://schemas.openxmlformats.org/officeDocument/2006/relationships" xmlns:p="http://schemas.openxmlformats.org/presentationml/2006/main">
+  <p:cSld>
+    <p:spTree>
+      <p:nvGrpSpPr>
+        <p:cNvPr id="1" name=""/>
+        <p:cNvGrpSpPr/>
+        <p:nvPr/>
+      </p:nvGrpSpPr>
+      <p:grpSpPr>
+        <a:xfrm>
+          <a:off x="0" y="0"/>
+          <a:ext cx="0" cy="0"/>
+          <a:chOff x="0" y="0"/>
+          <a:chExt cx="0" cy="0"/>
+        </a:xfrm>
+      </p:grpSpPr>
+      <p:sp>
+        <p:nvSpPr>
+          <p:cNvPr id="2" name="Title 1">
+            <a:extLst>
+              <a:ext uri="{FF2B5EF4-FFF2-40B4-BE49-F238E27FC236}">
+                <a16:creationId xmlns:a16="http://schemas.microsoft.com/office/drawing/2014/main" id="{3290C2C6-08B5-43EA-9C98-E8EC59A36A1B}"/>
+              </a:ext>
+            </a:extLst>
+          </p:cNvPr>
+          <p:cNvSpPr>
+            <a:spLocks noGrp="1"/>
+          </p:cNvSpPr>
+          <p:nvPr>
+            <p:ph type="title"/>
+          </p:nvPr>
+        </p:nvSpPr>
+        <p:spPr/>
+        <p:txBody>
+          <a:bodyPr/>
+          <a:lstStyle/>
+          <a:p>
+            <a:r>
+              <a:rPr lang="en-US" dirty="0"/>
+              <a:t>Workshop infra</a:t>
+            </a:r>
+          </a:p>
+        </p:txBody>
+      </p:sp>
+      <p:sp>
+        <p:nvSpPr>
+          <p:cNvPr id="3" name="Rectangle 2">
+            <a:extLst>
+              <a:ext uri="{FF2B5EF4-FFF2-40B4-BE49-F238E27FC236}">
+                <a16:creationId xmlns:a16="http://schemas.microsoft.com/office/drawing/2014/main" id="{4E1FE269-BDB5-4BFC-A992-3D83362D8C2E}"/>
+              </a:ext>
+            </a:extLst>
+          </p:cNvPr>
+          <p:cNvSpPr/>
+          <p:nvPr/>
+        </p:nvSpPr>
+        <p:spPr>
+          <a:xfrm>
+            <a:off x="4465467" y="1690688"/>
+            <a:ext cx="2539015" cy="1251751"/>
+          </a:xfrm>
+          <a:prstGeom prst="rect">
+            <a:avLst/>
+          </a:prstGeom>
+          <a:solidFill>
+            <a:schemeClr val="bg1">
+              <a:lumMod val="95000"/>
+            </a:schemeClr>
+          </a:solidFill>
+        </p:spPr>
+        <p:style>
+          <a:lnRef idx="2">
+            <a:schemeClr val="accent1">
+              <a:shade val="50000"/>
+            </a:schemeClr>
+          </a:lnRef>
+          <a:fillRef idx="1">
+            <a:schemeClr val="accent1"/>
+          </a:fillRef>
+          <a:effectRef idx="0">
+            <a:schemeClr val="accent1"/>
+          </a:effectRef>
+          <a:fontRef idx="minor">
+            <a:schemeClr val="lt1"/>
+          </a:fontRef>
+        </p:style>
+        <p:txBody>
+          <a:bodyPr rtlCol="0" anchor="ctr"/>
+          <a:lstStyle/>
+          <a:p>
+            <a:pPr algn="ctr"/>
+            <a:endParaRPr lang="nb-NO"/>
+          </a:p>
+        </p:txBody>
+      </p:sp>
+      <p:sp>
+        <p:nvSpPr>
+          <p:cNvPr id="5" name="Rectangle 4">
+            <a:extLst>
+              <a:ext uri="{FF2B5EF4-FFF2-40B4-BE49-F238E27FC236}">
+                <a16:creationId xmlns:a16="http://schemas.microsoft.com/office/drawing/2014/main" id="{BFCADDBE-160A-4E80-8CF7-E487C3F06BA0}"/>
+              </a:ext>
+            </a:extLst>
+          </p:cNvPr>
+          <p:cNvSpPr/>
+          <p:nvPr/>
+        </p:nvSpPr>
+        <p:spPr>
+          <a:xfrm>
+            <a:off x="1120110" y="3587950"/>
+            <a:ext cx="2539015" cy="1251751"/>
+          </a:xfrm>
+          <a:prstGeom prst="rect">
+            <a:avLst/>
+          </a:prstGeom>
+          <a:solidFill>
+            <a:schemeClr val="accent5">
+              <a:lumMod val="20000"/>
+              <a:lumOff val="80000"/>
+            </a:schemeClr>
+          </a:solidFill>
+        </p:spPr>
+        <p:style>
+          <a:lnRef idx="2">
+            <a:schemeClr val="accent1">
+              <a:shade val="50000"/>
+            </a:schemeClr>
+          </a:lnRef>
+          <a:fillRef idx="1">
+            <a:schemeClr val="accent1"/>
+          </a:fillRef>
+          <a:effectRef idx="0">
+            <a:schemeClr val="accent1"/>
+          </a:effectRef>
+          <a:fontRef idx="minor">
+            <a:schemeClr val="lt1"/>
+          </a:fontRef>
+        </p:style>
+        <p:txBody>
+          <a:bodyPr rtlCol="0" anchor="ctr"/>
+          <a:lstStyle/>
+          <a:p>
+            <a:pPr algn="ctr"/>
+            <a:endParaRPr lang="nb-NO"/>
+          </a:p>
+        </p:txBody>
+      </p:sp>
+      <p:pic>
+        <p:nvPicPr>
+          <p:cNvPr id="8" name="Graphic 7">
+            <a:extLst>
+              <a:ext uri="{FF2B5EF4-FFF2-40B4-BE49-F238E27FC236}">
+                <a16:creationId xmlns:a16="http://schemas.microsoft.com/office/drawing/2014/main" id="{8F55E4D9-C050-4323-A044-6A175CBCEFE6}"/>
+              </a:ext>
+            </a:extLst>
+          </p:cNvPr>
+          <p:cNvPicPr>
+            <a:picLocks noChangeAspect="1"/>
+          </p:cNvPicPr>
+          <p:nvPr/>
+        </p:nvPicPr>
+        <p:blipFill>
+          <a:blip r:embed="rId3">
+            <a:extLst>
+              <a:ext uri="{28A0092B-C50C-407E-A947-70E740481C1C}">
+                <a14:useLocalDpi xmlns:a14="http://schemas.microsoft.com/office/drawing/2010/main" val="0"/>
+              </a:ext>
+              <a:ext uri="{96DAC541-7B7A-43D3-8B79-37D633B846F1}">
+                <asvg:svgBlip xmlns:asvg="http://schemas.microsoft.com/office/drawing/2016/SVG/main" r:embed="rId4"/>
+              </a:ext>
+            </a:extLst>
+          </a:blip>
+          <a:stretch>
+            <a:fillRect/>
+          </a:stretch>
+        </p:blipFill>
+        <p:spPr>
+          <a:xfrm>
+            <a:off x="995869" y="3487612"/>
+            <a:ext cx="335872" cy="335872"/>
+          </a:xfrm>
+          <a:prstGeom prst="rect">
+            <a:avLst/>
+          </a:prstGeom>
+        </p:spPr>
+      </p:pic>
+      <p:pic>
+        <p:nvPicPr>
+          <p:cNvPr id="12" name="Graphic 11">
+            <a:extLst>
+              <a:ext uri="{FF2B5EF4-FFF2-40B4-BE49-F238E27FC236}">
+                <a16:creationId xmlns:a16="http://schemas.microsoft.com/office/drawing/2014/main" id="{7FAFB964-925E-45DB-AF61-572300361CE9}"/>
+              </a:ext>
+            </a:extLst>
+          </p:cNvPr>
+          <p:cNvPicPr>
+            <a:picLocks noChangeAspect="1"/>
+          </p:cNvPicPr>
+          <p:nvPr/>
+        </p:nvPicPr>
+        <p:blipFill>
+          <a:blip r:embed="rId5">
+            <a:extLst>
+              <a:ext uri="{28A0092B-C50C-407E-A947-70E740481C1C}">
+                <a14:useLocalDpi xmlns:a14="http://schemas.microsoft.com/office/drawing/2010/main" val="0"/>
+              </a:ext>
+              <a:ext uri="{96DAC541-7B7A-43D3-8B79-37D633B846F1}">
+                <asvg:svgBlip xmlns:asvg="http://schemas.microsoft.com/office/drawing/2016/SVG/main" r:embed="rId6"/>
+              </a:ext>
+            </a:extLst>
+          </a:blip>
+          <a:stretch>
+            <a:fillRect/>
+          </a:stretch>
+        </p:blipFill>
+        <p:spPr>
+          <a:xfrm>
+            <a:off x="2313834" y="3963632"/>
+            <a:ext cx="521609" cy="521609"/>
+          </a:xfrm>
+          <a:prstGeom prst="rect">
+            <a:avLst/>
+          </a:prstGeom>
+        </p:spPr>
+      </p:pic>
+      <p:sp>
+        <p:nvSpPr>
+          <p:cNvPr id="14" name="Rectangle 13">
+            <a:extLst>
+              <a:ext uri="{FF2B5EF4-FFF2-40B4-BE49-F238E27FC236}">
+                <a16:creationId xmlns:a16="http://schemas.microsoft.com/office/drawing/2014/main" id="{80705A0C-8BB8-4974-9598-EE3F5121F78D}"/>
+              </a:ext>
+            </a:extLst>
+          </p:cNvPr>
+          <p:cNvSpPr/>
+          <p:nvPr/>
+        </p:nvSpPr>
+        <p:spPr>
+          <a:xfrm>
+            <a:off x="1917622" y="3808897"/>
+            <a:ext cx="1455937" cy="809855"/>
+          </a:xfrm>
+          <a:prstGeom prst="rect">
+            <a:avLst/>
+          </a:prstGeom>
+          <a:noFill/>
+        </p:spPr>
+        <p:style>
+          <a:lnRef idx="2">
+            <a:schemeClr val="accent1">
+              <a:shade val="50000"/>
+            </a:schemeClr>
+          </a:lnRef>
+          <a:fillRef idx="1">
+            <a:schemeClr val="accent1"/>
+          </a:fillRef>
+          <a:effectRef idx="0">
+            <a:schemeClr val="accent1"/>
+          </a:effectRef>
+          <a:fontRef idx="minor">
+            <a:schemeClr val="lt1"/>
+          </a:fontRef>
+        </p:style>
+        <p:txBody>
+          <a:bodyPr rtlCol="0" anchor="ctr"/>
+          <a:lstStyle/>
+          <a:p>
+            <a:pPr algn="ctr"/>
+            <a:endParaRPr lang="nb-NO"/>
+          </a:p>
+        </p:txBody>
+      </p:sp>
+      <p:pic>
+        <p:nvPicPr>
+          <p:cNvPr id="15" name="Graphic 14">
+            <a:extLst>
+              <a:ext uri="{FF2B5EF4-FFF2-40B4-BE49-F238E27FC236}">
+                <a16:creationId xmlns:a16="http://schemas.microsoft.com/office/drawing/2014/main" id="{D9EDB7F8-14DE-4F7C-835D-45148DBABECF}"/>
+              </a:ext>
+            </a:extLst>
+          </p:cNvPr>
+          <p:cNvPicPr>
+            <a:picLocks noChangeAspect="1"/>
+          </p:cNvPicPr>
+          <p:nvPr/>
+        </p:nvPicPr>
+        <p:blipFill>
+          <a:blip r:embed="rId7">
+            <a:extLst>
+              <a:ext uri="{28A0092B-C50C-407E-A947-70E740481C1C}">
+                <a14:useLocalDpi xmlns:a14="http://schemas.microsoft.com/office/drawing/2010/main" val="0"/>
+              </a:ext>
+              <a:ext uri="{96DAC541-7B7A-43D3-8B79-37D633B846F1}">
+                <asvg:svgBlip xmlns:asvg="http://schemas.microsoft.com/office/drawing/2016/SVG/main" r:embed="rId8"/>
+              </a:ext>
+            </a:extLst>
+          </a:blip>
+          <a:stretch>
+            <a:fillRect/>
+          </a:stretch>
+        </p:blipFill>
+        <p:spPr>
+          <a:xfrm>
+            <a:off x="3207241" y="4485241"/>
+            <a:ext cx="222497" cy="222497"/>
+          </a:xfrm>
+          <a:prstGeom prst="rect">
+            <a:avLst/>
+          </a:prstGeom>
+        </p:spPr>
+      </p:pic>
+      <p:pic>
+        <p:nvPicPr>
+          <p:cNvPr id="17" name="Graphic 16">
+            <a:extLst>
+              <a:ext uri="{FF2B5EF4-FFF2-40B4-BE49-F238E27FC236}">
+                <a16:creationId xmlns:a16="http://schemas.microsoft.com/office/drawing/2014/main" id="{5A0435F9-2BB1-400E-A2CF-6D1B198C7D77}"/>
+              </a:ext>
+            </a:extLst>
+          </p:cNvPr>
+          <p:cNvPicPr>
+            <a:picLocks noChangeAspect="1"/>
+          </p:cNvPicPr>
+          <p:nvPr/>
+        </p:nvPicPr>
+        <p:blipFill>
+          <a:blip r:embed="rId9">
+            <a:extLst>
+              <a:ext uri="{28A0092B-C50C-407E-A947-70E740481C1C}">
+                <a14:useLocalDpi xmlns:a14="http://schemas.microsoft.com/office/drawing/2010/main" val="0"/>
+              </a:ext>
+              <a:ext uri="{96DAC541-7B7A-43D3-8B79-37D633B846F1}">
+                <asvg:svgBlip xmlns:asvg="http://schemas.microsoft.com/office/drawing/2016/SVG/main" r:embed="rId10"/>
+              </a:ext>
+            </a:extLst>
+          </a:blip>
+          <a:stretch>
+            <a:fillRect/>
+          </a:stretch>
+        </p:blipFill>
+        <p:spPr>
+          <a:xfrm>
+            <a:off x="4839762" y="2085282"/>
+            <a:ext cx="461546" cy="461546"/>
+          </a:xfrm>
+          <a:prstGeom prst="rect">
+            <a:avLst/>
+          </a:prstGeom>
+        </p:spPr>
+      </p:pic>
+      <p:pic>
+        <p:nvPicPr>
+          <p:cNvPr id="19" name="Graphic 18">
+            <a:extLst>
+              <a:ext uri="{FF2B5EF4-FFF2-40B4-BE49-F238E27FC236}">
+                <a16:creationId xmlns:a16="http://schemas.microsoft.com/office/drawing/2014/main" id="{37CFB740-3C77-4088-9FF9-378273572E30}"/>
+              </a:ext>
+            </a:extLst>
+          </p:cNvPr>
+          <p:cNvPicPr>
+            <a:picLocks noChangeAspect="1"/>
+          </p:cNvPicPr>
+          <p:nvPr/>
+        </p:nvPicPr>
+        <p:blipFill>
+          <a:blip r:embed="rId11">
+            <a:extLst>
+              <a:ext uri="{28A0092B-C50C-407E-A947-70E740481C1C}">
+                <a14:useLocalDpi xmlns:a14="http://schemas.microsoft.com/office/drawing/2010/main" val="0"/>
+              </a:ext>
+              <a:ext uri="{96DAC541-7B7A-43D3-8B79-37D633B846F1}">
+                <asvg:svgBlip xmlns:asvg="http://schemas.microsoft.com/office/drawing/2016/SVG/main" r:embed="rId12"/>
+              </a:ext>
+            </a:extLst>
+          </a:blip>
+          <a:stretch>
+            <a:fillRect/>
+          </a:stretch>
+        </p:blipFill>
+        <p:spPr>
+          <a:xfrm>
+            <a:off x="6118846" y="1992066"/>
+            <a:ext cx="523690" cy="523690"/>
+          </a:xfrm>
+          <a:prstGeom prst="rect">
+            <a:avLst/>
+          </a:prstGeom>
+        </p:spPr>
+      </p:pic>
+      <p:pic>
+        <p:nvPicPr>
+          <p:cNvPr id="21" name="Graphic 20">
+            <a:extLst>
+              <a:ext uri="{FF2B5EF4-FFF2-40B4-BE49-F238E27FC236}">
+                <a16:creationId xmlns:a16="http://schemas.microsoft.com/office/drawing/2014/main" id="{DBE038A4-190B-41AF-A8DA-8DD3B2C818A9}"/>
+              </a:ext>
+            </a:extLst>
+          </p:cNvPr>
+          <p:cNvPicPr>
+            <a:picLocks noChangeAspect="1"/>
+          </p:cNvPicPr>
+          <p:nvPr/>
+        </p:nvPicPr>
+        <p:blipFill>
+          <a:blip r:embed="rId13">
+            <a:extLst>
+              <a:ext uri="{28A0092B-C50C-407E-A947-70E740481C1C}">
+                <a14:useLocalDpi xmlns:a14="http://schemas.microsoft.com/office/drawing/2010/main" val="0"/>
+              </a:ext>
+              <a:ext uri="{96DAC541-7B7A-43D3-8B79-37D633B846F1}">
+                <asvg:svgBlip xmlns:asvg="http://schemas.microsoft.com/office/drawing/2016/SVG/main" r:embed="rId14"/>
+              </a:ext>
+            </a:extLst>
+          </a:blip>
+          <a:stretch>
+            <a:fillRect/>
+          </a:stretch>
+        </p:blipFill>
+        <p:spPr>
+          <a:xfrm>
+            <a:off x="1331742" y="3800642"/>
+            <a:ext cx="363892" cy="363892"/>
+          </a:xfrm>
+          <a:prstGeom prst="rect">
+            <a:avLst/>
+          </a:prstGeom>
+        </p:spPr>
+      </p:pic>
+      <p:pic>
+        <p:nvPicPr>
+          <p:cNvPr id="23" name="Graphic 22">
+            <a:extLst>
+              <a:ext uri="{FF2B5EF4-FFF2-40B4-BE49-F238E27FC236}">
+                <a16:creationId xmlns:a16="http://schemas.microsoft.com/office/drawing/2014/main" id="{78719BCF-20A3-4F62-93FD-B80E0587B49F}"/>
+              </a:ext>
+            </a:extLst>
+          </p:cNvPr>
+          <p:cNvPicPr>
+            <a:picLocks noChangeAspect="1"/>
+          </p:cNvPicPr>
+          <p:nvPr/>
+        </p:nvPicPr>
+        <p:blipFill>
+          <a:blip r:embed="rId15">
+            <a:extLst>
+              <a:ext uri="{28A0092B-C50C-407E-A947-70E740481C1C}">
+                <a14:useLocalDpi xmlns:a14="http://schemas.microsoft.com/office/drawing/2010/main" val="0"/>
+              </a:ext>
+              <a:ext uri="{96DAC541-7B7A-43D3-8B79-37D633B846F1}">
+                <asvg:svgBlip xmlns:asvg="http://schemas.microsoft.com/office/drawing/2016/SVG/main" r:embed="rId16"/>
+              </a:ext>
+            </a:extLst>
+          </a:blip>
+          <a:stretch>
+            <a:fillRect/>
+          </a:stretch>
+        </p:blipFill>
+        <p:spPr>
+          <a:xfrm>
+            <a:off x="1331742" y="4271182"/>
+            <a:ext cx="347570" cy="347570"/>
+          </a:xfrm>
+          <a:prstGeom prst="rect">
+            <a:avLst/>
+          </a:prstGeom>
+        </p:spPr>
+      </p:pic>
+      <p:sp>
+        <p:nvSpPr>
+          <p:cNvPr id="24" name="TextBox 23">
+            <a:extLst>
+              <a:ext uri="{FF2B5EF4-FFF2-40B4-BE49-F238E27FC236}">
+                <a16:creationId xmlns:a16="http://schemas.microsoft.com/office/drawing/2014/main" id="{31E957BA-0018-41CE-A094-90E18C20E86D}"/>
+              </a:ext>
+            </a:extLst>
+          </p:cNvPr>
+          <p:cNvSpPr txBox="1"/>
+          <p:nvPr/>
+        </p:nvSpPr>
+        <p:spPr>
+          <a:xfrm>
+            <a:off x="1679312" y="4811676"/>
+            <a:ext cx="1223861" cy="276999"/>
+          </a:xfrm>
+          <a:prstGeom prst="rect">
+            <a:avLst/>
+          </a:prstGeom>
+          <a:noFill/>
+        </p:spPr>
+        <p:txBody>
+          <a:bodyPr wrap="none" rtlCol="0">
+            <a:spAutoFit/>
+          </a:bodyPr>
+          <a:lstStyle/>
+          <a:p>
+            <a:r>
+              <a:rPr lang="nb-NO" sz="1200" dirty="0"/>
+              <a:t>iac-ws4-blue-aks</a:t>
+            </a:r>
+          </a:p>
+        </p:txBody>
+      </p:sp>
+      <p:sp>
+        <p:nvSpPr>
+          <p:cNvPr id="26" name="Rectangle 25">
+            <a:extLst>
+              <a:ext uri="{FF2B5EF4-FFF2-40B4-BE49-F238E27FC236}">
+                <a16:creationId xmlns:a16="http://schemas.microsoft.com/office/drawing/2014/main" id="{731393CB-26F7-4BA4-8A26-B0B0B99B3072}"/>
+              </a:ext>
+            </a:extLst>
+          </p:cNvPr>
+          <p:cNvSpPr/>
+          <p:nvPr/>
+        </p:nvSpPr>
+        <p:spPr>
+          <a:xfrm>
+            <a:off x="4564556" y="3587950"/>
+            <a:ext cx="2539015" cy="1251751"/>
+          </a:xfrm>
+          <a:prstGeom prst="rect">
+            <a:avLst/>
+          </a:prstGeom>
+          <a:solidFill>
+            <a:schemeClr val="accent6">
+              <a:lumMod val="20000"/>
+              <a:lumOff val="80000"/>
+            </a:schemeClr>
+          </a:solidFill>
+        </p:spPr>
+        <p:style>
+          <a:lnRef idx="2">
+            <a:schemeClr val="accent1">
+              <a:shade val="50000"/>
+            </a:schemeClr>
+          </a:lnRef>
+          <a:fillRef idx="1">
+            <a:schemeClr val="accent1"/>
+          </a:fillRef>
+          <a:effectRef idx="0">
+            <a:schemeClr val="accent1"/>
+          </a:effectRef>
+          <a:fontRef idx="minor">
+            <a:schemeClr val="lt1"/>
+          </a:fontRef>
+        </p:style>
+        <p:txBody>
+          <a:bodyPr rtlCol="0" anchor="ctr"/>
+          <a:lstStyle/>
+          <a:p>
+            <a:pPr algn="ctr"/>
+            <a:endParaRPr lang="nb-NO"/>
+          </a:p>
+        </p:txBody>
+      </p:sp>
+      <p:pic>
+        <p:nvPicPr>
+          <p:cNvPr id="27" name="Graphic 26">
+            <a:extLst>
+              <a:ext uri="{FF2B5EF4-FFF2-40B4-BE49-F238E27FC236}">
+                <a16:creationId xmlns:a16="http://schemas.microsoft.com/office/drawing/2014/main" id="{A23B7D9C-D364-45FA-9663-B150BDFB4A7B}"/>
+              </a:ext>
+            </a:extLst>
+          </p:cNvPr>
+          <p:cNvPicPr>
+            <a:picLocks noChangeAspect="1"/>
+          </p:cNvPicPr>
+          <p:nvPr/>
+        </p:nvPicPr>
+        <p:blipFill>
+          <a:blip r:embed="rId3">
+            <a:extLst>
+              <a:ext uri="{28A0092B-C50C-407E-A947-70E740481C1C}">
+                <a14:useLocalDpi xmlns:a14="http://schemas.microsoft.com/office/drawing/2010/main" val="0"/>
+              </a:ext>
+              <a:ext uri="{96DAC541-7B7A-43D3-8B79-37D633B846F1}">
+                <asvg:svgBlip xmlns:asvg="http://schemas.microsoft.com/office/drawing/2016/SVG/main" r:embed="rId4"/>
+              </a:ext>
+            </a:extLst>
+          </a:blip>
+          <a:stretch>
+            <a:fillRect/>
+          </a:stretch>
+        </p:blipFill>
+        <p:spPr>
+          <a:xfrm>
+            <a:off x="4440314" y="3487611"/>
+            <a:ext cx="335873" cy="335873"/>
+          </a:xfrm>
+          <a:prstGeom prst="rect">
+            <a:avLst/>
+          </a:prstGeom>
+        </p:spPr>
+      </p:pic>
+      <p:pic>
+        <p:nvPicPr>
+          <p:cNvPr id="28" name="Graphic 27">
+            <a:extLst>
+              <a:ext uri="{FF2B5EF4-FFF2-40B4-BE49-F238E27FC236}">
+                <a16:creationId xmlns:a16="http://schemas.microsoft.com/office/drawing/2014/main" id="{E839BD46-89A7-401B-A3E2-99BE4A12EFAA}"/>
+              </a:ext>
+            </a:extLst>
+          </p:cNvPr>
+          <p:cNvPicPr>
+            <a:picLocks noChangeAspect="1"/>
+          </p:cNvPicPr>
+          <p:nvPr/>
+        </p:nvPicPr>
+        <p:blipFill>
+          <a:blip r:embed="rId5">
+            <a:extLst>
+              <a:ext uri="{28A0092B-C50C-407E-A947-70E740481C1C}">
+                <a14:useLocalDpi xmlns:a14="http://schemas.microsoft.com/office/drawing/2010/main" val="0"/>
+              </a:ext>
+              <a:ext uri="{96DAC541-7B7A-43D3-8B79-37D633B846F1}">
+                <asvg:svgBlip xmlns:asvg="http://schemas.microsoft.com/office/drawing/2016/SVG/main" r:embed="rId6"/>
+              </a:ext>
+            </a:extLst>
+          </a:blip>
+          <a:stretch>
+            <a:fillRect/>
+          </a:stretch>
+        </p:blipFill>
+        <p:spPr>
+          <a:xfrm>
+            <a:off x="5758280" y="3963632"/>
+            <a:ext cx="521609" cy="521609"/>
+          </a:xfrm>
+          <a:prstGeom prst="rect">
+            <a:avLst/>
+          </a:prstGeom>
+        </p:spPr>
+      </p:pic>
+      <p:sp>
+        <p:nvSpPr>
+          <p:cNvPr id="29" name="Rectangle 28">
+            <a:extLst>
+              <a:ext uri="{FF2B5EF4-FFF2-40B4-BE49-F238E27FC236}">
+                <a16:creationId xmlns:a16="http://schemas.microsoft.com/office/drawing/2014/main" id="{4D5CF443-D800-4A1F-88E2-4295319F7CF2}"/>
+              </a:ext>
+            </a:extLst>
+          </p:cNvPr>
+          <p:cNvSpPr/>
+          <p:nvPr/>
+        </p:nvSpPr>
+        <p:spPr>
+          <a:xfrm>
+            <a:off x="5362068" y="3808897"/>
+            <a:ext cx="1455937" cy="809855"/>
+          </a:xfrm>
+          <a:prstGeom prst="rect">
+            <a:avLst/>
+          </a:prstGeom>
+          <a:noFill/>
+        </p:spPr>
+        <p:style>
+          <a:lnRef idx="2">
+            <a:schemeClr val="accent1">
+              <a:shade val="50000"/>
+            </a:schemeClr>
+          </a:lnRef>
+          <a:fillRef idx="1">
+            <a:schemeClr val="accent1"/>
+          </a:fillRef>
+          <a:effectRef idx="0">
+            <a:schemeClr val="accent1"/>
+          </a:effectRef>
+          <a:fontRef idx="minor">
+            <a:schemeClr val="lt1"/>
+          </a:fontRef>
+        </p:style>
+        <p:txBody>
+          <a:bodyPr rtlCol="0" anchor="ctr"/>
+          <a:lstStyle/>
+          <a:p>
+            <a:pPr algn="ctr"/>
+            <a:endParaRPr lang="nb-NO"/>
+          </a:p>
+        </p:txBody>
+      </p:sp>
+      <p:pic>
+        <p:nvPicPr>
+          <p:cNvPr id="30" name="Graphic 29">
+            <a:extLst>
+              <a:ext uri="{FF2B5EF4-FFF2-40B4-BE49-F238E27FC236}">
+                <a16:creationId xmlns:a16="http://schemas.microsoft.com/office/drawing/2014/main" id="{7094399D-2B88-485B-BA11-A92217574227}"/>
+              </a:ext>
+            </a:extLst>
+          </p:cNvPr>
+          <p:cNvPicPr>
+            <a:picLocks noChangeAspect="1"/>
+          </p:cNvPicPr>
+          <p:nvPr/>
+        </p:nvPicPr>
+        <p:blipFill>
+          <a:blip r:embed="rId7">
+            <a:extLst>
+              <a:ext uri="{28A0092B-C50C-407E-A947-70E740481C1C}">
+                <a14:useLocalDpi xmlns:a14="http://schemas.microsoft.com/office/drawing/2010/main" val="0"/>
+              </a:ext>
+              <a:ext uri="{96DAC541-7B7A-43D3-8B79-37D633B846F1}">
+                <asvg:svgBlip xmlns:asvg="http://schemas.microsoft.com/office/drawing/2016/SVG/main" r:embed="rId8"/>
+              </a:ext>
+            </a:extLst>
+          </a:blip>
+          <a:stretch>
+            <a:fillRect/>
+          </a:stretch>
+        </p:blipFill>
+        <p:spPr>
+          <a:xfrm>
+            <a:off x="6651687" y="4485241"/>
+            <a:ext cx="222497" cy="222497"/>
+          </a:xfrm>
+          <a:prstGeom prst="rect">
+            <a:avLst/>
+          </a:prstGeom>
+        </p:spPr>
+      </p:pic>
+      <p:pic>
+        <p:nvPicPr>
+          <p:cNvPr id="31" name="Graphic 30">
+            <a:extLst>
+              <a:ext uri="{FF2B5EF4-FFF2-40B4-BE49-F238E27FC236}">
+                <a16:creationId xmlns:a16="http://schemas.microsoft.com/office/drawing/2014/main" id="{B487E630-F68E-44E7-A7FE-C8EC7E02EC5A}"/>
+              </a:ext>
+            </a:extLst>
+          </p:cNvPr>
+          <p:cNvPicPr>
+            <a:picLocks noChangeAspect="1"/>
+          </p:cNvPicPr>
+          <p:nvPr/>
+        </p:nvPicPr>
+        <p:blipFill>
+          <a:blip r:embed="rId13">
+            <a:extLst>
+              <a:ext uri="{28A0092B-C50C-407E-A947-70E740481C1C}">
+                <a14:useLocalDpi xmlns:a14="http://schemas.microsoft.com/office/drawing/2010/main" val="0"/>
+              </a:ext>
+              <a:ext uri="{96DAC541-7B7A-43D3-8B79-37D633B846F1}">
+                <asvg:svgBlip xmlns:asvg="http://schemas.microsoft.com/office/drawing/2016/SVG/main" r:embed="rId14"/>
+              </a:ext>
+            </a:extLst>
+          </a:blip>
+          <a:stretch>
+            <a:fillRect/>
+          </a:stretch>
+        </p:blipFill>
+        <p:spPr>
+          <a:xfrm>
+            <a:off x="4776188" y="3800642"/>
+            <a:ext cx="363892" cy="363892"/>
+          </a:xfrm>
+          <a:prstGeom prst="rect">
+            <a:avLst/>
+          </a:prstGeom>
+        </p:spPr>
+      </p:pic>
+      <p:pic>
+        <p:nvPicPr>
+          <p:cNvPr id="32" name="Graphic 31">
+            <a:extLst>
+              <a:ext uri="{FF2B5EF4-FFF2-40B4-BE49-F238E27FC236}">
+                <a16:creationId xmlns:a16="http://schemas.microsoft.com/office/drawing/2014/main" id="{C36730F1-55E2-424A-A25B-C62E91839E3A}"/>
+              </a:ext>
+            </a:extLst>
+          </p:cNvPr>
+          <p:cNvPicPr>
+            <a:picLocks noChangeAspect="1"/>
+          </p:cNvPicPr>
+          <p:nvPr/>
+        </p:nvPicPr>
+        <p:blipFill>
+          <a:blip r:embed="rId15">
+            <a:extLst>
+              <a:ext uri="{28A0092B-C50C-407E-A947-70E740481C1C}">
+                <a14:useLocalDpi xmlns:a14="http://schemas.microsoft.com/office/drawing/2010/main" val="0"/>
+              </a:ext>
+              <a:ext uri="{96DAC541-7B7A-43D3-8B79-37D633B846F1}">
+                <asvg:svgBlip xmlns:asvg="http://schemas.microsoft.com/office/drawing/2016/SVG/main" r:embed="rId16"/>
+              </a:ext>
+            </a:extLst>
+          </a:blip>
+          <a:stretch>
+            <a:fillRect/>
+          </a:stretch>
+        </p:blipFill>
+        <p:spPr>
+          <a:xfrm>
+            <a:off x="4776188" y="4271182"/>
+            <a:ext cx="347570" cy="347570"/>
+          </a:xfrm>
+          <a:prstGeom prst="rect">
+            <a:avLst/>
+          </a:prstGeom>
+        </p:spPr>
+      </p:pic>
+      <p:sp>
+        <p:nvSpPr>
+          <p:cNvPr id="33" name="TextBox 32">
+            <a:extLst>
+              <a:ext uri="{FF2B5EF4-FFF2-40B4-BE49-F238E27FC236}">
+                <a16:creationId xmlns:a16="http://schemas.microsoft.com/office/drawing/2014/main" id="{D37F867E-BF18-4537-B455-87117C5E3E15}"/>
+              </a:ext>
+            </a:extLst>
+          </p:cNvPr>
+          <p:cNvSpPr txBox="1"/>
+          <p:nvPr/>
+        </p:nvSpPr>
+        <p:spPr>
+          <a:xfrm>
+            <a:off x="5123758" y="4811676"/>
+            <a:ext cx="1308371" cy="276999"/>
+          </a:xfrm>
+          <a:prstGeom prst="rect">
+            <a:avLst/>
+          </a:prstGeom>
+          <a:noFill/>
+        </p:spPr>
+        <p:txBody>
+          <a:bodyPr wrap="none" rtlCol="0">
+            <a:spAutoFit/>
+          </a:bodyPr>
+          <a:lstStyle/>
+          <a:p>
+            <a:r>
+              <a:rPr lang="nb-NO" sz="1200" dirty="0"/>
+              <a:t>iac-ws4-green-aks</a:t>
+            </a:r>
+          </a:p>
+        </p:txBody>
+      </p:sp>
+      <p:sp>
+        <p:nvSpPr>
+          <p:cNvPr id="34" name="Rectangle 33">
+            <a:extLst>
+              <a:ext uri="{FF2B5EF4-FFF2-40B4-BE49-F238E27FC236}">
+                <a16:creationId xmlns:a16="http://schemas.microsoft.com/office/drawing/2014/main" id="{6A449B75-CD4E-488E-AC01-E96DD607A816}"/>
+              </a:ext>
+            </a:extLst>
+          </p:cNvPr>
+          <p:cNvSpPr/>
+          <p:nvPr/>
+        </p:nvSpPr>
+        <p:spPr>
+          <a:xfrm>
+            <a:off x="8107624" y="3587950"/>
+            <a:ext cx="2539015" cy="1251751"/>
+          </a:xfrm>
+          <a:prstGeom prst="rect">
+            <a:avLst/>
+          </a:prstGeom>
+          <a:solidFill>
+            <a:srgbClr val="FFD7D7"/>
+          </a:solidFill>
+        </p:spPr>
+        <p:style>
+          <a:lnRef idx="2">
+            <a:schemeClr val="accent1">
+              <a:shade val="50000"/>
+            </a:schemeClr>
+          </a:lnRef>
+          <a:fillRef idx="1">
+            <a:schemeClr val="accent1"/>
+          </a:fillRef>
+          <a:effectRef idx="0">
+            <a:schemeClr val="accent1"/>
+          </a:effectRef>
+          <a:fontRef idx="minor">
+            <a:schemeClr val="lt1"/>
+          </a:fontRef>
+        </p:style>
+        <p:txBody>
+          <a:bodyPr rtlCol="0" anchor="ctr"/>
+          <a:lstStyle/>
+          <a:p>
+            <a:pPr algn="ctr"/>
+            <a:endParaRPr lang="nb-NO"/>
+          </a:p>
+        </p:txBody>
+      </p:sp>
+      <p:pic>
+        <p:nvPicPr>
+          <p:cNvPr id="35" name="Graphic 34">
+            <a:extLst>
+              <a:ext uri="{FF2B5EF4-FFF2-40B4-BE49-F238E27FC236}">
+                <a16:creationId xmlns:a16="http://schemas.microsoft.com/office/drawing/2014/main" id="{13E50880-C66F-4316-9A5E-710384DCDF37}"/>
+              </a:ext>
+            </a:extLst>
+          </p:cNvPr>
+          <p:cNvPicPr>
+            <a:picLocks noChangeAspect="1"/>
+          </p:cNvPicPr>
+          <p:nvPr/>
+        </p:nvPicPr>
+        <p:blipFill>
+          <a:blip r:embed="rId3">
+            <a:extLst>
+              <a:ext uri="{28A0092B-C50C-407E-A947-70E740481C1C}">
+                <a14:useLocalDpi xmlns:a14="http://schemas.microsoft.com/office/drawing/2010/main" val="0"/>
+              </a:ext>
+              <a:ext uri="{96DAC541-7B7A-43D3-8B79-37D633B846F1}">
+                <asvg:svgBlip xmlns:asvg="http://schemas.microsoft.com/office/drawing/2016/SVG/main" r:embed="rId4"/>
+              </a:ext>
+            </a:extLst>
+          </a:blip>
+          <a:stretch>
+            <a:fillRect/>
+          </a:stretch>
+        </p:blipFill>
+        <p:spPr>
+          <a:xfrm>
+            <a:off x="7983383" y="3487612"/>
+            <a:ext cx="335872" cy="335872"/>
+          </a:xfrm>
+          <a:prstGeom prst="rect">
+            <a:avLst/>
+          </a:prstGeom>
+        </p:spPr>
+      </p:pic>
+      <p:pic>
+        <p:nvPicPr>
+          <p:cNvPr id="36" name="Graphic 35">
+            <a:extLst>
+              <a:ext uri="{FF2B5EF4-FFF2-40B4-BE49-F238E27FC236}">
+                <a16:creationId xmlns:a16="http://schemas.microsoft.com/office/drawing/2014/main" id="{84EAB510-0896-450E-84BC-69E7EB9A8800}"/>
+              </a:ext>
+            </a:extLst>
+          </p:cNvPr>
+          <p:cNvPicPr>
+            <a:picLocks noChangeAspect="1"/>
+          </p:cNvPicPr>
+          <p:nvPr/>
+        </p:nvPicPr>
+        <p:blipFill>
+          <a:blip r:embed="rId5">
+            <a:extLst>
+              <a:ext uri="{28A0092B-C50C-407E-A947-70E740481C1C}">
+                <a14:useLocalDpi xmlns:a14="http://schemas.microsoft.com/office/drawing/2010/main" val="0"/>
+              </a:ext>
+              <a:ext uri="{96DAC541-7B7A-43D3-8B79-37D633B846F1}">
+                <asvg:svgBlip xmlns:asvg="http://schemas.microsoft.com/office/drawing/2016/SVG/main" r:embed="rId6"/>
+              </a:ext>
+            </a:extLst>
+          </a:blip>
+          <a:stretch>
+            <a:fillRect/>
+          </a:stretch>
+        </p:blipFill>
+        <p:spPr>
+          <a:xfrm>
+            <a:off x="9301348" y="3963632"/>
+            <a:ext cx="521609" cy="521609"/>
+          </a:xfrm>
+          <a:prstGeom prst="rect">
+            <a:avLst/>
+          </a:prstGeom>
+        </p:spPr>
+      </p:pic>
+      <p:sp>
+        <p:nvSpPr>
+          <p:cNvPr id="37" name="Rectangle 36">
+            <a:extLst>
+              <a:ext uri="{FF2B5EF4-FFF2-40B4-BE49-F238E27FC236}">
+                <a16:creationId xmlns:a16="http://schemas.microsoft.com/office/drawing/2014/main" id="{EFF5FCB3-D739-4961-992D-F1EB2F5FF945}"/>
+              </a:ext>
+            </a:extLst>
+          </p:cNvPr>
+          <p:cNvSpPr/>
+          <p:nvPr/>
+        </p:nvSpPr>
+        <p:spPr>
+          <a:xfrm>
+            <a:off x="8905136" y="3808897"/>
+            <a:ext cx="1455937" cy="809855"/>
+          </a:xfrm>
+          <a:prstGeom prst="rect">
+            <a:avLst/>
+          </a:prstGeom>
+          <a:noFill/>
+        </p:spPr>
+        <p:style>
+          <a:lnRef idx="2">
+            <a:schemeClr val="accent1">
+              <a:shade val="50000"/>
+            </a:schemeClr>
+          </a:lnRef>
+          <a:fillRef idx="1">
+            <a:schemeClr val="accent1"/>
+          </a:fillRef>
+          <a:effectRef idx="0">
+            <a:schemeClr val="accent1"/>
+          </a:effectRef>
+          <a:fontRef idx="minor">
+            <a:schemeClr val="lt1"/>
+          </a:fontRef>
+        </p:style>
+        <p:txBody>
+          <a:bodyPr rtlCol="0" anchor="ctr"/>
+          <a:lstStyle/>
+          <a:p>
+            <a:pPr algn="ctr"/>
+            <a:endParaRPr lang="nb-NO"/>
+          </a:p>
+        </p:txBody>
+      </p:sp>
+      <p:pic>
+        <p:nvPicPr>
+          <p:cNvPr id="38" name="Graphic 37">
+            <a:extLst>
+              <a:ext uri="{FF2B5EF4-FFF2-40B4-BE49-F238E27FC236}">
+                <a16:creationId xmlns:a16="http://schemas.microsoft.com/office/drawing/2014/main" id="{45113588-F34C-4880-BF96-A622EA407C1F}"/>
+              </a:ext>
+            </a:extLst>
+          </p:cNvPr>
+          <p:cNvPicPr>
+            <a:picLocks noChangeAspect="1"/>
+          </p:cNvPicPr>
+          <p:nvPr/>
+        </p:nvPicPr>
+        <p:blipFill>
+          <a:blip r:embed="rId7">
+            <a:extLst>
+              <a:ext uri="{28A0092B-C50C-407E-A947-70E740481C1C}">
+                <a14:useLocalDpi xmlns:a14="http://schemas.microsoft.com/office/drawing/2010/main" val="0"/>
+              </a:ext>
+              <a:ext uri="{96DAC541-7B7A-43D3-8B79-37D633B846F1}">
+                <asvg:svgBlip xmlns:asvg="http://schemas.microsoft.com/office/drawing/2016/SVG/main" r:embed="rId8"/>
+              </a:ext>
+            </a:extLst>
+          </a:blip>
+          <a:stretch>
+            <a:fillRect/>
+          </a:stretch>
+        </p:blipFill>
+        <p:spPr>
+          <a:xfrm>
+            <a:off x="10194755" y="4485241"/>
+            <a:ext cx="222497" cy="222497"/>
+          </a:xfrm>
+          <a:prstGeom prst="rect">
+            <a:avLst/>
+          </a:prstGeom>
+        </p:spPr>
+      </p:pic>
+      <p:pic>
+        <p:nvPicPr>
+          <p:cNvPr id="39" name="Graphic 38">
+            <a:extLst>
+              <a:ext uri="{FF2B5EF4-FFF2-40B4-BE49-F238E27FC236}">
+                <a16:creationId xmlns:a16="http://schemas.microsoft.com/office/drawing/2014/main" id="{6DD0BAC9-35C3-4919-9943-837DB6317197}"/>
+              </a:ext>
+            </a:extLst>
+          </p:cNvPr>
+          <p:cNvPicPr>
+            <a:picLocks noChangeAspect="1"/>
+          </p:cNvPicPr>
+          <p:nvPr/>
+        </p:nvPicPr>
+        <p:blipFill>
+          <a:blip r:embed="rId13">
+            <a:extLst>
+              <a:ext uri="{28A0092B-C50C-407E-A947-70E740481C1C}">
+                <a14:useLocalDpi xmlns:a14="http://schemas.microsoft.com/office/drawing/2010/main" val="0"/>
+              </a:ext>
+              <a:ext uri="{96DAC541-7B7A-43D3-8B79-37D633B846F1}">
+                <asvg:svgBlip xmlns:asvg="http://schemas.microsoft.com/office/drawing/2016/SVG/main" r:embed="rId14"/>
+              </a:ext>
+            </a:extLst>
+          </a:blip>
+          <a:stretch>
+            <a:fillRect/>
+          </a:stretch>
+        </p:blipFill>
+        <p:spPr>
+          <a:xfrm>
+            <a:off x="8319256" y="3800642"/>
+            <a:ext cx="363892" cy="363892"/>
+          </a:xfrm>
+          <a:prstGeom prst="rect">
+            <a:avLst/>
+          </a:prstGeom>
+        </p:spPr>
+      </p:pic>
+      <p:pic>
+        <p:nvPicPr>
+          <p:cNvPr id="40" name="Graphic 39">
+            <a:extLst>
+              <a:ext uri="{FF2B5EF4-FFF2-40B4-BE49-F238E27FC236}">
+                <a16:creationId xmlns:a16="http://schemas.microsoft.com/office/drawing/2014/main" id="{2F1E3691-2256-4EE6-8F90-2B2A8BA8093A}"/>
+              </a:ext>
+            </a:extLst>
+          </p:cNvPr>
+          <p:cNvPicPr>
+            <a:picLocks noChangeAspect="1"/>
+          </p:cNvPicPr>
+          <p:nvPr/>
+        </p:nvPicPr>
+        <p:blipFill>
+          <a:blip r:embed="rId15">
+            <a:extLst>
+              <a:ext uri="{28A0092B-C50C-407E-A947-70E740481C1C}">
+                <a14:useLocalDpi xmlns:a14="http://schemas.microsoft.com/office/drawing/2010/main" val="0"/>
+              </a:ext>
+              <a:ext uri="{96DAC541-7B7A-43D3-8B79-37D633B846F1}">
+                <asvg:svgBlip xmlns:asvg="http://schemas.microsoft.com/office/drawing/2016/SVG/main" r:embed="rId16"/>
+              </a:ext>
+            </a:extLst>
+          </a:blip>
+          <a:stretch>
+            <a:fillRect/>
+          </a:stretch>
+        </p:blipFill>
+        <p:spPr>
+          <a:xfrm>
+            <a:off x="8319256" y="4271182"/>
+            <a:ext cx="347570" cy="347570"/>
+          </a:xfrm>
+          <a:prstGeom prst="rect">
+            <a:avLst/>
+          </a:prstGeom>
+        </p:spPr>
+      </p:pic>
+      <p:sp>
+        <p:nvSpPr>
+          <p:cNvPr id="41" name="TextBox 40">
+            <a:extLst>
+              <a:ext uri="{FF2B5EF4-FFF2-40B4-BE49-F238E27FC236}">
+                <a16:creationId xmlns:a16="http://schemas.microsoft.com/office/drawing/2014/main" id="{5C9748BC-4A99-4DD6-B3BC-403B92D50C8A}"/>
+              </a:ext>
+            </a:extLst>
+          </p:cNvPr>
+          <p:cNvSpPr txBox="1"/>
+          <p:nvPr/>
+        </p:nvSpPr>
+        <p:spPr>
+          <a:xfrm>
+            <a:off x="8666826" y="4811676"/>
+            <a:ext cx="1159292" cy="276999"/>
+          </a:xfrm>
+          <a:prstGeom prst="rect">
+            <a:avLst/>
+          </a:prstGeom>
+          <a:noFill/>
+        </p:spPr>
+        <p:txBody>
+          <a:bodyPr wrap="none" rtlCol="0">
+            <a:spAutoFit/>
+          </a:bodyPr>
+          <a:lstStyle/>
+          <a:p>
+            <a:r>
+              <a:rPr lang="nb-NO" sz="1200" dirty="0"/>
+              <a:t>iac-ws4-red-aks</a:t>
+            </a:r>
+          </a:p>
+        </p:txBody>
+      </p:sp>
+      <p:sp>
+        <p:nvSpPr>
+          <p:cNvPr id="42" name="TextBox 41">
+            <a:extLst>
+              <a:ext uri="{FF2B5EF4-FFF2-40B4-BE49-F238E27FC236}">
+                <a16:creationId xmlns:a16="http://schemas.microsoft.com/office/drawing/2014/main" id="{44E0BB2C-9CF1-4624-AA2C-574EFD0C1C77}"/>
+              </a:ext>
+            </a:extLst>
+          </p:cNvPr>
+          <p:cNvSpPr txBox="1"/>
+          <p:nvPr/>
+        </p:nvSpPr>
+        <p:spPr>
+          <a:xfrm>
+            <a:off x="5329606" y="2924065"/>
+            <a:ext cx="824008" cy="276999"/>
+          </a:xfrm>
+          <a:prstGeom prst="rect">
+            <a:avLst/>
+          </a:prstGeom>
+          <a:noFill/>
+        </p:spPr>
+        <p:txBody>
+          <a:bodyPr wrap="none" rtlCol="0">
+            <a:spAutoFit/>
+          </a:bodyPr>
+          <a:lstStyle/>
+          <a:p>
+            <a:r>
+              <a:rPr lang="nb-NO" sz="1200" dirty="0"/>
+              <a:t>iac-ws4-rg</a:t>
+            </a:r>
+          </a:p>
+        </p:txBody>
+      </p:sp>
+      <p:pic>
+        <p:nvPicPr>
+          <p:cNvPr id="43" name="Graphic 42">
+            <a:extLst>
+              <a:ext uri="{FF2B5EF4-FFF2-40B4-BE49-F238E27FC236}">
+                <a16:creationId xmlns:a16="http://schemas.microsoft.com/office/drawing/2014/main" id="{60B3B42A-20A0-4A4C-B852-0D3D0104E7CA}"/>
+              </a:ext>
+            </a:extLst>
+          </p:cNvPr>
+          <p:cNvPicPr>
+            <a:picLocks noChangeAspect="1"/>
+          </p:cNvPicPr>
+          <p:nvPr/>
+        </p:nvPicPr>
+        <p:blipFill>
+          <a:blip r:embed="rId3">
+            <a:extLst>
+              <a:ext uri="{28A0092B-C50C-407E-A947-70E740481C1C}">
+                <a14:useLocalDpi xmlns:a14="http://schemas.microsoft.com/office/drawing/2010/main" val="0"/>
+              </a:ext>
+              <a:ext uri="{96DAC541-7B7A-43D3-8B79-37D633B846F1}">
+                <asvg:svgBlip xmlns:asvg="http://schemas.microsoft.com/office/drawing/2016/SVG/main" r:embed="rId4"/>
+              </a:ext>
+            </a:extLst>
+          </a:blip>
+          <a:stretch>
+            <a:fillRect/>
+          </a:stretch>
+        </p:blipFill>
+        <p:spPr>
+          <a:xfrm>
+            <a:off x="4341225" y="1592894"/>
+            <a:ext cx="319551" cy="319551"/>
+          </a:xfrm>
+          <a:prstGeom prst="rect">
+            <a:avLst/>
+          </a:prstGeom>
+        </p:spPr>
+      </p:pic>
+    </p:spTree>
+    <p:extLst>
+      <p:ext uri="{BB962C8B-B14F-4D97-AF65-F5344CB8AC3E}">
+        <p14:creationId xmlns:p14="http://schemas.microsoft.com/office/powerpoint/2010/main" val="3569017864"/>
+      </p:ext>
+    </p:extLst>
+  </p:cSld>
+  <p:clrMapOvr>
+    <a:masterClrMapping/>
+  </p:clrMapOvr>
+</p:sld>
+</file>
+
+<file path=ppt/slides/slide17.xml><?xml version="1.0" encoding="utf-8"?>
 <p:sld xmlns:a="http://schemas.openxmlformats.org/drawingml/2006/main" xmlns:r="http://schemas.openxmlformats.org/officeDocument/2006/relationships" xmlns:p="http://schemas.openxmlformats.org/presentationml/2006/main">
   <p:cSld>
     <p:bg>
@@ -7512,8 +10933,8 @@
         </p:nvSpPr>
         <p:spPr>
           <a:xfrm>
-            <a:off x="748346" y="3545158"/>
-            <a:ext cx="6171566" cy="2581322"/>
+            <a:off x="614234" y="2354401"/>
+            <a:ext cx="4274710" cy="1522755"/>
           </a:xfrm>
           <a:prstGeom prst="rect">
             <a:avLst/>
@@ -7557,7 +10978,7 @@
                 <a:ea typeface="+mn-ea"/>
                 <a:cs typeface="+mn-cs"/>
               </a:rPr>
-              <a:t>How to structure your repository?</a:t>
+              <a:t>Labs 01-04</a:t>
             </a:r>
           </a:p>
         </p:txBody>
@@ -8075,7 +11496,7 @@
     </p:spTree>
     <p:extLst>
       <p:ext uri="{BB962C8B-B14F-4D97-AF65-F5344CB8AC3E}">
-        <p14:creationId xmlns:p14="http://schemas.microsoft.com/office/powerpoint/2010/main" val="3904717136"/>
+        <p14:creationId xmlns:p14="http://schemas.microsoft.com/office/powerpoint/2010/main" val="3228749532"/>
       </p:ext>
     </p:extLst>
   </p:cSld>
@@ -8085,7 +11506,67 @@
 </p:sld>
 </file>
 
-<file path=ppt/slides/slide12.xml><?xml version="1.0" encoding="utf-8"?>
+<file path=ppt/slides/slide18.xml><?xml version="1.0" encoding="utf-8"?>
+<p:sld xmlns:a="http://schemas.openxmlformats.org/drawingml/2006/main" xmlns:r="http://schemas.openxmlformats.org/officeDocument/2006/relationships" xmlns:p="http://schemas.openxmlformats.org/presentationml/2006/main">
+  <p:cSld>
+    <p:spTree>
+      <p:nvGrpSpPr>
+        <p:cNvPr id="1" name=""/>
+        <p:cNvGrpSpPr/>
+        <p:nvPr/>
+      </p:nvGrpSpPr>
+      <p:grpSpPr>
+        <a:xfrm>
+          <a:off x="0" y="0"/>
+          <a:ext cx="0" cy="0"/>
+          <a:chOff x="0" y="0"/>
+          <a:chExt cx="0" cy="0"/>
+        </a:xfrm>
+      </p:grpSpPr>
+      <p:pic>
+        <p:nvPicPr>
+          <p:cNvPr id="3" name="Picture 2">
+            <a:extLst>
+              <a:ext uri="{FF2B5EF4-FFF2-40B4-BE49-F238E27FC236}">
+                <a16:creationId xmlns:a16="http://schemas.microsoft.com/office/drawing/2014/main" id="{CFAD4C39-42D6-45D1-9E0D-E17B5050B154}"/>
+              </a:ext>
+            </a:extLst>
+          </p:cNvPr>
+          <p:cNvPicPr>
+            <a:picLocks noChangeAspect="1"/>
+          </p:cNvPicPr>
+          <p:nvPr/>
+        </p:nvPicPr>
+        <p:blipFill>
+          <a:blip r:embed="rId3"/>
+          <a:stretch>
+            <a:fillRect/>
+          </a:stretch>
+        </p:blipFill>
+        <p:spPr>
+          <a:xfrm>
+            <a:off x="2678915" y="1014786"/>
+            <a:ext cx="6527731" cy="4684974"/>
+          </a:xfrm>
+          <a:prstGeom prst="rect">
+            <a:avLst/>
+          </a:prstGeom>
+        </p:spPr>
+      </p:pic>
+    </p:spTree>
+    <p:extLst>
+      <p:ext uri="{BB962C8B-B14F-4D97-AF65-F5344CB8AC3E}">
+        <p14:creationId xmlns:p14="http://schemas.microsoft.com/office/powerpoint/2010/main" val="3340194559"/>
+      </p:ext>
+    </p:extLst>
+  </p:cSld>
+  <p:clrMapOvr>
+    <a:masterClrMapping/>
+  </p:clrMapOvr>
+</p:sld>
+</file>
+
+<file path=ppt/slides/slide19.xml><?xml version="1.0" encoding="utf-8"?>
 <p:sld xmlns:a="http://schemas.openxmlformats.org/drawingml/2006/main" xmlns:r="http://schemas.openxmlformats.org/officeDocument/2006/relationships" xmlns:p="http://schemas.openxmlformats.org/presentationml/2006/main">
   <p:cSld>
     <p:bg>
@@ -8724,7 +12205,7 @@
                 <a:ea typeface="+mn-ea"/>
                 <a:cs typeface="+mn-cs"/>
               </a:rPr>
-              <a:t>Labs 07-09</a:t>
+              <a:t>Labs 04-06</a:t>
             </a:r>
           </a:p>
         </p:txBody>
@@ -9242,7 +12723,7 @@
     </p:spTree>
     <p:extLst>
       <p:ext uri="{BB962C8B-B14F-4D97-AF65-F5344CB8AC3E}">
-        <p14:creationId xmlns:p14="http://schemas.microsoft.com/office/powerpoint/2010/main" val="921904081"/>
+        <p14:creationId xmlns:p14="http://schemas.microsoft.com/office/powerpoint/2010/main" val="3602864984"/>
       </p:ext>
     </p:extLst>
   </p:cSld>
@@ -9454,12 +12935,12 @@
 </p:sld>
 </file>
 
-<file path=ppt/slides/slide3.xml><?xml version="1.0" encoding="utf-8"?>
+<file path=ppt/slides/slide20.xml><?xml version="1.0" encoding="utf-8"?>
 <p:sld xmlns:a="http://schemas.openxmlformats.org/drawingml/2006/main" xmlns:r="http://schemas.openxmlformats.org/officeDocument/2006/relationships" xmlns:p="http://schemas.openxmlformats.org/presentationml/2006/main">
   <p:cSld>
     <p:spTree>
       <p:nvGrpSpPr>
-        <p:cNvPr id="1" name="Shape 67"/>
+        <p:cNvPr id="1" name=""/>
         <p:cNvGrpSpPr/>
         <p:nvPr/>
       </p:nvGrpSpPr>
@@ -9471,336 +12952,12 @@
           <a:chExt cx="0" cy="0"/>
         </a:xfrm>
       </p:grpSpPr>
-      <p:sp>
-        <p:nvSpPr>
-          <p:cNvPr id="68" name="Google Shape;68;p15"/>
-          <p:cNvSpPr txBox="1">
-            <a:spLocks noGrp="1"/>
-          </p:cNvSpPr>
-          <p:nvPr>
-            <p:ph type="title"/>
-          </p:nvPr>
-        </p:nvSpPr>
-        <p:spPr>
-          <a:xfrm>
-            <a:off x="415600" y="593367"/>
-            <a:ext cx="11360800" cy="763600"/>
-          </a:xfrm>
-          <a:prstGeom prst="rect">
-            <a:avLst/>
-          </a:prstGeom>
-        </p:spPr>
-        <p:txBody>
-          <a:bodyPr spcFirstLastPara="1" vert="horz" wrap="square" lIns="121900" tIns="121900" rIns="121900" bIns="121900" rtlCol="0" anchor="t" anchorCtr="0">
-            <a:noAutofit/>
-          </a:bodyPr>
-          <a:lstStyle/>
-          <a:p>
-            <a:r>
-              <a:rPr lang="nb-NO" dirty="0"/>
-              <a:t>Practical information</a:t>
-            </a:r>
-            <a:endParaRPr dirty="0"/>
-          </a:p>
-        </p:txBody>
-      </p:sp>
-      <p:sp>
-        <p:nvSpPr>
-          <p:cNvPr id="69" name="Google Shape;69;p15"/>
-          <p:cNvSpPr txBox="1">
-            <a:spLocks noGrp="1"/>
-          </p:cNvSpPr>
-          <p:nvPr>
-            <p:ph type="body" idx="1"/>
-          </p:nvPr>
-        </p:nvSpPr>
-        <p:spPr>
-          <a:xfrm>
-            <a:off x="415600" y="1536633"/>
-            <a:ext cx="11360800" cy="4555200"/>
-          </a:xfrm>
-          <a:prstGeom prst="rect">
-            <a:avLst/>
-          </a:prstGeom>
-        </p:spPr>
-        <p:txBody>
-          <a:bodyPr spcFirstLastPara="1" vert="horz" wrap="square" lIns="121900" tIns="121900" rIns="121900" bIns="121900" rtlCol="0" anchor="t" anchorCtr="0">
-            <a:noAutofit/>
-          </a:bodyPr>
-          <a:lstStyle/>
-          <a:p>
-            <a:pPr marL="380990" indent="-380990">
-              <a:spcAft>
-                <a:spcPts val="2133"/>
-              </a:spcAft>
-            </a:pPr>
-            <a:r>
-              <a:rPr lang="en-US" dirty="0"/>
-              <a:t>Mix of slides and labs with focus on labs</a:t>
-            </a:r>
-          </a:p>
-          <a:p>
-            <a:pPr marL="380990" indent="-380990">
-              <a:spcAft>
-                <a:spcPts val="2133"/>
-              </a:spcAft>
-            </a:pPr>
-            <a:r>
-              <a:rPr lang="en-US" dirty="0"/>
-              <a:t>I don’t have moderator</a:t>
-            </a:r>
-            <a:endParaRPr lang="en-US" dirty="0">
-              <a:sym typeface="Wingdings" panose="05000000000000000000" pitchFamily="2" charset="2"/>
-            </a:endParaRPr>
-          </a:p>
-          <a:p>
-            <a:pPr marL="380990" indent="-380990">
-              <a:spcAft>
-                <a:spcPts val="2133"/>
-              </a:spcAft>
-            </a:pPr>
-            <a:r>
-              <a:rPr lang="en-US" dirty="0">
-                <a:sym typeface="Wingdings" panose="05000000000000000000" pitchFamily="2" charset="2"/>
-              </a:rPr>
-              <a:t>Let’s help each other, the one who finished earlier can help others</a:t>
-            </a:r>
-          </a:p>
-          <a:p>
-            <a:pPr marL="380990" indent="-380990">
-              <a:spcAft>
-                <a:spcPts val="2133"/>
-              </a:spcAft>
-            </a:pPr>
-            <a:r>
-              <a:rPr lang="en-US" dirty="0">
-                <a:sym typeface="Wingdings" panose="05000000000000000000" pitchFamily="2" charset="2"/>
-              </a:rPr>
-              <a:t>Keep the same names as in labs -&gt; easier to troubleshot </a:t>
-            </a:r>
-            <a:endParaRPr lang="en-US" dirty="0"/>
-          </a:p>
-          <a:p>
-            <a:pPr marL="380990" indent="-380990">
-              <a:spcAft>
-                <a:spcPts val="2133"/>
-              </a:spcAft>
-            </a:pPr>
-            <a:r>
-              <a:rPr lang="en-US" dirty="0">
-                <a:sym typeface="Wingdings" panose="05000000000000000000" pitchFamily="2" charset="2"/>
-              </a:rPr>
-              <a:t>Share your screen if you stack with some issues</a:t>
-            </a:r>
-          </a:p>
-          <a:p>
-            <a:pPr marL="380990" indent="-380990">
-              <a:spcAft>
-                <a:spcPts val="2133"/>
-              </a:spcAft>
-            </a:pPr>
-            <a:r>
-              <a:rPr lang="en-US" dirty="0"/>
-              <a:t>Labs are available after the event</a:t>
-            </a:r>
-          </a:p>
-          <a:p>
-            <a:pPr marL="380990" indent="-380990">
-              <a:spcAft>
-                <a:spcPts val="2133"/>
-              </a:spcAft>
-            </a:pPr>
-            <a:endParaRPr lang="en-US" dirty="0"/>
-          </a:p>
-          <a:p>
-            <a:pPr marL="380990" indent="-380990">
-              <a:spcAft>
-                <a:spcPts val="2133"/>
-              </a:spcAft>
-            </a:pPr>
-            <a:endParaRPr lang="en-US" dirty="0"/>
-          </a:p>
-        </p:txBody>
-      </p:sp>
       <p:pic>
         <p:nvPicPr>
-          <p:cNvPr id="5" name="Google Shape;56;p13">
+          <p:cNvPr id="3" name="Picture 2">
             <a:extLst>
               <a:ext uri="{FF2B5EF4-FFF2-40B4-BE49-F238E27FC236}">
-                <a16:creationId xmlns:a16="http://schemas.microsoft.com/office/drawing/2014/main" id="{EF827ABA-BEE0-4CCD-A3C3-21D4EF756FDB}"/>
-              </a:ext>
-            </a:extLst>
-          </p:cNvPr>
-          <p:cNvPicPr preferRelativeResize="0"/>
-          <p:nvPr/>
-        </p:nvPicPr>
-        <p:blipFill>
-          <a:blip r:embed="rId3">
-            <a:alphaModFix/>
-          </a:blip>
-          <a:stretch>
-            <a:fillRect/>
-          </a:stretch>
-        </p:blipFill>
-        <p:spPr>
-          <a:xfrm>
-            <a:off x="10989179" y="5736492"/>
-            <a:ext cx="1202821" cy="1121508"/>
-          </a:xfrm>
-          <a:prstGeom prst="rect">
-            <a:avLst/>
-          </a:prstGeom>
-          <a:noFill/>
-          <a:ln>
-            <a:noFill/>
-          </a:ln>
-        </p:spPr>
-      </p:pic>
-    </p:spTree>
-  </p:cSld>
-  <p:clrMapOvr>
-    <a:masterClrMapping/>
-  </p:clrMapOvr>
-</p:sld>
-</file>
-
-<file path=ppt/slides/slide4.xml><?xml version="1.0" encoding="utf-8"?>
-<p:sld xmlns:a="http://schemas.openxmlformats.org/drawingml/2006/main" xmlns:r="http://schemas.openxmlformats.org/officeDocument/2006/relationships" xmlns:p="http://schemas.openxmlformats.org/presentationml/2006/main">
-  <p:cSld>
-    <p:spTree>
-      <p:nvGrpSpPr>
-        <p:cNvPr id="1" name="Shape 67"/>
-        <p:cNvGrpSpPr/>
-        <p:nvPr/>
-      </p:nvGrpSpPr>
-      <p:grpSpPr>
-        <a:xfrm>
-          <a:off x="0" y="0"/>
-          <a:ext cx="0" cy="0"/>
-          <a:chOff x="0" y="0"/>
-          <a:chExt cx="0" cy="0"/>
-        </a:xfrm>
-      </p:grpSpPr>
-      <p:sp>
-        <p:nvSpPr>
-          <p:cNvPr id="68" name="Google Shape;68;p15"/>
-          <p:cNvSpPr txBox="1">
-            <a:spLocks noGrp="1"/>
-          </p:cNvSpPr>
-          <p:nvPr>
-            <p:ph type="title"/>
-          </p:nvPr>
-        </p:nvSpPr>
-        <p:spPr>
-          <a:xfrm>
-            <a:off x="415600" y="593367"/>
-            <a:ext cx="11360800" cy="763600"/>
-          </a:xfrm>
-          <a:prstGeom prst="rect">
-            <a:avLst/>
-          </a:prstGeom>
-        </p:spPr>
-        <p:txBody>
-          <a:bodyPr spcFirstLastPara="1" vert="horz" wrap="square" lIns="121900" tIns="121900" rIns="121900" bIns="121900" rtlCol="0" anchor="t" anchorCtr="0">
-            <a:noAutofit/>
-          </a:bodyPr>
-          <a:lstStyle/>
-          <a:p>
-            <a:r>
-              <a:rPr lang="nb-NO" dirty="0"/>
-              <a:t>Microsoft Teams 101</a:t>
-            </a:r>
-            <a:endParaRPr dirty="0"/>
-          </a:p>
-        </p:txBody>
-      </p:sp>
-      <p:sp>
-        <p:nvSpPr>
-          <p:cNvPr id="69" name="Google Shape;69;p15"/>
-          <p:cNvSpPr txBox="1">
-            <a:spLocks noGrp="1"/>
-          </p:cNvSpPr>
-          <p:nvPr>
-            <p:ph type="body" idx="1"/>
-          </p:nvPr>
-        </p:nvSpPr>
-        <p:spPr>
-          <a:xfrm>
-            <a:off x="415600" y="1536633"/>
-            <a:ext cx="11360800" cy="4555200"/>
-          </a:xfrm>
-          <a:prstGeom prst="rect">
-            <a:avLst/>
-          </a:prstGeom>
-        </p:spPr>
-        <p:txBody>
-          <a:bodyPr spcFirstLastPara="1" vert="horz" wrap="square" lIns="121900" tIns="121900" rIns="121900" bIns="121900" rtlCol="0" anchor="t" anchorCtr="0">
-            <a:noAutofit/>
-          </a:bodyPr>
-          <a:lstStyle/>
-          <a:p>
-            <a:pPr marL="380990" indent="-380990">
-              <a:spcAft>
-                <a:spcPts val="2133"/>
-              </a:spcAft>
-            </a:pPr>
-            <a:r>
-              <a:rPr lang="en-US" dirty="0"/>
-              <a:t>Mute your mic (but don’t forget to unmute when you speak)</a:t>
-            </a:r>
-          </a:p>
-          <a:p>
-            <a:pPr marL="380990" indent="-380990">
-              <a:spcAft>
-                <a:spcPts val="2133"/>
-              </a:spcAft>
-            </a:pPr>
-            <a:r>
-              <a:rPr lang="en-US" dirty="0"/>
-              <a:t>Feel free to use video</a:t>
-            </a:r>
-          </a:p>
-          <a:p>
-            <a:pPr marL="380990" indent="-380990">
-              <a:spcAft>
-                <a:spcPts val="2133"/>
-              </a:spcAft>
-            </a:pPr>
-            <a:r>
-              <a:rPr lang="en-US" dirty="0"/>
-              <a:t>«Rise your hand» if you need some attention</a:t>
-            </a:r>
-          </a:p>
-          <a:p>
-            <a:pPr marL="380990" indent="-380990">
-              <a:spcAft>
-                <a:spcPts val="2133"/>
-              </a:spcAft>
-            </a:pPr>
-            <a:r>
-              <a:rPr lang="en-US" dirty="0"/>
-              <a:t>Conversation/chat</a:t>
-            </a:r>
-          </a:p>
-          <a:p>
-            <a:pPr marL="380990" indent="-380990">
-              <a:spcAft>
-                <a:spcPts val="2133"/>
-              </a:spcAft>
-            </a:pPr>
-            <a:r>
-              <a:rPr lang="en-US" dirty="0"/>
-              <a:t>Share screen </a:t>
-            </a:r>
-          </a:p>
-        </p:txBody>
-      </p:sp>
-      <p:pic>
-        <p:nvPicPr>
-          <p:cNvPr id="2" name="Picture 1">
-            <a:extLst>
-              <a:ext uri="{FF2B5EF4-FFF2-40B4-BE49-F238E27FC236}">
-                <a16:creationId xmlns:a16="http://schemas.microsoft.com/office/drawing/2014/main" id="{93FDAD15-0133-42CB-B22E-5EA0CBAB687B}"/>
+                <a16:creationId xmlns:a16="http://schemas.microsoft.com/office/drawing/2014/main" id="{CFAD4C39-42D6-45D1-9E0D-E17B5050B154}"/>
               </a:ext>
             </a:extLst>
           </p:cNvPr>
@@ -9817,102 +12974,8 @@
         </p:blipFill>
         <p:spPr>
           <a:xfrm>
-            <a:off x="3696563" y="3428999"/>
-            <a:ext cx="3637396" cy="819045"/>
-          </a:xfrm>
-          <a:prstGeom prst="rect">
-            <a:avLst/>
-          </a:prstGeom>
-        </p:spPr>
-      </p:pic>
-      <p:pic>
-        <p:nvPicPr>
-          <p:cNvPr id="3" name="Picture 2">
-            <a:extLst>
-              <a:ext uri="{FF2B5EF4-FFF2-40B4-BE49-F238E27FC236}">
-                <a16:creationId xmlns:a16="http://schemas.microsoft.com/office/drawing/2014/main" id="{8C84819E-A625-40F0-BCDC-E2DFEF111510}"/>
-              </a:ext>
-            </a:extLst>
-          </p:cNvPr>
-          <p:cNvPicPr>
-            <a:picLocks noChangeAspect="1"/>
-          </p:cNvPicPr>
-          <p:nvPr/>
-        </p:nvPicPr>
-        <p:blipFill>
-          <a:blip r:embed="rId4"/>
-          <a:stretch>
-            <a:fillRect/>
-          </a:stretch>
-        </p:blipFill>
-        <p:spPr>
-          <a:xfrm>
-            <a:off x="2803683" y="4618836"/>
-            <a:ext cx="3447472" cy="702531"/>
-          </a:xfrm>
-          <a:prstGeom prst="rect">
-            <a:avLst/>
-          </a:prstGeom>
-        </p:spPr>
-      </p:pic>
-      <p:pic>
-        <p:nvPicPr>
-          <p:cNvPr id="7" name="Google Shape;56;p13">
-            <a:extLst>
-              <a:ext uri="{FF2B5EF4-FFF2-40B4-BE49-F238E27FC236}">
-                <a16:creationId xmlns:a16="http://schemas.microsoft.com/office/drawing/2014/main" id="{C7C3329F-2340-4248-9990-99A2AC41C156}"/>
-              </a:ext>
-            </a:extLst>
-          </p:cNvPr>
-          <p:cNvPicPr preferRelativeResize="0"/>
-          <p:nvPr/>
-        </p:nvPicPr>
-        <p:blipFill>
-          <a:blip r:embed="rId5">
-            <a:alphaModFix/>
-          </a:blip>
-          <a:stretch>
-            <a:fillRect/>
-          </a:stretch>
-        </p:blipFill>
-        <p:spPr>
-          <a:xfrm>
-            <a:off x="10989179" y="5736492"/>
-            <a:ext cx="1202821" cy="1121508"/>
-          </a:xfrm>
-          <a:prstGeom prst="rect">
-            <a:avLst/>
-          </a:prstGeom>
-          <a:noFill/>
-          <a:ln>
-            <a:noFill/>
-          </a:ln>
-        </p:spPr>
-      </p:pic>
-      <p:pic>
-        <p:nvPicPr>
-          <p:cNvPr id="5" name="Picture 4">
-            <a:extLst>
-              <a:ext uri="{FF2B5EF4-FFF2-40B4-BE49-F238E27FC236}">
-                <a16:creationId xmlns:a16="http://schemas.microsoft.com/office/drawing/2014/main" id="{0811F3FE-AAEC-40BB-BF0A-BE959E311625}"/>
-              </a:ext>
-            </a:extLst>
-          </p:cNvPr>
-          <p:cNvPicPr>
-            <a:picLocks noChangeAspect="1"/>
-          </p:cNvPicPr>
-          <p:nvPr/>
-        </p:nvPicPr>
-        <p:blipFill>
-          <a:blip r:embed="rId6"/>
-          <a:stretch>
-            <a:fillRect/>
-          </a:stretch>
-        </p:blipFill>
-        <p:spPr>
-          <a:xfrm>
-            <a:off x="7521682" y="2482032"/>
-            <a:ext cx="4320914" cy="769687"/>
+            <a:off x="2678915" y="1014786"/>
+            <a:ext cx="6527731" cy="4684974"/>
           </a:xfrm>
           <a:prstGeom prst="rect">
             <a:avLst/>
@@ -9922,7 +12985,7 @@
     </p:spTree>
     <p:extLst>
       <p:ext uri="{BB962C8B-B14F-4D97-AF65-F5344CB8AC3E}">
-        <p14:creationId xmlns:p14="http://schemas.microsoft.com/office/powerpoint/2010/main" val="3861844443"/>
+        <p14:creationId xmlns:p14="http://schemas.microsoft.com/office/powerpoint/2010/main" val="3656194001"/>
       </p:ext>
     </p:extLst>
   </p:cSld>
@@ -9932,232 +12995,7 @@
 </p:sld>
 </file>
 
-<file path=ppt/slides/slide5.xml><?xml version="1.0" encoding="utf-8"?>
-<p:sld xmlns:a="http://schemas.openxmlformats.org/drawingml/2006/main" xmlns:r="http://schemas.openxmlformats.org/officeDocument/2006/relationships" xmlns:p="http://schemas.openxmlformats.org/presentationml/2006/main">
-  <p:cSld>
-    <p:spTree>
-      <p:nvGrpSpPr>
-        <p:cNvPr id="1" name="Shape 67"/>
-        <p:cNvGrpSpPr/>
-        <p:nvPr/>
-      </p:nvGrpSpPr>
-      <p:grpSpPr>
-        <a:xfrm>
-          <a:off x="0" y="0"/>
-          <a:ext cx="0" cy="0"/>
-          <a:chOff x="0" y="0"/>
-          <a:chExt cx="0" cy="0"/>
-        </a:xfrm>
-      </p:grpSpPr>
-      <p:sp>
-        <p:nvSpPr>
-          <p:cNvPr id="68" name="Google Shape;68;p15"/>
-          <p:cNvSpPr txBox="1">
-            <a:spLocks noGrp="1"/>
-          </p:cNvSpPr>
-          <p:nvPr>
-            <p:ph type="title"/>
-          </p:nvPr>
-        </p:nvSpPr>
-        <p:spPr>
-          <a:xfrm>
-            <a:off x="415600" y="593367"/>
-            <a:ext cx="11360800" cy="763600"/>
-          </a:xfrm>
-          <a:prstGeom prst="rect">
-            <a:avLst/>
-          </a:prstGeom>
-        </p:spPr>
-        <p:txBody>
-          <a:bodyPr spcFirstLastPara="1" vert="horz" wrap="square" lIns="121900" tIns="121900" rIns="121900" bIns="121900" rtlCol="0" anchor="t" anchorCtr="0">
-            <a:noAutofit/>
-          </a:bodyPr>
-          <a:lstStyle/>
-          <a:p>
-            <a:r>
-              <a:rPr lang="nb-NO" dirty="0"/>
-              <a:t>Practical information</a:t>
-            </a:r>
-            <a:endParaRPr dirty="0"/>
-          </a:p>
-        </p:txBody>
-      </p:sp>
-      <p:sp>
-        <p:nvSpPr>
-          <p:cNvPr id="69" name="Google Shape;69;p15"/>
-          <p:cNvSpPr txBox="1">
-            <a:spLocks noGrp="1"/>
-          </p:cNvSpPr>
-          <p:nvPr>
-            <p:ph type="body" idx="1"/>
-          </p:nvPr>
-        </p:nvSpPr>
-        <p:spPr>
-          <a:xfrm>
-            <a:off x="415600" y="1536633"/>
-            <a:ext cx="11360800" cy="4555200"/>
-          </a:xfrm>
-          <a:prstGeom prst="rect">
-            <a:avLst/>
-          </a:prstGeom>
-        </p:spPr>
-        <p:txBody>
-          <a:bodyPr spcFirstLastPara="1" vert="horz" wrap="square" lIns="121900" tIns="121900" rIns="121900" bIns="121900" rtlCol="0" anchor="t" anchorCtr="0">
-            <a:noAutofit/>
-          </a:bodyPr>
-          <a:lstStyle/>
-          <a:p>
-            <a:pPr marL="380990" indent="-380990">
-              <a:spcAft>
-                <a:spcPts val="2133"/>
-              </a:spcAft>
-            </a:pPr>
-            <a:r>
-              <a:rPr lang="en-US" dirty="0"/>
-              <a:t>Each lab is time-boxed (</a:t>
-            </a:r>
-            <a:r>
-              <a:rPr lang="en-US" dirty="0" err="1"/>
-              <a:t>ish</a:t>
-            </a:r>
-            <a:r>
-              <a:rPr lang="en-US" dirty="0"/>
-              <a:t>…)</a:t>
-            </a:r>
-          </a:p>
-          <a:p>
-            <a:pPr marL="380990" indent="-380990">
-              <a:spcAft>
-                <a:spcPts val="2133"/>
-              </a:spcAft>
-            </a:pPr>
-            <a:r>
-              <a:rPr lang="en-US" dirty="0"/>
-              <a:t>When you done with lab, post to the Conversation channel </a:t>
-            </a:r>
-          </a:p>
-          <a:p>
-            <a:pPr marL="0" indent="0">
-              <a:spcAft>
-                <a:spcPts val="2133"/>
-              </a:spcAft>
-              <a:buNone/>
-            </a:pPr>
-            <a:r>
-              <a:rPr lang="en-US" dirty="0"/>
-              <a:t>	lab-01 (lab-02, lab-03 </a:t>
-            </a:r>
-            <a:r>
-              <a:rPr lang="en-US" dirty="0" err="1"/>
-              <a:t>etc</a:t>
-            </a:r>
-            <a:r>
-              <a:rPr lang="en-US" dirty="0"/>
-              <a:t>…)</a:t>
-            </a:r>
-          </a:p>
-          <a:p>
-            <a:pPr marL="380990" indent="-380990">
-              <a:spcAft>
-                <a:spcPts val="2133"/>
-              </a:spcAft>
-            </a:pPr>
-            <a:r>
-              <a:rPr lang="en-US" dirty="0"/>
-              <a:t>Feel free to contribute to the labs content by fixing gramma, typos, wrong commands etc..</a:t>
-            </a:r>
-          </a:p>
-          <a:p>
-            <a:pPr marL="380990" indent="-380990">
-              <a:spcAft>
-                <a:spcPts val="2133"/>
-              </a:spcAft>
-            </a:pPr>
-            <a:r>
-              <a:rPr lang="en-US" dirty="0"/>
-              <a:t>Feel free to comment on each lab  </a:t>
-            </a:r>
-          </a:p>
-        </p:txBody>
-      </p:sp>
-      <p:pic>
-        <p:nvPicPr>
-          <p:cNvPr id="5" name="Google Shape;56;p13">
-            <a:extLst>
-              <a:ext uri="{FF2B5EF4-FFF2-40B4-BE49-F238E27FC236}">
-                <a16:creationId xmlns:a16="http://schemas.microsoft.com/office/drawing/2014/main" id="{81B3B5C5-01A2-434D-A011-DC806F05B875}"/>
-              </a:ext>
-            </a:extLst>
-          </p:cNvPr>
-          <p:cNvPicPr preferRelativeResize="0"/>
-          <p:nvPr/>
-        </p:nvPicPr>
-        <p:blipFill>
-          <a:blip r:embed="rId3">
-            <a:alphaModFix/>
-          </a:blip>
-          <a:stretch>
-            <a:fillRect/>
-          </a:stretch>
-        </p:blipFill>
-        <p:spPr>
-          <a:xfrm>
-            <a:off x="10989179" y="5736492"/>
-            <a:ext cx="1202821" cy="1121508"/>
-          </a:xfrm>
-          <a:prstGeom prst="rect">
-            <a:avLst/>
-          </a:prstGeom>
-          <a:noFill/>
-          <a:ln>
-            <a:noFill/>
-          </a:ln>
-        </p:spPr>
-      </p:pic>
-      <p:pic>
-        <p:nvPicPr>
-          <p:cNvPr id="7" name="Picture 6">
-            <a:extLst>
-              <a:ext uri="{FF2B5EF4-FFF2-40B4-BE49-F238E27FC236}">
-                <a16:creationId xmlns:a16="http://schemas.microsoft.com/office/drawing/2014/main" id="{E7BDC0C7-9E31-40D3-BDD6-1ADA514B463B}"/>
-              </a:ext>
-            </a:extLst>
-          </p:cNvPr>
-          <p:cNvPicPr>
-            <a:picLocks noChangeAspect="1"/>
-          </p:cNvPicPr>
-          <p:nvPr/>
-        </p:nvPicPr>
-        <p:blipFill>
-          <a:blip r:embed="rId4"/>
-          <a:stretch>
-            <a:fillRect/>
-          </a:stretch>
-        </p:blipFill>
-        <p:spPr>
-          <a:xfrm>
-            <a:off x="5831840" y="4876672"/>
-            <a:ext cx="3897978" cy="1226595"/>
-          </a:xfrm>
-          <a:prstGeom prst="rect">
-            <a:avLst/>
-          </a:prstGeom>
-        </p:spPr>
-      </p:pic>
-    </p:spTree>
-    <p:extLst>
-      <p:ext uri="{BB962C8B-B14F-4D97-AF65-F5344CB8AC3E}">
-        <p14:creationId xmlns:p14="http://schemas.microsoft.com/office/powerpoint/2010/main" val="1022140202"/>
-      </p:ext>
-    </p:extLst>
-  </p:cSld>
-  <p:clrMapOvr>
-    <a:masterClrMapping/>
-  </p:clrMapOvr>
-</p:sld>
-</file>
-
-<file path=ppt/slides/slide6.xml><?xml version="1.0" encoding="utf-8"?>
+<file path=ppt/slides/slide21.xml><?xml version="1.0" encoding="utf-8"?>
 <p:sld xmlns:a="http://schemas.openxmlformats.org/drawingml/2006/main" xmlns:r="http://schemas.openxmlformats.org/officeDocument/2006/relationships" xmlns:p="http://schemas.openxmlformats.org/presentationml/2006/main">
   <p:cSld>
     <p:bg>
@@ -10751,8 +13589,8 @@
         </p:nvSpPr>
         <p:spPr>
           <a:xfrm>
-            <a:off x="614234" y="2354401"/>
-            <a:ext cx="4274710" cy="1522755"/>
+            <a:off x="748346" y="3545158"/>
+            <a:ext cx="6171566" cy="2581322"/>
           </a:xfrm>
           <a:prstGeom prst="rect">
             <a:avLst/>
@@ -10782,23 +13620,6 @@
               <a:defRPr/>
             </a:pPr>
             <a:r>
-              <a:rPr kumimoji="0" lang="en-US" sz="4200" b="0" i="0" u="none" strike="noStrike" kern="1200" cap="none" spc="0" normalizeH="0" baseline="0" noProof="0" dirty="0" err="1">
-                <a:ln>
-                  <a:noFill/>
-                </a:ln>
-                <a:solidFill>
-                  <a:prstClr val="black"/>
-                </a:solidFill>
-                <a:effectLst/>
-                <a:uLnTx/>
-                <a:uFillTx/>
-                <a:latin typeface="Calibri Light" panose="020F0302020204030204"/>
-                <a:ea typeface="+mn-ea"/>
-                <a:cs typeface="+mn-cs"/>
-              </a:rPr>
-              <a:t>GitOps</a:t>
-            </a:r>
-            <a:r>
               <a:rPr kumimoji="0" lang="en-US" sz="4200" b="0" i="0" u="none" strike="noStrike" kern="1200" cap="none" spc="0" normalizeH="0" baseline="0" noProof="0" dirty="0">
                 <a:ln>
                   <a:noFill/>
@@ -10813,7 +13634,7 @@
                 <a:ea typeface="+mn-ea"/>
                 <a:cs typeface="+mn-cs"/>
               </a:rPr>
-              <a:t> with Flux</a:t>
+              <a:t>How to structure your repository?</a:t>
             </a:r>
           </a:p>
         </p:txBody>
@@ -11331,7 +14152,7 @@
     </p:spTree>
     <p:extLst>
       <p:ext uri="{BB962C8B-B14F-4D97-AF65-F5344CB8AC3E}">
-        <p14:creationId xmlns:p14="http://schemas.microsoft.com/office/powerpoint/2010/main" val="3576179569"/>
+        <p14:creationId xmlns:p14="http://schemas.microsoft.com/office/powerpoint/2010/main" val="3904717136"/>
       </p:ext>
     </p:extLst>
   </p:cSld>
@@ -11341,7 +14162,7 @@
 </p:sld>
 </file>
 
-<file path=ppt/slides/slide7.xml><?xml version="1.0" encoding="utf-8"?>
+<file path=ppt/slides/slide22.xml><?xml version="1.0" encoding="utf-8"?>
 <p:sld xmlns:a="http://schemas.openxmlformats.org/drawingml/2006/main" xmlns:r="http://schemas.openxmlformats.org/officeDocument/2006/relationships" xmlns:p="http://schemas.openxmlformats.org/presentationml/2006/main">
   <p:cSld>
     <p:bg>
@@ -11980,7 +14801,7 @@
                 <a:ea typeface="+mn-ea"/>
                 <a:cs typeface="+mn-cs"/>
               </a:rPr>
-              <a:t>Labs 01-04</a:t>
+              <a:t>Labs 07-09</a:t>
             </a:r>
           </a:p>
         </p:txBody>
@@ -12498,7 +15319,7 @@
     </p:spTree>
     <p:extLst>
       <p:ext uri="{BB962C8B-B14F-4D97-AF65-F5344CB8AC3E}">
-        <p14:creationId xmlns:p14="http://schemas.microsoft.com/office/powerpoint/2010/main" val="3228749532"/>
+        <p14:creationId xmlns:p14="http://schemas.microsoft.com/office/powerpoint/2010/main" val="921904081"/>
       </p:ext>
     </p:extLst>
   </p:cSld>
@@ -12508,12 +15329,12 @@
 </p:sld>
 </file>
 
-<file path=ppt/slides/slide8.xml><?xml version="1.0" encoding="utf-8"?>
+<file path=ppt/slides/slide3.xml><?xml version="1.0" encoding="utf-8"?>
 <p:sld xmlns:a="http://schemas.openxmlformats.org/drawingml/2006/main" xmlns:r="http://schemas.openxmlformats.org/officeDocument/2006/relationships" xmlns:p="http://schemas.openxmlformats.org/presentationml/2006/main">
   <p:cSld>
     <p:spTree>
       <p:nvGrpSpPr>
-        <p:cNvPr id="1" name=""/>
+        <p:cNvPr id="1" name="Shape 67"/>
         <p:cNvGrpSpPr/>
         <p:nvPr/>
       </p:nvGrpSpPr>
@@ -12525,12 +15346,336 @@
           <a:chExt cx="0" cy="0"/>
         </a:xfrm>
       </p:grpSpPr>
+      <p:sp>
+        <p:nvSpPr>
+          <p:cNvPr id="68" name="Google Shape;68;p15"/>
+          <p:cNvSpPr txBox="1">
+            <a:spLocks noGrp="1"/>
+          </p:cNvSpPr>
+          <p:nvPr>
+            <p:ph type="title"/>
+          </p:nvPr>
+        </p:nvSpPr>
+        <p:spPr>
+          <a:xfrm>
+            <a:off x="415600" y="593367"/>
+            <a:ext cx="11360800" cy="763600"/>
+          </a:xfrm>
+          <a:prstGeom prst="rect">
+            <a:avLst/>
+          </a:prstGeom>
+        </p:spPr>
+        <p:txBody>
+          <a:bodyPr spcFirstLastPara="1" vert="horz" wrap="square" lIns="121900" tIns="121900" rIns="121900" bIns="121900" rtlCol="0" anchor="t" anchorCtr="0">
+            <a:noAutofit/>
+          </a:bodyPr>
+          <a:lstStyle/>
+          <a:p>
+            <a:r>
+              <a:rPr lang="nb-NO" dirty="0"/>
+              <a:t>Practical information</a:t>
+            </a:r>
+            <a:endParaRPr dirty="0"/>
+          </a:p>
+        </p:txBody>
+      </p:sp>
+      <p:sp>
+        <p:nvSpPr>
+          <p:cNvPr id="69" name="Google Shape;69;p15"/>
+          <p:cNvSpPr txBox="1">
+            <a:spLocks noGrp="1"/>
+          </p:cNvSpPr>
+          <p:nvPr>
+            <p:ph type="body" idx="1"/>
+          </p:nvPr>
+        </p:nvSpPr>
+        <p:spPr>
+          <a:xfrm>
+            <a:off x="415600" y="1536633"/>
+            <a:ext cx="11360800" cy="4555200"/>
+          </a:xfrm>
+          <a:prstGeom prst="rect">
+            <a:avLst/>
+          </a:prstGeom>
+        </p:spPr>
+        <p:txBody>
+          <a:bodyPr spcFirstLastPara="1" vert="horz" wrap="square" lIns="121900" tIns="121900" rIns="121900" bIns="121900" rtlCol="0" anchor="t" anchorCtr="0">
+            <a:noAutofit/>
+          </a:bodyPr>
+          <a:lstStyle/>
+          <a:p>
+            <a:pPr marL="380990" indent="-380990">
+              <a:spcAft>
+                <a:spcPts val="2133"/>
+              </a:spcAft>
+            </a:pPr>
+            <a:r>
+              <a:rPr lang="en-US" dirty="0"/>
+              <a:t>Mix of slides and labs with focus on labs</a:t>
+            </a:r>
+          </a:p>
+          <a:p>
+            <a:pPr marL="380990" indent="-380990">
+              <a:spcAft>
+                <a:spcPts val="2133"/>
+              </a:spcAft>
+            </a:pPr>
+            <a:r>
+              <a:rPr lang="en-US" dirty="0"/>
+              <a:t>I don’t have moderator</a:t>
+            </a:r>
+            <a:endParaRPr lang="en-US" dirty="0">
+              <a:sym typeface="Wingdings" panose="05000000000000000000" pitchFamily="2" charset="2"/>
+            </a:endParaRPr>
+          </a:p>
+          <a:p>
+            <a:pPr marL="380990" indent="-380990">
+              <a:spcAft>
+                <a:spcPts val="2133"/>
+              </a:spcAft>
+            </a:pPr>
+            <a:r>
+              <a:rPr lang="en-US" dirty="0">
+                <a:sym typeface="Wingdings" panose="05000000000000000000" pitchFamily="2" charset="2"/>
+              </a:rPr>
+              <a:t>Let’s help each other, the one who finished earlier can help others</a:t>
+            </a:r>
+          </a:p>
+          <a:p>
+            <a:pPr marL="380990" indent="-380990">
+              <a:spcAft>
+                <a:spcPts val="2133"/>
+              </a:spcAft>
+            </a:pPr>
+            <a:r>
+              <a:rPr lang="en-US" dirty="0">
+                <a:sym typeface="Wingdings" panose="05000000000000000000" pitchFamily="2" charset="2"/>
+              </a:rPr>
+              <a:t>Keep the same names as in labs -&gt; easier to troubleshot </a:t>
+            </a:r>
+            <a:endParaRPr lang="en-US" dirty="0"/>
+          </a:p>
+          <a:p>
+            <a:pPr marL="380990" indent="-380990">
+              <a:spcAft>
+                <a:spcPts val="2133"/>
+              </a:spcAft>
+            </a:pPr>
+            <a:r>
+              <a:rPr lang="en-US" dirty="0">
+                <a:sym typeface="Wingdings" panose="05000000000000000000" pitchFamily="2" charset="2"/>
+              </a:rPr>
+              <a:t>Share your screen if you stack with some issues</a:t>
+            </a:r>
+          </a:p>
+          <a:p>
+            <a:pPr marL="380990" indent="-380990">
+              <a:spcAft>
+                <a:spcPts val="2133"/>
+              </a:spcAft>
+            </a:pPr>
+            <a:r>
+              <a:rPr lang="en-US" dirty="0"/>
+              <a:t>Labs are available after the event</a:t>
+            </a:r>
+          </a:p>
+          <a:p>
+            <a:pPr marL="380990" indent="-380990">
+              <a:spcAft>
+                <a:spcPts val="2133"/>
+              </a:spcAft>
+            </a:pPr>
+            <a:endParaRPr lang="en-US" dirty="0"/>
+          </a:p>
+          <a:p>
+            <a:pPr marL="380990" indent="-380990">
+              <a:spcAft>
+                <a:spcPts val="2133"/>
+              </a:spcAft>
+            </a:pPr>
+            <a:endParaRPr lang="en-US" dirty="0"/>
+          </a:p>
+        </p:txBody>
+      </p:sp>
       <p:pic>
         <p:nvPicPr>
-          <p:cNvPr id="3" name="Picture 2">
+          <p:cNvPr id="5" name="Google Shape;56;p13">
             <a:extLst>
               <a:ext uri="{FF2B5EF4-FFF2-40B4-BE49-F238E27FC236}">
-                <a16:creationId xmlns:a16="http://schemas.microsoft.com/office/drawing/2014/main" id="{CFAD4C39-42D6-45D1-9E0D-E17B5050B154}"/>
+                <a16:creationId xmlns:a16="http://schemas.microsoft.com/office/drawing/2014/main" id="{EF827ABA-BEE0-4CCD-A3C3-21D4EF756FDB}"/>
+              </a:ext>
+            </a:extLst>
+          </p:cNvPr>
+          <p:cNvPicPr preferRelativeResize="0"/>
+          <p:nvPr/>
+        </p:nvPicPr>
+        <p:blipFill>
+          <a:blip r:embed="rId3">
+            <a:alphaModFix/>
+          </a:blip>
+          <a:stretch>
+            <a:fillRect/>
+          </a:stretch>
+        </p:blipFill>
+        <p:spPr>
+          <a:xfrm>
+            <a:off x="10989179" y="5736492"/>
+            <a:ext cx="1202821" cy="1121508"/>
+          </a:xfrm>
+          <a:prstGeom prst="rect">
+            <a:avLst/>
+          </a:prstGeom>
+          <a:noFill/>
+          <a:ln>
+            <a:noFill/>
+          </a:ln>
+        </p:spPr>
+      </p:pic>
+    </p:spTree>
+  </p:cSld>
+  <p:clrMapOvr>
+    <a:masterClrMapping/>
+  </p:clrMapOvr>
+</p:sld>
+</file>
+
+<file path=ppt/slides/slide4.xml><?xml version="1.0" encoding="utf-8"?>
+<p:sld xmlns:a="http://schemas.openxmlformats.org/drawingml/2006/main" xmlns:r="http://schemas.openxmlformats.org/officeDocument/2006/relationships" xmlns:p="http://schemas.openxmlformats.org/presentationml/2006/main">
+  <p:cSld>
+    <p:spTree>
+      <p:nvGrpSpPr>
+        <p:cNvPr id="1" name="Shape 67"/>
+        <p:cNvGrpSpPr/>
+        <p:nvPr/>
+      </p:nvGrpSpPr>
+      <p:grpSpPr>
+        <a:xfrm>
+          <a:off x="0" y="0"/>
+          <a:ext cx="0" cy="0"/>
+          <a:chOff x="0" y="0"/>
+          <a:chExt cx="0" cy="0"/>
+        </a:xfrm>
+      </p:grpSpPr>
+      <p:sp>
+        <p:nvSpPr>
+          <p:cNvPr id="68" name="Google Shape;68;p15"/>
+          <p:cNvSpPr txBox="1">
+            <a:spLocks noGrp="1"/>
+          </p:cNvSpPr>
+          <p:nvPr>
+            <p:ph type="title"/>
+          </p:nvPr>
+        </p:nvSpPr>
+        <p:spPr>
+          <a:xfrm>
+            <a:off x="415600" y="593367"/>
+            <a:ext cx="11360800" cy="763600"/>
+          </a:xfrm>
+          <a:prstGeom prst="rect">
+            <a:avLst/>
+          </a:prstGeom>
+        </p:spPr>
+        <p:txBody>
+          <a:bodyPr spcFirstLastPara="1" vert="horz" wrap="square" lIns="121900" tIns="121900" rIns="121900" bIns="121900" rtlCol="0" anchor="t" anchorCtr="0">
+            <a:noAutofit/>
+          </a:bodyPr>
+          <a:lstStyle/>
+          <a:p>
+            <a:r>
+              <a:rPr lang="nb-NO" dirty="0"/>
+              <a:t>Microsoft Teams 101</a:t>
+            </a:r>
+            <a:endParaRPr dirty="0"/>
+          </a:p>
+        </p:txBody>
+      </p:sp>
+      <p:sp>
+        <p:nvSpPr>
+          <p:cNvPr id="69" name="Google Shape;69;p15"/>
+          <p:cNvSpPr txBox="1">
+            <a:spLocks noGrp="1"/>
+          </p:cNvSpPr>
+          <p:nvPr>
+            <p:ph type="body" idx="1"/>
+          </p:nvPr>
+        </p:nvSpPr>
+        <p:spPr>
+          <a:xfrm>
+            <a:off x="415600" y="1536633"/>
+            <a:ext cx="11360800" cy="4555200"/>
+          </a:xfrm>
+          <a:prstGeom prst="rect">
+            <a:avLst/>
+          </a:prstGeom>
+        </p:spPr>
+        <p:txBody>
+          <a:bodyPr spcFirstLastPara="1" vert="horz" wrap="square" lIns="121900" tIns="121900" rIns="121900" bIns="121900" rtlCol="0" anchor="t" anchorCtr="0">
+            <a:noAutofit/>
+          </a:bodyPr>
+          <a:lstStyle/>
+          <a:p>
+            <a:pPr marL="380990" indent="-380990">
+              <a:spcAft>
+                <a:spcPts val="2133"/>
+              </a:spcAft>
+            </a:pPr>
+            <a:r>
+              <a:rPr lang="en-US" dirty="0"/>
+              <a:t>Mute your mic (but don’t forget to unmute when you speak)</a:t>
+            </a:r>
+          </a:p>
+          <a:p>
+            <a:pPr marL="380990" indent="-380990">
+              <a:spcAft>
+                <a:spcPts val="2133"/>
+              </a:spcAft>
+            </a:pPr>
+            <a:r>
+              <a:rPr lang="en-US" dirty="0"/>
+              <a:t>Feel free to use video</a:t>
+            </a:r>
+          </a:p>
+          <a:p>
+            <a:pPr marL="380990" indent="-380990">
+              <a:spcAft>
+                <a:spcPts val="2133"/>
+              </a:spcAft>
+            </a:pPr>
+            <a:r>
+              <a:rPr lang="en-US" dirty="0"/>
+              <a:t>«Rise your hand» if you need some attention</a:t>
+            </a:r>
+          </a:p>
+          <a:p>
+            <a:pPr marL="380990" indent="-380990">
+              <a:spcAft>
+                <a:spcPts val="2133"/>
+              </a:spcAft>
+            </a:pPr>
+            <a:r>
+              <a:rPr lang="en-US" dirty="0"/>
+              <a:t>Conversation/chat</a:t>
+            </a:r>
+          </a:p>
+          <a:p>
+            <a:pPr marL="380990" indent="-380990">
+              <a:spcAft>
+                <a:spcPts val="2133"/>
+              </a:spcAft>
+            </a:pPr>
+            <a:r>
+              <a:rPr lang="en-US" dirty="0"/>
+              <a:t>Share screen </a:t>
+            </a:r>
+          </a:p>
+        </p:txBody>
+      </p:sp>
+      <p:pic>
+        <p:nvPicPr>
+          <p:cNvPr id="2" name="Picture 1">
+            <a:extLst>
+              <a:ext uri="{FF2B5EF4-FFF2-40B4-BE49-F238E27FC236}">
+                <a16:creationId xmlns:a16="http://schemas.microsoft.com/office/drawing/2014/main" id="{93FDAD15-0133-42CB-B22E-5EA0CBAB687B}"/>
               </a:ext>
             </a:extLst>
           </p:cNvPr>
@@ -12547,8 +15692,102 @@
         </p:blipFill>
         <p:spPr>
           <a:xfrm>
-            <a:off x="2678915" y="1014786"/>
-            <a:ext cx="6527731" cy="4684974"/>
+            <a:off x="3696563" y="3428999"/>
+            <a:ext cx="3637396" cy="819045"/>
+          </a:xfrm>
+          <a:prstGeom prst="rect">
+            <a:avLst/>
+          </a:prstGeom>
+        </p:spPr>
+      </p:pic>
+      <p:pic>
+        <p:nvPicPr>
+          <p:cNvPr id="3" name="Picture 2">
+            <a:extLst>
+              <a:ext uri="{FF2B5EF4-FFF2-40B4-BE49-F238E27FC236}">
+                <a16:creationId xmlns:a16="http://schemas.microsoft.com/office/drawing/2014/main" id="{8C84819E-A625-40F0-BCDC-E2DFEF111510}"/>
+              </a:ext>
+            </a:extLst>
+          </p:cNvPr>
+          <p:cNvPicPr>
+            <a:picLocks noChangeAspect="1"/>
+          </p:cNvPicPr>
+          <p:nvPr/>
+        </p:nvPicPr>
+        <p:blipFill>
+          <a:blip r:embed="rId4"/>
+          <a:stretch>
+            <a:fillRect/>
+          </a:stretch>
+        </p:blipFill>
+        <p:spPr>
+          <a:xfrm>
+            <a:off x="2803683" y="4618836"/>
+            <a:ext cx="3447472" cy="702531"/>
+          </a:xfrm>
+          <a:prstGeom prst="rect">
+            <a:avLst/>
+          </a:prstGeom>
+        </p:spPr>
+      </p:pic>
+      <p:pic>
+        <p:nvPicPr>
+          <p:cNvPr id="7" name="Google Shape;56;p13">
+            <a:extLst>
+              <a:ext uri="{FF2B5EF4-FFF2-40B4-BE49-F238E27FC236}">
+                <a16:creationId xmlns:a16="http://schemas.microsoft.com/office/drawing/2014/main" id="{C7C3329F-2340-4248-9990-99A2AC41C156}"/>
+              </a:ext>
+            </a:extLst>
+          </p:cNvPr>
+          <p:cNvPicPr preferRelativeResize="0"/>
+          <p:nvPr/>
+        </p:nvPicPr>
+        <p:blipFill>
+          <a:blip r:embed="rId5">
+            <a:alphaModFix/>
+          </a:blip>
+          <a:stretch>
+            <a:fillRect/>
+          </a:stretch>
+        </p:blipFill>
+        <p:spPr>
+          <a:xfrm>
+            <a:off x="10989179" y="5736492"/>
+            <a:ext cx="1202821" cy="1121508"/>
+          </a:xfrm>
+          <a:prstGeom prst="rect">
+            <a:avLst/>
+          </a:prstGeom>
+          <a:noFill/>
+          <a:ln>
+            <a:noFill/>
+          </a:ln>
+        </p:spPr>
+      </p:pic>
+      <p:pic>
+        <p:nvPicPr>
+          <p:cNvPr id="5" name="Picture 4">
+            <a:extLst>
+              <a:ext uri="{FF2B5EF4-FFF2-40B4-BE49-F238E27FC236}">
+                <a16:creationId xmlns:a16="http://schemas.microsoft.com/office/drawing/2014/main" id="{0811F3FE-AAEC-40BB-BF0A-BE959E311625}"/>
+              </a:ext>
+            </a:extLst>
+          </p:cNvPr>
+          <p:cNvPicPr>
+            <a:picLocks noChangeAspect="1"/>
+          </p:cNvPicPr>
+          <p:nvPr/>
+        </p:nvPicPr>
+        <p:blipFill>
+          <a:blip r:embed="rId6"/>
+          <a:stretch>
+            <a:fillRect/>
+          </a:stretch>
+        </p:blipFill>
+        <p:spPr>
+          <a:xfrm>
+            <a:off x="7521682" y="2482032"/>
+            <a:ext cx="4320914" cy="769687"/>
           </a:xfrm>
           <a:prstGeom prst="rect">
             <a:avLst/>
@@ -12558,7 +15797,7 @@
     </p:spTree>
     <p:extLst>
       <p:ext uri="{BB962C8B-B14F-4D97-AF65-F5344CB8AC3E}">
-        <p14:creationId xmlns:p14="http://schemas.microsoft.com/office/powerpoint/2010/main" val="3340194559"/>
+        <p14:creationId xmlns:p14="http://schemas.microsoft.com/office/powerpoint/2010/main" val="3861844443"/>
       </p:ext>
     </p:extLst>
   </p:cSld>
@@ -12568,7 +15807,232 @@
 </p:sld>
 </file>
 
-<file path=ppt/slides/slide9.xml><?xml version="1.0" encoding="utf-8"?>
+<file path=ppt/slides/slide5.xml><?xml version="1.0" encoding="utf-8"?>
+<p:sld xmlns:a="http://schemas.openxmlformats.org/drawingml/2006/main" xmlns:r="http://schemas.openxmlformats.org/officeDocument/2006/relationships" xmlns:p="http://schemas.openxmlformats.org/presentationml/2006/main">
+  <p:cSld>
+    <p:spTree>
+      <p:nvGrpSpPr>
+        <p:cNvPr id="1" name="Shape 67"/>
+        <p:cNvGrpSpPr/>
+        <p:nvPr/>
+      </p:nvGrpSpPr>
+      <p:grpSpPr>
+        <a:xfrm>
+          <a:off x="0" y="0"/>
+          <a:ext cx="0" cy="0"/>
+          <a:chOff x="0" y="0"/>
+          <a:chExt cx="0" cy="0"/>
+        </a:xfrm>
+      </p:grpSpPr>
+      <p:sp>
+        <p:nvSpPr>
+          <p:cNvPr id="68" name="Google Shape;68;p15"/>
+          <p:cNvSpPr txBox="1">
+            <a:spLocks noGrp="1"/>
+          </p:cNvSpPr>
+          <p:nvPr>
+            <p:ph type="title"/>
+          </p:nvPr>
+        </p:nvSpPr>
+        <p:spPr>
+          <a:xfrm>
+            <a:off x="415600" y="593367"/>
+            <a:ext cx="11360800" cy="763600"/>
+          </a:xfrm>
+          <a:prstGeom prst="rect">
+            <a:avLst/>
+          </a:prstGeom>
+        </p:spPr>
+        <p:txBody>
+          <a:bodyPr spcFirstLastPara="1" vert="horz" wrap="square" lIns="121900" tIns="121900" rIns="121900" bIns="121900" rtlCol="0" anchor="t" anchorCtr="0">
+            <a:noAutofit/>
+          </a:bodyPr>
+          <a:lstStyle/>
+          <a:p>
+            <a:r>
+              <a:rPr lang="nb-NO" dirty="0"/>
+              <a:t>Practical information</a:t>
+            </a:r>
+            <a:endParaRPr dirty="0"/>
+          </a:p>
+        </p:txBody>
+      </p:sp>
+      <p:sp>
+        <p:nvSpPr>
+          <p:cNvPr id="69" name="Google Shape;69;p15"/>
+          <p:cNvSpPr txBox="1">
+            <a:spLocks noGrp="1"/>
+          </p:cNvSpPr>
+          <p:nvPr>
+            <p:ph type="body" idx="1"/>
+          </p:nvPr>
+        </p:nvSpPr>
+        <p:spPr>
+          <a:xfrm>
+            <a:off x="415600" y="1536633"/>
+            <a:ext cx="11360800" cy="4555200"/>
+          </a:xfrm>
+          <a:prstGeom prst="rect">
+            <a:avLst/>
+          </a:prstGeom>
+        </p:spPr>
+        <p:txBody>
+          <a:bodyPr spcFirstLastPara="1" vert="horz" wrap="square" lIns="121900" tIns="121900" rIns="121900" bIns="121900" rtlCol="0" anchor="t" anchorCtr="0">
+            <a:noAutofit/>
+          </a:bodyPr>
+          <a:lstStyle/>
+          <a:p>
+            <a:pPr marL="380990" indent="-380990">
+              <a:spcAft>
+                <a:spcPts val="2133"/>
+              </a:spcAft>
+            </a:pPr>
+            <a:r>
+              <a:rPr lang="en-US" dirty="0"/>
+              <a:t>Each lab is time-boxed (</a:t>
+            </a:r>
+            <a:r>
+              <a:rPr lang="en-US" dirty="0" err="1"/>
+              <a:t>ish</a:t>
+            </a:r>
+            <a:r>
+              <a:rPr lang="en-US" dirty="0"/>
+              <a:t>…)</a:t>
+            </a:r>
+          </a:p>
+          <a:p>
+            <a:pPr marL="380990" indent="-380990">
+              <a:spcAft>
+                <a:spcPts val="2133"/>
+              </a:spcAft>
+            </a:pPr>
+            <a:r>
+              <a:rPr lang="en-US" dirty="0"/>
+              <a:t>When you done with lab, post to the Conversation channel </a:t>
+            </a:r>
+          </a:p>
+          <a:p>
+            <a:pPr marL="0" indent="0">
+              <a:spcAft>
+                <a:spcPts val="2133"/>
+              </a:spcAft>
+              <a:buNone/>
+            </a:pPr>
+            <a:r>
+              <a:rPr lang="en-US" dirty="0"/>
+              <a:t>	lab-01 (lab-02, lab-03 </a:t>
+            </a:r>
+            <a:r>
+              <a:rPr lang="en-US" dirty="0" err="1"/>
+              <a:t>etc</a:t>
+            </a:r>
+            <a:r>
+              <a:rPr lang="en-US" dirty="0"/>
+              <a:t>…)</a:t>
+            </a:r>
+          </a:p>
+          <a:p>
+            <a:pPr marL="380990" indent="-380990">
+              <a:spcAft>
+                <a:spcPts val="2133"/>
+              </a:spcAft>
+            </a:pPr>
+            <a:r>
+              <a:rPr lang="en-US" dirty="0"/>
+              <a:t>Feel free to contribute to the labs content by fixing gramma, typos, wrong commands etc..</a:t>
+            </a:r>
+          </a:p>
+          <a:p>
+            <a:pPr marL="380990" indent="-380990">
+              <a:spcAft>
+                <a:spcPts val="2133"/>
+              </a:spcAft>
+            </a:pPr>
+            <a:r>
+              <a:rPr lang="en-US" dirty="0"/>
+              <a:t>Feel free to comment on each lab  </a:t>
+            </a:r>
+          </a:p>
+        </p:txBody>
+      </p:sp>
+      <p:pic>
+        <p:nvPicPr>
+          <p:cNvPr id="5" name="Google Shape;56;p13">
+            <a:extLst>
+              <a:ext uri="{FF2B5EF4-FFF2-40B4-BE49-F238E27FC236}">
+                <a16:creationId xmlns:a16="http://schemas.microsoft.com/office/drawing/2014/main" id="{81B3B5C5-01A2-434D-A011-DC806F05B875}"/>
+              </a:ext>
+            </a:extLst>
+          </p:cNvPr>
+          <p:cNvPicPr preferRelativeResize="0"/>
+          <p:nvPr/>
+        </p:nvPicPr>
+        <p:blipFill>
+          <a:blip r:embed="rId3">
+            <a:alphaModFix/>
+          </a:blip>
+          <a:stretch>
+            <a:fillRect/>
+          </a:stretch>
+        </p:blipFill>
+        <p:spPr>
+          <a:xfrm>
+            <a:off x="10989179" y="5736492"/>
+            <a:ext cx="1202821" cy="1121508"/>
+          </a:xfrm>
+          <a:prstGeom prst="rect">
+            <a:avLst/>
+          </a:prstGeom>
+          <a:noFill/>
+          <a:ln>
+            <a:noFill/>
+          </a:ln>
+        </p:spPr>
+      </p:pic>
+      <p:pic>
+        <p:nvPicPr>
+          <p:cNvPr id="7" name="Picture 6">
+            <a:extLst>
+              <a:ext uri="{FF2B5EF4-FFF2-40B4-BE49-F238E27FC236}">
+                <a16:creationId xmlns:a16="http://schemas.microsoft.com/office/drawing/2014/main" id="{E7BDC0C7-9E31-40D3-BDD6-1ADA514B463B}"/>
+              </a:ext>
+            </a:extLst>
+          </p:cNvPr>
+          <p:cNvPicPr>
+            <a:picLocks noChangeAspect="1"/>
+          </p:cNvPicPr>
+          <p:nvPr/>
+        </p:nvPicPr>
+        <p:blipFill>
+          <a:blip r:embed="rId4"/>
+          <a:stretch>
+            <a:fillRect/>
+          </a:stretch>
+        </p:blipFill>
+        <p:spPr>
+          <a:xfrm>
+            <a:off x="5831840" y="4876672"/>
+            <a:ext cx="3897978" cy="1226595"/>
+          </a:xfrm>
+          <a:prstGeom prst="rect">
+            <a:avLst/>
+          </a:prstGeom>
+        </p:spPr>
+      </p:pic>
+    </p:spTree>
+    <p:extLst>
+      <p:ext uri="{BB962C8B-B14F-4D97-AF65-F5344CB8AC3E}">
+        <p14:creationId xmlns:p14="http://schemas.microsoft.com/office/powerpoint/2010/main" val="1022140202"/>
+      </p:ext>
+    </p:extLst>
+  </p:cSld>
+  <p:clrMapOvr>
+    <a:masterClrMapping/>
+  </p:clrMapOvr>
+</p:sld>
+</file>
+
+<file path=ppt/slides/slide6.xml><?xml version="1.0" encoding="utf-8"?>
 <p:sld xmlns:a="http://schemas.openxmlformats.org/drawingml/2006/main" xmlns:r="http://schemas.openxmlformats.org/officeDocument/2006/relationships" xmlns:p="http://schemas.openxmlformats.org/presentationml/2006/main">
   <p:cSld>
     <p:bg>
@@ -13193,6 +16657,23 @@
               <a:defRPr/>
             </a:pPr>
             <a:r>
+              <a:rPr kumimoji="0" lang="en-US" sz="4200" b="0" i="0" u="none" strike="noStrike" kern="1200" cap="none" spc="0" normalizeH="0" baseline="0" noProof="0" dirty="0" err="1">
+                <a:ln>
+                  <a:noFill/>
+                </a:ln>
+                <a:solidFill>
+                  <a:prstClr val="black"/>
+                </a:solidFill>
+                <a:effectLst/>
+                <a:uLnTx/>
+                <a:uFillTx/>
+                <a:latin typeface="Calibri Light" panose="020F0302020204030204"/>
+                <a:ea typeface="+mn-ea"/>
+                <a:cs typeface="+mn-cs"/>
+              </a:rPr>
+              <a:t>GitOps</a:t>
+            </a:r>
+            <a:r>
               <a:rPr kumimoji="0" lang="en-US" sz="4200" b="0" i="0" u="none" strike="noStrike" kern="1200" cap="none" spc="0" normalizeH="0" baseline="0" noProof="0" dirty="0">
                 <a:ln>
                   <a:noFill/>
@@ -13207,7 +16688,7 @@
                 <a:ea typeface="+mn-ea"/>
                 <a:cs typeface="+mn-cs"/>
               </a:rPr>
-              <a:t>Labs 04-06</a:t>
+              <a:t> with Flux</a:t>
             </a:r>
           </a:p>
         </p:txBody>
@@ -13725,7 +17206,473 @@
     </p:spTree>
     <p:extLst>
       <p:ext uri="{BB962C8B-B14F-4D97-AF65-F5344CB8AC3E}">
-        <p14:creationId xmlns:p14="http://schemas.microsoft.com/office/powerpoint/2010/main" val="3602864984"/>
+        <p14:creationId xmlns:p14="http://schemas.microsoft.com/office/powerpoint/2010/main" val="3576179569"/>
+      </p:ext>
+    </p:extLst>
+  </p:cSld>
+  <p:clrMapOvr>
+    <a:masterClrMapping/>
+  </p:clrMapOvr>
+</p:sld>
+</file>
+
+<file path=ppt/slides/slide7.xml><?xml version="1.0" encoding="utf-8"?>
+<p:sld xmlns:a="http://schemas.openxmlformats.org/drawingml/2006/main" xmlns:r="http://schemas.openxmlformats.org/officeDocument/2006/relationships" xmlns:p="http://schemas.openxmlformats.org/presentationml/2006/main">
+  <p:cSld>
+    <p:spTree>
+      <p:nvGrpSpPr>
+        <p:cNvPr id="1" name=""/>
+        <p:cNvGrpSpPr/>
+        <p:nvPr/>
+      </p:nvGrpSpPr>
+      <p:grpSpPr>
+        <a:xfrm>
+          <a:off x="0" y="0"/>
+          <a:ext cx="0" cy="0"/>
+          <a:chOff x="0" y="0"/>
+          <a:chExt cx="0" cy="0"/>
+        </a:xfrm>
+      </p:grpSpPr>
+      <p:sp>
+        <p:nvSpPr>
+          <p:cNvPr id="2" name="Title 1">
+            <a:extLst>
+              <a:ext uri="{FF2B5EF4-FFF2-40B4-BE49-F238E27FC236}">
+                <a16:creationId xmlns:a16="http://schemas.microsoft.com/office/drawing/2014/main" id="{F3F97211-AC1A-417B-8172-AF5AF7D67D80}"/>
+              </a:ext>
+            </a:extLst>
+          </p:cNvPr>
+          <p:cNvSpPr>
+            <a:spLocks noGrp="1"/>
+          </p:cNvSpPr>
+          <p:nvPr>
+            <p:ph type="title"/>
+          </p:nvPr>
+        </p:nvSpPr>
+        <p:spPr/>
+        <p:txBody>
+          <a:bodyPr/>
+          <a:lstStyle/>
+          <a:p>
+            <a:r>
+              <a:rPr lang="en-US" dirty="0"/>
+              <a:t>Typical k8s configuration and maintenance</a:t>
+            </a:r>
+            <a:endParaRPr lang="LID4096" dirty="0"/>
+          </a:p>
+        </p:txBody>
+      </p:sp>
+      <p:sp>
+        <p:nvSpPr>
+          <p:cNvPr id="3" name="Content Placeholder 2">
+            <a:extLst>
+              <a:ext uri="{FF2B5EF4-FFF2-40B4-BE49-F238E27FC236}">
+                <a16:creationId xmlns:a16="http://schemas.microsoft.com/office/drawing/2014/main" id="{9C6F353C-F464-4CD6-B32D-FBBEB0C40DBC}"/>
+              </a:ext>
+            </a:extLst>
+          </p:cNvPr>
+          <p:cNvSpPr>
+            <a:spLocks noGrp="1"/>
+          </p:cNvSpPr>
+          <p:nvPr>
+            <p:ph idx="1"/>
+          </p:nvPr>
+        </p:nvSpPr>
+        <p:spPr/>
+        <p:txBody>
+          <a:bodyPr>
+            <a:normAutofit fontScale="92500" lnSpcReduction="10000"/>
+          </a:bodyPr>
+          <a:lstStyle/>
+          <a:p>
+            <a:r>
+              <a:rPr lang="en-US" dirty="0"/>
+              <a:t>Provision AKS</a:t>
+            </a:r>
+          </a:p>
+          <a:p>
+            <a:r>
+              <a:rPr lang="en-US" dirty="0"/>
+              <a:t>Prepare manifest and helm. Possible with “master scripts” </a:t>
+            </a:r>
+          </a:p>
+          <a:p>
+            <a:r>
+              <a:rPr lang="en-US" dirty="0"/>
+              <a:t>Run master script and </a:t>
+            </a:r>
+            <a:r>
+              <a:rPr lang="en-US" dirty="0" err="1"/>
+              <a:t>kubectl</a:t>
+            </a:r>
+            <a:r>
+              <a:rPr lang="en-US" dirty="0"/>
+              <a:t> apply –f  configuration to the cluster</a:t>
+            </a:r>
+          </a:p>
+          <a:p>
+            <a:r>
+              <a:rPr lang="en-US" dirty="0"/>
+              <a:t>Change k8s configuration:</a:t>
+            </a:r>
+          </a:p>
+          <a:p>
+            <a:pPr lvl="1"/>
+            <a:r>
+              <a:rPr lang="en-US" dirty="0"/>
+              <a:t>Change configuration -&gt; push to git -&gt; </a:t>
+            </a:r>
+            <a:r>
+              <a:rPr lang="en-US" dirty="0" err="1"/>
+              <a:t>kubectl</a:t>
+            </a:r>
+            <a:r>
+              <a:rPr lang="en-US" dirty="0"/>
+              <a:t> apply –f from local PC</a:t>
+            </a:r>
+          </a:p>
+          <a:p>
+            <a:pPr lvl="1"/>
+            <a:endParaRPr lang="en-US" dirty="0"/>
+          </a:p>
+          <a:p>
+            <a:r>
+              <a:rPr lang="en-US" dirty="0"/>
+              <a:t>Issues – human factor:</a:t>
+            </a:r>
+          </a:p>
+          <a:p>
+            <a:pPr lvl="1"/>
+            <a:r>
+              <a:rPr lang="en-US" dirty="0"/>
+              <a:t>Configuration drift</a:t>
+            </a:r>
+          </a:p>
+          <a:p>
+            <a:pPr lvl="1"/>
+            <a:r>
+              <a:rPr lang="en-US" dirty="0"/>
+              <a:t>Risk of deploying things to the wrong cluster</a:t>
+            </a:r>
+          </a:p>
+          <a:p>
+            <a:pPr lvl="1"/>
+            <a:r>
+              <a:rPr lang="en-US" dirty="0"/>
+              <a:t>Risk of deploying wrong recourses</a:t>
+            </a:r>
+          </a:p>
+          <a:p>
+            <a:pPr lvl="1"/>
+            <a:r>
+              <a:rPr lang="en-US" dirty="0"/>
+              <a:t>Risk of forgetting to commit changes to the repository</a:t>
+            </a:r>
+          </a:p>
+        </p:txBody>
+      </p:sp>
+    </p:spTree>
+    <p:extLst>
+      <p:ext uri="{BB962C8B-B14F-4D97-AF65-F5344CB8AC3E}">
+        <p14:creationId xmlns:p14="http://schemas.microsoft.com/office/powerpoint/2010/main" val="318215158"/>
+      </p:ext>
+    </p:extLst>
+  </p:cSld>
+  <p:clrMapOvr>
+    <a:masterClrMapping/>
+  </p:clrMapOvr>
+</p:sld>
+</file>
+
+<file path=ppt/slides/slide8.xml><?xml version="1.0" encoding="utf-8"?>
+<p:sld xmlns:a="http://schemas.openxmlformats.org/drawingml/2006/main" xmlns:r="http://schemas.openxmlformats.org/officeDocument/2006/relationships" xmlns:p="http://schemas.openxmlformats.org/presentationml/2006/main">
+  <p:cSld>
+    <p:spTree>
+      <p:nvGrpSpPr>
+        <p:cNvPr id="1" name=""/>
+        <p:cNvGrpSpPr/>
+        <p:nvPr/>
+      </p:nvGrpSpPr>
+      <p:grpSpPr>
+        <a:xfrm>
+          <a:off x="0" y="0"/>
+          <a:ext cx="0" cy="0"/>
+          <a:chOff x="0" y="0"/>
+          <a:chExt cx="0" cy="0"/>
+        </a:xfrm>
+      </p:grpSpPr>
+      <p:sp>
+        <p:nvSpPr>
+          <p:cNvPr id="2" name="Title 1">
+            <a:extLst>
+              <a:ext uri="{FF2B5EF4-FFF2-40B4-BE49-F238E27FC236}">
+                <a16:creationId xmlns:a16="http://schemas.microsoft.com/office/drawing/2014/main" id="{3F8C6DF6-30C4-48CB-86E6-288F1857947D}"/>
+              </a:ext>
+            </a:extLst>
+          </p:cNvPr>
+          <p:cNvSpPr>
+            <a:spLocks noGrp="1"/>
+          </p:cNvSpPr>
+          <p:nvPr>
+            <p:ph type="title"/>
+          </p:nvPr>
+        </p:nvSpPr>
+        <p:spPr/>
+        <p:txBody>
+          <a:bodyPr/>
+          <a:lstStyle/>
+          <a:p>
+            <a:r>
+              <a:rPr lang="nb-NO" dirty="0"/>
+              <a:t>GitOps principles</a:t>
+            </a:r>
+            <a:endParaRPr lang="LID4096" dirty="0"/>
+          </a:p>
+        </p:txBody>
+      </p:sp>
+      <p:sp>
+        <p:nvSpPr>
+          <p:cNvPr id="3" name="Content Placeholder 2">
+            <a:extLst>
+              <a:ext uri="{FF2B5EF4-FFF2-40B4-BE49-F238E27FC236}">
+                <a16:creationId xmlns:a16="http://schemas.microsoft.com/office/drawing/2014/main" id="{00BF8E01-02EE-4220-831D-8431DD978AD2}"/>
+              </a:ext>
+            </a:extLst>
+          </p:cNvPr>
+          <p:cNvSpPr>
+            <a:spLocks noGrp="1"/>
+          </p:cNvSpPr>
+          <p:nvPr>
+            <p:ph idx="1"/>
+          </p:nvPr>
+        </p:nvSpPr>
+        <p:spPr/>
+        <p:txBody>
+          <a:bodyPr/>
+          <a:lstStyle/>
+          <a:p>
+            <a:pPr marL="0" indent="0">
+              <a:buNone/>
+            </a:pPr>
+            <a:r>
+              <a:rPr lang="en-US" dirty="0" err="1"/>
+              <a:t>GitOps</a:t>
+            </a:r>
+            <a:r>
+              <a:rPr lang="en-US" dirty="0"/>
+              <a:t> is a set of practices to manage infrastructure and application configurations using Git</a:t>
+            </a:r>
+          </a:p>
+          <a:p>
+            <a:pPr marL="0" indent="0">
+              <a:buNone/>
+            </a:pPr>
+            <a:endParaRPr lang="en-US" dirty="0"/>
+          </a:p>
+          <a:p>
+            <a:r>
+              <a:rPr lang="en-US" dirty="0"/>
+              <a:t>Declarative description of system</a:t>
+            </a:r>
+          </a:p>
+          <a:p>
+            <a:r>
+              <a:rPr lang="en-US" dirty="0"/>
+              <a:t>Git as the single source of truth for all environments </a:t>
+            </a:r>
+          </a:p>
+          <a:p>
+            <a:r>
+              <a:rPr lang="en-US" dirty="0"/>
+              <a:t>Automatically apply approved changes</a:t>
+            </a:r>
+          </a:p>
+          <a:p>
+            <a:r>
+              <a:rPr lang="en-US" dirty="0"/>
+              <a:t>All changes via PR -&gt; are observable/verifiable </a:t>
+            </a:r>
+            <a:endParaRPr lang="LID4096" dirty="0"/>
+          </a:p>
+        </p:txBody>
+      </p:sp>
+    </p:spTree>
+    <p:extLst>
+      <p:ext uri="{BB962C8B-B14F-4D97-AF65-F5344CB8AC3E}">
+        <p14:creationId xmlns:p14="http://schemas.microsoft.com/office/powerpoint/2010/main" val="3196344867"/>
+      </p:ext>
+    </p:extLst>
+  </p:cSld>
+  <p:clrMapOvr>
+    <a:masterClrMapping/>
+  </p:clrMapOvr>
+</p:sld>
+</file>
+
+<file path=ppt/slides/slide9.xml><?xml version="1.0" encoding="utf-8"?>
+<p:sld xmlns:a="http://schemas.openxmlformats.org/drawingml/2006/main" xmlns:r="http://schemas.openxmlformats.org/officeDocument/2006/relationships" xmlns:p="http://schemas.openxmlformats.org/presentationml/2006/main">
+  <p:cSld>
+    <p:spTree>
+      <p:nvGrpSpPr>
+        <p:cNvPr id="1" name=""/>
+        <p:cNvGrpSpPr/>
+        <p:nvPr/>
+      </p:nvGrpSpPr>
+      <p:grpSpPr>
+        <a:xfrm>
+          <a:off x="0" y="0"/>
+          <a:ext cx="0" cy="0"/>
+          <a:chOff x="0" y="0"/>
+          <a:chExt cx="0" cy="0"/>
+        </a:xfrm>
+      </p:grpSpPr>
+      <p:sp>
+        <p:nvSpPr>
+          <p:cNvPr id="2" name="Title 1">
+            <a:extLst>
+              <a:ext uri="{FF2B5EF4-FFF2-40B4-BE49-F238E27FC236}">
+                <a16:creationId xmlns:a16="http://schemas.microsoft.com/office/drawing/2014/main" id="{3290C2C6-08B5-43EA-9C98-E8EC59A36A1B}"/>
+              </a:ext>
+            </a:extLst>
+          </p:cNvPr>
+          <p:cNvSpPr>
+            <a:spLocks noGrp="1"/>
+          </p:cNvSpPr>
+          <p:nvPr>
+            <p:ph type="title"/>
+          </p:nvPr>
+        </p:nvSpPr>
+        <p:spPr/>
+        <p:txBody>
+          <a:bodyPr/>
+          <a:lstStyle/>
+          <a:p>
+            <a:r>
+              <a:rPr lang="en-US" dirty="0"/>
+              <a:t>flux overview</a:t>
+            </a:r>
+            <a:endParaRPr lang="LID4096" dirty="0"/>
+          </a:p>
+        </p:txBody>
+      </p:sp>
+      <p:sp>
+        <p:nvSpPr>
+          <p:cNvPr id="3" name="Content Placeholder 2">
+            <a:extLst>
+              <a:ext uri="{FF2B5EF4-FFF2-40B4-BE49-F238E27FC236}">
+                <a16:creationId xmlns:a16="http://schemas.microsoft.com/office/drawing/2014/main" id="{D01FF86A-FFB5-4DE5-9977-9E36D7444C90}"/>
+              </a:ext>
+            </a:extLst>
+          </p:cNvPr>
+          <p:cNvSpPr>
+            <a:spLocks noGrp="1"/>
+          </p:cNvSpPr>
+          <p:nvPr>
+            <p:ph idx="1"/>
+          </p:nvPr>
+        </p:nvSpPr>
+        <p:spPr/>
+        <p:txBody>
+          <a:bodyPr>
+            <a:normAutofit/>
+          </a:bodyPr>
+          <a:lstStyle/>
+          <a:p>
+            <a:pPr marL="0" indent="0">
+              <a:buNone/>
+            </a:pPr>
+            <a:r>
+              <a:rPr lang="en-US" dirty="0"/>
+              <a:t>Flux is a set of continuous and progressive delivery solutions for Kubernetes that are open and extensible</a:t>
+            </a:r>
+          </a:p>
+          <a:p>
+            <a:endParaRPr lang="en-US" dirty="0"/>
+          </a:p>
+          <a:p>
+            <a:r>
+              <a:rPr lang="en-US" dirty="0"/>
+              <a:t>Flux provides </a:t>
+            </a:r>
+            <a:r>
+              <a:rPr lang="en-US" dirty="0" err="1"/>
+              <a:t>GitOps</a:t>
+            </a:r>
+            <a:r>
+              <a:rPr lang="en-US" dirty="0"/>
+              <a:t> for both apps and infrastructure</a:t>
+            </a:r>
+          </a:p>
+          <a:p>
+            <a:r>
+              <a:rPr lang="en-US" dirty="0"/>
+              <a:t>Just push to Git and Flux does the rest</a:t>
+            </a:r>
+          </a:p>
+          <a:p>
+            <a:r>
+              <a:rPr lang="en-US" dirty="0"/>
+              <a:t>Flux works with your existing tools</a:t>
+            </a:r>
+          </a:p>
+          <a:p>
+            <a:r>
+              <a:rPr lang="nb-NO" dirty="0"/>
+              <a:t>Flux alerts and notifies</a:t>
+            </a:r>
+          </a:p>
+          <a:p>
+            <a:r>
+              <a:rPr lang="nb-NO" dirty="0"/>
+              <a:t>Users trust Flux</a:t>
+            </a:r>
+            <a:endParaRPr lang="LID4096" dirty="0"/>
+          </a:p>
+          <a:p>
+            <a:endParaRPr lang="en-US" dirty="0"/>
+          </a:p>
+        </p:txBody>
+      </p:sp>
+      <p:pic>
+        <p:nvPicPr>
+          <p:cNvPr id="4" name="Picture 3" descr="Icon&#10;&#10;Description automatically generated">
+            <a:extLst>
+              <a:ext uri="{FF2B5EF4-FFF2-40B4-BE49-F238E27FC236}">
+                <a16:creationId xmlns:a16="http://schemas.microsoft.com/office/drawing/2014/main" id="{4512AC5B-25A6-4374-B2BF-CD9F68074952}"/>
+              </a:ext>
+            </a:extLst>
+          </p:cNvPr>
+          <p:cNvPicPr>
+            <a:picLocks noChangeAspect="1"/>
+          </p:cNvPicPr>
+          <p:nvPr/>
+        </p:nvPicPr>
+        <p:blipFill>
+          <a:blip r:embed="rId2">
+            <a:extLst>
+              <a:ext uri="{28A0092B-C50C-407E-A947-70E740481C1C}">
+                <a14:useLocalDpi xmlns:a14="http://schemas.microsoft.com/office/drawing/2010/main" val="0"/>
+              </a:ext>
+            </a:extLst>
+          </a:blip>
+          <a:stretch>
+            <a:fillRect/>
+          </a:stretch>
+        </p:blipFill>
+        <p:spPr>
+          <a:xfrm>
+            <a:off x="10069269" y="279606"/>
+            <a:ext cx="1599427" cy="1599427"/>
+          </a:xfrm>
+          <a:prstGeom prst="rect">
+            <a:avLst/>
+          </a:prstGeom>
+        </p:spPr>
+      </p:pic>
+    </p:spTree>
+    <p:extLst>
+      <p:ext uri="{BB962C8B-B14F-4D97-AF65-F5344CB8AC3E}">
+        <p14:creationId xmlns:p14="http://schemas.microsoft.com/office/powerpoint/2010/main" val="3310391374"/>
       </p:ext>
     </p:extLst>
   </p:cSld>
